--- a/CMU REUSE 2017 Poster.pptx
+++ b/CMU REUSE 2017 Poster.pptx
@@ -4037,7 +4037,7 @@
         </p:nvGrpSpPr>
         <p:grpSpPr>
           <a:xfrm>
-            <a:off x="542762" y="6248519"/>
+            <a:off x="413182" y="6690571"/>
             <a:ext cx="16645738" cy="13010049"/>
             <a:chOff x="1459917" y="6136769"/>
             <a:chExt cx="16645738" cy="13010049"/>
@@ -4051,10 +4051,10 @@
           </p:nvGrpSpPr>
           <p:grpSpPr>
             <a:xfrm>
-              <a:off x="12160994" y="8495937"/>
-              <a:ext cx="5944661" cy="8198551"/>
-              <a:chOff x="12160993" y="8547641"/>
-              <a:chExt cx="5944661" cy="8198551"/>
+              <a:off x="12160994" y="8650532"/>
+              <a:ext cx="5944661" cy="8043956"/>
+              <a:chOff x="12160993" y="8702236"/>
+              <a:chExt cx="5944661" cy="8043956"/>
             </a:xfrm>
           </p:grpSpPr>
           <p:sp>
@@ -4106,7 +4106,7 @@
             </p:nvSpPr>
             <p:spPr>
               <a:xfrm>
-                <a:off x="13225589" y="8547641"/>
+                <a:off x="13225589" y="8702236"/>
                 <a:ext cx="3815468" cy="861774"/>
               </a:xfrm>
               <a:prstGeom prst="rect">
@@ -4720,7 +4720,7 @@
       </p:grpSp>
       <p:grpSp>
         <p:nvGrpSpPr>
-          <p:cNvPr id="52" name="Group 51"/>
+          <p:cNvPr id="63" name="Group 62"/>
           <p:cNvGrpSpPr/>
           <p:nvPr/>
         </p:nvGrpSpPr>
@@ -4734,43 +4734,228 @@
         </p:grpSpPr>
         <p:grpSp>
           <p:nvGrpSpPr>
-            <p:cNvPr id="43" name="Group 42"/>
+            <p:cNvPr id="52" name="Group 51"/>
             <p:cNvGrpSpPr/>
             <p:nvPr/>
           </p:nvGrpSpPr>
           <p:grpSpPr>
             <a:xfrm>
-              <a:off x="-715956" y="-108030"/>
-              <a:ext cx="25439969" cy="3693285"/>
-              <a:chOff x="-820576" y="860405"/>
-              <a:chExt cx="27719240" cy="3425315"/>
+              <a:off x="-715956" y="-505151"/>
+              <a:ext cx="33393724" cy="4487525"/>
+              <a:chOff x="-715956" y="-505151"/>
+              <a:chExt cx="33393724" cy="4487525"/>
             </a:xfrm>
           </p:grpSpPr>
+          <p:grpSp>
+            <p:nvGrpSpPr>
+              <p:cNvPr id="43" name="Group 42"/>
+              <p:cNvGrpSpPr/>
+              <p:nvPr/>
+            </p:nvGrpSpPr>
+            <p:grpSpPr>
+              <a:xfrm>
+                <a:off x="-715956" y="-108030"/>
+                <a:ext cx="25439969" cy="3693285"/>
+                <a:chOff x="-820576" y="860405"/>
+                <a:chExt cx="27719240" cy="3425315"/>
+              </a:xfrm>
+            </p:grpSpPr>
+            <p:sp>
+              <p:nvSpPr>
+                <p:cNvPr id="42" name="Arrow: Pentagon 41"/>
+                <p:cNvSpPr/>
+                <p:nvPr/>
+              </p:nvSpPr>
+              <p:spPr>
+                <a:xfrm>
+                  <a:off x="-198988" y="860405"/>
+                  <a:ext cx="27097652" cy="3425315"/>
+                </a:xfrm>
+                <a:prstGeom prst="homePlate">
+                  <a:avLst/>
+                </a:prstGeom>
+                <a:solidFill>
+                  <a:schemeClr val="accent1">
+                    <a:lumMod val="75000"/>
+                  </a:schemeClr>
+                </a:solidFill>
+                <a:ln>
+                  <a:noFill/>
+                </a:ln>
+                <a:effectLst>
+                  <a:softEdge rad="0"/>
+                </a:effectLst>
+              </p:spPr>
+              <p:style>
+                <a:lnRef idx="2">
+                  <a:schemeClr val="accent1">
+                    <a:shade val="50000"/>
+                  </a:schemeClr>
+                </a:lnRef>
+                <a:fillRef idx="1">
+                  <a:schemeClr val="accent1"/>
+                </a:fillRef>
+                <a:effectRef idx="0">
+                  <a:schemeClr val="accent1"/>
+                </a:effectRef>
+                <a:fontRef idx="minor">
+                  <a:schemeClr val="lt1"/>
+                </a:fontRef>
+              </p:style>
+              <p:txBody>
+                <a:bodyPr rtlCol="0" anchor="ctr"/>
+                <a:lstStyle/>
+                <a:p>
+                  <a:pPr algn="ctr"/>
+                  <a:endParaRPr lang="en-US"/>
+                </a:p>
+              </p:txBody>
+            </p:sp>
+            <p:sp>
+              <p:nvSpPr>
+                <p:cNvPr id="68" name="Shape 68"/>
+                <p:cNvSpPr txBox="1"/>
+                <p:nvPr/>
+              </p:nvSpPr>
+              <p:spPr>
+                <a:xfrm>
+                  <a:off x="-820576" y="1416912"/>
+                  <a:ext cx="8030101" cy="2644500"/>
+                </a:xfrm>
+                <a:prstGeom prst="rect">
+                  <a:avLst/>
+                </a:prstGeom>
+                <a:noFill/>
+                <a:ln>
+                  <a:noFill/>
+                </a:ln>
+              </p:spPr>
+              <p:txBody>
+                <a:bodyPr lIns="91425" tIns="91425" rIns="91425" bIns="91425" anchor="t" anchorCtr="0">
+                  <a:noAutofit/>
+                </a:bodyPr>
+                <a:lstStyle/>
+                <a:p>
+                  <a:pPr lvl="0" algn="ctr">
+                    <a:spcBef>
+                      <a:spcPts val="0"/>
+                    </a:spcBef>
+                    <a:buNone/>
+                  </a:pPr>
+                  <a:r>
+                    <a:rPr lang="en" sz="13000" b="1" dirty="0">
+                      <a:solidFill>
+                        <a:schemeClr val="bg1"/>
+                      </a:solidFill>
+                      <a:latin typeface="Oxygen"/>
+                      <a:ea typeface="Oxygen"/>
+                      <a:cs typeface="Oxygen"/>
+                      <a:sym typeface="Oxygen"/>
+                    </a:rPr>
+                    <a:t>Trinity</a:t>
+                  </a:r>
+                  <a:r>
+                    <a:rPr lang="en" sz="12000" b="1" dirty="0">
+                      <a:solidFill>
+                        <a:schemeClr val="bg1"/>
+                      </a:solidFill>
+                      <a:latin typeface="Oxygen"/>
+                      <a:ea typeface="Oxygen"/>
+                      <a:cs typeface="Oxygen"/>
+                      <a:sym typeface="Oxygen"/>
+                    </a:rPr>
+                    <a:t>:</a:t>
+                  </a:r>
+                </a:p>
+              </p:txBody>
+            </p:sp>
+            <p:sp>
+              <p:nvSpPr>
+                <p:cNvPr id="69" name="Shape 69"/>
+                <p:cNvSpPr txBox="1"/>
+                <p:nvPr/>
+              </p:nvSpPr>
+              <p:spPr>
+                <a:xfrm>
+                  <a:off x="6847226" y="1263782"/>
+                  <a:ext cx="19004174" cy="2374940"/>
+                </a:xfrm>
+                <a:prstGeom prst="rect">
+                  <a:avLst/>
+                </a:prstGeom>
+                <a:noFill/>
+                <a:ln>
+                  <a:noFill/>
+                </a:ln>
+              </p:spPr>
+              <p:txBody>
+                <a:bodyPr lIns="91425" tIns="91425" rIns="91425" bIns="91425" anchor="t" anchorCtr="0">
+                  <a:noAutofit/>
+                </a:bodyPr>
+                <a:lstStyle/>
+                <a:p>
+                  <a:pPr lvl="0">
+                    <a:spcBef>
+                      <a:spcPts val="0"/>
+                    </a:spcBef>
+                    <a:buNone/>
+                  </a:pPr>
+                  <a:r>
+                    <a:rPr lang="en" sz="7800" dirty="0">
+                      <a:solidFill>
+                        <a:schemeClr val="bg1"/>
+                      </a:solidFill>
+                      <a:latin typeface="Oxygen"/>
+                      <a:ea typeface="Oxygen"/>
+                      <a:cs typeface="Oxygen"/>
+                      <a:sym typeface="Oxygen"/>
+                    </a:rPr>
+                    <a:t>A Language for Multi-View </a:t>
+                  </a:r>
+                </a:p>
+                <a:p>
+                  <a:pPr lvl="0">
+                    <a:spcBef>
+                      <a:spcPts val="0"/>
+                    </a:spcBef>
+                    <a:buNone/>
+                  </a:pPr>
+                  <a:r>
+                    <a:rPr lang="en" sz="7800" dirty="0">
+                      <a:solidFill>
+                        <a:schemeClr val="bg1"/>
+                      </a:solidFill>
+                      <a:latin typeface="Oxygen"/>
+                      <a:ea typeface="Oxygen"/>
+                      <a:cs typeface="Oxygen"/>
+                      <a:sym typeface="Oxygen"/>
+                    </a:rPr>
+                    <a:t>Architecture Description and Control</a:t>
+                  </a:r>
+                </a:p>
+              </p:txBody>
+            </p:sp>
+          </p:grpSp>
           <p:sp>
             <p:nvSpPr>
-              <p:cNvPr id="42" name="Arrow: Pentagon 41"/>
+              <p:cNvPr id="51" name="Arrow: Chevron 50"/>
               <p:cNvSpPr/>
               <p:nvPr/>
             </p:nvSpPr>
             <p:spPr>
               <a:xfrm>
-                <a:off x="-198988" y="860405"/>
-                <a:ext cx="27097652" cy="3425315"/>
+                <a:off x="23174307" y="-505151"/>
+                <a:ext cx="9503461" cy="4487525"/>
               </a:xfrm>
-              <a:prstGeom prst="homePlate">
+              <a:prstGeom prst="chevron">
                 <a:avLst/>
               </a:prstGeom>
               <a:solidFill>
-                <a:schemeClr val="accent1">
-                  <a:lumMod val="75000"/>
-                </a:schemeClr>
+                <a:srgbClr val="ABDB77"/>
               </a:solidFill>
               <a:ln>
                 <a:noFill/>
               </a:ln>
-              <a:effectLst>
-                <a:softEdge rad="0"/>
-              </a:effectLst>
             </p:spPr>
             <p:style>
               <a:lnRef idx="2">
@@ -4793,326 +4978,156 @@
               <a:lstStyle/>
               <a:p>
                 <a:pPr algn="ctr"/>
-                <a:endParaRPr lang="en-US"/>
+                <a:endParaRPr lang="en-US" dirty="0">
+                  <a:solidFill>
+                    <a:schemeClr val="tx1"/>
+                  </a:solidFill>
+                </a:endParaRPr>
               </a:p>
             </p:txBody>
           </p:sp>
+        </p:grpSp>
+        <p:grpSp>
+          <p:nvGrpSpPr>
+            <p:cNvPr id="55" name="Group 54"/>
+            <p:cNvGrpSpPr/>
+            <p:nvPr/>
+          </p:nvGrpSpPr>
+          <p:grpSpPr>
+            <a:xfrm>
+              <a:off x="24079465" y="265952"/>
+              <a:ext cx="5655802" cy="3217667"/>
+              <a:chOff x="23270275" y="257500"/>
+              <a:chExt cx="5655802" cy="3217667"/>
+            </a:xfrm>
+          </p:grpSpPr>
           <p:sp>
             <p:nvSpPr>
-              <p:cNvPr id="68" name="Shape 68"/>
+              <p:cNvPr id="53" name="TextBox 52"/>
               <p:cNvSpPr txBox="1"/>
               <p:nvPr/>
             </p:nvSpPr>
             <p:spPr>
               <a:xfrm>
-                <a:off x="-820576" y="1416912"/>
-                <a:ext cx="8030101" cy="2644500"/>
+                <a:off x="23986930" y="257500"/>
+                <a:ext cx="4939147" cy="892552"/>
               </a:xfrm>
               <a:prstGeom prst="rect">
                 <a:avLst/>
               </a:prstGeom>
               <a:noFill/>
-              <a:ln>
-                <a:noFill/>
-              </a:ln>
             </p:spPr>
             <p:txBody>
-              <a:bodyPr lIns="91425" tIns="91425" rIns="91425" bIns="91425" anchor="t" anchorCtr="0">
-                <a:noAutofit/>
+              <a:bodyPr wrap="square" rtlCol="0">
+                <a:spAutoFit/>
               </a:bodyPr>
               <a:lstStyle/>
               <a:p>
-                <a:pPr lvl="0" algn="ctr">
-                  <a:spcBef>
-                    <a:spcPts val="0"/>
-                  </a:spcBef>
-                  <a:buNone/>
-                </a:pPr>
+                <a:pPr algn="r"/>
                 <a:r>
-                  <a:rPr lang="en" sz="13000" b="1" dirty="0">
+                  <a:rPr lang="en-US" sz="2600" b="1" dirty="0">
                     <a:solidFill>
                       <a:schemeClr val="bg1"/>
                     </a:solidFill>
-                    <a:latin typeface="Oxygen"/>
-                    <a:ea typeface="Oxygen"/>
-                    <a:cs typeface="Oxygen"/>
-                    <a:sym typeface="Oxygen"/>
+                    <a:latin typeface="Oxygen" panose="02000503000000000000" pitchFamily="2" charset="0"/>
                   </a:rPr>
-                  <a:t>Trinity</a:t>
-                </a:r>
-                <a:r>
-                  <a:rPr lang="en" sz="12000" b="1" dirty="0">
-                    <a:solidFill>
-                      <a:schemeClr val="bg1"/>
-                    </a:solidFill>
-                    <a:latin typeface="Oxygen"/>
-                    <a:ea typeface="Oxygen"/>
-                    <a:cs typeface="Oxygen"/>
-                    <a:sym typeface="Oxygen"/>
-                  </a:rPr>
-                  <a:t>:</a:t>
+                  <a:t>Maddie Kirwin kirwinma@grinnell.edu</a:t>
                 </a:r>
               </a:p>
             </p:txBody>
           </p:sp>
           <p:sp>
             <p:nvSpPr>
-              <p:cNvPr id="69" name="Shape 69"/>
+              <p:cNvPr id="54" name="TextBox 53"/>
               <p:cNvSpPr txBox="1"/>
               <p:nvPr/>
             </p:nvSpPr>
             <p:spPr>
               <a:xfrm>
-                <a:off x="6847226" y="1263782"/>
-                <a:ext cx="19004174" cy="2374940"/>
+                <a:off x="23944645" y="1411610"/>
+                <a:ext cx="4981432" cy="892552"/>
               </a:xfrm>
               <a:prstGeom prst="rect">
                 <a:avLst/>
               </a:prstGeom>
               <a:noFill/>
-              <a:ln>
-                <a:noFill/>
-              </a:ln>
             </p:spPr>
             <p:txBody>
-              <a:bodyPr lIns="91425" tIns="91425" rIns="91425" bIns="91425" anchor="t" anchorCtr="0">
-                <a:noAutofit/>
+              <a:bodyPr wrap="square" rtlCol="0">
+                <a:spAutoFit/>
               </a:bodyPr>
               <a:lstStyle/>
               <a:p>
-                <a:pPr lvl="0">
-                  <a:spcBef>
-                    <a:spcPts val="0"/>
-                  </a:spcBef>
-                  <a:buNone/>
-                </a:pPr>
+                <a:pPr algn="r"/>
                 <a:r>
-                  <a:rPr lang="en" sz="7800" dirty="0">
+                  <a:rPr lang="en-US" sz="2600" b="1" dirty="0" err="1">
                     <a:solidFill>
                       <a:schemeClr val="bg1"/>
                     </a:solidFill>
-                    <a:latin typeface="Oxygen"/>
-                    <a:ea typeface="Oxygen"/>
-                    <a:cs typeface="Oxygen"/>
-                    <a:sym typeface="Oxygen"/>
+                    <a:latin typeface="Oxygen" panose="02000503000000000000" pitchFamily="2" charset="0"/>
                   </a:rPr>
-                  <a:t>A Language for Multi-View </a:t>
+                  <a:t>Selva</a:t>
+                </a:r>
+                <a:r>
+                  <a:rPr lang="en-US" sz="2600" b="1" dirty="0">
+                    <a:solidFill>
+                      <a:schemeClr val="bg1"/>
+                    </a:solidFill>
+                    <a:latin typeface="Oxygen" panose="02000503000000000000" pitchFamily="2" charset="0"/>
+                  </a:rPr>
+                  <a:t> Samuel ssamuel@cs.cmu.edu</a:t>
+                </a:r>
+              </a:p>
+            </p:txBody>
+          </p:sp>
+          <p:sp>
+            <p:nvSpPr>
+              <p:cNvPr id="65" name="TextBox 64"/>
+              <p:cNvSpPr txBox="1"/>
+              <p:nvPr/>
+            </p:nvSpPr>
+            <p:spPr>
+              <a:xfrm>
+                <a:off x="23270275" y="2613393"/>
+                <a:ext cx="5655802" cy="861774"/>
+              </a:xfrm>
+              <a:prstGeom prst="rect">
+                <a:avLst/>
+              </a:prstGeom>
+              <a:noFill/>
+            </p:spPr>
+            <p:txBody>
+              <a:bodyPr wrap="square" rtlCol="0">
+                <a:spAutoFit/>
+              </a:bodyPr>
+              <a:lstStyle/>
+              <a:p>
+                <a:pPr algn="r"/>
+                <a:r>
+                  <a:rPr lang="en-US" sz="2500" b="1" dirty="0">
+                    <a:solidFill>
+                      <a:schemeClr val="bg1"/>
+                    </a:solidFill>
+                    <a:latin typeface="Oxygen" panose="02000503000000000000" pitchFamily="2" charset="0"/>
+                  </a:rPr>
+                  <a:t>Jonathan Aldrich</a:t>
                 </a:r>
               </a:p>
               <a:p>
-                <a:pPr lvl="0">
-                  <a:spcBef>
-                    <a:spcPts val="0"/>
-                  </a:spcBef>
-                  <a:buNone/>
-                </a:pPr>
+                <a:pPr algn="r"/>
                 <a:r>
-                  <a:rPr lang="en" sz="7800" dirty="0">
+                  <a:rPr lang="en-US" sz="2500" b="1" dirty="0">
                     <a:solidFill>
                       <a:schemeClr val="bg1"/>
                     </a:solidFill>
-                    <a:latin typeface="Oxygen"/>
-                    <a:ea typeface="Oxygen"/>
-                    <a:cs typeface="Oxygen"/>
-                    <a:sym typeface="Oxygen"/>
+                    <a:latin typeface="Oxygen" panose="02000503000000000000" pitchFamily="2" charset="0"/>
                   </a:rPr>
-                  <a:t>Architecture Description and Control</a:t>
+                  <a:t>Jonathan.Aldrich@cs.cmu.edu</a:t>
                 </a:r>
               </a:p>
             </p:txBody>
           </p:sp>
         </p:grpSp>
-        <p:sp>
-          <p:nvSpPr>
-            <p:cNvPr id="51" name="Arrow: Chevron 50"/>
-            <p:cNvSpPr/>
-            <p:nvPr/>
-          </p:nvSpPr>
-          <p:spPr>
-            <a:xfrm>
-              <a:off x="23174307" y="-505151"/>
-              <a:ext cx="9503461" cy="4487525"/>
-            </a:xfrm>
-            <a:prstGeom prst="chevron">
-              <a:avLst/>
-            </a:prstGeom>
-            <a:solidFill>
-              <a:srgbClr val="ABDB77"/>
-            </a:solidFill>
-            <a:ln>
-              <a:noFill/>
-            </a:ln>
-          </p:spPr>
-          <p:style>
-            <a:lnRef idx="2">
-              <a:schemeClr val="accent1">
-                <a:shade val="50000"/>
-              </a:schemeClr>
-            </a:lnRef>
-            <a:fillRef idx="1">
-              <a:schemeClr val="accent1"/>
-            </a:fillRef>
-            <a:effectRef idx="0">
-              <a:schemeClr val="accent1"/>
-            </a:effectRef>
-            <a:fontRef idx="minor">
-              <a:schemeClr val="lt1"/>
-            </a:fontRef>
-          </p:style>
-          <p:txBody>
-            <a:bodyPr rtlCol="0" anchor="ctr"/>
-            <a:lstStyle/>
-            <a:p>
-              <a:pPr algn="ctr"/>
-              <a:endParaRPr lang="en-US" dirty="0">
-                <a:solidFill>
-                  <a:schemeClr val="tx1"/>
-                </a:solidFill>
-              </a:endParaRPr>
-            </a:p>
-          </p:txBody>
-        </p:sp>
-      </p:grpSp>
-      <p:grpSp>
-        <p:nvGrpSpPr>
-          <p:cNvPr id="55" name="Group 54"/>
-          <p:cNvGrpSpPr/>
-          <p:nvPr/>
-        </p:nvGrpSpPr>
-        <p:grpSpPr>
-          <a:xfrm>
-            <a:off x="24079465" y="265952"/>
-            <a:ext cx="5655802" cy="3217667"/>
-            <a:chOff x="23270275" y="257500"/>
-            <a:chExt cx="5655802" cy="3217667"/>
-          </a:xfrm>
-        </p:grpSpPr>
-        <p:sp>
-          <p:nvSpPr>
-            <p:cNvPr id="53" name="TextBox 52"/>
-            <p:cNvSpPr txBox="1"/>
-            <p:nvPr/>
-          </p:nvSpPr>
-          <p:spPr>
-            <a:xfrm>
-              <a:off x="23986930" y="257500"/>
-              <a:ext cx="4939147" cy="892552"/>
-            </a:xfrm>
-            <a:prstGeom prst="rect">
-              <a:avLst/>
-            </a:prstGeom>
-            <a:noFill/>
-          </p:spPr>
-          <p:txBody>
-            <a:bodyPr wrap="square" rtlCol="0">
-              <a:spAutoFit/>
-            </a:bodyPr>
-            <a:lstStyle/>
-            <a:p>
-              <a:pPr algn="r"/>
-              <a:r>
-                <a:rPr lang="en-US" sz="2600" b="1" dirty="0">
-                  <a:solidFill>
-                    <a:schemeClr val="bg1"/>
-                  </a:solidFill>
-                  <a:latin typeface="Oxygen" panose="02000503000000000000" pitchFamily="2" charset="0"/>
-                </a:rPr>
-                <a:t>Maddie Kirwin kirwinma@grinnell.edu</a:t>
-              </a:r>
-            </a:p>
-          </p:txBody>
-        </p:sp>
-        <p:sp>
-          <p:nvSpPr>
-            <p:cNvPr id="54" name="TextBox 53"/>
-            <p:cNvSpPr txBox="1"/>
-            <p:nvPr/>
-          </p:nvSpPr>
-          <p:spPr>
-            <a:xfrm>
-              <a:off x="23944645" y="1411610"/>
-              <a:ext cx="4981432" cy="892552"/>
-            </a:xfrm>
-            <a:prstGeom prst="rect">
-              <a:avLst/>
-            </a:prstGeom>
-            <a:noFill/>
-          </p:spPr>
-          <p:txBody>
-            <a:bodyPr wrap="square" rtlCol="0">
-              <a:spAutoFit/>
-            </a:bodyPr>
-            <a:lstStyle/>
-            <a:p>
-              <a:pPr algn="r"/>
-              <a:r>
-                <a:rPr lang="en-US" sz="2600" b="1" dirty="0" err="1">
-                  <a:solidFill>
-                    <a:schemeClr val="bg1"/>
-                  </a:solidFill>
-                  <a:latin typeface="Oxygen" panose="02000503000000000000" pitchFamily="2" charset="0"/>
-                </a:rPr>
-                <a:t>Selva</a:t>
-              </a:r>
-              <a:r>
-                <a:rPr lang="en-US" sz="2600" b="1" dirty="0">
-                  <a:solidFill>
-                    <a:schemeClr val="bg1"/>
-                  </a:solidFill>
-                  <a:latin typeface="Oxygen" panose="02000503000000000000" pitchFamily="2" charset="0"/>
-                </a:rPr>
-                <a:t> Samuel ssamuel@cs.cmu.edu</a:t>
-              </a:r>
-            </a:p>
-          </p:txBody>
-        </p:sp>
-        <p:sp>
-          <p:nvSpPr>
-            <p:cNvPr id="65" name="TextBox 64"/>
-            <p:cNvSpPr txBox="1"/>
-            <p:nvPr/>
-          </p:nvSpPr>
-          <p:spPr>
-            <a:xfrm>
-              <a:off x="23270275" y="2613393"/>
-              <a:ext cx="5655802" cy="861774"/>
-            </a:xfrm>
-            <a:prstGeom prst="rect">
-              <a:avLst/>
-            </a:prstGeom>
-            <a:noFill/>
-          </p:spPr>
-          <p:txBody>
-            <a:bodyPr wrap="square" rtlCol="0">
-              <a:spAutoFit/>
-            </a:bodyPr>
-            <a:lstStyle/>
-            <a:p>
-              <a:pPr algn="r"/>
-              <a:r>
-                <a:rPr lang="en-US" sz="2500" b="1" dirty="0">
-                  <a:solidFill>
-                    <a:schemeClr val="bg1"/>
-                  </a:solidFill>
-                  <a:latin typeface="Oxygen" panose="02000503000000000000" pitchFamily="2" charset="0"/>
-                </a:rPr>
-                <a:t>Jonathan Aldrich</a:t>
-              </a:r>
-            </a:p>
-            <a:p>
-              <a:pPr algn="r"/>
-              <a:r>
-                <a:rPr lang="en-US" sz="2500" b="1" dirty="0">
-                  <a:solidFill>
-                    <a:schemeClr val="bg1"/>
-                  </a:solidFill>
-                  <a:latin typeface="Oxygen" panose="02000503000000000000" pitchFamily="2" charset="0"/>
-                </a:rPr>
-                <a:t>Jonathan.Aldrich@cs.cmu.edu</a:t>
-              </a:r>
-            </a:p>
-          </p:txBody>
-        </p:sp>
       </p:grpSp>
       <p:grpSp>
         <p:nvGrpSpPr>
@@ -5123,9 +5138,9 @@
         <p:grpSpPr>
           <a:xfrm>
             <a:off x="0" y="20608742"/>
-            <a:ext cx="30465703" cy="11439628"/>
+            <a:ext cx="30412229" cy="11439628"/>
             <a:chOff x="0" y="20608742"/>
-            <a:chExt cx="30465703" cy="11439628"/>
+            <a:chExt cx="30412229" cy="11439628"/>
           </a:xfrm>
         </p:grpSpPr>
         <p:sp>
@@ -5185,7 +5200,7 @@
           </p:nvSpPr>
           <p:spPr>
             <a:xfrm rot="10800000">
-              <a:off x="22686330" y="23494038"/>
+              <a:off x="22632856" y="21905867"/>
               <a:ext cx="7779373" cy="2819796"/>
             </a:xfrm>
             <a:prstGeom prst="homePlate">
@@ -5231,7 +5246,7 @@
           </p:nvSpPr>
           <p:spPr>
             <a:xfrm>
-              <a:off x="24560398" y="24088327"/>
+              <a:off x="24560398" y="22500156"/>
               <a:ext cx="5368302" cy="1631216"/>
             </a:xfrm>
             <a:prstGeom prst="rect">
@@ -5331,9 +5346,9 @@
           </p:nvGrpSpPr>
           <p:grpSpPr>
             <a:xfrm rot="10800000">
-              <a:off x="22545675" y="35114782"/>
+              <a:off x="22545675" y="34606782"/>
               <a:ext cx="7779373" cy="2557834"/>
-              <a:chOff x="-140655" y="23001068"/>
+              <a:chOff x="-140655" y="23359323"/>
               <a:chExt cx="8241859" cy="1803853"/>
             </a:xfrm>
             <a:solidFill>
@@ -5350,7 +5365,7 @@
             </p:nvSpPr>
             <p:spPr>
               <a:xfrm>
-                <a:off x="-140655" y="23001068"/>
+                <a:off x="-140655" y="23359323"/>
                 <a:ext cx="8241859" cy="1803853"/>
               </a:xfrm>
               <a:prstGeom prst="homePlate">
@@ -5398,7 +5413,7 @@
             </p:nvSpPr>
             <p:spPr>
               <a:xfrm rot="10800000">
-                <a:off x="-58900" y="23327806"/>
+                <a:off x="-58898" y="23686061"/>
                 <a:ext cx="6363759" cy="1150377"/>
               </a:xfrm>
               <a:prstGeom prst="rect">
@@ -5426,6 +5441,202 @@
           </p:sp>
         </p:grpSp>
       </p:grpSp>
+      <p:grpSp>
+        <p:nvGrpSpPr>
+          <p:cNvPr id="66" name="Group 65"/>
+          <p:cNvGrpSpPr/>
+          <p:nvPr/>
+        </p:nvGrpSpPr>
+        <p:grpSpPr>
+          <a:xfrm>
+            <a:off x="-1014796" y="3933422"/>
+            <a:ext cx="11358461" cy="1837824"/>
+            <a:chOff x="-1300062" y="3789473"/>
+            <a:chExt cx="11358461" cy="1837824"/>
+          </a:xfrm>
+        </p:grpSpPr>
+        <p:sp>
+          <p:nvSpPr>
+            <p:cNvPr id="62" name="Arrow: Chevron 61"/>
+            <p:cNvSpPr/>
+            <p:nvPr/>
+          </p:nvSpPr>
+          <p:spPr>
+            <a:xfrm rot="10800000">
+              <a:off x="-1300062" y="3789473"/>
+              <a:ext cx="11358461" cy="1837824"/>
+            </a:xfrm>
+            <a:prstGeom prst="chevron">
+              <a:avLst/>
+            </a:prstGeom>
+            <a:solidFill>
+              <a:srgbClr val="CD6D6D"/>
+            </a:solidFill>
+            <a:ln>
+              <a:noFill/>
+            </a:ln>
+          </p:spPr>
+          <p:style>
+            <a:lnRef idx="2">
+              <a:schemeClr val="accent1">
+                <a:shade val="50000"/>
+              </a:schemeClr>
+            </a:lnRef>
+            <a:fillRef idx="1">
+              <a:schemeClr val="accent1"/>
+            </a:fillRef>
+            <a:effectRef idx="0">
+              <a:schemeClr val="accent1"/>
+            </a:effectRef>
+            <a:fontRef idx="minor">
+              <a:schemeClr val="lt1"/>
+            </a:fontRef>
+          </p:style>
+          <p:txBody>
+            <a:bodyPr rtlCol="0" anchor="ctr"/>
+            <a:lstStyle/>
+            <a:p>
+              <a:pPr algn="ctr"/>
+              <a:endParaRPr lang="en-US" sz="5000" dirty="0">
+                <a:solidFill>
+                  <a:schemeClr val="bg1"/>
+                </a:solidFill>
+                <a:latin typeface="Oswald"/>
+              </a:endParaRPr>
+            </a:p>
+          </p:txBody>
+        </p:sp>
+        <p:sp>
+          <p:nvSpPr>
+            <p:cNvPr id="64" name="TextBox 63"/>
+            <p:cNvSpPr txBox="1"/>
+            <p:nvPr/>
+          </p:nvSpPr>
+          <p:spPr>
+            <a:xfrm>
+              <a:off x="-16462" y="4129408"/>
+              <a:ext cx="9073037" cy="1092607"/>
+            </a:xfrm>
+            <a:prstGeom prst="rect">
+              <a:avLst/>
+            </a:prstGeom>
+            <a:noFill/>
+          </p:spPr>
+          <p:txBody>
+            <a:bodyPr wrap="square" rtlCol="0">
+              <a:spAutoFit/>
+            </a:bodyPr>
+            <a:lstStyle/>
+            <a:p>
+              <a:r>
+                <a:rPr lang="en-US" sz="6500" b="1" dirty="0">
+                  <a:solidFill>
+                    <a:schemeClr val="bg1"/>
+                  </a:solidFill>
+                  <a:latin typeface="Oxygen" panose="02000503000000000000" pitchFamily="2" charset="0"/>
+                </a:rPr>
+                <a:t>Software Architecture</a:t>
+              </a:r>
+            </a:p>
+          </p:txBody>
+        </p:sp>
+      </p:grpSp>
+      <p:sp>
+        <p:nvSpPr>
+          <p:cNvPr id="79" name="Explosion: 8 Points 78"/>
+          <p:cNvSpPr/>
+          <p:nvPr/>
+        </p:nvSpPr>
+        <p:spPr>
+          <a:xfrm>
+            <a:off x="-821254" y="4961143"/>
+            <a:ext cx="11548770" cy="15647600"/>
+          </a:xfrm>
+          <a:prstGeom prst="irregularSeal1">
+            <a:avLst/>
+          </a:prstGeom>
+          <a:solidFill>
+            <a:srgbClr val="97D256">
+              <a:alpha val="20000"/>
+            </a:srgbClr>
+          </a:solidFill>
+          <a:ln>
+            <a:noFill/>
+          </a:ln>
+        </p:spPr>
+        <p:style>
+          <a:lnRef idx="2">
+            <a:schemeClr val="accent1">
+              <a:shade val="50000"/>
+            </a:schemeClr>
+          </a:lnRef>
+          <a:fillRef idx="1">
+            <a:schemeClr val="accent1"/>
+          </a:fillRef>
+          <a:effectRef idx="0">
+            <a:schemeClr val="accent1"/>
+          </a:effectRef>
+          <a:fontRef idx="minor">
+            <a:schemeClr val="lt1"/>
+          </a:fontRef>
+        </p:style>
+        <p:txBody>
+          <a:bodyPr rtlCol="0" anchor="ctr"/>
+          <a:lstStyle/>
+          <a:p>
+            <a:pPr algn="ctr"/>
+            <a:endParaRPr lang="en-US"/>
+          </a:p>
+        </p:txBody>
+      </p:sp>
+      <p:sp>
+        <p:nvSpPr>
+          <p:cNvPr id="82" name="Oval 81"/>
+          <p:cNvSpPr/>
+          <p:nvPr/>
+        </p:nvSpPr>
+        <p:spPr>
+          <a:xfrm>
+            <a:off x="10921058" y="11254012"/>
+            <a:ext cx="8040015" cy="7429465"/>
+          </a:xfrm>
+          <a:prstGeom prst="ellipse">
+            <a:avLst/>
+          </a:prstGeom>
+          <a:solidFill>
+            <a:srgbClr val="CD6D6D">
+              <a:alpha val="10000"/>
+            </a:srgbClr>
+          </a:solidFill>
+          <a:ln>
+            <a:noFill/>
+          </a:ln>
+        </p:spPr>
+        <p:style>
+          <a:lnRef idx="2">
+            <a:schemeClr val="accent1">
+              <a:shade val="50000"/>
+            </a:schemeClr>
+          </a:lnRef>
+          <a:fillRef idx="1">
+            <a:schemeClr val="accent1"/>
+          </a:fillRef>
+          <a:effectRef idx="0">
+            <a:schemeClr val="accent1"/>
+          </a:effectRef>
+          <a:fontRef idx="minor">
+            <a:schemeClr val="lt1"/>
+          </a:fontRef>
+        </p:style>
+        <p:txBody>
+          <a:bodyPr rtlCol="0" anchor="ctr"/>
+          <a:lstStyle/>
+          <a:p>
+            <a:pPr algn="ctr"/>
+            <a:endParaRPr lang="en-US"/>
+          </a:p>
+        </p:txBody>
+      </p:sp>
     </p:spTree>
   </p:cSld>
   <p:clrMapOvr>

--- a/CMU REUSE 2017 Poster.pptx
+++ b/CMU REUSE 2017 Poster.pptx
@@ -5441,6 +5441,102 @@
           </p:sp>
         </p:grpSp>
       </p:grpSp>
+      <p:sp>
+        <p:nvSpPr>
+          <p:cNvPr id="79" name="Explosion: 8 Points 78"/>
+          <p:cNvSpPr/>
+          <p:nvPr/>
+        </p:nvSpPr>
+        <p:spPr>
+          <a:xfrm>
+            <a:off x="-821254" y="4961143"/>
+            <a:ext cx="11548770" cy="15647600"/>
+          </a:xfrm>
+          <a:prstGeom prst="irregularSeal1">
+            <a:avLst/>
+          </a:prstGeom>
+          <a:solidFill>
+            <a:srgbClr val="97D256">
+              <a:alpha val="20000"/>
+            </a:srgbClr>
+          </a:solidFill>
+          <a:ln>
+            <a:noFill/>
+          </a:ln>
+        </p:spPr>
+        <p:style>
+          <a:lnRef idx="2">
+            <a:schemeClr val="accent1">
+              <a:shade val="50000"/>
+            </a:schemeClr>
+          </a:lnRef>
+          <a:fillRef idx="1">
+            <a:schemeClr val="accent1"/>
+          </a:fillRef>
+          <a:effectRef idx="0">
+            <a:schemeClr val="accent1"/>
+          </a:effectRef>
+          <a:fontRef idx="minor">
+            <a:schemeClr val="lt1"/>
+          </a:fontRef>
+        </p:style>
+        <p:txBody>
+          <a:bodyPr rtlCol="0" anchor="ctr"/>
+          <a:lstStyle/>
+          <a:p>
+            <a:pPr algn="ctr"/>
+            <a:endParaRPr lang="en-US"/>
+          </a:p>
+        </p:txBody>
+      </p:sp>
+      <p:sp>
+        <p:nvSpPr>
+          <p:cNvPr id="82" name="Oval 81"/>
+          <p:cNvSpPr/>
+          <p:nvPr/>
+        </p:nvSpPr>
+        <p:spPr>
+          <a:xfrm>
+            <a:off x="10921058" y="11254012"/>
+            <a:ext cx="8040015" cy="7429465"/>
+          </a:xfrm>
+          <a:prstGeom prst="ellipse">
+            <a:avLst/>
+          </a:prstGeom>
+          <a:solidFill>
+            <a:srgbClr val="CD6D6D">
+              <a:alpha val="10000"/>
+            </a:srgbClr>
+          </a:solidFill>
+          <a:ln>
+            <a:noFill/>
+          </a:ln>
+        </p:spPr>
+        <p:style>
+          <a:lnRef idx="2">
+            <a:schemeClr val="accent1">
+              <a:shade val="50000"/>
+            </a:schemeClr>
+          </a:lnRef>
+          <a:fillRef idx="1">
+            <a:schemeClr val="accent1"/>
+          </a:fillRef>
+          <a:effectRef idx="0">
+            <a:schemeClr val="accent1"/>
+          </a:effectRef>
+          <a:fontRef idx="minor">
+            <a:schemeClr val="lt1"/>
+          </a:fontRef>
+        </p:style>
+        <p:txBody>
+          <a:bodyPr rtlCol="0" anchor="ctr"/>
+          <a:lstStyle/>
+          <a:p>
+            <a:pPr algn="ctr"/>
+            <a:endParaRPr lang="en-US"/>
+          </a:p>
+        </p:txBody>
+      </p:sp>
       <p:grpSp>
         <p:nvGrpSpPr>
           <p:cNvPr id="66" name="Group 65"/>
@@ -5541,102 +5637,6 @@
           </p:txBody>
         </p:sp>
       </p:grpSp>
-      <p:sp>
-        <p:nvSpPr>
-          <p:cNvPr id="79" name="Explosion: 8 Points 78"/>
-          <p:cNvSpPr/>
-          <p:nvPr/>
-        </p:nvSpPr>
-        <p:spPr>
-          <a:xfrm>
-            <a:off x="-821254" y="4961143"/>
-            <a:ext cx="11548770" cy="15647600"/>
-          </a:xfrm>
-          <a:prstGeom prst="irregularSeal1">
-            <a:avLst/>
-          </a:prstGeom>
-          <a:solidFill>
-            <a:srgbClr val="97D256">
-              <a:alpha val="20000"/>
-            </a:srgbClr>
-          </a:solidFill>
-          <a:ln>
-            <a:noFill/>
-          </a:ln>
-        </p:spPr>
-        <p:style>
-          <a:lnRef idx="2">
-            <a:schemeClr val="accent1">
-              <a:shade val="50000"/>
-            </a:schemeClr>
-          </a:lnRef>
-          <a:fillRef idx="1">
-            <a:schemeClr val="accent1"/>
-          </a:fillRef>
-          <a:effectRef idx="0">
-            <a:schemeClr val="accent1"/>
-          </a:effectRef>
-          <a:fontRef idx="minor">
-            <a:schemeClr val="lt1"/>
-          </a:fontRef>
-        </p:style>
-        <p:txBody>
-          <a:bodyPr rtlCol="0" anchor="ctr"/>
-          <a:lstStyle/>
-          <a:p>
-            <a:pPr algn="ctr"/>
-            <a:endParaRPr lang="en-US"/>
-          </a:p>
-        </p:txBody>
-      </p:sp>
-      <p:sp>
-        <p:nvSpPr>
-          <p:cNvPr id="82" name="Oval 81"/>
-          <p:cNvSpPr/>
-          <p:nvPr/>
-        </p:nvSpPr>
-        <p:spPr>
-          <a:xfrm>
-            <a:off x="10921058" y="11254012"/>
-            <a:ext cx="8040015" cy="7429465"/>
-          </a:xfrm>
-          <a:prstGeom prst="ellipse">
-            <a:avLst/>
-          </a:prstGeom>
-          <a:solidFill>
-            <a:srgbClr val="CD6D6D">
-              <a:alpha val="10000"/>
-            </a:srgbClr>
-          </a:solidFill>
-          <a:ln>
-            <a:noFill/>
-          </a:ln>
-        </p:spPr>
-        <p:style>
-          <a:lnRef idx="2">
-            <a:schemeClr val="accent1">
-              <a:shade val="50000"/>
-            </a:schemeClr>
-          </a:lnRef>
-          <a:fillRef idx="1">
-            <a:schemeClr val="accent1"/>
-          </a:fillRef>
-          <a:effectRef idx="0">
-            <a:schemeClr val="accent1"/>
-          </a:effectRef>
-          <a:fontRef idx="minor">
-            <a:schemeClr val="lt1"/>
-          </a:fontRef>
-        </p:style>
-        <p:txBody>
-          <a:bodyPr rtlCol="0" anchor="ctr"/>
-          <a:lstStyle/>
-          <a:p>
-            <a:pPr algn="ctr"/>
-            <a:endParaRPr lang="en-US"/>
-          </a:p>
-        </p:txBody>
-      </p:sp>
     </p:spTree>
   </p:cSld>
   <p:clrMapOvr>

--- a/CMU REUSE 2017 Poster.pptx
+++ b/CMU REUSE 2017 Poster.pptx
@@ -3999,6 +3999,54 @@
           <a:chExt cx="0" cy="0"/>
         </a:xfrm>
       </p:grpSpPr>
+      <p:sp>
+        <p:nvSpPr>
+          <p:cNvPr id="79" name="Explosion: 8 Points 78"/>
+          <p:cNvSpPr/>
+          <p:nvPr/>
+        </p:nvSpPr>
+        <p:spPr>
+          <a:xfrm>
+            <a:off x="-821254" y="4961143"/>
+            <a:ext cx="11548770" cy="15647600"/>
+          </a:xfrm>
+          <a:prstGeom prst="irregularSeal1">
+            <a:avLst/>
+          </a:prstGeom>
+          <a:solidFill>
+            <a:srgbClr val="97D256">
+              <a:alpha val="20000"/>
+            </a:srgbClr>
+          </a:solidFill>
+          <a:ln>
+            <a:noFill/>
+          </a:ln>
+        </p:spPr>
+        <p:style>
+          <a:lnRef idx="2">
+            <a:schemeClr val="accent1">
+              <a:shade val="50000"/>
+            </a:schemeClr>
+          </a:lnRef>
+          <a:fillRef idx="1">
+            <a:schemeClr val="accent1"/>
+          </a:fillRef>
+          <a:effectRef idx="0">
+            <a:schemeClr val="accent1"/>
+          </a:effectRef>
+          <a:fontRef idx="minor">
+            <a:schemeClr val="lt1"/>
+          </a:fontRef>
+        </p:style>
+        <p:txBody>
+          <a:bodyPr rtlCol="0" anchor="ctr"/>
+          <a:lstStyle/>
+          <a:p>
+            <a:pPr algn="ctr"/>
+            <a:endParaRPr lang="en-US"/>
+          </a:p>
+        </p:txBody>
+      </p:sp>
       <p:cxnSp>
         <p:nvCxnSpPr>
           <p:cNvPr id="7" name="Straight Connector 6"/>
@@ -4031,160 +4079,160 @@
       </p:cxnSp>
       <p:grpSp>
         <p:nvGrpSpPr>
-          <p:cNvPr id="44" name="Group 43"/>
+          <p:cNvPr id="29" name="Group 28"/>
+          <p:cNvGrpSpPr/>
+          <p:nvPr/>
+        </p:nvGrpSpPr>
+        <p:grpSpPr>
+          <a:xfrm>
+            <a:off x="11114259" y="8998719"/>
+            <a:ext cx="5944661" cy="8249571"/>
+            <a:chOff x="12160993" y="8496621"/>
+            <a:chExt cx="5944661" cy="8249571"/>
+          </a:xfrm>
+        </p:grpSpPr>
+        <p:sp>
+          <p:nvSpPr>
+            <p:cNvPr id="70" name="Shape 70"/>
+            <p:cNvSpPr/>
+            <p:nvPr/>
+          </p:nvSpPr>
+          <p:spPr>
+            <a:xfrm>
+              <a:off x="12160993" y="9778349"/>
+              <a:ext cx="5944661" cy="6967843"/>
+            </a:xfrm>
+            <a:prstGeom prst="flowChartMagneticDisk">
+              <a:avLst/>
+            </a:prstGeom>
+            <a:noFill/>
+            <a:ln w="38100" cap="flat" cmpd="sng">
+              <a:solidFill>
+                <a:srgbClr val="000000"/>
+              </a:solidFill>
+              <a:prstDash val="solid"/>
+              <a:round/>
+              <a:headEnd type="none" w="med" len="med"/>
+              <a:tailEnd type="none" w="med" len="med"/>
+            </a:ln>
+          </p:spPr>
+          <p:txBody>
+            <a:bodyPr lIns="91425" tIns="91425" rIns="91425" bIns="91425" anchor="ctr" anchorCtr="0">
+              <a:noAutofit/>
+            </a:bodyPr>
+            <a:lstStyle/>
+            <a:p>
+              <a:pPr lvl="0">
+                <a:spcBef>
+                  <a:spcPts val="0"/>
+                </a:spcBef>
+                <a:buNone/>
+              </a:pPr>
+              <a:endParaRPr/>
+            </a:p>
+          </p:txBody>
+        </p:sp>
+        <p:sp>
+          <p:nvSpPr>
+            <p:cNvPr id="25" name="TextBox 24"/>
+            <p:cNvSpPr txBox="1"/>
+            <p:nvPr/>
+          </p:nvSpPr>
+          <p:spPr>
+            <a:xfrm>
+              <a:off x="13225589" y="8496621"/>
+              <a:ext cx="3815468" cy="861774"/>
+            </a:xfrm>
+            <a:prstGeom prst="rect">
+              <a:avLst/>
+            </a:prstGeom>
+            <a:noFill/>
+          </p:spPr>
+          <p:txBody>
+            <a:bodyPr wrap="none" rtlCol="0">
+              <a:spAutoFit/>
+            </a:bodyPr>
+            <a:lstStyle/>
+            <a:p>
+              <a:r>
+                <a:rPr lang="en-US" sz="5000" dirty="0">
+                  <a:latin typeface="Oxygen" panose="02000503000000000000" pitchFamily="2" charset="0"/>
+                </a:rPr>
+                <a:t>The Problem</a:t>
+              </a:r>
+            </a:p>
+          </p:txBody>
+        </p:sp>
+        <p:sp>
+          <p:nvSpPr>
+            <p:cNvPr id="28" name="TextBox 27"/>
+            <p:cNvSpPr txBox="1"/>
+            <p:nvPr/>
+          </p:nvSpPr>
+          <p:spPr>
+            <a:xfrm>
+              <a:off x="12547735" y="12805877"/>
+              <a:ext cx="5171176" cy="1938992"/>
+            </a:xfrm>
+            <a:prstGeom prst="rect">
+              <a:avLst/>
+            </a:prstGeom>
+            <a:noFill/>
+          </p:spPr>
+          <p:txBody>
+            <a:bodyPr wrap="square" rtlCol="0">
+              <a:spAutoFit/>
+            </a:bodyPr>
+            <a:lstStyle/>
+            <a:p>
+              <a:pPr algn="ctr"/>
+              <a:r>
+                <a:rPr lang="en-US" sz="3000" dirty="0">
+                  <a:latin typeface="Oxygen" panose="02000503000000000000" pitchFamily="2" charset="0"/>
+                </a:rPr>
+                <a:t>Guarantees planned in software architecture design do not always carry through to implementations.</a:t>
+              </a:r>
+            </a:p>
+          </p:txBody>
+        </p:sp>
+      </p:grpSp>
+      <p:grpSp>
+        <p:nvGrpSpPr>
+          <p:cNvPr id="41" name="Group 40"/>
           <p:cNvGrpSpPr/>
           <p:nvPr/>
         </p:nvGrpSpPr>
         <p:grpSpPr>
           <a:xfrm>
             <a:off x="413182" y="6690571"/>
-            <a:ext cx="16645738" cy="13010049"/>
+            <a:ext cx="10314334" cy="13010049"/>
             <a:chOff x="1459917" y="6136769"/>
-            <a:chExt cx="16645738" cy="13010049"/>
+            <a:chExt cx="10314334" cy="13010049"/>
           </a:xfrm>
         </p:grpSpPr>
         <p:grpSp>
           <p:nvGrpSpPr>
-            <p:cNvPr id="29" name="Group 28"/>
-            <p:cNvGrpSpPr/>
-            <p:nvPr/>
-          </p:nvGrpSpPr>
-          <p:grpSpPr>
-            <a:xfrm>
-              <a:off x="12160994" y="8650532"/>
-              <a:ext cx="5944661" cy="8043956"/>
-              <a:chOff x="12160993" y="8702236"/>
-              <a:chExt cx="5944661" cy="8043956"/>
-            </a:xfrm>
-          </p:grpSpPr>
-          <p:sp>
-            <p:nvSpPr>
-              <p:cNvPr id="70" name="Shape 70"/>
-              <p:cNvSpPr/>
-              <p:nvPr/>
-            </p:nvSpPr>
-            <p:spPr>
-              <a:xfrm>
-                <a:off x="12160993" y="9778349"/>
-                <a:ext cx="5944661" cy="6967843"/>
-              </a:xfrm>
-              <a:prstGeom prst="flowChartMagneticDisk">
-                <a:avLst/>
-              </a:prstGeom>
-              <a:noFill/>
-              <a:ln w="38100" cap="flat" cmpd="sng">
-                <a:solidFill>
-                  <a:srgbClr val="000000"/>
-                </a:solidFill>
-                <a:prstDash val="solid"/>
-                <a:round/>
-                <a:headEnd type="none" w="med" len="med"/>
-                <a:tailEnd type="none" w="med" len="med"/>
-              </a:ln>
-            </p:spPr>
-            <p:txBody>
-              <a:bodyPr lIns="91425" tIns="91425" rIns="91425" bIns="91425" anchor="ctr" anchorCtr="0">
-                <a:noAutofit/>
-              </a:bodyPr>
-              <a:lstStyle/>
-              <a:p>
-                <a:pPr lvl="0">
-                  <a:spcBef>
-                    <a:spcPts val="0"/>
-                  </a:spcBef>
-                  <a:buNone/>
-                </a:pPr>
-                <a:endParaRPr/>
-              </a:p>
-            </p:txBody>
-          </p:sp>
-          <p:sp>
-            <p:nvSpPr>
-              <p:cNvPr id="25" name="TextBox 24"/>
-              <p:cNvSpPr txBox="1"/>
-              <p:nvPr/>
-            </p:nvSpPr>
-            <p:spPr>
-              <a:xfrm>
-                <a:off x="13225589" y="8702236"/>
-                <a:ext cx="3815468" cy="861774"/>
-              </a:xfrm>
-              <a:prstGeom prst="rect">
-                <a:avLst/>
-              </a:prstGeom>
-              <a:noFill/>
-            </p:spPr>
-            <p:txBody>
-              <a:bodyPr wrap="none" rtlCol="0">
-                <a:spAutoFit/>
-              </a:bodyPr>
-              <a:lstStyle/>
-              <a:p>
-                <a:r>
-                  <a:rPr lang="en-US" sz="5000" dirty="0">
-                    <a:latin typeface="Oxygen" panose="02000503000000000000" pitchFamily="2" charset="0"/>
-                  </a:rPr>
-                  <a:t>The Problem</a:t>
-                </a:r>
-              </a:p>
-            </p:txBody>
-          </p:sp>
-          <p:sp>
-            <p:nvSpPr>
-              <p:cNvPr id="28" name="TextBox 27"/>
-              <p:cNvSpPr txBox="1"/>
-              <p:nvPr/>
-            </p:nvSpPr>
-            <p:spPr>
-              <a:xfrm>
-                <a:off x="12547735" y="12805877"/>
-                <a:ext cx="5171176" cy="1938992"/>
-              </a:xfrm>
-              <a:prstGeom prst="rect">
-                <a:avLst/>
-              </a:prstGeom>
-              <a:noFill/>
-            </p:spPr>
-            <p:txBody>
-              <a:bodyPr wrap="square" rtlCol="0">
-                <a:spAutoFit/>
-              </a:bodyPr>
-              <a:lstStyle/>
-              <a:p>
-                <a:pPr algn="ctr"/>
-                <a:r>
-                  <a:rPr lang="en-US" sz="3000" dirty="0">
-                    <a:latin typeface="Oxygen" panose="02000503000000000000" pitchFamily="2" charset="0"/>
-                  </a:rPr>
-                  <a:t>Guarantees planned in software architecture design do not always carry through to implementations.</a:t>
-                </a:r>
-              </a:p>
-            </p:txBody>
-          </p:sp>
-        </p:grpSp>
-        <p:grpSp>
-          <p:nvGrpSpPr>
-            <p:cNvPr id="41" name="Group 40"/>
+            <p:cNvPr id="24" name="Group 23"/>
             <p:cNvGrpSpPr/>
             <p:nvPr/>
           </p:nvGrpSpPr>
           <p:grpSpPr>
             <a:xfrm>
               <a:off x="1459917" y="6136769"/>
-              <a:ext cx="10314334" cy="13010049"/>
-              <a:chOff x="1459917" y="6136769"/>
-              <a:chExt cx="10314334" cy="13010049"/>
+              <a:ext cx="7882010" cy="13010049"/>
+              <a:chOff x="1349414" y="5959861"/>
+              <a:chExt cx="7882010" cy="13010049"/>
             </a:xfrm>
           </p:grpSpPr>
           <p:grpSp>
             <p:nvGrpSpPr>
-              <p:cNvPr id="24" name="Group 23"/>
+              <p:cNvPr id="23" name="Group 22"/>
               <p:cNvGrpSpPr/>
               <p:nvPr/>
             </p:nvGrpSpPr>
             <p:grpSpPr>
               <a:xfrm>
-                <a:off x="1459917" y="6136769"/>
+                <a:off x="1349414" y="5959861"/>
                 <a:ext cx="7882010" cy="13010049"/>
                 <a:chOff x="1349414" y="5959861"/>
                 <a:chExt cx="7882010" cy="13010049"/>
@@ -4192,27 +4240,27 @@
             </p:grpSpPr>
             <p:grpSp>
               <p:nvGrpSpPr>
-                <p:cNvPr id="23" name="Group 22"/>
+                <p:cNvPr id="18" name="Group 17"/>
                 <p:cNvGrpSpPr/>
                 <p:nvPr/>
               </p:nvGrpSpPr>
               <p:grpSpPr>
                 <a:xfrm>
-                  <a:off x="1349414" y="5959861"/>
-                  <a:ext cx="7882010" cy="13010049"/>
-                  <a:chOff x="1349414" y="5959861"/>
-                  <a:chExt cx="7882010" cy="13010049"/>
+                  <a:off x="2538536" y="5959861"/>
+                  <a:ext cx="6692888" cy="13010049"/>
+                  <a:chOff x="3325408" y="5804822"/>
+                  <a:chExt cx="6692888" cy="13010049"/>
                 </a:xfrm>
               </p:grpSpPr>
               <p:grpSp>
                 <p:nvGrpSpPr>
-                  <p:cNvPr id="18" name="Group 17"/>
+                  <p:cNvPr id="17" name="Group 16"/>
                   <p:cNvGrpSpPr/>
                   <p:nvPr/>
                 </p:nvGrpSpPr>
                 <p:grpSpPr>
                   <a:xfrm>
-                    <a:off x="2538536" y="5959861"/>
+                    <a:off x="3325408" y="5804822"/>
                     <a:ext cx="6692888" cy="13010049"/>
                     <a:chOff x="3325408" y="5804822"/>
                     <a:chExt cx="6692888" cy="13010049"/>
@@ -4220,439 +4268,354 @@
                 </p:grpSpPr>
                 <p:grpSp>
                   <p:nvGrpSpPr>
-                    <p:cNvPr id="17" name="Group 16"/>
+                    <p:cNvPr id="5" name="Group 4"/>
                     <p:cNvGrpSpPr/>
                     <p:nvPr/>
                   </p:nvGrpSpPr>
                   <p:grpSpPr>
                     <a:xfrm>
                       <a:off x="3325408" y="5804822"/>
-                      <a:ext cx="6692888" cy="13010049"/>
+                      <a:ext cx="5383840" cy="13010049"/>
                       <a:chOff x="3325408" y="5804822"/>
-                      <a:chExt cx="6692888" cy="13010049"/>
+                      <a:chExt cx="5383840" cy="13010049"/>
                     </a:xfrm>
                   </p:grpSpPr>
-                  <p:grpSp>
-                    <p:nvGrpSpPr>
-                      <p:cNvPr id="5" name="Group 4"/>
-                      <p:cNvGrpSpPr/>
+                  <p:sp>
+                    <p:nvSpPr>
+                      <p:cNvPr id="2" name="Rectangle 1"/>
+                      <p:cNvSpPr/>
                       <p:nvPr/>
-                    </p:nvGrpSpPr>
-                    <p:grpSpPr>
+                    </p:nvSpPr>
+                    <p:spPr>
                       <a:xfrm>
-                        <a:off x="3325408" y="5804822"/>
-                        <a:ext cx="5383840" cy="13010049"/>
-                        <a:chOff x="3325408" y="5804822"/>
-                        <a:chExt cx="5383840" cy="13010049"/>
+                        <a:off x="3325409" y="5804822"/>
+                        <a:ext cx="5383839" cy="3639460"/>
                       </a:xfrm>
-                    </p:grpSpPr>
-                    <p:sp>
-                      <p:nvSpPr>
-                        <p:cNvPr id="2" name="Rectangle 1"/>
-                        <p:cNvSpPr/>
-                        <p:nvPr/>
-                      </p:nvSpPr>
-                      <p:spPr>
-                        <a:xfrm>
-                          <a:off x="3325409" y="5804822"/>
-                          <a:ext cx="5383839" cy="3639460"/>
-                        </a:xfrm>
-                        <a:prstGeom prst="rect">
-                          <a:avLst/>
-                        </a:prstGeom>
-                        <a:noFill/>
-                        <a:ln cmpd="sng">
-                          <a:solidFill>
-                            <a:schemeClr val="tx2">
-                              <a:lumMod val="50000"/>
-                            </a:schemeClr>
-                          </a:solidFill>
-                          <a:prstDash val="solid"/>
-                          <a:round/>
-                        </a:ln>
-                      </p:spPr>
-                      <p:style>
-                        <a:lnRef idx="2">
-                          <a:schemeClr val="accent1">
-                            <a:shade val="50000"/>
+                      <a:prstGeom prst="rect">
+                        <a:avLst/>
+                      </a:prstGeom>
+                      <a:noFill/>
+                      <a:ln cmpd="sng">
+                        <a:solidFill>
+                          <a:schemeClr val="tx2">
+                            <a:lumMod val="50000"/>
                           </a:schemeClr>
-                        </a:lnRef>
-                        <a:fillRef idx="1">
-                          <a:schemeClr val="accent1"/>
-                        </a:fillRef>
-                        <a:effectRef idx="0">
-                          <a:schemeClr val="accent1"/>
-                        </a:effectRef>
-                        <a:fontRef idx="minor">
-                          <a:schemeClr val="lt1"/>
-                        </a:fontRef>
-                      </p:style>
-                      <p:txBody>
-                        <a:bodyPr rtlCol="0" anchor="ctr"/>
-                        <a:lstStyle/>
-                        <a:p>
-                          <a:pPr algn="ctr"/>
-                          <a:endParaRPr lang="en-US" dirty="0"/>
-                        </a:p>
-                      </p:txBody>
-                    </p:sp>
-                    <p:sp>
-                      <p:nvSpPr>
-                        <p:cNvPr id="12" name="Rectangle 11"/>
-                        <p:cNvSpPr/>
-                        <p:nvPr/>
-                      </p:nvSpPr>
-                      <p:spPr>
-                        <a:xfrm>
-                          <a:off x="3325408" y="10443536"/>
-                          <a:ext cx="5383839" cy="3639460"/>
-                        </a:xfrm>
-                        <a:prstGeom prst="rect">
-                          <a:avLst/>
-                        </a:prstGeom>
-                        <a:noFill/>
-                        <a:ln cmpd="sng">
-                          <a:solidFill>
-                            <a:schemeClr val="tx2">
-                              <a:lumMod val="50000"/>
-                            </a:schemeClr>
-                          </a:solidFill>
-                          <a:prstDash val="solid"/>
-                          <a:round/>
-                        </a:ln>
-                      </p:spPr>
-                      <p:style>
-                        <a:lnRef idx="2">
-                          <a:schemeClr val="accent1">
-                            <a:shade val="50000"/>
+                        </a:solidFill>
+                        <a:prstDash val="solid"/>
+                        <a:round/>
+                      </a:ln>
+                    </p:spPr>
+                    <p:style>
+                      <a:lnRef idx="2">
+                        <a:schemeClr val="accent1">
+                          <a:shade val="50000"/>
+                        </a:schemeClr>
+                      </a:lnRef>
+                      <a:fillRef idx="1">
+                        <a:schemeClr val="accent1"/>
+                      </a:fillRef>
+                      <a:effectRef idx="0">
+                        <a:schemeClr val="accent1"/>
+                      </a:effectRef>
+                      <a:fontRef idx="minor">
+                        <a:schemeClr val="lt1"/>
+                      </a:fontRef>
+                    </p:style>
+                    <p:txBody>
+                      <a:bodyPr rtlCol="0" anchor="ctr"/>
+                      <a:lstStyle/>
+                      <a:p>
+                        <a:pPr algn="ctr"/>
+                        <a:endParaRPr lang="en-US" dirty="0"/>
+                      </a:p>
+                    </p:txBody>
+                  </p:sp>
+                  <p:sp>
+                    <p:nvSpPr>
+                      <p:cNvPr id="12" name="Rectangle 11"/>
+                      <p:cNvSpPr/>
+                      <p:nvPr/>
+                    </p:nvSpPr>
+                    <p:spPr>
+                      <a:xfrm>
+                        <a:off x="3325408" y="10443536"/>
+                        <a:ext cx="5383839" cy="3639460"/>
+                      </a:xfrm>
+                      <a:prstGeom prst="rect">
+                        <a:avLst/>
+                      </a:prstGeom>
+                      <a:noFill/>
+                      <a:ln cmpd="sng">
+                        <a:solidFill>
+                          <a:schemeClr val="tx2">
+                            <a:lumMod val="50000"/>
                           </a:schemeClr>
-                        </a:lnRef>
-                        <a:fillRef idx="1">
-                          <a:schemeClr val="accent1"/>
-                        </a:fillRef>
-                        <a:effectRef idx="0">
-                          <a:schemeClr val="accent1"/>
-                        </a:effectRef>
-                        <a:fontRef idx="minor">
-                          <a:schemeClr val="lt1"/>
-                        </a:fontRef>
-                      </p:style>
-                      <p:txBody>
-                        <a:bodyPr rtlCol="0" anchor="ctr"/>
-                        <a:lstStyle/>
-                        <a:p>
-                          <a:pPr algn="ctr"/>
-                          <a:endParaRPr lang="en-US"/>
-                        </a:p>
-                      </p:txBody>
-                    </p:sp>
-                    <p:sp>
-                      <p:nvSpPr>
-                        <p:cNvPr id="13" name="Rectangle 12"/>
-                        <p:cNvSpPr/>
-                        <p:nvPr/>
-                      </p:nvSpPr>
-                      <p:spPr>
-                        <a:xfrm>
-                          <a:off x="3325408" y="15175411"/>
-                          <a:ext cx="5383839" cy="3639460"/>
-                        </a:xfrm>
-                        <a:prstGeom prst="rect">
-                          <a:avLst/>
-                        </a:prstGeom>
-                        <a:noFill/>
-                        <a:ln cmpd="sng">
-                          <a:solidFill>
-                            <a:schemeClr val="tx2">
-                              <a:lumMod val="50000"/>
-                            </a:schemeClr>
-                          </a:solidFill>
-                          <a:prstDash val="solid"/>
-                          <a:round/>
-                        </a:ln>
-                      </p:spPr>
-                      <p:style>
-                        <a:lnRef idx="2">
-                          <a:schemeClr val="accent1">
-                            <a:shade val="50000"/>
+                        </a:solidFill>
+                        <a:prstDash val="solid"/>
+                        <a:round/>
+                      </a:ln>
+                    </p:spPr>
+                    <p:style>
+                      <a:lnRef idx="2">
+                        <a:schemeClr val="accent1">
+                          <a:shade val="50000"/>
+                        </a:schemeClr>
+                      </a:lnRef>
+                      <a:fillRef idx="1">
+                        <a:schemeClr val="accent1"/>
+                      </a:fillRef>
+                      <a:effectRef idx="0">
+                        <a:schemeClr val="accent1"/>
+                      </a:effectRef>
+                      <a:fontRef idx="minor">
+                        <a:schemeClr val="lt1"/>
+                      </a:fontRef>
+                    </p:style>
+                    <p:txBody>
+                      <a:bodyPr rtlCol="0" anchor="ctr"/>
+                      <a:lstStyle/>
+                      <a:p>
+                        <a:pPr algn="ctr"/>
+                        <a:endParaRPr lang="en-US"/>
+                      </a:p>
+                    </p:txBody>
+                  </p:sp>
+                  <p:sp>
+                    <p:nvSpPr>
+                      <p:cNvPr id="13" name="Rectangle 12"/>
+                      <p:cNvSpPr/>
+                      <p:nvPr/>
+                    </p:nvSpPr>
+                    <p:spPr>
+                      <a:xfrm>
+                        <a:off x="3325408" y="15175411"/>
+                        <a:ext cx="5383839" cy="3639460"/>
+                      </a:xfrm>
+                      <a:prstGeom prst="rect">
+                        <a:avLst/>
+                      </a:prstGeom>
+                      <a:noFill/>
+                      <a:ln cmpd="sng">
+                        <a:solidFill>
+                          <a:schemeClr val="tx2">
+                            <a:lumMod val="50000"/>
                           </a:schemeClr>
-                        </a:lnRef>
-                        <a:fillRef idx="1">
-                          <a:schemeClr val="accent1"/>
-                        </a:fillRef>
-                        <a:effectRef idx="0">
-                          <a:schemeClr val="accent1"/>
-                        </a:effectRef>
-                        <a:fontRef idx="minor">
-                          <a:schemeClr val="lt1"/>
-                        </a:fontRef>
-                      </p:style>
-                      <p:txBody>
-                        <a:bodyPr rtlCol="0" anchor="ctr"/>
-                        <a:lstStyle/>
-                        <a:p>
-                          <a:pPr algn="ctr"/>
-                          <a:endParaRPr lang="en-US"/>
-                        </a:p>
-                      </p:txBody>
-                    </p:sp>
-                  </p:grpSp>
-                  <p:grpSp>
-                    <p:nvGrpSpPr>
-                      <p:cNvPr id="16" name="Group 15"/>
-                      <p:cNvGrpSpPr/>
+                        </a:solidFill>
+                        <a:prstDash val="solid"/>
+                        <a:round/>
+                      </a:ln>
+                    </p:spPr>
+                    <p:style>
+                      <a:lnRef idx="2">
+                        <a:schemeClr val="accent1">
+                          <a:shade val="50000"/>
+                        </a:schemeClr>
+                      </a:lnRef>
+                      <a:fillRef idx="1">
+                        <a:schemeClr val="accent1"/>
+                      </a:fillRef>
+                      <a:effectRef idx="0">
+                        <a:schemeClr val="accent1"/>
+                      </a:effectRef>
+                      <a:fontRef idx="minor">
+                        <a:schemeClr val="lt1"/>
+                      </a:fontRef>
+                    </p:style>
+                    <p:txBody>
+                      <a:bodyPr rtlCol="0" anchor="ctr"/>
+                      <a:lstStyle/>
+                      <a:p>
+                        <a:pPr algn="ctr"/>
+                        <a:endParaRPr lang="en-US"/>
+                      </a:p>
+                    </p:txBody>
+                  </p:sp>
+                </p:grpSp>
+                <p:grpSp>
+                  <p:nvGrpSpPr>
+                    <p:cNvPr id="16" name="Group 15"/>
+                    <p:cNvGrpSpPr/>
+                    <p:nvPr/>
+                  </p:nvGrpSpPr>
+                  <p:grpSpPr>
+                    <a:xfrm>
+                      <a:off x="8709248" y="7624552"/>
+                      <a:ext cx="1309048" cy="9344526"/>
+                      <a:chOff x="8709248" y="7624552"/>
+                      <a:chExt cx="1309048" cy="9344526"/>
+                    </a:xfrm>
+                  </p:grpSpPr>
+                  <p:cxnSp>
+                    <p:nvCxnSpPr>
+                      <p:cNvPr id="9" name="Straight Connector 8"/>
+                      <p:cNvCxnSpPr>
+                        <a:stCxn id="2" idx="3"/>
+                      </p:cNvCxnSpPr>
                       <p:nvPr/>
-                    </p:nvGrpSpPr>
-                    <p:grpSpPr>
+                    </p:nvCxnSpPr>
+                    <p:spPr>
                       <a:xfrm>
                         <a:off x="8709248" y="7624552"/>
-                        <a:ext cx="1309048" cy="9344526"/>
-                        <a:chOff x="8709248" y="7624552"/>
-                        <a:chExt cx="1309048" cy="9344526"/>
+                        <a:ext cx="1301026" cy="0"/>
                       </a:xfrm>
-                    </p:grpSpPr>
-                    <p:cxnSp>
-                      <p:nvCxnSpPr>
-                        <p:cNvPr id="9" name="Straight Connector 8"/>
-                        <p:cNvCxnSpPr>
-                          <a:stCxn id="2" idx="3"/>
-                        </p:cNvCxnSpPr>
-                        <p:nvPr/>
-                      </p:nvCxnSpPr>
-                      <p:spPr>
-                        <a:xfrm>
-                          <a:off x="8709248" y="7624552"/>
-                          <a:ext cx="1301026" cy="0"/>
-                        </a:xfrm>
-                        <a:prstGeom prst="line">
-                          <a:avLst/>
-                        </a:prstGeom>
-                        <a:ln w="63500" cmpd="sng">
-                          <a:solidFill>
-                            <a:schemeClr val="tx2">
-                              <a:lumMod val="50000"/>
-                            </a:schemeClr>
-                          </a:solidFill>
-                          <a:prstDash val="solid"/>
-                          <a:round/>
-                        </a:ln>
-                      </p:spPr>
-                      <p:style>
-                        <a:lnRef idx="3">
-                          <a:schemeClr val="accent1"/>
-                        </a:lnRef>
-                        <a:fillRef idx="0">
-                          <a:schemeClr val="accent1"/>
-                        </a:fillRef>
-                        <a:effectRef idx="2">
-                          <a:schemeClr val="accent1"/>
-                        </a:effectRef>
-                        <a:fontRef idx="minor">
-                          <a:schemeClr val="tx1"/>
-                        </a:fontRef>
-                      </p:style>
-                    </p:cxnSp>
-                    <p:cxnSp>
-                      <p:nvCxnSpPr>
-                        <p:cNvPr id="21" name="Straight Connector 20"/>
-                        <p:cNvCxnSpPr/>
-                        <p:nvPr/>
-                      </p:nvCxnSpPr>
-                      <p:spPr>
-                        <a:xfrm>
-                          <a:off x="8716462" y="12272382"/>
-                          <a:ext cx="1301026" cy="0"/>
-                        </a:xfrm>
-                        <a:prstGeom prst="line">
-                          <a:avLst/>
-                        </a:prstGeom>
-                        <a:ln w="63500" cmpd="sng">
-                          <a:solidFill>
-                            <a:schemeClr val="tx2">
-                              <a:lumMod val="50000"/>
-                            </a:schemeClr>
-                          </a:solidFill>
-                          <a:prstDash val="solid"/>
-                          <a:round/>
-                        </a:ln>
-                      </p:spPr>
-                      <p:style>
-                        <a:lnRef idx="3">
-                          <a:schemeClr val="accent1"/>
-                        </a:lnRef>
-                        <a:fillRef idx="0">
-                          <a:schemeClr val="accent1"/>
-                        </a:fillRef>
-                        <a:effectRef idx="2">
-                          <a:schemeClr val="accent1"/>
-                        </a:effectRef>
-                        <a:fontRef idx="minor">
-                          <a:schemeClr val="tx1"/>
-                        </a:fontRef>
-                      </p:style>
-                    </p:cxnSp>
-                    <p:cxnSp>
-                      <p:nvCxnSpPr>
-                        <p:cNvPr id="22" name="Straight Connector 21"/>
-                        <p:cNvCxnSpPr/>
-                        <p:nvPr/>
-                      </p:nvCxnSpPr>
-                      <p:spPr>
-                        <a:xfrm>
-                          <a:off x="8717270" y="16969078"/>
-                          <a:ext cx="1301026" cy="0"/>
-                        </a:xfrm>
-                        <a:prstGeom prst="line">
-                          <a:avLst/>
-                        </a:prstGeom>
-                        <a:ln w="63500" cmpd="sng">
-                          <a:solidFill>
-                            <a:schemeClr val="tx2">
-                              <a:lumMod val="50000"/>
-                            </a:schemeClr>
-                          </a:solidFill>
-                          <a:prstDash val="solid"/>
-                          <a:round/>
-                        </a:ln>
-                      </p:spPr>
-                      <p:style>
-                        <a:lnRef idx="3">
-                          <a:schemeClr val="accent1"/>
-                        </a:lnRef>
-                        <a:fillRef idx="0">
-                          <a:schemeClr val="accent1"/>
-                        </a:fillRef>
-                        <a:effectRef idx="2">
-                          <a:schemeClr val="accent1"/>
-                        </a:effectRef>
-                        <a:fontRef idx="minor">
-                          <a:schemeClr val="tx1"/>
-                        </a:fontRef>
-                      </p:style>
-                    </p:cxnSp>
-                  </p:grpSp>
+                      <a:prstGeom prst="line">
+                        <a:avLst/>
+                      </a:prstGeom>
+                      <a:ln w="63500" cmpd="sng">
+                        <a:solidFill>
+                          <a:schemeClr val="tx2">
+                            <a:lumMod val="50000"/>
+                          </a:schemeClr>
+                        </a:solidFill>
+                        <a:prstDash val="solid"/>
+                        <a:round/>
+                      </a:ln>
+                    </p:spPr>
+                    <p:style>
+                      <a:lnRef idx="3">
+                        <a:schemeClr val="accent1"/>
+                      </a:lnRef>
+                      <a:fillRef idx="0">
+                        <a:schemeClr val="accent1"/>
+                      </a:fillRef>
+                      <a:effectRef idx="2">
+                        <a:schemeClr val="accent1"/>
+                      </a:effectRef>
+                      <a:fontRef idx="minor">
+                        <a:schemeClr val="tx1"/>
+                      </a:fontRef>
+                    </p:style>
+                  </p:cxnSp>
+                  <p:cxnSp>
+                    <p:nvCxnSpPr>
+                      <p:cNvPr id="21" name="Straight Connector 20"/>
+                      <p:cNvCxnSpPr/>
+                      <p:nvPr/>
+                    </p:nvCxnSpPr>
+                    <p:spPr>
+                      <a:xfrm>
+                        <a:off x="8716462" y="12272382"/>
+                        <a:ext cx="1301026" cy="0"/>
+                      </a:xfrm>
+                      <a:prstGeom prst="line">
+                        <a:avLst/>
+                      </a:prstGeom>
+                      <a:ln w="63500" cmpd="sng">
+                        <a:solidFill>
+                          <a:schemeClr val="tx2">
+                            <a:lumMod val="50000"/>
+                          </a:schemeClr>
+                        </a:solidFill>
+                        <a:prstDash val="solid"/>
+                        <a:round/>
+                      </a:ln>
+                    </p:spPr>
+                    <p:style>
+                      <a:lnRef idx="3">
+                        <a:schemeClr val="accent1"/>
+                      </a:lnRef>
+                      <a:fillRef idx="0">
+                        <a:schemeClr val="accent1"/>
+                      </a:fillRef>
+                      <a:effectRef idx="2">
+                        <a:schemeClr val="accent1"/>
+                      </a:effectRef>
+                      <a:fontRef idx="minor">
+                        <a:schemeClr val="tx1"/>
+                      </a:fontRef>
+                    </p:style>
+                  </p:cxnSp>
+                  <p:cxnSp>
+                    <p:nvCxnSpPr>
+                      <p:cNvPr id="22" name="Straight Connector 21"/>
+                      <p:cNvCxnSpPr/>
+                      <p:nvPr/>
+                    </p:nvCxnSpPr>
+                    <p:spPr>
+                      <a:xfrm>
+                        <a:off x="8717270" y="16969078"/>
+                        <a:ext cx="1301026" cy="0"/>
+                      </a:xfrm>
+                      <a:prstGeom prst="line">
+                        <a:avLst/>
+                      </a:prstGeom>
+                      <a:ln w="63500" cmpd="sng">
+                        <a:solidFill>
+                          <a:schemeClr val="tx2">
+                            <a:lumMod val="50000"/>
+                          </a:schemeClr>
+                        </a:solidFill>
+                        <a:prstDash val="solid"/>
+                        <a:round/>
+                      </a:ln>
+                    </p:spPr>
+                    <p:style>
+                      <a:lnRef idx="3">
+                        <a:schemeClr val="accent1"/>
+                      </a:lnRef>
+                      <a:fillRef idx="0">
+                        <a:schemeClr val="accent1"/>
+                      </a:fillRef>
+                      <a:effectRef idx="2">
+                        <a:schemeClr val="accent1"/>
+                      </a:effectRef>
+                      <a:fontRef idx="minor">
+                        <a:schemeClr val="tx1"/>
+                      </a:fontRef>
+                    </p:style>
+                  </p:cxnSp>
                 </p:grpSp>
-                <p:cxnSp>
-                  <p:nvCxnSpPr>
-                    <p:cNvPr id="15" name="Straight Connector 14"/>
-                    <p:cNvCxnSpPr/>
-                    <p:nvPr/>
-                  </p:nvCxnSpPr>
-                  <p:spPr>
-                    <a:xfrm flipH="1">
-                      <a:off x="10010274" y="7624552"/>
-                      <a:ext cx="8022" cy="9370589"/>
-                    </a:xfrm>
-                    <a:prstGeom prst="line">
-                      <a:avLst/>
-                    </a:prstGeom>
-                    <a:ln w="63500" cmpd="sng">
-                      <a:solidFill>
-                        <a:schemeClr val="tx2">
-                          <a:lumMod val="50000"/>
-                        </a:schemeClr>
-                      </a:solidFill>
-                      <a:prstDash val="solid"/>
-                      <a:round/>
-                    </a:ln>
-                  </p:spPr>
-                  <p:style>
-                    <a:lnRef idx="1">
-                      <a:schemeClr val="accent1"/>
-                    </a:lnRef>
-                    <a:fillRef idx="0">
-                      <a:schemeClr val="accent1"/>
-                    </a:fillRef>
-                    <a:effectRef idx="0">
-                      <a:schemeClr val="accent1"/>
-                    </a:effectRef>
-                    <a:fontRef idx="minor">
-                      <a:schemeClr val="tx1"/>
-                    </a:fontRef>
-                  </p:style>
-                </p:cxnSp>
               </p:grpSp>
-              <p:sp>
-                <p:nvSpPr>
-                  <p:cNvPr id="20" name="TextBox 19"/>
-                  <p:cNvSpPr txBox="1"/>
+              <p:cxnSp>
+                <p:nvCxnSpPr>
+                  <p:cNvPr id="15" name="Straight Connector 14"/>
+                  <p:cNvCxnSpPr/>
                   <p:nvPr/>
-                </p:nvSpPr>
+                </p:nvCxnSpPr>
                 <p:spPr>
-                  <a:xfrm rot="16200000">
-                    <a:off x="1123331" y="7456425"/>
-                    <a:ext cx="1960271" cy="646331"/>
+                  <a:xfrm flipH="1">
+                    <a:off x="10010274" y="7624552"/>
+                    <a:ext cx="8022" cy="9370589"/>
                   </a:xfrm>
-                  <a:prstGeom prst="rect">
+                  <a:prstGeom prst="line">
                     <a:avLst/>
                   </a:prstGeom>
-                  <a:noFill/>
+                  <a:ln w="63500" cmpd="sng">
+                    <a:solidFill>
+                      <a:schemeClr val="tx2">
+                        <a:lumMod val="50000"/>
+                      </a:schemeClr>
+                    </a:solidFill>
+                    <a:prstDash val="solid"/>
+                    <a:round/>
+                  </a:ln>
                 </p:spPr>
-                <p:txBody>
-                  <a:bodyPr wrap="square" rtlCol="0">
-                    <a:spAutoFit/>
-                  </a:bodyPr>
-                  <a:lstStyle/>
-                  <a:p>
-                    <a:r>
-                      <a:rPr lang="en-US" sz="3600" dirty="0">
-                        <a:latin typeface="Oxygen" panose="02000503000000000000" pitchFamily="2" charset="0"/>
-                      </a:rPr>
-                      <a:t>Module</a:t>
-                    </a:r>
-                  </a:p>
-                </p:txBody>
-              </p:sp>
-              <p:sp>
-                <p:nvSpPr>
-                  <p:cNvPr id="30" name="TextBox 29"/>
-                  <p:cNvSpPr txBox="1"/>
-                  <p:nvPr/>
-                </p:nvSpPr>
-                <p:spPr>
-                  <a:xfrm rot="16200000">
-                    <a:off x="413198" y="11879696"/>
-                    <a:ext cx="2949650" cy="1077218"/>
-                  </a:xfrm>
-                  <a:prstGeom prst="rect">
-                    <a:avLst/>
-                  </a:prstGeom>
-                  <a:noFill/>
-                </p:spPr>
-                <p:txBody>
-                  <a:bodyPr wrap="square" rtlCol="0">
-                    <a:spAutoFit/>
-                  </a:bodyPr>
-                  <a:lstStyle/>
-                  <a:p>
-                    <a:r>
-                      <a:rPr lang="en-US" sz="3200" dirty="0">
-                        <a:latin typeface="Oxygen" panose="02000503000000000000" pitchFamily="2" charset="0"/>
-                      </a:rPr>
-                      <a:t>Component </a:t>
-                    </a:r>
-                  </a:p>
-                  <a:p>
-                    <a:r>
-                      <a:rPr lang="en-US" sz="3200" dirty="0">
-                        <a:latin typeface="Oxygen" panose="02000503000000000000" pitchFamily="2" charset="0"/>
-                      </a:rPr>
-                      <a:t>and Connector</a:t>
-                    </a:r>
-                  </a:p>
-                </p:txBody>
-              </p:sp>
+                <p:style>
+                  <a:lnRef idx="1">
+                    <a:schemeClr val="accent1"/>
+                  </a:lnRef>
+                  <a:fillRef idx="0">
+                    <a:schemeClr val="accent1"/>
+                  </a:fillRef>
+                  <a:effectRef idx="0">
+                    <a:schemeClr val="accent1"/>
+                  </a:effectRef>
+                  <a:fontRef idx="minor">
+                    <a:schemeClr val="tx1"/>
+                  </a:fontRef>
+                </p:style>
+              </p:cxnSp>
             </p:grpSp>
             <p:sp>
               <p:nvSpPr>
-                <p:cNvPr id="33" name="TextBox 32"/>
+                <p:cNvPr id="20" name="TextBox 19"/>
                 <p:cNvSpPr txBox="1"/>
                 <p:nvPr/>
               </p:nvSpPr>
               <p:spPr>
                 <a:xfrm rot="16200000">
-                  <a:off x="766891" y="16842403"/>
-                  <a:ext cx="2703930" cy="615553"/>
+                  <a:off x="1123331" y="7456425"/>
+                  <a:ext cx="1960271" cy="646331"/>
                 </a:xfrm>
                 <a:prstGeom prst="rect">
                   <a:avLst/>
@@ -4666,57 +4629,127 @@
                 <a:lstStyle/>
                 <a:p>
                   <a:r>
-                    <a:rPr lang="en-US" sz="3400" dirty="0">
+                    <a:rPr lang="en-US" sz="3600" dirty="0">
                       <a:latin typeface="Oxygen" panose="02000503000000000000" pitchFamily="2" charset="0"/>
                     </a:rPr>
-                    <a:t>Deployment</a:t>
+                    <a:t>Module</a:t>
+                  </a:r>
+                </a:p>
+              </p:txBody>
+            </p:sp>
+            <p:sp>
+              <p:nvSpPr>
+                <p:cNvPr id="30" name="TextBox 29"/>
+                <p:cNvSpPr txBox="1"/>
+                <p:nvPr/>
+              </p:nvSpPr>
+              <p:spPr>
+                <a:xfrm rot="16200000">
+                  <a:off x="413198" y="11879696"/>
+                  <a:ext cx="2949650" cy="1077218"/>
+                </a:xfrm>
+                <a:prstGeom prst="rect">
+                  <a:avLst/>
+                </a:prstGeom>
+                <a:noFill/>
+              </p:spPr>
+              <p:txBody>
+                <a:bodyPr wrap="square" rtlCol="0">
+                  <a:spAutoFit/>
+                </a:bodyPr>
+                <a:lstStyle/>
+                <a:p>
+                  <a:r>
+                    <a:rPr lang="en-US" sz="3200" dirty="0">
+                      <a:latin typeface="Oxygen" panose="02000503000000000000" pitchFamily="2" charset="0"/>
+                    </a:rPr>
+                    <a:t>Component </a:t>
+                  </a:r>
+                </a:p>
+                <a:p>
+                  <a:r>
+                    <a:rPr lang="en-US" sz="3200" dirty="0">
+                      <a:latin typeface="Oxygen" panose="02000503000000000000" pitchFamily="2" charset="0"/>
+                    </a:rPr>
+                    <a:t>and Connector</a:t>
                   </a:r>
                 </a:p>
               </p:txBody>
             </p:sp>
           </p:grpSp>
-          <p:cxnSp>
-            <p:nvCxnSpPr>
-              <p:cNvPr id="38" name="Straight Arrow Connector 37"/>
-              <p:cNvCxnSpPr/>
+          <p:sp>
+            <p:nvSpPr>
+              <p:cNvPr id="33" name="TextBox 32"/>
+              <p:cNvSpPr txBox="1"/>
               <p:nvPr/>
-            </p:nvCxnSpPr>
+            </p:nvSpPr>
             <p:spPr>
-              <a:xfrm>
-                <a:off x="9348334" y="12604329"/>
-                <a:ext cx="2425917" cy="0"/>
+              <a:xfrm rot="16200000">
+                <a:off x="766891" y="16842403"/>
+                <a:ext cx="2703930" cy="615553"/>
               </a:xfrm>
-              <a:prstGeom prst="straightConnector1">
+              <a:prstGeom prst="rect">
                 <a:avLst/>
               </a:prstGeom>
-              <a:ln w="63500" cmpd="sng">
-                <a:solidFill>
-                  <a:schemeClr val="tx2">
-                    <a:lumMod val="50000"/>
-                  </a:schemeClr>
-                </a:solidFill>
-                <a:prstDash val="solid"/>
-                <a:round/>
-                <a:headEnd type="none"/>
-                <a:tailEnd type="stealth" w="lg" len="lg"/>
-              </a:ln>
+              <a:noFill/>
             </p:spPr>
-            <p:style>
-              <a:lnRef idx="1">
-                <a:schemeClr val="accent1"/>
-              </a:lnRef>
-              <a:fillRef idx="0">
-                <a:schemeClr val="accent1"/>
-              </a:fillRef>
-              <a:effectRef idx="0">
-                <a:schemeClr val="accent1"/>
-              </a:effectRef>
-              <a:fontRef idx="minor">
-                <a:schemeClr val="tx1"/>
-              </a:fontRef>
-            </p:style>
-          </p:cxnSp>
+            <p:txBody>
+              <a:bodyPr wrap="square" rtlCol="0">
+                <a:spAutoFit/>
+              </a:bodyPr>
+              <a:lstStyle/>
+              <a:p>
+                <a:r>
+                  <a:rPr lang="en-US" sz="3400" dirty="0">
+                    <a:latin typeface="Oxygen" panose="02000503000000000000" pitchFamily="2" charset="0"/>
+                  </a:rPr>
+                  <a:t>Deployment</a:t>
+                </a:r>
+              </a:p>
+            </p:txBody>
+          </p:sp>
         </p:grpSp>
+        <p:cxnSp>
+          <p:nvCxnSpPr>
+            <p:cNvPr id="38" name="Straight Arrow Connector 37"/>
+            <p:cNvCxnSpPr/>
+            <p:nvPr/>
+          </p:nvCxnSpPr>
+          <p:spPr>
+            <a:xfrm>
+              <a:off x="9348334" y="12604329"/>
+              <a:ext cx="2425917" cy="0"/>
+            </a:xfrm>
+            <a:prstGeom prst="straightConnector1">
+              <a:avLst/>
+            </a:prstGeom>
+            <a:ln w="63500" cmpd="sng">
+              <a:solidFill>
+                <a:schemeClr val="tx2">
+                  <a:lumMod val="50000"/>
+                </a:schemeClr>
+              </a:solidFill>
+              <a:prstDash val="solid"/>
+              <a:round/>
+              <a:headEnd type="none"/>
+              <a:tailEnd type="stealth" w="lg" len="lg"/>
+            </a:ln>
+          </p:spPr>
+          <p:style>
+            <a:lnRef idx="1">
+              <a:schemeClr val="accent1"/>
+            </a:lnRef>
+            <a:fillRef idx="0">
+              <a:schemeClr val="accent1"/>
+            </a:fillRef>
+            <a:effectRef idx="0">
+              <a:schemeClr val="accent1"/>
+            </a:effectRef>
+            <a:fontRef idx="minor">
+              <a:schemeClr val="tx1"/>
+            </a:fontRef>
+          </p:style>
+        </p:cxnSp>
       </p:grpSp>
       <p:grpSp>
         <p:nvGrpSpPr>
@@ -5156,8 +5189,8 @@
             </a:xfrm>
             <a:prstGeom prst="wedgeRectCallout">
               <a:avLst>
-                <a:gd name="adj1" fmla="val -33345"/>
-                <a:gd name="adj2" fmla="val 73789"/>
+                <a:gd name="adj1" fmla="val -33287"/>
+                <a:gd name="adj2" fmla="val 69533"/>
               </a:avLst>
             </a:prstGeom>
             <a:solidFill>
@@ -5283,8 +5316,8 @@
         </p:nvGrpSpPr>
         <p:grpSpPr>
           <a:xfrm>
-            <a:off x="-140655" y="32745984"/>
-            <a:ext cx="30465703" cy="10376874"/>
+            <a:off x="0" y="32865660"/>
+            <a:ext cx="30407930" cy="10048254"/>
             <a:chOff x="-140655" y="32745984"/>
             <a:chExt cx="30465703" cy="10376874"/>
           </a:xfrm>
@@ -5307,7 +5340,7 @@
               </a:avLst>
             </a:prstGeom>
             <a:solidFill>
-              <a:srgbClr val="7289AE"/>
+              <a:srgbClr val="7D99A7"/>
             </a:solidFill>
             <a:ln>
               <a:noFill/>
@@ -5441,54 +5474,6 @@
           </p:sp>
         </p:grpSp>
       </p:grpSp>
-      <p:sp>
-        <p:nvSpPr>
-          <p:cNvPr id="79" name="Explosion: 8 Points 78"/>
-          <p:cNvSpPr/>
-          <p:nvPr/>
-        </p:nvSpPr>
-        <p:spPr>
-          <a:xfrm>
-            <a:off x="-821254" y="4961143"/>
-            <a:ext cx="11548770" cy="15647600"/>
-          </a:xfrm>
-          <a:prstGeom prst="irregularSeal1">
-            <a:avLst/>
-          </a:prstGeom>
-          <a:solidFill>
-            <a:srgbClr val="97D256">
-              <a:alpha val="20000"/>
-            </a:srgbClr>
-          </a:solidFill>
-          <a:ln>
-            <a:noFill/>
-          </a:ln>
-        </p:spPr>
-        <p:style>
-          <a:lnRef idx="2">
-            <a:schemeClr val="accent1">
-              <a:shade val="50000"/>
-            </a:schemeClr>
-          </a:lnRef>
-          <a:fillRef idx="1">
-            <a:schemeClr val="accent1"/>
-          </a:fillRef>
-          <a:effectRef idx="0">
-            <a:schemeClr val="accent1"/>
-          </a:effectRef>
-          <a:fontRef idx="minor">
-            <a:schemeClr val="lt1"/>
-          </a:fontRef>
-        </p:style>
-        <p:txBody>
-          <a:bodyPr rtlCol="0" anchor="ctr"/>
-          <a:lstStyle/>
-          <a:p>
-            <a:pPr algn="ctr"/>
-            <a:endParaRPr lang="en-US"/>
-          </a:p>
-        </p:txBody>
-      </p:sp>
       <p:sp>
         <p:nvSpPr>
           <p:cNvPr id="82" name="Oval 81"/>
@@ -5632,6 +5617,342 @@
                   <a:latin typeface="Oxygen" panose="02000503000000000000" pitchFamily="2" charset="0"/>
                 </a:rPr>
                 <a:t>Software Architecture</a:t>
+              </a:r>
+            </a:p>
+          </p:txBody>
+        </p:sp>
+      </p:grpSp>
+      <p:sp>
+        <p:nvSpPr>
+          <p:cNvPr id="84" name="Rectangle: Rounded Corners 83"/>
+          <p:cNvSpPr/>
+          <p:nvPr/>
+        </p:nvSpPr>
+        <p:spPr>
+          <a:xfrm>
+            <a:off x="17951116" y="5036804"/>
+            <a:ext cx="11784151" cy="5880232"/>
+          </a:xfrm>
+          <a:prstGeom prst="roundRect">
+            <a:avLst/>
+          </a:prstGeom>
+          <a:noFill/>
+          <a:ln>
+            <a:solidFill>
+              <a:schemeClr val="accent1">
+                <a:shade val="50000"/>
+              </a:schemeClr>
+            </a:solidFill>
+          </a:ln>
+        </p:spPr>
+        <p:style>
+          <a:lnRef idx="2">
+            <a:schemeClr val="accent1">
+              <a:shade val="50000"/>
+            </a:schemeClr>
+          </a:lnRef>
+          <a:fillRef idx="1">
+            <a:schemeClr val="accent1"/>
+          </a:fillRef>
+          <a:effectRef idx="0">
+            <a:schemeClr val="accent1"/>
+          </a:effectRef>
+          <a:fontRef idx="minor">
+            <a:schemeClr val="lt1"/>
+          </a:fontRef>
+        </p:style>
+        <p:txBody>
+          <a:bodyPr rtlCol="0" anchor="ctr"/>
+          <a:lstStyle/>
+          <a:p>
+            <a:pPr algn="ctr"/>
+            <a:endParaRPr lang="en-US"/>
+          </a:p>
+        </p:txBody>
+      </p:sp>
+      <p:sp>
+        <p:nvSpPr>
+          <p:cNvPr id="85" name="Rectangle: Rounded Corners 84"/>
+          <p:cNvSpPr/>
+          <p:nvPr/>
+        </p:nvSpPr>
+        <p:spPr>
+          <a:xfrm>
+            <a:off x="17951116" y="11702226"/>
+            <a:ext cx="11784151" cy="7205569"/>
+          </a:xfrm>
+          <a:prstGeom prst="roundRect">
+            <a:avLst/>
+          </a:prstGeom>
+          <a:noFill/>
+          <a:ln>
+            <a:solidFill>
+              <a:schemeClr val="accent1">
+                <a:shade val="50000"/>
+              </a:schemeClr>
+            </a:solidFill>
+          </a:ln>
+        </p:spPr>
+        <p:style>
+          <a:lnRef idx="2">
+            <a:schemeClr val="accent1">
+              <a:shade val="50000"/>
+            </a:schemeClr>
+          </a:lnRef>
+          <a:fillRef idx="1">
+            <a:schemeClr val="accent1"/>
+          </a:fillRef>
+          <a:effectRef idx="0">
+            <a:schemeClr val="accent1"/>
+          </a:effectRef>
+          <a:fontRef idx="minor">
+            <a:schemeClr val="lt1"/>
+          </a:fontRef>
+        </p:style>
+        <p:txBody>
+          <a:bodyPr rtlCol="0" anchor="ctr"/>
+          <a:lstStyle/>
+          <a:p>
+            <a:pPr algn="ctr"/>
+            <a:endParaRPr lang="en-US"/>
+          </a:p>
+        </p:txBody>
+      </p:sp>
+      <p:grpSp>
+        <p:nvGrpSpPr>
+          <p:cNvPr id="88" name="Group 87"/>
+          <p:cNvGrpSpPr/>
+          <p:nvPr/>
+        </p:nvGrpSpPr>
+        <p:grpSpPr>
+          <a:xfrm>
+            <a:off x="18888884" y="4501876"/>
+            <a:ext cx="6635840" cy="1115110"/>
+            <a:chOff x="17924558" y="4224541"/>
+            <a:chExt cx="6635840" cy="1499077"/>
+          </a:xfrm>
+        </p:grpSpPr>
+        <p:sp>
+          <p:nvSpPr>
+            <p:cNvPr id="87" name="Arrow: Pentagon 86"/>
+            <p:cNvSpPr/>
+            <p:nvPr/>
+          </p:nvSpPr>
+          <p:spPr>
+            <a:xfrm rot="10800000">
+              <a:off x="17924558" y="4224541"/>
+              <a:ext cx="5892075" cy="1497890"/>
+            </a:xfrm>
+            <a:prstGeom prst="homePlate">
+              <a:avLst/>
+            </a:prstGeom>
+            <a:solidFill>
+              <a:schemeClr val="bg1">
+                <a:lumMod val="75000"/>
+              </a:schemeClr>
+            </a:solidFill>
+            <a:ln>
+              <a:noFill/>
+            </a:ln>
+          </p:spPr>
+          <p:style>
+            <a:lnRef idx="2">
+              <a:schemeClr val="accent1">
+                <a:shade val="50000"/>
+              </a:schemeClr>
+            </a:lnRef>
+            <a:fillRef idx="1">
+              <a:schemeClr val="accent1"/>
+            </a:fillRef>
+            <a:effectRef idx="0">
+              <a:schemeClr val="accent1"/>
+            </a:effectRef>
+            <a:fontRef idx="minor">
+              <a:schemeClr val="lt1"/>
+            </a:fontRef>
+          </p:style>
+          <p:txBody>
+            <a:bodyPr rtlCol="0" anchor="ctr"/>
+            <a:lstStyle/>
+            <a:p>
+              <a:pPr algn="ctr"/>
+              <a:endParaRPr lang="en-US" sz="3000" dirty="0">
+                <a:latin typeface="Oxygen" panose="02000503000000000000" pitchFamily="2" charset="0"/>
+              </a:endParaRPr>
+            </a:p>
+          </p:txBody>
+        </p:sp>
+        <p:sp>
+          <p:nvSpPr>
+            <p:cNvPr id="86" name="Arrow: Pentagon 85"/>
+            <p:cNvSpPr/>
+            <p:nvPr/>
+          </p:nvSpPr>
+          <p:spPr>
+            <a:xfrm>
+              <a:off x="18668323" y="4225728"/>
+              <a:ext cx="5892075" cy="1497890"/>
+            </a:xfrm>
+            <a:prstGeom prst="homePlate">
+              <a:avLst/>
+            </a:prstGeom>
+            <a:solidFill>
+              <a:schemeClr val="bg1">
+                <a:lumMod val="75000"/>
+              </a:schemeClr>
+            </a:solidFill>
+            <a:ln>
+              <a:noFill/>
+            </a:ln>
+          </p:spPr>
+          <p:style>
+            <a:lnRef idx="2">
+              <a:schemeClr val="accent1">
+                <a:shade val="50000"/>
+              </a:schemeClr>
+            </a:lnRef>
+            <a:fillRef idx="1">
+              <a:schemeClr val="accent1"/>
+            </a:fillRef>
+            <a:effectRef idx="0">
+              <a:schemeClr val="accent1"/>
+            </a:effectRef>
+            <a:fontRef idx="minor">
+              <a:schemeClr val="lt1"/>
+            </a:fontRef>
+          </p:style>
+          <p:txBody>
+            <a:bodyPr rtlCol="0" anchor="ctr"/>
+            <a:lstStyle/>
+            <a:p>
+              <a:r>
+                <a:rPr lang="en-US" sz="4600" b="1" dirty="0">
+                  <a:solidFill>
+                    <a:schemeClr val="bg1"/>
+                  </a:solidFill>
+                  <a:latin typeface="Oxygen" panose="02000503000000000000" pitchFamily="2" charset="0"/>
+                </a:rPr>
+                <a:t>Previous Solutions</a:t>
+              </a:r>
+            </a:p>
+          </p:txBody>
+        </p:sp>
+      </p:grpSp>
+      <p:grpSp>
+        <p:nvGrpSpPr>
+          <p:cNvPr id="89" name="Group 88"/>
+          <p:cNvGrpSpPr/>
+          <p:nvPr/>
+        </p:nvGrpSpPr>
+        <p:grpSpPr>
+          <a:xfrm>
+            <a:off x="22051488" y="11145111"/>
+            <a:ext cx="6537859" cy="1114227"/>
+            <a:chOff x="18044874" y="4181981"/>
+            <a:chExt cx="6537859" cy="1497890"/>
+          </a:xfrm>
+        </p:grpSpPr>
+        <p:sp>
+          <p:nvSpPr>
+            <p:cNvPr id="90" name="Arrow: Pentagon 89"/>
+            <p:cNvSpPr/>
+            <p:nvPr/>
+          </p:nvSpPr>
+          <p:spPr>
+            <a:xfrm rot="10800000">
+              <a:off x="18044874" y="4181981"/>
+              <a:ext cx="5892075" cy="1497890"/>
+            </a:xfrm>
+            <a:prstGeom prst="homePlate">
+              <a:avLst/>
+            </a:prstGeom>
+            <a:solidFill>
+              <a:schemeClr val="bg1">
+                <a:lumMod val="75000"/>
+              </a:schemeClr>
+            </a:solidFill>
+            <a:ln>
+              <a:noFill/>
+            </a:ln>
+          </p:spPr>
+          <p:style>
+            <a:lnRef idx="2">
+              <a:schemeClr val="accent1">
+                <a:shade val="50000"/>
+              </a:schemeClr>
+            </a:lnRef>
+            <a:fillRef idx="1">
+              <a:schemeClr val="accent1"/>
+            </a:fillRef>
+            <a:effectRef idx="0">
+              <a:schemeClr val="accent1"/>
+            </a:effectRef>
+            <a:fontRef idx="minor">
+              <a:schemeClr val="lt1"/>
+            </a:fontRef>
+          </p:style>
+          <p:txBody>
+            <a:bodyPr rtlCol="0" anchor="ctr"/>
+            <a:lstStyle/>
+            <a:p>
+              <a:pPr algn="ctr"/>
+              <a:endParaRPr lang="en-US" sz="3000" dirty="0">
+                <a:latin typeface="Oxygen" panose="02000503000000000000" pitchFamily="2" charset="0"/>
+              </a:endParaRPr>
+            </a:p>
+          </p:txBody>
+        </p:sp>
+        <p:sp>
+          <p:nvSpPr>
+            <p:cNvPr id="91" name="Arrow: Pentagon 90"/>
+            <p:cNvSpPr/>
+            <p:nvPr/>
+          </p:nvSpPr>
+          <p:spPr>
+            <a:xfrm>
+              <a:off x="18690658" y="4181981"/>
+              <a:ext cx="5892075" cy="1497890"/>
+            </a:xfrm>
+            <a:prstGeom prst="homePlate">
+              <a:avLst/>
+            </a:prstGeom>
+            <a:solidFill>
+              <a:schemeClr val="bg1">
+                <a:lumMod val="75000"/>
+              </a:schemeClr>
+            </a:solidFill>
+            <a:ln>
+              <a:noFill/>
+            </a:ln>
+          </p:spPr>
+          <p:style>
+            <a:lnRef idx="2">
+              <a:schemeClr val="accent1">
+                <a:shade val="50000"/>
+              </a:schemeClr>
+            </a:lnRef>
+            <a:fillRef idx="1">
+              <a:schemeClr val="accent1"/>
+            </a:fillRef>
+            <a:effectRef idx="0">
+              <a:schemeClr val="accent1"/>
+            </a:effectRef>
+            <a:fontRef idx="minor">
+              <a:schemeClr val="lt1"/>
+            </a:fontRef>
+          </p:style>
+          <p:txBody>
+            <a:bodyPr rtlCol="0" anchor="ctr"/>
+            <a:lstStyle/>
+            <a:p>
+              <a:r>
+                <a:rPr lang="en-US" sz="4600" b="1" dirty="0">
+                  <a:solidFill>
+                    <a:schemeClr val="bg1"/>
+                  </a:solidFill>
+                  <a:latin typeface="Oxygen" panose="02000503000000000000" pitchFamily="2" charset="0"/>
+                </a:rPr>
+                <a:t>Trinity’s Approach</a:t>
               </a:r>
             </a:p>
           </p:txBody>

--- a/CMU REUSE 2017 Poster.pptx
+++ b/CMU REUSE 2017 Poster.pptx
@@ -5316,10 +5316,10 @@
         </p:nvGrpSpPr>
         <p:grpSpPr>
           <a:xfrm>
-            <a:off x="0" y="32865660"/>
-            <a:ext cx="30407930" cy="10048254"/>
-            <a:chOff x="-140655" y="32745984"/>
-            <a:chExt cx="30465703" cy="10376874"/>
+            <a:off x="-2" y="32865657"/>
+            <a:ext cx="30407932" cy="9928580"/>
+            <a:chOff x="-140657" y="32745983"/>
+            <a:chExt cx="30465705" cy="10253287"/>
           </a:xfrm>
         </p:grpSpPr>
         <p:sp>
@@ -5330,8 +5330,8 @@
           </p:nvSpPr>
           <p:spPr>
             <a:xfrm rot="10800000">
-              <a:off x="-140655" y="32745984"/>
-              <a:ext cx="30407930" cy="10376874"/>
+              <a:off x="-140657" y="32745983"/>
+              <a:ext cx="30407930" cy="10253287"/>
             </a:xfrm>
             <a:prstGeom prst="wedgeRectCallout">
               <a:avLst>

--- a/CMU REUSE 2017 Poster.pptx
+++ b/CMU REUSE 2017 Poster.pptx
@@ -3999,6 +3999,102 @@
           <a:chExt cx="0" cy="0"/>
         </a:xfrm>
       </p:grpSpPr>
+      <p:sp>
+        <p:nvSpPr>
+          <p:cNvPr id="93" name="Isosceles Triangle 92"/>
+          <p:cNvSpPr/>
+          <p:nvPr/>
+        </p:nvSpPr>
+        <p:spPr>
+          <a:xfrm rot="2552075">
+            <a:off x="20570391" y="3481112"/>
+            <a:ext cx="12514568" cy="12619929"/>
+          </a:xfrm>
+          <a:prstGeom prst="triangle">
+            <a:avLst/>
+          </a:prstGeom>
+          <a:solidFill>
+            <a:schemeClr val="accent1">
+              <a:alpha val="13000"/>
+            </a:schemeClr>
+          </a:solidFill>
+          <a:ln>
+            <a:noFill/>
+          </a:ln>
+        </p:spPr>
+        <p:style>
+          <a:lnRef idx="2">
+            <a:schemeClr val="accent1">
+              <a:shade val="50000"/>
+            </a:schemeClr>
+          </a:lnRef>
+          <a:fillRef idx="1">
+            <a:schemeClr val="accent1"/>
+          </a:fillRef>
+          <a:effectRef idx="0">
+            <a:schemeClr val="accent1"/>
+          </a:effectRef>
+          <a:fontRef idx="minor">
+            <a:schemeClr val="lt1"/>
+          </a:fontRef>
+        </p:style>
+        <p:txBody>
+          <a:bodyPr rtlCol="0" anchor="ctr"/>
+          <a:lstStyle/>
+          <a:p>
+            <a:pPr algn="ctr"/>
+            <a:endParaRPr lang="en-US"/>
+          </a:p>
+        </p:txBody>
+      </p:sp>
+      <p:sp>
+        <p:nvSpPr>
+          <p:cNvPr id="94" name="Pentagon 93"/>
+          <p:cNvSpPr/>
+          <p:nvPr/>
+        </p:nvSpPr>
+        <p:spPr>
+          <a:xfrm rot="1686696">
+            <a:off x="18341154" y="4949140"/>
+            <a:ext cx="13819609" cy="11228327"/>
+          </a:xfrm>
+          <a:prstGeom prst="pentagon">
+            <a:avLst/>
+          </a:prstGeom>
+          <a:solidFill>
+            <a:schemeClr val="accent1">
+              <a:alpha val="10000"/>
+            </a:schemeClr>
+          </a:solidFill>
+          <a:ln>
+            <a:noFill/>
+          </a:ln>
+        </p:spPr>
+        <p:style>
+          <a:lnRef idx="2">
+            <a:schemeClr val="accent1">
+              <a:shade val="50000"/>
+            </a:schemeClr>
+          </a:lnRef>
+          <a:fillRef idx="1">
+            <a:schemeClr val="accent1"/>
+          </a:fillRef>
+          <a:effectRef idx="0">
+            <a:schemeClr val="accent1"/>
+          </a:effectRef>
+          <a:fontRef idx="minor">
+            <a:schemeClr val="lt1"/>
+          </a:fontRef>
+        </p:style>
+        <p:txBody>
+          <a:bodyPr rtlCol="0" anchor="ctr"/>
+          <a:lstStyle/>
+          <a:p>
+            <a:pPr algn="ctr"/>
+            <a:endParaRPr lang="en-US" dirty="0"/>
+          </a:p>
+        </p:txBody>
+      </p:sp>
       <p:sp>
         <p:nvSpPr>
           <p:cNvPr id="79" name="Explosion: 8 Points 78"/>
@@ -5194,7 +5290,9 @@
               </a:avLst>
             </a:prstGeom>
             <a:solidFill>
-              <a:srgbClr val="EEDD96"/>
+              <a:srgbClr val="EEDD96">
+                <a:alpha val="75000"/>
+              </a:srgbClr>
             </a:solidFill>
             <a:ln>
               <a:noFill/>
@@ -5240,7 +5338,9 @@
               <a:avLst/>
             </a:prstGeom>
             <a:solidFill>
-              <a:srgbClr val="BFBFBF"/>
+              <a:schemeClr val="bg1">
+                <a:lumMod val="65000"/>
+              </a:schemeClr>
             </a:solidFill>
             <a:ln>
               <a:noFill/>
@@ -5267,7 +5367,10 @@
             <a:lstStyle/>
             <a:p>
               <a:pPr algn="ctr"/>
-              <a:endParaRPr lang="en-US"/>
+              <a:r>
+                <a:rPr lang="en-US" dirty="0"/>
+                <a:t>f</a:t>
+              </a:r>
             </a:p>
           </p:txBody>
         </p:sp>
@@ -5286,7 +5389,9 @@
               <a:avLst/>
             </a:prstGeom>
             <a:solidFill>
-              <a:srgbClr val="BFBFBF"/>
+              <a:schemeClr val="bg1">
+                <a:lumMod val="65000"/>
+              </a:schemeClr>
             </a:solidFill>
           </p:spPr>
           <p:txBody>
@@ -5340,7 +5445,9 @@
               </a:avLst>
             </a:prstGeom>
             <a:solidFill>
-              <a:srgbClr val="7D99A7"/>
+              <a:srgbClr val="7D99A7">
+                <a:alpha val="75000"/>
+              </a:srgbClr>
             </a:solidFill>
             <a:ln>
               <a:noFill/>
@@ -5406,7 +5513,7 @@
               </a:prstGeom>
               <a:solidFill>
                 <a:schemeClr val="bg1">
-                  <a:lumMod val="75000"/>
+                  <a:lumMod val="65000"/>
                 </a:schemeClr>
               </a:solidFill>
               <a:ln>
@@ -5490,7 +5597,7 @@
           </a:prstGeom>
           <a:solidFill>
             <a:srgbClr val="CD6D6D">
-              <a:alpha val="10000"/>
+              <a:alpha val="13000"/>
             </a:srgbClr>
           </a:solidFill>
           <a:ln>
@@ -5748,7 +5855,7 @@
             </a:prstGeom>
             <a:solidFill>
               <a:schemeClr val="bg1">
-                <a:lumMod val="75000"/>
+                <a:lumMod val="65000"/>
               </a:schemeClr>
             </a:solidFill>
             <a:ln>
@@ -5798,7 +5905,7 @@
             </a:prstGeom>
             <a:solidFill>
               <a:schemeClr val="bg1">
-                <a:lumMod val="75000"/>
+                <a:lumMod val="65000"/>
               </a:schemeClr>
             </a:solidFill>
             <a:ln>
@@ -5868,7 +5975,7 @@
             </a:prstGeom>
             <a:solidFill>
               <a:schemeClr val="bg1">
-                <a:lumMod val="75000"/>
+                <a:lumMod val="65000"/>
               </a:schemeClr>
             </a:solidFill>
             <a:ln>
@@ -5918,7 +6025,7 @@
             </a:prstGeom>
             <a:solidFill>
               <a:schemeClr val="bg1">
-                <a:lumMod val="75000"/>
+                <a:lumMod val="65000"/>
               </a:schemeClr>
             </a:solidFill>
             <a:ln>

--- a/CMU REUSE 2017 Poster.pptx
+++ b/CMU REUSE 2017 Poster.pptx
@@ -4103,7 +4103,7 @@
         </p:nvSpPr>
         <p:spPr>
           <a:xfrm>
-            <a:off x="-821254" y="4961143"/>
+            <a:off x="-806393" y="4618130"/>
             <a:ext cx="11548770" cy="15647600"/>
           </a:xfrm>
           <a:prstGeom prst="irregularSeal1">
@@ -5267,7 +5267,7 @@
         <p:grpSpPr>
           <a:xfrm>
             <a:off x="0" y="20608742"/>
-            <a:ext cx="30412229" cy="11439628"/>
+            <a:ext cx="30267275" cy="11439628"/>
             <a:chOff x="0" y="20608742"/>
             <a:chExt cx="30412229" cy="11439628"/>
           </a:xfrm>
@@ -5421,10 +5421,10 @@
         </p:nvGrpSpPr>
         <p:grpSpPr>
           <a:xfrm>
-            <a:off x="-2" y="32865657"/>
-            <a:ext cx="30407932" cy="9928580"/>
-            <a:chOff x="-140657" y="32745983"/>
-            <a:chExt cx="30465705" cy="10253287"/>
+            <a:off x="-3" y="32865657"/>
+            <a:ext cx="30267278" cy="9928580"/>
+            <a:chOff x="-140658" y="32745983"/>
+            <a:chExt cx="30465706" cy="10253287"/>
           </a:xfrm>
         </p:grpSpPr>
         <p:sp>
@@ -5435,8 +5435,8 @@
           </p:nvSpPr>
           <p:spPr>
             <a:xfrm rot="10800000">
-              <a:off x="-140657" y="32745983"/>
-              <a:ext cx="30407930" cy="10253287"/>
+              <a:off x="-140658" y="32745983"/>
+              <a:ext cx="30465705" cy="10253287"/>
             </a:xfrm>
             <a:prstGeom prst="wedgeRectCallout">
               <a:avLst>

--- a/CMU REUSE 2017 Poster.pptx
+++ b/CMU REUSE 2017 Poster.pptx
@@ -5401,7 +5401,7 @@
             <a:lstStyle/>
             <a:p>
               <a:r>
-                <a:rPr lang="en-US" sz="10000" b="1" dirty="0">
+                <a:rPr lang="en-US" sz="10000" b="1" i="1" dirty="0">
                   <a:solidFill>
                     <a:schemeClr val="bg1"/>
                   </a:solidFill>
@@ -5553,8 +5553,8 @@
             </p:nvSpPr>
             <p:spPr>
               <a:xfrm rot="10800000">
-                <a:off x="-58898" y="23686061"/>
-                <a:ext cx="6363759" cy="1150377"/>
+                <a:off x="-58898" y="23648438"/>
+                <a:ext cx="6363759" cy="1187999"/>
               </a:xfrm>
               <a:prstGeom prst="rect">
                 <a:avLst/>
@@ -5568,7 +5568,7 @@
               <a:lstStyle/>
               <a:p>
                 <a:r>
-                  <a:rPr lang="en-US" sz="10000" b="1" dirty="0">
+                  <a:rPr lang="en-US" sz="10000" b="1" i="1" dirty="0">
                     <a:solidFill>
                       <a:schemeClr val="bg1"/>
                     </a:solidFill>
@@ -5717,7 +5717,7 @@
             <a:lstStyle/>
             <a:p>
               <a:r>
-                <a:rPr lang="en-US" sz="6500" b="1" dirty="0">
+                <a:rPr lang="en-US" sz="6500" b="1" i="1" dirty="0">
                   <a:solidFill>
                     <a:schemeClr val="bg1"/>
                   </a:solidFill>
@@ -5833,7 +5833,7 @@
         </p:nvGrpSpPr>
         <p:grpSpPr>
           <a:xfrm>
-            <a:off x="18888884" y="4501876"/>
+            <a:off x="18888884" y="4501877"/>
             <a:ext cx="6635840" cy="1115110"/>
             <a:chOff x="17924558" y="4224541"/>
             <a:chExt cx="6635840" cy="1499077"/>

--- a/CMU REUSE 2017 Poster.pptx
+++ b/CMU REUSE 2017 Poster.pptx
@@ -14,19 +14,26 @@
   <p:notesSz cx="6858000" cy="9144000"/>
   <p:embeddedFontLst>
     <p:embeddedFont>
-      <p:font typeface="Oswald"/>
+      <p:font typeface="Source Code Pro" panose="020B0604020202020204" charset="0"/>
       <p:regular r:id="rId4"/>
       <p:bold r:id="rId5"/>
     </p:embeddedFont>
     <p:embeddedFont>
-      <p:font typeface="Source Code Pro" panose="020B0604020202020204" charset="0"/>
+      <p:font typeface="Oxygen" panose="02000503000000000000" pitchFamily="2" charset="0"/>
       <p:regular r:id="rId6"/>
       <p:bold r:id="rId7"/>
     </p:embeddedFont>
     <p:embeddedFont>
-      <p:font typeface="Oxygen" panose="02000503000000000000" pitchFamily="2" charset="0"/>
+      <p:font typeface="Oswald"/>
       <p:regular r:id="rId8"/>
       <p:bold r:id="rId9"/>
+    </p:embeddedFont>
+    <p:embeddedFont>
+      <p:font typeface="Consolas" panose="020B0609020204030204" pitchFamily="49" charset="0"/>
+      <p:regular r:id="rId10"/>
+      <p:bold r:id="rId11"/>
+      <p:italic r:id="rId12"/>
+      <p:boldItalic r:id="rId13"/>
     </p:embeddedFont>
   </p:embeddedFontLst>
   <p:defaultTextStyle>
@@ -4103,7 +4110,7 @@
         </p:nvSpPr>
         <p:spPr>
           <a:xfrm>
-            <a:off x="-806393" y="4618130"/>
+            <a:off x="-1252673" y="6074764"/>
             <a:ext cx="11548770" cy="15647600"/>
           </a:xfrm>
           <a:prstGeom prst="irregularSeal1">
@@ -4139,7 +4146,7 @@
           <a:lstStyle/>
           <a:p>
             <a:pPr algn="ctr"/>
-            <a:endParaRPr lang="en-US"/>
+            <a:endParaRPr lang="en-US" dirty="0"/>
           </a:p>
         </p:txBody>
       </p:sp>
@@ -4173,680 +4180,6 @@
           </a:fontRef>
         </p:style>
       </p:cxnSp>
-      <p:grpSp>
-        <p:nvGrpSpPr>
-          <p:cNvPr id="29" name="Group 28"/>
-          <p:cNvGrpSpPr/>
-          <p:nvPr/>
-        </p:nvGrpSpPr>
-        <p:grpSpPr>
-          <a:xfrm>
-            <a:off x="11114259" y="8998719"/>
-            <a:ext cx="5944661" cy="8249571"/>
-            <a:chOff x="12160993" y="8496621"/>
-            <a:chExt cx="5944661" cy="8249571"/>
-          </a:xfrm>
-        </p:grpSpPr>
-        <p:sp>
-          <p:nvSpPr>
-            <p:cNvPr id="70" name="Shape 70"/>
-            <p:cNvSpPr/>
-            <p:nvPr/>
-          </p:nvSpPr>
-          <p:spPr>
-            <a:xfrm>
-              <a:off x="12160993" y="9778349"/>
-              <a:ext cx="5944661" cy="6967843"/>
-            </a:xfrm>
-            <a:prstGeom prst="flowChartMagneticDisk">
-              <a:avLst/>
-            </a:prstGeom>
-            <a:noFill/>
-            <a:ln w="38100" cap="flat" cmpd="sng">
-              <a:solidFill>
-                <a:srgbClr val="000000"/>
-              </a:solidFill>
-              <a:prstDash val="solid"/>
-              <a:round/>
-              <a:headEnd type="none" w="med" len="med"/>
-              <a:tailEnd type="none" w="med" len="med"/>
-            </a:ln>
-          </p:spPr>
-          <p:txBody>
-            <a:bodyPr lIns="91425" tIns="91425" rIns="91425" bIns="91425" anchor="ctr" anchorCtr="0">
-              <a:noAutofit/>
-            </a:bodyPr>
-            <a:lstStyle/>
-            <a:p>
-              <a:pPr lvl="0">
-                <a:spcBef>
-                  <a:spcPts val="0"/>
-                </a:spcBef>
-                <a:buNone/>
-              </a:pPr>
-              <a:endParaRPr/>
-            </a:p>
-          </p:txBody>
-        </p:sp>
-        <p:sp>
-          <p:nvSpPr>
-            <p:cNvPr id="25" name="TextBox 24"/>
-            <p:cNvSpPr txBox="1"/>
-            <p:nvPr/>
-          </p:nvSpPr>
-          <p:spPr>
-            <a:xfrm>
-              <a:off x="13225589" y="8496621"/>
-              <a:ext cx="3815468" cy="861774"/>
-            </a:xfrm>
-            <a:prstGeom prst="rect">
-              <a:avLst/>
-            </a:prstGeom>
-            <a:noFill/>
-          </p:spPr>
-          <p:txBody>
-            <a:bodyPr wrap="none" rtlCol="0">
-              <a:spAutoFit/>
-            </a:bodyPr>
-            <a:lstStyle/>
-            <a:p>
-              <a:r>
-                <a:rPr lang="en-US" sz="5000" dirty="0">
-                  <a:latin typeface="Oxygen" panose="02000503000000000000" pitchFamily="2" charset="0"/>
-                </a:rPr>
-                <a:t>The Problem</a:t>
-              </a:r>
-            </a:p>
-          </p:txBody>
-        </p:sp>
-        <p:sp>
-          <p:nvSpPr>
-            <p:cNvPr id="28" name="TextBox 27"/>
-            <p:cNvSpPr txBox="1"/>
-            <p:nvPr/>
-          </p:nvSpPr>
-          <p:spPr>
-            <a:xfrm>
-              <a:off x="12547735" y="12805877"/>
-              <a:ext cx="5171176" cy="1938992"/>
-            </a:xfrm>
-            <a:prstGeom prst="rect">
-              <a:avLst/>
-            </a:prstGeom>
-            <a:noFill/>
-          </p:spPr>
-          <p:txBody>
-            <a:bodyPr wrap="square" rtlCol="0">
-              <a:spAutoFit/>
-            </a:bodyPr>
-            <a:lstStyle/>
-            <a:p>
-              <a:pPr algn="ctr"/>
-              <a:r>
-                <a:rPr lang="en-US" sz="3000" dirty="0">
-                  <a:latin typeface="Oxygen" panose="02000503000000000000" pitchFamily="2" charset="0"/>
-                </a:rPr>
-                <a:t>Guarantees planned in software architecture design do not always carry through to implementations.</a:t>
-              </a:r>
-            </a:p>
-          </p:txBody>
-        </p:sp>
-      </p:grpSp>
-      <p:grpSp>
-        <p:nvGrpSpPr>
-          <p:cNvPr id="41" name="Group 40"/>
-          <p:cNvGrpSpPr/>
-          <p:nvPr/>
-        </p:nvGrpSpPr>
-        <p:grpSpPr>
-          <a:xfrm>
-            <a:off x="413182" y="6690571"/>
-            <a:ext cx="10314334" cy="13010049"/>
-            <a:chOff x="1459917" y="6136769"/>
-            <a:chExt cx="10314334" cy="13010049"/>
-          </a:xfrm>
-        </p:grpSpPr>
-        <p:grpSp>
-          <p:nvGrpSpPr>
-            <p:cNvPr id="24" name="Group 23"/>
-            <p:cNvGrpSpPr/>
-            <p:nvPr/>
-          </p:nvGrpSpPr>
-          <p:grpSpPr>
-            <a:xfrm>
-              <a:off x="1459917" y="6136769"/>
-              <a:ext cx="7882010" cy="13010049"/>
-              <a:chOff x="1349414" y="5959861"/>
-              <a:chExt cx="7882010" cy="13010049"/>
-            </a:xfrm>
-          </p:grpSpPr>
-          <p:grpSp>
-            <p:nvGrpSpPr>
-              <p:cNvPr id="23" name="Group 22"/>
-              <p:cNvGrpSpPr/>
-              <p:nvPr/>
-            </p:nvGrpSpPr>
-            <p:grpSpPr>
-              <a:xfrm>
-                <a:off x="1349414" y="5959861"/>
-                <a:ext cx="7882010" cy="13010049"/>
-                <a:chOff x="1349414" y="5959861"/>
-                <a:chExt cx="7882010" cy="13010049"/>
-              </a:xfrm>
-            </p:grpSpPr>
-            <p:grpSp>
-              <p:nvGrpSpPr>
-                <p:cNvPr id="18" name="Group 17"/>
-                <p:cNvGrpSpPr/>
-                <p:nvPr/>
-              </p:nvGrpSpPr>
-              <p:grpSpPr>
-                <a:xfrm>
-                  <a:off x="2538536" y="5959861"/>
-                  <a:ext cx="6692888" cy="13010049"/>
-                  <a:chOff x="3325408" y="5804822"/>
-                  <a:chExt cx="6692888" cy="13010049"/>
-                </a:xfrm>
-              </p:grpSpPr>
-              <p:grpSp>
-                <p:nvGrpSpPr>
-                  <p:cNvPr id="17" name="Group 16"/>
-                  <p:cNvGrpSpPr/>
-                  <p:nvPr/>
-                </p:nvGrpSpPr>
-                <p:grpSpPr>
-                  <a:xfrm>
-                    <a:off x="3325408" y="5804822"/>
-                    <a:ext cx="6692888" cy="13010049"/>
-                    <a:chOff x="3325408" y="5804822"/>
-                    <a:chExt cx="6692888" cy="13010049"/>
-                  </a:xfrm>
-                </p:grpSpPr>
-                <p:grpSp>
-                  <p:nvGrpSpPr>
-                    <p:cNvPr id="5" name="Group 4"/>
-                    <p:cNvGrpSpPr/>
-                    <p:nvPr/>
-                  </p:nvGrpSpPr>
-                  <p:grpSpPr>
-                    <a:xfrm>
-                      <a:off x="3325408" y="5804822"/>
-                      <a:ext cx="5383840" cy="13010049"/>
-                      <a:chOff x="3325408" y="5804822"/>
-                      <a:chExt cx="5383840" cy="13010049"/>
-                    </a:xfrm>
-                  </p:grpSpPr>
-                  <p:sp>
-                    <p:nvSpPr>
-                      <p:cNvPr id="2" name="Rectangle 1"/>
-                      <p:cNvSpPr/>
-                      <p:nvPr/>
-                    </p:nvSpPr>
-                    <p:spPr>
-                      <a:xfrm>
-                        <a:off x="3325409" y="5804822"/>
-                        <a:ext cx="5383839" cy="3639460"/>
-                      </a:xfrm>
-                      <a:prstGeom prst="rect">
-                        <a:avLst/>
-                      </a:prstGeom>
-                      <a:noFill/>
-                      <a:ln cmpd="sng">
-                        <a:solidFill>
-                          <a:schemeClr val="tx2">
-                            <a:lumMod val="50000"/>
-                          </a:schemeClr>
-                        </a:solidFill>
-                        <a:prstDash val="solid"/>
-                        <a:round/>
-                      </a:ln>
-                    </p:spPr>
-                    <p:style>
-                      <a:lnRef idx="2">
-                        <a:schemeClr val="accent1">
-                          <a:shade val="50000"/>
-                        </a:schemeClr>
-                      </a:lnRef>
-                      <a:fillRef idx="1">
-                        <a:schemeClr val="accent1"/>
-                      </a:fillRef>
-                      <a:effectRef idx="0">
-                        <a:schemeClr val="accent1"/>
-                      </a:effectRef>
-                      <a:fontRef idx="minor">
-                        <a:schemeClr val="lt1"/>
-                      </a:fontRef>
-                    </p:style>
-                    <p:txBody>
-                      <a:bodyPr rtlCol="0" anchor="ctr"/>
-                      <a:lstStyle/>
-                      <a:p>
-                        <a:pPr algn="ctr"/>
-                        <a:endParaRPr lang="en-US" dirty="0"/>
-                      </a:p>
-                    </p:txBody>
-                  </p:sp>
-                  <p:sp>
-                    <p:nvSpPr>
-                      <p:cNvPr id="12" name="Rectangle 11"/>
-                      <p:cNvSpPr/>
-                      <p:nvPr/>
-                    </p:nvSpPr>
-                    <p:spPr>
-                      <a:xfrm>
-                        <a:off x="3325408" y="10443536"/>
-                        <a:ext cx="5383839" cy="3639460"/>
-                      </a:xfrm>
-                      <a:prstGeom prst="rect">
-                        <a:avLst/>
-                      </a:prstGeom>
-                      <a:noFill/>
-                      <a:ln cmpd="sng">
-                        <a:solidFill>
-                          <a:schemeClr val="tx2">
-                            <a:lumMod val="50000"/>
-                          </a:schemeClr>
-                        </a:solidFill>
-                        <a:prstDash val="solid"/>
-                        <a:round/>
-                      </a:ln>
-                    </p:spPr>
-                    <p:style>
-                      <a:lnRef idx="2">
-                        <a:schemeClr val="accent1">
-                          <a:shade val="50000"/>
-                        </a:schemeClr>
-                      </a:lnRef>
-                      <a:fillRef idx="1">
-                        <a:schemeClr val="accent1"/>
-                      </a:fillRef>
-                      <a:effectRef idx="0">
-                        <a:schemeClr val="accent1"/>
-                      </a:effectRef>
-                      <a:fontRef idx="minor">
-                        <a:schemeClr val="lt1"/>
-                      </a:fontRef>
-                    </p:style>
-                    <p:txBody>
-                      <a:bodyPr rtlCol="0" anchor="ctr"/>
-                      <a:lstStyle/>
-                      <a:p>
-                        <a:pPr algn="ctr"/>
-                        <a:endParaRPr lang="en-US"/>
-                      </a:p>
-                    </p:txBody>
-                  </p:sp>
-                  <p:sp>
-                    <p:nvSpPr>
-                      <p:cNvPr id="13" name="Rectangle 12"/>
-                      <p:cNvSpPr/>
-                      <p:nvPr/>
-                    </p:nvSpPr>
-                    <p:spPr>
-                      <a:xfrm>
-                        <a:off x="3325408" y="15175411"/>
-                        <a:ext cx="5383839" cy="3639460"/>
-                      </a:xfrm>
-                      <a:prstGeom prst="rect">
-                        <a:avLst/>
-                      </a:prstGeom>
-                      <a:noFill/>
-                      <a:ln cmpd="sng">
-                        <a:solidFill>
-                          <a:schemeClr val="tx2">
-                            <a:lumMod val="50000"/>
-                          </a:schemeClr>
-                        </a:solidFill>
-                        <a:prstDash val="solid"/>
-                        <a:round/>
-                      </a:ln>
-                    </p:spPr>
-                    <p:style>
-                      <a:lnRef idx="2">
-                        <a:schemeClr val="accent1">
-                          <a:shade val="50000"/>
-                        </a:schemeClr>
-                      </a:lnRef>
-                      <a:fillRef idx="1">
-                        <a:schemeClr val="accent1"/>
-                      </a:fillRef>
-                      <a:effectRef idx="0">
-                        <a:schemeClr val="accent1"/>
-                      </a:effectRef>
-                      <a:fontRef idx="minor">
-                        <a:schemeClr val="lt1"/>
-                      </a:fontRef>
-                    </p:style>
-                    <p:txBody>
-                      <a:bodyPr rtlCol="0" anchor="ctr"/>
-                      <a:lstStyle/>
-                      <a:p>
-                        <a:pPr algn="ctr"/>
-                        <a:endParaRPr lang="en-US"/>
-                      </a:p>
-                    </p:txBody>
-                  </p:sp>
-                </p:grpSp>
-                <p:grpSp>
-                  <p:nvGrpSpPr>
-                    <p:cNvPr id="16" name="Group 15"/>
-                    <p:cNvGrpSpPr/>
-                    <p:nvPr/>
-                  </p:nvGrpSpPr>
-                  <p:grpSpPr>
-                    <a:xfrm>
-                      <a:off x="8709248" y="7624552"/>
-                      <a:ext cx="1309048" cy="9344526"/>
-                      <a:chOff x="8709248" y="7624552"/>
-                      <a:chExt cx="1309048" cy="9344526"/>
-                    </a:xfrm>
-                  </p:grpSpPr>
-                  <p:cxnSp>
-                    <p:nvCxnSpPr>
-                      <p:cNvPr id="9" name="Straight Connector 8"/>
-                      <p:cNvCxnSpPr>
-                        <a:stCxn id="2" idx="3"/>
-                      </p:cNvCxnSpPr>
-                      <p:nvPr/>
-                    </p:nvCxnSpPr>
-                    <p:spPr>
-                      <a:xfrm>
-                        <a:off x="8709248" y="7624552"/>
-                        <a:ext cx="1301026" cy="0"/>
-                      </a:xfrm>
-                      <a:prstGeom prst="line">
-                        <a:avLst/>
-                      </a:prstGeom>
-                      <a:ln w="63500" cmpd="sng">
-                        <a:solidFill>
-                          <a:schemeClr val="tx2">
-                            <a:lumMod val="50000"/>
-                          </a:schemeClr>
-                        </a:solidFill>
-                        <a:prstDash val="solid"/>
-                        <a:round/>
-                      </a:ln>
-                    </p:spPr>
-                    <p:style>
-                      <a:lnRef idx="3">
-                        <a:schemeClr val="accent1"/>
-                      </a:lnRef>
-                      <a:fillRef idx="0">
-                        <a:schemeClr val="accent1"/>
-                      </a:fillRef>
-                      <a:effectRef idx="2">
-                        <a:schemeClr val="accent1"/>
-                      </a:effectRef>
-                      <a:fontRef idx="minor">
-                        <a:schemeClr val="tx1"/>
-                      </a:fontRef>
-                    </p:style>
-                  </p:cxnSp>
-                  <p:cxnSp>
-                    <p:nvCxnSpPr>
-                      <p:cNvPr id="21" name="Straight Connector 20"/>
-                      <p:cNvCxnSpPr/>
-                      <p:nvPr/>
-                    </p:nvCxnSpPr>
-                    <p:spPr>
-                      <a:xfrm>
-                        <a:off x="8716462" y="12272382"/>
-                        <a:ext cx="1301026" cy="0"/>
-                      </a:xfrm>
-                      <a:prstGeom prst="line">
-                        <a:avLst/>
-                      </a:prstGeom>
-                      <a:ln w="63500" cmpd="sng">
-                        <a:solidFill>
-                          <a:schemeClr val="tx2">
-                            <a:lumMod val="50000"/>
-                          </a:schemeClr>
-                        </a:solidFill>
-                        <a:prstDash val="solid"/>
-                        <a:round/>
-                      </a:ln>
-                    </p:spPr>
-                    <p:style>
-                      <a:lnRef idx="3">
-                        <a:schemeClr val="accent1"/>
-                      </a:lnRef>
-                      <a:fillRef idx="0">
-                        <a:schemeClr val="accent1"/>
-                      </a:fillRef>
-                      <a:effectRef idx="2">
-                        <a:schemeClr val="accent1"/>
-                      </a:effectRef>
-                      <a:fontRef idx="minor">
-                        <a:schemeClr val="tx1"/>
-                      </a:fontRef>
-                    </p:style>
-                  </p:cxnSp>
-                  <p:cxnSp>
-                    <p:nvCxnSpPr>
-                      <p:cNvPr id="22" name="Straight Connector 21"/>
-                      <p:cNvCxnSpPr/>
-                      <p:nvPr/>
-                    </p:nvCxnSpPr>
-                    <p:spPr>
-                      <a:xfrm>
-                        <a:off x="8717270" y="16969078"/>
-                        <a:ext cx="1301026" cy="0"/>
-                      </a:xfrm>
-                      <a:prstGeom prst="line">
-                        <a:avLst/>
-                      </a:prstGeom>
-                      <a:ln w="63500" cmpd="sng">
-                        <a:solidFill>
-                          <a:schemeClr val="tx2">
-                            <a:lumMod val="50000"/>
-                          </a:schemeClr>
-                        </a:solidFill>
-                        <a:prstDash val="solid"/>
-                        <a:round/>
-                      </a:ln>
-                    </p:spPr>
-                    <p:style>
-                      <a:lnRef idx="3">
-                        <a:schemeClr val="accent1"/>
-                      </a:lnRef>
-                      <a:fillRef idx="0">
-                        <a:schemeClr val="accent1"/>
-                      </a:fillRef>
-                      <a:effectRef idx="2">
-                        <a:schemeClr val="accent1"/>
-                      </a:effectRef>
-                      <a:fontRef idx="minor">
-                        <a:schemeClr val="tx1"/>
-                      </a:fontRef>
-                    </p:style>
-                  </p:cxnSp>
-                </p:grpSp>
-              </p:grpSp>
-              <p:cxnSp>
-                <p:nvCxnSpPr>
-                  <p:cNvPr id="15" name="Straight Connector 14"/>
-                  <p:cNvCxnSpPr/>
-                  <p:nvPr/>
-                </p:nvCxnSpPr>
-                <p:spPr>
-                  <a:xfrm flipH="1">
-                    <a:off x="10010274" y="7624552"/>
-                    <a:ext cx="8022" cy="9370589"/>
-                  </a:xfrm>
-                  <a:prstGeom prst="line">
-                    <a:avLst/>
-                  </a:prstGeom>
-                  <a:ln w="63500" cmpd="sng">
-                    <a:solidFill>
-                      <a:schemeClr val="tx2">
-                        <a:lumMod val="50000"/>
-                      </a:schemeClr>
-                    </a:solidFill>
-                    <a:prstDash val="solid"/>
-                    <a:round/>
-                  </a:ln>
-                </p:spPr>
-                <p:style>
-                  <a:lnRef idx="1">
-                    <a:schemeClr val="accent1"/>
-                  </a:lnRef>
-                  <a:fillRef idx="0">
-                    <a:schemeClr val="accent1"/>
-                  </a:fillRef>
-                  <a:effectRef idx="0">
-                    <a:schemeClr val="accent1"/>
-                  </a:effectRef>
-                  <a:fontRef idx="minor">
-                    <a:schemeClr val="tx1"/>
-                  </a:fontRef>
-                </p:style>
-              </p:cxnSp>
-            </p:grpSp>
-            <p:sp>
-              <p:nvSpPr>
-                <p:cNvPr id="20" name="TextBox 19"/>
-                <p:cNvSpPr txBox="1"/>
-                <p:nvPr/>
-              </p:nvSpPr>
-              <p:spPr>
-                <a:xfrm rot="16200000">
-                  <a:off x="1123331" y="7456425"/>
-                  <a:ext cx="1960271" cy="646331"/>
-                </a:xfrm>
-                <a:prstGeom prst="rect">
-                  <a:avLst/>
-                </a:prstGeom>
-                <a:noFill/>
-              </p:spPr>
-              <p:txBody>
-                <a:bodyPr wrap="square" rtlCol="0">
-                  <a:spAutoFit/>
-                </a:bodyPr>
-                <a:lstStyle/>
-                <a:p>
-                  <a:r>
-                    <a:rPr lang="en-US" sz="3600" dirty="0">
-                      <a:latin typeface="Oxygen" panose="02000503000000000000" pitchFamily="2" charset="0"/>
-                    </a:rPr>
-                    <a:t>Module</a:t>
-                  </a:r>
-                </a:p>
-              </p:txBody>
-            </p:sp>
-            <p:sp>
-              <p:nvSpPr>
-                <p:cNvPr id="30" name="TextBox 29"/>
-                <p:cNvSpPr txBox="1"/>
-                <p:nvPr/>
-              </p:nvSpPr>
-              <p:spPr>
-                <a:xfrm rot="16200000">
-                  <a:off x="413198" y="11879696"/>
-                  <a:ext cx="2949650" cy="1077218"/>
-                </a:xfrm>
-                <a:prstGeom prst="rect">
-                  <a:avLst/>
-                </a:prstGeom>
-                <a:noFill/>
-              </p:spPr>
-              <p:txBody>
-                <a:bodyPr wrap="square" rtlCol="0">
-                  <a:spAutoFit/>
-                </a:bodyPr>
-                <a:lstStyle/>
-                <a:p>
-                  <a:r>
-                    <a:rPr lang="en-US" sz="3200" dirty="0">
-                      <a:latin typeface="Oxygen" panose="02000503000000000000" pitchFamily="2" charset="0"/>
-                    </a:rPr>
-                    <a:t>Component </a:t>
-                  </a:r>
-                </a:p>
-                <a:p>
-                  <a:r>
-                    <a:rPr lang="en-US" sz="3200" dirty="0">
-                      <a:latin typeface="Oxygen" panose="02000503000000000000" pitchFamily="2" charset="0"/>
-                    </a:rPr>
-                    <a:t>and Connector</a:t>
-                  </a:r>
-                </a:p>
-              </p:txBody>
-            </p:sp>
-          </p:grpSp>
-          <p:sp>
-            <p:nvSpPr>
-              <p:cNvPr id="33" name="TextBox 32"/>
-              <p:cNvSpPr txBox="1"/>
-              <p:nvPr/>
-            </p:nvSpPr>
-            <p:spPr>
-              <a:xfrm rot="16200000">
-                <a:off x="766891" y="16842403"/>
-                <a:ext cx="2703930" cy="615553"/>
-              </a:xfrm>
-              <a:prstGeom prst="rect">
-                <a:avLst/>
-              </a:prstGeom>
-              <a:noFill/>
-            </p:spPr>
-            <p:txBody>
-              <a:bodyPr wrap="square" rtlCol="0">
-                <a:spAutoFit/>
-              </a:bodyPr>
-              <a:lstStyle/>
-              <a:p>
-                <a:r>
-                  <a:rPr lang="en-US" sz="3400" dirty="0">
-                    <a:latin typeface="Oxygen" panose="02000503000000000000" pitchFamily="2" charset="0"/>
-                  </a:rPr>
-                  <a:t>Deployment</a:t>
-                </a:r>
-              </a:p>
-            </p:txBody>
-          </p:sp>
-        </p:grpSp>
-        <p:cxnSp>
-          <p:nvCxnSpPr>
-            <p:cNvPr id="38" name="Straight Arrow Connector 37"/>
-            <p:cNvCxnSpPr/>
-            <p:nvPr/>
-          </p:nvCxnSpPr>
-          <p:spPr>
-            <a:xfrm>
-              <a:off x="9348334" y="12604329"/>
-              <a:ext cx="2425917" cy="0"/>
-            </a:xfrm>
-            <a:prstGeom prst="straightConnector1">
-              <a:avLst/>
-            </a:prstGeom>
-            <a:ln w="63500" cmpd="sng">
-              <a:solidFill>
-                <a:schemeClr val="tx2">
-                  <a:lumMod val="50000"/>
-                </a:schemeClr>
-              </a:solidFill>
-              <a:prstDash val="solid"/>
-              <a:round/>
-              <a:headEnd type="none"/>
-              <a:tailEnd type="stealth" w="lg" len="lg"/>
-            </a:ln>
-          </p:spPr>
-          <p:style>
-            <a:lnRef idx="1">
-              <a:schemeClr val="accent1"/>
-            </a:lnRef>
-            <a:fillRef idx="0">
-              <a:schemeClr val="accent1"/>
-            </a:fillRef>
-            <a:effectRef idx="0">
-              <a:schemeClr val="accent1"/>
-            </a:effectRef>
-            <a:fontRef idx="minor">
-              <a:schemeClr val="tx1"/>
-            </a:fontRef>
-          </p:style>
-        </p:cxnSp>
-      </p:grpSp>
       <p:grpSp>
         <p:nvGrpSpPr>
           <p:cNvPr id="63" name="Group 62"/>
@@ -5258,71 +4591,71 @@
           </p:sp>
         </p:grpSp>
       </p:grpSp>
+      <p:sp>
+        <p:nvSpPr>
+          <p:cNvPr id="75" name="Speech Bubble: Rectangle 74"/>
+          <p:cNvSpPr/>
+          <p:nvPr/>
+        </p:nvSpPr>
+        <p:spPr>
+          <a:xfrm rot="10800000">
+            <a:off x="0" y="20608742"/>
+            <a:ext cx="30262996" cy="11439628"/>
+          </a:xfrm>
+          <a:prstGeom prst="wedgeRectCallout">
+            <a:avLst>
+              <a:gd name="adj1" fmla="val -33287"/>
+              <a:gd name="adj2" fmla="val 69533"/>
+            </a:avLst>
+          </a:prstGeom>
+          <a:solidFill>
+            <a:srgbClr val="EEDD96">
+              <a:alpha val="75000"/>
+            </a:srgbClr>
+          </a:solidFill>
+          <a:ln>
+            <a:noFill/>
+          </a:ln>
+        </p:spPr>
+        <p:style>
+          <a:lnRef idx="2">
+            <a:schemeClr val="accent1">
+              <a:shade val="50000"/>
+            </a:schemeClr>
+          </a:lnRef>
+          <a:fillRef idx="1">
+            <a:schemeClr val="accent1"/>
+          </a:fillRef>
+          <a:effectRef idx="0">
+            <a:schemeClr val="accent1"/>
+          </a:effectRef>
+          <a:fontRef idx="minor">
+            <a:schemeClr val="lt1"/>
+          </a:fontRef>
+        </p:style>
+        <p:txBody>
+          <a:bodyPr rtlCol="0" anchor="ctr"/>
+          <a:lstStyle/>
+          <a:p>
+            <a:pPr algn="ctr"/>
+            <a:endParaRPr lang="en-US"/>
+          </a:p>
+        </p:txBody>
+      </p:sp>
       <p:grpSp>
         <p:nvGrpSpPr>
-          <p:cNvPr id="60" name="Group 59"/>
+          <p:cNvPr id="6" name="Group 5"/>
           <p:cNvGrpSpPr/>
           <p:nvPr/>
         </p:nvGrpSpPr>
         <p:grpSpPr>
           <a:xfrm>
-            <a:off x="0" y="20608742"/>
-            <a:ext cx="30267275" cy="11439628"/>
-            <a:chOff x="0" y="20608742"/>
-            <a:chExt cx="30412229" cy="11439628"/>
+            <a:off x="22524981" y="21905867"/>
+            <a:ext cx="7742294" cy="2819796"/>
+            <a:chOff x="22524981" y="21905867"/>
+            <a:chExt cx="7742294" cy="2819796"/>
           </a:xfrm>
         </p:grpSpPr>
-        <p:sp>
-          <p:nvSpPr>
-            <p:cNvPr id="75" name="Speech Bubble: Rectangle 74"/>
-            <p:cNvSpPr/>
-            <p:nvPr/>
-          </p:nvSpPr>
-          <p:spPr>
-            <a:xfrm rot="10800000">
-              <a:off x="0" y="20608742"/>
-              <a:ext cx="30407930" cy="11439628"/>
-            </a:xfrm>
-            <a:prstGeom prst="wedgeRectCallout">
-              <a:avLst>
-                <a:gd name="adj1" fmla="val -33287"/>
-                <a:gd name="adj2" fmla="val 69533"/>
-              </a:avLst>
-            </a:prstGeom>
-            <a:solidFill>
-              <a:srgbClr val="EEDD96">
-                <a:alpha val="75000"/>
-              </a:srgbClr>
-            </a:solidFill>
-            <a:ln>
-              <a:noFill/>
-            </a:ln>
-          </p:spPr>
-          <p:style>
-            <a:lnRef idx="2">
-              <a:schemeClr val="accent1">
-                <a:shade val="50000"/>
-              </a:schemeClr>
-            </a:lnRef>
-            <a:fillRef idx="1">
-              <a:schemeClr val="accent1"/>
-            </a:fillRef>
-            <a:effectRef idx="0">
-              <a:schemeClr val="accent1"/>
-            </a:effectRef>
-            <a:fontRef idx="minor">
-              <a:schemeClr val="lt1"/>
-            </a:fontRef>
-          </p:style>
-          <p:txBody>
-            <a:bodyPr rtlCol="0" anchor="ctr"/>
-            <a:lstStyle/>
-            <a:p>
-              <a:pPr algn="ctr"/>
-              <a:endParaRPr lang="en-US"/>
-            </a:p>
-          </p:txBody>
-        </p:sp>
         <p:sp>
           <p:nvSpPr>
             <p:cNvPr id="77" name="Arrow: Pentagon 76"/>
@@ -5331,8 +4664,8 @@
           </p:nvSpPr>
           <p:spPr>
             <a:xfrm rot="10800000">
-              <a:off x="22632856" y="21905867"/>
-              <a:ext cx="7779373" cy="2819796"/>
+              <a:off x="22524981" y="21905867"/>
+              <a:ext cx="7742294" cy="2819796"/>
             </a:xfrm>
             <a:prstGeom prst="homePlate">
               <a:avLst/>
@@ -5382,8 +4715,8 @@
           </p:nvSpPr>
           <p:spPr>
             <a:xfrm>
-              <a:off x="24560398" y="22500156"/>
-              <a:ext cx="5368302" cy="1631216"/>
+              <a:off x="24443336" y="22500155"/>
+              <a:ext cx="5342715" cy="1631217"/>
             </a:xfrm>
             <a:prstGeom prst="rect">
               <a:avLst/>
@@ -5421,10 +4754,10 @@
         </p:nvGrpSpPr>
         <p:grpSpPr>
           <a:xfrm>
-            <a:off x="-3" y="32865657"/>
-            <a:ext cx="30267278" cy="9928580"/>
-            <a:chOff x="-140658" y="32745983"/>
-            <a:chExt cx="30465706" cy="10253287"/>
+            <a:off x="-4" y="32642660"/>
+            <a:ext cx="30267279" cy="10151577"/>
+            <a:chOff x="-140659" y="32515693"/>
+            <a:chExt cx="30465707" cy="10483577"/>
           </a:xfrm>
         </p:grpSpPr>
         <p:sp>
@@ -5435,8 +4768,8 @@
           </p:nvSpPr>
           <p:spPr>
             <a:xfrm rot="10800000">
-              <a:off x="-140658" y="32745983"/>
-              <a:ext cx="30465705" cy="10253287"/>
+              <a:off x="-140659" y="32515693"/>
+              <a:ext cx="30465705" cy="10483577"/>
             </a:xfrm>
             <a:prstGeom prst="wedgeRectCallout">
               <a:avLst>
@@ -5581,54 +4914,188 @@
           </p:sp>
         </p:grpSp>
       </p:grpSp>
-      <p:sp>
-        <p:nvSpPr>
-          <p:cNvPr id="82" name="Oval 81"/>
-          <p:cNvSpPr/>
+      <p:grpSp>
+        <p:nvGrpSpPr>
+          <p:cNvPr id="11" name="Group 10"/>
+          <p:cNvGrpSpPr/>
           <p:nvPr/>
-        </p:nvSpPr>
-        <p:spPr>
+        </p:nvGrpSpPr>
+        <p:grpSpPr>
           <a:xfrm>
-            <a:off x="10921058" y="11254012"/>
-            <a:ext cx="8040015" cy="7429465"/>
+            <a:off x="10777675" y="10183183"/>
+            <a:ext cx="8040015" cy="9684758"/>
+            <a:chOff x="10921058" y="8998719"/>
+            <a:chExt cx="8040015" cy="9684758"/>
           </a:xfrm>
-          <a:prstGeom prst="ellipse">
-            <a:avLst/>
-          </a:prstGeom>
-          <a:solidFill>
-            <a:srgbClr val="CD6D6D">
-              <a:alpha val="13000"/>
-            </a:srgbClr>
-          </a:solidFill>
-          <a:ln>
-            <a:noFill/>
-          </a:ln>
-        </p:spPr>
-        <p:style>
-          <a:lnRef idx="2">
-            <a:schemeClr val="accent1">
-              <a:shade val="50000"/>
-            </a:schemeClr>
-          </a:lnRef>
-          <a:fillRef idx="1">
-            <a:schemeClr val="accent1"/>
-          </a:fillRef>
-          <a:effectRef idx="0">
-            <a:schemeClr val="accent1"/>
-          </a:effectRef>
-          <a:fontRef idx="minor">
-            <a:schemeClr val="lt1"/>
-          </a:fontRef>
-        </p:style>
-        <p:txBody>
-          <a:bodyPr rtlCol="0" anchor="ctr"/>
-          <a:lstStyle/>
-          <a:p>
-            <a:pPr algn="ctr"/>
-            <a:endParaRPr lang="en-US"/>
-          </a:p>
-        </p:txBody>
-      </p:sp>
+        </p:grpSpPr>
+        <p:grpSp>
+          <p:nvGrpSpPr>
+            <p:cNvPr id="29" name="Group 28"/>
+            <p:cNvGrpSpPr/>
+            <p:nvPr/>
+          </p:nvGrpSpPr>
+          <p:grpSpPr>
+            <a:xfrm>
+              <a:off x="11114259" y="8998719"/>
+              <a:ext cx="5944661" cy="8249571"/>
+              <a:chOff x="12160993" y="8496621"/>
+              <a:chExt cx="5944661" cy="8249571"/>
+            </a:xfrm>
+          </p:grpSpPr>
+          <p:sp>
+            <p:nvSpPr>
+              <p:cNvPr id="70" name="Shape 70"/>
+              <p:cNvSpPr/>
+              <p:nvPr/>
+            </p:nvSpPr>
+            <p:spPr>
+              <a:xfrm>
+                <a:off x="12160993" y="9778349"/>
+                <a:ext cx="5944661" cy="6967843"/>
+              </a:xfrm>
+              <a:prstGeom prst="flowChartMagneticDisk">
+                <a:avLst/>
+              </a:prstGeom>
+              <a:noFill/>
+              <a:ln w="38100" cap="flat" cmpd="sng">
+                <a:solidFill>
+                  <a:srgbClr val="000000"/>
+                </a:solidFill>
+                <a:prstDash val="solid"/>
+                <a:round/>
+                <a:headEnd type="none" w="med" len="med"/>
+                <a:tailEnd type="none" w="med" len="med"/>
+              </a:ln>
+            </p:spPr>
+            <p:txBody>
+              <a:bodyPr lIns="91425" tIns="91425" rIns="91425" bIns="91425" anchor="ctr" anchorCtr="0">
+                <a:noAutofit/>
+              </a:bodyPr>
+              <a:lstStyle/>
+              <a:p>
+                <a:pPr lvl="0">
+                  <a:spcBef>
+                    <a:spcPts val="0"/>
+                  </a:spcBef>
+                  <a:buNone/>
+                </a:pPr>
+                <a:endParaRPr/>
+              </a:p>
+            </p:txBody>
+          </p:sp>
+          <p:sp>
+            <p:nvSpPr>
+              <p:cNvPr id="25" name="TextBox 24"/>
+              <p:cNvSpPr txBox="1"/>
+              <p:nvPr/>
+            </p:nvSpPr>
+            <p:spPr>
+              <a:xfrm>
+                <a:off x="13225589" y="8496621"/>
+                <a:ext cx="3815468" cy="861774"/>
+              </a:xfrm>
+              <a:prstGeom prst="rect">
+                <a:avLst/>
+              </a:prstGeom>
+              <a:noFill/>
+            </p:spPr>
+            <p:txBody>
+              <a:bodyPr wrap="none" rtlCol="0">
+                <a:spAutoFit/>
+              </a:bodyPr>
+              <a:lstStyle/>
+              <a:p>
+                <a:r>
+                  <a:rPr lang="en-US" sz="5000" dirty="0">
+                    <a:latin typeface="Oxygen" panose="02000503000000000000" pitchFamily="2" charset="0"/>
+                  </a:rPr>
+                  <a:t>The Problem</a:t>
+                </a:r>
+              </a:p>
+            </p:txBody>
+          </p:sp>
+          <p:sp>
+            <p:nvSpPr>
+              <p:cNvPr id="28" name="TextBox 27"/>
+              <p:cNvSpPr txBox="1"/>
+              <p:nvPr/>
+            </p:nvSpPr>
+            <p:spPr>
+              <a:xfrm>
+                <a:off x="12547735" y="12805877"/>
+                <a:ext cx="5171176" cy="1938992"/>
+              </a:xfrm>
+              <a:prstGeom prst="rect">
+                <a:avLst/>
+              </a:prstGeom>
+              <a:noFill/>
+            </p:spPr>
+            <p:txBody>
+              <a:bodyPr wrap="square" rtlCol="0">
+                <a:spAutoFit/>
+              </a:bodyPr>
+              <a:lstStyle/>
+              <a:p>
+                <a:pPr algn="ctr"/>
+                <a:r>
+                  <a:rPr lang="en-US" sz="3000" dirty="0">
+                    <a:latin typeface="Oxygen" panose="02000503000000000000" pitchFamily="2" charset="0"/>
+                  </a:rPr>
+                  <a:t>Guarantees planned in software architecture design do not always carry through to implementations.</a:t>
+                </a:r>
+              </a:p>
+            </p:txBody>
+          </p:sp>
+        </p:grpSp>
+        <p:sp>
+          <p:nvSpPr>
+            <p:cNvPr id="82" name="Oval 81"/>
+            <p:cNvSpPr/>
+            <p:nvPr/>
+          </p:nvSpPr>
+          <p:spPr>
+            <a:xfrm>
+              <a:off x="10921058" y="11254012"/>
+              <a:ext cx="8040015" cy="7429465"/>
+            </a:xfrm>
+            <a:prstGeom prst="ellipse">
+              <a:avLst/>
+            </a:prstGeom>
+            <a:solidFill>
+              <a:srgbClr val="CD6D6D">
+                <a:alpha val="13000"/>
+              </a:srgbClr>
+            </a:solidFill>
+            <a:ln>
+              <a:noFill/>
+            </a:ln>
+          </p:spPr>
+          <p:style>
+            <a:lnRef idx="2">
+              <a:schemeClr val="accent1">
+                <a:shade val="50000"/>
+              </a:schemeClr>
+            </a:lnRef>
+            <a:fillRef idx="1">
+              <a:schemeClr val="accent1"/>
+            </a:fillRef>
+            <a:effectRef idx="0">
+              <a:schemeClr val="accent1"/>
+            </a:effectRef>
+            <a:fontRef idx="minor">
+              <a:schemeClr val="lt1"/>
+            </a:fontRef>
+          </p:style>
+          <p:txBody>
+            <a:bodyPr rtlCol="0" anchor="ctr"/>
+            <a:lstStyle/>
+            <a:p>
+              <a:pPr algn="ctr"/>
+              <a:endParaRPr lang="en-US"/>
+            </a:p>
+          </p:txBody>
+        </p:sp>
+      </p:grpSp>
       <p:grpSp>
         <p:nvGrpSpPr>
           <p:cNvPr id="66" name="Group 65"/>
@@ -5637,8 +5104,8 @@
         </p:nvGrpSpPr>
         <p:grpSpPr>
           <a:xfrm>
-            <a:off x="-1014796" y="3933422"/>
-            <a:ext cx="11358461" cy="1837824"/>
+            <a:off x="-995622" y="3885549"/>
+            <a:ext cx="11358461" cy="1624971"/>
             <a:chOff x="-1300062" y="3789473"/>
             <a:chExt cx="11358461" cy="1837824"/>
           </a:xfrm>
@@ -6064,6 +5531,1414 @@
             </a:p>
           </p:txBody>
         </p:sp>
+      </p:grpSp>
+      <p:sp>
+        <p:nvSpPr>
+          <p:cNvPr id="10" name="TextBox 9"/>
+          <p:cNvSpPr txBox="1"/>
+          <p:nvPr/>
+        </p:nvSpPr>
+        <p:spPr>
+          <a:xfrm>
+            <a:off x="659567" y="5951372"/>
+            <a:ext cx="12478917" cy="1938992"/>
+          </a:xfrm>
+          <a:prstGeom prst="rect">
+            <a:avLst/>
+          </a:prstGeom>
+          <a:noFill/>
+        </p:spPr>
+        <p:txBody>
+          <a:bodyPr wrap="square" rtlCol="0">
+            <a:spAutoFit/>
+          </a:bodyPr>
+          <a:lstStyle/>
+          <a:p>
+            <a:pPr algn="ctr"/>
+            <a:r>
+              <a:rPr lang="en-US" sz="4000" b="1" i="1" dirty="0">
+                <a:solidFill>
+                  <a:schemeClr val="tx2">
+                    <a:lumMod val="75000"/>
+                  </a:schemeClr>
+                </a:solidFill>
+                <a:latin typeface="Oxygen" panose="02000503000000000000" pitchFamily="2" charset="0"/>
+              </a:rPr>
+              <a:t>the “fundamental organization of a system embodied in its components, their relations to each other, and the environment”</a:t>
+            </a:r>
+            <a:endParaRPr lang="en-US" sz="4000" b="1" i="1" dirty="0">
+              <a:solidFill>
+                <a:schemeClr val="tx2">
+                  <a:lumMod val="75000"/>
+                </a:schemeClr>
+              </a:solidFill>
+              <a:latin typeface="Oxygen" panose="02000503000000000000" pitchFamily="2" charset="0"/>
+            </a:endParaRPr>
+          </a:p>
+        </p:txBody>
+      </p:sp>
+      <p:grpSp>
+        <p:nvGrpSpPr>
+          <p:cNvPr id="107" name="Group 106"/>
+          <p:cNvGrpSpPr/>
+          <p:nvPr/>
+        </p:nvGrpSpPr>
+        <p:grpSpPr>
+          <a:xfrm>
+            <a:off x="659567" y="8095201"/>
+            <a:ext cx="10194379" cy="11764289"/>
+            <a:chOff x="659567" y="8095201"/>
+            <a:chExt cx="10194379" cy="11764289"/>
+          </a:xfrm>
+        </p:grpSpPr>
+        <p:sp>
+          <p:nvSpPr>
+            <p:cNvPr id="26" name="TextBox 25"/>
+            <p:cNvSpPr txBox="1"/>
+            <p:nvPr/>
+          </p:nvSpPr>
+          <p:spPr>
+            <a:xfrm>
+              <a:off x="1335769" y="8095201"/>
+              <a:ext cx="7161800" cy="861774"/>
+            </a:xfrm>
+            <a:prstGeom prst="rect">
+              <a:avLst/>
+            </a:prstGeom>
+            <a:noFill/>
+          </p:spPr>
+          <p:txBody>
+            <a:bodyPr wrap="square" rtlCol="0">
+              <a:spAutoFit/>
+            </a:bodyPr>
+            <a:lstStyle/>
+            <a:p>
+              <a:r>
+                <a:rPr lang="en-US" b="1" dirty="0">
+                  <a:latin typeface="Oxygen" panose="02000503000000000000" pitchFamily="2" charset="0"/>
+                </a:rPr>
+                <a:t>	</a:t>
+              </a:r>
+              <a:r>
+                <a:rPr lang="en-US" sz="5000" b="1" dirty="0">
+                  <a:latin typeface="Oxygen" panose="02000503000000000000" pitchFamily="2" charset="0"/>
+                </a:rPr>
+                <a:t>Architecture Views</a:t>
+              </a:r>
+              <a:endParaRPr lang="en-US" b="1" dirty="0">
+                <a:latin typeface="Oxygen" panose="02000503000000000000" pitchFamily="2" charset="0"/>
+              </a:endParaRPr>
+            </a:p>
+          </p:txBody>
+        </p:sp>
+        <p:grpSp>
+          <p:nvGrpSpPr>
+            <p:cNvPr id="106" name="Group 105"/>
+            <p:cNvGrpSpPr/>
+            <p:nvPr/>
+          </p:nvGrpSpPr>
+          <p:grpSpPr>
+            <a:xfrm>
+              <a:off x="659567" y="8956974"/>
+              <a:ext cx="10194379" cy="10902516"/>
+              <a:chOff x="659567" y="8956974"/>
+              <a:chExt cx="10194379" cy="10902516"/>
+            </a:xfrm>
+          </p:grpSpPr>
+          <p:sp>
+            <p:nvSpPr>
+              <p:cNvPr id="27" name="Flowchart: Connector 26"/>
+              <p:cNvSpPr/>
+              <p:nvPr/>
+            </p:nvSpPr>
+            <p:spPr>
+              <a:xfrm>
+                <a:off x="6405315" y="10669812"/>
+                <a:ext cx="1420796" cy="1378404"/>
+              </a:xfrm>
+              <a:prstGeom prst="flowChartConnector">
+                <a:avLst/>
+              </a:prstGeom>
+              <a:solidFill>
+                <a:schemeClr val="tx2">
+                  <a:lumMod val="50000"/>
+                  <a:alpha val="65000"/>
+                </a:schemeClr>
+              </a:solidFill>
+              <a:ln>
+                <a:noFill/>
+              </a:ln>
+            </p:spPr>
+            <p:style>
+              <a:lnRef idx="2">
+                <a:schemeClr val="accent1">
+                  <a:shade val="50000"/>
+                </a:schemeClr>
+              </a:lnRef>
+              <a:fillRef idx="1">
+                <a:schemeClr val="accent1"/>
+              </a:fillRef>
+              <a:effectRef idx="0">
+                <a:schemeClr val="accent1"/>
+              </a:effectRef>
+              <a:fontRef idx="minor">
+                <a:schemeClr val="lt1"/>
+              </a:fontRef>
+            </p:style>
+            <p:txBody>
+              <a:bodyPr rtlCol="0" anchor="ctr"/>
+              <a:lstStyle/>
+              <a:p>
+                <a:pPr algn="ctr"/>
+                <a:r>
+                  <a:rPr lang="en-US" sz="3000" b="1" dirty="0">
+                    <a:latin typeface="Consolas" panose="020B0609020204030204" pitchFamily="49" charset="0"/>
+                  </a:rPr>
+                  <a:t>&lt;/&gt;</a:t>
+                </a:r>
+              </a:p>
+            </p:txBody>
+          </p:sp>
+          <p:grpSp>
+            <p:nvGrpSpPr>
+              <p:cNvPr id="67" name="Group 66"/>
+              <p:cNvGrpSpPr/>
+              <p:nvPr/>
+            </p:nvGrpSpPr>
+            <p:grpSpPr>
+              <a:xfrm>
+                <a:off x="6153077" y="14756900"/>
+                <a:ext cx="1675276" cy="1015267"/>
+                <a:chOff x="2183258" y="13151911"/>
+                <a:chExt cx="1066828" cy="730075"/>
+              </a:xfrm>
+            </p:grpSpPr>
+            <p:grpSp>
+              <p:nvGrpSpPr>
+                <p:cNvPr id="35" name="Group 34"/>
+                <p:cNvGrpSpPr/>
+                <p:nvPr/>
+              </p:nvGrpSpPr>
+              <p:grpSpPr>
+                <a:xfrm>
+                  <a:off x="2183258" y="13151911"/>
+                  <a:ext cx="1066828" cy="730075"/>
+                  <a:chOff x="2183258" y="13166093"/>
+                  <a:chExt cx="1066828" cy="730075"/>
+                </a:xfrm>
+              </p:grpSpPr>
+              <p:grpSp>
+                <p:nvGrpSpPr>
+                  <p:cNvPr id="32" name="Group 31"/>
+                  <p:cNvGrpSpPr/>
+                  <p:nvPr/>
+                </p:nvGrpSpPr>
+                <p:grpSpPr>
+                  <a:xfrm>
+                    <a:off x="2183258" y="13166093"/>
+                    <a:ext cx="1066828" cy="259425"/>
+                    <a:chOff x="2285038" y="13236251"/>
+                    <a:chExt cx="1658746" cy="269461"/>
+                  </a:xfrm>
+                </p:grpSpPr>
+                <p:sp>
+                  <p:nvSpPr>
+                    <p:cNvPr id="31" name="Rectangle 30"/>
+                    <p:cNvSpPr/>
+                    <p:nvPr/>
+                  </p:nvSpPr>
+                  <p:spPr>
+                    <a:xfrm>
+                      <a:off x="2285038" y="13236891"/>
+                      <a:ext cx="392960" cy="268821"/>
+                    </a:xfrm>
+                    <a:prstGeom prst="rect">
+                      <a:avLst/>
+                    </a:prstGeom>
+                    <a:solidFill>
+                      <a:schemeClr val="tx2">
+                        <a:lumMod val="50000"/>
+                        <a:alpha val="60000"/>
+                      </a:schemeClr>
+                    </a:solidFill>
+                    <a:ln>
+                      <a:solidFill>
+                        <a:schemeClr val="accent1">
+                          <a:shade val="50000"/>
+                        </a:schemeClr>
+                      </a:solidFill>
+                    </a:ln>
+                  </p:spPr>
+                  <p:style>
+                    <a:lnRef idx="2">
+                      <a:schemeClr val="accent1">
+                        <a:shade val="50000"/>
+                      </a:schemeClr>
+                    </a:lnRef>
+                    <a:fillRef idx="1">
+                      <a:schemeClr val="accent1"/>
+                    </a:fillRef>
+                    <a:effectRef idx="0">
+                      <a:schemeClr val="accent1"/>
+                    </a:effectRef>
+                    <a:fontRef idx="minor">
+                      <a:schemeClr val="lt1"/>
+                    </a:fontRef>
+                  </p:style>
+                  <p:txBody>
+                    <a:bodyPr rtlCol="0" anchor="ctr"/>
+                    <a:lstStyle/>
+                    <a:p>
+                      <a:pPr algn="ctr"/>
+                      <a:endParaRPr lang="en-US"/>
+                    </a:p>
+                  </p:txBody>
+                </p:sp>
+                <p:sp>
+                  <p:nvSpPr>
+                    <p:cNvPr id="71" name="Rectangle 70"/>
+                    <p:cNvSpPr/>
+                    <p:nvPr/>
+                  </p:nvSpPr>
+                  <p:spPr>
+                    <a:xfrm>
+                      <a:off x="2915579" y="13236251"/>
+                      <a:ext cx="392961" cy="269451"/>
+                    </a:xfrm>
+                    <a:prstGeom prst="rect">
+                      <a:avLst/>
+                    </a:prstGeom>
+                    <a:solidFill>
+                      <a:schemeClr val="tx2">
+                        <a:lumMod val="50000"/>
+                        <a:alpha val="60000"/>
+                      </a:schemeClr>
+                    </a:solidFill>
+                    <a:ln>
+                      <a:solidFill>
+                        <a:schemeClr val="accent1">
+                          <a:shade val="50000"/>
+                        </a:schemeClr>
+                      </a:solidFill>
+                    </a:ln>
+                  </p:spPr>
+                  <p:style>
+                    <a:lnRef idx="2">
+                      <a:schemeClr val="accent1">
+                        <a:shade val="50000"/>
+                      </a:schemeClr>
+                    </a:lnRef>
+                    <a:fillRef idx="1">
+                      <a:schemeClr val="accent1"/>
+                    </a:fillRef>
+                    <a:effectRef idx="0">
+                      <a:schemeClr val="accent1"/>
+                    </a:effectRef>
+                    <a:fontRef idx="minor">
+                      <a:schemeClr val="lt1"/>
+                    </a:fontRef>
+                  </p:style>
+                  <p:txBody>
+                    <a:bodyPr rtlCol="0" anchor="ctr"/>
+                    <a:lstStyle/>
+                    <a:p>
+                      <a:pPr algn="ctr"/>
+                      <a:endParaRPr lang="en-US"/>
+                    </a:p>
+                  </p:txBody>
+                </p:sp>
+                <p:sp>
+                  <p:nvSpPr>
+                    <p:cNvPr id="72" name="Rectangle 71"/>
+                    <p:cNvSpPr/>
+                    <p:nvPr/>
+                  </p:nvSpPr>
+                  <p:spPr>
+                    <a:xfrm>
+                      <a:off x="3550824" y="13236259"/>
+                      <a:ext cx="392960" cy="269452"/>
+                    </a:xfrm>
+                    <a:prstGeom prst="rect">
+                      <a:avLst/>
+                    </a:prstGeom>
+                    <a:solidFill>
+                      <a:schemeClr val="tx2">
+                        <a:lumMod val="50000"/>
+                        <a:alpha val="60000"/>
+                      </a:schemeClr>
+                    </a:solidFill>
+                    <a:ln>
+                      <a:solidFill>
+                        <a:schemeClr val="accent1">
+                          <a:shade val="50000"/>
+                        </a:schemeClr>
+                      </a:solidFill>
+                    </a:ln>
+                  </p:spPr>
+                  <p:style>
+                    <a:lnRef idx="2">
+                      <a:schemeClr val="accent1">
+                        <a:shade val="50000"/>
+                      </a:schemeClr>
+                    </a:lnRef>
+                    <a:fillRef idx="1">
+                      <a:schemeClr val="accent1"/>
+                    </a:fillRef>
+                    <a:effectRef idx="0">
+                      <a:schemeClr val="accent1"/>
+                    </a:effectRef>
+                    <a:fontRef idx="minor">
+                      <a:schemeClr val="lt1"/>
+                    </a:fontRef>
+                  </p:style>
+                  <p:txBody>
+                    <a:bodyPr rtlCol="0" anchor="ctr"/>
+                    <a:lstStyle/>
+                    <a:p>
+                      <a:pPr algn="ctr"/>
+                      <a:endParaRPr lang="en-US"/>
+                    </a:p>
+                  </p:txBody>
+                </p:sp>
+              </p:grpSp>
+              <p:sp>
+                <p:nvSpPr>
+                  <p:cNvPr id="34" name="Flowchart: Magnetic Disk 33"/>
+                  <p:cNvSpPr/>
+                  <p:nvPr/>
+                </p:nvSpPr>
+                <p:spPr>
+                  <a:xfrm>
+                    <a:off x="2528005" y="13654978"/>
+                    <a:ext cx="374310" cy="241190"/>
+                  </a:xfrm>
+                  <a:prstGeom prst="flowChartMagneticDisk">
+                    <a:avLst/>
+                  </a:prstGeom>
+                  <a:solidFill>
+                    <a:schemeClr val="accent1">
+                      <a:alpha val="52000"/>
+                    </a:schemeClr>
+                  </a:solidFill>
+                  <a:ln>
+                    <a:solidFill>
+                      <a:schemeClr val="accent1">
+                        <a:shade val="50000"/>
+                      </a:schemeClr>
+                    </a:solidFill>
+                  </a:ln>
+                </p:spPr>
+                <p:style>
+                  <a:lnRef idx="2">
+                    <a:schemeClr val="accent1">
+                      <a:shade val="50000"/>
+                    </a:schemeClr>
+                  </a:lnRef>
+                  <a:fillRef idx="1">
+                    <a:schemeClr val="accent1"/>
+                  </a:fillRef>
+                  <a:effectRef idx="0">
+                    <a:schemeClr val="accent1"/>
+                  </a:effectRef>
+                  <a:fontRef idx="minor">
+                    <a:schemeClr val="lt1"/>
+                  </a:fontRef>
+                </p:style>
+                <p:txBody>
+                  <a:bodyPr rtlCol="0" anchor="ctr"/>
+                  <a:lstStyle/>
+                  <a:p>
+                    <a:pPr algn="ctr"/>
+                    <a:endParaRPr lang="en-US"/>
+                  </a:p>
+                </p:txBody>
+              </p:sp>
+            </p:grpSp>
+            <p:cxnSp>
+              <p:nvCxnSpPr>
+                <p:cNvPr id="37" name="Straight Arrow Connector 36"/>
+                <p:cNvCxnSpPr/>
+                <p:nvPr/>
+              </p:nvCxnSpPr>
+              <p:spPr>
+                <a:xfrm flipH="1">
+                  <a:off x="2715060" y="13411325"/>
+                  <a:ext cx="101" cy="208981"/>
+                </a:xfrm>
+                <a:prstGeom prst="straightConnector1">
+                  <a:avLst/>
+                </a:prstGeom>
+                <a:ln>
+                  <a:tailEnd type="arrow" w="med" len="sm"/>
+                </a:ln>
+              </p:spPr>
+              <p:style>
+                <a:lnRef idx="1">
+                  <a:schemeClr val="accent1"/>
+                </a:lnRef>
+                <a:fillRef idx="0">
+                  <a:schemeClr val="accent1"/>
+                </a:fillRef>
+                <a:effectRef idx="0">
+                  <a:schemeClr val="accent1"/>
+                </a:effectRef>
+                <a:fontRef idx="minor">
+                  <a:schemeClr val="tx1"/>
+                </a:fontRef>
+              </p:style>
+            </p:cxnSp>
+            <p:cxnSp>
+              <p:nvCxnSpPr>
+                <p:cNvPr id="47" name="Straight Arrow Connector 46"/>
+                <p:cNvCxnSpPr/>
+                <p:nvPr/>
+              </p:nvCxnSpPr>
+              <p:spPr>
+                <a:xfrm flipH="1">
+                  <a:off x="2914170" y="13411333"/>
+                  <a:ext cx="209550" cy="208975"/>
+                </a:xfrm>
+                <a:prstGeom prst="straightConnector1">
+                  <a:avLst/>
+                </a:prstGeom>
+                <a:ln>
+                  <a:tailEnd type="arrow"/>
+                </a:ln>
+              </p:spPr>
+              <p:style>
+                <a:lnRef idx="1">
+                  <a:schemeClr val="accent1"/>
+                </a:lnRef>
+                <a:fillRef idx="0">
+                  <a:schemeClr val="accent1"/>
+                </a:fillRef>
+                <a:effectRef idx="0">
+                  <a:schemeClr val="accent1"/>
+                </a:effectRef>
+                <a:fontRef idx="minor">
+                  <a:schemeClr val="tx1"/>
+                </a:fontRef>
+              </p:style>
+            </p:cxnSp>
+            <p:cxnSp>
+              <p:nvCxnSpPr>
+                <p:cNvPr id="59" name="Straight Arrow Connector 58"/>
+                <p:cNvCxnSpPr/>
+                <p:nvPr/>
+              </p:nvCxnSpPr>
+              <p:spPr>
+                <a:xfrm>
+                  <a:off x="2309625" y="13411333"/>
+                  <a:ext cx="218380" cy="208975"/>
+                </a:xfrm>
+                <a:prstGeom prst="straightConnector1">
+                  <a:avLst/>
+                </a:prstGeom>
+                <a:ln>
+                  <a:tailEnd type="arrow"/>
+                </a:ln>
+              </p:spPr>
+              <p:style>
+                <a:lnRef idx="1">
+                  <a:schemeClr val="accent1"/>
+                </a:lnRef>
+                <a:fillRef idx="0">
+                  <a:schemeClr val="accent1"/>
+                </a:fillRef>
+                <a:effectRef idx="0">
+                  <a:schemeClr val="accent1"/>
+                </a:effectRef>
+                <a:fontRef idx="minor">
+                  <a:schemeClr val="tx1"/>
+                </a:fontRef>
+              </p:style>
+            </p:cxnSp>
+          </p:grpSp>
+          <p:pic>
+            <p:nvPicPr>
+              <p:cNvPr id="100" name="Picture 99"/>
+              <p:cNvPicPr>
+                <a:picLocks noChangeAspect="1"/>
+              </p:cNvPicPr>
+              <p:nvPr/>
+            </p:nvPicPr>
+            <p:blipFill>
+              <a:blip r:embed="rId3"/>
+              <a:stretch>
+                <a:fillRect/>
+              </a:stretch>
+            </p:blipFill>
+            <p:spPr>
+              <a:xfrm>
+                <a:off x="6416523" y="18510663"/>
+                <a:ext cx="1348827" cy="1348827"/>
+              </a:xfrm>
+              <a:prstGeom prst="rect">
+                <a:avLst/>
+              </a:prstGeom>
+            </p:spPr>
+          </p:pic>
+          <p:grpSp>
+            <p:nvGrpSpPr>
+              <p:cNvPr id="105" name="Group 104"/>
+              <p:cNvGrpSpPr/>
+              <p:nvPr/>
+            </p:nvGrpSpPr>
+            <p:grpSpPr>
+              <a:xfrm>
+                <a:off x="659567" y="8956974"/>
+                <a:ext cx="10194379" cy="10881629"/>
+                <a:chOff x="659567" y="8956974"/>
+                <a:chExt cx="10194379" cy="10881629"/>
+              </a:xfrm>
+            </p:grpSpPr>
+            <p:grpSp>
+              <p:nvGrpSpPr>
+                <p:cNvPr id="41" name="Group 40"/>
+                <p:cNvGrpSpPr/>
+                <p:nvPr/>
+              </p:nvGrpSpPr>
+              <p:grpSpPr>
+                <a:xfrm>
+                  <a:off x="659567" y="8956974"/>
+                  <a:ext cx="10194379" cy="10881629"/>
+                  <a:chOff x="1577981" y="5906435"/>
+                  <a:chExt cx="9011111" cy="13240385"/>
+                </a:xfrm>
+              </p:grpSpPr>
+              <p:grpSp>
+                <p:nvGrpSpPr>
+                  <p:cNvPr id="24" name="Group 23"/>
+                  <p:cNvGrpSpPr/>
+                  <p:nvPr/>
+                </p:nvGrpSpPr>
+                <p:grpSpPr>
+                  <a:xfrm>
+                    <a:off x="1577981" y="5906435"/>
+                    <a:ext cx="7763946" cy="13240385"/>
+                    <a:chOff x="1467478" y="5729527"/>
+                    <a:chExt cx="7763946" cy="13240385"/>
+                  </a:xfrm>
+                </p:grpSpPr>
+                <p:grpSp>
+                  <p:nvGrpSpPr>
+                    <p:cNvPr id="23" name="Group 22"/>
+                    <p:cNvGrpSpPr/>
+                    <p:nvPr/>
+                  </p:nvGrpSpPr>
+                  <p:grpSpPr>
+                    <a:xfrm>
+                      <a:off x="1467478" y="5729527"/>
+                      <a:ext cx="7763946" cy="13240383"/>
+                      <a:chOff x="1467478" y="5729527"/>
+                      <a:chExt cx="7763946" cy="13240383"/>
+                    </a:xfrm>
+                  </p:grpSpPr>
+                  <p:grpSp>
+                    <p:nvGrpSpPr>
+                      <p:cNvPr id="18" name="Group 17"/>
+                      <p:cNvGrpSpPr/>
+                      <p:nvPr/>
+                    </p:nvGrpSpPr>
+                    <p:grpSpPr>
+                      <a:xfrm>
+                        <a:off x="2538536" y="5959861"/>
+                        <a:ext cx="6692888" cy="13010049"/>
+                        <a:chOff x="3325408" y="5804822"/>
+                        <a:chExt cx="6692888" cy="13010049"/>
+                      </a:xfrm>
+                    </p:grpSpPr>
+                    <p:grpSp>
+                      <p:nvGrpSpPr>
+                        <p:cNvPr id="17" name="Group 16"/>
+                        <p:cNvGrpSpPr/>
+                        <p:nvPr/>
+                      </p:nvGrpSpPr>
+                      <p:grpSpPr>
+                        <a:xfrm>
+                          <a:off x="3325408" y="5804822"/>
+                          <a:ext cx="6692888" cy="13010049"/>
+                          <a:chOff x="3325408" y="5804822"/>
+                          <a:chExt cx="6692888" cy="13010049"/>
+                        </a:xfrm>
+                      </p:grpSpPr>
+                      <p:grpSp>
+                        <p:nvGrpSpPr>
+                          <p:cNvPr id="5" name="Group 4"/>
+                          <p:cNvGrpSpPr/>
+                          <p:nvPr/>
+                        </p:nvGrpSpPr>
+                        <p:grpSpPr>
+                          <a:xfrm>
+                            <a:off x="3325408" y="5804822"/>
+                            <a:ext cx="5383840" cy="13010049"/>
+                            <a:chOff x="3325408" y="5804822"/>
+                            <a:chExt cx="5383840" cy="13010049"/>
+                          </a:xfrm>
+                        </p:grpSpPr>
+                        <p:sp>
+                          <p:nvSpPr>
+                            <p:cNvPr id="2" name="Rectangle 1"/>
+                            <p:cNvSpPr/>
+                            <p:nvPr/>
+                          </p:nvSpPr>
+                          <p:spPr>
+                            <a:xfrm>
+                              <a:off x="3325409" y="5804822"/>
+                              <a:ext cx="5383839" cy="3639460"/>
+                            </a:xfrm>
+                            <a:prstGeom prst="rect">
+                              <a:avLst/>
+                            </a:prstGeom>
+                            <a:noFill/>
+                            <a:ln cmpd="sng">
+                              <a:solidFill>
+                                <a:schemeClr val="tx2">
+                                  <a:lumMod val="50000"/>
+                                </a:schemeClr>
+                              </a:solidFill>
+                              <a:prstDash val="solid"/>
+                              <a:round/>
+                            </a:ln>
+                          </p:spPr>
+                          <p:style>
+                            <a:lnRef idx="2">
+                              <a:schemeClr val="accent1">
+                                <a:shade val="50000"/>
+                              </a:schemeClr>
+                            </a:lnRef>
+                            <a:fillRef idx="1">
+                              <a:schemeClr val="accent1"/>
+                            </a:fillRef>
+                            <a:effectRef idx="0">
+                              <a:schemeClr val="accent1"/>
+                            </a:effectRef>
+                            <a:fontRef idx="minor">
+                              <a:schemeClr val="lt1"/>
+                            </a:fontRef>
+                          </p:style>
+                          <p:txBody>
+                            <a:bodyPr rtlCol="0" anchor="ctr"/>
+                            <a:lstStyle/>
+                            <a:p>
+                              <a:pPr algn="ctr"/>
+                              <a:endParaRPr lang="en-US" sz="3000" dirty="0">
+                                <a:solidFill>
+                                  <a:schemeClr val="tx2">
+                                    <a:lumMod val="50000"/>
+                                  </a:schemeClr>
+                                </a:solidFill>
+                                <a:latin typeface="Oxygen" panose="02000503000000000000" pitchFamily="2" charset="0"/>
+                              </a:endParaRPr>
+                            </a:p>
+                          </p:txBody>
+                        </p:sp>
+                        <p:sp>
+                          <p:nvSpPr>
+                            <p:cNvPr id="12" name="Rectangle 11"/>
+                            <p:cNvSpPr/>
+                            <p:nvPr/>
+                          </p:nvSpPr>
+                          <p:spPr>
+                            <a:xfrm>
+                              <a:off x="3325408" y="10443536"/>
+                              <a:ext cx="5383839" cy="3639460"/>
+                            </a:xfrm>
+                            <a:prstGeom prst="rect">
+                              <a:avLst/>
+                            </a:prstGeom>
+                            <a:noFill/>
+                            <a:ln cmpd="sng">
+                              <a:solidFill>
+                                <a:schemeClr val="tx2">
+                                  <a:lumMod val="50000"/>
+                                </a:schemeClr>
+                              </a:solidFill>
+                              <a:prstDash val="solid"/>
+                              <a:round/>
+                            </a:ln>
+                          </p:spPr>
+                          <p:style>
+                            <a:lnRef idx="2">
+                              <a:schemeClr val="accent1">
+                                <a:shade val="50000"/>
+                              </a:schemeClr>
+                            </a:lnRef>
+                            <a:fillRef idx="1">
+                              <a:schemeClr val="accent1"/>
+                            </a:fillRef>
+                            <a:effectRef idx="0">
+                              <a:schemeClr val="accent1"/>
+                            </a:effectRef>
+                            <a:fontRef idx="minor">
+                              <a:schemeClr val="lt1"/>
+                            </a:fontRef>
+                          </p:style>
+                          <p:txBody>
+                            <a:bodyPr rtlCol="0" anchor="ctr"/>
+                            <a:lstStyle/>
+                            <a:p>
+                              <a:pPr algn="ctr"/>
+                              <a:endParaRPr lang="en-US"/>
+                            </a:p>
+                          </p:txBody>
+                        </p:sp>
+                        <p:sp>
+                          <p:nvSpPr>
+                            <p:cNvPr id="13" name="Rectangle 12"/>
+                            <p:cNvSpPr/>
+                            <p:nvPr/>
+                          </p:nvSpPr>
+                          <p:spPr>
+                            <a:xfrm>
+                              <a:off x="3325408" y="15175411"/>
+                              <a:ext cx="5383839" cy="3639460"/>
+                            </a:xfrm>
+                            <a:prstGeom prst="rect">
+                              <a:avLst/>
+                            </a:prstGeom>
+                            <a:noFill/>
+                            <a:ln cmpd="sng">
+                              <a:solidFill>
+                                <a:schemeClr val="tx2">
+                                  <a:lumMod val="50000"/>
+                                </a:schemeClr>
+                              </a:solidFill>
+                              <a:prstDash val="solid"/>
+                              <a:round/>
+                            </a:ln>
+                          </p:spPr>
+                          <p:style>
+                            <a:lnRef idx="2">
+                              <a:schemeClr val="accent1">
+                                <a:shade val="50000"/>
+                              </a:schemeClr>
+                            </a:lnRef>
+                            <a:fillRef idx="1">
+                              <a:schemeClr val="accent1"/>
+                            </a:fillRef>
+                            <a:effectRef idx="0">
+                              <a:schemeClr val="accent1"/>
+                            </a:effectRef>
+                            <a:fontRef idx="minor">
+                              <a:schemeClr val="lt1"/>
+                            </a:fontRef>
+                          </p:style>
+                          <p:txBody>
+                            <a:bodyPr rtlCol="0" anchor="ctr"/>
+                            <a:lstStyle/>
+                            <a:p>
+                              <a:pPr algn="ctr"/>
+                              <a:endParaRPr lang="en-US"/>
+                            </a:p>
+                          </p:txBody>
+                        </p:sp>
+                      </p:grpSp>
+                      <p:grpSp>
+                        <p:nvGrpSpPr>
+                          <p:cNvPr id="16" name="Group 15"/>
+                          <p:cNvGrpSpPr/>
+                          <p:nvPr/>
+                        </p:nvGrpSpPr>
+                        <p:grpSpPr>
+                          <a:xfrm>
+                            <a:off x="8709248" y="7624552"/>
+                            <a:ext cx="1309048" cy="9344526"/>
+                            <a:chOff x="8709248" y="7624552"/>
+                            <a:chExt cx="1309048" cy="9344526"/>
+                          </a:xfrm>
+                        </p:grpSpPr>
+                        <p:cxnSp>
+                          <p:nvCxnSpPr>
+                            <p:cNvPr id="9" name="Straight Connector 8"/>
+                            <p:cNvCxnSpPr>
+                              <a:stCxn id="2" idx="3"/>
+                            </p:cNvCxnSpPr>
+                            <p:nvPr/>
+                          </p:nvCxnSpPr>
+                          <p:spPr>
+                            <a:xfrm>
+                              <a:off x="8709248" y="7624552"/>
+                              <a:ext cx="1301026" cy="0"/>
+                            </a:xfrm>
+                            <a:prstGeom prst="line">
+                              <a:avLst/>
+                            </a:prstGeom>
+                            <a:ln w="63500" cmpd="sng">
+                              <a:solidFill>
+                                <a:schemeClr val="tx2">
+                                  <a:lumMod val="50000"/>
+                                </a:schemeClr>
+                              </a:solidFill>
+                              <a:prstDash val="solid"/>
+                              <a:round/>
+                            </a:ln>
+                          </p:spPr>
+                          <p:style>
+                            <a:lnRef idx="3">
+                              <a:schemeClr val="accent1"/>
+                            </a:lnRef>
+                            <a:fillRef idx="0">
+                              <a:schemeClr val="accent1"/>
+                            </a:fillRef>
+                            <a:effectRef idx="2">
+                              <a:schemeClr val="accent1"/>
+                            </a:effectRef>
+                            <a:fontRef idx="minor">
+                              <a:schemeClr val="tx1"/>
+                            </a:fontRef>
+                          </p:style>
+                        </p:cxnSp>
+                        <p:cxnSp>
+                          <p:nvCxnSpPr>
+                            <p:cNvPr id="21" name="Straight Connector 20"/>
+                            <p:cNvCxnSpPr/>
+                            <p:nvPr/>
+                          </p:nvCxnSpPr>
+                          <p:spPr>
+                            <a:xfrm>
+                              <a:off x="8716462" y="12272382"/>
+                              <a:ext cx="1301026" cy="0"/>
+                            </a:xfrm>
+                            <a:prstGeom prst="line">
+                              <a:avLst/>
+                            </a:prstGeom>
+                            <a:ln w="63500" cmpd="sng">
+                              <a:solidFill>
+                                <a:schemeClr val="tx2">
+                                  <a:lumMod val="50000"/>
+                                </a:schemeClr>
+                              </a:solidFill>
+                              <a:prstDash val="solid"/>
+                              <a:round/>
+                            </a:ln>
+                          </p:spPr>
+                          <p:style>
+                            <a:lnRef idx="3">
+                              <a:schemeClr val="accent1"/>
+                            </a:lnRef>
+                            <a:fillRef idx="0">
+                              <a:schemeClr val="accent1"/>
+                            </a:fillRef>
+                            <a:effectRef idx="2">
+                              <a:schemeClr val="accent1"/>
+                            </a:effectRef>
+                            <a:fontRef idx="minor">
+                              <a:schemeClr val="tx1"/>
+                            </a:fontRef>
+                          </p:style>
+                        </p:cxnSp>
+                        <p:cxnSp>
+                          <p:nvCxnSpPr>
+                            <p:cNvPr id="22" name="Straight Connector 21"/>
+                            <p:cNvCxnSpPr/>
+                            <p:nvPr/>
+                          </p:nvCxnSpPr>
+                          <p:spPr>
+                            <a:xfrm>
+                              <a:off x="8717270" y="16969078"/>
+                              <a:ext cx="1301026" cy="0"/>
+                            </a:xfrm>
+                            <a:prstGeom prst="line">
+                              <a:avLst/>
+                            </a:prstGeom>
+                            <a:ln w="63500" cmpd="sng">
+                              <a:solidFill>
+                                <a:schemeClr val="tx2">
+                                  <a:lumMod val="50000"/>
+                                </a:schemeClr>
+                              </a:solidFill>
+                              <a:prstDash val="solid"/>
+                              <a:round/>
+                            </a:ln>
+                          </p:spPr>
+                          <p:style>
+                            <a:lnRef idx="3">
+                              <a:schemeClr val="accent1"/>
+                            </a:lnRef>
+                            <a:fillRef idx="0">
+                              <a:schemeClr val="accent1"/>
+                            </a:fillRef>
+                            <a:effectRef idx="2">
+                              <a:schemeClr val="accent1"/>
+                            </a:effectRef>
+                            <a:fontRef idx="minor">
+                              <a:schemeClr val="tx1"/>
+                            </a:fontRef>
+                          </p:style>
+                        </p:cxnSp>
+                      </p:grpSp>
+                    </p:grpSp>
+                    <p:cxnSp>
+                      <p:nvCxnSpPr>
+                        <p:cNvPr id="15" name="Straight Connector 14"/>
+                        <p:cNvCxnSpPr/>
+                        <p:nvPr/>
+                      </p:nvCxnSpPr>
+                      <p:spPr>
+                        <a:xfrm flipH="1">
+                          <a:off x="10010274" y="7624552"/>
+                          <a:ext cx="8022" cy="9370589"/>
+                        </a:xfrm>
+                        <a:prstGeom prst="line">
+                          <a:avLst/>
+                        </a:prstGeom>
+                        <a:ln w="63500" cmpd="sng">
+                          <a:solidFill>
+                            <a:schemeClr val="tx2">
+                              <a:lumMod val="50000"/>
+                            </a:schemeClr>
+                          </a:solidFill>
+                          <a:prstDash val="solid"/>
+                          <a:round/>
+                        </a:ln>
+                      </p:spPr>
+                      <p:style>
+                        <a:lnRef idx="1">
+                          <a:schemeClr val="accent1"/>
+                        </a:lnRef>
+                        <a:fillRef idx="0">
+                          <a:schemeClr val="accent1"/>
+                        </a:fillRef>
+                        <a:effectRef idx="0">
+                          <a:schemeClr val="accent1"/>
+                        </a:effectRef>
+                        <a:fontRef idx="minor">
+                          <a:schemeClr val="tx1"/>
+                        </a:fontRef>
+                      </p:style>
+                    </p:cxnSp>
+                  </p:grpSp>
+                  <p:sp>
+                    <p:nvSpPr>
+                      <p:cNvPr id="20" name="TextBox 19"/>
+                      <p:cNvSpPr txBox="1"/>
+                      <p:nvPr/>
+                    </p:nvSpPr>
+                    <p:spPr>
+                      <a:xfrm rot="16200000">
+                        <a:off x="65717" y="7184617"/>
+                        <a:ext cx="3971185" cy="1061006"/>
+                      </a:xfrm>
+                      <a:prstGeom prst="rect">
+                        <a:avLst/>
+                      </a:prstGeom>
+                      <a:noFill/>
+                    </p:spPr>
+                    <p:txBody>
+                      <a:bodyPr wrap="square" rtlCol="0">
+                        <a:spAutoFit/>
+                      </a:bodyPr>
+                      <a:lstStyle/>
+                      <a:p>
+                        <a:pPr algn="ctr"/>
+                        <a:r>
+                          <a:rPr lang="en-US" sz="3600" dirty="0">
+                            <a:latin typeface="Oxygen" panose="02000503000000000000" pitchFamily="2" charset="0"/>
+                          </a:rPr>
+                          <a:t>Module or Code</a:t>
+                        </a:r>
+                      </a:p>
+                    </p:txBody>
+                  </p:sp>
+                  <p:sp>
+                    <p:nvSpPr>
+                      <p:cNvPr id="30" name="TextBox 29"/>
+                      <p:cNvSpPr txBox="1"/>
+                      <p:nvPr/>
+                    </p:nvSpPr>
+                    <p:spPr>
+                      <a:xfrm rot="16200000">
+                        <a:off x="123841" y="11942212"/>
+                        <a:ext cx="3639460" cy="952185"/>
+                      </a:xfrm>
+                      <a:prstGeom prst="rect">
+                        <a:avLst/>
+                      </a:prstGeom>
+                      <a:noFill/>
+                    </p:spPr>
+                    <p:txBody>
+                      <a:bodyPr wrap="square" rtlCol="0">
+                        <a:spAutoFit/>
+                      </a:bodyPr>
+                      <a:lstStyle/>
+                      <a:p>
+                        <a:r>
+                          <a:rPr lang="en-US" sz="3200" dirty="0">
+                            <a:latin typeface="Oxygen" panose="02000503000000000000" pitchFamily="2" charset="0"/>
+                          </a:rPr>
+                          <a:t>Component </a:t>
+                        </a:r>
+                      </a:p>
+                      <a:p>
+                        <a:pPr algn="ctr"/>
+                        <a:r>
+                          <a:rPr lang="en-US" sz="3200" dirty="0">
+                            <a:latin typeface="Oxygen" panose="02000503000000000000" pitchFamily="2" charset="0"/>
+                          </a:rPr>
+                          <a:t>and Connector</a:t>
+                        </a:r>
+                      </a:p>
+                    </p:txBody>
+                  </p:sp>
+                </p:grpSp>
+                <p:sp>
+                  <p:nvSpPr>
+                    <p:cNvPr id="33" name="TextBox 32"/>
+                    <p:cNvSpPr txBox="1"/>
+                    <p:nvPr/>
+                  </p:nvSpPr>
+                  <p:spPr>
+                    <a:xfrm rot="16200000">
+                      <a:off x="306512" y="16878128"/>
+                      <a:ext cx="3639462" cy="544105"/>
+                    </a:xfrm>
+                    <a:prstGeom prst="rect">
+                      <a:avLst/>
+                    </a:prstGeom>
+                    <a:noFill/>
+                  </p:spPr>
+                  <p:txBody>
+                    <a:bodyPr wrap="square" rtlCol="0">
+                      <a:spAutoFit/>
+                    </a:bodyPr>
+                    <a:lstStyle/>
+                    <a:p>
+                      <a:pPr algn="ctr"/>
+                      <a:r>
+                        <a:rPr lang="en-US" sz="3400" dirty="0">
+                          <a:latin typeface="Oxygen" panose="02000503000000000000" pitchFamily="2" charset="0"/>
+                        </a:rPr>
+                        <a:t>Deployment</a:t>
+                      </a:r>
+                    </a:p>
+                  </p:txBody>
+                </p:sp>
+              </p:grpSp>
+              <p:cxnSp>
+                <p:nvCxnSpPr>
+                  <p:cNvPr id="38" name="Straight Arrow Connector 37"/>
+                  <p:cNvCxnSpPr/>
+                  <p:nvPr/>
+                </p:nvCxnSpPr>
+                <p:spPr>
+                  <a:xfrm>
+                    <a:off x="9348334" y="12604328"/>
+                    <a:ext cx="1240758" cy="1"/>
+                  </a:xfrm>
+                  <a:prstGeom prst="straightConnector1">
+                    <a:avLst/>
+                  </a:prstGeom>
+                  <a:ln w="63500" cmpd="sng">
+                    <a:solidFill>
+                      <a:schemeClr val="tx2">
+                        <a:lumMod val="50000"/>
+                      </a:schemeClr>
+                    </a:solidFill>
+                    <a:prstDash val="solid"/>
+                    <a:round/>
+                    <a:headEnd type="none"/>
+                    <a:tailEnd type="stealth" w="lg" len="lg"/>
+                  </a:ln>
+                </p:spPr>
+                <p:style>
+                  <a:lnRef idx="1">
+                    <a:schemeClr val="accent1"/>
+                  </a:lnRef>
+                  <a:fillRef idx="0">
+                    <a:schemeClr val="accent1"/>
+                  </a:fillRef>
+                  <a:effectRef idx="0">
+                    <a:schemeClr val="accent1"/>
+                  </a:effectRef>
+                  <a:fontRef idx="minor">
+                    <a:schemeClr val="tx1"/>
+                  </a:fontRef>
+                </p:style>
+              </p:cxnSp>
+            </p:grpSp>
+            <p:sp>
+              <p:nvSpPr>
+                <p:cNvPr id="101" name="TextBox 100"/>
+                <p:cNvSpPr txBox="1"/>
+                <p:nvPr/>
+              </p:nvSpPr>
+              <p:spPr>
+                <a:xfrm>
+                  <a:off x="1908442" y="9241361"/>
+                  <a:ext cx="6016454" cy="2339102"/>
+                </a:xfrm>
+                <a:prstGeom prst="rect">
+                  <a:avLst/>
+                </a:prstGeom>
+                <a:noFill/>
+              </p:spPr>
+              <p:txBody>
+                <a:bodyPr wrap="square" rtlCol="0">
+                  <a:spAutoFit/>
+                </a:bodyPr>
+                <a:lstStyle/>
+                <a:p>
+                  <a:r>
+                    <a:rPr lang="en-US" sz="2300" b="1" dirty="0">
+                      <a:solidFill>
+                        <a:schemeClr val="tx2">
+                          <a:lumMod val="50000"/>
+                        </a:schemeClr>
+                      </a:solidFill>
+                      <a:latin typeface="Oxygen" panose="02000503000000000000" pitchFamily="2" charset="0"/>
+                    </a:rPr>
+                    <a:t>Modules: </a:t>
+                  </a:r>
+                  <a:r>
+                    <a:rPr lang="en-US" sz="2300" dirty="0">
+                      <a:solidFill>
+                        <a:schemeClr val="tx2">
+                          <a:lumMod val="50000"/>
+                        </a:schemeClr>
+                      </a:solidFill>
+                      <a:latin typeface="Oxygen" panose="02000503000000000000" pitchFamily="2" charset="0"/>
+                    </a:rPr>
+                    <a:t>principal units of implementation</a:t>
+                  </a:r>
+                </a:p>
+                <a:p>
+                  <a:endParaRPr lang="en-US" sz="2300" dirty="0">
+                    <a:solidFill>
+                      <a:schemeClr val="tx2">
+                        <a:lumMod val="50000"/>
+                      </a:schemeClr>
+                    </a:solidFill>
+                    <a:latin typeface="Oxygen" panose="02000503000000000000" pitchFamily="2" charset="0"/>
+                  </a:endParaRPr>
+                </a:p>
+                <a:p>
+                  <a:pPr marL="457200" indent="-457200">
+                    <a:buFont typeface="Arial" panose="020B0604020202020204" pitchFamily="34" charset="0"/>
+                    <a:buChar char="•"/>
+                  </a:pPr>
+                  <a:r>
+                    <a:rPr lang="en-US" sz="2400" dirty="0">
+                      <a:solidFill>
+                        <a:schemeClr val="tx2">
+                          <a:lumMod val="50000"/>
+                        </a:schemeClr>
+                      </a:solidFill>
+                      <a:latin typeface="Oxygen" panose="02000503000000000000" pitchFamily="2" charset="0"/>
+                    </a:rPr>
+                    <a:t>Used to explain system functionality + structure of code base</a:t>
+                  </a:r>
+                </a:p>
+                <a:p>
+                  <a:pPr marL="457200" indent="-457200">
+                    <a:buFont typeface="Arial" panose="020B0604020202020204" pitchFamily="34" charset="0"/>
+                    <a:buChar char="•"/>
+                  </a:pPr>
+                  <a:r>
+                    <a:rPr lang="en-US" sz="2400" dirty="0">
+                      <a:solidFill>
+                        <a:schemeClr val="tx2">
+                          <a:lumMod val="50000"/>
+                        </a:schemeClr>
+                      </a:solidFill>
+                      <a:latin typeface="Oxygen" panose="02000503000000000000" pitchFamily="2" charset="0"/>
+                    </a:rPr>
+                    <a:t>Analysis</a:t>
+                  </a:r>
+                  <a:endParaRPr lang="en-US" sz="2400" dirty="0">
+                    <a:solidFill>
+                      <a:schemeClr val="tx2">
+                        <a:lumMod val="50000"/>
+                      </a:schemeClr>
+                    </a:solidFill>
+                    <a:latin typeface="Oxygen" panose="02000503000000000000" pitchFamily="2" charset="0"/>
+                  </a:endParaRPr>
+                </a:p>
+                <a:p>
+                  <a:pPr marL="457200" indent="-457200">
+                    <a:buFont typeface="Arial" panose="020B0604020202020204" pitchFamily="34" charset="0"/>
+                    <a:buChar char="•"/>
+                  </a:pPr>
+                  <a:endParaRPr lang="en-US" sz="2800" dirty="0">
+                    <a:solidFill>
+                      <a:schemeClr val="tx2">
+                        <a:lumMod val="50000"/>
+                      </a:schemeClr>
+                    </a:solidFill>
+                    <a:latin typeface="Oxygen" panose="02000503000000000000" pitchFamily="2" charset="0"/>
+                  </a:endParaRPr>
+                </a:p>
+              </p:txBody>
+            </p:sp>
+            <p:sp>
+              <p:nvSpPr>
+                <p:cNvPr id="102" name="TextBox 101"/>
+                <p:cNvSpPr txBox="1"/>
+                <p:nvPr/>
+              </p:nvSpPr>
+              <p:spPr>
+                <a:xfrm>
+                  <a:off x="1920228" y="12958607"/>
+                  <a:ext cx="6054542" cy="2954655"/>
+                </a:xfrm>
+                <a:prstGeom prst="rect">
+                  <a:avLst/>
+                </a:prstGeom>
+                <a:noFill/>
+              </p:spPr>
+              <p:txBody>
+                <a:bodyPr wrap="square" rtlCol="0">
+                  <a:spAutoFit/>
+                </a:bodyPr>
+                <a:lstStyle/>
+                <a:p>
+                  <a:r>
+                    <a:rPr lang="en-US" sz="2100" b="1" dirty="0">
+                      <a:solidFill>
+                        <a:schemeClr val="tx2">
+                          <a:lumMod val="50000"/>
+                        </a:schemeClr>
+                      </a:solidFill>
+                      <a:latin typeface="Oxygen" panose="02000503000000000000" pitchFamily="2" charset="0"/>
+                    </a:rPr>
+                    <a:t>Components: </a:t>
+                  </a:r>
+                  <a:r>
+                    <a:rPr lang="en-US" sz="2100" dirty="0">
+                      <a:solidFill>
+                        <a:schemeClr val="tx2">
+                          <a:lumMod val="50000"/>
+                        </a:schemeClr>
+                      </a:solidFill>
+                      <a:latin typeface="Oxygen" panose="02000503000000000000" pitchFamily="2" charset="0"/>
+                    </a:rPr>
+                    <a:t>elements that have some runtime presence (processes, objects, clients, servers).</a:t>
+                  </a:r>
+                </a:p>
+                <a:p>
+                  <a:r>
+                    <a:rPr lang="en-US" sz="2100" b="1" dirty="0">
+                      <a:solidFill>
+                        <a:schemeClr val="tx2">
+                          <a:lumMod val="50000"/>
+                        </a:schemeClr>
+                      </a:solidFill>
+                      <a:latin typeface="Oxygen" panose="02000503000000000000" pitchFamily="2" charset="0"/>
+                    </a:rPr>
+                    <a:t>Connectors: </a:t>
+                  </a:r>
+                  <a:r>
+                    <a:rPr lang="en-US" sz="2100" dirty="0">
+                      <a:solidFill>
+                        <a:schemeClr val="tx2">
+                          <a:lumMod val="50000"/>
+                        </a:schemeClr>
+                      </a:solidFill>
+                      <a:latin typeface="Oxygen" panose="02000503000000000000" pitchFamily="2" charset="0"/>
+                    </a:rPr>
+                    <a:t>components’ pathways of interaction (protocols, information flows).</a:t>
+                  </a:r>
+                  <a:endParaRPr lang="en-US" sz="2100" b="1" dirty="0">
+                    <a:solidFill>
+                      <a:schemeClr val="tx2">
+                        <a:lumMod val="50000"/>
+                      </a:schemeClr>
+                    </a:solidFill>
+                    <a:latin typeface="Oxygen" panose="02000503000000000000" pitchFamily="2" charset="0"/>
+                  </a:endParaRPr>
+                </a:p>
+                <a:p>
+                  <a:pPr marL="342900" indent="-342900">
+                    <a:buFont typeface="Arial" panose="020B0604020202020204" pitchFamily="34" charset="0"/>
+                    <a:buChar char="•"/>
+                  </a:pPr>
+                  <a:endParaRPr lang="en-US" sz="2300" dirty="0">
+                    <a:solidFill>
+                      <a:schemeClr val="tx2">
+                        <a:lumMod val="50000"/>
+                      </a:schemeClr>
+                    </a:solidFill>
+                    <a:latin typeface="Oxygen" panose="02000503000000000000" pitchFamily="2" charset="0"/>
+                  </a:endParaRPr>
+                </a:p>
+                <a:p>
+                  <a:pPr marL="342900" indent="-342900">
+                    <a:buFont typeface="Arial" panose="020B0604020202020204" pitchFamily="34" charset="0"/>
+                    <a:buChar char="•"/>
+                  </a:pPr>
+                  <a:endParaRPr lang="en-US" sz="2300" dirty="0">
+                    <a:solidFill>
+                      <a:schemeClr val="tx2">
+                        <a:lumMod val="50000"/>
+                      </a:schemeClr>
+                    </a:solidFill>
+                    <a:latin typeface="Oxygen" panose="02000503000000000000" pitchFamily="2" charset="0"/>
+                  </a:endParaRPr>
+                </a:p>
+                <a:p>
+                  <a:pPr marL="457200" indent="-457200">
+                    <a:buFont typeface="Arial" panose="020B0604020202020204" pitchFamily="34" charset="0"/>
+                    <a:buChar char="•"/>
+                  </a:pPr>
+                  <a:endParaRPr lang="en-US" sz="2800" dirty="0">
+                    <a:solidFill>
+                      <a:schemeClr val="tx2">
+                        <a:lumMod val="50000"/>
+                      </a:schemeClr>
+                    </a:solidFill>
+                    <a:latin typeface="Oxygen" panose="02000503000000000000" pitchFamily="2" charset="0"/>
+                  </a:endParaRPr>
+                </a:p>
+                <a:p>
+                  <a:endParaRPr lang="en-US" sz="2800" dirty="0">
+                    <a:solidFill>
+                      <a:schemeClr val="tx2">
+                        <a:lumMod val="50000"/>
+                      </a:schemeClr>
+                    </a:solidFill>
+                    <a:latin typeface="Oxygen" panose="02000503000000000000" pitchFamily="2" charset="0"/>
+                  </a:endParaRPr>
+                </a:p>
+              </p:txBody>
+            </p:sp>
+            <p:sp>
+              <p:nvSpPr>
+                <p:cNvPr id="103" name="TextBox 102"/>
+                <p:cNvSpPr txBox="1"/>
+                <p:nvPr/>
+              </p:nvSpPr>
+              <p:spPr>
+                <a:xfrm>
+                  <a:off x="2078260" y="17028094"/>
+                  <a:ext cx="4128615" cy="630942"/>
+                </a:xfrm>
+                <a:prstGeom prst="rect">
+                  <a:avLst/>
+                </a:prstGeom>
+                <a:noFill/>
+              </p:spPr>
+              <p:txBody>
+                <a:bodyPr wrap="square" rtlCol="0">
+                  <a:spAutoFit/>
+                </a:bodyPr>
+                <a:lstStyle/>
+                <a:p>
+                  <a:r>
+                    <a:rPr lang="en-US" sz="3500" dirty="0">
+                      <a:solidFill>
+                        <a:schemeClr val="tx2">
+                          <a:lumMod val="50000"/>
+                        </a:schemeClr>
+                      </a:solidFill>
+                      <a:latin typeface="Oxygen" panose="02000503000000000000" pitchFamily="2" charset="0"/>
+                    </a:rPr>
+                    <a:t>* poop</a:t>
+                  </a:r>
+                </a:p>
+              </p:txBody>
+            </p:sp>
+          </p:grpSp>
+        </p:grpSp>
       </p:grpSp>
     </p:spTree>
   </p:cSld>

--- a/CMU REUSE 2017 Poster.pptx
+++ b/CMU REUSE 2017 Poster.pptx
@@ -4008,6 +4008,54 @@
       </p:grpSpPr>
       <p:sp>
         <p:nvSpPr>
+          <p:cNvPr id="94" name="Pentagon 93"/>
+          <p:cNvSpPr/>
+          <p:nvPr/>
+        </p:nvSpPr>
+        <p:spPr>
+          <a:xfrm rot="1686696">
+            <a:off x="18341154" y="4949140"/>
+            <a:ext cx="13819609" cy="11228327"/>
+          </a:xfrm>
+          <a:prstGeom prst="pentagon">
+            <a:avLst/>
+          </a:prstGeom>
+          <a:solidFill>
+            <a:schemeClr val="accent1">
+              <a:alpha val="10000"/>
+            </a:schemeClr>
+          </a:solidFill>
+          <a:ln>
+            <a:noFill/>
+          </a:ln>
+        </p:spPr>
+        <p:style>
+          <a:lnRef idx="2">
+            <a:schemeClr val="accent1">
+              <a:shade val="50000"/>
+            </a:schemeClr>
+          </a:lnRef>
+          <a:fillRef idx="1">
+            <a:schemeClr val="accent1"/>
+          </a:fillRef>
+          <a:effectRef idx="0">
+            <a:schemeClr val="accent1"/>
+          </a:effectRef>
+          <a:fontRef idx="minor">
+            <a:schemeClr val="lt1"/>
+          </a:fontRef>
+        </p:style>
+        <p:txBody>
+          <a:bodyPr rtlCol="0" anchor="ctr"/>
+          <a:lstStyle/>
+          <a:p>
+            <a:pPr algn="ctr"/>
+            <a:endParaRPr lang="en-US" dirty="0"/>
+          </a:p>
+        </p:txBody>
+      </p:sp>
+      <p:sp>
+        <p:nvSpPr>
           <p:cNvPr id="93" name="Isosceles Triangle 92"/>
           <p:cNvSpPr/>
           <p:nvPr/>
@@ -4051,54 +4099,6 @@
           <a:p>
             <a:pPr algn="ctr"/>
             <a:endParaRPr lang="en-US"/>
-          </a:p>
-        </p:txBody>
-      </p:sp>
-      <p:sp>
-        <p:nvSpPr>
-          <p:cNvPr id="94" name="Pentagon 93"/>
-          <p:cNvSpPr/>
-          <p:nvPr/>
-        </p:nvSpPr>
-        <p:spPr>
-          <a:xfrm rot="1686696">
-            <a:off x="18341154" y="4949140"/>
-            <a:ext cx="13819609" cy="11228327"/>
-          </a:xfrm>
-          <a:prstGeom prst="pentagon">
-            <a:avLst/>
-          </a:prstGeom>
-          <a:solidFill>
-            <a:schemeClr val="accent1">
-              <a:alpha val="10000"/>
-            </a:schemeClr>
-          </a:solidFill>
-          <a:ln>
-            <a:noFill/>
-          </a:ln>
-        </p:spPr>
-        <p:style>
-          <a:lnRef idx="2">
-            <a:schemeClr val="accent1">
-              <a:shade val="50000"/>
-            </a:schemeClr>
-          </a:lnRef>
-          <a:fillRef idx="1">
-            <a:schemeClr val="accent1"/>
-          </a:fillRef>
-          <a:effectRef idx="0">
-            <a:schemeClr val="accent1"/>
-          </a:effectRef>
-          <a:fontRef idx="minor">
-            <a:schemeClr val="lt1"/>
-          </a:fontRef>
-        </p:style>
-        <p:txBody>
-          <a:bodyPr rtlCol="0" anchor="ctr"/>
-          <a:lstStyle/>
-          <a:p>
-            <a:pPr algn="ctr"/>
-            <a:endParaRPr lang="en-US" dirty="0"/>
           </a:p>
         </p:txBody>
       </p:sp>
@@ -4922,12 +4922,60 @@
         </p:nvGrpSpPr>
         <p:grpSpPr>
           <a:xfrm>
-            <a:off x="10777675" y="10183183"/>
-            <a:ext cx="8040015" cy="9684758"/>
-            <a:chOff x="10921058" y="8998719"/>
-            <a:chExt cx="8040015" cy="9684758"/>
+            <a:off x="10777675" y="9712796"/>
+            <a:ext cx="8040015" cy="9531531"/>
+            <a:chOff x="10921058" y="9151946"/>
+            <a:chExt cx="8040015" cy="9531531"/>
           </a:xfrm>
         </p:grpSpPr>
+        <p:sp>
+          <p:nvSpPr>
+            <p:cNvPr id="82" name="Oval 81"/>
+            <p:cNvSpPr/>
+            <p:nvPr/>
+          </p:nvSpPr>
+          <p:spPr>
+            <a:xfrm>
+              <a:off x="10921058" y="11254012"/>
+              <a:ext cx="8040015" cy="7429465"/>
+            </a:xfrm>
+            <a:prstGeom prst="ellipse">
+              <a:avLst/>
+            </a:prstGeom>
+            <a:solidFill>
+              <a:srgbClr val="CD6D6D">
+                <a:alpha val="13000"/>
+              </a:srgbClr>
+            </a:solidFill>
+            <a:ln>
+              <a:noFill/>
+            </a:ln>
+          </p:spPr>
+          <p:style>
+            <a:lnRef idx="2">
+              <a:schemeClr val="accent1">
+                <a:shade val="50000"/>
+              </a:schemeClr>
+            </a:lnRef>
+            <a:fillRef idx="1">
+              <a:schemeClr val="accent1"/>
+            </a:fillRef>
+            <a:effectRef idx="0">
+              <a:schemeClr val="accent1"/>
+            </a:effectRef>
+            <a:fontRef idx="minor">
+              <a:schemeClr val="lt1"/>
+            </a:fontRef>
+          </p:style>
+          <p:txBody>
+            <a:bodyPr rtlCol="0" anchor="ctr"/>
+            <a:lstStyle/>
+            <a:p>
+              <a:pPr algn="ctr"/>
+              <a:endParaRPr lang="en-US" dirty="0"/>
+            </a:p>
+          </p:txBody>
+        </p:sp>
         <p:grpSp>
           <p:nvGrpSpPr>
             <p:cNvPr id="29" name="Group 28"/>
@@ -4936,10 +4984,10 @@
           </p:nvGrpSpPr>
           <p:grpSpPr>
             <a:xfrm>
-              <a:off x="11114259" y="8998719"/>
-              <a:ext cx="5944661" cy="8249571"/>
-              <a:chOff x="12160993" y="8496621"/>
-              <a:chExt cx="5944661" cy="8249571"/>
+              <a:off x="11114259" y="9151946"/>
+              <a:ext cx="5944661" cy="8096344"/>
+              <a:chOff x="12160993" y="8649848"/>
+              <a:chExt cx="5944661" cy="8096344"/>
             </a:xfrm>
           </p:grpSpPr>
           <p:sp>
@@ -4991,8 +5039,8 @@
             </p:nvSpPr>
             <p:spPr>
               <a:xfrm>
-                <a:off x="13225589" y="8496621"/>
-                <a:ext cx="3815468" cy="861774"/>
+                <a:off x="12959152" y="8649848"/>
+                <a:ext cx="4067139" cy="861774"/>
               </a:xfrm>
               <a:prstGeom prst="rect">
                 <a:avLst/>
@@ -5006,7 +5054,7 @@
               <a:lstStyle/>
               <a:p>
                 <a:r>
-                  <a:rPr lang="en-US" sz="5000" dirty="0">
+                  <a:rPr lang="en-US" sz="5000" b="1" dirty="0">
                     <a:latin typeface="Oxygen" panose="02000503000000000000" pitchFamily="2" charset="0"/>
                   </a:rPr>
                   <a:t>The Problem</a:t>
@@ -5047,54 +5095,6 @@
             </p:txBody>
           </p:sp>
         </p:grpSp>
-        <p:sp>
-          <p:nvSpPr>
-            <p:cNvPr id="82" name="Oval 81"/>
-            <p:cNvSpPr/>
-            <p:nvPr/>
-          </p:nvSpPr>
-          <p:spPr>
-            <a:xfrm>
-              <a:off x="10921058" y="11254012"/>
-              <a:ext cx="8040015" cy="7429465"/>
-            </a:xfrm>
-            <a:prstGeom prst="ellipse">
-              <a:avLst/>
-            </a:prstGeom>
-            <a:solidFill>
-              <a:srgbClr val="CD6D6D">
-                <a:alpha val="13000"/>
-              </a:srgbClr>
-            </a:solidFill>
-            <a:ln>
-              <a:noFill/>
-            </a:ln>
-          </p:spPr>
-          <p:style>
-            <a:lnRef idx="2">
-              <a:schemeClr val="accent1">
-                <a:shade val="50000"/>
-              </a:schemeClr>
-            </a:lnRef>
-            <a:fillRef idx="1">
-              <a:schemeClr val="accent1"/>
-            </a:fillRef>
-            <a:effectRef idx="0">
-              <a:schemeClr val="accent1"/>
-            </a:effectRef>
-            <a:fontRef idx="minor">
-              <a:schemeClr val="lt1"/>
-            </a:fontRef>
-          </p:style>
-          <p:txBody>
-            <a:bodyPr rtlCol="0" anchor="ctr"/>
-            <a:lstStyle/>
-            <a:p>
-              <a:pPr algn="ctr"/>
-              <a:endParaRPr lang="en-US"/>
-            </a:p>
-          </p:txBody>
-        </p:sp>
       </p:grpSp>
       <p:grpSp>
         <p:nvGrpSpPr>
@@ -5239,8 +5239,68 @@
           <a:bodyPr rtlCol="0" anchor="ctr"/>
           <a:lstStyle/>
           <a:p>
-            <a:pPr algn="ctr"/>
-            <a:endParaRPr lang="en-US"/>
+            <a:r>
+              <a:rPr lang="en-US" sz="2800" dirty="0">
+                <a:solidFill>
+                  <a:schemeClr val="tx2">
+                    <a:lumMod val="50000"/>
+                  </a:schemeClr>
+                </a:solidFill>
+                <a:latin typeface="Oxygen" panose="02000503000000000000" pitchFamily="2" charset="0"/>
+              </a:rPr>
+              <a:t>Architecture Description Languages</a:t>
+            </a:r>
+          </a:p>
+          <a:p>
+            <a:endParaRPr lang="en-US" sz="2800" dirty="0">
+              <a:solidFill>
+                <a:schemeClr val="tx2">
+                  <a:lumMod val="50000"/>
+                </a:schemeClr>
+              </a:solidFill>
+              <a:latin typeface="Oxygen" panose="02000503000000000000" pitchFamily="2" charset="0"/>
+            </a:endParaRPr>
+          </a:p>
+          <a:p>
+            <a:endParaRPr lang="en-US" sz="2800" dirty="0">
+              <a:solidFill>
+                <a:schemeClr val="tx2">
+                  <a:lumMod val="50000"/>
+                </a:schemeClr>
+              </a:solidFill>
+              <a:latin typeface="Oxygen" panose="02000503000000000000" pitchFamily="2" charset="0"/>
+            </a:endParaRPr>
+          </a:p>
+          <a:p>
+            <a:r>
+              <a:rPr lang="en-US" sz="2800" dirty="0" err="1">
+                <a:solidFill>
+                  <a:schemeClr val="tx2">
+                    <a:lumMod val="50000"/>
+                  </a:schemeClr>
+                </a:solidFill>
+                <a:latin typeface="Oxygen" panose="02000503000000000000" pitchFamily="2" charset="0"/>
+              </a:rPr>
+              <a:t>ArchJava</a:t>
+            </a:r>
+            <a:endParaRPr lang="en-US" sz="2800" dirty="0">
+              <a:solidFill>
+                <a:schemeClr val="tx2">
+                  <a:lumMod val="50000"/>
+                </a:schemeClr>
+              </a:solidFill>
+              <a:latin typeface="Oxygen" panose="02000503000000000000" pitchFamily="2" charset="0"/>
+            </a:endParaRPr>
+          </a:p>
+          <a:p>
+            <a:endParaRPr lang="en-US" sz="2800" dirty="0">
+              <a:solidFill>
+                <a:schemeClr val="tx2">
+                  <a:lumMod val="50000"/>
+                </a:schemeClr>
+              </a:solidFill>
+              <a:latin typeface="Oxygen" panose="02000503000000000000" pitchFamily="2" charset="0"/>
+            </a:endParaRPr>
           </a:p>
         </p:txBody>
       </p:sp>
@@ -5287,8 +5347,17 @@
           <a:bodyPr rtlCol="0" anchor="ctr"/>
           <a:lstStyle/>
           <a:p>
-            <a:pPr algn="ctr"/>
-            <a:endParaRPr lang="en-US"/>
+            <a:r>
+              <a:rPr lang="en-US" sz="3000" dirty="0">
+                <a:solidFill>
+                  <a:schemeClr val="tx2">
+                    <a:lumMod val="50000"/>
+                  </a:schemeClr>
+                </a:solidFill>
+                <a:latin typeface="Oxygen" panose="02000503000000000000" pitchFamily="2" charset="0"/>
+              </a:rPr>
+              <a:t>Readability, Conformance(?), Communication Integrity, SWA as a live component, 3 SWA views</a:t>
+            </a:r>
           </a:p>
         </p:txBody>
       </p:sp>
@@ -5540,7 +5609,7 @@
         </p:nvSpPr>
         <p:spPr>
           <a:xfrm>
-            <a:off x="659567" y="5951372"/>
+            <a:off x="5233896" y="6047636"/>
             <a:ext cx="12478917" cy="1938992"/>
           </a:xfrm>
           <a:prstGeom prst="rect">
@@ -5586,9 +5655,9 @@
         <p:grpSpPr>
           <a:xfrm>
             <a:off x="659567" y="8095201"/>
-            <a:ext cx="10194379" cy="11764289"/>
+            <a:ext cx="10194379" cy="12083053"/>
             <a:chOff x="659567" y="8095201"/>
-            <a:chExt cx="10194379" cy="11764289"/>
+            <a:chExt cx="10194379" cy="12083053"/>
           </a:xfrm>
         </p:grpSpPr>
         <p:sp>
@@ -5640,9 +5709,9 @@
           <p:grpSpPr>
             <a:xfrm>
               <a:off x="659567" y="8956974"/>
-              <a:ext cx="10194379" cy="10902516"/>
+              <a:ext cx="10194379" cy="11221280"/>
               <a:chOff x="659567" y="8956974"/>
-              <a:chExt cx="10194379" cy="10902516"/>
+              <a:chExt cx="10194379" cy="11221280"/>
             </a:xfrm>
           </p:grpSpPr>
           <p:sp>
@@ -5653,7 +5722,7 @@
             </p:nvSpPr>
             <p:spPr>
               <a:xfrm>
-                <a:off x="6405315" y="10669812"/>
+                <a:off x="6434050" y="10657922"/>
                 <a:ext cx="1420796" cy="1378404"/>
               </a:xfrm>
               <a:prstGeom prst="flowChartConnector">
@@ -5707,10 +5776,10 @@
             </p:nvGrpSpPr>
             <p:grpSpPr>
               <a:xfrm>
-                <a:off x="6153077" y="14756900"/>
-                <a:ext cx="1675276" cy="1015267"/>
-                <a:chOff x="2183258" y="13151911"/>
-                <a:chExt cx="1066828" cy="730075"/>
+                <a:off x="6177210" y="14780329"/>
+                <a:ext cx="1675276" cy="1015265"/>
+                <a:chOff x="2198626" y="13168766"/>
+                <a:chExt cx="1066828" cy="730074"/>
               </a:xfrm>
             </p:grpSpPr>
             <p:grpSp>
@@ -5721,10 +5790,10 @@
               </p:nvGrpSpPr>
               <p:grpSpPr>
                 <a:xfrm>
-                  <a:off x="2183258" y="13151911"/>
-                  <a:ext cx="1066828" cy="730075"/>
-                  <a:chOff x="2183258" y="13166093"/>
-                  <a:chExt cx="1066828" cy="730075"/>
+                  <a:off x="2198626" y="13168766"/>
+                  <a:ext cx="1066828" cy="730074"/>
+                  <a:chOff x="2198626" y="13182948"/>
+                  <a:chExt cx="1066828" cy="730074"/>
                 </a:xfrm>
               </p:grpSpPr>
               <p:grpSp>
@@ -5735,9 +5804,9 @@
                 </p:nvGrpSpPr>
                 <p:grpSpPr>
                   <a:xfrm>
-                    <a:off x="2183258" y="13166093"/>
+                    <a:off x="2198626" y="13182948"/>
                     <a:ext cx="1066828" cy="259425"/>
-                    <a:chOff x="2285038" y="13236251"/>
+                    <a:chOff x="2308932" y="13253757"/>
                     <a:chExt cx="1658746" cy="269461"/>
                   </a:xfrm>
                 </p:grpSpPr>
@@ -5749,7 +5818,7 @@
                   </p:nvSpPr>
                   <p:spPr>
                     <a:xfrm>
-                      <a:off x="2285038" y="13236891"/>
+                      <a:off x="2308932" y="13254397"/>
                       <a:ext cx="392960" cy="268821"/>
                     </a:xfrm>
                     <a:prstGeom prst="rect">
@@ -5802,7 +5871,7 @@
                   </p:nvSpPr>
                   <p:spPr>
                     <a:xfrm>
-                      <a:off x="2915579" y="13236251"/>
+                      <a:off x="2939472" y="13253757"/>
                       <a:ext cx="392961" cy="269451"/>
                     </a:xfrm>
                     <a:prstGeom prst="rect">
@@ -5855,7 +5924,7 @@
                   </p:nvSpPr>
                   <p:spPr>
                     <a:xfrm>
-                      <a:off x="3550824" y="13236259"/>
+                      <a:off x="3574718" y="13253765"/>
                       <a:ext cx="392960" cy="269452"/>
                     </a:xfrm>
                     <a:prstGeom prst="rect">
@@ -5909,7 +5978,7 @@
                 </p:nvSpPr>
                 <p:spPr>
                   <a:xfrm>
-                    <a:off x="2528005" y="13654978"/>
+                    <a:off x="2543372" y="13671832"/>
                     <a:ext cx="374310" cy="241190"/>
                   </a:xfrm>
                   <a:prstGeom prst="flowChartMagneticDisk">
@@ -5962,7 +6031,7 @@
               </p:nvCxnSpPr>
               <p:spPr>
                 <a:xfrm flipH="1">
-                  <a:off x="2715060" y="13411325"/>
+                  <a:off x="2730427" y="13428179"/>
                   <a:ext cx="101" cy="208981"/>
                 </a:xfrm>
                 <a:prstGeom prst="straightConnector1">
@@ -5995,7 +6064,7 @@
               </p:nvCxnSpPr>
               <p:spPr>
                 <a:xfrm flipH="1">
-                  <a:off x="2914170" y="13411333"/>
+                  <a:off x="2929537" y="13428187"/>
                   <a:ext cx="209550" cy="208975"/>
                 </a:xfrm>
                 <a:prstGeom prst="straightConnector1">
@@ -6028,7 +6097,7 @@
               </p:nvCxnSpPr>
               <p:spPr>
                 <a:xfrm>
-                  <a:off x="2309625" y="13411333"/>
+                  <a:off x="2324993" y="13428187"/>
                   <a:ext cx="218380" cy="208975"/>
                 </a:xfrm>
                 <a:prstGeom prst="straightConnector1">
@@ -6070,7 +6139,7 @@
             </p:blipFill>
             <p:spPr>
               <a:xfrm>
-                <a:off x="6416523" y="18510663"/>
+                <a:off x="6549171" y="18570868"/>
                 <a:ext cx="1348827" cy="1348827"/>
               </a:xfrm>
               <a:prstGeom prst="rect">
@@ -6087,9 +6156,9 @@
             <p:grpSpPr>
               <a:xfrm>
                 <a:off x="659567" y="8956974"/>
-                <a:ext cx="10194379" cy="10881629"/>
+                <a:ext cx="10194379" cy="11221280"/>
                 <a:chOff x="659567" y="8956974"/>
-                <a:chExt cx="10194379" cy="10881629"/>
+                <a:chExt cx="10194379" cy="11221280"/>
               </a:xfrm>
             </p:grpSpPr>
             <p:grpSp>
@@ -6115,9 +6184,9 @@
                 <p:grpSpPr>
                   <a:xfrm>
                     <a:off x="1577981" y="5906435"/>
-                    <a:ext cx="7763946" cy="13240385"/>
+                    <a:ext cx="7770353" cy="13240385"/>
                     <a:chOff x="1467478" y="5729527"/>
-                    <a:chExt cx="7763946" cy="13240385"/>
+                    <a:chExt cx="7770353" cy="13240385"/>
                   </a:xfrm>
                 </p:grpSpPr>
                 <p:grpSp>
@@ -6129,9 +6198,9 @@
                   <p:grpSpPr>
                     <a:xfrm>
                       <a:off x="1467478" y="5729527"/>
-                      <a:ext cx="7763946" cy="13240383"/>
+                      <a:ext cx="7770353" cy="13240382"/>
                       <a:chOff x="1467478" y="5729527"/>
-                      <a:chExt cx="7763946" cy="13240383"/>
+                      <a:chExt cx="7770353" cy="13240382"/>
                     </a:xfrm>
                   </p:grpSpPr>
                   <p:grpSp>
@@ -6143,9 +6212,9 @@
                     <p:grpSpPr>
                       <a:xfrm>
                         <a:off x="2538536" y="5959861"/>
-                        <a:ext cx="6692888" cy="13010049"/>
+                        <a:ext cx="6699295" cy="13010048"/>
                         <a:chOff x="3325408" y="5804822"/>
-                        <a:chExt cx="6692888" cy="13010049"/>
+                        <a:chExt cx="6699295" cy="13010048"/>
                       </a:xfrm>
                     </p:grpSpPr>
                     <p:grpSp>
@@ -6157,9 +6226,9 @@
                       <p:grpSpPr>
                         <a:xfrm>
                           <a:off x="3325408" y="5804822"/>
-                          <a:ext cx="6692888" cy="13010049"/>
+                          <a:ext cx="6699295" cy="13010048"/>
                           <a:chOff x="3325408" y="5804822"/>
-                          <a:chExt cx="6692888" cy="13010049"/>
+                          <a:chExt cx="6699295" cy="13010048"/>
                         </a:xfrm>
                       </p:grpSpPr>
                       <p:grpSp>
@@ -6171,9 +6240,9 @@
                         <p:grpSpPr>
                           <a:xfrm>
                             <a:off x="3325408" y="5804822"/>
-                            <a:ext cx="5383840" cy="13010049"/>
+                            <a:ext cx="5383840" cy="13010048"/>
                             <a:chOff x="3325408" y="5804822"/>
-                            <a:chExt cx="5383840" cy="13010049"/>
+                            <a:chExt cx="5383840" cy="13010048"/>
                           </a:xfrm>
                         </p:grpSpPr>
                         <p:sp>
@@ -6292,7 +6361,7 @@
                           <p:spPr>
                             <a:xfrm>
                               <a:off x="3325408" y="15175411"/>
-                              <a:ext cx="5383839" cy="3639460"/>
+                              <a:ext cx="5383839" cy="3639459"/>
                             </a:xfrm>
                             <a:prstGeom prst="rect">
                               <a:avLst/>
@@ -6342,10 +6411,10 @@
                         </p:nvGrpSpPr>
                         <p:grpSpPr>
                           <a:xfrm>
-                            <a:off x="8709248" y="7624552"/>
-                            <a:ext cx="1309048" cy="9344526"/>
-                            <a:chOff x="8709248" y="7624552"/>
-                            <a:chExt cx="1309048" cy="9344526"/>
+                            <a:off x="8709248" y="7624551"/>
+                            <a:ext cx="1315455" cy="9344527"/>
+                            <a:chOff x="8709248" y="7624551"/>
+                            <a:chExt cx="1315455" cy="9344527"/>
                           </a:xfrm>
                         </p:grpSpPr>
                         <p:cxnSp>
@@ -6357,9 +6426,9 @@
                             <p:nvPr/>
                           </p:nvCxnSpPr>
                           <p:spPr>
-                            <a:xfrm>
-                              <a:off x="8709248" y="7624552"/>
-                              <a:ext cx="1301026" cy="0"/>
+                            <a:xfrm flipV="1">
+                              <a:off x="8709248" y="7624551"/>
+                              <a:ext cx="1315455" cy="1"/>
                             </a:xfrm>
                             <a:prstGeom prst="line">
                               <a:avLst/>
@@ -6477,8 +6546,8 @@
                       </p:nvCxnSpPr>
                       <p:spPr>
                         <a:xfrm flipH="1">
-                          <a:off x="10010274" y="7624552"/>
-                          <a:ext cx="8022" cy="9370589"/>
+                          <a:off x="10010275" y="7590785"/>
+                          <a:ext cx="3202" cy="9404357"/>
                         </a:xfrm>
                         <a:prstGeom prst="line">
                           <a:avLst/>
@@ -6665,8 +6734,8 @@
               </p:nvSpPr>
               <p:spPr>
                 <a:xfrm>
-                  <a:off x="1908442" y="9241361"/>
-                  <a:ext cx="6016454" cy="2339102"/>
+                  <a:off x="1914670" y="9143878"/>
+                  <a:ext cx="6066967" cy="2982122"/>
                 </a:xfrm>
                 <a:prstGeom prst="rect">
                   <a:avLst/>
@@ -6718,7 +6787,7 @@
                     <a:buChar char="•"/>
                   </a:pPr>
                   <a:r>
-                    <a:rPr lang="en-US" sz="2400" dirty="0">
+                    <a:rPr lang="en-US" sz="2300" dirty="0">
                       <a:solidFill>
                         <a:schemeClr val="tx2">
                           <a:lumMod val="50000"/>
@@ -6735,7 +6804,7 @@
                     <a:buChar char="•"/>
                   </a:pPr>
                   <a:r>
-                    <a:rPr lang="en-US" sz="2400" dirty="0">
+                    <a:rPr lang="en-US" sz="2200" dirty="0">
                       <a:solidFill>
                         <a:schemeClr val="tx2">
                           <a:lumMod val="50000"/>
@@ -6743,9 +6812,39 @@
                       </a:solidFill>
                       <a:latin typeface="Oxygen" panose="02000503000000000000" pitchFamily="2" charset="0"/>
                     </a:rPr>
-                    <a:t>Analysis</a:t>
+                    <a:t>A blueprint for code construction </a:t>
                   </a:r>
-                  <a:endParaRPr lang="en-US" sz="2400" dirty="0">
+                </a:p>
+                <a:p>
+                  <a:r>
+                    <a:rPr lang="en-US" sz="2200" dirty="0">
+                      <a:solidFill>
+                        <a:schemeClr val="tx2">
+                          <a:lumMod val="50000"/>
+                        </a:schemeClr>
+                      </a:solidFill>
+                      <a:latin typeface="Oxygen" panose="02000503000000000000" pitchFamily="2" charset="0"/>
+                    </a:rPr>
+                    <a:t>      and incremental development</a:t>
+                  </a:r>
+                </a:p>
+                <a:p>
+                  <a:pPr marL="457200" indent="-457200">
+                    <a:buFont typeface="Arial" panose="020B0604020202020204" pitchFamily="34" charset="0"/>
+                    <a:buChar char="•"/>
+                  </a:pPr>
+                  <a:r>
+                    <a:rPr lang="en-US" sz="2300" dirty="0">
+                      <a:solidFill>
+                        <a:schemeClr val="tx2">
+                          <a:lumMod val="50000"/>
+                        </a:schemeClr>
+                      </a:solidFill>
+                      <a:latin typeface="Oxygen" panose="02000503000000000000" pitchFamily="2" charset="0"/>
+                    </a:rPr>
+                    <a:t>Analysis of code dependency</a:t>
+                  </a:r>
+                  <a:endParaRPr lang="en-US" sz="2300" dirty="0">
                     <a:solidFill>
                       <a:schemeClr val="tx2">
                         <a:lumMod val="50000"/>
@@ -6778,8 +6877,8 @@
               </p:nvSpPr>
               <p:spPr>
                 <a:xfrm>
-                  <a:off x="1920228" y="12958607"/>
-                  <a:ext cx="6054542" cy="2954655"/>
+                  <a:off x="1872484" y="13063994"/>
+                  <a:ext cx="6054542" cy="2693045"/>
                 </a:xfrm>
                 <a:prstGeom prst="rect">
                   <a:avLst/>
@@ -6852,7 +6951,7 @@
                     <a:buFont typeface="Arial" panose="020B0604020202020204" pitchFamily="34" charset="0"/>
                     <a:buChar char="•"/>
                   </a:pPr>
-                  <a:endParaRPr lang="en-US" sz="2300" dirty="0">
+                  <a:endParaRPr lang="en-US" sz="1700" dirty="0">
                     <a:solidFill>
                       <a:schemeClr val="tx2">
                         <a:lumMod val="50000"/>
@@ -6866,38 +6965,64 @@
                     <a:buFont typeface="Arial" panose="020B0604020202020204" pitchFamily="34" charset="0"/>
                     <a:buChar char="•"/>
                   </a:pPr>
-                  <a:endParaRPr lang="en-US" sz="2300" dirty="0">
-                    <a:solidFill>
-                      <a:schemeClr val="tx2">
-                        <a:lumMod val="50000"/>
-                      </a:schemeClr>
-                    </a:solidFill>
-                    <a:latin typeface="Oxygen" panose="02000503000000000000" pitchFamily="2" charset="0"/>
-                  </a:endParaRPr>
+                  <a:r>
+                    <a:rPr lang="en-US" sz="1700" dirty="0">
+                      <a:solidFill>
+                        <a:schemeClr val="tx2">
+                          <a:lumMod val="50000"/>
+                        </a:schemeClr>
+                      </a:solidFill>
+                      <a:latin typeface="Oxygen" panose="02000503000000000000" pitchFamily="2" charset="0"/>
+                    </a:rPr>
+                    <a:t>Show how the system works</a:t>
+                  </a:r>
                 </a:p>
                 <a:p>
-                  <a:pPr marL="457200" indent="-457200">
+                  <a:pPr marL="342900" indent="-342900">
                     <a:buFont typeface="Arial" panose="020B0604020202020204" pitchFamily="34" charset="0"/>
                     <a:buChar char="•"/>
                   </a:pPr>
-                  <a:endParaRPr lang="en-US" sz="2800" dirty="0">
-                    <a:solidFill>
-                      <a:schemeClr val="tx2">
-                        <a:lumMod val="50000"/>
-                      </a:schemeClr>
-                    </a:solidFill>
-                    <a:latin typeface="Oxygen" panose="02000503000000000000" pitchFamily="2" charset="0"/>
-                  </a:endParaRPr>
+                  <a:r>
+                    <a:rPr lang="en-US" sz="1700" dirty="0">
+                      <a:solidFill>
+                        <a:schemeClr val="tx2">
+                          <a:lumMod val="50000"/>
+                        </a:schemeClr>
+                      </a:solidFill>
+                      <a:latin typeface="Oxygen" panose="02000503000000000000" pitchFamily="2" charset="0"/>
+                    </a:rPr>
+                    <a:t>Guide development around structure </a:t>
+                  </a:r>
                 </a:p>
                 <a:p>
-                  <a:endParaRPr lang="en-US" sz="2800" dirty="0">
-                    <a:solidFill>
-                      <a:schemeClr val="tx2">
-                        <a:lumMod val="50000"/>
-                      </a:schemeClr>
-                    </a:solidFill>
-                    <a:latin typeface="Oxygen" panose="02000503000000000000" pitchFamily="2" charset="0"/>
-                  </a:endParaRPr>
+                  <a:r>
+                    <a:rPr lang="en-US" sz="1700" dirty="0">
+                      <a:solidFill>
+                        <a:schemeClr val="tx2">
+                          <a:lumMod val="50000"/>
+                        </a:schemeClr>
+                      </a:solidFill>
+                      <a:latin typeface="Oxygen" panose="02000503000000000000" pitchFamily="2" charset="0"/>
+                    </a:rPr>
+                    <a:t>      &amp; behavior of runtime elements</a:t>
+                  </a:r>
+                </a:p>
+                <a:p>
+                  <a:pPr marL="342900" indent="-342900">
+                    <a:buFont typeface="Arial" panose="020B0604020202020204" pitchFamily="34" charset="0"/>
+                    <a:buChar char="•"/>
+                  </a:pPr>
+                  <a:r>
+                    <a:rPr lang="en-US" sz="1700" dirty="0">
+                      <a:solidFill>
+                        <a:schemeClr val="tx2">
+                          <a:lumMod val="50000"/>
+                        </a:schemeClr>
+                      </a:solidFill>
+                      <a:latin typeface="Oxygen" panose="02000503000000000000" pitchFamily="2" charset="0"/>
+                    </a:rPr>
+                    <a:t>To reason about performance and reliability</a:t>
+                  </a:r>
                 </a:p>
               </p:txBody>
             </p:sp>
@@ -6909,8 +7034,8 @@
               </p:nvSpPr>
               <p:spPr>
                 <a:xfrm>
-                  <a:off x="2078260" y="17028094"/>
-                  <a:ext cx="4128615" cy="630942"/>
+                  <a:off x="1841806" y="16777323"/>
+                  <a:ext cx="5937816" cy="3400931"/>
                 </a:xfrm>
                 <a:prstGeom prst="rect">
                   <a:avLst/>
@@ -6924,7 +7049,7 @@
                 <a:lstStyle/>
                 <a:p>
                   <a:r>
-                    <a:rPr lang="en-US" sz="3500" dirty="0">
+                    <a:rPr lang="en-US" sz="2300" b="1" dirty="0">
                       <a:solidFill>
                         <a:schemeClr val="tx2">
                           <a:lumMod val="50000"/>
@@ -6932,8 +7057,162 @@
                       </a:solidFill>
                       <a:latin typeface="Oxygen" panose="02000503000000000000" pitchFamily="2" charset="0"/>
                     </a:rPr>
-                    <a:t>* poop</a:t>
+                    <a:t>Deployment View: </a:t>
                   </a:r>
+                  <a:r>
+                    <a:rPr lang="en-US" sz="2300" dirty="0">
+                      <a:solidFill>
+                        <a:schemeClr val="tx2">
+                          <a:lumMod val="50000"/>
+                        </a:schemeClr>
+                      </a:solidFill>
+                      <a:latin typeface="Oxygen" panose="02000503000000000000" pitchFamily="2" charset="0"/>
+                    </a:rPr>
+                    <a:t>a mapping between software and </a:t>
+                  </a:r>
+                  <a:r>
+                    <a:rPr lang="en-US" sz="2300" dirty="0" err="1">
+                      <a:solidFill>
+                        <a:schemeClr val="tx2">
+                          <a:lumMod val="50000"/>
+                        </a:schemeClr>
+                      </a:solidFill>
+                      <a:latin typeface="Oxygen" panose="02000503000000000000" pitchFamily="2" charset="0"/>
+                    </a:rPr>
+                    <a:t>nonsoftware</a:t>
+                  </a:r>
+                  <a:r>
+                    <a:rPr lang="en-US" sz="2300" dirty="0">
+                      <a:solidFill>
+                        <a:schemeClr val="tx2">
+                          <a:lumMod val="50000"/>
+                        </a:schemeClr>
+                      </a:solidFill>
+                      <a:latin typeface="Oxygen" panose="02000503000000000000" pitchFamily="2" charset="0"/>
+                    </a:rPr>
+                    <a:t> elements in the former’s environment. </a:t>
+                  </a:r>
+                  <a:r>
+                    <a:rPr lang="en-US" sz="2300" b="1" dirty="0">
+                      <a:solidFill>
+                        <a:schemeClr val="tx2">
+                          <a:lumMod val="50000"/>
+                        </a:schemeClr>
+                      </a:solidFill>
+                      <a:latin typeface="Oxygen" panose="02000503000000000000" pitchFamily="2" charset="0"/>
+                    </a:rPr>
+                    <a:t> </a:t>
+                  </a:r>
+                </a:p>
+                <a:p>
+                  <a:endParaRPr lang="en-US" sz="2300" b="1" dirty="0">
+                    <a:solidFill>
+                      <a:schemeClr val="tx2">
+                        <a:lumMod val="50000"/>
+                      </a:schemeClr>
+                    </a:solidFill>
+                    <a:latin typeface="Oxygen" panose="02000503000000000000" pitchFamily="2" charset="0"/>
+                  </a:endParaRPr>
+                </a:p>
+                <a:p>
+                  <a:pPr marL="342900" indent="-342900">
+                    <a:buFont typeface="Arial" panose="020B0604020202020204" pitchFamily="34" charset="0"/>
+                    <a:buChar char="•"/>
+                  </a:pPr>
+                  <a:r>
+                    <a:rPr lang="en-US" sz="2000" dirty="0">
+                      <a:solidFill>
+                        <a:schemeClr val="tx2">
+                          <a:lumMod val="50000"/>
+                        </a:schemeClr>
+                      </a:solidFill>
+                      <a:latin typeface="Oxygen" panose="02000503000000000000" pitchFamily="2" charset="0"/>
+                    </a:rPr>
+                    <a:t>Analyzing actual runtime performance, reliability, and security</a:t>
+                  </a:r>
+                </a:p>
+                <a:p>
+                  <a:pPr marL="342900" indent="-342900">
+                    <a:buFont typeface="Arial" panose="020B0604020202020204" pitchFamily="34" charset="0"/>
+                    <a:buChar char="•"/>
+                  </a:pPr>
+                  <a:r>
+                    <a:rPr lang="en-US" sz="2000" dirty="0">
+                      <a:solidFill>
+                        <a:schemeClr val="tx2">
+                          <a:lumMod val="50000"/>
+                        </a:schemeClr>
+                      </a:solidFill>
+                      <a:latin typeface="Oxygen" panose="02000503000000000000" pitchFamily="2" charset="0"/>
+                    </a:rPr>
+                    <a:t>SW elements: </a:t>
+                  </a:r>
+                  <a:r>
+                    <a:rPr lang="en-US" sz="2000" dirty="0" err="1">
+                      <a:solidFill>
+                        <a:schemeClr val="tx2">
+                          <a:lumMod val="50000"/>
+                        </a:schemeClr>
+                      </a:solidFill>
+                      <a:latin typeface="Oxygen" panose="02000503000000000000" pitchFamily="2" charset="0"/>
+                    </a:rPr>
+                    <a:t>CnC</a:t>
+                  </a:r>
+                  <a:r>
+                    <a:rPr lang="en-US" sz="2000" dirty="0">
+                      <a:solidFill>
+                        <a:schemeClr val="tx2">
+                          <a:lumMod val="50000"/>
+                        </a:schemeClr>
+                      </a:solidFill>
+                      <a:latin typeface="Oxygen" panose="02000503000000000000" pitchFamily="2" charset="0"/>
+                    </a:rPr>
+                    <a:t> elements</a:t>
+                  </a:r>
+                </a:p>
+                <a:p>
+                  <a:pPr marL="342900" indent="-342900">
+                    <a:buFont typeface="Arial" panose="020B0604020202020204" pitchFamily="34" charset="0"/>
+                    <a:buChar char="•"/>
+                  </a:pPr>
+                  <a:r>
+                    <a:rPr lang="en-US" sz="1900" dirty="0">
+                      <a:solidFill>
+                        <a:schemeClr val="tx2">
+                          <a:lumMod val="50000"/>
+                        </a:schemeClr>
+                      </a:solidFill>
+                      <a:latin typeface="Oxygen" panose="02000503000000000000" pitchFamily="2" charset="0"/>
+                    </a:rPr>
+                    <a:t>Environmental elements: hardware, </a:t>
+                  </a:r>
+                </a:p>
+                <a:p>
+                  <a:r>
+                    <a:rPr lang="en-US" sz="1900" dirty="0">
+                      <a:solidFill>
+                        <a:schemeClr val="tx2">
+                          <a:lumMod val="50000"/>
+                        </a:schemeClr>
+                      </a:solidFill>
+                      <a:latin typeface="Oxygen" panose="02000503000000000000" pitchFamily="2" charset="0"/>
+                    </a:rPr>
+                    <a:t>      network elements, and their capabilities</a:t>
+                  </a:r>
+                </a:p>
+                <a:p>
+                  <a:pPr marL="342900" indent="-342900">
+                    <a:buFont typeface="Arial" panose="020B0604020202020204" pitchFamily="34" charset="0"/>
+                    <a:buChar char="•"/>
+                  </a:pPr>
+                  <a:endParaRPr lang="en-US" sz="2300" b="1" dirty="0">
+                    <a:solidFill>
+                      <a:schemeClr val="tx2">
+                        <a:lumMod val="50000"/>
+                      </a:schemeClr>
+                    </a:solidFill>
+                    <a:latin typeface="Oxygen" panose="02000503000000000000" pitchFamily="2" charset="0"/>
+                  </a:endParaRPr>
                 </a:p>
               </p:txBody>
             </p:sp>

--- a/CMU REUSE 2017 Poster.pptx
+++ b/CMU REUSE 2017 Poster.pptx
@@ -5071,7 +5071,7 @@
             <p:spPr>
               <a:xfrm>
                 <a:off x="12547735" y="12805877"/>
-                <a:ext cx="5171176" cy="1938992"/>
+                <a:ext cx="5171176" cy="2862322"/>
               </a:xfrm>
               <a:prstGeom prst="rect">
                 <a:avLst/>
@@ -5089,7 +5089,7 @@
                   <a:rPr lang="en-US" sz="3000" dirty="0">
                     <a:latin typeface="Oxygen" panose="02000503000000000000" pitchFamily="2" charset="0"/>
                   </a:rPr>
-                  <a:t>Guarantees planned in software architecture design do not always carry through to implementations.</a:t>
+                  <a:t>It is hard to determine whether the logical relationships between entities in architecture diagrams are present in system implementations. </a:t>
                 </a:r>
               </a:p>
             </p:txBody>
@@ -5204,8 +5204,8 @@
         </p:nvSpPr>
         <p:spPr>
           <a:xfrm>
-            <a:off x="17951116" y="5036804"/>
-            <a:ext cx="11784151" cy="5880232"/>
+            <a:off x="17951116" y="5174748"/>
+            <a:ext cx="11784151" cy="5666549"/>
           </a:xfrm>
           <a:prstGeom prst="roundRect">
             <a:avLst/>
@@ -5239,8 +5239,58 @@
           <a:bodyPr rtlCol="0" anchor="ctr"/>
           <a:lstStyle/>
           <a:p>
+            <a:endParaRPr lang="en-US" sz="3200" b="1" dirty="0">
+              <a:solidFill>
+                <a:schemeClr val="tx2">
+                  <a:lumMod val="50000"/>
+                </a:schemeClr>
+              </a:solidFill>
+              <a:latin typeface="Oxygen" panose="02000503000000000000" pitchFamily="2" charset="0"/>
+            </a:endParaRPr>
+          </a:p>
+          <a:p>
+            <a:endParaRPr lang="en-US" sz="3200" b="1" dirty="0">
+              <a:solidFill>
+                <a:schemeClr val="tx2">
+                  <a:lumMod val="50000"/>
+                </a:schemeClr>
+              </a:solidFill>
+              <a:latin typeface="Oxygen" panose="02000503000000000000" pitchFamily="2" charset="0"/>
+            </a:endParaRPr>
+          </a:p>
+          <a:p>
+            <a:endParaRPr lang="en-US" sz="3200" b="1" dirty="0">
+              <a:solidFill>
+                <a:schemeClr val="tx2">
+                  <a:lumMod val="50000"/>
+                </a:schemeClr>
+              </a:solidFill>
+              <a:latin typeface="Oxygen" panose="02000503000000000000" pitchFamily="2" charset="0"/>
+            </a:endParaRPr>
+          </a:p>
+          <a:p>
+            <a:endParaRPr lang="en-US" sz="3200" b="1" dirty="0">
+              <a:solidFill>
+                <a:schemeClr val="tx2">
+                  <a:lumMod val="50000"/>
+                </a:schemeClr>
+              </a:solidFill>
+              <a:latin typeface="Oxygen" panose="02000503000000000000" pitchFamily="2" charset="0"/>
+            </a:endParaRPr>
+          </a:p>
+          <a:p>
+            <a:endParaRPr lang="en-US" sz="3200" b="1" dirty="0">
+              <a:solidFill>
+                <a:schemeClr val="tx2">
+                  <a:lumMod val="50000"/>
+                </a:schemeClr>
+              </a:solidFill>
+              <a:latin typeface="Oxygen" panose="02000503000000000000" pitchFamily="2" charset="0"/>
+            </a:endParaRPr>
+          </a:p>
+          <a:p>
             <a:r>
-              <a:rPr lang="en-US" sz="2800" dirty="0">
+              <a:rPr lang="en-US" sz="3200" b="1" dirty="0">
                 <a:solidFill>
                   <a:schemeClr val="tx2">
                     <a:lumMod val="50000"/>
@@ -5248,10 +5298,358 @@
                 </a:solidFill>
                 <a:latin typeface="Oxygen" panose="02000503000000000000" pitchFamily="2" charset="0"/>
               </a:rPr>
-              <a:t>Architecture Description Languages</a:t>
+              <a:t>Architecture Description Languages (ADLs)</a:t>
             </a:r>
           </a:p>
           <a:p>
+            <a:pPr marL="457200" indent="-457200">
+              <a:buFont typeface="Arial" panose="020B0604020202020204" pitchFamily="34" charset="0"/>
+              <a:buChar char="•"/>
+            </a:pPr>
+            <a:r>
+              <a:rPr lang="en-US" sz="2600" dirty="0">
+                <a:solidFill>
+                  <a:schemeClr val="tx2">
+                    <a:lumMod val="50000"/>
+                  </a:schemeClr>
+                </a:solidFill>
+                <a:latin typeface="Oxygen" panose="02000503000000000000" pitchFamily="2" charset="0"/>
+              </a:rPr>
+              <a:t>(-) </a:t>
+            </a:r>
+            <a:r>
+              <a:rPr lang="en-US" sz="2600" i="1" dirty="0">
+                <a:solidFill>
+                  <a:schemeClr val="tx2">
+                    <a:lumMod val="50000"/>
+                  </a:schemeClr>
+                </a:solidFill>
+                <a:latin typeface="Oxygen" panose="02000503000000000000" pitchFamily="2" charset="0"/>
+              </a:rPr>
+              <a:t>Description:</a:t>
+            </a:r>
+            <a:r>
+              <a:rPr lang="en-US" sz="2600" dirty="0">
+                <a:solidFill>
+                  <a:schemeClr val="tx2">
+                    <a:lumMod val="50000"/>
+                  </a:schemeClr>
+                </a:solidFill>
+                <a:latin typeface="Oxygen" panose="02000503000000000000" pitchFamily="2" charset="0"/>
+              </a:rPr>
+              <a:t>  Inferred by the name, ADLs only describe software architectures; they do not prescribe, or </a:t>
+            </a:r>
+            <a:r>
+              <a:rPr lang="en-US" sz="2600" b="1" dirty="0">
+                <a:solidFill>
+                  <a:schemeClr val="tx2">
+                    <a:lumMod val="50000"/>
+                  </a:schemeClr>
+                </a:solidFill>
+                <a:latin typeface="Oxygen" panose="02000503000000000000" pitchFamily="2" charset="0"/>
+              </a:rPr>
+              <a:t>enforce conformance</a:t>
+            </a:r>
+            <a:r>
+              <a:rPr lang="en-US" sz="2600" dirty="0">
+                <a:solidFill>
+                  <a:schemeClr val="tx2">
+                    <a:lumMod val="50000"/>
+                  </a:schemeClr>
+                </a:solidFill>
+                <a:latin typeface="Oxygen" panose="02000503000000000000" pitchFamily="2" charset="0"/>
+              </a:rPr>
+              <a:t> to them</a:t>
+            </a:r>
+          </a:p>
+          <a:p>
+            <a:pPr marL="457200" indent="-457200">
+              <a:buFont typeface="Arial" panose="020B0604020202020204" pitchFamily="34" charset="0"/>
+              <a:buChar char="•"/>
+            </a:pPr>
+            <a:r>
+              <a:rPr lang="en-US" sz="2600" dirty="0">
+                <a:solidFill>
+                  <a:schemeClr val="tx2">
+                    <a:lumMod val="50000"/>
+                  </a:schemeClr>
+                </a:solidFill>
+                <a:latin typeface="Oxygen" panose="02000503000000000000" pitchFamily="2" charset="0"/>
+              </a:rPr>
+              <a:t>(+) </a:t>
+            </a:r>
+            <a:r>
+              <a:rPr lang="en-US" sz="2600" i="1" dirty="0">
+                <a:solidFill>
+                  <a:schemeClr val="tx2">
+                    <a:lumMod val="50000"/>
+                  </a:schemeClr>
+                </a:solidFill>
+                <a:latin typeface="Oxygen" panose="02000503000000000000" pitchFamily="2" charset="0"/>
+              </a:rPr>
+              <a:t>Analysis: </a:t>
+            </a:r>
+            <a:r>
+              <a:rPr lang="en-US" sz="2600" dirty="0">
+                <a:solidFill>
+                  <a:schemeClr val="tx2">
+                    <a:lumMod val="50000"/>
+                  </a:schemeClr>
+                </a:solidFill>
+                <a:latin typeface="Oxygen" panose="02000503000000000000" pitchFamily="2" charset="0"/>
+              </a:rPr>
+              <a:t> ADLs are focused on system analyses</a:t>
+            </a:r>
+          </a:p>
+          <a:p>
+            <a:pPr marL="457200" indent="-457200">
+              <a:buFont typeface="Arial" panose="020B0604020202020204" pitchFamily="34" charset="0"/>
+              <a:buChar char="•"/>
+            </a:pPr>
+            <a:r>
+              <a:rPr lang="en-US" sz="2600" dirty="0">
+                <a:solidFill>
+                  <a:schemeClr val="tx2">
+                    <a:lumMod val="50000"/>
+                  </a:schemeClr>
+                </a:solidFill>
+                <a:latin typeface="Oxygen" panose="02000503000000000000" pitchFamily="2" charset="0"/>
+              </a:rPr>
+              <a:t>(+)</a:t>
+            </a:r>
+            <a:r>
+              <a:rPr lang="en-US" sz="2600" i="1" dirty="0">
+                <a:solidFill>
+                  <a:schemeClr val="tx2">
+                    <a:lumMod val="50000"/>
+                  </a:schemeClr>
+                </a:solidFill>
+                <a:latin typeface="Oxygen" panose="02000503000000000000" pitchFamily="2" charset="0"/>
+              </a:rPr>
+              <a:t> Formal Notation:  </a:t>
+            </a:r>
+            <a:r>
+              <a:rPr lang="en-US" sz="2600" dirty="0">
+                <a:solidFill>
+                  <a:schemeClr val="tx2">
+                    <a:lumMod val="50000"/>
+                  </a:schemeClr>
+                </a:solidFill>
+                <a:latin typeface="Oxygen" panose="02000503000000000000" pitchFamily="2" charset="0"/>
+              </a:rPr>
+              <a:t>Currently, ADLs are the most formal  mainstream architecture tools available</a:t>
+            </a:r>
+          </a:p>
+          <a:p>
+            <a:pPr marL="457200" indent="-457200">
+              <a:buFont typeface="Arial" panose="020B0604020202020204" pitchFamily="34" charset="0"/>
+              <a:buChar char="•"/>
+            </a:pPr>
+            <a:endParaRPr lang="en-US" sz="3200" b="1" dirty="0">
+              <a:solidFill>
+                <a:schemeClr val="tx2">
+                  <a:lumMod val="50000"/>
+                </a:schemeClr>
+              </a:solidFill>
+              <a:latin typeface="Oxygen" panose="02000503000000000000" pitchFamily="2" charset="0"/>
+            </a:endParaRPr>
+          </a:p>
+          <a:p>
+            <a:r>
+              <a:rPr lang="en-US" sz="3200" b="1" dirty="0">
+                <a:solidFill>
+                  <a:schemeClr val="tx2">
+                    <a:lumMod val="50000"/>
+                  </a:schemeClr>
+                </a:solidFill>
+                <a:latin typeface="Oxygen" panose="02000503000000000000" pitchFamily="2" charset="0"/>
+              </a:rPr>
+              <a:t>ArchJava   </a:t>
+            </a:r>
+            <a:r>
+              <a:rPr lang="en-US" sz="3200" dirty="0">
+                <a:solidFill>
+                  <a:schemeClr val="tx2">
+                    <a:lumMod val="50000"/>
+                  </a:schemeClr>
+                </a:solidFill>
+                <a:latin typeface="Oxygen" panose="02000503000000000000" pitchFamily="2" charset="0"/>
+              </a:rPr>
+              <a:t>Java extension unifying SWA and implementation</a:t>
+            </a:r>
+            <a:endParaRPr lang="en-US" sz="3200" b="1" dirty="0">
+              <a:solidFill>
+                <a:schemeClr val="tx2">
+                  <a:lumMod val="50000"/>
+                </a:schemeClr>
+              </a:solidFill>
+              <a:latin typeface="Oxygen" panose="02000503000000000000" pitchFamily="2" charset="0"/>
+            </a:endParaRPr>
+          </a:p>
+          <a:p>
+            <a:pPr marL="457200" indent="-457200">
+              <a:buFont typeface="Arial" panose="020B0604020202020204" pitchFamily="34" charset="0"/>
+              <a:buChar char="•"/>
+            </a:pPr>
+            <a:r>
+              <a:rPr lang="en-US" sz="2600" dirty="0">
+                <a:solidFill>
+                  <a:schemeClr val="tx2">
+                    <a:lumMod val="50000"/>
+                  </a:schemeClr>
+                </a:solidFill>
+                <a:latin typeface="Oxygen" panose="02000503000000000000" pitchFamily="2" charset="0"/>
+              </a:rPr>
+              <a:t>(-) </a:t>
+            </a:r>
+            <a:r>
+              <a:rPr lang="en-US" sz="2600" i="1" dirty="0">
+                <a:solidFill>
+                  <a:schemeClr val="tx2">
+                    <a:lumMod val="50000"/>
+                  </a:schemeClr>
+                </a:solidFill>
+                <a:latin typeface="Oxygen" panose="02000503000000000000" pitchFamily="2" charset="0"/>
+              </a:rPr>
+              <a:t>Application:</a:t>
+            </a:r>
+            <a:r>
+              <a:rPr lang="en-US" sz="2600" dirty="0">
+                <a:solidFill>
+                  <a:schemeClr val="tx2">
+                    <a:lumMod val="50000"/>
+                  </a:schemeClr>
+                </a:solidFill>
+                <a:latin typeface="Oxygen" panose="02000503000000000000" pitchFamily="2" charset="0"/>
+              </a:rPr>
+              <a:t>  Does not do anything interesting with SWA (i.e. checks)</a:t>
+            </a:r>
+          </a:p>
+          <a:p>
+            <a:pPr marL="457200" indent="-457200">
+              <a:buFont typeface="Arial" panose="020B0604020202020204" pitchFamily="34" charset="0"/>
+              <a:buChar char="•"/>
+            </a:pPr>
+            <a:r>
+              <a:rPr lang="en-US" sz="2600" dirty="0">
+                <a:solidFill>
+                  <a:schemeClr val="tx2">
+                    <a:lumMod val="50000"/>
+                  </a:schemeClr>
+                </a:solidFill>
+                <a:latin typeface="Oxygen" panose="02000503000000000000" pitchFamily="2" charset="0"/>
+              </a:rPr>
+              <a:t>(-) </a:t>
+            </a:r>
+            <a:r>
+              <a:rPr lang="en-US" sz="2600" i="1" dirty="0">
+                <a:solidFill>
+                  <a:schemeClr val="tx2">
+                    <a:lumMod val="50000"/>
+                  </a:schemeClr>
+                </a:solidFill>
+                <a:latin typeface="Oxygen" panose="02000503000000000000" pitchFamily="2" charset="0"/>
+              </a:rPr>
+              <a:t>Distributed Systems:  </a:t>
+            </a:r>
+            <a:r>
+              <a:rPr lang="en-US" sz="2600" dirty="0">
+                <a:solidFill>
+                  <a:schemeClr val="tx2">
+                    <a:lumMod val="50000"/>
+                  </a:schemeClr>
+                </a:solidFill>
+                <a:latin typeface="Oxygen" panose="02000503000000000000" pitchFamily="2" charset="0"/>
+              </a:rPr>
+              <a:t>No support for distributed systems</a:t>
+            </a:r>
+          </a:p>
+          <a:p>
+            <a:pPr marL="457200" indent="-457200">
+              <a:buFont typeface="Arial" panose="020B0604020202020204" pitchFamily="34" charset="0"/>
+              <a:buChar char="•"/>
+            </a:pPr>
+            <a:r>
+              <a:rPr lang="en-US" sz="2600" dirty="0">
+                <a:solidFill>
+                  <a:schemeClr val="tx2">
+                    <a:lumMod val="50000"/>
+                  </a:schemeClr>
+                </a:solidFill>
+                <a:latin typeface="Oxygen" panose="02000503000000000000" pitchFamily="2" charset="0"/>
+              </a:rPr>
+              <a:t>(-) </a:t>
+            </a:r>
+            <a:r>
+              <a:rPr lang="en-US" sz="2600" i="1" dirty="0">
+                <a:solidFill>
+                  <a:schemeClr val="tx2">
+                    <a:lumMod val="50000"/>
+                  </a:schemeClr>
+                </a:solidFill>
+                <a:latin typeface="Oxygen" panose="02000503000000000000" pitchFamily="2" charset="0"/>
+              </a:rPr>
+              <a:t>Multiple SWA Views:</a:t>
+            </a:r>
+            <a:r>
+              <a:rPr lang="en-US" sz="2600" dirty="0">
+                <a:solidFill>
+                  <a:schemeClr val="tx2">
+                    <a:lumMod val="50000"/>
+                  </a:schemeClr>
+                </a:solidFill>
+                <a:latin typeface="Oxygen" panose="02000503000000000000" pitchFamily="2" charset="0"/>
+              </a:rPr>
+              <a:t>  Lacks support for multiple architecture views; focuses only on Component-and-Connector view.</a:t>
+            </a:r>
+          </a:p>
+          <a:p>
+            <a:pPr marL="457200" indent="-457200">
+              <a:buFont typeface="Arial" panose="020B0604020202020204" pitchFamily="34" charset="0"/>
+              <a:buChar char="•"/>
+            </a:pPr>
+            <a:endParaRPr lang="en-US" sz="2600" dirty="0">
+              <a:solidFill>
+                <a:schemeClr val="tx2">
+                  <a:lumMod val="50000"/>
+                </a:schemeClr>
+              </a:solidFill>
+              <a:latin typeface="Oxygen" panose="02000503000000000000" pitchFamily="2" charset="0"/>
+            </a:endParaRPr>
+          </a:p>
+          <a:p>
+            <a:pPr marL="457200" indent="-457200" algn="r">
+              <a:buFont typeface="Arial" panose="020B0604020202020204" pitchFamily="34" charset="0"/>
+              <a:buChar char="•"/>
+            </a:pPr>
+            <a:endParaRPr lang="en-US" sz="3200" b="1" dirty="0">
+              <a:solidFill>
+                <a:schemeClr val="tx2">
+                  <a:lumMod val="50000"/>
+                </a:schemeClr>
+              </a:solidFill>
+              <a:latin typeface="Oxygen" panose="02000503000000000000" pitchFamily="2" charset="0"/>
+            </a:endParaRPr>
+          </a:p>
+          <a:p>
+            <a:pPr marL="457200" indent="-457200">
+              <a:buFont typeface="Arial" panose="020B0604020202020204" pitchFamily="34" charset="0"/>
+              <a:buChar char="•"/>
+            </a:pPr>
+            <a:endParaRPr lang="en-US" sz="2600" dirty="0">
+              <a:solidFill>
+                <a:schemeClr val="tx2">
+                  <a:lumMod val="50000"/>
+                </a:schemeClr>
+              </a:solidFill>
+              <a:latin typeface="Oxygen" panose="02000503000000000000" pitchFamily="2" charset="0"/>
+            </a:endParaRPr>
+          </a:p>
+          <a:p>
+            <a:pPr marL="457200" indent="-457200">
+              <a:buFont typeface="Arial" panose="020B0604020202020204" pitchFamily="34" charset="0"/>
+              <a:buChar char="•"/>
+            </a:pPr>
             <a:endParaRPr lang="en-US" sz="2800" dirty="0">
               <a:solidFill>
                 <a:schemeClr val="tx2">
@@ -5262,38 +5660,7 @@
             </a:endParaRPr>
           </a:p>
           <a:p>
-            <a:endParaRPr lang="en-US" sz="2800" dirty="0">
-              <a:solidFill>
-                <a:schemeClr val="tx2">
-                  <a:lumMod val="50000"/>
-                </a:schemeClr>
-              </a:solidFill>
-              <a:latin typeface="Oxygen" panose="02000503000000000000" pitchFamily="2" charset="0"/>
-            </a:endParaRPr>
-          </a:p>
-          <a:p>
-            <a:r>
-              <a:rPr lang="en-US" sz="2800" dirty="0" err="1">
-                <a:solidFill>
-                  <a:schemeClr val="tx2">
-                    <a:lumMod val="50000"/>
-                  </a:schemeClr>
-                </a:solidFill>
-                <a:latin typeface="Oxygen" panose="02000503000000000000" pitchFamily="2" charset="0"/>
-              </a:rPr>
-              <a:t>ArchJava</a:t>
-            </a:r>
-            <a:endParaRPr lang="en-US" sz="2800" dirty="0">
-              <a:solidFill>
-                <a:schemeClr val="tx2">
-                  <a:lumMod val="50000"/>
-                </a:schemeClr>
-              </a:solidFill>
-              <a:latin typeface="Oxygen" panose="02000503000000000000" pitchFamily="2" charset="0"/>
-            </a:endParaRPr>
-          </a:p>
-          <a:p>
-            <a:endParaRPr lang="en-US" sz="2800" dirty="0">
+            <a:endParaRPr lang="en-US" sz="2800" b="1" dirty="0">
               <a:solidFill>
                 <a:schemeClr val="tx2">
                   <a:lumMod val="50000"/>

--- a/CMU REUSE 2017 Poster.pptx
+++ b/CMU REUSE 2017 Poster.pptx
@@ -5714,8 +5714,12 @@
           <a:bodyPr rtlCol="0" anchor="ctr"/>
           <a:lstStyle/>
           <a:p>
+            <a:pPr marL="457200" indent="-457200">
+              <a:buFont typeface="Arial" panose="020B0604020202020204" pitchFamily="34" charset="0"/>
+              <a:buChar char="•"/>
+            </a:pPr>
             <a:r>
-              <a:rPr lang="en-US" sz="3000" dirty="0">
+              <a:rPr lang="en-US" sz="2800" dirty="0">
                 <a:solidFill>
                   <a:schemeClr val="tx2">
                     <a:lumMod val="50000"/>
@@ -5723,7 +5727,196 @@
                 </a:solidFill>
                 <a:latin typeface="Oxygen" panose="02000503000000000000" pitchFamily="2" charset="0"/>
               </a:rPr>
-              <a:t>Readability, Conformance(?), Communication Integrity, SWA as a live component, 3 SWA views</a:t>
+              <a:t>Makes software architecture a </a:t>
+            </a:r>
+            <a:r>
+              <a:rPr lang="en-US" sz="2800" b="1" dirty="0">
+                <a:solidFill>
+                  <a:schemeClr val="tx2">
+                    <a:lumMod val="50000"/>
+                  </a:schemeClr>
+                </a:solidFill>
+                <a:latin typeface="Oxygen" panose="02000503000000000000" pitchFamily="2" charset="0"/>
+              </a:rPr>
+              <a:t>"live" component </a:t>
+            </a:r>
+            <a:r>
+              <a:rPr lang="en-US" sz="2800" dirty="0">
+                <a:solidFill>
+                  <a:schemeClr val="tx2">
+                    <a:lumMod val="50000"/>
+                  </a:schemeClr>
+                </a:solidFill>
+                <a:latin typeface="Oxygen" panose="02000503000000000000" pitchFamily="2" charset="0"/>
+              </a:rPr>
+              <a:t>of Trinity systems</a:t>
+            </a:r>
+          </a:p>
+          <a:p>
+            <a:pPr marL="457200" indent="-457200">
+              <a:buFont typeface="Arial" panose="020B0604020202020204" pitchFamily="34" charset="0"/>
+              <a:buChar char="•"/>
+            </a:pPr>
+            <a:r>
+              <a:rPr lang="en-US" sz="2800" dirty="0">
+                <a:solidFill>
+                  <a:schemeClr val="tx2">
+                    <a:lumMod val="50000"/>
+                  </a:schemeClr>
+                </a:solidFill>
+                <a:latin typeface="Oxygen" panose="02000503000000000000" pitchFamily="2" charset="0"/>
+              </a:rPr>
+              <a:t>Trinity enforced </a:t>
+            </a:r>
+            <a:r>
+              <a:rPr lang="en-US" sz="2800" b="1" dirty="0">
+                <a:solidFill>
+                  <a:schemeClr val="tx2">
+                    <a:lumMod val="50000"/>
+                  </a:schemeClr>
+                </a:solidFill>
+                <a:latin typeface="Oxygen" panose="02000503000000000000" pitchFamily="2" charset="0"/>
+              </a:rPr>
+              <a:t>architecture conformance </a:t>
+            </a:r>
+            <a:r>
+              <a:rPr lang="en-US" sz="2800" dirty="0">
+                <a:solidFill>
+                  <a:schemeClr val="tx2">
+                    <a:lumMod val="50000"/>
+                  </a:schemeClr>
+                </a:solidFill>
+                <a:latin typeface="Oxygen" panose="02000503000000000000" pitchFamily="2" charset="0"/>
+              </a:rPr>
+              <a:t>complements ADL analyses</a:t>
+            </a:r>
+          </a:p>
+          <a:p>
+            <a:pPr marL="457200" indent="-457200">
+              <a:buFont typeface="Arial" panose="020B0604020202020204" pitchFamily="34" charset="0"/>
+              <a:buChar char="•"/>
+            </a:pPr>
+            <a:r>
+              <a:rPr lang="en-US" sz="2800" dirty="0">
+                <a:solidFill>
+                  <a:schemeClr val="tx2">
+                    <a:lumMod val="50000"/>
+                  </a:schemeClr>
+                </a:solidFill>
+                <a:latin typeface="Oxygen" panose="02000503000000000000" pitchFamily="2" charset="0"/>
+              </a:rPr>
+              <a:t>Directly translate the conceptual entities from SWA views into </a:t>
+            </a:r>
+            <a:r>
+              <a:rPr lang="en-US" sz="2800" b="1" dirty="0">
+                <a:solidFill>
+                  <a:schemeClr val="tx2">
+                    <a:lumMod val="50000"/>
+                  </a:schemeClr>
+                </a:solidFill>
+                <a:latin typeface="Oxygen" panose="02000503000000000000" pitchFamily="2" charset="0"/>
+              </a:rPr>
+              <a:t>code-enforced constructs</a:t>
+            </a:r>
+          </a:p>
+          <a:p>
+            <a:pPr marL="457200" lvl="2" indent="-457200">
+              <a:buFont typeface="Arial" panose="020B0604020202020204" pitchFamily="34" charset="0"/>
+              <a:buChar char="•"/>
+            </a:pPr>
+            <a:r>
+              <a:rPr lang="en-US" sz="2800" dirty="0">
+                <a:solidFill>
+                  <a:schemeClr val="tx2">
+                    <a:lumMod val="50000"/>
+                  </a:schemeClr>
+                </a:solidFill>
+                <a:latin typeface="Oxygen" panose="02000503000000000000" pitchFamily="2" charset="0"/>
+              </a:rPr>
+              <a:t>Support for </a:t>
+            </a:r>
+            <a:r>
+              <a:rPr lang="en-US" sz="2800" b="1" dirty="0">
+                <a:solidFill>
+                  <a:schemeClr val="tx2">
+                    <a:lumMod val="50000"/>
+                  </a:schemeClr>
+                </a:solidFill>
+                <a:latin typeface="Oxygen" panose="02000503000000000000" pitchFamily="2" charset="0"/>
+              </a:rPr>
+              <a:t>all three software architecture views </a:t>
+            </a:r>
+            <a:r>
+              <a:rPr lang="en-US" sz="2800" dirty="0">
+                <a:solidFill>
+                  <a:schemeClr val="tx2">
+                    <a:lumMod val="50000"/>
+                  </a:schemeClr>
+                </a:solidFill>
+                <a:latin typeface="Oxygen" panose="02000503000000000000" pitchFamily="2" charset="0"/>
+              </a:rPr>
+              <a:t>(module or code, </a:t>
+            </a:r>
+            <a:r>
+              <a:rPr lang="en-US" sz="2800" dirty="0" err="1">
+                <a:solidFill>
+                  <a:schemeClr val="tx2">
+                    <a:lumMod val="50000"/>
+                  </a:schemeClr>
+                </a:solidFill>
+                <a:latin typeface="Oxygen" panose="02000503000000000000" pitchFamily="2" charset="0"/>
+              </a:rPr>
+              <a:t>CnC</a:t>
+            </a:r>
+            <a:r>
+              <a:rPr lang="en-US" sz="2800" dirty="0">
+                <a:solidFill>
+                  <a:schemeClr val="tx2">
+                    <a:lumMod val="50000"/>
+                  </a:schemeClr>
+                </a:solidFill>
+                <a:latin typeface="Oxygen" panose="02000503000000000000" pitchFamily="2" charset="0"/>
+              </a:rPr>
+              <a:t>, and deployment).</a:t>
+            </a:r>
+          </a:p>
+          <a:p>
+            <a:pPr marL="457200" indent="-457200">
+              <a:buFont typeface="Arial" panose="020B0604020202020204" pitchFamily="34" charset="0"/>
+              <a:buChar char="•"/>
+            </a:pPr>
+            <a:r>
+              <a:rPr lang="en-US" sz="2800" dirty="0">
+                <a:solidFill>
+                  <a:schemeClr val="tx2">
+                    <a:lumMod val="50000"/>
+                  </a:schemeClr>
+                </a:solidFill>
+                <a:latin typeface="Oxygen" panose="02000503000000000000" pitchFamily="2" charset="0"/>
+              </a:rPr>
+              <a:t>Support for architecture conformance in </a:t>
+            </a:r>
+            <a:r>
+              <a:rPr lang="en-US" sz="2800" b="1" dirty="0">
+                <a:solidFill>
+                  <a:schemeClr val="tx2">
+                    <a:lumMod val="50000"/>
+                  </a:schemeClr>
+                </a:solidFill>
+                <a:latin typeface="Oxygen" panose="02000503000000000000" pitchFamily="2" charset="0"/>
+              </a:rPr>
+              <a:t>distributed systems</a:t>
+            </a:r>
+            <a:r>
+              <a:rPr lang="en-US" sz="2800" dirty="0">
+                <a:solidFill>
+                  <a:schemeClr val="tx2">
+                    <a:lumMod val="50000"/>
+                  </a:schemeClr>
+                </a:solidFill>
+                <a:latin typeface="Oxygen" panose="02000503000000000000" pitchFamily="2" charset="0"/>
+              </a:rPr>
+              <a:t>.</a:t>
             </a:r>
           </a:p>
         </p:txBody>
@@ -6022,9 +6215,9 @@
         <p:grpSpPr>
           <a:xfrm>
             <a:off x="659567" y="8095201"/>
-            <a:ext cx="10194379" cy="12083053"/>
+            <a:ext cx="10194379" cy="12179305"/>
             <a:chOff x="659567" y="8095201"/>
-            <a:chExt cx="10194379" cy="12083053"/>
+            <a:chExt cx="10194379" cy="12179305"/>
           </a:xfrm>
         </p:grpSpPr>
         <p:sp>
@@ -6076,9 +6269,9 @@
           <p:grpSpPr>
             <a:xfrm>
               <a:off x="659567" y="8956974"/>
-              <a:ext cx="10194379" cy="11221280"/>
+              <a:ext cx="10194379" cy="11317532"/>
               <a:chOff x="659567" y="8956974"/>
-              <a:chExt cx="10194379" cy="11221280"/>
+              <a:chExt cx="10194379" cy="11317532"/>
             </a:xfrm>
           </p:grpSpPr>
           <p:sp>
@@ -6523,9 +6716,9 @@
             <p:grpSpPr>
               <a:xfrm>
                 <a:off x="659567" y="8956974"/>
-                <a:ext cx="10194379" cy="11221280"/>
+                <a:ext cx="10194379" cy="11317532"/>
                 <a:chOff x="659567" y="8956974"/>
-                <a:chExt cx="10194379" cy="11221280"/>
+                <a:chExt cx="10194379" cy="11317532"/>
               </a:xfrm>
             </p:grpSpPr>
             <p:grpSp>
@@ -7401,7 +7594,7 @@
               </p:nvSpPr>
               <p:spPr>
                 <a:xfrm>
-                  <a:off x="1841806" y="16777323"/>
+                  <a:off x="1841806" y="16873575"/>
                   <a:ext cx="5937816" cy="3400931"/>
                 </a:xfrm>
                 <a:prstGeom prst="rect">

--- a/CMU REUSE 2017 Poster.pptx
+++ b/CMU REUSE 2017 Poster.pptx
@@ -5205,7 +5205,7 @@
         <p:spPr>
           <a:xfrm>
             <a:off x="17951116" y="5174748"/>
-            <a:ext cx="11784151" cy="5666549"/>
+            <a:ext cx="11784151" cy="7079729"/>
           </a:xfrm>
           <a:prstGeom prst="roundRect">
             <a:avLst/>
@@ -5679,8 +5679,8 @@
         </p:nvSpPr>
         <p:spPr>
           <a:xfrm>
-            <a:off x="17951116" y="11702226"/>
-            <a:ext cx="11784151" cy="7205569"/>
+            <a:off x="17968957" y="13425482"/>
+            <a:ext cx="11766310" cy="5482313"/>
           </a:xfrm>
           <a:prstGeom prst="roundRect">
             <a:avLst/>
@@ -6049,7 +6049,7 @@
         </p:nvGrpSpPr>
         <p:grpSpPr>
           <a:xfrm>
-            <a:off x="22051488" y="11145111"/>
+            <a:off x="22195266" y="12874644"/>
             <a:ext cx="6537859" cy="1114227"/>
             <a:chOff x="18044874" y="4181981"/>
             <a:chExt cx="6537859" cy="1497890"/>

--- a/CMU REUSE 2017 Poster.pptx
+++ b/CMU REUSE 2017 Poster.pptx
@@ -4638,7 +4638,7 @@
           <a:lstStyle/>
           <a:p>
             <a:pPr algn="ctr"/>
-            <a:endParaRPr lang="en-US"/>
+            <a:endParaRPr lang="en-US" dirty="0"/>
           </a:p>
         </p:txBody>
       </p:sp>
@@ -5170,7 +5170,7 @@
           <p:spPr>
             <a:xfrm>
               <a:off x="-16462" y="4129408"/>
-              <a:ext cx="9073037" cy="1092607"/>
+              <a:ext cx="9073037" cy="1092608"/>
             </a:xfrm>
             <a:prstGeom prst="rect">
               <a:avLst/>
@@ -5445,7 +5445,7 @@
               <a:buFont typeface="Arial" panose="020B0604020202020204" pitchFamily="34" charset="0"/>
               <a:buChar char="•"/>
             </a:pPr>
-            <a:endParaRPr lang="en-US" sz="3200" b="1" dirty="0">
+            <a:endParaRPr lang="en-US" sz="3100" b="1" dirty="0">
               <a:solidFill>
                 <a:schemeClr val="tx2">
                   <a:lumMod val="50000"/>
@@ -5456,7 +5456,7 @@
           </a:p>
           <a:p>
             <a:r>
-              <a:rPr lang="en-US" sz="3200" b="1" dirty="0">
+              <a:rPr lang="en-US" sz="3100" b="1" dirty="0">
                 <a:solidFill>
                   <a:schemeClr val="tx2">
                     <a:lumMod val="50000"/>
@@ -5467,7 +5467,7 @@
               <a:t>ArchJava   </a:t>
             </a:r>
             <a:r>
-              <a:rPr lang="en-US" sz="3200" dirty="0">
+              <a:rPr lang="en-US" sz="3100" dirty="0">
                 <a:solidFill>
                   <a:schemeClr val="tx2">
                     <a:lumMod val="50000"/>
@@ -5477,7 +5477,7 @@
               </a:rPr>
               <a:t>Java extension unifying SWA and implementation</a:t>
             </a:r>
-            <a:endParaRPr lang="en-US" sz="3200" b="1" dirty="0">
+            <a:endParaRPr lang="en-US" sz="3100" b="1" dirty="0">
               <a:solidFill>
                 <a:schemeClr val="tx2">
                   <a:lumMod val="50000"/>
@@ -5713,6 +5713,20 @@
         <p:txBody>
           <a:bodyPr rtlCol="0" anchor="ctr"/>
           <a:lstStyle/>
+          <a:p>
+            <a:pPr marL="457200" indent="-457200">
+              <a:buFont typeface="Arial" panose="020B0604020202020204" pitchFamily="34" charset="0"/>
+              <a:buChar char="•"/>
+            </a:pPr>
+            <a:endParaRPr lang="en-US" sz="2800" dirty="0">
+              <a:solidFill>
+                <a:schemeClr val="tx2">
+                  <a:lumMod val="50000"/>
+                </a:schemeClr>
+              </a:solidFill>
+              <a:latin typeface="Oxygen" panose="02000503000000000000" pitchFamily="2" charset="0"/>
+            </a:endParaRPr>
+          </a:p>
           <a:p>
             <a:pPr marL="457200" indent="-457200">
               <a:buFont typeface="Arial" panose="020B0604020202020204" pitchFamily="34" charset="0"/>
@@ -6169,7 +6183,7 @@
         </p:nvSpPr>
         <p:spPr>
           <a:xfrm>
-            <a:off x="5233896" y="6047636"/>
+            <a:off x="5496801" y="6047712"/>
             <a:ext cx="12478917" cy="1938992"/>
           </a:xfrm>
           <a:prstGeom prst="rect">
@@ -6214,10 +6228,10 @@
         </p:nvGrpSpPr>
         <p:grpSpPr>
           <a:xfrm>
-            <a:off x="659567" y="8095201"/>
-            <a:ext cx="10194379" cy="12179305"/>
-            <a:chOff x="659567" y="8095201"/>
-            <a:chExt cx="10194379" cy="12179305"/>
+            <a:off x="719899" y="8095201"/>
+            <a:ext cx="10134047" cy="12179305"/>
+            <a:chOff x="719899" y="8095201"/>
+            <a:chExt cx="10134047" cy="12179305"/>
           </a:xfrm>
         </p:grpSpPr>
         <p:sp>
@@ -6268,10 +6282,10 @@
           </p:nvGrpSpPr>
           <p:grpSpPr>
             <a:xfrm>
-              <a:off x="659567" y="8956974"/>
-              <a:ext cx="10194379" cy="11317532"/>
-              <a:chOff x="659567" y="8956974"/>
-              <a:chExt cx="10194379" cy="11317532"/>
+              <a:off x="719899" y="8956974"/>
+              <a:ext cx="10134047" cy="11317532"/>
+              <a:chOff x="719899" y="8956974"/>
+              <a:chExt cx="10134047" cy="11317532"/>
             </a:xfrm>
           </p:grpSpPr>
           <p:sp>
@@ -6715,10 +6729,10 @@
             </p:nvGrpSpPr>
             <p:grpSpPr>
               <a:xfrm>
-                <a:off x="659567" y="8956974"/>
-                <a:ext cx="10194379" cy="11317532"/>
-                <a:chOff x="659567" y="8956974"/>
-                <a:chExt cx="10194379" cy="11317532"/>
+                <a:off x="719899" y="8956974"/>
+                <a:ext cx="10134047" cy="11317532"/>
+                <a:chOff x="719899" y="8956974"/>
+                <a:chExt cx="10134047" cy="11317532"/>
               </a:xfrm>
             </p:grpSpPr>
             <p:grpSp>
@@ -6729,10 +6743,10 @@
               </p:nvGrpSpPr>
               <p:grpSpPr>
                 <a:xfrm>
-                  <a:off x="659567" y="8956974"/>
-                  <a:ext cx="10194379" cy="10881629"/>
-                  <a:chOff x="1577981" y="5906435"/>
-                  <a:chExt cx="9011111" cy="13240385"/>
+                  <a:off x="719899" y="8956974"/>
+                  <a:ext cx="10134047" cy="10881629"/>
+                  <a:chOff x="1631310" y="5906435"/>
+                  <a:chExt cx="8957782" cy="13240385"/>
                 </a:xfrm>
               </p:grpSpPr>
               <p:grpSp>
@@ -6743,10 +6757,10 @@
                 </p:nvGrpSpPr>
                 <p:grpSpPr>
                   <a:xfrm>
-                    <a:off x="1577981" y="5906435"/>
-                    <a:ext cx="7770353" cy="13240385"/>
-                    <a:chOff x="1467478" y="5729527"/>
-                    <a:chExt cx="7770353" cy="13240385"/>
+                    <a:off x="1631310" y="5906435"/>
+                    <a:ext cx="7717024" cy="13240385"/>
+                    <a:chOff x="1520807" y="5729527"/>
+                    <a:chExt cx="7717024" cy="13240385"/>
                   </a:xfrm>
                 </p:grpSpPr>
                 <p:grpSp>
@@ -6757,10 +6771,10 @@
                   </p:nvGrpSpPr>
                   <p:grpSpPr>
                     <a:xfrm>
-                      <a:off x="1467478" y="5729527"/>
-                      <a:ext cx="7770353" cy="13240382"/>
-                      <a:chOff x="1467478" y="5729527"/>
-                      <a:chExt cx="7770353" cy="13240382"/>
+                      <a:off x="1520807" y="5729527"/>
+                      <a:ext cx="7717024" cy="13240382"/>
+                      <a:chOff x="1520807" y="5729527"/>
+                      <a:chExt cx="7717024" cy="13240382"/>
                     </a:xfrm>
                   </p:grpSpPr>
                   <p:grpSp>
@@ -7178,8 +7192,8 @@
                     </p:nvSpPr>
                     <p:spPr>
                       <a:xfrm rot="16200000">
-                        <a:off x="123841" y="11942212"/>
-                        <a:ext cx="3639460" cy="952185"/>
+                        <a:off x="20358" y="11785324"/>
+                        <a:ext cx="4022220" cy="952185"/>
                       </a:xfrm>
                       <a:prstGeom prst="rect">
                         <a:avLst/>
@@ -7196,16 +7210,19 @@
                           <a:rPr lang="en-US" sz="3200" dirty="0">
                             <a:latin typeface="Oxygen" panose="02000503000000000000" pitchFamily="2" charset="0"/>
                           </a:rPr>
-                          <a:t>Component </a:t>
+                          <a:t>Component and Connector (</a:t>
                         </a:r>
-                      </a:p>
-                      <a:p>
-                        <a:pPr algn="ctr"/>
+                        <a:r>
+                          <a:rPr lang="en-US" sz="3200" dirty="0" err="1">
+                            <a:latin typeface="Oxygen" panose="02000503000000000000" pitchFamily="2" charset="0"/>
+                          </a:rPr>
+                          <a:t>CnC</a:t>
+                        </a:r>
                         <a:r>
                           <a:rPr lang="en-US" sz="3200" dirty="0">
                             <a:latin typeface="Oxygen" panose="02000503000000000000" pitchFamily="2" charset="0"/>
                           </a:rPr>
-                          <a:t>and Connector</a:t>
+                          <a:t>)</a:t>
                         </a:r>
                       </a:p>
                     </p:txBody>
@@ -7779,6 +7796,422 @@
           </p:grpSp>
         </p:grpSp>
       </p:grpSp>
+      <p:sp>
+        <p:nvSpPr>
+          <p:cNvPr id="119" name="TextBox 118"/>
+          <p:cNvSpPr txBox="1"/>
+          <p:nvPr/>
+        </p:nvSpPr>
+        <p:spPr>
+          <a:xfrm>
+            <a:off x="759006" y="23129086"/>
+            <a:ext cx="10598612" cy="4247317"/>
+          </a:xfrm>
+          <a:prstGeom prst="rect">
+            <a:avLst/>
+          </a:prstGeom>
+          <a:noFill/>
+        </p:spPr>
+        <p:txBody>
+          <a:bodyPr wrap="square" rtlCol="0">
+            <a:spAutoFit/>
+          </a:bodyPr>
+          <a:lstStyle/>
+          <a:p>
+            <a:r>
+              <a:rPr lang="en-US" sz="3000" i="1" dirty="0">
+                <a:solidFill>
+                  <a:schemeClr val="accent1">
+                    <a:lumMod val="75000"/>
+                  </a:schemeClr>
+                </a:solidFill>
+                <a:latin typeface="Oxygen" panose="02000503000000000000" pitchFamily="2" charset="0"/>
+              </a:rPr>
+              <a:t>Architecture concepts are runtime entities in Trinity</a:t>
+            </a:r>
+            <a:endParaRPr lang="en-US" sz="3000" dirty="0">
+              <a:solidFill>
+                <a:schemeClr val="accent1">
+                  <a:lumMod val="75000"/>
+                </a:schemeClr>
+              </a:solidFill>
+              <a:latin typeface="Oxygen" panose="02000503000000000000" pitchFamily="2" charset="0"/>
+            </a:endParaRPr>
+          </a:p>
+          <a:p>
+            <a:endParaRPr lang="en-US" sz="3000" i="1" dirty="0">
+              <a:solidFill>
+                <a:schemeClr val="accent1">
+                  <a:lumMod val="75000"/>
+                </a:schemeClr>
+              </a:solidFill>
+              <a:latin typeface="Oxygen" panose="02000503000000000000" pitchFamily="2" charset="0"/>
+            </a:endParaRPr>
+          </a:p>
+          <a:p>
+            <a:endParaRPr lang="en-US" sz="3000" i="1" dirty="0">
+              <a:solidFill>
+                <a:schemeClr val="accent1">
+                  <a:lumMod val="75000"/>
+                </a:schemeClr>
+              </a:solidFill>
+              <a:latin typeface="Oxygen" panose="02000503000000000000" pitchFamily="2" charset="0"/>
+            </a:endParaRPr>
+          </a:p>
+          <a:p>
+            <a:r>
+              <a:rPr lang="en-US" sz="3000" dirty="0">
+                <a:solidFill>
+                  <a:schemeClr val="accent1">
+                    <a:lumMod val="75000"/>
+                  </a:schemeClr>
+                </a:solidFill>
+                <a:latin typeface="Oxygen" panose="02000503000000000000" pitchFamily="2" charset="0"/>
+              </a:rPr>
+              <a:t>&lt;This is an explanation of the different architecture entities in Trinity, not specific to an example&gt;</a:t>
+            </a:r>
+          </a:p>
+          <a:p>
+            <a:r>
+              <a:rPr lang="en-US" sz="3000" b="1" dirty="0">
+                <a:solidFill>
+                  <a:schemeClr val="accent1">
+                    <a:lumMod val="75000"/>
+                  </a:schemeClr>
+                </a:solidFill>
+                <a:latin typeface="Oxygen" panose="02000503000000000000" pitchFamily="2" charset="0"/>
+              </a:rPr>
+              <a:t>Component</a:t>
+            </a:r>
+          </a:p>
+          <a:p>
+            <a:r>
+              <a:rPr lang="en-US" sz="3000" b="1" dirty="0">
+                <a:solidFill>
+                  <a:schemeClr val="accent1">
+                    <a:lumMod val="75000"/>
+                  </a:schemeClr>
+                </a:solidFill>
+                <a:latin typeface="Oxygen" panose="02000503000000000000" pitchFamily="2" charset="0"/>
+              </a:rPr>
+              <a:t>Connector</a:t>
+            </a:r>
+          </a:p>
+          <a:p>
+            <a:r>
+              <a:rPr lang="en-US" sz="3000" b="1" dirty="0" err="1">
+                <a:solidFill>
+                  <a:schemeClr val="accent1">
+                    <a:lumMod val="75000"/>
+                  </a:schemeClr>
+                </a:solidFill>
+                <a:latin typeface="Oxygen" panose="02000503000000000000" pitchFamily="2" charset="0"/>
+              </a:rPr>
+              <a:t>entryPoints</a:t>
+            </a:r>
+            <a:r>
+              <a:rPr lang="en-US" sz="3000" b="1" dirty="0">
+                <a:solidFill>
+                  <a:schemeClr val="accent1">
+                    <a:lumMod val="75000"/>
+                  </a:schemeClr>
+                </a:solidFill>
+                <a:latin typeface="Oxygen" panose="02000503000000000000" pitchFamily="2" charset="0"/>
+              </a:rPr>
+              <a:t>(?)</a:t>
+            </a:r>
+          </a:p>
+          <a:p>
+            <a:endParaRPr lang="en-US" sz="3000" b="1" dirty="0">
+              <a:solidFill>
+                <a:schemeClr val="accent1">
+                  <a:lumMod val="75000"/>
+                </a:schemeClr>
+              </a:solidFill>
+              <a:latin typeface="Oxygen" panose="02000503000000000000" pitchFamily="2" charset="0"/>
+            </a:endParaRPr>
+          </a:p>
+        </p:txBody>
+      </p:sp>
+      <p:grpSp>
+        <p:nvGrpSpPr>
+          <p:cNvPr id="122" name="Group 121"/>
+          <p:cNvGrpSpPr/>
+          <p:nvPr/>
+        </p:nvGrpSpPr>
+        <p:grpSpPr>
+          <a:xfrm>
+            <a:off x="-820465" y="21233091"/>
+            <a:ext cx="8650551" cy="1477415"/>
+            <a:chOff x="-870930" y="22165668"/>
+            <a:chExt cx="9450261" cy="1723158"/>
+          </a:xfrm>
+        </p:grpSpPr>
+        <p:sp>
+          <p:nvSpPr>
+            <p:cNvPr id="120" name="Arrow: Chevron 119"/>
+            <p:cNvSpPr/>
+            <p:nvPr/>
+          </p:nvSpPr>
+          <p:spPr>
+            <a:xfrm rot="10800000">
+              <a:off x="-870930" y="22165668"/>
+              <a:ext cx="9450261" cy="1723158"/>
+            </a:xfrm>
+            <a:prstGeom prst="chevron">
+              <a:avLst/>
+            </a:prstGeom>
+            <a:ln>
+              <a:noFill/>
+            </a:ln>
+          </p:spPr>
+          <p:style>
+            <a:lnRef idx="2">
+              <a:schemeClr val="accent1">
+                <a:shade val="50000"/>
+              </a:schemeClr>
+            </a:lnRef>
+            <a:fillRef idx="1">
+              <a:schemeClr val="accent1"/>
+            </a:fillRef>
+            <a:effectRef idx="0">
+              <a:schemeClr val="accent1"/>
+            </a:effectRef>
+            <a:fontRef idx="minor">
+              <a:schemeClr val="lt1"/>
+            </a:fontRef>
+          </p:style>
+          <p:txBody>
+            <a:bodyPr rtlCol="0" anchor="ctr"/>
+            <a:lstStyle/>
+            <a:p>
+              <a:pPr algn="ctr"/>
+              <a:endParaRPr lang="en-US" sz="4000" dirty="0">
+                <a:solidFill>
+                  <a:schemeClr val="tx1"/>
+                </a:solidFill>
+                <a:latin typeface="Oxygen" panose="02000503000000000000" pitchFamily="2" charset="0"/>
+              </a:endParaRPr>
+            </a:p>
+          </p:txBody>
+        </p:sp>
+        <p:sp>
+          <p:nvSpPr>
+            <p:cNvPr id="121" name="TextBox 120"/>
+            <p:cNvSpPr txBox="1"/>
+            <p:nvPr/>
+          </p:nvSpPr>
+          <p:spPr>
+            <a:xfrm>
+              <a:off x="395115" y="22610693"/>
+              <a:ext cx="7258932" cy="825631"/>
+            </a:xfrm>
+            <a:prstGeom prst="rect">
+              <a:avLst/>
+            </a:prstGeom>
+            <a:noFill/>
+          </p:spPr>
+          <p:txBody>
+            <a:bodyPr wrap="square" rtlCol="0">
+              <a:spAutoFit/>
+            </a:bodyPr>
+            <a:lstStyle/>
+            <a:p>
+              <a:r>
+                <a:rPr lang="en-US" sz="4000" b="1" dirty="0">
+                  <a:solidFill>
+                    <a:schemeClr val="bg1">
+                      <a:lumMod val="85000"/>
+                    </a:schemeClr>
+                  </a:solidFill>
+                  <a:latin typeface="Oxygen" panose="02000503000000000000" pitchFamily="2" charset="0"/>
+                </a:rPr>
+                <a:t>Implementation Concepts</a:t>
+              </a:r>
+            </a:p>
+          </p:txBody>
+        </p:sp>
+      </p:grpSp>
+      <p:sp>
+        <p:nvSpPr>
+          <p:cNvPr id="123" name="TextBox 122"/>
+          <p:cNvSpPr txBox="1"/>
+          <p:nvPr/>
+        </p:nvSpPr>
+        <p:spPr>
+          <a:xfrm>
+            <a:off x="14499771" y="25307028"/>
+            <a:ext cx="8674536" cy="2862322"/>
+          </a:xfrm>
+          <a:prstGeom prst="rect">
+            <a:avLst/>
+          </a:prstGeom>
+          <a:noFill/>
+        </p:spPr>
+        <p:txBody>
+          <a:bodyPr wrap="square" rtlCol="0">
+            <a:spAutoFit/>
+          </a:bodyPr>
+          <a:lstStyle/>
+          <a:p>
+            <a:r>
+              <a:rPr lang="en-US" sz="3000" b="1" dirty="0">
+                <a:solidFill>
+                  <a:schemeClr val="accent1">
+                    <a:lumMod val="75000"/>
+                  </a:schemeClr>
+                </a:solidFill>
+                <a:latin typeface="Oxygen" panose="02000503000000000000" pitchFamily="2" charset="0"/>
+              </a:rPr>
+              <a:t>Demonstrated Principles</a:t>
+            </a:r>
+          </a:p>
+          <a:p>
+            <a:endParaRPr lang="en-US" sz="3000" b="1" dirty="0">
+              <a:solidFill>
+                <a:schemeClr val="accent1">
+                  <a:lumMod val="75000"/>
+                </a:schemeClr>
+              </a:solidFill>
+              <a:latin typeface="Oxygen" panose="02000503000000000000" pitchFamily="2" charset="0"/>
+            </a:endParaRPr>
+          </a:p>
+          <a:p>
+            <a:pPr marL="457200" indent="-457200">
+              <a:buFont typeface="Arial" panose="020B0604020202020204" pitchFamily="34" charset="0"/>
+              <a:buChar char="•"/>
+            </a:pPr>
+            <a:r>
+              <a:rPr lang="en-US" sz="3000" dirty="0">
+                <a:solidFill>
+                  <a:schemeClr val="accent1">
+                    <a:lumMod val="75000"/>
+                  </a:schemeClr>
+                </a:solidFill>
+                <a:latin typeface="Oxygen" panose="02000503000000000000" pitchFamily="2" charset="0"/>
+              </a:rPr>
+              <a:t>Readability</a:t>
+            </a:r>
+          </a:p>
+          <a:p>
+            <a:pPr marL="457200" indent="-457200">
+              <a:buFont typeface="Arial" panose="020B0604020202020204" pitchFamily="34" charset="0"/>
+              <a:buChar char="•"/>
+            </a:pPr>
+            <a:r>
+              <a:rPr lang="en-US" sz="3000" dirty="0">
+                <a:solidFill>
+                  <a:schemeClr val="accent1">
+                    <a:lumMod val="75000"/>
+                  </a:schemeClr>
+                </a:solidFill>
+                <a:latin typeface="Oxygen" panose="02000503000000000000" pitchFamily="2" charset="0"/>
+              </a:rPr>
+              <a:t>Reuse/adaptability</a:t>
+            </a:r>
+          </a:p>
+          <a:p>
+            <a:pPr marL="457200" indent="-457200">
+              <a:buFont typeface="Arial" panose="020B0604020202020204" pitchFamily="34" charset="0"/>
+              <a:buChar char="•"/>
+            </a:pPr>
+            <a:r>
+              <a:rPr lang="en-US" sz="3000" dirty="0">
+                <a:solidFill>
+                  <a:schemeClr val="accent1">
+                    <a:lumMod val="75000"/>
+                  </a:schemeClr>
+                </a:solidFill>
+                <a:latin typeface="Oxygen" panose="02000503000000000000" pitchFamily="2" charset="0"/>
+              </a:rPr>
+              <a:t>Communication integrity, especially in distributed systems</a:t>
+            </a:r>
+          </a:p>
+        </p:txBody>
+      </p:sp>
+      <p:sp>
+        <p:nvSpPr>
+          <p:cNvPr id="124" name="TextBox 123"/>
+          <p:cNvSpPr txBox="1"/>
+          <p:nvPr/>
+        </p:nvSpPr>
+        <p:spPr>
+          <a:xfrm>
+            <a:off x="1947327" y="34314058"/>
+            <a:ext cx="16903020" cy="3785652"/>
+          </a:xfrm>
+          <a:prstGeom prst="rect">
+            <a:avLst/>
+          </a:prstGeom>
+          <a:noFill/>
+        </p:spPr>
+        <p:txBody>
+          <a:bodyPr wrap="square" rtlCol="0">
+            <a:spAutoFit/>
+          </a:bodyPr>
+          <a:lstStyle/>
+          <a:p>
+            <a:r>
+              <a:rPr lang="en-US" sz="4000" b="1" dirty="0">
+                <a:solidFill>
+                  <a:srgbClr val="FEFCE8"/>
+                </a:solidFill>
+                <a:latin typeface="Oxygen" panose="02000503000000000000" pitchFamily="2" charset="0"/>
+              </a:rPr>
+              <a:t>&lt;INSERT EXAMPLE TRINITY CODE OF EXAMPLE ARCH.&gt;</a:t>
+            </a:r>
+          </a:p>
+          <a:p>
+            <a:r>
+              <a:rPr lang="en-US" sz="4000" b="1" dirty="0">
+                <a:solidFill>
+                  <a:srgbClr val="FEFCE8"/>
+                </a:solidFill>
+                <a:latin typeface="Oxygen" panose="02000503000000000000" pitchFamily="2" charset="0"/>
+              </a:rPr>
+              <a:t>	* describe each component</a:t>
+            </a:r>
+          </a:p>
+          <a:p>
+            <a:endParaRPr lang="en-US" sz="4000" b="1" dirty="0">
+              <a:solidFill>
+                <a:srgbClr val="FEFCE8"/>
+              </a:solidFill>
+              <a:latin typeface="Oxygen" panose="02000503000000000000" pitchFamily="2" charset="0"/>
+            </a:endParaRPr>
+          </a:p>
+          <a:p>
+            <a:r>
+              <a:rPr lang="en-US" sz="4000" b="1" dirty="0">
+                <a:solidFill>
+                  <a:srgbClr val="FEFCE8"/>
+                </a:solidFill>
+                <a:latin typeface="Oxygen" panose="02000503000000000000" pitchFamily="2" charset="0"/>
+              </a:rPr>
+              <a:t>&lt;INSERT SOFTWARE ARCHITECTURE DIAGRAM OF EXAMPLE&gt;</a:t>
+            </a:r>
+          </a:p>
+          <a:p>
+            <a:r>
+              <a:rPr lang="en-US" sz="4000" b="1" dirty="0">
+                <a:solidFill>
+                  <a:srgbClr val="FEFCE8"/>
+                </a:solidFill>
+                <a:latin typeface="Oxygen" panose="02000503000000000000" pitchFamily="2" charset="0"/>
+              </a:rPr>
+              <a:t>	</a:t>
+            </a:r>
+          </a:p>
+          <a:p>
+            <a:endParaRPr lang="en-US" sz="4000" b="1" dirty="0">
+              <a:solidFill>
+                <a:srgbClr val="FEFCE8"/>
+              </a:solidFill>
+              <a:latin typeface="Oxygen" panose="02000503000000000000" pitchFamily="2" charset="0"/>
+            </a:endParaRPr>
+          </a:p>
+        </p:txBody>
+      </p:sp>
     </p:spTree>
   </p:cSld>
   <p:clrMapOvr>

--- a/CMU REUSE 2017 Poster.pptx
+++ b/CMU REUSE 2017 Poster.pptx
@@ -4916,188 +4916,6 @@
       </p:grpSp>
       <p:grpSp>
         <p:nvGrpSpPr>
-          <p:cNvPr id="11" name="Group 10"/>
-          <p:cNvGrpSpPr/>
-          <p:nvPr/>
-        </p:nvGrpSpPr>
-        <p:grpSpPr>
-          <a:xfrm>
-            <a:off x="10777675" y="9712796"/>
-            <a:ext cx="8040015" cy="9531531"/>
-            <a:chOff x="10921058" y="9151946"/>
-            <a:chExt cx="8040015" cy="9531531"/>
-          </a:xfrm>
-        </p:grpSpPr>
-        <p:sp>
-          <p:nvSpPr>
-            <p:cNvPr id="82" name="Oval 81"/>
-            <p:cNvSpPr/>
-            <p:nvPr/>
-          </p:nvSpPr>
-          <p:spPr>
-            <a:xfrm>
-              <a:off x="10921058" y="11254012"/>
-              <a:ext cx="8040015" cy="7429465"/>
-            </a:xfrm>
-            <a:prstGeom prst="ellipse">
-              <a:avLst/>
-            </a:prstGeom>
-            <a:solidFill>
-              <a:srgbClr val="CD6D6D">
-                <a:alpha val="13000"/>
-              </a:srgbClr>
-            </a:solidFill>
-            <a:ln>
-              <a:noFill/>
-            </a:ln>
-          </p:spPr>
-          <p:style>
-            <a:lnRef idx="2">
-              <a:schemeClr val="accent1">
-                <a:shade val="50000"/>
-              </a:schemeClr>
-            </a:lnRef>
-            <a:fillRef idx="1">
-              <a:schemeClr val="accent1"/>
-            </a:fillRef>
-            <a:effectRef idx="0">
-              <a:schemeClr val="accent1"/>
-            </a:effectRef>
-            <a:fontRef idx="minor">
-              <a:schemeClr val="lt1"/>
-            </a:fontRef>
-          </p:style>
-          <p:txBody>
-            <a:bodyPr rtlCol="0" anchor="ctr"/>
-            <a:lstStyle/>
-            <a:p>
-              <a:pPr algn="ctr"/>
-              <a:endParaRPr lang="en-US" dirty="0"/>
-            </a:p>
-          </p:txBody>
-        </p:sp>
-        <p:grpSp>
-          <p:nvGrpSpPr>
-            <p:cNvPr id="29" name="Group 28"/>
-            <p:cNvGrpSpPr/>
-            <p:nvPr/>
-          </p:nvGrpSpPr>
-          <p:grpSpPr>
-            <a:xfrm>
-              <a:off x="11114259" y="9151946"/>
-              <a:ext cx="5944661" cy="8096344"/>
-              <a:chOff x="12160993" y="8649848"/>
-              <a:chExt cx="5944661" cy="8096344"/>
-            </a:xfrm>
-          </p:grpSpPr>
-          <p:sp>
-            <p:nvSpPr>
-              <p:cNvPr id="70" name="Shape 70"/>
-              <p:cNvSpPr/>
-              <p:nvPr/>
-            </p:nvSpPr>
-            <p:spPr>
-              <a:xfrm>
-                <a:off x="12160993" y="9778349"/>
-                <a:ext cx="5944661" cy="6967843"/>
-              </a:xfrm>
-              <a:prstGeom prst="flowChartMagneticDisk">
-                <a:avLst/>
-              </a:prstGeom>
-              <a:noFill/>
-              <a:ln w="38100" cap="flat" cmpd="sng">
-                <a:solidFill>
-                  <a:srgbClr val="000000"/>
-                </a:solidFill>
-                <a:prstDash val="solid"/>
-                <a:round/>
-                <a:headEnd type="none" w="med" len="med"/>
-                <a:tailEnd type="none" w="med" len="med"/>
-              </a:ln>
-            </p:spPr>
-            <p:txBody>
-              <a:bodyPr lIns="91425" tIns="91425" rIns="91425" bIns="91425" anchor="ctr" anchorCtr="0">
-                <a:noAutofit/>
-              </a:bodyPr>
-              <a:lstStyle/>
-              <a:p>
-                <a:pPr lvl="0">
-                  <a:spcBef>
-                    <a:spcPts val="0"/>
-                  </a:spcBef>
-                  <a:buNone/>
-                </a:pPr>
-                <a:endParaRPr/>
-              </a:p>
-            </p:txBody>
-          </p:sp>
-          <p:sp>
-            <p:nvSpPr>
-              <p:cNvPr id="25" name="TextBox 24"/>
-              <p:cNvSpPr txBox="1"/>
-              <p:nvPr/>
-            </p:nvSpPr>
-            <p:spPr>
-              <a:xfrm>
-                <a:off x="12959152" y="8649848"/>
-                <a:ext cx="4067139" cy="861774"/>
-              </a:xfrm>
-              <a:prstGeom prst="rect">
-                <a:avLst/>
-              </a:prstGeom>
-              <a:noFill/>
-            </p:spPr>
-            <p:txBody>
-              <a:bodyPr wrap="none" rtlCol="0">
-                <a:spAutoFit/>
-              </a:bodyPr>
-              <a:lstStyle/>
-              <a:p>
-                <a:r>
-                  <a:rPr lang="en-US" sz="5000" b="1" dirty="0">
-                    <a:latin typeface="Oxygen" panose="02000503000000000000" pitchFamily="2" charset="0"/>
-                  </a:rPr>
-                  <a:t>The Problem</a:t>
-                </a:r>
-              </a:p>
-            </p:txBody>
-          </p:sp>
-          <p:sp>
-            <p:nvSpPr>
-              <p:cNvPr id="28" name="TextBox 27"/>
-              <p:cNvSpPr txBox="1"/>
-              <p:nvPr/>
-            </p:nvSpPr>
-            <p:spPr>
-              <a:xfrm>
-                <a:off x="12547735" y="12805877"/>
-                <a:ext cx="5171176" cy="2862322"/>
-              </a:xfrm>
-              <a:prstGeom prst="rect">
-                <a:avLst/>
-              </a:prstGeom>
-              <a:noFill/>
-            </p:spPr>
-            <p:txBody>
-              <a:bodyPr wrap="square" rtlCol="0">
-                <a:spAutoFit/>
-              </a:bodyPr>
-              <a:lstStyle/>
-              <a:p>
-                <a:pPr algn="ctr"/>
-                <a:r>
-                  <a:rPr lang="en-US" sz="3000" dirty="0">
-                    <a:latin typeface="Oxygen" panose="02000503000000000000" pitchFamily="2" charset="0"/>
-                  </a:rPr>
-                  <a:t>It is hard to determine whether the logical relationships between entities in architecture diagrams are present in system implementations. </a:t>
-                </a:r>
-              </a:p>
-            </p:txBody>
-          </p:sp>
-        </p:grpSp>
-      </p:grpSp>
-      <p:grpSp>
-        <p:nvGrpSpPr>
           <p:cNvPr id="66" name="Group 65"/>
           <p:cNvGrpSpPr/>
           <p:nvPr/>
@@ -5259,36 +5077,6 @@
             </a:endParaRPr>
           </a:p>
           <a:p>
-            <a:endParaRPr lang="en-US" sz="3200" b="1" dirty="0">
-              <a:solidFill>
-                <a:schemeClr val="tx2">
-                  <a:lumMod val="50000"/>
-                </a:schemeClr>
-              </a:solidFill>
-              <a:latin typeface="Oxygen" panose="02000503000000000000" pitchFamily="2" charset="0"/>
-            </a:endParaRPr>
-          </a:p>
-          <a:p>
-            <a:endParaRPr lang="en-US" sz="3200" b="1" dirty="0">
-              <a:solidFill>
-                <a:schemeClr val="tx2">
-                  <a:lumMod val="50000"/>
-                </a:schemeClr>
-              </a:solidFill>
-              <a:latin typeface="Oxygen" panose="02000503000000000000" pitchFamily="2" charset="0"/>
-            </a:endParaRPr>
-          </a:p>
-          <a:p>
-            <a:endParaRPr lang="en-US" sz="3200" b="1" dirty="0">
-              <a:solidFill>
-                <a:schemeClr val="tx2">
-                  <a:lumMod val="50000"/>
-                </a:schemeClr>
-              </a:solidFill>
-              <a:latin typeface="Oxygen" panose="02000503000000000000" pitchFamily="2" charset="0"/>
-            </a:endParaRPr>
-          </a:p>
-          <a:p>
             <a:r>
               <a:rPr lang="en-US" sz="3200" b="1" dirty="0">
                 <a:solidFill>
@@ -5602,48 +5390,6 @@
               </a:rPr>
               <a:t>  Lacks support for multiple architecture views; focuses only on Component-and-Connector view.</a:t>
             </a:r>
-          </a:p>
-          <a:p>
-            <a:pPr marL="457200" indent="-457200">
-              <a:buFont typeface="Arial" panose="020B0604020202020204" pitchFamily="34" charset="0"/>
-              <a:buChar char="•"/>
-            </a:pPr>
-            <a:endParaRPr lang="en-US" sz="2600" dirty="0">
-              <a:solidFill>
-                <a:schemeClr val="tx2">
-                  <a:lumMod val="50000"/>
-                </a:schemeClr>
-              </a:solidFill>
-              <a:latin typeface="Oxygen" panose="02000503000000000000" pitchFamily="2" charset="0"/>
-            </a:endParaRPr>
-          </a:p>
-          <a:p>
-            <a:pPr marL="457200" indent="-457200" algn="r">
-              <a:buFont typeface="Arial" panose="020B0604020202020204" pitchFamily="34" charset="0"/>
-              <a:buChar char="•"/>
-            </a:pPr>
-            <a:endParaRPr lang="en-US" sz="3200" b="1" dirty="0">
-              <a:solidFill>
-                <a:schemeClr val="tx2">
-                  <a:lumMod val="50000"/>
-                </a:schemeClr>
-              </a:solidFill>
-              <a:latin typeface="Oxygen" panose="02000503000000000000" pitchFamily="2" charset="0"/>
-            </a:endParaRPr>
-          </a:p>
-          <a:p>
-            <a:pPr marL="457200" indent="-457200">
-              <a:buFont typeface="Arial" panose="020B0604020202020204" pitchFamily="34" charset="0"/>
-              <a:buChar char="•"/>
-            </a:pPr>
-            <a:endParaRPr lang="en-US" sz="2600" dirty="0">
-              <a:solidFill>
-                <a:schemeClr val="tx2">
-                  <a:lumMod val="50000"/>
-                </a:schemeClr>
-              </a:solidFill>
-              <a:latin typeface="Oxygen" panose="02000503000000000000" pitchFamily="2" charset="0"/>
-            </a:endParaRPr>
           </a:p>
           <a:p>
             <a:pPr marL="457200" indent="-457200">
@@ -7961,9 +7707,6 @@
             <a:prstGeom prst="chevron">
               <a:avLst/>
             </a:prstGeom>
-            <a:ln>
-              <a:noFill/>
-            </a:ln>
           </p:spPr>
           <p:style>
             <a:lnRef idx="2">
@@ -8212,6 +7955,394 @@
           </a:p>
         </p:txBody>
       </p:sp>
+      <p:grpSp>
+        <p:nvGrpSpPr>
+          <p:cNvPr id="151" name="Group 150"/>
+          <p:cNvGrpSpPr/>
+          <p:nvPr/>
+        </p:nvGrpSpPr>
+        <p:grpSpPr>
+          <a:xfrm>
+            <a:off x="10777675" y="8831573"/>
+            <a:ext cx="8040015" cy="10412754"/>
+            <a:chOff x="10777675" y="8831573"/>
+            <a:chExt cx="8040015" cy="10412754"/>
+          </a:xfrm>
+        </p:grpSpPr>
+        <p:grpSp>
+          <p:nvGrpSpPr>
+            <p:cNvPr id="11" name="Group 10"/>
+            <p:cNvGrpSpPr/>
+            <p:nvPr/>
+          </p:nvGrpSpPr>
+          <p:grpSpPr>
+            <a:xfrm>
+              <a:off x="10777675" y="9712796"/>
+              <a:ext cx="8040015" cy="9531531"/>
+              <a:chOff x="10921058" y="9151946"/>
+              <a:chExt cx="8040015" cy="9531531"/>
+            </a:xfrm>
+          </p:grpSpPr>
+          <p:sp>
+            <p:nvSpPr>
+              <p:cNvPr id="82" name="Oval 81"/>
+              <p:cNvSpPr/>
+              <p:nvPr/>
+            </p:nvSpPr>
+            <p:spPr>
+              <a:xfrm>
+                <a:off x="10921058" y="11254012"/>
+                <a:ext cx="8040015" cy="7429465"/>
+              </a:xfrm>
+              <a:prstGeom prst="ellipse">
+                <a:avLst/>
+              </a:prstGeom>
+              <a:solidFill>
+                <a:srgbClr val="CD6D6D">
+                  <a:alpha val="13000"/>
+                </a:srgbClr>
+              </a:solidFill>
+              <a:ln>
+                <a:noFill/>
+              </a:ln>
+            </p:spPr>
+            <p:style>
+              <a:lnRef idx="2">
+                <a:schemeClr val="accent1">
+                  <a:shade val="50000"/>
+                </a:schemeClr>
+              </a:lnRef>
+              <a:fillRef idx="1">
+                <a:schemeClr val="accent1"/>
+              </a:fillRef>
+              <a:effectRef idx="0">
+                <a:schemeClr val="accent1"/>
+              </a:effectRef>
+              <a:fontRef idx="minor">
+                <a:schemeClr val="lt1"/>
+              </a:fontRef>
+            </p:style>
+            <p:txBody>
+              <a:bodyPr rtlCol="0" anchor="ctr"/>
+              <a:lstStyle/>
+              <a:p>
+                <a:pPr algn="ctr"/>
+                <a:endParaRPr lang="en-US" dirty="0"/>
+              </a:p>
+            </p:txBody>
+          </p:sp>
+          <p:grpSp>
+            <p:nvGrpSpPr>
+              <p:cNvPr id="29" name="Group 28"/>
+              <p:cNvGrpSpPr/>
+              <p:nvPr/>
+            </p:nvGrpSpPr>
+            <p:grpSpPr>
+              <a:xfrm>
+                <a:off x="11114259" y="9151946"/>
+                <a:ext cx="5944661" cy="8096344"/>
+                <a:chOff x="12160993" y="8649848"/>
+                <a:chExt cx="5944661" cy="8096344"/>
+              </a:xfrm>
+            </p:grpSpPr>
+            <p:sp>
+              <p:nvSpPr>
+                <p:cNvPr id="70" name="Shape 70"/>
+                <p:cNvSpPr/>
+                <p:nvPr/>
+              </p:nvSpPr>
+              <p:spPr>
+                <a:xfrm>
+                  <a:off x="12160993" y="9778349"/>
+                  <a:ext cx="5944661" cy="6967843"/>
+                </a:xfrm>
+                <a:prstGeom prst="flowChartMagneticDisk">
+                  <a:avLst/>
+                </a:prstGeom>
+                <a:noFill/>
+                <a:ln w="63500" cap="flat" cmpd="sng">
+                  <a:solidFill>
+                    <a:schemeClr val="tx2">
+                      <a:lumMod val="50000"/>
+                    </a:schemeClr>
+                  </a:solidFill>
+                  <a:prstDash val="solid"/>
+                  <a:round/>
+                  <a:headEnd type="none" w="med" len="med"/>
+                  <a:tailEnd type="none" w="med" len="med"/>
+                </a:ln>
+              </p:spPr>
+              <p:txBody>
+                <a:bodyPr lIns="91425" tIns="91425" rIns="91425" bIns="91425" anchor="ctr" anchorCtr="0">
+                  <a:noAutofit/>
+                </a:bodyPr>
+                <a:lstStyle/>
+                <a:p>
+                  <a:pPr lvl="0">
+                    <a:spcBef>
+                      <a:spcPts val="0"/>
+                    </a:spcBef>
+                    <a:buNone/>
+                  </a:pPr>
+                  <a:endParaRPr/>
+                </a:p>
+              </p:txBody>
+            </p:sp>
+            <p:sp>
+              <p:nvSpPr>
+                <p:cNvPr id="25" name="TextBox 24"/>
+                <p:cNvSpPr txBox="1"/>
+                <p:nvPr/>
+              </p:nvSpPr>
+              <p:spPr>
+                <a:xfrm>
+                  <a:off x="12959152" y="8649848"/>
+                  <a:ext cx="4067139" cy="861774"/>
+                </a:xfrm>
+                <a:prstGeom prst="rect">
+                  <a:avLst/>
+                </a:prstGeom>
+                <a:noFill/>
+              </p:spPr>
+              <p:txBody>
+                <a:bodyPr wrap="none" rtlCol="0">
+                  <a:spAutoFit/>
+                </a:bodyPr>
+                <a:lstStyle/>
+                <a:p>
+                  <a:r>
+                    <a:rPr lang="en-US" sz="5000" b="1" dirty="0">
+                      <a:solidFill>
+                        <a:schemeClr val="tx2">
+                          <a:lumMod val="50000"/>
+                        </a:schemeClr>
+                      </a:solidFill>
+                      <a:latin typeface="Oxygen" panose="02000503000000000000" pitchFamily="2" charset="0"/>
+                    </a:rPr>
+                    <a:t>The Problem</a:t>
+                  </a:r>
+                </a:p>
+              </p:txBody>
+            </p:sp>
+            <p:sp>
+              <p:nvSpPr>
+                <p:cNvPr id="28" name="TextBox 27"/>
+                <p:cNvSpPr txBox="1"/>
+                <p:nvPr/>
+              </p:nvSpPr>
+              <p:spPr>
+                <a:xfrm>
+                  <a:off x="12547735" y="12805877"/>
+                  <a:ext cx="5171176" cy="2862322"/>
+                </a:xfrm>
+                <a:prstGeom prst="rect">
+                  <a:avLst/>
+                </a:prstGeom>
+                <a:noFill/>
+              </p:spPr>
+              <p:txBody>
+                <a:bodyPr wrap="square" rtlCol="0">
+                  <a:spAutoFit/>
+                </a:bodyPr>
+                <a:lstStyle/>
+                <a:p>
+                  <a:pPr algn="ctr"/>
+                  <a:r>
+                    <a:rPr lang="en-US" sz="3000" dirty="0">
+                      <a:solidFill>
+                        <a:schemeClr val="tx2">
+                          <a:lumMod val="50000"/>
+                        </a:schemeClr>
+                      </a:solidFill>
+                      <a:latin typeface="Oxygen" panose="02000503000000000000" pitchFamily="2" charset="0"/>
+                    </a:rPr>
+                    <a:t>It is hard to determine whether the logical relationships between entities in architecture diagrams are present in system implementations. </a:t>
+                  </a:r>
+                </a:p>
+              </p:txBody>
+            </p:sp>
+          </p:grpSp>
+        </p:grpSp>
+        <p:grpSp>
+          <p:nvGrpSpPr>
+            <p:cNvPr id="150" name="Group 149"/>
+            <p:cNvGrpSpPr/>
+            <p:nvPr/>
+          </p:nvGrpSpPr>
+          <p:grpSpPr>
+            <a:xfrm>
+              <a:off x="16915536" y="8831573"/>
+              <a:ext cx="1035580" cy="5795245"/>
+              <a:chOff x="16915536" y="8831573"/>
+              <a:chExt cx="1035580" cy="5795245"/>
+            </a:xfrm>
+          </p:grpSpPr>
+          <p:cxnSp>
+            <p:nvCxnSpPr>
+              <p:cNvPr id="130" name="Connector: Elbow 129"/>
+              <p:cNvCxnSpPr/>
+              <p:nvPr/>
+            </p:nvCxnSpPr>
+            <p:spPr>
+              <a:xfrm rot="5400000" flipH="1" flipV="1">
+                <a:off x="14318464" y="11443826"/>
+                <a:ext cx="5780064" cy="585920"/>
+              </a:xfrm>
+              <a:prstGeom prst="bentConnector3">
+                <a:avLst>
+                  <a:gd name="adj1" fmla="val 563"/>
+                </a:avLst>
+              </a:prstGeom>
+              <a:ln w="63500">
+                <a:solidFill>
+                  <a:schemeClr val="tx2">
+                    <a:lumMod val="50000"/>
+                  </a:schemeClr>
+                </a:solidFill>
+                <a:tailEnd type="none"/>
+              </a:ln>
+            </p:spPr>
+            <p:style>
+              <a:lnRef idx="1">
+                <a:schemeClr val="accent1"/>
+              </a:lnRef>
+              <a:fillRef idx="0">
+                <a:schemeClr val="accent1"/>
+              </a:fillRef>
+              <a:effectRef idx="0">
+                <a:schemeClr val="accent1"/>
+              </a:effectRef>
+              <a:fontRef idx="minor">
+                <a:schemeClr val="tx1"/>
+              </a:fontRef>
+            </p:style>
+          </p:cxnSp>
+          <p:cxnSp>
+            <p:nvCxnSpPr>
+              <p:cNvPr id="140" name="Straight Arrow Connector 139"/>
+              <p:cNvCxnSpPr/>
+              <p:nvPr/>
+            </p:nvCxnSpPr>
+            <p:spPr>
+              <a:xfrm flipV="1">
+                <a:off x="17501456" y="8846754"/>
+                <a:ext cx="449660" cy="12914"/>
+              </a:xfrm>
+              <a:prstGeom prst="straightConnector1">
+                <a:avLst/>
+              </a:prstGeom>
+              <a:ln w="63500">
+                <a:solidFill>
+                  <a:schemeClr val="tx2">
+                    <a:lumMod val="50000"/>
+                  </a:schemeClr>
+                </a:solidFill>
+                <a:tailEnd type="stealth" w="lg" len="lg"/>
+              </a:ln>
+            </p:spPr>
+            <p:style>
+              <a:lnRef idx="1">
+                <a:schemeClr val="accent1"/>
+              </a:lnRef>
+              <a:fillRef idx="0">
+                <a:schemeClr val="accent1"/>
+              </a:fillRef>
+              <a:effectRef idx="0">
+                <a:schemeClr val="accent1"/>
+              </a:effectRef>
+              <a:fontRef idx="minor">
+                <a:schemeClr val="tx1"/>
+              </a:fontRef>
+            </p:style>
+          </p:cxnSp>
+          <p:sp>
+            <p:nvSpPr>
+              <p:cNvPr id="149" name="Flowchart: Connector 148"/>
+              <p:cNvSpPr/>
+              <p:nvPr/>
+            </p:nvSpPr>
+            <p:spPr>
+              <a:xfrm>
+                <a:off x="17474310" y="8831573"/>
+                <a:ext cx="45719" cy="45719"/>
+              </a:xfrm>
+              <a:prstGeom prst="flowChartConnector">
+                <a:avLst/>
+              </a:prstGeom>
+              <a:solidFill>
+                <a:schemeClr val="tx2">
+                  <a:lumMod val="50000"/>
+                </a:schemeClr>
+              </a:solidFill>
+              <a:ln>
+                <a:noFill/>
+              </a:ln>
+            </p:spPr>
+            <p:style>
+              <a:lnRef idx="2">
+                <a:schemeClr val="accent1">
+                  <a:shade val="50000"/>
+                </a:schemeClr>
+              </a:lnRef>
+              <a:fillRef idx="1">
+                <a:schemeClr val="accent1"/>
+              </a:fillRef>
+              <a:effectRef idx="0">
+                <a:schemeClr val="accent1"/>
+              </a:effectRef>
+              <a:fontRef idx="minor">
+                <a:schemeClr val="lt1"/>
+              </a:fontRef>
+            </p:style>
+            <p:txBody>
+              <a:bodyPr rtlCol="0" anchor="ctr"/>
+              <a:lstStyle/>
+              <a:p>
+                <a:pPr algn="ctr"/>
+                <a:endParaRPr lang="en-US"/>
+              </a:p>
+            </p:txBody>
+          </p:sp>
+        </p:grpSp>
+      </p:grpSp>
+      <p:cxnSp>
+        <p:nvCxnSpPr>
+          <p:cNvPr id="153" name="Straight Arrow Connector 152"/>
+          <p:cNvCxnSpPr/>
+          <p:nvPr/>
+        </p:nvCxnSpPr>
+        <p:spPr>
+          <a:xfrm>
+            <a:off x="20718379" y="12254477"/>
+            <a:ext cx="0" cy="1171005"/>
+          </a:xfrm>
+          <a:prstGeom prst="straightConnector1">
+            <a:avLst/>
+          </a:prstGeom>
+          <a:ln w="63500">
+            <a:solidFill>
+              <a:schemeClr val="tx2">
+                <a:lumMod val="50000"/>
+              </a:schemeClr>
+            </a:solidFill>
+            <a:tailEnd type="stealth" w="lg" len="lg"/>
+          </a:ln>
+        </p:spPr>
+        <p:style>
+          <a:lnRef idx="1">
+            <a:schemeClr val="accent1"/>
+          </a:lnRef>
+          <a:fillRef idx="0">
+            <a:schemeClr val="accent1"/>
+          </a:fillRef>
+          <a:effectRef idx="0">
+            <a:schemeClr val="accent1"/>
+          </a:effectRef>
+          <a:fontRef idx="minor">
+            <a:schemeClr val="tx1"/>
+          </a:fontRef>
+        </p:style>
+      </p:cxnSp>
     </p:spTree>
   </p:cSld>
   <p:clrMapOvr>

--- a/CMU REUSE 2017 Poster.pptx
+++ b/CMU REUSE 2017 Poster.pptx
@@ -4600,7 +4600,7 @@
         <p:spPr>
           <a:xfrm rot="10800000">
             <a:off x="0" y="20608742"/>
-            <a:ext cx="30262996" cy="11439628"/>
+            <a:ext cx="30262996" cy="9970092"/>
           </a:xfrm>
           <a:prstGeom prst="wedgeRectCallout">
             <a:avLst>
@@ -4650,8 +4650,8 @@
         </p:nvGrpSpPr>
         <p:grpSpPr>
           <a:xfrm>
-            <a:off x="22524981" y="21905867"/>
-            <a:ext cx="7742294" cy="2819796"/>
+            <a:off x="23762861" y="21610757"/>
+            <a:ext cx="6504413" cy="2368951"/>
             <a:chOff x="22524981" y="21905867"/>
             <a:chExt cx="7742294" cy="2819796"/>
           </a:xfrm>
@@ -4715,7 +4715,7 @@
           </p:nvSpPr>
           <p:spPr>
             <a:xfrm>
-              <a:off x="24443336" y="22500155"/>
+              <a:off x="23997928" y="22285439"/>
               <a:ext cx="5342715" cy="1631217"/>
             </a:xfrm>
             <a:prstGeom prst="rect">
@@ -4754,10 +4754,10 @@
         </p:nvGrpSpPr>
         <p:grpSpPr>
           <a:xfrm>
-            <a:off x="-4" y="32642660"/>
-            <a:ext cx="30267279" cy="10151577"/>
+            <a:off x="0" y="30891742"/>
+            <a:ext cx="30267277" cy="11878871"/>
             <a:chOff x="-140659" y="32515693"/>
-            <a:chExt cx="30465707" cy="10483577"/>
+            <a:chExt cx="30465705" cy="10483577"/>
           </a:xfrm>
         </p:grpSpPr>
         <p:sp>
@@ -4819,10 +4819,10 @@
           </p:nvGrpSpPr>
           <p:grpSpPr>
             <a:xfrm rot="10800000">
-              <a:off x="22545675" y="34606782"/>
-              <a:ext cx="7779373" cy="2557834"/>
-              <a:chOff x="-140655" y="23359323"/>
-              <a:chExt cx="8241859" cy="1803853"/>
+              <a:off x="23464546" y="32945731"/>
+              <a:ext cx="6860249" cy="2255629"/>
+              <a:chOff x="-140387" y="24743864"/>
+              <a:chExt cx="7268093" cy="1590730"/>
             </a:xfrm>
             <a:solidFill>
               <a:schemeClr val="bg1">
@@ -4838,8 +4838,8 @@
             </p:nvSpPr>
             <p:spPr>
               <a:xfrm>
-                <a:off x="-140655" y="23359323"/>
-                <a:ext cx="8241859" cy="1803853"/>
+                <a:off x="-140387" y="24743864"/>
+                <a:ext cx="7268093" cy="1590730"/>
               </a:xfrm>
               <a:prstGeom prst="homePlate">
                 <a:avLst/>
@@ -4886,8 +4886,8 @@
             </p:nvSpPr>
             <p:spPr>
               <a:xfrm rot="10800000">
-                <a:off x="-58898" y="23648438"/>
-                <a:ext cx="6363759" cy="1187999"/>
+                <a:off x="276825" y="25125845"/>
+                <a:ext cx="5611889" cy="967365"/>
               </a:xfrm>
               <a:prstGeom prst="rect">
                 <a:avLst/>
@@ -4901,7 +4901,7 @@
               <a:lstStyle/>
               <a:p>
                 <a:r>
-                  <a:rPr lang="en-US" sz="10000" b="1" i="1" dirty="0">
+                  <a:rPr lang="en-US" sz="9500" b="1" i="1" dirty="0">
                     <a:solidFill>
                       <a:schemeClr val="bg1"/>
                     </a:solidFill>
@@ -5095,7 +5095,7 @@
               <a:buChar char="•"/>
             </a:pPr>
             <a:r>
-              <a:rPr lang="en-US" sz="2600" dirty="0">
+              <a:rPr lang="en-US" sz="2800" dirty="0">
                 <a:solidFill>
                   <a:schemeClr val="tx2">
                     <a:lumMod val="50000"/>
@@ -5106,7 +5106,7 @@
               <a:t>(-) </a:t>
             </a:r>
             <a:r>
-              <a:rPr lang="en-US" sz="2600" i="1" dirty="0">
+              <a:rPr lang="en-US" sz="2800" i="1" dirty="0">
                 <a:solidFill>
                   <a:schemeClr val="tx2">
                     <a:lumMod val="50000"/>
@@ -5117,7 +5117,7 @@
               <a:t>Description:</a:t>
             </a:r>
             <a:r>
-              <a:rPr lang="en-US" sz="2600" dirty="0">
+              <a:rPr lang="en-US" sz="2800" dirty="0">
                 <a:solidFill>
                   <a:schemeClr val="tx2">
                     <a:lumMod val="50000"/>
@@ -5128,7 +5128,7 @@
               <a:t>  Inferred by the name, ADLs only describe software architectures; they do not prescribe, or </a:t>
             </a:r>
             <a:r>
-              <a:rPr lang="en-US" sz="2600" b="1" dirty="0">
+              <a:rPr lang="en-US" sz="2800" b="1" dirty="0">
                 <a:solidFill>
                   <a:schemeClr val="tx2">
                     <a:lumMod val="50000"/>
@@ -5139,7 +5139,7 @@
               <a:t>enforce conformance</a:t>
             </a:r>
             <a:r>
-              <a:rPr lang="en-US" sz="2600" dirty="0">
+              <a:rPr lang="en-US" sz="2800" dirty="0">
                 <a:solidFill>
                   <a:schemeClr val="tx2">
                     <a:lumMod val="50000"/>
@@ -5156,7 +5156,7 @@
               <a:buChar char="•"/>
             </a:pPr>
             <a:r>
-              <a:rPr lang="en-US" sz="2600" dirty="0">
+              <a:rPr lang="en-US" sz="2800" dirty="0">
                 <a:solidFill>
                   <a:schemeClr val="tx2">
                     <a:lumMod val="50000"/>
@@ -5167,7 +5167,7 @@
               <a:t>(+) </a:t>
             </a:r>
             <a:r>
-              <a:rPr lang="en-US" sz="2600" i="1" dirty="0">
+              <a:rPr lang="en-US" sz="2800" i="1" dirty="0">
                 <a:solidFill>
                   <a:schemeClr val="tx2">
                     <a:lumMod val="50000"/>
@@ -5178,7 +5178,7 @@
               <a:t>Analysis: </a:t>
             </a:r>
             <a:r>
-              <a:rPr lang="en-US" sz="2600" dirty="0">
+              <a:rPr lang="en-US" sz="2800" dirty="0">
                 <a:solidFill>
                   <a:schemeClr val="tx2">
                     <a:lumMod val="50000"/>
@@ -5195,7 +5195,7 @@
               <a:buChar char="•"/>
             </a:pPr>
             <a:r>
-              <a:rPr lang="en-US" sz="2600" dirty="0">
+              <a:rPr lang="en-US" sz="2800" dirty="0">
                 <a:solidFill>
                   <a:schemeClr val="tx2">
                     <a:lumMod val="50000"/>
@@ -5206,7 +5206,7 @@
               <a:t>(+)</a:t>
             </a:r>
             <a:r>
-              <a:rPr lang="en-US" sz="2600" i="1" dirty="0">
+              <a:rPr lang="en-US" sz="2800" i="1" dirty="0">
                 <a:solidFill>
                   <a:schemeClr val="tx2">
                     <a:lumMod val="50000"/>
@@ -5217,7 +5217,7 @@
               <a:t> Formal Notation:  </a:t>
             </a:r>
             <a:r>
-              <a:rPr lang="en-US" sz="2600" dirty="0">
+              <a:rPr lang="en-US" sz="2800" dirty="0">
                 <a:solidFill>
                   <a:schemeClr val="tx2">
                     <a:lumMod val="50000"/>
@@ -5255,7 +5255,7 @@
               <a:t>ArchJava   </a:t>
             </a:r>
             <a:r>
-              <a:rPr lang="en-US" sz="3100" dirty="0">
+              <a:rPr lang="en-US" sz="2700" dirty="0">
                 <a:solidFill>
                   <a:schemeClr val="tx2">
                     <a:lumMod val="50000"/>
@@ -5263,9 +5263,9 @@
                 </a:solidFill>
                 <a:latin typeface="Oxygen" panose="02000503000000000000" pitchFamily="2" charset="0"/>
               </a:rPr>
-              <a:t>Java extension unifying SWA and implementation</a:t>
-            </a:r>
-            <a:endParaRPr lang="en-US" sz="3100" b="1" dirty="0">
+              <a:t>Java extension unifying architecture and implementation</a:t>
+            </a:r>
+            <a:endParaRPr lang="en-US" sz="2700" b="1" dirty="0">
               <a:solidFill>
                 <a:schemeClr val="tx2">
                   <a:lumMod val="50000"/>
@@ -5280,7 +5280,7 @@
               <a:buChar char="•"/>
             </a:pPr>
             <a:r>
-              <a:rPr lang="en-US" sz="2600" dirty="0">
+              <a:rPr lang="en-US" sz="2800" dirty="0">
                 <a:solidFill>
                   <a:schemeClr val="tx2">
                     <a:lumMod val="50000"/>
@@ -5291,7 +5291,7 @@
               <a:t>(-) </a:t>
             </a:r>
             <a:r>
-              <a:rPr lang="en-US" sz="2600" i="1" dirty="0">
+              <a:rPr lang="en-US" sz="2800" i="1" dirty="0">
                 <a:solidFill>
                   <a:schemeClr val="tx2">
                     <a:lumMod val="50000"/>
@@ -5302,7 +5302,7 @@
               <a:t>Application:</a:t>
             </a:r>
             <a:r>
-              <a:rPr lang="en-US" sz="2600" dirty="0">
+              <a:rPr lang="en-US" sz="2800" dirty="0">
                 <a:solidFill>
                   <a:schemeClr val="tx2">
                     <a:lumMod val="50000"/>
@@ -5310,7 +5310,7 @@
                 </a:solidFill>
                 <a:latin typeface="Oxygen" panose="02000503000000000000" pitchFamily="2" charset="0"/>
               </a:rPr>
-              <a:t>  Does not do anything interesting with SWA (i.e. checks)</a:t>
+              <a:t>  Does not check for conformity to architecture</a:t>
             </a:r>
           </a:p>
           <a:p>
@@ -5319,7 +5319,7 @@
               <a:buChar char="•"/>
             </a:pPr>
             <a:r>
-              <a:rPr lang="en-US" sz="2600" dirty="0">
+              <a:rPr lang="en-US" sz="2800" dirty="0">
                 <a:solidFill>
                   <a:schemeClr val="tx2">
                     <a:lumMod val="50000"/>
@@ -5330,7 +5330,7 @@
               <a:t>(-) </a:t>
             </a:r>
             <a:r>
-              <a:rPr lang="en-US" sz="2600" i="1" dirty="0">
+              <a:rPr lang="en-US" sz="2800" i="1" dirty="0">
                 <a:solidFill>
                   <a:schemeClr val="tx2">
                     <a:lumMod val="50000"/>
@@ -5341,7 +5341,7 @@
               <a:t>Distributed Systems:  </a:t>
             </a:r>
             <a:r>
-              <a:rPr lang="en-US" sz="2600" dirty="0">
+              <a:rPr lang="en-US" sz="2800" dirty="0">
                 <a:solidFill>
                   <a:schemeClr val="tx2">
                     <a:lumMod val="50000"/>
@@ -5358,7 +5358,7 @@
               <a:buChar char="•"/>
             </a:pPr>
             <a:r>
-              <a:rPr lang="en-US" sz="2600" dirty="0">
+              <a:rPr lang="en-US" sz="2800" dirty="0">
                 <a:solidFill>
                   <a:schemeClr val="tx2">
                     <a:lumMod val="50000"/>
@@ -5369,7 +5369,7 @@
               <a:t>(-) </a:t>
             </a:r>
             <a:r>
-              <a:rPr lang="en-US" sz="2600" i="1" dirty="0">
+              <a:rPr lang="en-US" sz="2800" i="1" dirty="0">
                 <a:solidFill>
                   <a:schemeClr val="tx2">
                     <a:lumMod val="50000"/>
@@ -5377,10 +5377,10 @@
                 </a:solidFill>
                 <a:latin typeface="Oxygen" panose="02000503000000000000" pitchFamily="2" charset="0"/>
               </a:rPr>
-              <a:t>Multiple SWA Views:</a:t>
-            </a:r>
-            <a:r>
-              <a:rPr lang="en-US" sz="2600" dirty="0">
+              <a:t>Multiple Views:</a:t>
+            </a:r>
+            <a:r>
+              <a:rPr lang="en-US" sz="2800" dirty="0">
                 <a:solidFill>
                   <a:schemeClr val="tx2">
                     <a:lumMod val="50000"/>
@@ -5388,7 +5388,7 @@
                 </a:solidFill>
                 <a:latin typeface="Oxygen" panose="02000503000000000000" pitchFamily="2" charset="0"/>
               </a:rPr>
-              <a:t>  Lacks support for multiple architecture views; focuses only on Component-and-Connector view.</a:t>
+              <a:t>  Lacks support for multiple architecture views; focuses only on Component-and-Connector view</a:t>
             </a:r>
           </a:p>
           <a:p>
@@ -5487,7 +5487,7 @@
                 </a:solidFill>
                 <a:latin typeface="Oxygen" panose="02000503000000000000" pitchFamily="2" charset="0"/>
               </a:rPr>
-              <a:t>Makes software architecture a </a:t>
+              <a:t>Make software architecture a </a:t>
             </a:r>
             <a:r>
               <a:rPr lang="en-US" sz="2800" b="1" dirty="0">
@@ -5565,7 +5565,65 @@
                 </a:solidFill>
                 <a:latin typeface="Oxygen" panose="02000503000000000000" pitchFamily="2" charset="0"/>
               </a:rPr>
-              <a:t>Directly translate the conceptual entities from SWA views into </a:t>
+              <a:t>Support architecture conformance and </a:t>
+            </a:r>
+            <a:r>
+              <a:rPr lang="en-US" sz="2800" b="1" dirty="0">
+                <a:solidFill>
+                  <a:schemeClr val="tx2">
+                    <a:lumMod val="50000"/>
+                  </a:schemeClr>
+                </a:solidFill>
+                <a:latin typeface="Oxygen" panose="02000503000000000000" pitchFamily="2" charset="0"/>
+              </a:rPr>
+              <a:t>communication integrity</a:t>
+            </a:r>
+            <a:r>
+              <a:rPr lang="en-US" sz="2800" dirty="0">
+                <a:solidFill>
+                  <a:schemeClr val="tx2">
+                    <a:lumMod val="50000"/>
+                  </a:schemeClr>
+                </a:solidFill>
+                <a:latin typeface="Oxygen" panose="02000503000000000000" pitchFamily="2" charset="0"/>
+              </a:rPr>
+              <a:t> in </a:t>
+            </a:r>
+            <a:r>
+              <a:rPr lang="en-US" sz="2800" b="1" dirty="0">
+                <a:solidFill>
+                  <a:schemeClr val="tx2">
+                    <a:lumMod val="50000"/>
+                  </a:schemeClr>
+                </a:solidFill>
+                <a:latin typeface="Oxygen" panose="02000503000000000000" pitchFamily="2" charset="0"/>
+              </a:rPr>
+              <a:t>distributed systems</a:t>
+            </a:r>
+            <a:endParaRPr lang="en-US" sz="2800" dirty="0">
+              <a:solidFill>
+                <a:schemeClr val="tx2">
+                  <a:lumMod val="50000"/>
+                </a:schemeClr>
+              </a:solidFill>
+              <a:latin typeface="Oxygen" panose="02000503000000000000" pitchFamily="2" charset="0"/>
+            </a:endParaRPr>
+          </a:p>
+          <a:p>
+            <a:pPr marL="457200" indent="-457200">
+              <a:buFont typeface="Arial" panose="020B0604020202020204" pitchFamily="34" charset="0"/>
+              <a:buChar char="•"/>
+            </a:pPr>
+            <a:r>
+              <a:rPr lang="en-US" sz="2800" dirty="0">
+                <a:solidFill>
+                  <a:schemeClr val="tx2">
+                    <a:lumMod val="50000"/>
+                  </a:schemeClr>
+                </a:solidFill>
+                <a:latin typeface="Oxygen" panose="02000503000000000000" pitchFamily="2" charset="0"/>
+              </a:rPr>
+              <a:t>Directly translate the conceptual entities from multiple views into </a:t>
             </a:r>
             <a:r>
               <a:rPr lang="en-US" sz="2800" b="1" dirty="0">
@@ -5593,7 +5651,7 @@
                 </a:solidFill>
                 <a:latin typeface="Oxygen" panose="02000503000000000000" pitchFamily="2" charset="0"/>
               </a:rPr>
-              <a:t>Support for </a:t>
+              <a:t>Support </a:t>
             </a:r>
             <a:r>
               <a:rPr lang="en-US" sz="2800" b="1" dirty="0">
@@ -5637,46 +5695,7 @@
                 </a:solidFill>
                 <a:latin typeface="Oxygen" panose="02000503000000000000" pitchFamily="2" charset="0"/>
               </a:rPr>
-              <a:t>, and deployment).</a:t>
-            </a:r>
-          </a:p>
-          <a:p>
-            <a:pPr marL="457200" indent="-457200">
-              <a:buFont typeface="Arial" panose="020B0604020202020204" pitchFamily="34" charset="0"/>
-              <a:buChar char="•"/>
-            </a:pPr>
-            <a:r>
-              <a:rPr lang="en-US" sz="2800" dirty="0">
-                <a:solidFill>
-                  <a:schemeClr val="tx2">
-                    <a:lumMod val="50000"/>
-                  </a:schemeClr>
-                </a:solidFill>
-                <a:latin typeface="Oxygen" panose="02000503000000000000" pitchFamily="2" charset="0"/>
-              </a:rPr>
-              <a:t>Support for architecture conformance in </a:t>
-            </a:r>
-            <a:r>
-              <a:rPr lang="en-US" sz="2800" b="1" dirty="0">
-                <a:solidFill>
-                  <a:schemeClr val="tx2">
-                    <a:lumMod val="50000"/>
-                  </a:schemeClr>
-                </a:solidFill>
-                <a:latin typeface="Oxygen" panose="02000503000000000000" pitchFamily="2" charset="0"/>
-              </a:rPr>
-              <a:t>distributed systems</a:t>
-            </a:r>
-            <a:r>
-              <a:rPr lang="en-US" sz="2800" dirty="0">
-                <a:solidFill>
-                  <a:schemeClr val="tx2">
-                    <a:lumMod val="50000"/>
-                  </a:schemeClr>
-                </a:solidFill>
-                <a:latin typeface="Oxygen" panose="02000503000000000000" pitchFamily="2" charset="0"/>
-              </a:rPr>
-              <a:t>.</a:t>
+              <a:t>, and deployment)</a:t>
             </a:r>
           </a:p>
         </p:txBody>
@@ -7550,7 +7569,7 @@
         </p:nvSpPr>
         <p:spPr>
           <a:xfrm>
-            <a:off x="759006" y="23129086"/>
+            <a:off x="759006" y="22838900"/>
             <a:ext cx="10598612" cy="4247317"/>
           </a:xfrm>
           <a:prstGeom prst="rect">
@@ -7880,7 +7899,7 @@
         </p:nvSpPr>
         <p:spPr>
           <a:xfrm>
-            <a:off x="1947327" y="34314058"/>
+            <a:off x="7381187" y="29420519"/>
             <a:ext cx="16903020" cy="3785652"/>
           </a:xfrm>
           <a:prstGeom prst="rect">
@@ -7897,8 +7916,11 @@
             <a:r>
               <a:rPr lang="en-US" sz="4000" b="1" dirty="0">
                 <a:solidFill>
-                  <a:srgbClr val="FEFCE8"/>
-                </a:solidFill>
+                  <a:srgbClr val="0070C0"/>
+                </a:solidFill>
+                <a:highlight>
+                  <a:srgbClr val="FFFF00"/>
+                </a:highlight>
                 <a:latin typeface="Oxygen" panose="02000503000000000000" pitchFamily="2" charset="0"/>
               </a:rPr>
               <a:t>&lt;INSERT EXAMPLE TRINITY CODE OF EXAMPLE ARCH.&gt;</a:t>
@@ -7908,8 +7930,11 @@
             <a:r>
               <a:rPr lang="en-US" sz="4000" b="1" dirty="0">
                 <a:solidFill>
-                  <a:srgbClr val="FEFCE8"/>
-                </a:solidFill>
+                  <a:srgbClr val="0070C0"/>
+                </a:solidFill>
+                <a:highlight>
+                  <a:srgbClr val="FFFF00"/>
+                </a:highlight>
                 <a:latin typeface="Oxygen" panose="02000503000000000000" pitchFamily="2" charset="0"/>
               </a:rPr>
               <a:t>	* describe each component</a:t>
@@ -7918,8 +7943,11 @@
           <a:p>
             <a:endParaRPr lang="en-US" sz="4000" b="1" dirty="0">
               <a:solidFill>
-                <a:srgbClr val="FEFCE8"/>
+                <a:srgbClr val="0070C0"/>
               </a:solidFill>
+              <a:highlight>
+                <a:srgbClr val="FFFF00"/>
+              </a:highlight>
               <a:latin typeface="Oxygen" panose="02000503000000000000" pitchFamily="2" charset="0"/>
             </a:endParaRPr>
           </a:p>
@@ -7927,8 +7955,11 @@
             <a:r>
               <a:rPr lang="en-US" sz="4000" b="1" dirty="0">
                 <a:solidFill>
-                  <a:srgbClr val="FEFCE8"/>
-                </a:solidFill>
+                  <a:srgbClr val="0070C0"/>
+                </a:solidFill>
+                <a:highlight>
+                  <a:srgbClr val="FFFF00"/>
+                </a:highlight>
                 <a:latin typeface="Oxygen" panose="02000503000000000000" pitchFamily="2" charset="0"/>
               </a:rPr>
               <a:t>&lt;INSERT SOFTWARE ARCHITECTURE DIAGRAM OF EXAMPLE&gt;</a:t>
@@ -7938,8 +7969,11 @@
             <a:r>
               <a:rPr lang="en-US" sz="4000" b="1" dirty="0">
                 <a:solidFill>
-                  <a:srgbClr val="FEFCE8"/>
-                </a:solidFill>
+                  <a:srgbClr val="0070C0"/>
+                </a:solidFill>
+                <a:highlight>
+                  <a:srgbClr val="FFFF00"/>
+                </a:highlight>
                 <a:latin typeface="Oxygen" panose="02000503000000000000" pitchFamily="2" charset="0"/>
               </a:rPr>
               <a:t>	</a:t>
@@ -7948,8 +7982,11 @@
           <a:p>
             <a:endParaRPr lang="en-US" sz="4000" b="1" dirty="0">
               <a:solidFill>
-                <a:srgbClr val="FEFCE8"/>
+                <a:srgbClr val="0070C0"/>
               </a:solidFill>
+              <a:highlight>
+                <a:srgbClr val="FFFF00"/>
+              </a:highlight>
               <a:latin typeface="Oxygen" panose="02000503000000000000" pitchFamily="2" charset="0"/>
             </a:endParaRPr>
           </a:p>
@@ -8343,6 +8380,980 @@
           </a:fontRef>
         </p:style>
       </p:cxnSp>
+      <p:sp>
+        <p:nvSpPr>
+          <p:cNvPr id="154" name="TextBox 153"/>
+          <p:cNvSpPr txBox="1"/>
+          <p:nvPr/>
+        </p:nvSpPr>
+        <p:spPr>
+          <a:xfrm>
+            <a:off x="287978" y="31766849"/>
+            <a:ext cx="10074861" cy="11172289"/>
+          </a:xfrm>
+          <a:prstGeom prst="rect">
+            <a:avLst/>
+          </a:prstGeom>
+          <a:noFill/>
+        </p:spPr>
+        <p:txBody>
+          <a:bodyPr wrap="square" rtlCol="0">
+            <a:spAutoFit/>
+          </a:bodyPr>
+          <a:lstStyle/>
+          <a:p>
+            <a:pPr>
+              <a:lnSpc>
+                <a:spcPts val="3200"/>
+              </a:lnSpc>
+            </a:pPr>
+            <a:r>
+              <a:rPr lang="en-US" sz="3400" b="1" dirty="0">
+                <a:solidFill>
+                  <a:srgbClr val="FEFCE8"/>
+                </a:solidFill>
+                <a:latin typeface="Oxygen" panose="02000503000000000000" pitchFamily="2" charset="0"/>
+              </a:rPr>
+              <a:t>component Client</a:t>
+            </a:r>
+          </a:p>
+          <a:p>
+            <a:pPr>
+              <a:lnSpc>
+                <a:spcPts val="3200"/>
+              </a:lnSpc>
+            </a:pPr>
+            <a:r>
+              <a:rPr lang="en-US" sz="3400" b="1" dirty="0">
+                <a:solidFill>
+                  <a:srgbClr val="FEFCE8"/>
+                </a:solidFill>
+                <a:latin typeface="Oxygen" panose="02000503000000000000" pitchFamily="2" charset="0"/>
+              </a:rPr>
+              <a:t>	port </a:t>
+            </a:r>
+            <a:r>
+              <a:rPr lang="en-US" sz="3400" b="1" dirty="0" err="1">
+                <a:solidFill>
+                  <a:srgbClr val="FEFCE8"/>
+                </a:solidFill>
+                <a:latin typeface="Oxygen" panose="02000503000000000000" pitchFamily="2" charset="0"/>
+              </a:rPr>
+              <a:t>getInfo</a:t>
+            </a:r>
+            <a:r>
+              <a:rPr lang="en-US" sz="3400" b="1" dirty="0">
+                <a:solidFill>
+                  <a:srgbClr val="FEFCE8"/>
+                </a:solidFill>
+                <a:latin typeface="Oxygen" panose="02000503000000000000" pitchFamily="2" charset="0"/>
+              </a:rPr>
+              <a:t>: requires </a:t>
+            </a:r>
+            <a:r>
+              <a:rPr lang="en-US" sz="3400" b="1" dirty="0" err="1">
+                <a:solidFill>
+                  <a:srgbClr val="FEFCE8"/>
+                </a:solidFill>
+                <a:latin typeface="Oxygen" panose="02000503000000000000" pitchFamily="2" charset="0"/>
+              </a:rPr>
+              <a:t>CSIface</a:t>
+            </a:r>
+            <a:endParaRPr lang="en-US" sz="3400" b="1" dirty="0">
+              <a:solidFill>
+                <a:srgbClr val="FEFCE8"/>
+              </a:solidFill>
+              <a:latin typeface="Oxygen" panose="02000503000000000000" pitchFamily="2" charset="0"/>
+            </a:endParaRPr>
+          </a:p>
+          <a:p>
+            <a:pPr>
+              <a:lnSpc>
+                <a:spcPts val="3200"/>
+              </a:lnSpc>
+            </a:pPr>
+            <a:br>
+              <a:rPr lang="en-US" sz="3400" b="1" dirty="0">
+                <a:solidFill>
+                  <a:srgbClr val="FEFCE8"/>
+                </a:solidFill>
+                <a:latin typeface="Oxygen" panose="02000503000000000000" pitchFamily="2" charset="0"/>
+              </a:rPr>
+            </a:br>
+            <a:r>
+              <a:rPr lang="en-US" sz="3400" b="1" dirty="0">
+                <a:solidFill>
+                  <a:srgbClr val="FEFCE8"/>
+                </a:solidFill>
+                <a:latin typeface="Oxygen" panose="02000503000000000000" pitchFamily="2" charset="0"/>
+              </a:rPr>
+              <a:t>component Server</a:t>
+            </a:r>
+          </a:p>
+          <a:p>
+            <a:pPr>
+              <a:lnSpc>
+                <a:spcPts val="3200"/>
+              </a:lnSpc>
+            </a:pPr>
+            <a:r>
+              <a:rPr lang="en-US" sz="3400" b="1" dirty="0">
+                <a:solidFill>
+                  <a:srgbClr val="FEFCE8"/>
+                </a:solidFill>
+                <a:latin typeface="Oxygen" panose="02000503000000000000" pitchFamily="2" charset="0"/>
+              </a:rPr>
+              <a:t>	port </a:t>
+            </a:r>
+            <a:r>
+              <a:rPr lang="en-US" sz="3400" b="1" dirty="0" err="1">
+                <a:solidFill>
+                  <a:srgbClr val="FEFCE8"/>
+                </a:solidFill>
+                <a:latin typeface="Oxygen" panose="02000503000000000000" pitchFamily="2" charset="0"/>
+              </a:rPr>
+              <a:t>sendInfo</a:t>
+            </a:r>
+            <a:r>
+              <a:rPr lang="en-US" sz="3400" b="1" dirty="0">
+                <a:solidFill>
+                  <a:srgbClr val="FEFCE8"/>
+                </a:solidFill>
+                <a:latin typeface="Oxygen" panose="02000503000000000000" pitchFamily="2" charset="0"/>
+              </a:rPr>
+              <a:t>: provides </a:t>
+            </a:r>
+            <a:r>
+              <a:rPr lang="en-US" sz="3400" b="1" dirty="0" err="1">
+                <a:solidFill>
+                  <a:srgbClr val="FEFCE8"/>
+                </a:solidFill>
+                <a:latin typeface="Oxygen" panose="02000503000000000000" pitchFamily="2" charset="0"/>
+              </a:rPr>
+              <a:t>CSIface</a:t>
+            </a:r>
+            <a:endParaRPr lang="en-US" sz="3400" b="1" dirty="0">
+              <a:solidFill>
+                <a:srgbClr val="FEFCE8"/>
+              </a:solidFill>
+              <a:latin typeface="Oxygen" panose="02000503000000000000" pitchFamily="2" charset="0"/>
+            </a:endParaRPr>
+          </a:p>
+          <a:p>
+            <a:pPr>
+              <a:lnSpc>
+                <a:spcPts val="3200"/>
+              </a:lnSpc>
+            </a:pPr>
+            <a:br>
+              <a:rPr lang="en-US" sz="3400" b="1" dirty="0">
+                <a:solidFill>
+                  <a:srgbClr val="FEFCE8"/>
+                </a:solidFill>
+                <a:latin typeface="Oxygen" panose="02000503000000000000" pitchFamily="2" charset="0"/>
+              </a:rPr>
+            </a:br>
+            <a:r>
+              <a:rPr lang="en-US" sz="3400" b="1" dirty="0">
+                <a:solidFill>
+                  <a:srgbClr val="FEFCE8"/>
+                </a:solidFill>
+                <a:latin typeface="Oxygen" panose="02000503000000000000" pitchFamily="2" charset="0"/>
+              </a:rPr>
+              <a:t>external component DB</a:t>
+            </a:r>
+          </a:p>
+          <a:p>
+            <a:pPr>
+              <a:lnSpc>
+                <a:spcPts val="3200"/>
+              </a:lnSpc>
+            </a:pPr>
+            <a:r>
+              <a:rPr lang="en-US" sz="3400" b="1" dirty="0">
+                <a:solidFill>
+                  <a:srgbClr val="FEFCE8"/>
+                </a:solidFill>
+                <a:latin typeface="Oxygen" panose="02000503000000000000" pitchFamily="2" charset="0"/>
+              </a:rPr>
+              <a:t>	port </a:t>
+            </a:r>
+            <a:r>
+              <a:rPr lang="en-US" sz="3400" b="1" dirty="0" err="1">
+                <a:solidFill>
+                  <a:srgbClr val="FEFCE8"/>
+                </a:solidFill>
+                <a:latin typeface="Oxygen" panose="02000503000000000000" pitchFamily="2" charset="0"/>
+              </a:rPr>
+              <a:t>dbIface</a:t>
+            </a:r>
+            <a:r>
+              <a:rPr lang="en-US" sz="3400" b="1" dirty="0">
+                <a:solidFill>
+                  <a:srgbClr val="FEFCE8"/>
+                </a:solidFill>
+                <a:latin typeface="Oxygen" panose="02000503000000000000" pitchFamily="2" charset="0"/>
+              </a:rPr>
+              <a:t>: target </a:t>
+            </a:r>
+            <a:r>
+              <a:rPr lang="en-US" sz="3400" b="1" dirty="0" err="1">
+                <a:solidFill>
+                  <a:srgbClr val="FEFCE8"/>
+                </a:solidFill>
+                <a:latin typeface="Oxygen" panose="02000503000000000000" pitchFamily="2" charset="0"/>
+              </a:rPr>
+              <a:t>DBModule</a:t>
+            </a:r>
+            <a:endParaRPr lang="en-US" sz="3400" b="1" dirty="0">
+              <a:solidFill>
+                <a:srgbClr val="FEFCE8"/>
+              </a:solidFill>
+              <a:latin typeface="Oxygen" panose="02000503000000000000" pitchFamily="2" charset="0"/>
+            </a:endParaRPr>
+          </a:p>
+          <a:p>
+            <a:pPr>
+              <a:lnSpc>
+                <a:spcPts val="3200"/>
+              </a:lnSpc>
+            </a:pPr>
+            <a:br>
+              <a:rPr lang="en-US" sz="3400" b="1" dirty="0">
+                <a:solidFill>
+                  <a:srgbClr val="FEFCE8"/>
+                </a:solidFill>
+                <a:latin typeface="Oxygen" panose="02000503000000000000" pitchFamily="2" charset="0"/>
+              </a:rPr>
+            </a:br>
+            <a:r>
+              <a:rPr lang="en-US" sz="3400" b="1" dirty="0">
+                <a:solidFill>
+                  <a:srgbClr val="FEFCE8"/>
+                </a:solidFill>
+                <a:latin typeface="Oxygen" panose="02000503000000000000" pitchFamily="2" charset="0"/>
+              </a:rPr>
+              <a:t>connector </a:t>
+            </a:r>
+            <a:r>
+              <a:rPr lang="en-US" sz="3400" b="1" dirty="0" err="1">
+                <a:solidFill>
+                  <a:srgbClr val="FEFCE8"/>
+                </a:solidFill>
+                <a:latin typeface="Oxygen" panose="02000503000000000000" pitchFamily="2" charset="0"/>
+              </a:rPr>
+              <a:t>JDBCCtr</a:t>
+            </a:r>
+            <a:endParaRPr lang="en-US" sz="3400" b="1" dirty="0">
+              <a:solidFill>
+                <a:srgbClr val="FEFCE8"/>
+              </a:solidFill>
+              <a:latin typeface="Oxygen" panose="02000503000000000000" pitchFamily="2" charset="0"/>
+            </a:endParaRPr>
+          </a:p>
+          <a:p>
+            <a:pPr>
+              <a:lnSpc>
+                <a:spcPts val="3200"/>
+              </a:lnSpc>
+            </a:pPr>
+            <a:r>
+              <a:rPr lang="en-US" sz="3400" b="1" dirty="0">
+                <a:solidFill>
+                  <a:srgbClr val="FEFCE8"/>
+                </a:solidFill>
+                <a:latin typeface="Oxygen" panose="02000503000000000000" pitchFamily="2" charset="0"/>
+              </a:rPr>
+              <a:t>	</a:t>
+            </a:r>
+            <a:r>
+              <a:rPr lang="en-US" sz="3400" b="1" dirty="0" err="1">
+                <a:solidFill>
+                  <a:srgbClr val="FEFCE8"/>
+                </a:solidFill>
+                <a:latin typeface="Oxygen" panose="02000503000000000000" pitchFamily="2" charset="0"/>
+              </a:rPr>
+              <a:t>val</a:t>
+            </a:r>
+            <a:r>
+              <a:rPr lang="en-US" sz="3400" b="1" dirty="0">
+                <a:solidFill>
+                  <a:srgbClr val="FEFCE8"/>
+                </a:solidFill>
+                <a:latin typeface="Oxygen" panose="02000503000000000000" pitchFamily="2" charset="0"/>
+              </a:rPr>
+              <a:t> </a:t>
+            </a:r>
+            <a:r>
+              <a:rPr lang="en-US" sz="3400" b="1" dirty="0" err="1">
+                <a:solidFill>
+                  <a:srgbClr val="FEFCE8"/>
+                </a:solidFill>
+                <a:latin typeface="Oxygen" panose="02000503000000000000" pitchFamily="2" charset="0"/>
+              </a:rPr>
+              <a:t>connectionString</a:t>
+            </a:r>
+            <a:r>
+              <a:rPr lang="en-US" sz="3400" b="1" dirty="0">
+                <a:solidFill>
+                  <a:srgbClr val="FEFCE8"/>
+                </a:solidFill>
+                <a:latin typeface="Oxygen" panose="02000503000000000000" pitchFamily="2" charset="0"/>
+              </a:rPr>
+              <a:t>: String</a:t>
+            </a:r>
+          </a:p>
+          <a:p>
+            <a:pPr lvl="2">
+              <a:lnSpc>
+                <a:spcPts val="3200"/>
+              </a:lnSpc>
+            </a:pPr>
+            <a:br>
+              <a:rPr lang="en-US" sz="3400" b="1" dirty="0">
+                <a:solidFill>
+                  <a:srgbClr val="FEFCE8"/>
+                </a:solidFill>
+                <a:latin typeface="Oxygen" panose="02000503000000000000" pitchFamily="2" charset="0"/>
+              </a:rPr>
+            </a:br>
+            <a:r>
+              <a:rPr lang="en-US" sz="3400" b="1" dirty="0">
+                <a:solidFill>
+                  <a:srgbClr val="FEFCE8"/>
+                </a:solidFill>
+                <a:latin typeface="Oxygen" panose="02000503000000000000" pitchFamily="2" charset="0"/>
+              </a:rPr>
+              <a:t>	architecture </a:t>
+            </a:r>
+          </a:p>
+          <a:p>
+            <a:pPr lvl="2">
+              <a:lnSpc>
+                <a:spcPts val="3200"/>
+              </a:lnSpc>
+            </a:pPr>
+            <a:r>
+              <a:rPr lang="en-US" sz="3400" b="1" dirty="0">
+                <a:solidFill>
+                  <a:srgbClr val="FEFCE8"/>
+                </a:solidFill>
+                <a:latin typeface="Oxygen" panose="02000503000000000000" pitchFamily="2" charset="0"/>
+              </a:rPr>
+              <a:t>		components</a:t>
+            </a:r>
+          </a:p>
+          <a:p>
+            <a:pPr lvl="2">
+              <a:lnSpc>
+                <a:spcPts val="3200"/>
+              </a:lnSpc>
+            </a:pPr>
+            <a:r>
+              <a:rPr lang="en-US" sz="3400" b="1" dirty="0">
+                <a:solidFill>
+                  <a:srgbClr val="FEFCE8"/>
+                </a:solidFill>
+                <a:latin typeface="Oxygen" panose="02000503000000000000" pitchFamily="2" charset="0"/>
+              </a:rPr>
+              <a:t>			</a:t>
+            </a:r>
+            <a:r>
+              <a:rPr lang="en-US" sz="3400" b="1" dirty="0" err="1">
+                <a:solidFill>
+                  <a:srgbClr val="FEFCE8"/>
+                </a:solidFill>
+                <a:latin typeface="Oxygen" panose="02000503000000000000" pitchFamily="2" charset="0"/>
+              </a:rPr>
+              <a:t>RequestHandler</a:t>
+            </a:r>
+            <a:r>
+              <a:rPr lang="en-US" sz="3400" b="1" dirty="0">
+                <a:solidFill>
+                  <a:srgbClr val="FEFCE8"/>
+                </a:solidFill>
+                <a:latin typeface="Oxygen" panose="02000503000000000000" pitchFamily="2" charset="0"/>
+              </a:rPr>
+              <a:t> </a:t>
+            </a:r>
+            <a:r>
+              <a:rPr lang="en-US" sz="3400" b="1" dirty="0" err="1">
+                <a:solidFill>
+                  <a:srgbClr val="FEFCE8"/>
+                </a:solidFill>
+                <a:latin typeface="Oxygen" panose="02000503000000000000" pitchFamily="2" charset="0"/>
+              </a:rPr>
+              <a:t>ch</a:t>
+            </a:r>
+            <a:endParaRPr lang="en-US" sz="3400" b="1" dirty="0">
+              <a:solidFill>
+                <a:srgbClr val="FEFCE8"/>
+              </a:solidFill>
+              <a:latin typeface="Oxygen" panose="02000503000000000000" pitchFamily="2" charset="0"/>
+            </a:endParaRPr>
+          </a:p>
+          <a:p>
+            <a:pPr lvl="2">
+              <a:lnSpc>
+                <a:spcPts val="3200"/>
+              </a:lnSpc>
+            </a:pPr>
+            <a:r>
+              <a:rPr lang="en-US" sz="3400" b="1" dirty="0">
+                <a:solidFill>
+                  <a:srgbClr val="FEFCE8"/>
+                </a:solidFill>
+                <a:latin typeface="Oxygen" panose="02000503000000000000" pitchFamily="2" charset="0"/>
+              </a:rPr>
+              <a:t>			DB </a:t>
+            </a:r>
+            <a:r>
+              <a:rPr lang="en-US" sz="3400" b="1" dirty="0" err="1">
+                <a:solidFill>
+                  <a:srgbClr val="FEFCE8"/>
+                </a:solidFill>
+                <a:latin typeface="Oxygen" panose="02000503000000000000" pitchFamily="2" charset="0"/>
+              </a:rPr>
+              <a:t>db</a:t>
+            </a:r>
+            <a:endParaRPr lang="en-US" sz="3400" b="1" dirty="0">
+              <a:solidFill>
+                <a:srgbClr val="FEFCE8"/>
+              </a:solidFill>
+              <a:latin typeface="Oxygen" panose="02000503000000000000" pitchFamily="2" charset="0"/>
+            </a:endParaRPr>
+          </a:p>
+          <a:p>
+            <a:pPr lvl="2">
+              <a:lnSpc>
+                <a:spcPts val="3200"/>
+              </a:lnSpc>
+            </a:pPr>
+            <a:br>
+              <a:rPr lang="en-US" sz="3400" b="1" dirty="0">
+                <a:solidFill>
+                  <a:srgbClr val="FEFCE8"/>
+                </a:solidFill>
+                <a:latin typeface="Oxygen" panose="02000503000000000000" pitchFamily="2" charset="0"/>
+              </a:rPr>
+            </a:br>
+            <a:r>
+              <a:rPr lang="en-US" sz="3400" b="1" dirty="0">
+                <a:solidFill>
+                  <a:srgbClr val="FEFCE8"/>
+                </a:solidFill>
+                <a:latin typeface="Oxygen" panose="02000503000000000000" pitchFamily="2" charset="0"/>
+              </a:rPr>
+              <a:t>		connectors </a:t>
+            </a:r>
+          </a:p>
+          <a:p>
+            <a:pPr lvl="2">
+              <a:lnSpc>
+                <a:spcPts val="3200"/>
+              </a:lnSpc>
+            </a:pPr>
+            <a:r>
+              <a:rPr lang="en-US" sz="3400" b="1" dirty="0">
+                <a:solidFill>
+                  <a:srgbClr val="FEFCE8"/>
+                </a:solidFill>
+                <a:latin typeface="Oxygen" panose="02000503000000000000" pitchFamily="2" charset="0"/>
+              </a:rPr>
+              <a:t>			</a:t>
+            </a:r>
+            <a:r>
+              <a:rPr lang="en-US" sz="3400" b="1" dirty="0" err="1">
+                <a:solidFill>
+                  <a:srgbClr val="FEFCE8"/>
+                </a:solidFill>
+                <a:latin typeface="Oxygen" panose="02000503000000000000" pitchFamily="2" charset="0"/>
+              </a:rPr>
+              <a:t>JDBCCtr</a:t>
+            </a:r>
+            <a:r>
+              <a:rPr lang="en-US" sz="3400" b="1" dirty="0">
+                <a:solidFill>
+                  <a:srgbClr val="FEFCE8"/>
+                </a:solidFill>
+                <a:latin typeface="Oxygen" panose="02000503000000000000" pitchFamily="2" charset="0"/>
+              </a:rPr>
+              <a:t> </a:t>
+            </a:r>
+            <a:r>
+              <a:rPr lang="en-US" sz="3400" b="1" dirty="0" err="1">
+                <a:solidFill>
+                  <a:srgbClr val="FEFCE8"/>
+                </a:solidFill>
+                <a:latin typeface="Oxygen" panose="02000503000000000000" pitchFamily="2" charset="0"/>
+              </a:rPr>
+              <a:t>jdbcCtr</a:t>
+            </a:r>
+            <a:endParaRPr lang="en-US" sz="3400" b="1" dirty="0">
+              <a:solidFill>
+                <a:srgbClr val="FEFCE8"/>
+              </a:solidFill>
+              <a:latin typeface="Oxygen" panose="02000503000000000000" pitchFamily="2" charset="0"/>
+            </a:endParaRPr>
+          </a:p>
+          <a:p>
+            <a:pPr lvl="2">
+              <a:lnSpc>
+                <a:spcPts val="3200"/>
+              </a:lnSpc>
+            </a:pPr>
+            <a:br>
+              <a:rPr lang="en-US" sz="3400" b="1" dirty="0">
+                <a:solidFill>
+                  <a:srgbClr val="FEFCE8"/>
+                </a:solidFill>
+                <a:latin typeface="Oxygen" panose="02000503000000000000" pitchFamily="2" charset="0"/>
+              </a:rPr>
+            </a:br>
+            <a:r>
+              <a:rPr lang="en-US" sz="3400" b="1" dirty="0">
+                <a:solidFill>
+                  <a:srgbClr val="FEFCE8"/>
+                </a:solidFill>
+                <a:latin typeface="Oxygen" panose="02000503000000000000" pitchFamily="2" charset="0"/>
+              </a:rPr>
+              <a:t>		attachments	</a:t>
+            </a:r>
+          </a:p>
+          <a:p>
+            <a:pPr lvl="2">
+              <a:lnSpc>
+                <a:spcPts val="3200"/>
+              </a:lnSpc>
+            </a:pPr>
+            <a:r>
+              <a:rPr lang="en-US" sz="3400" b="1" dirty="0">
+                <a:solidFill>
+                  <a:srgbClr val="FEFCE8"/>
+                </a:solidFill>
+                <a:latin typeface="Oxygen" panose="02000503000000000000" pitchFamily="2" charset="0"/>
+              </a:rPr>
+              <a:t>			connect </a:t>
+            </a:r>
+            <a:r>
+              <a:rPr lang="en-US" sz="3400" b="1" dirty="0" err="1">
+                <a:solidFill>
+                  <a:srgbClr val="FEFCE8"/>
+                </a:solidFill>
+                <a:latin typeface="Oxygen" panose="02000503000000000000" pitchFamily="2" charset="0"/>
+              </a:rPr>
+              <a:t>rh.dbIface</a:t>
+            </a:r>
+            <a:r>
+              <a:rPr lang="en-US" sz="3400" b="1" dirty="0">
+                <a:solidFill>
+                  <a:srgbClr val="FEFCE8"/>
+                </a:solidFill>
+                <a:latin typeface="Oxygen" panose="02000503000000000000" pitchFamily="2" charset="0"/>
+              </a:rPr>
+              <a:t> and </a:t>
+            </a:r>
+            <a:r>
+              <a:rPr lang="en-US" sz="3400" b="1" dirty="0" err="1">
+                <a:solidFill>
+                  <a:srgbClr val="FEFCE8"/>
+                </a:solidFill>
+                <a:latin typeface="Oxygen" panose="02000503000000000000" pitchFamily="2" charset="0"/>
+              </a:rPr>
+              <a:t>db.dbIface</a:t>
+            </a:r>
+            <a:r>
+              <a:rPr lang="en-US" sz="3400" b="1" dirty="0">
+                <a:solidFill>
+                  <a:srgbClr val="FEFCE8"/>
+                </a:solidFill>
+                <a:latin typeface="Oxygen" panose="02000503000000000000" pitchFamily="2" charset="0"/>
+              </a:rPr>
+              <a:t> 			with </a:t>
+            </a:r>
+            <a:r>
+              <a:rPr lang="en-US" sz="3400" b="1" dirty="0" err="1">
+                <a:solidFill>
+                  <a:srgbClr val="FEFCE8"/>
+                </a:solidFill>
+                <a:latin typeface="Oxygen" panose="02000503000000000000" pitchFamily="2" charset="0"/>
+              </a:rPr>
+              <a:t>jdbcCtr</a:t>
+            </a:r>
+            <a:endParaRPr lang="en-US" sz="3400" b="1" dirty="0">
+              <a:solidFill>
+                <a:srgbClr val="FEFCE8"/>
+              </a:solidFill>
+              <a:latin typeface="Oxygen" panose="02000503000000000000" pitchFamily="2" charset="0"/>
+            </a:endParaRPr>
+          </a:p>
+          <a:p>
+            <a:pPr lvl="2">
+              <a:lnSpc>
+                <a:spcPts val="3200"/>
+              </a:lnSpc>
+            </a:pPr>
+            <a:br>
+              <a:rPr lang="en-US" sz="3400" b="1" dirty="0">
+                <a:solidFill>
+                  <a:srgbClr val="FEFCE8"/>
+                </a:solidFill>
+                <a:latin typeface="Oxygen" panose="02000503000000000000" pitchFamily="2" charset="0"/>
+              </a:rPr>
+            </a:br>
+            <a:r>
+              <a:rPr lang="en-US" sz="3400" b="1" dirty="0">
+                <a:solidFill>
+                  <a:srgbClr val="FEFCE8"/>
+                </a:solidFill>
+                <a:latin typeface="Oxygen" panose="02000503000000000000" pitchFamily="2" charset="0"/>
+              </a:rPr>
+              <a:t>		bindings </a:t>
+            </a:r>
+          </a:p>
+          <a:p>
+            <a:pPr lvl="2">
+              <a:lnSpc>
+                <a:spcPts val="3200"/>
+              </a:lnSpc>
+            </a:pPr>
+            <a:r>
+              <a:rPr lang="en-US" sz="3400" b="1" dirty="0">
+                <a:solidFill>
+                  <a:srgbClr val="FEFCE8"/>
+                </a:solidFill>
+                <a:latin typeface="Oxygen" panose="02000503000000000000" pitchFamily="2" charset="0"/>
+              </a:rPr>
+              <a:t>			</a:t>
+            </a:r>
+            <a:r>
+              <a:rPr lang="en-US" sz="3400" b="1" dirty="0" err="1">
+                <a:solidFill>
+                  <a:srgbClr val="FEFCE8"/>
+                </a:solidFill>
+                <a:latin typeface="Oxygen" panose="02000503000000000000" pitchFamily="2" charset="0"/>
+              </a:rPr>
+              <a:t>sendInfo</a:t>
+            </a:r>
+            <a:r>
+              <a:rPr lang="en-US" sz="3400" b="1" dirty="0">
+                <a:solidFill>
+                  <a:srgbClr val="FEFCE8"/>
+                </a:solidFill>
+                <a:latin typeface="Oxygen" panose="02000503000000000000" pitchFamily="2" charset="0"/>
+              </a:rPr>
+              <a:t> is </a:t>
+            </a:r>
+            <a:r>
+              <a:rPr lang="en-US" sz="3400" b="1" dirty="0" err="1">
+                <a:solidFill>
+                  <a:srgbClr val="FEFCE8"/>
+                </a:solidFill>
+                <a:latin typeface="Oxygen" panose="02000503000000000000" pitchFamily="2" charset="0"/>
+              </a:rPr>
+              <a:t>rh.sendInfo</a:t>
+            </a:r>
+            <a:br>
+              <a:rPr lang="en-US" sz="3400" b="1" dirty="0">
+                <a:solidFill>
+                  <a:srgbClr val="FEFCE8"/>
+                </a:solidFill>
+                <a:latin typeface="Oxygen" panose="02000503000000000000" pitchFamily="2" charset="0"/>
+              </a:rPr>
+            </a:br>
+            <a:endParaRPr lang="en-US" sz="3400" b="1" dirty="0">
+              <a:solidFill>
+                <a:srgbClr val="FEFCE8"/>
+              </a:solidFill>
+              <a:latin typeface="Oxygen" panose="02000503000000000000" pitchFamily="2" charset="0"/>
+            </a:endParaRPr>
+          </a:p>
+        </p:txBody>
+      </p:sp>
+      <p:sp>
+        <p:nvSpPr>
+          <p:cNvPr id="155" name="TextBox 154"/>
+          <p:cNvSpPr txBox="1"/>
+          <p:nvPr/>
+        </p:nvSpPr>
+        <p:spPr>
+          <a:xfrm>
+            <a:off x="21108011" y="34035737"/>
+            <a:ext cx="10074861" cy="7894469"/>
+          </a:xfrm>
+          <a:prstGeom prst="rect">
+            <a:avLst/>
+          </a:prstGeom>
+          <a:noFill/>
+        </p:spPr>
+        <p:txBody>
+          <a:bodyPr wrap="square" rtlCol="0">
+            <a:spAutoFit/>
+          </a:bodyPr>
+          <a:lstStyle/>
+          <a:p>
+            <a:r>
+              <a:rPr lang="en-US" sz="3900" b="1" dirty="0">
+                <a:solidFill>
+                  <a:srgbClr val="FEFCE8"/>
+                </a:solidFill>
+                <a:latin typeface="Oxygen" panose="02000503000000000000" pitchFamily="2" charset="0"/>
+              </a:rPr>
+              <a:t>architecture </a:t>
+            </a:r>
+          </a:p>
+          <a:p>
+            <a:r>
+              <a:rPr lang="en-US" sz="3900" b="1" dirty="0">
+                <a:solidFill>
+                  <a:srgbClr val="FEFCE8"/>
+                </a:solidFill>
+                <a:latin typeface="Oxygen" panose="02000503000000000000" pitchFamily="2" charset="0"/>
+              </a:rPr>
+              <a:t>	components</a:t>
+            </a:r>
+          </a:p>
+          <a:p>
+            <a:r>
+              <a:rPr lang="en-US" sz="3900" b="1" dirty="0">
+                <a:solidFill>
+                  <a:srgbClr val="FEFCE8"/>
+                </a:solidFill>
+                <a:latin typeface="Oxygen" panose="02000503000000000000" pitchFamily="2" charset="0"/>
+              </a:rPr>
+              <a:t>		Client </a:t>
+            </a:r>
+            <a:r>
+              <a:rPr lang="en-US" sz="3900" b="1" dirty="0" err="1">
+                <a:solidFill>
+                  <a:srgbClr val="FEFCE8"/>
+                </a:solidFill>
+                <a:latin typeface="Oxygen" panose="02000503000000000000" pitchFamily="2" charset="0"/>
+              </a:rPr>
+              <a:t>client</a:t>
+            </a:r>
+            <a:endParaRPr lang="en-US" sz="3900" b="1" dirty="0">
+              <a:solidFill>
+                <a:srgbClr val="FEFCE8"/>
+              </a:solidFill>
+              <a:latin typeface="Oxygen" panose="02000503000000000000" pitchFamily="2" charset="0"/>
+            </a:endParaRPr>
+          </a:p>
+          <a:p>
+            <a:r>
+              <a:rPr lang="en-US" sz="3900" b="1" dirty="0">
+                <a:solidFill>
+                  <a:srgbClr val="FEFCE8"/>
+                </a:solidFill>
+                <a:latin typeface="Oxygen" panose="02000503000000000000" pitchFamily="2" charset="0"/>
+              </a:rPr>
+              <a:t>		Server </a:t>
+            </a:r>
+            <a:r>
+              <a:rPr lang="en-US" sz="3900" b="1" dirty="0" err="1">
+                <a:solidFill>
+                  <a:srgbClr val="FEFCE8"/>
+                </a:solidFill>
+                <a:latin typeface="Oxygen" panose="02000503000000000000" pitchFamily="2" charset="0"/>
+              </a:rPr>
+              <a:t>server</a:t>
+            </a:r>
+            <a:endParaRPr lang="en-US" sz="3900" b="1" dirty="0">
+              <a:solidFill>
+                <a:srgbClr val="FEFCE8"/>
+              </a:solidFill>
+              <a:latin typeface="Oxygen" panose="02000503000000000000" pitchFamily="2" charset="0"/>
+            </a:endParaRPr>
+          </a:p>
+          <a:p>
+            <a:br>
+              <a:rPr lang="en-US" sz="3900" b="1" dirty="0">
+                <a:solidFill>
+                  <a:srgbClr val="FEFCE8"/>
+                </a:solidFill>
+                <a:latin typeface="Oxygen" panose="02000503000000000000" pitchFamily="2" charset="0"/>
+              </a:rPr>
+            </a:br>
+            <a:r>
+              <a:rPr lang="en-US" sz="3900" b="1" dirty="0">
+                <a:solidFill>
+                  <a:srgbClr val="FEFCE8"/>
+                </a:solidFill>
+                <a:latin typeface="Oxygen" panose="02000503000000000000" pitchFamily="2" charset="0"/>
+              </a:rPr>
+              <a:t>	connectors</a:t>
+            </a:r>
+          </a:p>
+          <a:p>
+            <a:r>
+              <a:rPr lang="en-US" sz="3900" b="1" dirty="0">
+                <a:solidFill>
+                  <a:srgbClr val="FEFCE8"/>
+                </a:solidFill>
+                <a:latin typeface="Oxygen" panose="02000503000000000000" pitchFamily="2" charset="0"/>
+              </a:rPr>
+              <a:t>		</a:t>
+            </a:r>
+            <a:r>
+              <a:rPr lang="en-US" sz="3900" b="1" dirty="0" err="1">
+                <a:solidFill>
+                  <a:srgbClr val="FEFCE8"/>
+                </a:solidFill>
+                <a:latin typeface="Oxygen" panose="02000503000000000000" pitchFamily="2" charset="0"/>
+              </a:rPr>
+              <a:t>JSONCtr</a:t>
+            </a:r>
+            <a:r>
+              <a:rPr lang="en-US" sz="3900" b="1" dirty="0">
+                <a:solidFill>
+                  <a:srgbClr val="FEFCE8"/>
+                </a:solidFill>
+                <a:latin typeface="Oxygen" panose="02000503000000000000" pitchFamily="2" charset="0"/>
+              </a:rPr>
+              <a:t> </a:t>
+            </a:r>
+            <a:r>
+              <a:rPr lang="en-US" sz="3900" b="1" dirty="0" err="1">
+                <a:solidFill>
+                  <a:srgbClr val="FEFCE8"/>
+                </a:solidFill>
+                <a:latin typeface="Oxygen" panose="02000503000000000000" pitchFamily="2" charset="0"/>
+              </a:rPr>
+              <a:t>jsonCtr</a:t>
+            </a:r>
+            <a:endParaRPr lang="en-US" sz="3900" b="1" dirty="0">
+              <a:solidFill>
+                <a:srgbClr val="FEFCE8"/>
+              </a:solidFill>
+              <a:latin typeface="Oxygen" panose="02000503000000000000" pitchFamily="2" charset="0"/>
+            </a:endParaRPr>
+          </a:p>
+          <a:p>
+            <a:r>
+              <a:rPr lang="en-US" sz="3900" b="1" dirty="0">
+                <a:solidFill>
+                  <a:srgbClr val="FEFCE8"/>
+                </a:solidFill>
+                <a:latin typeface="Oxygen" panose="02000503000000000000" pitchFamily="2" charset="0"/>
+              </a:rPr>
+              <a:t>	attachments </a:t>
+            </a:r>
+          </a:p>
+          <a:p>
+            <a:r>
+              <a:rPr lang="en-US" sz="3900" b="1" dirty="0">
+                <a:solidFill>
+                  <a:srgbClr val="FEFCE8"/>
+                </a:solidFill>
+                <a:latin typeface="Oxygen" panose="02000503000000000000" pitchFamily="2" charset="0"/>
+              </a:rPr>
+              <a:t>		Connect </a:t>
+            </a:r>
+            <a:r>
+              <a:rPr lang="en-US" sz="3900" b="1" dirty="0" err="1">
+                <a:solidFill>
+                  <a:srgbClr val="FEFCE8"/>
+                </a:solidFill>
+                <a:latin typeface="Oxygen" panose="02000503000000000000" pitchFamily="2" charset="0"/>
+              </a:rPr>
+              <a:t>client.getInfo</a:t>
+            </a:r>
+            <a:r>
+              <a:rPr lang="en-US" sz="3900" b="1" dirty="0">
+                <a:solidFill>
+                  <a:srgbClr val="FEFCE8"/>
+                </a:solidFill>
+                <a:latin typeface="Oxygen" panose="02000503000000000000" pitchFamily="2" charset="0"/>
+              </a:rPr>
+              <a:t> and 				</a:t>
+            </a:r>
+            <a:r>
+              <a:rPr lang="en-US" sz="3900" b="1" dirty="0" err="1">
+                <a:solidFill>
+                  <a:srgbClr val="FEFCE8"/>
+                </a:solidFill>
+                <a:latin typeface="Oxygen" panose="02000503000000000000" pitchFamily="2" charset="0"/>
+              </a:rPr>
+              <a:t>server.sendInfo</a:t>
+            </a:r>
+            <a:r>
+              <a:rPr lang="en-US" sz="3900" b="1" dirty="0">
+                <a:solidFill>
+                  <a:srgbClr val="FEFCE8"/>
+                </a:solidFill>
+                <a:latin typeface="Oxygen" panose="02000503000000000000" pitchFamily="2" charset="0"/>
+              </a:rPr>
+              <a:t> with </a:t>
+            </a:r>
+            <a:r>
+              <a:rPr lang="en-US" sz="3900" b="1" dirty="0" err="1">
+                <a:solidFill>
+                  <a:srgbClr val="FEFCE8"/>
+                </a:solidFill>
+                <a:latin typeface="Oxygen" panose="02000503000000000000" pitchFamily="2" charset="0"/>
+              </a:rPr>
+              <a:t>jsonCtr</a:t>
+            </a:r>
+            <a:endParaRPr lang="en-US" sz="3900" b="1" dirty="0">
+              <a:solidFill>
+                <a:srgbClr val="FEFCE8"/>
+              </a:solidFill>
+              <a:latin typeface="Oxygen" panose="02000503000000000000" pitchFamily="2" charset="0"/>
+            </a:endParaRPr>
+          </a:p>
+          <a:p>
+            <a:br>
+              <a:rPr lang="en-US" sz="3900" b="1" dirty="0">
+                <a:solidFill>
+                  <a:srgbClr val="FEFCE8"/>
+                </a:solidFill>
+                <a:latin typeface="Oxygen" panose="02000503000000000000" pitchFamily="2" charset="0"/>
+              </a:rPr>
+            </a:br>
+            <a:r>
+              <a:rPr lang="en-US" sz="3900" b="1" dirty="0">
+                <a:solidFill>
+                  <a:srgbClr val="FEFCE8"/>
+                </a:solidFill>
+                <a:latin typeface="Oxygen" panose="02000503000000000000" pitchFamily="2" charset="0"/>
+              </a:rPr>
+              <a:t>	</a:t>
+            </a:r>
+            <a:r>
+              <a:rPr lang="en-US" sz="3900" b="1" dirty="0" err="1">
+                <a:solidFill>
+                  <a:srgbClr val="FEFCE8"/>
+                </a:solidFill>
+                <a:latin typeface="Oxygen" panose="02000503000000000000" pitchFamily="2" charset="0"/>
+              </a:rPr>
+              <a:t>entryPoints</a:t>
+            </a:r>
+            <a:endParaRPr lang="en-US" sz="3900" b="1" dirty="0">
+              <a:solidFill>
+                <a:srgbClr val="FEFCE8"/>
+              </a:solidFill>
+              <a:latin typeface="Oxygen" panose="02000503000000000000" pitchFamily="2" charset="0"/>
+            </a:endParaRPr>
+          </a:p>
+          <a:p>
+            <a:r>
+              <a:rPr lang="en-US" sz="3900" b="1" dirty="0">
+                <a:solidFill>
+                  <a:srgbClr val="FEFCE8"/>
+                </a:solidFill>
+                <a:latin typeface="Oxygen" panose="02000503000000000000" pitchFamily="2" charset="0"/>
+              </a:rPr>
+              <a:t>		Client: start</a:t>
+            </a:r>
+            <a:endParaRPr lang="en-US" sz="3900" b="1" dirty="0">
+              <a:solidFill>
+                <a:srgbClr val="FEFCE8"/>
+              </a:solidFill>
+              <a:latin typeface="Oxygen" panose="02000503000000000000" pitchFamily="2" charset="0"/>
+            </a:endParaRPr>
+          </a:p>
+        </p:txBody>
+      </p:sp>
     </p:spTree>
   </p:cSld>
   <p:clrMapOvr>

--- a/CMU REUSE 2017 Poster.pptx
+++ b/CMU REUSE 2017 Poster.pptx
@@ -4642,110 +4642,6 @@
           </a:p>
         </p:txBody>
       </p:sp>
-      <p:grpSp>
-        <p:nvGrpSpPr>
-          <p:cNvPr id="6" name="Group 5"/>
-          <p:cNvGrpSpPr/>
-          <p:nvPr/>
-        </p:nvGrpSpPr>
-        <p:grpSpPr>
-          <a:xfrm>
-            <a:off x="23762861" y="21610757"/>
-            <a:ext cx="6504413" cy="2368951"/>
-            <a:chOff x="22524981" y="21905867"/>
-            <a:chExt cx="7742294" cy="2819796"/>
-          </a:xfrm>
-        </p:grpSpPr>
-        <p:sp>
-          <p:nvSpPr>
-            <p:cNvPr id="77" name="Arrow: Pentagon 76"/>
-            <p:cNvSpPr/>
-            <p:nvPr/>
-          </p:nvSpPr>
-          <p:spPr>
-            <a:xfrm rot="10800000">
-              <a:off x="22524981" y="21905867"/>
-              <a:ext cx="7742294" cy="2819796"/>
-            </a:xfrm>
-            <a:prstGeom prst="homePlate">
-              <a:avLst/>
-            </a:prstGeom>
-            <a:solidFill>
-              <a:schemeClr val="bg1">
-                <a:lumMod val="65000"/>
-              </a:schemeClr>
-            </a:solidFill>
-            <a:ln>
-              <a:noFill/>
-            </a:ln>
-          </p:spPr>
-          <p:style>
-            <a:lnRef idx="2">
-              <a:schemeClr val="accent1">
-                <a:shade val="50000"/>
-              </a:schemeClr>
-            </a:lnRef>
-            <a:fillRef idx="1">
-              <a:schemeClr val="accent1"/>
-            </a:fillRef>
-            <a:effectRef idx="0">
-              <a:schemeClr val="accent1"/>
-            </a:effectRef>
-            <a:fontRef idx="minor">
-              <a:schemeClr val="lt1"/>
-            </a:fontRef>
-          </p:style>
-          <p:txBody>
-            <a:bodyPr rtlCol="0" anchor="ctr"/>
-            <a:lstStyle/>
-            <a:p>
-              <a:pPr algn="ctr"/>
-              <a:r>
-                <a:rPr lang="en-US" dirty="0"/>
-                <a:t>f</a:t>
-              </a:r>
-            </a:p>
-          </p:txBody>
-        </p:sp>
-        <p:sp>
-          <p:nvSpPr>
-            <p:cNvPr id="78" name="TextBox 77"/>
-            <p:cNvSpPr txBox="1"/>
-            <p:nvPr/>
-          </p:nvSpPr>
-          <p:spPr>
-            <a:xfrm>
-              <a:off x="23997928" y="22285439"/>
-              <a:ext cx="5342715" cy="1631217"/>
-            </a:xfrm>
-            <a:prstGeom prst="rect">
-              <a:avLst/>
-            </a:prstGeom>
-            <a:solidFill>
-              <a:schemeClr val="bg1">
-                <a:lumMod val="65000"/>
-              </a:schemeClr>
-            </a:solidFill>
-          </p:spPr>
-          <p:txBody>
-            <a:bodyPr wrap="square" rtlCol="0">
-              <a:spAutoFit/>
-            </a:bodyPr>
-            <a:lstStyle/>
-            <a:p>
-              <a:r>
-                <a:rPr lang="en-US" sz="10000" b="1" i="1" dirty="0">
-                  <a:solidFill>
-                    <a:schemeClr val="bg1"/>
-                  </a:solidFill>
-                  <a:latin typeface="Oxygen" panose="02000503000000000000" pitchFamily="2" charset="0"/>
-                </a:rPr>
-                <a:t>Design</a:t>
-              </a:r>
-            </a:p>
-          </p:txBody>
-        </p:sp>
-      </p:grpSp>
       <p:grpSp>
         <p:nvGrpSpPr>
           <p:cNvPr id="50" name="Group 49"/>
@@ -7561,212 +7457,30 @@
           </p:grpSp>
         </p:grpSp>
       </p:grpSp>
-      <p:sp>
-        <p:nvSpPr>
-          <p:cNvPr id="119" name="TextBox 118"/>
-          <p:cNvSpPr txBox="1"/>
-          <p:nvPr/>
-        </p:nvSpPr>
-        <p:spPr>
-          <a:xfrm>
-            <a:off x="759006" y="22838900"/>
-            <a:ext cx="10598612" cy="4247317"/>
-          </a:xfrm>
-          <a:prstGeom prst="rect">
-            <a:avLst/>
-          </a:prstGeom>
-          <a:noFill/>
-        </p:spPr>
-        <p:txBody>
-          <a:bodyPr wrap="square" rtlCol="0">
-            <a:spAutoFit/>
-          </a:bodyPr>
-          <a:lstStyle/>
-          <a:p>
-            <a:r>
-              <a:rPr lang="en-US" sz="3000" i="1" dirty="0">
-                <a:solidFill>
-                  <a:schemeClr val="accent1">
-                    <a:lumMod val="75000"/>
-                  </a:schemeClr>
-                </a:solidFill>
-                <a:latin typeface="Oxygen" panose="02000503000000000000" pitchFamily="2" charset="0"/>
-              </a:rPr>
-              <a:t>Architecture concepts are runtime entities in Trinity</a:t>
-            </a:r>
-            <a:endParaRPr lang="en-US" sz="3000" dirty="0">
-              <a:solidFill>
-                <a:schemeClr val="accent1">
-                  <a:lumMod val="75000"/>
-                </a:schemeClr>
-              </a:solidFill>
-              <a:latin typeface="Oxygen" panose="02000503000000000000" pitchFamily="2" charset="0"/>
-            </a:endParaRPr>
-          </a:p>
-          <a:p>
-            <a:endParaRPr lang="en-US" sz="3000" i="1" dirty="0">
-              <a:solidFill>
-                <a:schemeClr val="accent1">
-                  <a:lumMod val="75000"/>
-                </a:schemeClr>
-              </a:solidFill>
-              <a:latin typeface="Oxygen" panose="02000503000000000000" pitchFamily="2" charset="0"/>
-            </a:endParaRPr>
-          </a:p>
-          <a:p>
-            <a:endParaRPr lang="en-US" sz="3000" i="1" dirty="0">
-              <a:solidFill>
-                <a:schemeClr val="accent1">
-                  <a:lumMod val="75000"/>
-                </a:schemeClr>
-              </a:solidFill>
-              <a:latin typeface="Oxygen" panose="02000503000000000000" pitchFamily="2" charset="0"/>
-            </a:endParaRPr>
-          </a:p>
-          <a:p>
-            <a:r>
-              <a:rPr lang="en-US" sz="3000" dirty="0">
-                <a:solidFill>
-                  <a:schemeClr val="accent1">
-                    <a:lumMod val="75000"/>
-                  </a:schemeClr>
-                </a:solidFill>
-                <a:latin typeface="Oxygen" panose="02000503000000000000" pitchFamily="2" charset="0"/>
-              </a:rPr>
-              <a:t>&lt;This is an explanation of the different architecture entities in Trinity, not specific to an example&gt;</a:t>
-            </a:r>
-          </a:p>
-          <a:p>
-            <a:r>
-              <a:rPr lang="en-US" sz="3000" b="1" dirty="0">
-                <a:solidFill>
-                  <a:schemeClr val="accent1">
-                    <a:lumMod val="75000"/>
-                  </a:schemeClr>
-                </a:solidFill>
-                <a:latin typeface="Oxygen" panose="02000503000000000000" pitchFamily="2" charset="0"/>
-              </a:rPr>
-              <a:t>Component</a:t>
-            </a:r>
-          </a:p>
-          <a:p>
-            <a:r>
-              <a:rPr lang="en-US" sz="3000" b="1" dirty="0">
-                <a:solidFill>
-                  <a:schemeClr val="accent1">
-                    <a:lumMod val="75000"/>
-                  </a:schemeClr>
-                </a:solidFill>
-                <a:latin typeface="Oxygen" panose="02000503000000000000" pitchFamily="2" charset="0"/>
-              </a:rPr>
-              <a:t>Connector</a:t>
-            </a:r>
-          </a:p>
-          <a:p>
-            <a:r>
-              <a:rPr lang="en-US" sz="3000" b="1" dirty="0" err="1">
-                <a:solidFill>
-                  <a:schemeClr val="accent1">
-                    <a:lumMod val="75000"/>
-                  </a:schemeClr>
-                </a:solidFill>
-                <a:latin typeface="Oxygen" panose="02000503000000000000" pitchFamily="2" charset="0"/>
-              </a:rPr>
-              <a:t>entryPoints</a:t>
-            </a:r>
-            <a:r>
-              <a:rPr lang="en-US" sz="3000" b="1" dirty="0">
-                <a:solidFill>
-                  <a:schemeClr val="accent1">
-                    <a:lumMod val="75000"/>
-                  </a:schemeClr>
-                </a:solidFill>
-                <a:latin typeface="Oxygen" panose="02000503000000000000" pitchFamily="2" charset="0"/>
-              </a:rPr>
-              <a:t>(?)</a:t>
-            </a:r>
-          </a:p>
-          <a:p>
-            <a:endParaRPr lang="en-US" sz="3000" b="1" dirty="0">
-              <a:solidFill>
-                <a:schemeClr val="accent1">
-                  <a:lumMod val="75000"/>
-                </a:schemeClr>
-              </a:solidFill>
-              <a:latin typeface="Oxygen" panose="02000503000000000000" pitchFamily="2" charset="0"/>
-            </a:endParaRPr>
-          </a:p>
-        </p:txBody>
-      </p:sp>
       <p:grpSp>
         <p:nvGrpSpPr>
-          <p:cNvPr id="122" name="Group 121"/>
+          <p:cNvPr id="163" name="Group 162"/>
           <p:cNvGrpSpPr/>
           <p:nvPr/>
         </p:nvGrpSpPr>
         <p:grpSpPr>
           <a:xfrm>
-            <a:off x="-820465" y="21233091"/>
-            <a:ext cx="8650551" cy="1477415"/>
-            <a:chOff x="-870930" y="22165668"/>
-            <a:chExt cx="9450261" cy="1723158"/>
+            <a:off x="1247974" y="21217137"/>
+            <a:ext cx="14860472" cy="8325374"/>
+            <a:chOff x="-5555993" y="21185074"/>
+            <a:chExt cx="14860472" cy="8325374"/>
           </a:xfrm>
         </p:grpSpPr>
         <p:sp>
           <p:nvSpPr>
-            <p:cNvPr id="120" name="Arrow: Chevron 119"/>
-            <p:cNvSpPr/>
-            <p:nvPr/>
-          </p:nvSpPr>
-          <p:spPr>
-            <a:xfrm rot="10800000">
-              <a:off x="-870930" y="22165668"/>
-              <a:ext cx="9450261" cy="1723158"/>
-            </a:xfrm>
-            <a:prstGeom prst="chevron">
-              <a:avLst/>
-            </a:prstGeom>
-          </p:spPr>
-          <p:style>
-            <a:lnRef idx="2">
-              <a:schemeClr val="accent1">
-                <a:shade val="50000"/>
-              </a:schemeClr>
-            </a:lnRef>
-            <a:fillRef idx="1">
-              <a:schemeClr val="accent1"/>
-            </a:fillRef>
-            <a:effectRef idx="0">
-              <a:schemeClr val="accent1"/>
-            </a:effectRef>
-            <a:fontRef idx="minor">
-              <a:schemeClr val="lt1"/>
-            </a:fontRef>
-          </p:style>
-          <p:txBody>
-            <a:bodyPr rtlCol="0" anchor="ctr"/>
-            <a:lstStyle/>
-            <a:p>
-              <a:pPr algn="ctr"/>
-              <a:endParaRPr lang="en-US" sz="4000" dirty="0">
-                <a:solidFill>
-                  <a:schemeClr val="tx1"/>
-                </a:solidFill>
-                <a:latin typeface="Oxygen" panose="02000503000000000000" pitchFamily="2" charset="0"/>
-              </a:endParaRPr>
-            </a:p>
-          </p:txBody>
-        </p:sp>
-        <p:sp>
-          <p:nvSpPr>
-            <p:cNvPr id="121" name="TextBox 120"/>
+            <p:cNvPr id="119" name="TextBox 118"/>
             <p:cNvSpPr txBox="1"/>
             <p:nvPr/>
           </p:nvSpPr>
           <p:spPr>
             <a:xfrm>
-              <a:off x="395115" y="22610693"/>
-              <a:ext cx="7258932" cy="825631"/>
+              <a:off x="-5555993" y="23416472"/>
+              <a:ext cx="14860472" cy="6093976"/>
             </a:xfrm>
             <a:prstGeom prst="rect">
               <a:avLst/>
@@ -7780,117 +7494,368 @@
             <a:lstStyle/>
             <a:p>
               <a:r>
-                <a:rPr lang="en-US" sz="4000" b="1" dirty="0">
+                <a:rPr lang="en-US" sz="3000" i="1" dirty="0">
                   <a:solidFill>
-                    <a:schemeClr val="bg1">
-                      <a:lumMod val="85000"/>
+                    <a:schemeClr val="accent1">
+                      <a:lumMod val="75000"/>
                     </a:schemeClr>
                   </a:solidFill>
                   <a:latin typeface="Oxygen" panose="02000503000000000000" pitchFamily="2" charset="0"/>
                 </a:rPr>
-                <a:t>Implementation Concepts</a:t>
+                <a:t>Architecture concepts  are translated into </a:t>
               </a:r>
+              <a:r>
+                <a:rPr lang="en-US" sz="3000" i="1" dirty="0" err="1">
+                  <a:solidFill>
+                    <a:schemeClr val="accent1">
+                      <a:lumMod val="75000"/>
+                    </a:schemeClr>
+                  </a:solidFill>
+                  <a:latin typeface="Oxygen" panose="02000503000000000000" pitchFamily="2" charset="0"/>
+                </a:rPr>
+                <a:t>untime</a:t>
+              </a:r>
+              <a:r>
+                <a:rPr lang="en-US" sz="3000" i="1" dirty="0">
+                  <a:solidFill>
+                    <a:schemeClr val="accent1">
+                      <a:lumMod val="75000"/>
+                    </a:schemeClr>
+                  </a:solidFill>
+                  <a:latin typeface="Oxygen" panose="02000503000000000000" pitchFamily="2" charset="0"/>
+                </a:rPr>
+                <a:t> entities in Trinity</a:t>
+              </a:r>
+              <a:endParaRPr lang="en-US" sz="3000" dirty="0">
+                <a:solidFill>
+                  <a:schemeClr val="accent1">
+                    <a:lumMod val="75000"/>
+                  </a:schemeClr>
+                </a:solidFill>
+                <a:latin typeface="Oxygen" panose="02000503000000000000" pitchFamily="2" charset="0"/>
+              </a:endParaRPr>
+            </a:p>
+            <a:p>
+              <a:endParaRPr lang="en-US" sz="3000" i="1" dirty="0">
+                <a:solidFill>
+                  <a:schemeClr val="accent1">
+                    <a:lumMod val="75000"/>
+                  </a:schemeClr>
+                </a:solidFill>
+                <a:latin typeface="Oxygen" panose="02000503000000000000" pitchFamily="2" charset="0"/>
+              </a:endParaRPr>
+            </a:p>
+            <a:p>
+              <a:endParaRPr lang="en-US" sz="3000" dirty="0">
+                <a:solidFill>
+                  <a:schemeClr val="accent1">
+                    <a:lumMod val="75000"/>
+                  </a:schemeClr>
+                </a:solidFill>
+                <a:latin typeface="Oxygen" panose="02000503000000000000" pitchFamily="2" charset="0"/>
+              </a:endParaRPr>
+            </a:p>
+            <a:p>
+              <a:r>
+                <a:rPr lang="en-US" sz="3000" dirty="0">
+                  <a:solidFill>
+                    <a:schemeClr val="accent1">
+                      <a:lumMod val="75000"/>
+                    </a:schemeClr>
+                  </a:solidFill>
+                  <a:latin typeface="Oxygen" panose="02000503000000000000" pitchFamily="2" charset="0"/>
+                </a:rPr>
+                <a:t>&lt;This is an explanation of the different architecture entities in Trinity, not specific to an example&gt;</a:t>
+              </a:r>
+            </a:p>
+            <a:p>
+              <a:r>
+                <a:rPr lang="en-US" sz="3000" b="1" dirty="0">
+                  <a:solidFill>
+                    <a:schemeClr val="accent1">
+                      <a:lumMod val="75000"/>
+                    </a:schemeClr>
+                  </a:solidFill>
+                  <a:latin typeface="Oxygen" panose="02000503000000000000" pitchFamily="2" charset="0"/>
+                </a:rPr>
+                <a:t>Component: </a:t>
+              </a:r>
+              <a:r>
+                <a:rPr lang="en-US" sz="3000" dirty="0">
+                  <a:solidFill>
+                    <a:schemeClr val="accent1">
+                      <a:lumMod val="75000"/>
+                    </a:schemeClr>
+                  </a:solidFill>
+                  <a:latin typeface="Oxygen" panose="02000503000000000000" pitchFamily="2" charset="0"/>
+                </a:rPr>
+                <a:t>a </a:t>
+              </a:r>
+              <a:r>
+                <a:rPr lang="en-US" sz="3000" dirty="0">
+                  <a:solidFill>
+                    <a:schemeClr val="accent1">
+                      <a:lumMod val="75000"/>
+                    </a:schemeClr>
+                  </a:solidFill>
+                  <a:latin typeface="Oxygen" panose="02000503000000000000" pitchFamily="2" charset="0"/>
+                </a:rPr>
+                <a:t>runtime entity that may interact with other components through ports.</a:t>
+              </a:r>
+            </a:p>
+            <a:p>
+              <a:endParaRPr lang="en-US" sz="3000" dirty="0">
+                <a:solidFill>
+                  <a:schemeClr val="accent1">
+                    <a:lumMod val="75000"/>
+                  </a:schemeClr>
+                </a:solidFill>
+                <a:latin typeface="Oxygen" panose="02000503000000000000" pitchFamily="2" charset="0"/>
+              </a:endParaRPr>
+            </a:p>
+            <a:p>
+              <a:r>
+                <a:rPr lang="en-US" sz="3000" b="1" dirty="0">
+                  <a:solidFill>
+                    <a:schemeClr val="accent1">
+                      <a:lumMod val="75000"/>
+                    </a:schemeClr>
+                  </a:solidFill>
+                  <a:latin typeface="Oxygen" panose="02000503000000000000" pitchFamily="2" charset="0"/>
+                </a:rPr>
+                <a:t>Connector: </a:t>
+              </a:r>
+              <a:r>
+                <a:rPr lang="en-US" sz="3000" dirty="0">
+                  <a:solidFill>
+                    <a:schemeClr val="accent1">
+                      <a:lumMod val="75000"/>
+                    </a:schemeClr>
+                  </a:solidFill>
+                  <a:latin typeface="Oxygen" panose="02000503000000000000" pitchFamily="2" charset="0"/>
+                </a:rPr>
+                <a:t>interaction pathways that join two compatible component ports.</a:t>
+              </a:r>
+              <a:endParaRPr lang="en-US" sz="3000" dirty="0">
+                <a:solidFill>
+                  <a:schemeClr val="accent1">
+                    <a:lumMod val="75000"/>
+                  </a:schemeClr>
+                </a:solidFill>
+                <a:latin typeface="Oxygen" panose="02000503000000000000" pitchFamily="2" charset="0"/>
+              </a:endParaRPr>
+            </a:p>
+            <a:p>
+              <a:endParaRPr lang="en-US" sz="3000" b="1" dirty="0">
+                <a:solidFill>
+                  <a:schemeClr val="accent1">
+                    <a:lumMod val="75000"/>
+                  </a:schemeClr>
+                </a:solidFill>
+                <a:latin typeface="Oxygen" panose="02000503000000000000" pitchFamily="2" charset="0"/>
+              </a:endParaRPr>
+            </a:p>
+            <a:p>
+              <a:r>
+                <a:rPr lang="en-US" sz="3000" b="1" dirty="0">
+                  <a:solidFill>
+                    <a:schemeClr val="accent1">
+                      <a:lumMod val="75000"/>
+                    </a:schemeClr>
+                  </a:solidFill>
+                  <a:latin typeface="Oxygen" panose="02000503000000000000" pitchFamily="2" charset="0"/>
+                </a:rPr>
+                <a:t>Port: </a:t>
+              </a:r>
+              <a:r>
+                <a:rPr lang="en-US" sz="3000" dirty="0">
+                  <a:solidFill>
+                    <a:schemeClr val="accent1">
+                      <a:lumMod val="75000"/>
+                    </a:schemeClr>
+                  </a:solidFill>
+                  <a:latin typeface="Oxygen" panose="02000503000000000000" pitchFamily="2" charset="0"/>
+                </a:rPr>
+                <a:t>component access points that enable interaction with other components.</a:t>
+              </a:r>
+            </a:p>
+            <a:p>
+              <a:endParaRPr lang="en-US" sz="3000" dirty="0">
+                <a:solidFill>
+                  <a:schemeClr val="accent1">
+                    <a:lumMod val="75000"/>
+                  </a:schemeClr>
+                </a:solidFill>
+                <a:latin typeface="Oxygen" panose="02000503000000000000" pitchFamily="2" charset="0"/>
+              </a:endParaRPr>
+            </a:p>
+            <a:p>
+              <a:r>
+                <a:rPr lang="en-US" sz="3000" b="1" dirty="0" err="1">
+                  <a:solidFill>
+                    <a:schemeClr val="accent1">
+                      <a:lumMod val="75000"/>
+                    </a:schemeClr>
+                  </a:solidFill>
+                  <a:latin typeface="Oxygen" panose="02000503000000000000" pitchFamily="2" charset="0"/>
+                </a:rPr>
+                <a:t>entryPoints</a:t>
+              </a:r>
+              <a:r>
+                <a:rPr lang="en-US" sz="3000" b="1" dirty="0">
+                  <a:solidFill>
+                    <a:schemeClr val="accent1">
+                      <a:lumMod val="75000"/>
+                    </a:schemeClr>
+                  </a:solidFill>
+                  <a:latin typeface="Oxygen" panose="02000503000000000000" pitchFamily="2" charset="0"/>
+                </a:rPr>
+                <a:t>: </a:t>
+              </a:r>
+              <a:r>
+                <a:rPr lang="en-US" sz="3000" dirty="0">
+                  <a:solidFill>
+                    <a:schemeClr val="accent1">
+                      <a:lumMod val="75000"/>
+                    </a:schemeClr>
+                  </a:solidFill>
+                  <a:latin typeface="Oxygen" panose="02000503000000000000" pitchFamily="2" charset="0"/>
+                </a:rPr>
+                <a:t>a program starting point that </a:t>
+              </a:r>
+              <a:r>
+                <a:rPr lang="en-US" sz="3000">
+                  <a:solidFill>
+                    <a:schemeClr val="accent1">
+                      <a:lumMod val="75000"/>
+                    </a:schemeClr>
+                  </a:solidFill>
+                  <a:latin typeface="Oxygen" panose="02000503000000000000" pitchFamily="2" charset="0"/>
+                </a:rPr>
+                <a:t>enables execution.</a:t>
+              </a:r>
+              <a:endParaRPr lang="en-US" sz="3000" b="1" dirty="0">
+                <a:solidFill>
+                  <a:schemeClr val="accent1">
+                    <a:lumMod val="75000"/>
+                  </a:schemeClr>
+                </a:solidFill>
+                <a:latin typeface="Oxygen" panose="02000503000000000000" pitchFamily="2" charset="0"/>
+              </a:endParaRPr>
+            </a:p>
+            <a:p>
+              <a:endParaRPr lang="en-US" sz="3000" b="1" dirty="0">
+                <a:solidFill>
+                  <a:schemeClr val="accent1">
+                    <a:lumMod val="75000"/>
+                  </a:schemeClr>
+                </a:solidFill>
+                <a:latin typeface="Oxygen" panose="02000503000000000000" pitchFamily="2" charset="0"/>
+              </a:endParaRPr>
             </a:p>
           </p:txBody>
         </p:sp>
+        <p:grpSp>
+          <p:nvGrpSpPr>
+            <p:cNvPr id="122" name="Group 121"/>
+            <p:cNvGrpSpPr/>
+            <p:nvPr/>
+          </p:nvGrpSpPr>
+          <p:grpSpPr>
+            <a:xfrm>
+              <a:off x="-369917" y="21185074"/>
+              <a:ext cx="9674396" cy="1477415"/>
+              <a:chOff x="-378730" y="22109665"/>
+              <a:chExt cx="10568757" cy="1723158"/>
+            </a:xfrm>
+          </p:grpSpPr>
+          <p:sp>
+            <p:nvSpPr>
+              <p:cNvPr id="120" name="Arrow: Chevron 119"/>
+              <p:cNvSpPr/>
+              <p:nvPr/>
+            </p:nvSpPr>
+            <p:spPr>
+              <a:xfrm rot="10800000">
+                <a:off x="-378730" y="22109665"/>
+                <a:ext cx="10568757" cy="1723158"/>
+              </a:xfrm>
+              <a:prstGeom prst="chevron">
+                <a:avLst/>
+              </a:prstGeom>
+              <a:solidFill>
+                <a:srgbClr val="9EB3BD"/>
+              </a:solidFill>
+              <a:ln>
+                <a:noFill/>
+              </a:ln>
+            </p:spPr>
+            <p:style>
+              <a:lnRef idx="2">
+                <a:schemeClr val="accent1">
+                  <a:shade val="50000"/>
+                </a:schemeClr>
+              </a:lnRef>
+              <a:fillRef idx="1">
+                <a:schemeClr val="accent1"/>
+              </a:fillRef>
+              <a:effectRef idx="0">
+                <a:schemeClr val="accent1"/>
+              </a:effectRef>
+              <a:fontRef idx="minor">
+                <a:schemeClr val="lt1"/>
+              </a:fontRef>
+            </p:style>
+            <p:txBody>
+              <a:bodyPr rtlCol="0" anchor="ctr"/>
+              <a:lstStyle/>
+              <a:p>
+                <a:pPr algn="ctr"/>
+                <a:endParaRPr lang="en-US" sz="4000" dirty="0">
+                  <a:solidFill>
+                    <a:schemeClr val="tx1"/>
+                  </a:solidFill>
+                  <a:latin typeface="Oxygen" panose="02000503000000000000" pitchFamily="2" charset="0"/>
+                </a:endParaRPr>
+              </a:p>
+            </p:txBody>
+          </p:sp>
+          <p:sp>
+            <p:nvSpPr>
+              <p:cNvPr id="121" name="TextBox 120"/>
+              <p:cNvSpPr txBox="1"/>
+              <p:nvPr/>
+            </p:nvSpPr>
+            <p:spPr>
+              <a:xfrm>
+                <a:off x="1081573" y="22558429"/>
+                <a:ext cx="7258932" cy="825631"/>
+              </a:xfrm>
+              <a:prstGeom prst="rect">
+                <a:avLst/>
+              </a:prstGeom>
+              <a:noFill/>
+            </p:spPr>
+            <p:txBody>
+              <a:bodyPr wrap="square" rtlCol="0">
+                <a:spAutoFit/>
+              </a:bodyPr>
+              <a:lstStyle/>
+              <a:p>
+                <a:r>
+                  <a:rPr lang="en-US" sz="4000" b="1" dirty="0">
+                    <a:solidFill>
+                      <a:schemeClr val="bg1"/>
+                    </a:solidFill>
+                    <a:latin typeface="Oxygen" panose="02000503000000000000" pitchFamily="2" charset="0"/>
+                  </a:rPr>
+                  <a:t>Implementation Concepts</a:t>
+                </a:r>
+              </a:p>
+            </p:txBody>
+          </p:sp>
+        </p:grpSp>
       </p:grpSp>
-      <p:sp>
-        <p:nvSpPr>
-          <p:cNvPr id="123" name="TextBox 122"/>
-          <p:cNvSpPr txBox="1"/>
-          <p:nvPr/>
-        </p:nvSpPr>
-        <p:spPr>
-          <a:xfrm>
-            <a:off x="14499771" y="25307028"/>
-            <a:ext cx="8674536" cy="2862322"/>
-          </a:xfrm>
-          <a:prstGeom prst="rect">
-            <a:avLst/>
-          </a:prstGeom>
-          <a:noFill/>
-        </p:spPr>
-        <p:txBody>
-          <a:bodyPr wrap="square" rtlCol="0">
-            <a:spAutoFit/>
-          </a:bodyPr>
-          <a:lstStyle/>
-          <a:p>
-            <a:r>
-              <a:rPr lang="en-US" sz="3000" b="1" dirty="0">
-                <a:solidFill>
-                  <a:schemeClr val="accent1">
-                    <a:lumMod val="75000"/>
-                  </a:schemeClr>
-                </a:solidFill>
-                <a:latin typeface="Oxygen" panose="02000503000000000000" pitchFamily="2" charset="0"/>
-              </a:rPr>
-              <a:t>Demonstrated Principles</a:t>
-            </a:r>
-          </a:p>
-          <a:p>
-            <a:endParaRPr lang="en-US" sz="3000" b="1" dirty="0">
-              <a:solidFill>
-                <a:schemeClr val="accent1">
-                  <a:lumMod val="75000"/>
-                </a:schemeClr>
-              </a:solidFill>
-              <a:latin typeface="Oxygen" panose="02000503000000000000" pitchFamily="2" charset="0"/>
-            </a:endParaRPr>
-          </a:p>
-          <a:p>
-            <a:pPr marL="457200" indent="-457200">
-              <a:buFont typeface="Arial" panose="020B0604020202020204" pitchFamily="34" charset="0"/>
-              <a:buChar char="•"/>
-            </a:pPr>
-            <a:r>
-              <a:rPr lang="en-US" sz="3000" dirty="0">
-                <a:solidFill>
-                  <a:schemeClr val="accent1">
-                    <a:lumMod val="75000"/>
-                  </a:schemeClr>
-                </a:solidFill>
-                <a:latin typeface="Oxygen" panose="02000503000000000000" pitchFamily="2" charset="0"/>
-              </a:rPr>
-              <a:t>Readability</a:t>
-            </a:r>
-          </a:p>
-          <a:p>
-            <a:pPr marL="457200" indent="-457200">
-              <a:buFont typeface="Arial" panose="020B0604020202020204" pitchFamily="34" charset="0"/>
-              <a:buChar char="•"/>
-            </a:pPr>
-            <a:r>
-              <a:rPr lang="en-US" sz="3000" dirty="0">
-                <a:solidFill>
-                  <a:schemeClr val="accent1">
-                    <a:lumMod val="75000"/>
-                  </a:schemeClr>
-                </a:solidFill>
-                <a:latin typeface="Oxygen" panose="02000503000000000000" pitchFamily="2" charset="0"/>
-              </a:rPr>
-              <a:t>Reuse/adaptability</a:t>
-            </a:r>
-          </a:p>
-          <a:p>
-            <a:pPr marL="457200" indent="-457200">
-              <a:buFont typeface="Arial" panose="020B0604020202020204" pitchFamily="34" charset="0"/>
-              <a:buChar char="•"/>
-            </a:pPr>
-            <a:r>
-              <a:rPr lang="en-US" sz="3000" dirty="0">
-                <a:solidFill>
-                  <a:schemeClr val="accent1">
-                    <a:lumMod val="75000"/>
-                  </a:schemeClr>
-                </a:solidFill>
-                <a:latin typeface="Oxygen" panose="02000503000000000000" pitchFamily="2" charset="0"/>
-              </a:rPr>
-              <a:t>Communication integrity, especially in distributed systems</a:t>
-            </a:r>
-          </a:p>
-        </p:txBody>
-      </p:sp>
       <p:sp>
         <p:nvSpPr>
           <p:cNvPr id="124" name="TextBox 123"/>
@@ -9078,7 +9043,7 @@
         </p:nvSpPr>
         <p:spPr>
           <a:xfrm>
-            <a:off x="21108011" y="34035737"/>
+            <a:off x="19632649" y="32934240"/>
             <a:ext cx="10074861" cy="7894469"/>
           </a:xfrm>
           <a:prstGeom prst="rect">
@@ -9354,6 +9319,306 @@
           </a:p>
         </p:txBody>
       </p:sp>
+      <p:sp>
+        <p:nvSpPr>
+          <p:cNvPr id="123" name="TextBox 122"/>
+          <p:cNvSpPr txBox="1"/>
+          <p:nvPr/>
+        </p:nvSpPr>
+        <p:spPr>
+          <a:xfrm>
+            <a:off x="20864813" y="23048482"/>
+            <a:ext cx="10175506" cy="3323987"/>
+          </a:xfrm>
+          <a:prstGeom prst="rect">
+            <a:avLst/>
+          </a:prstGeom>
+          <a:noFill/>
+        </p:spPr>
+        <p:txBody>
+          <a:bodyPr wrap="square" rtlCol="0">
+            <a:spAutoFit/>
+          </a:bodyPr>
+          <a:lstStyle/>
+          <a:p>
+            <a:r>
+              <a:rPr lang="en-US" sz="3000" i="1" dirty="0">
+                <a:solidFill>
+                  <a:schemeClr val="accent1">
+                    <a:lumMod val="75000"/>
+                  </a:schemeClr>
+                </a:solidFill>
+                <a:latin typeface="Oxygen" panose="02000503000000000000" pitchFamily="2" charset="0"/>
+              </a:rPr>
+              <a:t>Trinity’s design demonstrates the following principles: </a:t>
+            </a:r>
+          </a:p>
+          <a:p>
+            <a:endParaRPr lang="en-US" sz="3000" i="1" dirty="0">
+              <a:solidFill>
+                <a:schemeClr val="accent1">
+                  <a:lumMod val="75000"/>
+                </a:schemeClr>
+              </a:solidFill>
+              <a:latin typeface="Oxygen" panose="02000503000000000000" pitchFamily="2" charset="0"/>
+            </a:endParaRPr>
+          </a:p>
+          <a:p>
+            <a:pPr marL="457200" indent="-457200">
+              <a:buFont typeface="Arial" panose="020B0604020202020204" pitchFamily="34" charset="0"/>
+              <a:buChar char="•"/>
+            </a:pPr>
+            <a:r>
+              <a:rPr lang="en-US" sz="3000" dirty="0">
+                <a:solidFill>
+                  <a:schemeClr val="accent1">
+                    <a:lumMod val="75000"/>
+                  </a:schemeClr>
+                </a:solidFill>
+                <a:latin typeface="Oxygen" panose="02000503000000000000" pitchFamily="2" charset="0"/>
+              </a:rPr>
+              <a:t>Readability</a:t>
+            </a:r>
+          </a:p>
+          <a:p>
+            <a:pPr marL="457200" indent="-457200">
+              <a:buFont typeface="Arial" panose="020B0604020202020204" pitchFamily="34" charset="0"/>
+              <a:buChar char="•"/>
+            </a:pPr>
+            <a:r>
+              <a:rPr lang="en-US" sz="3000" dirty="0">
+                <a:solidFill>
+                  <a:schemeClr val="accent1">
+                    <a:lumMod val="75000"/>
+                  </a:schemeClr>
+                </a:solidFill>
+                <a:latin typeface="Oxygen" panose="02000503000000000000" pitchFamily="2" charset="0"/>
+              </a:rPr>
+              <a:t>Reuse/adaptability</a:t>
+            </a:r>
+          </a:p>
+          <a:p>
+            <a:pPr marL="457200" indent="-457200">
+              <a:buFont typeface="Arial" panose="020B0604020202020204" pitchFamily="34" charset="0"/>
+              <a:buChar char="•"/>
+            </a:pPr>
+            <a:r>
+              <a:rPr lang="en-US" sz="3000" dirty="0">
+                <a:solidFill>
+                  <a:schemeClr val="accent1">
+                    <a:lumMod val="75000"/>
+                  </a:schemeClr>
+                </a:solidFill>
+                <a:latin typeface="Oxygen" panose="02000503000000000000" pitchFamily="2" charset="0"/>
+              </a:rPr>
+              <a:t>Communication integrity, especially in distributed systems</a:t>
+            </a:r>
+          </a:p>
+        </p:txBody>
+      </p:sp>
+      <p:grpSp>
+        <p:nvGrpSpPr>
+          <p:cNvPr id="166" name="Group 165"/>
+          <p:cNvGrpSpPr/>
+          <p:nvPr/>
+        </p:nvGrpSpPr>
+        <p:grpSpPr>
+          <a:xfrm>
+            <a:off x="-885117" y="21104757"/>
+            <a:ext cx="7206462" cy="1739310"/>
+            <a:chOff x="-1129898" y="25970447"/>
+            <a:chExt cx="7206462" cy="2104566"/>
+          </a:xfrm>
+        </p:grpSpPr>
+        <p:sp>
+          <p:nvSpPr>
+            <p:cNvPr id="165" name="Arrow: Chevron 164"/>
+            <p:cNvSpPr/>
+            <p:nvPr/>
+          </p:nvSpPr>
+          <p:spPr>
+            <a:xfrm rot="10800000">
+              <a:off x="-1129898" y="25970447"/>
+              <a:ext cx="7206462" cy="2095405"/>
+            </a:xfrm>
+            <a:prstGeom prst="chevron">
+              <a:avLst/>
+            </a:prstGeom>
+            <a:solidFill>
+              <a:srgbClr val="A6A6A6"/>
+            </a:solidFill>
+            <a:ln>
+              <a:noFill/>
+            </a:ln>
+          </p:spPr>
+          <p:style>
+            <a:lnRef idx="2">
+              <a:schemeClr val="accent1">
+                <a:shade val="50000"/>
+              </a:schemeClr>
+            </a:lnRef>
+            <a:fillRef idx="1">
+              <a:schemeClr val="accent1"/>
+            </a:fillRef>
+            <a:effectRef idx="0">
+              <a:schemeClr val="accent1"/>
+            </a:effectRef>
+            <a:fontRef idx="minor">
+              <a:schemeClr val="lt1"/>
+            </a:fontRef>
+          </p:style>
+          <p:txBody>
+            <a:bodyPr rtlCol="0" anchor="ctr"/>
+            <a:lstStyle/>
+            <a:p>
+              <a:pPr algn="ctr"/>
+              <a:endParaRPr lang="en-US">
+                <a:solidFill>
+                  <a:schemeClr val="tx1"/>
+                </a:solidFill>
+              </a:endParaRPr>
+            </a:p>
+          </p:txBody>
+        </p:sp>
+        <p:sp>
+          <p:nvSpPr>
+            <p:cNvPr id="78" name="TextBox 77"/>
+            <p:cNvSpPr txBox="1"/>
+            <p:nvPr/>
+          </p:nvSpPr>
+          <p:spPr>
+            <a:xfrm>
+              <a:off x="43197" y="26006277"/>
+              <a:ext cx="4439346" cy="2068736"/>
+            </a:xfrm>
+            <a:prstGeom prst="rect">
+              <a:avLst/>
+            </a:prstGeom>
+            <a:solidFill>
+              <a:schemeClr val="bg1">
+                <a:lumMod val="65000"/>
+              </a:schemeClr>
+            </a:solidFill>
+          </p:spPr>
+          <p:txBody>
+            <a:bodyPr wrap="square" rtlCol="0">
+              <a:spAutoFit/>
+            </a:bodyPr>
+            <a:lstStyle/>
+            <a:p>
+              <a:r>
+                <a:rPr lang="en-US" sz="9500" b="1" i="1" dirty="0">
+                  <a:solidFill>
+                    <a:schemeClr val="bg1"/>
+                  </a:solidFill>
+                  <a:latin typeface="Oxygen" panose="02000503000000000000" pitchFamily="2" charset="0"/>
+                </a:rPr>
+                <a:t>Design</a:t>
+              </a:r>
+            </a:p>
+          </p:txBody>
+        </p:sp>
+      </p:grpSp>
+      <p:grpSp>
+        <p:nvGrpSpPr>
+          <p:cNvPr id="168" name="Group 167"/>
+          <p:cNvGrpSpPr/>
+          <p:nvPr/>
+        </p:nvGrpSpPr>
+        <p:grpSpPr>
+          <a:xfrm>
+            <a:off x="19632650" y="21236938"/>
+            <a:ext cx="11395282" cy="1477415"/>
+            <a:chOff x="-2523330" y="22165667"/>
+            <a:chExt cx="11102660" cy="1723158"/>
+          </a:xfrm>
+        </p:grpSpPr>
+        <p:sp>
+          <p:nvSpPr>
+            <p:cNvPr id="169" name="Arrow: Chevron 168"/>
+            <p:cNvSpPr/>
+            <p:nvPr/>
+          </p:nvSpPr>
+          <p:spPr>
+            <a:xfrm rot="10800000">
+              <a:off x="-2523330" y="22165667"/>
+              <a:ext cx="11102660" cy="1723158"/>
+            </a:xfrm>
+            <a:prstGeom prst="chevron">
+              <a:avLst/>
+            </a:prstGeom>
+            <a:solidFill>
+              <a:srgbClr val="9EB3BD"/>
+            </a:solidFill>
+            <a:ln>
+              <a:noFill/>
+            </a:ln>
+          </p:spPr>
+          <p:style>
+            <a:lnRef idx="2">
+              <a:schemeClr val="accent1">
+                <a:shade val="50000"/>
+              </a:schemeClr>
+            </a:lnRef>
+            <a:fillRef idx="1">
+              <a:schemeClr val="accent1"/>
+            </a:fillRef>
+            <a:effectRef idx="0">
+              <a:schemeClr val="accent1"/>
+            </a:effectRef>
+            <a:fontRef idx="minor">
+              <a:schemeClr val="lt1"/>
+            </a:fontRef>
+          </p:style>
+          <p:txBody>
+            <a:bodyPr rtlCol="0" anchor="ctr"/>
+            <a:lstStyle/>
+            <a:p>
+              <a:pPr algn="ctr"/>
+              <a:endParaRPr lang="en-US" sz="4000" dirty="0">
+                <a:solidFill>
+                  <a:schemeClr val="tx1"/>
+                </a:solidFill>
+                <a:latin typeface="Oxygen" panose="02000503000000000000" pitchFamily="2" charset="0"/>
+              </a:endParaRPr>
+            </a:p>
+          </p:txBody>
+        </p:sp>
+        <p:sp>
+          <p:nvSpPr>
+            <p:cNvPr id="170" name="TextBox 169"/>
+            <p:cNvSpPr txBox="1"/>
+            <p:nvPr/>
+          </p:nvSpPr>
+          <p:spPr>
+            <a:xfrm>
+              <a:off x="-1480961" y="22501594"/>
+              <a:ext cx="9314998" cy="1005116"/>
+            </a:xfrm>
+            <a:prstGeom prst="rect">
+              <a:avLst/>
+            </a:prstGeom>
+            <a:noFill/>
+          </p:spPr>
+          <p:txBody>
+            <a:bodyPr wrap="square" rtlCol="0">
+              <a:spAutoFit/>
+            </a:bodyPr>
+            <a:lstStyle/>
+            <a:p>
+              <a:r>
+                <a:rPr lang="en-US" sz="5000" b="1" dirty="0">
+                  <a:solidFill>
+                    <a:schemeClr val="bg1"/>
+                  </a:solidFill>
+                  <a:latin typeface="Oxygen" panose="02000503000000000000" pitchFamily="2" charset="0"/>
+                </a:rPr>
+                <a:t>Demonstrated Principles</a:t>
+              </a:r>
+            </a:p>
+          </p:txBody>
+        </p:sp>
+      </p:grpSp>
     </p:spTree>
   </p:cSld>
   <p:clrMapOvr>

--- a/CMU REUSE 2017 Poster.pptx
+++ b/CMU REUSE 2017 Poster.pptx
@@ -4599,8 +4599,8 @@
         </p:nvSpPr>
         <p:spPr>
           <a:xfrm rot="10800000">
-            <a:off x="0" y="20608742"/>
-            <a:ext cx="30262996" cy="9970092"/>
+            <a:off x="0" y="20379018"/>
+            <a:ext cx="30262996" cy="10199816"/>
           </a:xfrm>
           <a:prstGeom prst="wedgeRectCallout">
             <a:avLst>
@@ -7465,10 +7465,10 @@
         </p:nvGrpSpPr>
         <p:grpSpPr>
           <a:xfrm>
-            <a:off x="1247974" y="21217137"/>
-            <a:ext cx="14860472" cy="8325374"/>
-            <a:chOff x="-5555993" y="21185074"/>
-            <a:chExt cx="14860472" cy="8325374"/>
+            <a:off x="-830814" y="22750948"/>
+            <a:ext cx="16411184" cy="6649841"/>
+            <a:chOff x="-7634781" y="22718885"/>
+            <a:chExt cx="16411184" cy="6649841"/>
           </a:xfrm>
         </p:grpSpPr>
         <p:sp>
@@ -7479,8 +7479,8 @@
           </p:nvSpPr>
           <p:spPr>
             <a:xfrm>
-              <a:off x="-5555993" y="23416472"/>
-              <a:ext cx="14860472" cy="6093976"/>
+              <a:off x="-6084069" y="24567412"/>
+              <a:ext cx="14860472" cy="4801314"/>
             </a:xfrm>
             <a:prstGeom prst="rect">
               <a:avLst/>
@@ -7494,7 +7494,7 @@
             <a:lstStyle/>
             <a:p>
               <a:r>
-                <a:rPr lang="en-US" sz="3000" i="1" dirty="0">
+                <a:rPr lang="en-US" sz="3600" b="1" dirty="0">
                   <a:solidFill>
                     <a:schemeClr val="accent1">
                       <a:lumMod val="75000"/>
@@ -7502,31 +7502,11 @@
                   </a:solidFill>
                   <a:latin typeface="Oxygen" panose="02000503000000000000" pitchFamily="2" charset="0"/>
                 </a:rPr>
-                <a:t>Architecture concepts  are translated into </a:t>
+                <a:t>Trinity Architecture Components</a:t>
               </a:r>
-              <a:r>
-                <a:rPr lang="en-US" sz="3000" i="1" dirty="0" err="1">
-                  <a:solidFill>
-                    <a:schemeClr val="accent1">
-                      <a:lumMod val="75000"/>
-                    </a:schemeClr>
-                  </a:solidFill>
-                  <a:latin typeface="Oxygen" panose="02000503000000000000" pitchFamily="2" charset="0"/>
-                </a:rPr>
-                <a:t>untime</a:t>
-              </a:r>
-              <a:r>
-                <a:rPr lang="en-US" sz="3000" i="1" dirty="0">
-                  <a:solidFill>
-                    <a:schemeClr val="accent1">
-                      <a:lumMod val="75000"/>
-                    </a:schemeClr>
-                  </a:solidFill>
-                  <a:latin typeface="Oxygen" panose="02000503000000000000" pitchFamily="2" charset="0"/>
-                </a:rPr>
-                <a:t> entities in Trinity</a:t>
-              </a:r>
-              <a:endParaRPr lang="en-US" sz="3000" dirty="0">
+            </a:p>
+            <a:p>
+              <a:endParaRPr lang="en-US" sz="3000" b="1" dirty="0">
                 <a:solidFill>
                   <a:schemeClr val="accent1">
                     <a:lumMod val="75000"/>
@@ -7534,39 +7514,6 @@
                 </a:solidFill>
                 <a:latin typeface="Oxygen" panose="02000503000000000000" pitchFamily="2" charset="0"/>
               </a:endParaRPr>
-            </a:p>
-            <a:p>
-              <a:endParaRPr lang="en-US" sz="3000" i="1" dirty="0">
-                <a:solidFill>
-                  <a:schemeClr val="accent1">
-                    <a:lumMod val="75000"/>
-                  </a:schemeClr>
-                </a:solidFill>
-                <a:latin typeface="Oxygen" panose="02000503000000000000" pitchFamily="2" charset="0"/>
-              </a:endParaRPr>
-            </a:p>
-            <a:p>
-              <a:endParaRPr lang="en-US" sz="3000" dirty="0">
-                <a:solidFill>
-                  <a:schemeClr val="accent1">
-                    <a:lumMod val="75000"/>
-                  </a:schemeClr>
-                </a:solidFill>
-                <a:latin typeface="Oxygen" panose="02000503000000000000" pitchFamily="2" charset="0"/>
-              </a:endParaRPr>
-            </a:p>
-            <a:p>
-              <a:r>
-                <a:rPr lang="en-US" sz="3000" dirty="0">
-                  <a:solidFill>
-                    <a:schemeClr val="accent1">
-                      <a:lumMod val="75000"/>
-                    </a:schemeClr>
-                  </a:solidFill>
-                  <a:latin typeface="Oxygen" panose="02000503000000000000" pitchFamily="2" charset="0"/>
-                </a:rPr>
-                <a:t>&lt;This is an explanation of the different architecture entities in Trinity, not specific to an example&gt;</a:t>
-              </a:r>
             </a:p>
             <a:p>
               <a:r>
@@ -7721,18 +7668,7 @@
                   </a:solidFill>
                   <a:latin typeface="Oxygen" panose="02000503000000000000" pitchFamily="2" charset="0"/>
                 </a:rPr>
-                <a:t>a program starting point that </a:t>
-              </a:r>
-              <a:r>
-                <a:rPr lang="en-US" sz="3000">
-                  <a:solidFill>
-                    <a:schemeClr val="accent1">
-                      <a:lumMod val="75000"/>
-                    </a:schemeClr>
-                  </a:solidFill>
-                  <a:latin typeface="Oxygen" panose="02000503000000000000" pitchFamily="2" charset="0"/>
-                </a:rPr>
-                <a:t>enables execution.</a:t>
+                <a:t>a program starting point that enables execution.</a:t>
               </a:r>
               <a:endParaRPr lang="en-US" sz="3000" b="1" dirty="0">
                 <a:solidFill>
@@ -7763,10 +7699,10 @@
           </p:nvGrpSpPr>
           <p:grpSpPr>
             <a:xfrm>
-              <a:off x="-369917" y="21185074"/>
-              <a:ext cx="9674396" cy="1477415"/>
-              <a:chOff x="-378730" y="22109665"/>
-              <a:chExt cx="10568757" cy="1723158"/>
+              <a:off x="-7634781" y="22718885"/>
+              <a:ext cx="9328383" cy="1477415"/>
+              <a:chOff x="-8315203" y="23898600"/>
+              <a:chExt cx="10190756" cy="1723158"/>
             </a:xfrm>
           </p:grpSpPr>
           <p:sp>
@@ -7777,8 +7713,8 @@
             </p:nvSpPr>
             <p:spPr>
               <a:xfrm rot="10800000">
-                <a:off x="-378730" y="22109665"/>
-                <a:ext cx="10568757" cy="1723158"/>
+                <a:off x="-8315203" y="23898600"/>
+                <a:ext cx="10190756" cy="1723158"/>
               </a:xfrm>
               <a:prstGeom prst="chevron">
                 <a:avLst/>
@@ -7828,8 +7764,8 @@
             </p:nvSpPr>
             <p:spPr>
               <a:xfrm>
-                <a:off x="1081573" y="22558429"/>
-                <a:ext cx="7258932" cy="825631"/>
+                <a:off x="-6621134" y="24347364"/>
+                <a:ext cx="7258933" cy="825631"/>
               </a:xfrm>
               <a:prstGeom prst="rect">
                 <a:avLst/>
@@ -7864,7 +7800,7 @@
         </p:nvSpPr>
         <p:spPr>
           <a:xfrm>
-            <a:off x="7381187" y="29420519"/>
+            <a:off x="8347938" y="30008769"/>
             <a:ext cx="16903020" cy="3785652"/>
           </a:xfrm>
           <a:prstGeom prst="rect">
@@ -9328,7 +9264,7 @@
         <p:spPr>
           <a:xfrm>
             <a:off x="20864813" y="23048482"/>
-            <a:ext cx="10175506" cy="3323987"/>
+            <a:ext cx="10175506" cy="2862322"/>
           </a:xfrm>
           <a:prstGeom prst="rect">
             <a:avLst/>
@@ -9394,7 +9330,7 @@
                 </a:solidFill>
                 <a:latin typeface="Oxygen" panose="02000503000000000000" pitchFamily="2" charset="0"/>
               </a:rPr>
-              <a:t>Reuse/adaptability</a:t>
+              <a:t>Reuse and adaptability</a:t>
             </a:r>
           </a:p>
           <a:p>
@@ -9424,10 +9360,10 @@
         </p:nvGrpSpPr>
         <p:grpSpPr>
           <a:xfrm>
-            <a:off x="-885117" y="21104757"/>
-            <a:ext cx="7206462" cy="1739310"/>
-            <a:chOff x="-1129898" y="25970447"/>
-            <a:chExt cx="7206462" cy="2104566"/>
+            <a:off x="-830814" y="20758395"/>
+            <a:ext cx="7206462" cy="1739304"/>
+            <a:chOff x="-1129898" y="25970449"/>
+            <a:chExt cx="7206462" cy="2104559"/>
           </a:xfrm>
         </p:grpSpPr>
         <p:sp>
@@ -9438,7 +9374,7 @@
           </p:nvSpPr>
           <p:spPr>
             <a:xfrm rot="10800000">
-              <a:off x="-1129898" y="25970447"/>
+              <a:off x="-1129898" y="25970449"/>
               <a:ext cx="7206462" cy="2095405"/>
             </a:xfrm>
             <a:prstGeom prst="chevron">
@@ -9488,8 +9424,8 @@
           </p:nvSpPr>
           <p:spPr>
             <a:xfrm>
-              <a:off x="43197" y="26006277"/>
-              <a:ext cx="4439346" cy="2068736"/>
+              <a:off x="43197" y="26006273"/>
+              <a:ext cx="4439346" cy="2068735"/>
             </a:xfrm>
             <a:prstGeom prst="rect">
               <a:avLst/>
@@ -9619,6 +9555,51 @@
           </p:txBody>
         </p:sp>
       </p:grpSp>
+      <p:sp>
+        <p:nvSpPr>
+          <p:cNvPr id="171" name="TextBox 170"/>
+          <p:cNvSpPr txBox="1"/>
+          <p:nvPr/>
+        </p:nvSpPr>
+        <p:spPr>
+          <a:xfrm>
+            <a:off x="8474709" y="22922048"/>
+            <a:ext cx="9022460" cy="1292662"/>
+          </a:xfrm>
+          <a:prstGeom prst="rect">
+            <a:avLst/>
+          </a:prstGeom>
+          <a:noFill/>
+        </p:spPr>
+        <p:txBody>
+          <a:bodyPr wrap="square" rtlCol="0">
+            <a:spAutoFit/>
+          </a:bodyPr>
+          <a:lstStyle/>
+          <a:p>
+            <a:pPr algn="ctr"/>
+            <a:r>
+              <a:rPr lang="en-US" sz="3900" i="1" dirty="0">
+                <a:solidFill>
+                  <a:schemeClr val="accent1">
+                    <a:lumMod val="75000"/>
+                  </a:schemeClr>
+                </a:solidFill>
+                <a:latin typeface="Oxygen" panose="02000503000000000000" pitchFamily="2" charset="0"/>
+              </a:rPr>
+              <a:t>Architecture concepts  are translated into runtime entities in Trinity</a:t>
+            </a:r>
+            <a:endParaRPr lang="en-US" sz="3900" dirty="0">
+              <a:solidFill>
+                <a:schemeClr val="accent1">
+                  <a:lumMod val="75000"/>
+                </a:schemeClr>
+              </a:solidFill>
+              <a:latin typeface="Oxygen" panose="02000503000000000000" pitchFamily="2" charset="0"/>
+            </a:endParaRPr>
+          </a:p>
+        </p:txBody>
+      </p:sp>
     </p:spTree>
   </p:cSld>
   <p:clrMapOvr>

--- a/CMU REUSE 2017 Poster.pptx
+++ b/CMU REUSE 2017 Poster.pptx
@@ -4669,8 +4669,8 @@
             </a:xfrm>
             <a:prstGeom prst="wedgeRectCallout">
               <a:avLst>
-                <a:gd name="adj1" fmla="val 8438"/>
-                <a:gd name="adj2" fmla="val 65905"/>
+                <a:gd name="adj1" fmla="val 8279"/>
+                <a:gd name="adj2" fmla="val 60233"/>
               </a:avLst>
             </a:prstGeom>
             <a:solidFill>
@@ -5569,29 +5569,7 @@
                 </a:solidFill>
                 <a:latin typeface="Oxygen" panose="02000503000000000000" pitchFamily="2" charset="0"/>
               </a:rPr>
-              <a:t>(module or code, </a:t>
-            </a:r>
-            <a:r>
-              <a:rPr lang="en-US" sz="2800" dirty="0" err="1">
-                <a:solidFill>
-                  <a:schemeClr val="tx2">
-                    <a:lumMod val="50000"/>
-                  </a:schemeClr>
-                </a:solidFill>
-                <a:latin typeface="Oxygen" panose="02000503000000000000" pitchFamily="2" charset="0"/>
-              </a:rPr>
-              <a:t>CnC</a:t>
-            </a:r>
-            <a:r>
-              <a:rPr lang="en-US" sz="2800" dirty="0">
-                <a:solidFill>
-                  <a:schemeClr val="tx2">
-                    <a:lumMod val="50000"/>
-                  </a:schemeClr>
-                </a:solidFill>
-                <a:latin typeface="Oxygen" panose="02000503000000000000" pitchFamily="2" charset="0"/>
-              </a:rPr>
-              <a:t>, and deployment)</a:t>
+              <a:t>(module or code, CnC, and deployment)</a:t>
             </a:r>
           </a:p>
         </p:txBody>
@@ -5890,9 +5868,9 @@
         <p:grpSpPr>
           <a:xfrm>
             <a:off x="719899" y="8095201"/>
-            <a:ext cx="10134047" cy="12179305"/>
+            <a:ext cx="10134047" cy="12083151"/>
             <a:chOff x="719899" y="8095201"/>
-            <a:chExt cx="10134047" cy="12179305"/>
+            <a:chExt cx="10134047" cy="12083151"/>
           </a:xfrm>
         </p:grpSpPr>
         <p:sp>
@@ -5944,9 +5922,9 @@
           <p:grpSpPr>
             <a:xfrm>
               <a:off x="719899" y="8956974"/>
-              <a:ext cx="10134047" cy="11317532"/>
+              <a:ext cx="10134047" cy="11221378"/>
               <a:chOff x="719899" y="8956974"/>
-              <a:chExt cx="10134047" cy="11317532"/>
+              <a:chExt cx="10134047" cy="11221378"/>
             </a:xfrm>
           </p:grpSpPr>
           <p:sp>
@@ -5957,8 +5935,8 @@
             </p:nvSpPr>
             <p:spPr>
               <a:xfrm>
-                <a:off x="6434050" y="10657922"/>
-                <a:ext cx="1420796" cy="1378404"/>
+                <a:off x="6574084" y="10744274"/>
+                <a:ext cx="1331788" cy="1292052"/>
               </a:xfrm>
               <a:prstGeom prst="flowChartConnector">
                 <a:avLst/>
@@ -6011,10 +5989,10 @@
             </p:nvGrpSpPr>
             <p:grpSpPr>
               <a:xfrm>
-                <a:off x="6177210" y="14780329"/>
-                <a:ext cx="1675276" cy="1015265"/>
-                <a:chOff x="2198626" y="13168766"/>
-                <a:chExt cx="1066828" cy="730074"/>
+                <a:off x="6177208" y="14491424"/>
+                <a:ext cx="1675278" cy="1015501"/>
+                <a:chOff x="2198626" y="12960987"/>
+                <a:chExt cx="1066830" cy="730242"/>
               </a:xfrm>
             </p:grpSpPr>
             <p:grpSp>
@@ -6025,10 +6003,10 @@
               </p:nvGrpSpPr>
               <p:grpSpPr>
                 <a:xfrm>
-                  <a:off x="2198626" y="13168766"/>
-                  <a:ext cx="1066828" cy="730074"/>
-                  <a:chOff x="2198626" y="13182948"/>
-                  <a:chExt cx="1066828" cy="730074"/>
+                  <a:off x="2198626" y="12960987"/>
+                  <a:ext cx="1066830" cy="730242"/>
+                  <a:chOff x="2198626" y="12975169"/>
+                  <a:chExt cx="1066830" cy="730242"/>
                 </a:xfrm>
               </p:grpSpPr>
               <p:grpSp>
@@ -6039,10 +6017,10 @@
                 </p:nvGrpSpPr>
                 <p:grpSpPr>
                   <a:xfrm>
-                    <a:off x="2198626" y="13182948"/>
-                    <a:ext cx="1066828" cy="259425"/>
-                    <a:chOff x="2308932" y="13253757"/>
-                    <a:chExt cx="1658746" cy="269461"/>
+                    <a:off x="2198626" y="12975169"/>
+                    <a:ext cx="1066830" cy="259548"/>
+                    <a:chOff x="2308931" y="13038149"/>
+                    <a:chExt cx="1658748" cy="269593"/>
                   </a:xfrm>
                 </p:grpSpPr>
                 <p:sp>
@@ -6053,7 +6031,7 @@
                   </p:nvSpPr>
                   <p:spPr>
                     <a:xfrm>
-                      <a:off x="2308932" y="13254397"/>
+                      <a:off x="2308931" y="13038921"/>
                       <a:ext cx="392960" cy="268821"/>
                     </a:xfrm>
                     <a:prstGeom prst="rect">
@@ -6106,8 +6084,8 @@
                   </p:nvSpPr>
                   <p:spPr>
                     <a:xfrm>
-                      <a:off x="2939472" y="13253757"/>
-                      <a:ext cx="392961" cy="269451"/>
+                      <a:off x="2939471" y="13038149"/>
+                      <a:ext cx="392961" cy="269452"/>
                     </a:xfrm>
                     <a:prstGeom prst="rect">
                       <a:avLst/>
@@ -6159,8 +6137,8 @@
                   </p:nvSpPr>
                   <p:spPr>
                     <a:xfrm>
-                      <a:off x="3574718" y="13253765"/>
-                      <a:ext cx="392960" cy="269452"/>
+                      <a:off x="3574719" y="13038227"/>
+                      <a:ext cx="392960" cy="269456"/>
                     </a:xfrm>
                     <a:prstGeom prst="rect">
                       <a:avLst/>
@@ -6213,7 +6191,7 @@
                 </p:nvSpPr>
                 <p:spPr>
                   <a:xfrm>
-                    <a:off x="2543372" y="13671832"/>
+                    <a:off x="2543372" y="13464221"/>
                     <a:ext cx="374310" cy="241190"/>
                   </a:xfrm>
                   <a:prstGeom prst="flowChartMagneticDisk">
@@ -6266,7 +6244,7 @@
               </p:nvCxnSpPr>
               <p:spPr>
                 <a:xfrm flipH="1">
-                  <a:off x="2730427" y="13428179"/>
+                  <a:off x="2730427" y="13220557"/>
                   <a:ext cx="101" cy="208981"/>
                 </a:xfrm>
                 <a:prstGeom prst="straightConnector1">
@@ -6299,7 +6277,7 @@
               </p:nvCxnSpPr>
               <p:spPr>
                 <a:xfrm flipH="1">
-                  <a:off x="2929537" y="13428187"/>
+                  <a:off x="2929537" y="13220564"/>
                   <a:ext cx="209550" cy="208975"/>
                 </a:xfrm>
                 <a:prstGeom prst="straightConnector1">
@@ -6332,7 +6310,7 @@
               </p:nvCxnSpPr>
               <p:spPr>
                 <a:xfrm>
-                  <a:off x="2324993" y="13428187"/>
+                  <a:off x="2324993" y="13220564"/>
                   <a:ext cx="218380" cy="208975"/>
                 </a:xfrm>
                 <a:prstGeom prst="straightConnector1">
@@ -6367,14 +6345,29 @@
               <p:nvPr/>
             </p:nvPicPr>
             <p:blipFill>
-              <a:blip r:embed="rId3"/>
+              <a:blip r:embed="rId3">
+                <a:extLst>
+                  <a:ext uri="{BEBA8EAE-BF5A-486C-A8C5-ECC9F3942E4B}">
+                    <a14:imgProps xmlns:a14="http://schemas.microsoft.com/office/drawing/2010/main">
+                      <a14:imgLayer r:embed="rId4">
+                        <a14:imgEffect>
+                          <a14:saturation sat="0"/>
+                        </a14:imgEffect>
+                        <a14:imgEffect>
+                          <a14:brightnessContrast bright="70000" contrast="-100000"/>
+                        </a14:imgEffect>
+                      </a14:imgLayer>
+                    </a14:imgProps>
+                  </a:ext>
+                </a:extLst>
+              </a:blip>
               <a:stretch>
                 <a:fillRect/>
               </a:stretch>
             </p:blipFill>
             <p:spPr>
               <a:xfrm>
-                <a:off x="6549171" y="18570868"/>
+                <a:off x="6525108" y="18426490"/>
                 <a:ext cx="1348827" cy="1348827"/>
               </a:xfrm>
               <a:prstGeom prst="rect">
@@ -6391,9 +6384,9 @@
             <p:grpSpPr>
               <a:xfrm>
                 <a:off x="719899" y="8956974"/>
-                <a:ext cx="10134047" cy="11317532"/>
+                <a:ext cx="10134047" cy="11221378"/>
                 <a:chOff x="719899" y="8956974"/>
-                <a:chExt cx="10134047" cy="11317532"/>
+                <a:chExt cx="10134047" cy="11221378"/>
               </a:xfrm>
             </p:grpSpPr>
             <p:grpSp>
@@ -6433,9 +6426,9 @@
                   <p:grpSpPr>
                     <a:xfrm>
                       <a:off x="1520807" y="5729527"/>
-                      <a:ext cx="7717024" cy="13240382"/>
+                      <a:ext cx="7717024" cy="13240385"/>
                       <a:chOff x="1520807" y="5729527"/>
-                      <a:chExt cx="7717024" cy="13240382"/>
+                      <a:chExt cx="7717024" cy="13240385"/>
                     </a:xfrm>
                   </p:grpSpPr>
                   <p:grpSp>
@@ -6447,9 +6440,9 @@
                     <p:grpSpPr>
                       <a:xfrm>
                         <a:off x="2538536" y="5959861"/>
-                        <a:ext cx="6699295" cy="13010048"/>
+                        <a:ext cx="6699295" cy="13010051"/>
                         <a:chOff x="3325408" y="5804822"/>
-                        <a:chExt cx="6699295" cy="13010048"/>
+                        <a:chExt cx="6699295" cy="13010051"/>
                       </a:xfrm>
                     </p:grpSpPr>
                     <p:grpSp>
@@ -6461,9 +6454,9 @@
                       <p:grpSpPr>
                         <a:xfrm>
                           <a:off x="3325408" y="5804822"/>
-                          <a:ext cx="6699295" cy="13010048"/>
+                          <a:ext cx="6699295" cy="13010051"/>
                           <a:chOff x="3325408" y="5804822"/>
-                          <a:chExt cx="6699295" cy="13010048"/>
+                          <a:chExt cx="6699295" cy="13010051"/>
                         </a:xfrm>
                       </p:grpSpPr>
                       <p:grpSp>
@@ -6475,9 +6468,9 @@
                         <p:grpSpPr>
                           <a:xfrm>
                             <a:off x="3325408" y="5804822"/>
-                            <a:ext cx="5383840" cy="13010048"/>
+                            <a:ext cx="5383840" cy="13010051"/>
                             <a:chOff x="3325408" y="5804822"/>
-                            <a:chExt cx="5383840" cy="13010048"/>
+                            <a:chExt cx="5383840" cy="13010051"/>
                           </a:xfrm>
                         </p:grpSpPr>
                         <p:sp>
@@ -6545,8 +6538,8 @@
                           </p:nvSpPr>
                           <p:spPr>
                             <a:xfrm>
-                              <a:off x="3325408" y="10443536"/>
-                              <a:ext cx="5383839" cy="3639460"/>
+                              <a:off x="3325408" y="10055353"/>
+                              <a:ext cx="5383839" cy="4265300"/>
                             </a:xfrm>
                             <a:prstGeom prst="rect">
                               <a:avLst/>
@@ -6595,8 +6588,8 @@
                           </p:nvSpPr>
                           <p:spPr>
                             <a:xfrm>
-                              <a:off x="3325408" y="15175411"/>
-                              <a:ext cx="5383839" cy="3639459"/>
+                              <a:off x="3325408" y="14978211"/>
+                              <a:ext cx="5383839" cy="3836662"/>
                             </a:xfrm>
                             <a:prstGeom prst="rect">
                               <a:avLst/>
@@ -6871,19 +6864,7 @@
                           <a:rPr lang="en-US" sz="3200" dirty="0">
                             <a:latin typeface="Oxygen" panose="02000503000000000000" pitchFamily="2" charset="0"/>
                           </a:rPr>
-                          <a:t>Component and Connector (</a:t>
-                        </a:r>
-                        <a:r>
-                          <a:rPr lang="en-US" sz="3200" dirty="0" err="1">
-                            <a:latin typeface="Oxygen" panose="02000503000000000000" pitchFamily="2" charset="0"/>
-                          </a:rPr>
-                          <a:t>CnC</a:t>
-                        </a:r>
-                        <a:r>
-                          <a:rPr lang="en-US" sz="3200" dirty="0">
-                            <a:latin typeface="Oxygen" panose="02000503000000000000" pitchFamily="2" charset="0"/>
-                          </a:rPr>
-                          <a:t>)</a:t>
+                          <a:t>Component and Connector (CnC)</a:t>
                         </a:r>
                       </a:p>
                     </p:txBody>
@@ -6966,14 +6947,195 @@
             </p:grpSp>
             <p:sp>
               <p:nvSpPr>
+                <p:cNvPr id="102" name="TextBox 101"/>
+                <p:cNvSpPr txBox="1"/>
+                <p:nvPr/>
+              </p:nvSpPr>
+              <p:spPr>
+                <a:xfrm>
+                  <a:off x="1919209" y="12704125"/>
+                  <a:ext cx="6054542" cy="3462486"/>
+                </a:xfrm>
+                <a:prstGeom prst="rect">
+                  <a:avLst/>
+                </a:prstGeom>
+                <a:noFill/>
+              </p:spPr>
+              <p:txBody>
+                <a:bodyPr wrap="square" rtlCol="0">
+                  <a:spAutoFit/>
+                </a:bodyPr>
+                <a:lstStyle/>
+                <a:p>
+                  <a:r>
+                    <a:rPr lang="en-US" sz="2100" b="1" dirty="0">
+                      <a:solidFill>
+                        <a:schemeClr val="tx2">
+                          <a:lumMod val="50000"/>
+                        </a:schemeClr>
+                      </a:solidFill>
+                      <a:latin typeface="Oxygen" panose="02000503000000000000" pitchFamily="2" charset="0"/>
+                    </a:rPr>
+                    <a:t>Components: </a:t>
+                  </a:r>
+                  <a:r>
+                    <a:rPr lang="en-US" sz="2100" dirty="0">
+                      <a:solidFill>
+                        <a:schemeClr val="tx2">
+                          <a:lumMod val="50000"/>
+                        </a:schemeClr>
+                      </a:solidFill>
+                      <a:latin typeface="Oxygen" panose="02000503000000000000" pitchFamily="2" charset="0"/>
+                    </a:rPr>
+                    <a:t>elements that have some runtime presence (processes, objects, clients, servers).</a:t>
+                  </a:r>
+                </a:p>
+                <a:p>
+                  <a:r>
+                    <a:rPr lang="en-US" sz="2100" b="1" dirty="0">
+                      <a:solidFill>
+                        <a:schemeClr val="tx2">
+                          <a:lumMod val="50000"/>
+                        </a:schemeClr>
+                      </a:solidFill>
+                      <a:latin typeface="Oxygen" panose="02000503000000000000" pitchFamily="2" charset="0"/>
+                    </a:rPr>
+                    <a:t>Connectors: </a:t>
+                  </a:r>
+                  <a:r>
+                    <a:rPr lang="en-US" sz="2100" dirty="0">
+                      <a:solidFill>
+                        <a:schemeClr val="tx2">
+                          <a:lumMod val="50000"/>
+                        </a:schemeClr>
+                      </a:solidFill>
+                      <a:latin typeface="Oxygen" panose="02000503000000000000" pitchFamily="2" charset="0"/>
+                    </a:rPr>
+                    <a:t>components’ pathways of interaction (protocols, information flows).</a:t>
+                  </a:r>
+                </a:p>
+                <a:p>
+                  <a:r>
+                    <a:rPr lang="en-US" sz="2100" b="1" dirty="0">
+                      <a:solidFill>
+                        <a:schemeClr val="tx2">
+                          <a:lumMod val="50000"/>
+                        </a:schemeClr>
+                      </a:solidFill>
+                      <a:latin typeface="Oxygen" panose="02000503000000000000" pitchFamily="2" charset="0"/>
+                    </a:rPr>
+                    <a:t>Ports: </a:t>
+                  </a:r>
+                  <a:r>
+                    <a:rPr lang="en-US" sz="2100" dirty="0">
+                      <a:solidFill>
+                        <a:schemeClr val="tx2">
+                          <a:lumMod val="50000"/>
+                        </a:schemeClr>
+                      </a:solidFill>
+                      <a:latin typeface="Oxygen" panose="02000503000000000000" pitchFamily="2" charset="0"/>
+                    </a:rPr>
+                    <a:t>component interfaces that define possible interaction with components.</a:t>
+                  </a:r>
+                  <a:endParaRPr lang="en-US" sz="1700" dirty="0">
+                    <a:solidFill>
+                      <a:schemeClr val="tx2">
+                        <a:lumMod val="50000"/>
+                      </a:schemeClr>
+                    </a:solidFill>
+                    <a:latin typeface="Oxygen" panose="02000503000000000000" pitchFamily="2" charset="0"/>
+                  </a:endParaRPr>
+                </a:p>
+                <a:p>
+                  <a:pPr marL="342900" indent="-342900">
+                    <a:buFont typeface="Arial" panose="020B0604020202020204" pitchFamily="34" charset="0"/>
+                    <a:buChar char="•"/>
+                  </a:pPr>
+                  <a:endParaRPr lang="en-US" sz="1700" dirty="0">
+                    <a:solidFill>
+                      <a:schemeClr val="tx2">
+                        <a:lumMod val="50000"/>
+                      </a:schemeClr>
+                    </a:solidFill>
+                    <a:latin typeface="Oxygen" panose="02000503000000000000" pitchFamily="2" charset="0"/>
+                  </a:endParaRPr>
+                </a:p>
+                <a:p>
+                  <a:pPr marL="342900" indent="-342900">
+                    <a:buFont typeface="Arial" panose="020B0604020202020204" pitchFamily="34" charset="0"/>
+                    <a:buChar char="•"/>
+                  </a:pPr>
+                  <a:r>
+                    <a:rPr lang="en-US" sz="1900" dirty="0">
+                      <a:solidFill>
+                        <a:schemeClr val="tx2">
+                          <a:lumMod val="50000"/>
+                        </a:schemeClr>
+                      </a:solidFill>
+                      <a:latin typeface="Oxygen" panose="02000503000000000000" pitchFamily="2" charset="0"/>
+                    </a:rPr>
+                    <a:t>Show how the system works</a:t>
+                  </a:r>
+                </a:p>
+                <a:p>
+                  <a:pPr marL="342900" indent="-342900">
+                    <a:buFont typeface="Arial" panose="020B0604020202020204" pitchFamily="34" charset="0"/>
+                    <a:buChar char="•"/>
+                  </a:pPr>
+                  <a:r>
+                    <a:rPr lang="en-US" sz="1900" dirty="0">
+                      <a:solidFill>
+                        <a:schemeClr val="tx2">
+                          <a:lumMod val="50000"/>
+                        </a:schemeClr>
+                      </a:solidFill>
+                      <a:latin typeface="Oxygen" panose="02000503000000000000" pitchFamily="2" charset="0"/>
+                    </a:rPr>
+                    <a:t>Guide development around structure </a:t>
+                  </a:r>
+                </a:p>
+                <a:p>
+                  <a:r>
+                    <a:rPr lang="en-US" sz="1900" dirty="0">
+                      <a:solidFill>
+                        <a:schemeClr val="tx2">
+                          <a:lumMod val="50000"/>
+                        </a:schemeClr>
+                      </a:solidFill>
+                      <a:latin typeface="Oxygen" panose="02000503000000000000" pitchFamily="2" charset="0"/>
+                    </a:rPr>
+                    <a:t>      &amp; behavior of runtime elements</a:t>
+                  </a:r>
+                </a:p>
+                <a:p>
+                  <a:pPr marL="342900" indent="-342900">
+                    <a:buFont typeface="Arial" panose="020B0604020202020204" pitchFamily="34" charset="0"/>
+                    <a:buChar char="•"/>
+                  </a:pPr>
+                  <a:r>
+                    <a:rPr lang="en-US" sz="1900" dirty="0">
+                      <a:solidFill>
+                        <a:schemeClr val="tx2">
+                          <a:lumMod val="50000"/>
+                        </a:schemeClr>
+                      </a:solidFill>
+                      <a:latin typeface="Oxygen" panose="02000503000000000000" pitchFamily="2" charset="0"/>
+                    </a:rPr>
+                    <a:t>To reason about performance and reliability</a:t>
+                  </a:r>
+                </a:p>
+              </p:txBody>
+            </p:sp>
+            <p:sp>
+              <p:nvSpPr>
                 <p:cNvPr id="101" name="TextBox 100"/>
                 <p:cNvSpPr txBox="1"/>
                 <p:nvPr/>
               </p:nvSpPr>
               <p:spPr>
                 <a:xfrm>
-                  <a:off x="1914670" y="9143878"/>
-                  <a:ext cx="6066967" cy="2982122"/>
+                  <a:off x="1920387" y="9218087"/>
+                  <a:ext cx="6066967" cy="2970044"/>
                 </a:xfrm>
                 <a:prstGeom prst="rect">
                   <a:avLst/>
@@ -7109,170 +7271,13 @@
             </p:sp>
             <p:sp>
               <p:nvSpPr>
-                <p:cNvPr id="102" name="TextBox 101"/>
-                <p:cNvSpPr txBox="1"/>
-                <p:nvPr/>
-              </p:nvSpPr>
-              <p:spPr>
-                <a:xfrm>
-                  <a:off x="1872484" y="13063994"/>
-                  <a:ext cx="6054542" cy="2693045"/>
-                </a:xfrm>
-                <a:prstGeom prst="rect">
-                  <a:avLst/>
-                </a:prstGeom>
-                <a:noFill/>
-              </p:spPr>
-              <p:txBody>
-                <a:bodyPr wrap="square" rtlCol="0">
-                  <a:spAutoFit/>
-                </a:bodyPr>
-                <a:lstStyle/>
-                <a:p>
-                  <a:r>
-                    <a:rPr lang="en-US" sz="2100" b="1" dirty="0">
-                      <a:solidFill>
-                        <a:schemeClr val="tx2">
-                          <a:lumMod val="50000"/>
-                        </a:schemeClr>
-                      </a:solidFill>
-                      <a:latin typeface="Oxygen" panose="02000503000000000000" pitchFamily="2" charset="0"/>
-                    </a:rPr>
-                    <a:t>Components: </a:t>
-                  </a:r>
-                  <a:r>
-                    <a:rPr lang="en-US" sz="2100" dirty="0">
-                      <a:solidFill>
-                        <a:schemeClr val="tx2">
-                          <a:lumMod val="50000"/>
-                        </a:schemeClr>
-                      </a:solidFill>
-                      <a:latin typeface="Oxygen" panose="02000503000000000000" pitchFamily="2" charset="0"/>
-                    </a:rPr>
-                    <a:t>elements that have some runtime presence (processes, objects, clients, servers).</a:t>
-                  </a:r>
-                </a:p>
-                <a:p>
-                  <a:r>
-                    <a:rPr lang="en-US" sz="2100" b="1" dirty="0">
-                      <a:solidFill>
-                        <a:schemeClr val="tx2">
-                          <a:lumMod val="50000"/>
-                        </a:schemeClr>
-                      </a:solidFill>
-                      <a:latin typeface="Oxygen" panose="02000503000000000000" pitchFamily="2" charset="0"/>
-                    </a:rPr>
-                    <a:t>Connectors: </a:t>
-                  </a:r>
-                  <a:r>
-                    <a:rPr lang="en-US" sz="2100" dirty="0">
-                      <a:solidFill>
-                        <a:schemeClr val="tx2">
-                          <a:lumMod val="50000"/>
-                        </a:schemeClr>
-                      </a:solidFill>
-                      <a:latin typeface="Oxygen" panose="02000503000000000000" pitchFamily="2" charset="0"/>
-                    </a:rPr>
-                    <a:t>components’ pathways of interaction (protocols, information flows).</a:t>
-                  </a:r>
-                  <a:endParaRPr lang="en-US" sz="2100" b="1" dirty="0">
-                    <a:solidFill>
-                      <a:schemeClr val="tx2">
-                        <a:lumMod val="50000"/>
-                      </a:schemeClr>
-                    </a:solidFill>
-                    <a:latin typeface="Oxygen" panose="02000503000000000000" pitchFamily="2" charset="0"/>
-                  </a:endParaRPr>
-                </a:p>
-                <a:p>
-                  <a:pPr marL="342900" indent="-342900">
-                    <a:buFont typeface="Arial" panose="020B0604020202020204" pitchFamily="34" charset="0"/>
-                    <a:buChar char="•"/>
-                  </a:pPr>
-                  <a:endParaRPr lang="en-US" sz="1700" dirty="0">
-                    <a:solidFill>
-                      <a:schemeClr val="tx2">
-                        <a:lumMod val="50000"/>
-                      </a:schemeClr>
-                    </a:solidFill>
-                    <a:latin typeface="Oxygen" panose="02000503000000000000" pitchFamily="2" charset="0"/>
-                  </a:endParaRPr>
-                </a:p>
-                <a:p>
-                  <a:pPr marL="342900" indent="-342900">
-                    <a:buFont typeface="Arial" panose="020B0604020202020204" pitchFamily="34" charset="0"/>
-                    <a:buChar char="•"/>
-                  </a:pPr>
-                  <a:r>
-                    <a:rPr lang="en-US" sz="1700" dirty="0">
-                      <a:solidFill>
-                        <a:schemeClr val="tx2">
-                          <a:lumMod val="50000"/>
-                        </a:schemeClr>
-                      </a:solidFill>
-                      <a:latin typeface="Oxygen" panose="02000503000000000000" pitchFamily="2" charset="0"/>
-                    </a:rPr>
-                    <a:t>Show how the system works</a:t>
-                  </a:r>
-                </a:p>
-                <a:p>
-                  <a:pPr marL="342900" indent="-342900">
-                    <a:buFont typeface="Arial" panose="020B0604020202020204" pitchFamily="34" charset="0"/>
-                    <a:buChar char="•"/>
-                  </a:pPr>
-                  <a:r>
-                    <a:rPr lang="en-US" sz="1700" dirty="0">
-                      <a:solidFill>
-                        <a:schemeClr val="tx2">
-                          <a:lumMod val="50000"/>
-                        </a:schemeClr>
-                      </a:solidFill>
-                      <a:latin typeface="Oxygen" panose="02000503000000000000" pitchFamily="2" charset="0"/>
-                    </a:rPr>
-                    <a:t>Guide development around structure </a:t>
-                  </a:r>
-                </a:p>
-                <a:p>
-                  <a:r>
-                    <a:rPr lang="en-US" sz="1700" dirty="0">
-                      <a:solidFill>
-                        <a:schemeClr val="tx2">
-                          <a:lumMod val="50000"/>
-                        </a:schemeClr>
-                      </a:solidFill>
-                      <a:latin typeface="Oxygen" panose="02000503000000000000" pitchFamily="2" charset="0"/>
-                    </a:rPr>
-                    <a:t>      &amp; behavior of runtime elements</a:t>
-                  </a:r>
-                </a:p>
-                <a:p>
-                  <a:pPr marL="342900" indent="-342900">
-                    <a:buFont typeface="Arial" panose="020B0604020202020204" pitchFamily="34" charset="0"/>
-                    <a:buChar char="•"/>
-                  </a:pPr>
-                  <a:r>
-                    <a:rPr lang="en-US" sz="1700" dirty="0">
-                      <a:solidFill>
-                        <a:schemeClr val="tx2">
-                          <a:lumMod val="50000"/>
-                        </a:schemeClr>
-                      </a:solidFill>
-                      <a:latin typeface="Oxygen" panose="02000503000000000000" pitchFamily="2" charset="0"/>
-                    </a:rPr>
-                    <a:t>To reason about performance and reliability</a:t>
-                  </a:r>
-                </a:p>
-              </p:txBody>
-            </p:sp>
-            <p:sp>
-              <p:nvSpPr>
                 <p:cNvPr id="103" name="TextBox 102"/>
                 <p:cNvSpPr txBox="1"/>
                 <p:nvPr/>
               </p:nvSpPr>
               <p:spPr>
                 <a:xfrm>
-                  <a:off x="1841806" y="16873575"/>
+                  <a:off x="1914670" y="16777421"/>
                   <a:ext cx="5937816" cy="3400931"/>
                 </a:xfrm>
                 <a:prstGeom prst="rect">
@@ -7306,29 +7311,7 @@
                       </a:solidFill>
                       <a:latin typeface="Oxygen" panose="02000503000000000000" pitchFamily="2" charset="0"/>
                     </a:rPr>
-                    <a:t>a mapping between software and </a:t>
-                  </a:r>
-                  <a:r>
-                    <a:rPr lang="en-US" sz="2300" dirty="0" err="1">
-                      <a:solidFill>
-                        <a:schemeClr val="tx2">
-                          <a:lumMod val="50000"/>
-                        </a:schemeClr>
-                      </a:solidFill>
-                      <a:latin typeface="Oxygen" panose="02000503000000000000" pitchFamily="2" charset="0"/>
-                    </a:rPr>
-                    <a:t>nonsoftware</a:t>
-                  </a:r>
-                  <a:r>
-                    <a:rPr lang="en-US" sz="2300" dirty="0">
-                      <a:solidFill>
-                        <a:schemeClr val="tx2">
-                          <a:lumMod val="50000"/>
-                        </a:schemeClr>
-                      </a:solidFill>
-                      <a:latin typeface="Oxygen" panose="02000503000000000000" pitchFamily="2" charset="0"/>
-                    </a:rPr>
-                    <a:t> elements in the former’s environment. </a:t>
+                    <a:t>a mapping between software and non-software elements in the former’s environment. </a:t>
                   </a:r>
                   <a:r>
                     <a:rPr lang="en-US" sz="2300" b="1" dirty="0">
@@ -7383,29 +7366,7 @@
                       </a:solidFill>
                       <a:latin typeface="Oxygen" panose="02000503000000000000" pitchFamily="2" charset="0"/>
                     </a:rPr>
-                    <a:t>SW elements: </a:t>
-                  </a:r>
-                  <a:r>
-                    <a:rPr lang="en-US" sz="2000" dirty="0" err="1">
-                      <a:solidFill>
-                        <a:schemeClr val="tx2">
-                          <a:lumMod val="50000"/>
-                        </a:schemeClr>
-                      </a:solidFill>
-                      <a:latin typeface="Oxygen" panose="02000503000000000000" pitchFamily="2" charset="0"/>
-                    </a:rPr>
-                    <a:t>CnC</a:t>
-                  </a:r>
-                  <a:r>
-                    <a:rPr lang="en-US" sz="2000" dirty="0">
-                      <a:solidFill>
-                        <a:schemeClr val="tx2">
-                          <a:lumMod val="50000"/>
-                        </a:schemeClr>
-                      </a:solidFill>
-                      <a:latin typeface="Oxygen" panose="02000503000000000000" pitchFamily="2" charset="0"/>
-                    </a:rPr>
-                    <a:t> elements</a:t>
+                    <a:t>SW elements: CnC elements</a:t>
                   </a:r>
                 </a:p>
                 <a:p>
@@ -7465,7 +7426,7 @@
         </p:nvGrpSpPr>
         <p:grpSpPr>
           <a:xfrm>
-            <a:off x="-830814" y="22750948"/>
+            <a:off x="-736693" y="22974481"/>
             <a:ext cx="16411184" cy="6649841"/>
             <a:chOff x="-7634781" y="22718885"/>
             <a:chExt cx="16411184" cy="6649841"/>
@@ -7525,7 +7486,7 @@
                   </a:solidFill>
                   <a:latin typeface="Oxygen" panose="02000503000000000000" pitchFamily="2" charset="0"/>
                 </a:rPr>
-                <a:t>Component: </a:t>
+                <a:t>component: </a:t>
               </a:r>
               <a:r>
                 <a:rPr lang="en-US" sz="3000" dirty="0">
@@ -7570,7 +7531,7 @@
                   </a:solidFill>
                   <a:latin typeface="Oxygen" panose="02000503000000000000" pitchFamily="2" charset="0"/>
                 </a:rPr>
-                <a:t>Connector: </a:t>
+                <a:t>connector: </a:t>
               </a:r>
               <a:r>
                 <a:rPr lang="en-US" sz="3000" dirty="0">
@@ -7612,7 +7573,7 @@
                   </a:solidFill>
                   <a:latin typeface="Oxygen" panose="02000503000000000000" pitchFamily="2" charset="0"/>
                 </a:rPr>
-                <a:t>Port: </a:t>
+                <a:t>port: </a:t>
               </a:r>
               <a:r>
                 <a:rPr lang="en-US" sz="3000" dirty="0">
@@ -7800,7 +7761,7 @@
         </p:nvSpPr>
         <p:spPr>
           <a:xfrm>
-            <a:off x="8347938" y="30008769"/>
+            <a:off x="12250982" y="32756586"/>
             <a:ext cx="16903020" cy="3785652"/>
           </a:xfrm>
           <a:prstGeom prst="rect">
@@ -9263,8 +9224,8 @@
         </p:nvSpPr>
         <p:spPr>
           <a:xfrm>
-            <a:off x="20864813" y="23048482"/>
-            <a:ext cx="10175506" cy="2862322"/>
+            <a:off x="20308415" y="23575376"/>
+            <a:ext cx="10175506" cy="4708981"/>
           </a:xfrm>
           <a:prstGeom prst="rect">
             <a:avLst/>
@@ -9305,7 +9266,7 @@
               <a:buChar char="•"/>
             </a:pPr>
             <a:r>
-              <a:rPr lang="en-US" sz="3000" dirty="0">
+              <a:rPr lang="en-US" sz="3000" b="1" dirty="0">
                 <a:solidFill>
                   <a:schemeClr val="accent1">
                     <a:lumMod val="75000"/>
@@ -9315,6 +9276,50 @@
               </a:rPr>
               <a:t>Readability</a:t>
             </a:r>
+          </a:p>
+          <a:p>
+            <a:pPr lvl="2"/>
+            <a:r>
+              <a:rPr lang="en-US" sz="3000" b="1" dirty="0">
+                <a:solidFill>
+                  <a:schemeClr val="accent1">
+                    <a:lumMod val="75000"/>
+                  </a:schemeClr>
+                </a:solidFill>
+                <a:latin typeface="Oxygen" panose="02000503000000000000" pitchFamily="2" charset="0"/>
+              </a:rPr>
+              <a:t>	</a:t>
+            </a:r>
+            <a:r>
+              <a:rPr lang="en-US" sz="3000" dirty="0" err="1">
+                <a:solidFill>
+                  <a:schemeClr val="accent1">
+                    <a:lumMod val="75000"/>
+                  </a:schemeClr>
+                </a:solidFill>
+                <a:latin typeface="Oxygen" panose="02000503000000000000" pitchFamily="2" charset="0"/>
+              </a:rPr>
+              <a:t>fdklasjfs</a:t>
+            </a:r>
+            <a:endParaRPr lang="en-US" sz="3000" dirty="0">
+              <a:solidFill>
+                <a:schemeClr val="accent1">
+                  <a:lumMod val="75000"/>
+                </a:schemeClr>
+              </a:solidFill>
+              <a:latin typeface="Oxygen" panose="02000503000000000000" pitchFamily="2" charset="0"/>
+            </a:endParaRPr>
+          </a:p>
+          <a:p>
+            <a:pPr lvl="2"/>
+            <a:endParaRPr lang="en-US" sz="3000" b="1" dirty="0">
+              <a:solidFill>
+                <a:schemeClr val="accent1">
+                  <a:lumMod val="75000"/>
+                </a:schemeClr>
+              </a:solidFill>
+              <a:latin typeface="Oxygen" panose="02000503000000000000" pitchFamily="2" charset="0"/>
+            </a:endParaRPr>
           </a:p>
           <a:p>
             <a:pPr marL="457200" indent="-457200">
@@ -9322,7 +9327,7 @@
               <a:buChar char="•"/>
             </a:pPr>
             <a:r>
-              <a:rPr lang="en-US" sz="3000" dirty="0">
+              <a:rPr lang="en-US" sz="3000" b="1" dirty="0">
                 <a:solidFill>
                   <a:schemeClr val="accent1">
                     <a:lumMod val="75000"/>
@@ -9332,6 +9337,50 @@
               </a:rPr>
               <a:t>Reuse and adaptability</a:t>
             </a:r>
+          </a:p>
+          <a:p>
+            <a:pPr lvl="2"/>
+            <a:r>
+              <a:rPr lang="en-US" sz="3000" b="1" dirty="0">
+                <a:solidFill>
+                  <a:schemeClr val="accent1">
+                    <a:lumMod val="75000"/>
+                  </a:schemeClr>
+                </a:solidFill>
+                <a:latin typeface="Oxygen" panose="02000503000000000000" pitchFamily="2" charset="0"/>
+              </a:rPr>
+              <a:t>	</a:t>
+            </a:r>
+            <a:r>
+              <a:rPr lang="en-US" sz="3000" dirty="0" err="1">
+                <a:solidFill>
+                  <a:schemeClr val="accent1">
+                    <a:lumMod val="75000"/>
+                  </a:schemeClr>
+                </a:solidFill>
+                <a:latin typeface="Oxygen" panose="02000503000000000000" pitchFamily="2" charset="0"/>
+              </a:rPr>
+              <a:t>jfdklsafjdsk</a:t>
+            </a:r>
+            <a:endParaRPr lang="en-US" sz="3000" dirty="0">
+              <a:solidFill>
+                <a:schemeClr val="accent1">
+                  <a:lumMod val="75000"/>
+                </a:schemeClr>
+              </a:solidFill>
+              <a:latin typeface="Oxygen" panose="02000503000000000000" pitchFamily="2" charset="0"/>
+            </a:endParaRPr>
+          </a:p>
+          <a:p>
+            <a:pPr lvl="2"/>
+            <a:endParaRPr lang="en-US" sz="3000" b="1" dirty="0">
+              <a:solidFill>
+                <a:schemeClr val="accent1">
+                  <a:lumMod val="75000"/>
+                </a:schemeClr>
+              </a:solidFill>
+              <a:latin typeface="Oxygen" panose="02000503000000000000" pitchFamily="2" charset="0"/>
+            </a:endParaRPr>
           </a:p>
           <a:p>
             <a:pPr marL="457200" indent="-457200">
@@ -9339,7 +9388,7 @@
               <a:buChar char="•"/>
             </a:pPr>
             <a:r>
-              <a:rPr lang="en-US" sz="3000" dirty="0">
+              <a:rPr lang="en-US" sz="3000" b="1" dirty="0">
                 <a:solidFill>
                   <a:schemeClr val="accent1">
                     <a:lumMod val="75000"/>
@@ -9347,8 +9396,40 @@
                 </a:solidFill>
                 <a:latin typeface="Oxygen" panose="02000503000000000000" pitchFamily="2" charset="0"/>
               </a:rPr>
-              <a:t>Communication integrity, especially in distributed systems</a:t>
-            </a:r>
+              <a:t>Communication integrity in distributed systems</a:t>
+            </a:r>
+          </a:p>
+          <a:p>
+            <a:r>
+              <a:rPr lang="en-US" sz="3000" b="1" dirty="0">
+                <a:solidFill>
+                  <a:schemeClr val="accent1">
+                    <a:lumMod val="75000"/>
+                  </a:schemeClr>
+                </a:solidFill>
+                <a:latin typeface="Oxygen" panose="02000503000000000000" pitchFamily="2" charset="0"/>
+              </a:rPr>
+              <a:t>	</a:t>
+            </a:r>
+            <a:r>
+              <a:rPr lang="en-US" sz="3000" dirty="0" err="1">
+                <a:solidFill>
+                  <a:schemeClr val="accent1">
+                    <a:lumMod val="75000"/>
+                  </a:schemeClr>
+                </a:solidFill>
+                <a:latin typeface="Oxygen" panose="02000503000000000000" pitchFamily="2" charset="0"/>
+              </a:rPr>
+              <a:t>jfdlkasjfdklasfjs</a:t>
+            </a:r>
+            <a:endParaRPr lang="en-US" sz="3000" b="1" dirty="0">
+              <a:solidFill>
+                <a:schemeClr val="accent1">
+                  <a:lumMod val="75000"/>
+                </a:schemeClr>
+              </a:solidFill>
+              <a:latin typeface="Oxygen" panose="02000503000000000000" pitchFamily="2" charset="0"/>
+            </a:endParaRPr>
           </a:p>
         </p:txBody>
       </p:sp>
@@ -9360,7 +9441,7 @@
         </p:nvGrpSpPr>
         <p:grpSpPr>
           <a:xfrm>
-            <a:off x="-830814" y="20758395"/>
+            <a:off x="-830814" y="20815545"/>
             <a:ext cx="7206462" cy="1739304"/>
             <a:chOff x="-1129898" y="25970449"/>
             <a:chExt cx="7206462" cy="2104559"/>
@@ -9463,7 +9544,7 @@
         </p:nvGrpSpPr>
         <p:grpSpPr>
           <a:xfrm>
-            <a:off x="19632650" y="21236938"/>
+            <a:off x="19698528" y="21722364"/>
             <a:ext cx="11395282" cy="1477415"/>
             <a:chOff x="-2523330" y="22165667"/>
             <a:chExt cx="11102660" cy="1723158"/>
@@ -9528,7 +9609,7 @@
           </p:nvSpPr>
           <p:spPr>
             <a:xfrm>
-              <a:off x="-1480961" y="22501594"/>
+              <a:off x="-968904" y="22502355"/>
               <a:ext cx="9314998" cy="1005116"/>
             </a:xfrm>
             <a:prstGeom prst="rect">
@@ -9563,7 +9644,7 @@
         </p:nvSpPr>
         <p:spPr>
           <a:xfrm>
-            <a:off x="8474709" y="22922048"/>
+            <a:off x="8474709" y="23092793"/>
             <a:ext cx="9022460" cy="1292662"/>
           </a:xfrm>
           <a:prstGeom prst="rect">

--- a/CMU REUSE 2017 Poster.pptx
+++ b/CMU REUSE 2017 Poster.pptx
@@ -4591,225 +4591,6 @@
           </p:sp>
         </p:grpSp>
       </p:grpSp>
-      <p:sp>
-        <p:nvSpPr>
-          <p:cNvPr id="75" name="Speech Bubble: Rectangle 74"/>
-          <p:cNvSpPr/>
-          <p:nvPr/>
-        </p:nvSpPr>
-        <p:spPr>
-          <a:xfrm rot="10800000">
-            <a:off x="0" y="20379018"/>
-            <a:ext cx="30262996" cy="10199816"/>
-          </a:xfrm>
-          <a:prstGeom prst="wedgeRectCallout">
-            <a:avLst>
-              <a:gd name="adj1" fmla="val -33287"/>
-              <a:gd name="adj2" fmla="val 69533"/>
-            </a:avLst>
-          </a:prstGeom>
-          <a:solidFill>
-            <a:srgbClr val="EEDD96">
-              <a:alpha val="75000"/>
-            </a:srgbClr>
-          </a:solidFill>
-          <a:ln>
-            <a:noFill/>
-          </a:ln>
-        </p:spPr>
-        <p:style>
-          <a:lnRef idx="2">
-            <a:schemeClr val="accent1">
-              <a:shade val="50000"/>
-            </a:schemeClr>
-          </a:lnRef>
-          <a:fillRef idx="1">
-            <a:schemeClr val="accent1"/>
-          </a:fillRef>
-          <a:effectRef idx="0">
-            <a:schemeClr val="accent1"/>
-          </a:effectRef>
-          <a:fontRef idx="minor">
-            <a:schemeClr val="lt1"/>
-          </a:fontRef>
-        </p:style>
-        <p:txBody>
-          <a:bodyPr rtlCol="0" anchor="ctr"/>
-          <a:lstStyle/>
-          <a:p>
-            <a:pPr algn="ctr"/>
-            <a:endParaRPr lang="en-US" dirty="0"/>
-          </a:p>
-        </p:txBody>
-      </p:sp>
-      <p:grpSp>
-        <p:nvGrpSpPr>
-          <p:cNvPr id="50" name="Group 49"/>
-          <p:cNvGrpSpPr/>
-          <p:nvPr/>
-        </p:nvGrpSpPr>
-        <p:grpSpPr>
-          <a:xfrm>
-            <a:off x="0" y="30891742"/>
-            <a:ext cx="30267277" cy="11878871"/>
-            <a:chOff x="-140659" y="32515693"/>
-            <a:chExt cx="30465705" cy="10483577"/>
-          </a:xfrm>
-        </p:grpSpPr>
-        <p:sp>
-          <p:nvSpPr>
-            <p:cNvPr id="48" name="Speech Bubble: Rectangle 47"/>
-            <p:cNvSpPr/>
-            <p:nvPr/>
-          </p:nvSpPr>
-          <p:spPr>
-            <a:xfrm rot="10800000">
-              <a:off x="-140659" y="32515693"/>
-              <a:ext cx="30465705" cy="10483577"/>
-            </a:xfrm>
-            <a:prstGeom prst="wedgeRectCallout">
-              <a:avLst>
-                <a:gd name="adj1" fmla="val 8279"/>
-                <a:gd name="adj2" fmla="val 60233"/>
-              </a:avLst>
-            </a:prstGeom>
-            <a:solidFill>
-              <a:srgbClr val="7D99A7">
-                <a:alpha val="75000"/>
-              </a:srgbClr>
-            </a:solidFill>
-            <a:ln>
-              <a:noFill/>
-            </a:ln>
-          </p:spPr>
-          <p:style>
-            <a:lnRef idx="2">
-              <a:schemeClr val="accent1">
-                <a:shade val="50000"/>
-              </a:schemeClr>
-            </a:lnRef>
-            <a:fillRef idx="1">
-              <a:schemeClr val="accent1"/>
-            </a:fillRef>
-            <a:effectRef idx="0">
-              <a:schemeClr val="accent1"/>
-            </a:effectRef>
-            <a:fontRef idx="minor">
-              <a:schemeClr val="lt1"/>
-            </a:fontRef>
-          </p:style>
-          <p:txBody>
-            <a:bodyPr rtlCol="0" anchor="ctr"/>
-            <a:lstStyle/>
-            <a:p>
-              <a:pPr algn="ctr"/>
-              <a:endParaRPr lang="en-US"/>
-            </a:p>
-          </p:txBody>
-        </p:sp>
-        <p:grpSp>
-          <p:nvGrpSpPr>
-            <p:cNvPr id="56" name="Group 55"/>
-            <p:cNvGrpSpPr/>
-            <p:nvPr/>
-          </p:nvGrpSpPr>
-          <p:grpSpPr>
-            <a:xfrm rot="10800000">
-              <a:off x="23464546" y="32945731"/>
-              <a:ext cx="6860249" cy="2255629"/>
-              <a:chOff x="-140387" y="24743864"/>
-              <a:chExt cx="7268093" cy="1590730"/>
-            </a:xfrm>
-            <a:solidFill>
-              <a:schemeClr val="bg1">
-                <a:lumMod val="85000"/>
-              </a:schemeClr>
-            </a:solidFill>
-          </p:grpSpPr>
-          <p:sp>
-            <p:nvSpPr>
-              <p:cNvPr id="57" name="Arrow: Pentagon 56"/>
-              <p:cNvSpPr/>
-              <p:nvPr/>
-            </p:nvSpPr>
-            <p:spPr>
-              <a:xfrm>
-                <a:off x="-140387" y="24743864"/>
-                <a:ext cx="7268093" cy="1590730"/>
-              </a:xfrm>
-              <a:prstGeom prst="homePlate">
-                <a:avLst/>
-              </a:prstGeom>
-              <a:solidFill>
-                <a:schemeClr val="bg1">
-                  <a:lumMod val="65000"/>
-                </a:schemeClr>
-              </a:solidFill>
-              <a:ln>
-                <a:noFill/>
-              </a:ln>
-            </p:spPr>
-            <p:style>
-              <a:lnRef idx="2">
-                <a:schemeClr val="accent1">
-                  <a:shade val="50000"/>
-                </a:schemeClr>
-              </a:lnRef>
-              <a:fillRef idx="1">
-                <a:schemeClr val="accent1"/>
-              </a:fillRef>
-              <a:effectRef idx="0">
-                <a:schemeClr val="accent1"/>
-              </a:effectRef>
-              <a:fontRef idx="minor">
-                <a:schemeClr val="lt1"/>
-              </a:fontRef>
-            </p:style>
-            <p:txBody>
-              <a:bodyPr rtlCol="0" anchor="ctr"/>
-              <a:lstStyle/>
-              <a:p>
-                <a:pPr algn="ctr"/>
-                <a:endParaRPr lang="en-US"/>
-              </a:p>
-            </p:txBody>
-          </p:sp>
-          <p:sp>
-            <p:nvSpPr>
-              <p:cNvPr id="58" name="TextBox 57"/>
-              <p:cNvSpPr txBox="1"/>
-              <p:nvPr/>
-            </p:nvSpPr>
-            <p:spPr>
-              <a:xfrm rot="10800000">
-                <a:off x="276825" y="25125845"/>
-                <a:ext cx="5611889" cy="967365"/>
-              </a:xfrm>
-              <a:prstGeom prst="rect">
-                <a:avLst/>
-              </a:prstGeom>
-              <a:noFill/>
-            </p:spPr>
-            <p:txBody>
-              <a:bodyPr wrap="square" rtlCol="0">
-                <a:spAutoFit/>
-              </a:bodyPr>
-              <a:lstStyle/>
-              <a:p>
-                <a:r>
-                  <a:rPr lang="en-US" sz="9500" b="1" i="1" dirty="0">
-                    <a:solidFill>
-                      <a:schemeClr val="bg1"/>
-                    </a:solidFill>
-                    <a:latin typeface="Oxygen" panose="02000503000000000000" pitchFamily="2" charset="0"/>
-                  </a:rPr>
-                  <a:t>Example</a:t>
-                </a:r>
-              </a:p>
-            </p:txBody>
-          </p:sp>
-        </p:grpSp>
-      </p:grpSp>
       <p:grpSp>
         <p:nvGrpSpPr>
           <p:cNvPr id="66" name="Group 65"/>
@@ -4909,6 +4690,174 @@
             </a:p>
           </p:txBody>
         </p:sp>
+      </p:grpSp>
+      <p:grpSp>
+        <p:nvGrpSpPr>
+          <p:cNvPr id="50" name="Group 49"/>
+          <p:cNvGrpSpPr/>
+          <p:nvPr/>
+        </p:nvGrpSpPr>
+        <p:grpSpPr>
+          <a:xfrm>
+            <a:off x="8246" y="30863315"/>
+            <a:ext cx="30267277" cy="11906863"/>
+            <a:chOff x="-2044635" y="33766295"/>
+            <a:chExt cx="30465705" cy="10508281"/>
+          </a:xfrm>
+        </p:grpSpPr>
+        <p:sp>
+          <p:nvSpPr>
+            <p:cNvPr id="48" name="Speech Bubble: Rectangle 47"/>
+            <p:cNvSpPr/>
+            <p:nvPr/>
+          </p:nvSpPr>
+          <p:spPr>
+            <a:xfrm rot="10800000">
+              <a:off x="-2044635" y="33766295"/>
+              <a:ext cx="30465705" cy="10508281"/>
+            </a:xfrm>
+            <a:prstGeom prst="wedgeRectCallout">
+              <a:avLst>
+                <a:gd name="adj1" fmla="val 8279"/>
+                <a:gd name="adj2" fmla="val 60233"/>
+              </a:avLst>
+            </a:prstGeom>
+            <a:solidFill>
+              <a:srgbClr val="7D99A7">
+                <a:alpha val="75000"/>
+              </a:srgbClr>
+            </a:solidFill>
+            <a:ln>
+              <a:noFill/>
+            </a:ln>
+          </p:spPr>
+          <p:style>
+            <a:lnRef idx="2">
+              <a:schemeClr val="accent1">
+                <a:shade val="50000"/>
+              </a:schemeClr>
+            </a:lnRef>
+            <a:fillRef idx="1">
+              <a:schemeClr val="accent1"/>
+            </a:fillRef>
+            <a:effectRef idx="0">
+              <a:schemeClr val="accent1"/>
+            </a:effectRef>
+            <a:fontRef idx="minor">
+              <a:schemeClr val="lt1"/>
+            </a:fontRef>
+          </p:style>
+          <p:txBody>
+            <a:bodyPr rtlCol="0" anchor="ctr"/>
+            <a:lstStyle/>
+            <a:p>
+              <a:pPr algn="ctr"/>
+              <a:endParaRPr lang="en-US"/>
+            </a:p>
+          </p:txBody>
+        </p:sp>
+        <p:grpSp>
+          <p:nvGrpSpPr>
+            <p:cNvPr id="56" name="Group 55"/>
+            <p:cNvGrpSpPr/>
+            <p:nvPr/>
+          </p:nvGrpSpPr>
+          <p:grpSpPr>
+            <a:xfrm rot="10800000">
+              <a:off x="21550364" y="34054987"/>
+              <a:ext cx="6860250" cy="2255629"/>
+              <a:chOff x="1887592" y="23961587"/>
+              <a:chExt cx="7268094" cy="1590730"/>
+            </a:xfrm>
+            <a:solidFill>
+              <a:schemeClr val="bg1">
+                <a:lumMod val="85000"/>
+              </a:schemeClr>
+            </a:solidFill>
+          </p:grpSpPr>
+          <p:sp>
+            <p:nvSpPr>
+              <p:cNvPr id="57" name="Arrow: Pentagon 56"/>
+              <p:cNvSpPr/>
+              <p:nvPr/>
+            </p:nvSpPr>
+            <p:spPr>
+              <a:xfrm>
+                <a:off x="1887592" y="23961587"/>
+                <a:ext cx="7268094" cy="1590730"/>
+              </a:xfrm>
+              <a:prstGeom prst="homePlate">
+                <a:avLst/>
+              </a:prstGeom>
+              <a:solidFill>
+                <a:schemeClr val="bg1">
+                  <a:lumMod val="65000"/>
+                </a:schemeClr>
+              </a:solidFill>
+              <a:ln>
+                <a:noFill/>
+              </a:ln>
+            </p:spPr>
+            <p:style>
+              <a:lnRef idx="2">
+                <a:schemeClr val="accent1">
+                  <a:shade val="50000"/>
+                </a:schemeClr>
+              </a:lnRef>
+              <a:fillRef idx="1">
+                <a:schemeClr val="accent1"/>
+              </a:fillRef>
+              <a:effectRef idx="0">
+                <a:schemeClr val="accent1"/>
+              </a:effectRef>
+              <a:fontRef idx="minor">
+                <a:schemeClr val="lt1"/>
+              </a:fontRef>
+            </p:style>
+            <p:txBody>
+              <a:bodyPr rtlCol="0" anchor="ctr"/>
+              <a:lstStyle/>
+              <a:p>
+                <a:pPr algn="ctr"/>
+                <a:endParaRPr lang="en-US"/>
+              </a:p>
+            </p:txBody>
+          </p:sp>
+          <p:sp>
+            <p:nvSpPr>
+              <p:cNvPr id="58" name="TextBox 57"/>
+              <p:cNvSpPr txBox="1"/>
+              <p:nvPr/>
+            </p:nvSpPr>
+            <p:spPr>
+              <a:xfrm rot="10800000">
+                <a:off x="2304799" y="24343569"/>
+                <a:ext cx="5611890" cy="967365"/>
+              </a:xfrm>
+              <a:prstGeom prst="rect">
+                <a:avLst/>
+              </a:prstGeom>
+              <a:noFill/>
+            </p:spPr>
+            <p:txBody>
+              <a:bodyPr wrap="square" rtlCol="0">
+                <a:spAutoFit/>
+              </a:bodyPr>
+              <a:lstStyle/>
+              <a:p>
+                <a:r>
+                  <a:rPr lang="en-US" sz="9500" b="1" i="1" dirty="0">
+                    <a:solidFill>
+                      <a:schemeClr val="bg1"/>
+                    </a:solidFill>
+                    <a:latin typeface="Oxygen" panose="02000503000000000000" pitchFamily="2" charset="0"/>
+                  </a:rPr>
+                  <a:t>Example</a:t>
+                </a:r>
+              </a:p>
+            </p:txBody>
+          </p:sp>
+        </p:grpSp>
       </p:grpSp>
       <p:sp>
         <p:nvSpPr>
@@ -5021,29 +4970,7 @@
                 </a:solidFill>
                 <a:latin typeface="Oxygen" panose="02000503000000000000" pitchFamily="2" charset="0"/>
               </a:rPr>
-              <a:t>  Inferred by the name, ADLs only describe software architectures; they do not prescribe, or </a:t>
-            </a:r>
-            <a:r>
-              <a:rPr lang="en-US" sz="2800" b="1" dirty="0">
-                <a:solidFill>
-                  <a:schemeClr val="tx2">
-                    <a:lumMod val="50000"/>
-                  </a:schemeClr>
-                </a:solidFill>
-                <a:latin typeface="Oxygen" panose="02000503000000000000" pitchFamily="2" charset="0"/>
-              </a:rPr>
-              <a:t>enforce conformance</a:t>
-            </a:r>
-            <a:r>
-              <a:rPr lang="en-US" sz="2800" dirty="0">
-                <a:solidFill>
-                  <a:schemeClr val="tx2">
-                    <a:lumMod val="50000"/>
-                  </a:schemeClr>
-                </a:solidFill>
-                <a:latin typeface="Oxygen" panose="02000503000000000000" pitchFamily="2" charset="0"/>
-              </a:rPr>
-              <a:t> to them</a:t>
+              <a:t>  Inferred by the name, ADLs only describe software architectures; they do not prescribe, or enforce conformance to them</a:t>
             </a:r>
           </a:p>
           <a:p>
@@ -5184,7 +5111,7 @@
                 </a:solidFill>
                 <a:latin typeface="Oxygen" panose="02000503000000000000" pitchFamily="2" charset="0"/>
               </a:rPr>
-              <a:t>(-) </a:t>
+              <a:t>(+) </a:t>
             </a:r>
             <a:r>
               <a:rPr lang="en-US" sz="2800" i="1" dirty="0">
@@ -5195,7 +5122,7 @@
                 </a:solidFill>
                 <a:latin typeface="Oxygen" panose="02000503000000000000" pitchFamily="2" charset="0"/>
               </a:rPr>
-              <a:t>Application:</a:t>
+              <a:t>Conformance: </a:t>
             </a:r>
             <a:r>
               <a:rPr lang="en-US" sz="2800" dirty="0">
@@ -5206,7 +5133,7 @@
                 </a:solidFill>
                 <a:latin typeface="Oxygen" panose="02000503000000000000" pitchFamily="2" charset="0"/>
               </a:rPr>
-              <a:t>  Does not check for conformity to architecture</a:t>
+              <a:t>Checks for architecture conformity</a:t>
             </a:r>
           </a:p>
           <a:p>
@@ -5234,7 +5161,7 @@
                 </a:solidFill>
                 <a:latin typeface="Oxygen" panose="02000503000000000000" pitchFamily="2" charset="0"/>
               </a:rPr>
-              <a:t>Distributed Systems:  </a:t>
+              <a:t>Distributed Systems: </a:t>
             </a:r>
             <a:r>
               <a:rPr lang="en-US" sz="2800" dirty="0">
@@ -5245,7 +5172,7 @@
                 </a:solidFill>
                 <a:latin typeface="Oxygen" panose="02000503000000000000" pitchFamily="2" charset="0"/>
               </a:rPr>
-              <a:t>No support for distributed systems</a:t>
+              <a:t>No conformance checks in distributed systems (ArchJava supports multiple systems via custom connectors, but does not enforce conformity)</a:t>
             </a:r>
           </a:p>
           <a:p>
@@ -5822,7 +5749,7 @@
         </p:nvSpPr>
         <p:spPr>
           <a:xfrm>
-            <a:off x="5496801" y="6047712"/>
+            <a:off x="5529576" y="5855135"/>
             <a:ext cx="12478917" cy="1938992"/>
           </a:xfrm>
           <a:prstGeom prst="rect">
@@ -5867,7 +5794,7 @@
         </p:nvGrpSpPr>
         <p:grpSpPr>
           <a:xfrm>
-            <a:off x="719899" y="8095201"/>
+            <a:off x="816151" y="7950823"/>
             <a:ext cx="10134047" cy="12083151"/>
             <a:chOff x="719899" y="8095201"/>
             <a:chExt cx="10134047" cy="12083151"/>
@@ -7418,341 +7345,6 @@
           </p:grpSp>
         </p:grpSp>
       </p:grpSp>
-      <p:grpSp>
-        <p:nvGrpSpPr>
-          <p:cNvPr id="163" name="Group 162"/>
-          <p:cNvGrpSpPr/>
-          <p:nvPr/>
-        </p:nvGrpSpPr>
-        <p:grpSpPr>
-          <a:xfrm>
-            <a:off x="-736693" y="22974481"/>
-            <a:ext cx="16411184" cy="6649841"/>
-            <a:chOff x="-7634781" y="22718885"/>
-            <a:chExt cx="16411184" cy="6649841"/>
-          </a:xfrm>
-        </p:grpSpPr>
-        <p:sp>
-          <p:nvSpPr>
-            <p:cNvPr id="119" name="TextBox 118"/>
-            <p:cNvSpPr txBox="1"/>
-            <p:nvPr/>
-          </p:nvSpPr>
-          <p:spPr>
-            <a:xfrm>
-              <a:off x="-6084069" y="24567412"/>
-              <a:ext cx="14860472" cy="4801314"/>
-            </a:xfrm>
-            <a:prstGeom prst="rect">
-              <a:avLst/>
-            </a:prstGeom>
-            <a:noFill/>
-          </p:spPr>
-          <p:txBody>
-            <a:bodyPr wrap="square" rtlCol="0">
-              <a:spAutoFit/>
-            </a:bodyPr>
-            <a:lstStyle/>
-            <a:p>
-              <a:r>
-                <a:rPr lang="en-US" sz="3600" b="1" dirty="0">
-                  <a:solidFill>
-                    <a:schemeClr val="accent1">
-                      <a:lumMod val="75000"/>
-                    </a:schemeClr>
-                  </a:solidFill>
-                  <a:latin typeface="Oxygen" panose="02000503000000000000" pitchFamily="2" charset="0"/>
-                </a:rPr>
-                <a:t>Trinity Architecture Components</a:t>
-              </a:r>
-            </a:p>
-            <a:p>
-              <a:endParaRPr lang="en-US" sz="3000" b="1" dirty="0">
-                <a:solidFill>
-                  <a:schemeClr val="accent1">
-                    <a:lumMod val="75000"/>
-                  </a:schemeClr>
-                </a:solidFill>
-                <a:latin typeface="Oxygen" panose="02000503000000000000" pitchFamily="2" charset="0"/>
-              </a:endParaRPr>
-            </a:p>
-            <a:p>
-              <a:r>
-                <a:rPr lang="en-US" sz="3000" b="1" dirty="0">
-                  <a:solidFill>
-                    <a:schemeClr val="accent1">
-                      <a:lumMod val="75000"/>
-                    </a:schemeClr>
-                  </a:solidFill>
-                  <a:latin typeface="Oxygen" panose="02000503000000000000" pitchFamily="2" charset="0"/>
-                </a:rPr>
-                <a:t>component: </a:t>
-              </a:r>
-              <a:r>
-                <a:rPr lang="en-US" sz="3000" dirty="0">
-                  <a:solidFill>
-                    <a:schemeClr val="accent1">
-                      <a:lumMod val="75000"/>
-                    </a:schemeClr>
-                  </a:solidFill>
-                  <a:latin typeface="Oxygen" panose="02000503000000000000" pitchFamily="2" charset="0"/>
-                </a:rPr>
-                <a:t>a </a:t>
-              </a:r>
-              <a:r>
-                <a:rPr lang="en-US" sz="3000" dirty="0">
-                  <a:solidFill>
-                    <a:schemeClr val="accent1">
-                      <a:lumMod val="75000"/>
-                    </a:schemeClr>
-                  </a:solidFill>
-                  <a:latin typeface="Oxygen" panose="02000503000000000000" pitchFamily="2" charset="0"/>
-                </a:rPr>
-                <a:t>runtime entity that may interact with other components through ports.</a:t>
-              </a:r>
-            </a:p>
-            <a:p>
-              <a:endParaRPr lang="en-US" sz="3000" dirty="0">
-                <a:solidFill>
-                  <a:schemeClr val="accent1">
-                    <a:lumMod val="75000"/>
-                  </a:schemeClr>
-                </a:solidFill>
-                <a:latin typeface="Oxygen" panose="02000503000000000000" pitchFamily="2" charset="0"/>
-              </a:endParaRPr>
-            </a:p>
-            <a:p>
-              <a:r>
-                <a:rPr lang="en-US" sz="3000" b="1" dirty="0">
-                  <a:solidFill>
-                    <a:schemeClr val="accent1">
-                      <a:lumMod val="75000"/>
-                    </a:schemeClr>
-                  </a:solidFill>
-                  <a:latin typeface="Oxygen" panose="02000503000000000000" pitchFamily="2" charset="0"/>
-                </a:rPr>
-                <a:t>connector: </a:t>
-              </a:r>
-              <a:r>
-                <a:rPr lang="en-US" sz="3000" dirty="0">
-                  <a:solidFill>
-                    <a:schemeClr val="accent1">
-                      <a:lumMod val="75000"/>
-                    </a:schemeClr>
-                  </a:solidFill>
-                  <a:latin typeface="Oxygen" panose="02000503000000000000" pitchFamily="2" charset="0"/>
-                </a:rPr>
-                <a:t>interaction pathways that join two compatible component ports.</a:t>
-              </a:r>
-              <a:endParaRPr lang="en-US" sz="3000" dirty="0">
-                <a:solidFill>
-                  <a:schemeClr val="accent1">
-                    <a:lumMod val="75000"/>
-                  </a:schemeClr>
-                </a:solidFill>
-                <a:latin typeface="Oxygen" panose="02000503000000000000" pitchFamily="2" charset="0"/>
-              </a:endParaRPr>
-            </a:p>
-            <a:p>
-              <a:endParaRPr lang="en-US" sz="3000" b="1" dirty="0">
-                <a:solidFill>
-                  <a:schemeClr val="accent1">
-                    <a:lumMod val="75000"/>
-                  </a:schemeClr>
-                </a:solidFill>
-                <a:latin typeface="Oxygen" panose="02000503000000000000" pitchFamily="2" charset="0"/>
-              </a:endParaRPr>
-            </a:p>
-            <a:p>
-              <a:r>
-                <a:rPr lang="en-US" sz="3000" b="1" dirty="0">
-                  <a:solidFill>
-                    <a:schemeClr val="accent1">
-                      <a:lumMod val="75000"/>
-                    </a:schemeClr>
-                  </a:solidFill>
-                  <a:latin typeface="Oxygen" panose="02000503000000000000" pitchFamily="2" charset="0"/>
-                </a:rPr>
-                <a:t>port: </a:t>
-              </a:r>
-              <a:r>
-                <a:rPr lang="en-US" sz="3000" dirty="0">
-                  <a:solidFill>
-                    <a:schemeClr val="accent1">
-                      <a:lumMod val="75000"/>
-                    </a:schemeClr>
-                  </a:solidFill>
-                  <a:latin typeface="Oxygen" panose="02000503000000000000" pitchFamily="2" charset="0"/>
-                </a:rPr>
-                <a:t>component access points that enable interaction with other components.</a:t>
-              </a:r>
-            </a:p>
-            <a:p>
-              <a:endParaRPr lang="en-US" sz="3000" dirty="0">
-                <a:solidFill>
-                  <a:schemeClr val="accent1">
-                    <a:lumMod val="75000"/>
-                  </a:schemeClr>
-                </a:solidFill>
-                <a:latin typeface="Oxygen" panose="02000503000000000000" pitchFamily="2" charset="0"/>
-              </a:endParaRPr>
-            </a:p>
-            <a:p>
-              <a:r>
-                <a:rPr lang="en-US" sz="3000" b="1" dirty="0" err="1">
-                  <a:solidFill>
-                    <a:schemeClr val="accent1">
-                      <a:lumMod val="75000"/>
-                    </a:schemeClr>
-                  </a:solidFill>
-                  <a:latin typeface="Oxygen" panose="02000503000000000000" pitchFamily="2" charset="0"/>
-                </a:rPr>
-                <a:t>entryPoints</a:t>
-              </a:r>
-              <a:r>
-                <a:rPr lang="en-US" sz="3000" b="1" dirty="0">
-                  <a:solidFill>
-                    <a:schemeClr val="accent1">
-                      <a:lumMod val="75000"/>
-                    </a:schemeClr>
-                  </a:solidFill>
-                  <a:latin typeface="Oxygen" panose="02000503000000000000" pitchFamily="2" charset="0"/>
-                </a:rPr>
-                <a:t>: </a:t>
-              </a:r>
-              <a:r>
-                <a:rPr lang="en-US" sz="3000" dirty="0">
-                  <a:solidFill>
-                    <a:schemeClr val="accent1">
-                      <a:lumMod val="75000"/>
-                    </a:schemeClr>
-                  </a:solidFill>
-                  <a:latin typeface="Oxygen" panose="02000503000000000000" pitchFamily="2" charset="0"/>
-                </a:rPr>
-                <a:t>a program starting point that enables execution.</a:t>
-              </a:r>
-              <a:endParaRPr lang="en-US" sz="3000" b="1" dirty="0">
-                <a:solidFill>
-                  <a:schemeClr val="accent1">
-                    <a:lumMod val="75000"/>
-                  </a:schemeClr>
-                </a:solidFill>
-                <a:latin typeface="Oxygen" panose="02000503000000000000" pitchFamily="2" charset="0"/>
-              </a:endParaRPr>
-            </a:p>
-            <a:p>
-              <a:endParaRPr lang="en-US" sz="3000" b="1" dirty="0">
-                <a:solidFill>
-                  <a:schemeClr val="accent1">
-                    <a:lumMod val="75000"/>
-                  </a:schemeClr>
-                </a:solidFill>
-                <a:latin typeface="Oxygen" panose="02000503000000000000" pitchFamily="2" charset="0"/>
-              </a:endParaRPr>
-            </a:p>
-          </p:txBody>
-        </p:sp>
-        <p:grpSp>
-          <p:nvGrpSpPr>
-            <p:cNvPr id="122" name="Group 121"/>
-            <p:cNvGrpSpPr/>
-            <p:nvPr/>
-          </p:nvGrpSpPr>
-          <p:grpSpPr>
-            <a:xfrm>
-              <a:off x="-7634781" y="22718885"/>
-              <a:ext cx="9328383" cy="1477415"/>
-              <a:chOff x="-8315203" y="23898600"/>
-              <a:chExt cx="10190756" cy="1723158"/>
-            </a:xfrm>
-          </p:grpSpPr>
-          <p:sp>
-            <p:nvSpPr>
-              <p:cNvPr id="120" name="Arrow: Chevron 119"/>
-              <p:cNvSpPr/>
-              <p:nvPr/>
-            </p:nvSpPr>
-            <p:spPr>
-              <a:xfrm rot="10800000">
-                <a:off x="-8315203" y="23898600"/>
-                <a:ext cx="10190756" cy="1723158"/>
-              </a:xfrm>
-              <a:prstGeom prst="chevron">
-                <a:avLst/>
-              </a:prstGeom>
-              <a:solidFill>
-                <a:srgbClr val="9EB3BD"/>
-              </a:solidFill>
-              <a:ln>
-                <a:noFill/>
-              </a:ln>
-            </p:spPr>
-            <p:style>
-              <a:lnRef idx="2">
-                <a:schemeClr val="accent1">
-                  <a:shade val="50000"/>
-                </a:schemeClr>
-              </a:lnRef>
-              <a:fillRef idx="1">
-                <a:schemeClr val="accent1"/>
-              </a:fillRef>
-              <a:effectRef idx="0">
-                <a:schemeClr val="accent1"/>
-              </a:effectRef>
-              <a:fontRef idx="minor">
-                <a:schemeClr val="lt1"/>
-              </a:fontRef>
-            </p:style>
-            <p:txBody>
-              <a:bodyPr rtlCol="0" anchor="ctr"/>
-              <a:lstStyle/>
-              <a:p>
-                <a:pPr algn="ctr"/>
-                <a:endParaRPr lang="en-US" sz="4000" dirty="0">
-                  <a:solidFill>
-                    <a:schemeClr val="tx1"/>
-                  </a:solidFill>
-                  <a:latin typeface="Oxygen" panose="02000503000000000000" pitchFamily="2" charset="0"/>
-                </a:endParaRPr>
-              </a:p>
-            </p:txBody>
-          </p:sp>
-          <p:sp>
-            <p:nvSpPr>
-              <p:cNvPr id="121" name="TextBox 120"/>
-              <p:cNvSpPr txBox="1"/>
-              <p:nvPr/>
-            </p:nvSpPr>
-            <p:spPr>
-              <a:xfrm>
-                <a:off x="-6621134" y="24347364"/>
-                <a:ext cx="7258933" cy="825631"/>
-              </a:xfrm>
-              <a:prstGeom prst="rect">
-                <a:avLst/>
-              </a:prstGeom>
-              <a:noFill/>
-            </p:spPr>
-            <p:txBody>
-              <a:bodyPr wrap="square" rtlCol="0">
-                <a:spAutoFit/>
-              </a:bodyPr>
-              <a:lstStyle/>
-              <a:p>
-                <a:r>
-                  <a:rPr lang="en-US" sz="4000" b="1" dirty="0">
-                    <a:solidFill>
-                      <a:schemeClr val="bg1"/>
-                    </a:solidFill>
-                    <a:latin typeface="Oxygen" panose="02000503000000000000" pitchFamily="2" charset="0"/>
-                  </a:rPr>
-                  <a:t>Implementation Concepts</a:t>
-                </a:r>
-              </a:p>
-            </p:txBody>
-          </p:sp>
-        </p:grpSp>
-      </p:grpSp>
       <p:sp>
         <p:nvSpPr>
           <p:cNvPr id="124" name="TextBox 123"/>
@@ -9216,253 +8808,41 @@
           </a:p>
         </p:txBody>
       </p:sp>
-      <p:sp>
-        <p:nvSpPr>
-          <p:cNvPr id="123" name="TextBox 122"/>
-          <p:cNvSpPr txBox="1"/>
-          <p:nvPr/>
-        </p:nvSpPr>
-        <p:spPr>
-          <a:xfrm>
-            <a:off x="20308415" y="23575376"/>
-            <a:ext cx="10175506" cy="4708981"/>
-          </a:xfrm>
-          <a:prstGeom prst="rect">
-            <a:avLst/>
-          </a:prstGeom>
-          <a:noFill/>
-        </p:spPr>
-        <p:txBody>
-          <a:bodyPr wrap="square" rtlCol="0">
-            <a:spAutoFit/>
-          </a:bodyPr>
-          <a:lstStyle/>
-          <a:p>
-            <a:r>
-              <a:rPr lang="en-US" sz="3000" i="1" dirty="0">
-                <a:solidFill>
-                  <a:schemeClr val="accent1">
-                    <a:lumMod val="75000"/>
-                  </a:schemeClr>
-                </a:solidFill>
-                <a:latin typeface="Oxygen" panose="02000503000000000000" pitchFamily="2" charset="0"/>
-              </a:rPr>
-              <a:t>Trinity’s design demonstrates the following principles: </a:t>
-            </a:r>
-          </a:p>
-          <a:p>
-            <a:endParaRPr lang="en-US" sz="3000" i="1" dirty="0">
-              <a:solidFill>
-                <a:schemeClr val="accent1">
-                  <a:lumMod val="75000"/>
-                </a:schemeClr>
-              </a:solidFill>
-              <a:latin typeface="Oxygen" panose="02000503000000000000" pitchFamily="2" charset="0"/>
-            </a:endParaRPr>
-          </a:p>
-          <a:p>
-            <a:pPr marL="457200" indent="-457200">
-              <a:buFont typeface="Arial" panose="020B0604020202020204" pitchFamily="34" charset="0"/>
-              <a:buChar char="•"/>
-            </a:pPr>
-            <a:r>
-              <a:rPr lang="en-US" sz="3000" b="1" dirty="0">
-                <a:solidFill>
-                  <a:schemeClr val="accent1">
-                    <a:lumMod val="75000"/>
-                  </a:schemeClr>
-                </a:solidFill>
-                <a:latin typeface="Oxygen" panose="02000503000000000000" pitchFamily="2" charset="0"/>
-              </a:rPr>
-              <a:t>Readability</a:t>
-            </a:r>
-          </a:p>
-          <a:p>
-            <a:pPr lvl="2"/>
-            <a:r>
-              <a:rPr lang="en-US" sz="3000" b="1" dirty="0">
-                <a:solidFill>
-                  <a:schemeClr val="accent1">
-                    <a:lumMod val="75000"/>
-                  </a:schemeClr>
-                </a:solidFill>
-                <a:latin typeface="Oxygen" panose="02000503000000000000" pitchFamily="2" charset="0"/>
-              </a:rPr>
-              <a:t>	</a:t>
-            </a:r>
-            <a:r>
-              <a:rPr lang="en-US" sz="3000" dirty="0" err="1">
-                <a:solidFill>
-                  <a:schemeClr val="accent1">
-                    <a:lumMod val="75000"/>
-                  </a:schemeClr>
-                </a:solidFill>
-                <a:latin typeface="Oxygen" panose="02000503000000000000" pitchFamily="2" charset="0"/>
-              </a:rPr>
-              <a:t>fdklasjfs</a:t>
-            </a:r>
-            <a:endParaRPr lang="en-US" sz="3000" dirty="0">
-              <a:solidFill>
-                <a:schemeClr val="accent1">
-                  <a:lumMod val="75000"/>
-                </a:schemeClr>
-              </a:solidFill>
-              <a:latin typeface="Oxygen" panose="02000503000000000000" pitchFamily="2" charset="0"/>
-            </a:endParaRPr>
-          </a:p>
-          <a:p>
-            <a:pPr lvl="2"/>
-            <a:endParaRPr lang="en-US" sz="3000" b="1" dirty="0">
-              <a:solidFill>
-                <a:schemeClr val="accent1">
-                  <a:lumMod val="75000"/>
-                </a:schemeClr>
-              </a:solidFill>
-              <a:latin typeface="Oxygen" panose="02000503000000000000" pitchFamily="2" charset="0"/>
-            </a:endParaRPr>
-          </a:p>
-          <a:p>
-            <a:pPr marL="457200" indent="-457200">
-              <a:buFont typeface="Arial" panose="020B0604020202020204" pitchFamily="34" charset="0"/>
-              <a:buChar char="•"/>
-            </a:pPr>
-            <a:r>
-              <a:rPr lang="en-US" sz="3000" b="1" dirty="0">
-                <a:solidFill>
-                  <a:schemeClr val="accent1">
-                    <a:lumMod val="75000"/>
-                  </a:schemeClr>
-                </a:solidFill>
-                <a:latin typeface="Oxygen" panose="02000503000000000000" pitchFamily="2" charset="0"/>
-              </a:rPr>
-              <a:t>Reuse and adaptability</a:t>
-            </a:r>
-          </a:p>
-          <a:p>
-            <a:pPr lvl="2"/>
-            <a:r>
-              <a:rPr lang="en-US" sz="3000" b="1" dirty="0">
-                <a:solidFill>
-                  <a:schemeClr val="accent1">
-                    <a:lumMod val="75000"/>
-                  </a:schemeClr>
-                </a:solidFill>
-                <a:latin typeface="Oxygen" panose="02000503000000000000" pitchFamily="2" charset="0"/>
-              </a:rPr>
-              <a:t>	</a:t>
-            </a:r>
-            <a:r>
-              <a:rPr lang="en-US" sz="3000" dirty="0" err="1">
-                <a:solidFill>
-                  <a:schemeClr val="accent1">
-                    <a:lumMod val="75000"/>
-                  </a:schemeClr>
-                </a:solidFill>
-                <a:latin typeface="Oxygen" panose="02000503000000000000" pitchFamily="2" charset="0"/>
-              </a:rPr>
-              <a:t>jfdklsafjdsk</a:t>
-            </a:r>
-            <a:endParaRPr lang="en-US" sz="3000" dirty="0">
-              <a:solidFill>
-                <a:schemeClr val="accent1">
-                  <a:lumMod val="75000"/>
-                </a:schemeClr>
-              </a:solidFill>
-              <a:latin typeface="Oxygen" panose="02000503000000000000" pitchFamily="2" charset="0"/>
-            </a:endParaRPr>
-          </a:p>
-          <a:p>
-            <a:pPr lvl="2"/>
-            <a:endParaRPr lang="en-US" sz="3000" b="1" dirty="0">
-              <a:solidFill>
-                <a:schemeClr val="accent1">
-                  <a:lumMod val="75000"/>
-                </a:schemeClr>
-              </a:solidFill>
-              <a:latin typeface="Oxygen" panose="02000503000000000000" pitchFamily="2" charset="0"/>
-            </a:endParaRPr>
-          </a:p>
-          <a:p>
-            <a:pPr marL="457200" indent="-457200">
-              <a:buFont typeface="Arial" panose="020B0604020202020204" pitchFamily="34" charset="0"/>
-              <a:buChar char="•"/>
-            </a:pPr>
-            <a:r>
-              <a:rPr lang="en-US" sz="3000" b="1" dirty="0">
-                <a:solidFill>
-                  <a:schemeClr val="accent1">
-                    <a:lumMod val="75000"/>
-                  </a:schemeClr>
-                </a:solidFill>
-                <a:latin typeface="Oxygen" panose="02000503000000000000" pitchFamily="2" charset="0"/>
-              </a:rPr>
-              <a:t>Communication integrity in distributed systems</a:t>
-            </a:r>
-          </a:p>
-          <a:p>
-            <a:r>
-              <a:rPr lang="en-US" sz="3000" b="1" dirty="0">
-                <a:solidFill>
-                  <a:schemeClr val="accent1">
-                    <a:lumMod val="75000"/>
-                  </a:schemeClr>
-                </a:solidFill>
-                <a:latin typeface="Oxygen" panose="02000503000000000000" pitchFamily="2" charset="0"/>
-              </a:rPr>
-              <a:t>	</a:t>
-            </a:r>
-            <a:r>
-              <a:rPr lang="en-US" sz="3000" dirty="0" err="1">
-                <a:solidFill>
-                  <a:schemeClr val="accent1">
-                    <a:lumMod val="75000"/>
-                  </a:schemeClr>
-                </a:solidFill>
-                <a:latin typeface="Oxygen" panose="02000503000000000000" pitchFamily="2" charset="0"/>
-              </a:rPr>
-              <a:t>jfdlkasjfdklasfjs</a:t>
-            </a:r>
-            <a:endParaRPr lang="en-US" sz="3000" b="1" dirty="0">
-              <a:solidFill>
-                <a:schemeClr val="accent1">
-                  <a:lumMod val="75000"/>
-                </a:schemeClr>
-              </a:solidFill>
-              <a:latin typeface="Oxygen" panose="02000503000000000000" pitchFamily="2" charset="0"/>
-            </a:endParaRPr>
-          </a:p>
-        </p:txBody>
-      </p:sp>
       <p:grpSp>
         <p:nvGrpSpPr>
-          <p:cNvPr id="166" name="Group 165"/>
+          <p:cNvPr id="177" name="Group 176"/>
           <p:cNvGrpSpPr/>
           <p:nvPr/>
         </p:nvGrpSpPr>
         <p:grpSpPr>
           <a:xfrm>
-            <a:off x="-830814" y="20815545"/>
-            <a:ext cx="7206462" cy="1739304"/>
-            <a:chOff x="-1129898" y="25970449"/>
-            <a:chExt cx="7206462" cy="2104559"/>
+            <a:off x="-828674" y="20304197"/>
+            <a:ext cx="31924623" cy="10199816"/>
+            <a:chOff x="-830814" y="20307954"/>
+            <a:chExt cx="31924623" cy="10199816"/>
           </a:xfrm>
         </p:grpSpPr>
         <p:sp>
           <p:nvSpPr>
-            <p:cNvPr id="165" name="Arrow: Chevron 164"/>
+            <p:cNvPr id="75" name="Speech Bubble: Rectangle 74"/>
             <p:cNvSpPr/>
             <p:nvPr/>
           </p:nvSpPr>
           <p:spPr>
             <a:xfrm rot="10800000">
-              <a:off x="-1129898" y="25970449"/>
-              <a:ext cx="7206462" cy="2095405"/>
+              <a:off x="-1" y="20307954"/>
+              <a:ext cx="30262996" cy="10199816"/>
             </a:xfrm>
-            <a:prstGeom prst="chevron">
-              <a:avLst/>
+            <a:prstGeom prst="wedgeRectCallout">
+              <a:avLst>
+                <a:gd name="adj1" fmla="val -33287"/>
+                <a:gd name="adj2" fmla="val 69533"/>
+              </a:avLst>
             </a:prstGeom>
             <a:solidFill>
-              <a:srgbClr val="A6A6A6"/>
+              <a:srgbClr val="EEDD96">
+                <a:alpha val="75000"/>
+              </a:srgbClr>
             </a:solidFill>
             <a:ln>
               <a:noFill/>
@@ -9489,128 +8869,355 @@
             <a:lstStyle/>
             <a:p>
               <a:pPr algn="ctr"/>
-              <a:endParaRPr lang="en-US">
-                <a:solidFill>
-                  <a:schemeClr val="tx1"/>
-                </a:solidFill>
-              </a:endParaRPr>
+              <a:endParaRPr lang="en-US" dirty="0"/>
             </a:p>
           </p:txBody>
         </p:sp>
+        <p:grpSp>
+          <p:nvGrpSpPr>
+            <p:cNvPr id="163" name="Group 162"/>
+            <p:cNvGrpSpPr/>
+            <p:nvPr/>
+          </p:nvGrpSpPr>
+          <p:grpSpPr>
+            <a:xfrm>
+              <a:off x="-736693" y="22974481"/>
+              <a:ext cx="16411184" cy="6649841"/>
+              <a:chOff x="-7634781" y="22718885"/>
+              <a:chExt cx="16411184" cy="6649841"/>
+            </a:xfrm>
+          </p:grpSpPr>
+          <p:sp>
+            <p:nvSpPr>
+              <p:cNvPr id="119" name="TextBox 118"/>
+              <p:cNvSpPr txBox="1"/>
+              <p:nvPr/>
+            </p:nvSpPr>
+            <p:spPr>
+              <a:xfrm>
+                <a:off x="-6084069" y="24567412"/>
+                <a:ext cx="14860472" cy="4801314"/>
+              </a:xfrm>
+              <a:prstGeom prst="rect">
+                <a:avLst/>
+              </a:prstGeom>
+              <a:noFill/>
+            </p:spPr>
+            <p:txBody>
+              <a:bodyPr wrap="square" rtlCol="0">
+                <a:spAutoFit/>
+              </a:bodyPr>
+              <a:lstStyle/>
+              <a:p>
+                <a:r>
+                  <a:rPr lang="en-US" sz="3600" b="1" dirty="0">
+                    <a:solidFill>
+                      <a:schemeClr val="accent1">
+                        <a:lumMod val="75000"/>
+                      </a:schemeClr>
+                    </a:solidFill>
+                    <a:latin typeface="Oxygen" panose="02000503000000000000" pitchFamily="2" charset="0"/>
+                  </a:rPr>
+                  <a:t>Trinity Architecture Components</a:t>
+                </a:r>
+              </a:p>
+              <a:p>
+                <a:endParaRPr lang="en-US" sz="3000" b="1" dirty="0">
+                  <a:solidFill>
+                    <a:schemeClr val="accent1">
+                      <a:lumMod val="75000"/>
+                    </a:schemeClr>
+                  </a:solidFill>
+                  <a:latin typeface="Oxygen" panose="02000503000000000000" pitchFamily="2" charset="0"/>
+                </a:endParaRPr>
+              </a:p>
+              <a:p>
+                <a:r>
+                  <a:rPr lang="en-US" sz="3000" b="1" dirty="0">
+                    <a:solidFill>
+                      <a:schemeClr val="accent1">
+                        <a:lumMod val="75000"/>
+                      </a:schemeClr>
+                    </a:solidFill>
+                    <a:latin typeface="Oxygen" panose="02000503000000000000" pitchFamily="2" charset="0"/>
+                  </a:rPr>
+                  <a:t>component: </a:t>
+                </a:r>
+                <a:r>
+                  <a:rPr lang="en-US" sz="3000" dirty="0">
+                    <a:solidFill>
+                      <a:schemeClr val="accent1">
+                        <a:lumMod val="75000"/>
+                      </a:schemeClr>
+                    </a:solidFill>
+                    <a:latin typeface="Oxygen" panose="02000503000000000000" pitchFamily="2" charset="0"/>
+                  </a:rPr>
+                  <a:t>a </a:t>
+                </a:r>
+                <a:r>
+                  <a:rPr lang="en-US" sz="3000" dirty="0">
+                    <a:solidFill>
+                      <a:schemeClr val="accent1">
+                        <a:lumMod val="75000"/>
+                      </a:schemeClr>
+                    </a:solidFill>
+                    <a:latin typeface="Oxygen" panose="02000503000000000000" pitchFamily="2" charset="0"/>
+                  </a:rPr>
+                  <a:t>runtime entity that may interact with other components through ports.</a:t>
+                </a:r>
+              </a:p>
+              <a:p>
+                <a:endParaRPr lang="en-US" sz="3000" dirty="0">
+                  <a:solidFill>
+                    <a:schemeClr val="accent1">
+                      <a:lumMod val="75000"/>
+                    </a:schemeClr>
+                  </a:solidFill>
+                  <a:latin typeface="Oxygen" panose="02000503000000000000" pitchFamily="2" charset="0"/>
+                </a:endParaRPr>
+              </a:p>
+              <a:p>
+                <a:r>
+                  <a:rPr lang="en-US" sz="3000" b="1" dirty="0">
+                    <a:solidFill>
+                      <a:schemeClr val="accent1">
+                        <a:lumMod val="75000"/>
+                      </a:schemeClr>
+                    </a:solidFill>
+                    <a:latin typeface="Oxygen" panose="02000503000000000000" pitchFamily="2" charset="0"/>
+                  </a:rPr>
+                  <a:t>connector: </a:t>
+                </a:r>
+                <a:r>
+                  <a:rPr lang="en-US" sz="3000" dirty="0">
+                    <a:solidFill>
+                      <a:schemeClr val="accent1">
+                        <a:lumMod val="75000"/>
+                      </a:schemeClr>
+                    </a:solidFill>
+                    <a:latin typeface="Oxygen" panose="02000503000000000000" pitchFamily="2" charset="0"/>
+                  </a:rPr>
+                  <a:t>interaction pathways that join two compatible component ports.</a:t>
+                </a:r>
+                <a:endParaRPr lang="en-US" sz="3000" dirty="0">
+                  <a:solidFill>
+                    <a:schemeClr val="accent1">
+                      <a:lumMod val="75000"/>
+                    </a:schemeClr>
+                  </a:solidFill>
+                  <a:latin typeface="Oxygen" panose="02000503000000000000" pitchFamily="2" charset="0"/>
+                </a:endParaRPr>
+              </a:p>
+              <a:p>
+                <a:endParaRPr lang="en-US" sz="3000" b="1" dirty="0">
+                  <a:solidFill>
+                    <a:schemeClr val="accent1">
+                      <a:lumMod val="75000"/>
+                    </a:schemeClr>
+                  </a:solidFill>
+                  <a:latin typeface="Oxygen" panose="02000503000000000000" pitchFamily="2" charset="0"/>
+                </a:endParaRPr>
+              </a:p>
+              <a:p>
+                <a:r>
+                  <a:rPr lang="en-US" sz="3000" b="1" dirty="0">
+                    <a:solidFill>
+                      <a:schemeClr val="accent1">
+                        <a:lumMod val="75000"/>
+                      </a:schemeClr>
+                    </a:solidFill>
+                    <a:latin typeface="Oxygen" panose="02000503000000000000" pitchFamily="2" charset="0"/>
+                  </a:rPr>
+                  <a:t>port: </a:t>
+                </a:r>
+                <a:r>
+                  <a:rPr lang="en-US" sz="3000" dirty="0">
+                    <a:solidFill>
+                      <a:schemeClr val="accent1">
+                        <a:lumMod val="75000"/>
+                      </a:schemeClr>
+                    </a:solidFill>
+                    <a:latin typeface="Oxygen" panose="02000503000000000000" pitchFamily="2" charset="0"/>
+                  </a:rPr>
+                  <a:t>component access points that enable interaction with other components.</a:t>
+                </a:r>
+              </a:p>
+              <a:p>
+                <a:endParaRPr lang="en-US" sz="3000" dirty="0">
+                  <a:solidFill>
+                    <a:schemeClr val="accent1">
+                      <a:lumMod val="75000"/>
+                    </a:schemeClr>
+                  </a:solidFill>
+                  <a:latin typeface="Oxygen" panose="02000503000000000000" pitchFamily="2" charset="0"/>
+                </a:endParaRPr>
+              </a:p>
+              <a:p>
+                <a:r>
+                  <a:rPr lang="en-US" sz="3000" b="1" dirty="0" err="1">
+                    <a:solidFill>
+                      <a:schemeClr val="accent1">
+                        <a:lumMod val="75000"/>
+                      </a:schemeClr>
+                    </a:solidFill>
+                    <a:latin typeface="Oxygen" panose="02000503000000000000" pitchFamily="2" charset="0"/>
+                  </a:rPr>
+                  <a:t>entryPoints</a:t>
+                </a:r>
+                <a:r>
+                  <a:rPr lang="en-US" sz="3000" b="1" dirty="0">
+                    <a:solidFill>
+                      <a:schemeClr val="accent1">
+                        <a:lumMod val="75000"/>
+                      </a:schemeClr>
+                    </a:solidFill>
+                    <a:latin typeface="Oxygen" panose="02000503000000000000" pitchFamily="2" charset="0"/>
+                  </a:rPr>
+                  <a:t>: </a:t>
+                </a:r>
+                <a:r>
+                  <a:rPr lang="en-US" sz="3000" dirty="0">
+                    <a:solidFill>
+                      <a:schemeClr val="accent1">
+                        <a:lumMod val="75000"/>
+                      </a:schemeClr>
+                    </a:solidFill>
+                    <a:latin typeface="Oxygen" panose="02000503000000000000" pitchFamily="2" charset="0"/>
+                  </a:rPr>
+                  <a:t>a program starting point that enables execution.</a:t>
+                </a:r>
+                <a:endParaRPr lang="en-US" sz="3000" b="1" dirty="0">
+                  <a:solidFill>
+                    <a:schemeClr val="accent1">
+                      <a:lumMod val="75000"/>
+                    </a:schemeClr>
+                  </a:solidFill>
+                  <a:latin typeface="Oxygen" panose="02000503000000000000" pitchFamily="2" charset="0"/>
+                </a:endParaRPr>
+              </a:p>
+              <a:p>
+                <a:endParaRPr lang="en-US" sz="3000" b="1" dirty="0">
+                  <a:solidFill>
+                    <a:schemeClr val="accent1">
+                      <a:lumMod val="75000"/>
+                    </a:schemeClr>
+                  </a:solidFill>
+                  <a:latin typeface="Oxygen" panose="02000503000000000000" pitchFamily="2" charset="0"/>
+                </a:endParaRPr>
+              </a:p>
+            </p:txBody>
+          </p:sp>
+          <p:grpSp>
+            <p:nvGrpSpPr>
+              <p:cNvPr id="122" name="Group 121"/>
+              <p:cNvGrpSpPr/>
+              <p:nvPr/>
+            </p:nvGrpSpPr>
+            <p:grpSpPr>
+              <a:xfrm>
+                <a:off x="-7634781" y="22718885"/>
+                <a:ext cx="9328383" cy="1477415"/>
+                <a:chOff x="-8315203" y="23898600"/>
+                <a:chExt cx="10190756" cy="1723158"/>
+              </a:xfrm>
+            </p:grpSpPr>
+            <p:sp>
+              <p:nvSpPr>
+                <p:cNvPr id="120" name="Arrow: Chevron 119"/>
+                <p:cNvSpPr/>
+                <p:nvPr/>
+              </p:nvSpPr>
+              <p:spPr>
+                <a:xfrm rot="10800000">
+                  <a:off x="-8315203" y="23898600"/>
+                  <a:ext cx="10190756" cy="1723158"/>
+                </a:xfrm>
+                <a:prstGeom prst="chevron">
+                  <a:avLst/>
+                </a:prstGeom>
+                <a:solidFill>
+                  <a:srgbClr val="9EB3BD"/>
+                </a:solidFill>
+                <a:ln>
+                  <a:noFill/>
+                </a:ln>
+              </p:spPr>
+              <p:style>
+                <a:lnRef idx="2">
+                  <a:schemeClr val="accent1">
+                    <a:shade val="50000"/>
+                  </a:schemeClr>
+                </a:lnRef>
+                <a:fillRef idx="1">
+                  <a:schemeClr val="accent1"/>
+                </a:fillRef>
+                <a:effectRef idx="0">
+                  <a:schemeClr val="accent1"/>
+                </a:effectRef>
+                <a:fontRef idx="minor">
+                  <a:schemeClr val="lt1"/>
+                </a:fontRef>
+              </p:style>
+              <p:txBody>
+                <a:bodyPr rtlCol="0" anchor="ctr"/>
+                <a:lstStyle/>
+                <a:p>
+                  <a:pPr algn="ctr"/>
+                  <a:endParaRPr lang="en-US" sz="4000" dirty="0">
+                    <a:solidFill>
+                      <a:schemeClr val="tx1"/>
+                    </a:solidFill>
+                    <a:latin typeface="Oxygen" panose="02000503000000000000" pitchFamily="2" charset="0"/>
+                  </a:endParaRPr>
+                </a:p>
+              </p:txBody>
+            </p:sp>
+            <p:sp>
+              <p:nvSpPr>
+                <p:cNvPr id="121" name="TextBox 120"/>
+                <p:cNvSpPr txBox="1"/>
+                <p:nvPr/>
+              </p:nvSpPr>
+              <p:spPr>
+                <a:xfrm>
+                  <a:off x="-6621134" y="24347364"/>
+                  <a:ext cx="7258933" cy="825631"/>
+                </a:xfrm>
+                <a:prstGeom prst="rect">
+                  <a:avLst/>
+                </a:prstGeom>
+                <a:noFill/>
+              </p:spPr>
+              <p:txBody>
+                <a:bodyPr wrap="square" rtlCol="0">
+                  <a:spAutoFit/>
+                </a:bodyPr>
+                <a:lstStyle/>
+                <a:p>
+                  <a:r>
+                    <a:rPr lang="en-US" sz="4000" b="1" dirty="0">
+                      <a:solidFill>
+                        <a:schemeClr val="bg1"/>
+                      </a:solidFill>
+                      <a:latin typeface="Oxygen" panose="02000503000000000000" pitchFamily="2" charset="0"/>
+                    </a:rPr>
+                    <a:t>Implementation Concepts</a:t>
+                  </a:r>
+                </a:p>
+              </p:txBody>
+            </p:sp>
+          </p:grpSp>
+        </p:grpSp>
         <p:sp>
           <p:nvSpPr>
-            <p:cNvPr id="78" name="TextBox 77"/>
+            <p:cNvPr id="123" name="TextBox 122"/>
             <p:cNvSpPr txBox="1"/>
             <p:nvPr/>
           </p:nvSpPr>
           <p:spPr>
             <a:xfrm>
-              <a:off x="43197" y="26006273"/>
-              <a:ext cx="4439346" cy="2068735"/>
-            </a:xfrm>
-            <a:prstGeom prst="rect">
-              <a:avLst/>
-            </a:prstGeom>
-            <a:solidFill>
-              <a:schemeClr val="bg1">
-                <a:lumMod val="65000"/>
-              </a:schemeClr>
-            </a:solidFill>
-          </p:spPr>
-          <p:txBody>
-            <a:bodyPr wrap="square" rtlCol="0">
-              <a:spAutoFit/>
-            </a:bodyPr>
-            <a:lstStyle/>
-            <a:p>
-              <a:r>
-                <a:rPr lang="en-US" sz="9500" b="1" i="1" dirty="0">
-                  <a:solidFill>
-                    <a:schemeClr val="bg1"/>
-                  </a:solidFill>
-                  <a:latin typeface="Oxygen" panose="02000503000000000000" pitchFamily="2" charset="0"/>
-                </a:rPr>
-                <a:t>Design</a:t>
-              </a:r>
-            </a:p>
-          </p:txBody>
-        </p:sp>
-      </p:grpSp>
-      <p:grpSp>
-        <p:nvGrpSpPr>
-          <p:cNvPr id="168" name="Group 167"/>
-          <p:cNvGrpSpPr/>
-          <p:nvPr/>
-        </p:nvGrpSpPr>
-        <p:grpSpPr>
-          <a:xfrm>
-            <a:off x="19698528" y="21722364"/>
-            <a:ext cx="11395282" cy="1477415"/>
-            <a:chOff x="-2523330" y="22165667"/>
-            <a:chExt cx="11102660" cy="1723158"/>
-          </a:xfrm>
-        </p:grpSpPr>
-        <p:sp>
-          <p:nvSpPr>
-            <p:cNvPr id="169" name="Arrow: Chevron 168"/>
-            <p:cNvSpPr/>
-            <p:nvPr/>
-          </p:nvSpPr>
-          <p:spPr>
-            <a:xfrm rot="10800000">
-              <a:off x="-2523330" y="22165667"/>
-              <a:ext cx="11102660" cy="1723158"/>
-            </a:xfrm>
-            <a:prstGeom prst="chevron">
-              <a:avLst/>
-            </a:prstGeom>
-            <a:solidFill>
-              <a:srgbClr val="9EB3BD"/>
-            </a:solidFill>
-            <a:ln>
-              <a:noFill/>
-            </a:ln>
-          </p:spPr>
-          <p:style>
-            <a:lnRef idx="2">
-              <a:schemeClr val="accent1">
-                <a:shade val="50000"/>
-              </a:schemeClr>
-            </a:lnRef>
-            <a:fillRef idx="1">
-              <a:schemeClr val="accent1"/>
-            </a:fillRef>
-            <a:effectRef idx="0">
-              <a:schemeClr val="accent1"/>
-            </a:effectRef>
-            <a:fontRef idx="minor">
-              <a:schemeClr val="lt1"/>
-            </a:fontRef>
-          </p:style>
-          <p:txBody>
-            <a:bodyPr rtlCol="0" anchor="ctr"/>
-            <a:lstStyle/>
-            <a:p>
-              <a:pPr algn="ctr"/>
-              <a:endParaRPr lang="en-US" sz="4000" dirty="0">
-                <a:solidFill>
-                  <a:schemeClr val="tx1"/>
-                </a:solidFill>
-                <a:latin typeface="Oxygen" panose="02000503000000000000" pitchFamily="2" charset="0"/>
-              </a:endParaRPr>
-            </a:p>
-          </p:txBody>
-        </p:sp>
-        <p:sp>
-          <p:nvSpPr>
-            <p:cNvPr id="170" name="TextBox 169"/>
-            <p:cNvSpPr txBox="1"/>
-            <p:nvPr/>
-          </p:nvSpPr>
-          <p:spPr>
-            <a:xfrm>
-              <a:off x="-968904" y="22502355"/>
-              <a:ext cx="9314998" cy="1005116"/>
+              <a:off x="18927717" y="23708206"/>
+              <a:ext cx="11244725" cy="6093976"/>
             </a:xfrm>
             <a:prstGeom prst="rect">
               <a:avLst/>
@@ -9624,63 +9231,422 @@
             <a:lstStyle/>
             <a:p>
               <a:r>
-                <a:rPr lang="en-US" sz="5000" b="1" dirty="0">
+                <a:rPr lang="en-US" sz="3000" i="1" dirty="0">
                   <a:solidFill>
-                    <a:schemeClr val="bg1"/>
+                    <a:schemeClr val="accent1">
+                      <a:lumMod val="75000"/>
+                    </a:schemeClr>
                   </a:solidFill>
                   <a:latin typeface="Oxygen" panose="02000503000000000000" pitchFamily="2" charset="0"/>
                 </a:rPr>
-                <a:t>Demonstrated Principles</a:t>
+                <a:t>Trinity’s design demonstrates the following principles: </a:t>
               </a:r>
+            </a:p>
+            <a:p>
+              <a:endParaRPr lang="en-US" sz="3000" i="1" dirty="0">
+                <a:solidFill>
+                  <a:schemeClr val="accent1">
+                    <a:lumMod val="75000"/>
+                  </a:schemeClr>
+                </a:solidFill>
+                <a:latin typeface="Oxygen" panose="02000503000000000000" pitchFamily="2" charset="0"/>
+              </a:endParaRPr>
+            </a:p>
+            <a:p>
+              <a:pPr marL="457200" indent="-457200">
+                <a:buFont typeface="Arial" panose="020B0604020202020204" pitchFamily="34" charset="0"/>
+                <a:buChar char="•"/>
+              </a:pPr>
+              <a:r>
+                <a:rPr lang="en-US" sz="3000" b="1" dirty="0">
+                  <a:solidFill>
+                    <a:schemeClr val="accent1">
+                      <a:lumMod val="75000"/>
+                    </a:schemeClr>
+                  </a:solidFill>
+                  <a:latin typeface="Oxygen" panose="02000503000000000000" pitchFamily="2" charset="0"/>
+                </a:rPr>
+                <a:t>Readability</a:t>
+              </a:r>
+            </a:p>
+            <a:p>
+              <a:pPr lvl="2"/>
+              <a:r>
+                <a:rPr lang="en-US" sz="3000" b="1" dirty="0">
+                  <a:solidFill>
+                    <a:schemeClr val="accent1">
+                      <a:lumMod val="75000"/>
+                    </a:schemeClr>
+                  </a:solidFill>
+                  <a:latin typeface="Oxygen" panose="02000503000000000000" pitchFamily="2" charset="0"/>
+                </a:rPr>
+                <a:t>	</a:t>
+              </a:r>
+              <a:r>
+                <a:rPr lang="en-US" sz="3000" dirty="0">
+                  <a:solidFill>
+                    <a:schemeClr val="accent1">
+                      <a:lumMod val="75000"/>
+                    </a:schemeClr>
+                  </a:solidFill>
+                  <a:latin typeface="Oxygen" panose="02000503000000000000" pitchFamily="2" charset="0"/>
+                </a:rPr>
+                <a:t>System architecture is contained in a single file and is 	prescriptive, uniting design and 	implementation.</a:t>
+              </a:r>
+            </a:p>
+            <a:p>
+              <a:pPr lvl="2"/>
+              <a:endParaRPr lang="en-US" sz="3000" b="1" dirty="0">
+                <a:solidFill>
+                  <a:schemeClr val="accent1">
+                    <a:lumMod val="75000"/>
+                  </a:schemeClr>
+                </a:solidFill>
+                <a:latin typeface="Oxygen" panose="02000503000000000000" pitchFamily="2" charset="0"/>
+              </a:endParaRPr>
+            </a:p>
+            <a:p>
+              <a:pPr marL="457200" indent="-457200">
+                <a:buFont typeface="Arial" panose="020B0604020202020204" pitchFamily="34" charset="0"/>
+                <a:buChar char="•"/>
+              </a:pPr>
+              <a:r>
+                <a:rPr lang="en-US" sz="3000" b="1" dirty="0">
+                  <a:solidFill>
+                    <a:schemeClr val="accent1">
+                      <a:lumMod val="75000"/>
+                    </a:schemeClr>
+                  </a:solidFill>
+                  <a:latin typeface="Oxygen" panose="02000503000000000000" pitchFamily="2" charset="0"/>
+                </a:rPr>
+                <a:t>Reuse and Adaptability</a:t>
+              </a:r>
+            </a:p>
+            <a:p>
+              <a:pPr lvl="2"/>
+              <a:r>
+                <a:rPr lang="en-US" sz="3000" dirty="0">
+                  <a:solidFill>
+                    <a:schemeClr val="accent1">
+                      <a:lumMod val="75000"/>
+                    </a:schemeClr>
+                  </a:solidFill>
+                  <a:latin typeface="Oxygen" panose="02000503000000000000" pitchFamily="2" charset="0"/>
+                </a:rPr>
+                <a:t>	Compatibility checking  and code generation make 	switching, adding, and removing architecture elements 	easier and more secure.</a:t>
+              </a:r>
+            </a:p>
+            <a:p>
+              <a:pPr lvl="2"/>
+              <a:endParaRPr lang="en-US" sz="3000" b="1" dirty="0">
+                <a:solidFill>
+                  <a:schemeClr val="accent1">
+                    <a:lumMod val="75000"/>
+                  </a:schemeClr>
+                </a:solidFill>
+                <a:latin typeface="Oxygen" panose="02000503000000000000" pitchFamily="2" charset="0"/>
+              </a:endParaRPr>
+            </a:p>
+            <a:p>
+              <a:pPr marL="457200" indent="-457200">
+                <a:buFont typeface="Arial" panose="020B0604020202020204" pitchFamily="34" charset="0"/>
+                <a:buChar char="•"/>
+              </a:pPr>
+              <a:r>
+                <a:rPr lang="en-US" sz="3000" b="1" dirty="0">
+                  <a:solidFill>
+                    <a:schemeClr val="accent1">
+                      <a:lumMod val="75000"/>
+                    </a:schemeClr>
+                  </a:solidFill>
+                  <a:latin typeface="Oxygen" panose="02000503000000000000" pitchFamily="2" charset="0"/>
+                </a:rPr>
+                <a:t>Communication Integrity in Distributed Systems</a:t>
+              </a:r>
+            </a:p>
+            <a:p>
+              <a:r>
+                <a:rPr lang="en-US" sz="3000" b="1" dirty="0">
+                  <a:solidFill>
+                    <a:schemeClr val="accent1">
+                      <a:lumMod val="75000"/>
+                    </a:schemeClr>
+                  </a:solidFill>
+                  <a:latin typeface="Oxygen" panose="02000503000000000000" pitchFamily="2" charset="0"/>
+                </a:rPr>
+                <a:t>	</a:t>
+              </a:r>
+              <a:r>
+                <a:rPr lang="en-US" sz="3000" dirty="0" err="1">
+                  <a:solidFill>
+                    <a:schemeClr val="accent1">
+                      <a:lumMod val="75000"/>
+                    </a:schemeClr>
+                  </a:solidFill>
+                  <a:latin typeface="Oxygen" panose="02000503000000000000" pitchFamily="2" charset="0"/>
+                </a:rPr>
+                <a:t>jfdlkasjfdklasfjs</a:t>
+              </a:r>
+              <a:endParaRPr lang="en-US" sz="3000" b="1" dirty="0">
+                <a:solidFill>
+                  <a:schemeClr val="accent1">
+                    <a:lumMod val="75000"/>
+                  </a:schemeClr>
+                </a:solidFill>
+                <a:latin typeface="Oxygen" panose="02000503000000000000" pitchFamily="2" charset="0"/>
+              </a:endParaRPr>
+            </a:p>
+          </p:txBody>
+        </p:sp>
+        <p:grpSp>
+          <p:nvGrpSpPr>
+            <p:cNvPr id="166" name="Group 165"/>
+            <p:cNvGrpSpPr/>
+            <p:nvPr/>
+          </p:nvGrpSpPr>
+          <p:grpSpPr>
+            <a:xfrm>
+              <a:off x="-830814" y="20815545"/>
+              <a:ext cx="7206462" cy="1739304"/>
+              <a:chOff x="-1129898" y="25970449"/>
+              <a:chExt cx="7206462" cy="2104559"/>
+            </a:xfrm>
+          </p:grpSpPr>
+          <p:sp>
+            <p:nvSpPr>
+              <p:cNvPr id="165" name="Arrow: Chevron 164"/>
+              <p:cNvSpPr/>
+              <p:nvPr/>
+            </p:nvSpPr>
+            <p:spPr>
+              <a:xfrm rot="10800000">
+                <a:off x="-1129898" y="25970449"/>
+                <a:ext cx="7206462" cy="2095405"/>
+              </a:xfrm>
+              <a:prstGeom prst="chevron">
+                <a:avLst/>
+              </a:prstGeom>
+              <a:solidFill>
+                <a:srgbClr val="A6A6A6"/>
+              </a:solidFill>
+              <a:ln>
+                <a:noFill/>
+              </a:ln>
+            </p:spPr>
+            <p:style>
+              <a:lnRef idx="2">
+                <a:schemeClr val="accent1">
+                  <a:shade val="50000"/>
+                </a:schemeClr>
+              </a:lnRef>
+              <a:fillRef idx="1">
+                <a:schemeClr val="accent1"/>
+              </a:fillRef>
+              <a:effectRef idx="0">
+                <a:schemeClr val="accent1"/>
+              </a:effectRef>
+              <a:fontRef idx="minor">
+                <a:schemeClr val="lt1"/>
+              </a:fontRef>
+            </p:style>
+            <p:txBody>
+              <a:bodyPr rtlCol="0" anchor="ctr"/>
+              <a:lstStyle/>
+              <a:p>
+                <a:pPr algn="ctr"/>
+                <a:endParaRPr lang="en-US">
+                  <a:solidFill>
+                    <a:schemeClr val="tx1"/>
+                  </a:solidFill>
+                </a:endParaRPr>
+              </a:p>
+            </p:txBody>
+          </p:sp>
+          <p:sp>
+            <p:nvSpPr>
+              <p:cNvPr id="78" name="TextBox 77"/>
+              <p:cNvSpPr txBox="1"/>
+              <p:nvPr/>
+            </p:nvSpPr>
+            <p:spPr>
+              <a:xfrm>
+                <a:off x="43197" y="26006273"/>
+                <a:ext cx="4439346" cy="2068735"/>
+              </a:xfrm>
+              <a:prstGeom prst="rect">
+                <a:avLst/>
+              </a:prstGeom>
+              <a:solidFill>
+                <a:schemeClr val="bg1">
+                  <a:lumMod val="65000"/>
+                </a:schemeClr>
+              </a:solidFill>
+            </p:spPr>
+            <p:txBody>
+              <a:bodyPr wrap="square" rtlCol="0">
+                <a:spAutoFit/>
+              </a:bodyPr>
+              <a:lstStyle/>
+              <a:p>
+                <a:r>
+                  <a:rPr lang="en-US" sz="9500" b="1" i="1" dirty="0">
+                    <a:solidFill>
+                      <a:schemeClr val="bg1"/>
+                    </a:solidFill>
+                    <a:latin typeface="Oxygen" panose="02000503000000000000" pitchFamily="2" charset="0"/>
+                  </a:rPr>
+                  <a:t>Design</a:t>
+                </a:r>
+              </a:p>
+            </p:txBody>
+          </p:sp>
+        </p:grpSp>
+        <p:grpSp>
+          <p:nvGrpSpPr>
+            <p:cNvPr id="168" name="Group 167"/>
+            <p:cNvGrpSpPr/>
+            <p:nvPr/>
+          </p:nvGrpSpPr>
+          <p:grpSpPr>
+            <a:xfrm>
+              <a:off x="18006352" y="21722362"/>
+              <a:ext cx="13087457" cy="1477415"/>
+              <a:chOff x="-4172052" y="22165665"/>
+              <a:chExt cx="12751381" cy="1723158"/>
+            </a:xfrm>
+          </p:grpSpPr>
+          <p:sp>
+            <p:nvSpPr>
+              <p:cNvPr id="169" name="Arrow: Chevron 168"/>
+              <p:cNvSpPr/>
+              <p:nvPr/>
+            </p:nvSpPr>
+            <p:spPr>
+              <a:xfrm rot="10800000">
+                <a:off x="-4172052" y="22165665"/>
+                <a:ext cx="12751381" cy="1723158"/>
+              </a:xfrm>
+              <a:prstGeom prst="chevron">
+                <a:avLst/>
+              </a:prstGeom>
+              <a:solidFill>
+                <a:srgbClr val="9EB3BD"/>
+              </a:solidFill>
+              <a:ln>
+                <a:noFill/>
+              </a:ln>
+            </p:spPr>
+            <p:style>
+              <a:lnRef idx="2">
+                <a:schemeClr val="accent1">
+                  <a:shade val="50000"/>
+                </a:schemeClr>
+              </a:lnRef>
+              <a:fillRef idx="1">
+                <a:schemeClr val="accent1"/>
+              </a:fillRef>
+              <a:effectRef idx="0">
+                <a:schemeClr val="accent1"/>
+              </a:effectRef>
+              <a:fontRef idx="minor">
+                <a:schemeClr val="lt1"/>
+              </a:fontRef>
+            </p:style>
+            <p:txBody>
+              <a:bodyPr rtlCol="0" anchor="ctr"/>
+              <a:lstStyle/>
+              <a:p>
+                <a:pPr algn="ctr"/>
+                <a:endParaRPr lang="en-US" sz="4000" dirty="0">
+                  <a:solidFill>
+                    <a:schemeClr val="tx1"/>
+                  </a:solidFill>
+                  <a:latin typeface="Oxygen" panose="02000503000000000000" pitchFamily="2" charset="0"/>
+                </a:endParaRPr>
+              </a:p>
+            </p:txBody>
+          </p:sp>
+          <p:sp>
+            <p:nvSpPr>
+              <p:cNvPr id="170" name="TextBox 169"/>
+              <p:cNvSpPr txBox="1"/>
+              <p:nvPr/>
+            </p:nvSpPr>
+            <p:spPr>
+              <a:xfrm>
+                <a:off x="-1268154" y="22502378"/>
+                <a:ext cx="9314998" cy="1005116"/>
+              </a:xfrm>
+              <a:prstGeom prst="rect">
+                <a:avLst/>
+              </a:prstGeom>
+              <a:noFill/>
+            </p:spPr>
+            <p:txBody>
+              <a:bodyPr wrap="square" rtlCol="0">
+                <a:spAutoFit/>
+              </a:bodyPr>
+              <a:lstStyle/>
+              <a:p>
+                <a:r>
+                  <a:rPr lang="en-US" sz="5000" b="1" dirty="0">
+                    <a:solidFill>
+                      <a:schemeClr val="bg1"/>
+                    </a:solidFill>
+                    <a:latin typeface="Oxygen" panose="02000503000000000000" pitchFamily="2" charset="0"/>
+                  </a:rPr>
+                  <a:t>Demonstrated Principles</a:t>
+                </a:r>
+              </a:p>
+            </p:txBody>
+          </p:sp>
+        </p:grpSp>
+        <p:sp>
+          <p:nvSpPr>
+            <p:cNvPr id="171" name="TextBox 170"/>
+            <p:cNvSpPr txBox="1"/>
+            <p:nvPr/>
+          </p:nvSpPr>
+          <p:spPr>
+            <a:xfrm>
+              <a:off x="8474709" y="23092793"/>
+              <a:ext cx="9022460" cy="1292662"/>
+            </a:xfrm>
+            <a:prstGeom prst="rect">
+              <a:avLst/>
+            </a:prstGeom>
+            <a:noFill/>
+          </p:spPr>
+          <p:txBody>
+            <a:bodyPr wrap="square" rtlCol="0">
+              <a:spAutoFit/>
+            </a:bodyPr>
+            <a:lstStyle/>
+            <a:p>
+              <a:pPr algn="ctr"/>
+              <a:r>
+                <a:rPr lang="en-US" sz="3900" i="1" dirty="0">
+                  <a:solidFill>
+                    <a:schemeClr val="accent1">
+                      <a:lumMod val="75000"/>
+                    </a:schemeClr>
+                  </a:solidFill>
+                  <a:latin typeface="Oxygen" panose="02000503000000000000" pitchFamily="2" charset="0"/>
+                </a:rPr>
+                <a:t>Architecture concepts  are translated into runtime entities in Trinity</a:t>
+              </a:r>
+              <a:endParaRPr lang="en-US" sz="3900" dirty="0">
+                <a:solidFill>
+                  <a:schemeClr val="accent1">
+                    <a:lumMod val="75000"/>
+                  </a:schemeClr>
+                </a:solidFill>
+                <a:latin typeface="Oxygen" panose="02000503000000000000" pitchFamily="2" charset="0"/>
+              </a:endParaRPr>
             </a:p>
           </p:txBody>
         </p:sp>
       </p:grpSp>
-      <p:sp>
-        <p:nvSpPr>
-          <p:cNvPr id="171" name="TextBox 170"/>
-          <p:cNvSpPr txBox="1"/>
-          <p:nvPr/>
-        </p:nvSpPr>
-        <p:spPr>
-          <a:xfrm>
-            <a:off x="8474709" y="23092793"/>
-            <a:ext cx="9022460" cy="1292662"/>
-          </a:xfrm>
-          <a:prstGeom prst="rect">
-            <a:avLst/>
-          </a:prstGeom>
-          <a:noFill/>
-        </p:spPr>
-        <p:txBody>
-          <a:bodyPr wrap="square" rtlCol="0">
-            <a:spAutoFit/>
-          </a:bodyPr>
-          <a:lstStyle/>
-          <a:p>
-            <a:pPr algn="ctr"/>
-            <a:r>
-              <a:rPr lang="en-US" sz="3900" i="1" dirty="0">
-                <a:solidFill>
-                  <a:schemeClr val="accent1">
-                    <a:lumMod val="75000"/>
-                  </a:schemeClr>
-                </a:solidFill>
-                <a:latin typeface="Oxygen" panose="02000503000000000000" pitchFamily="2" charset="0"/>
-              </a:rPr>
-              <a:t>Architecture concepts  are translated into runtime entities in Trinity</a:t>
-            </a:r>
-            <a:endParaRPr lang="en-US" sz="3900" dirty="0">
-              <a:solidFill>
-                <a:schemeClr val="accent1">
-                  <a:lumMod val="75000"/>
-                </a:schemeClr>
-              </a:solidFill>
-              <a:latin typeface="Oxygen" panose="02000503000000000000" pitchFamily="2" charset="0"/>
-            </a:endParaRPr>
-          </a:p>
-        </p:txBody>
-      </p:sp>
     </p:spTree>
   </p:cSld>
   <p:clrMapOvr>

--- a/CMU REUSE 2017 Poster.pptx
+++ b/CMU REUSE 2017 Poster.pptx
@@ -8882,9 +8882,9 @@
           <p:grpSpPr>
             <a:xfrm>
               <a:off x="-736693" y="22974481"/>
-              <a:ext cx="16411184" cy="6649841"/>
+              <a:ext cx="18703510" cy="7060210"/>
               <a:chOff x="-7634781" y="22718885"/>
-              <a:chExt cx="16411184" cy="6649841"/>
+              <a:chExt cx="18703510" cy="7060210"/>
             </a:xfrm>
           </p:grpSpPr>
           <p:sp>
@@ -8896,7 +8896,7 @@
             <p:spPr>
               <a:xfrm>
                 <a:off x="-6084069" y="24567412"/>
-                <a:ext cx="14860472" cy="4801314"/>
+                <a:ext cx="17152798" cy="5211683"/>
               </a:xfrm>
               <a:prstGeom prst="rect">
                 <a:avLst/>
@@ -8922,6 +8922,11 @@
                 </a:r>
               </a:p>
               <a:p>
+                <a:pPr>
+                  <a:lnSpc>
+                    <a:spcPts val="3200"/>
+                  </a:lnSpc>
+                </a:pPr>
                 <a:endParaRPr lang="en-US" sz="3000" b="1" dirty="0">
                   <a:solidFill>
                     <a:schemeClr val="accent1">
@@ -8932,6 +8937,11 @@
                 </a:endParaRPr>
               </a:p>
               <a:p>
+                <a:pPr>
+                  <a:lnSpc>
+                    <a:spcPts val="3200"/>
+                  </a:lnSpc>
+                </a:pPr>
                 <a:r>
                   <a:rPr lang="en-US" sz="3000" b="1" dirty="0">
                     <a:solidFill>
@@ -8967,6 +8977,11 @@
                 </a:r>
               </a:p>
               <a:p>
+                <a:pPr>
+                  <a:lnSpc>
+                    <a:spcPts val="3200"/>
+                  </a:lnSpc>
+                </a:pPr>
                 <a:endParaRPr lang="en-US" sz="3000" dirty="0">
                   <a:solidFill>
                     <a:schemeClr val="accent1">
@@ -8977,6 +8992,11 @@
                 </a:endParaRPr>
               </a:p>
               <a:p>
+                <a:pPr>
+                  <a:lnSpc>
+                    <a:spcPts val="3200"/>
+                  </a:lnSpc>
+                </a:pPr>
                 <a:r>
                   <a:rPr lang="en-US" sz="3000" b="1" dirty="0">
                     <a:solidFill>
@@ -9009,6 +9029,11 @@
                 </a:endParaRPr>
               </a:p>
               <a:p>
+                <a:pPr>
+                  <a:lnSpc>
+                    <a:spcPts val="3200"/>
+                  </a:lnSpc>
+                </a:pPr>
                 <a:endParaRPr lang="en-US" sz="3000" b="1" dirty="0">
                   <a:solidFill>
                     <a:schemeClr val="accent1">
@@ -9019,6 +9044,11 @@
                 </a:endParaRPr>
               </a:p>
               <a:p>
+                <a:pPr>
+                  <a:lnSpc>
+                    <a:spcPts val="3200"/>
+                  </a:lnSpc>
+                </a:pPr>
                 <a:r>
                   <a:rPr lang="en-US" sz="3000" b="1" dirty="0">
                     <a:solidFill>
@@ -9039,10 +9069,15 @@
                     </a:solidFill>
                     <a:latin typeface="Oxygen" panose="02000503000000000000" pitchFamily="2" charset="0"/>
                   </a:rPr>
-                  <a:t>component access points that enable interaction with other components.</a:t>
+                  <a:t>component access points that can allow interaction with other components.</a:t>
                 </a:r>
               </a:p>
               <a:p>
+                <a:pPr>
+                  <a:lnSpc>
+                    <a:spcPts val="3200"/>
+                  </a:lnSpc>
+                </a:pPr>
                 <a:endParaRPr lang="en-US" sz="3000" dirty="0">
                   <a:solidFill>
                     <a:schemeClr val="accent1">
@@ -9053,6 +9088,63 @@
                 </a:endParaRPr>
               </a:p>
               <a:p>
+                <a:pPr>
+                  <a:lnSpc>
+                    <a:spcPts val="3200"/>
+                  </a:lnSpc>
+                </a:pPr>
+                <a:r>
+                  <a:rPr lang="en-US" sz="3000" b="1" dirty="0">
+                    <a:solidFill>
+                      <a:schemeClr val="accent1">
+                        <a:lumMod val="75000"/>
+                      </a:schemeClr>
+                    </a:solidFill>
+                    <a:latin typeface="Oxygen" panose="02000503000000000000" pitchFamily="2" charset="0"/>
+                  </a:rPr>
+                  <a:t>attachments:</a:t>
+                </a:r>
+                <a:r>
+                  <a:rPr lang="en-US" sz="3000" dirty="0">
+                    <a:solidFill>
+                      <a:schemeClr val="accent1">
+                        <a:lumMod val="75000"/>
+                      </a:schemeClr>
+                    </a:solidFill>
+                    <a:latin typeface="Oxygen" panose="02000503000000000000" pitchFamily="2" charset="0"/>
+                  </a:rPr>
+                  <a:t> declarations that enable connections between compatible components to be made</a:t>
+                </a:r>
+                <a:endParaRPr lang="en-US" sz="3000" b="1" dirty="0">
+                  <a:solidFill>
+                    <a:schemeClr val="accent1">
+                      <a:lumMod val="75000"/>
+                    </a:schemeClr>
+                  </a:solidFill>
+                  <a:latin typeface="Oxygen" panose="02000503000000000000" pitchFamily="2" charset="0"/>
+                </a:endParaRPr>
+              </a:p>
+              <a:p>
+                <a:pPr>
+                  <a:lnSpc>
+                    <a:spcPts val="3200"/>
+                  </a:lnSpc>
+                </a:pPr>
+                <a:endParaRPr lang="en-US" sz="3000" dirty="0">
+                  <a:solidFill>
+                    <a:schemeClr val="accent1">
+                      <a:lumMod val="75000"/>
+                    </a:schemeClr>
+                  </a:solidFill>
+                  <a:latin typeface="Oxygen" panose="02000503000000000000" pitchFamily="2" charset="0"/>
+                </a:endParaRPr>
+              </a:p>
+              <a:p>
+                <a:pPr>
+                  <a:lnSpc>
+                    <a:spcPts val="3200"/>
+                  </a:lnSpc>
+                </a:pPr>
                 <a:r>
                   <a:rPr lang="en-US" sz="3000" b="1" dirty="0" err="1">
                     <a:solidFill>
@@ -9084,7 +9176,7 @@
                     </a:solidFill>
                     <a:latin typeface="Oxygen" panose="02000503000000000000" pitchFamily="2" charset="0"/>
                   </a:rPr>
-                  <a:t>a program starting point that enables execution.</a:t>
+                  <a:t>a program starting point that permit execution.</a:t>
                 </a:r>
                 <a:endParaRPr lang="en-US" sz="3000" b="1" dirty="0">
                   <a:solidFill>
@@ -9609,7 +9701,7 @@
           </p:nvSpPr>
           <p:spPr>
             <a:xfrm>
-              <a:off x="8474709" y="23092793"/>
+              <a:off x="8699596" y="23072278"/>
               <a:ext cx="9022460" cy="1292662"/>
             </a:xfrm>
             <a:prstGeom prst="rect">

--- a/CMU REUSE 2017 Poster.pptx
+++ b/CMU REUSE 2017 Poster.pptx
@@ -27,13 +27,6 @@
       <p:font typeface="Oswald"/>
       <p:regular r:id="rId8"/>
       <p:bold r:id="rId9"/>
-    </p:embeddedFont>
-    <p:embeddedFont>
-      <p:font typeface="Consolas" panose="020B0609020204030204" pitchFamily="49" charset="0"/>
-      <p:regular r:id="rId10"/>
-      <p:bold r:id="rId11"/>
-      <p:italic r:id="rId12"/>
-      <p:boldItalic r:id="rId13"/>
     </p:embeddedFont>
   </p:embeddedFontLst>
   <p:defaultTextStyle>
@@ -4006,197 +3999,203 @@
           <a:chExt cx="0" cy="0"/>
         </a:xfrm>
       </p:grpSpPr>
-      <p:sp>
-        <p:nvSpPr>
-          <p:cNvPr id="94" name="Pentagon 93"/>
-          <p:cNvSpPr/>
-          <p:nvPr/>
-        </p:nvSpPr>
-        <p:spPr>
-          <a:xfrm rot="1686696">
-            <a:off x="18341154" y="4949140"/>
-            <a:ext cx="13819609" cy="11228327"/>
-          </a:xfrm>
-          <a:prstGeom prst="pentagon">
-            <a:avLst/>
-          </a:prstGeom>
-          <a:solidFill>
-            <a:schemeClr val="accent1">
-              <a:alpha val="10000"/>
-            </a:schemeClr>
-          </a:solidFill>
-          <a:ln>
-            <a:noFill/>
-          </a:ln>
-        </p:spPr>
-        <p:style>
-          <a:lnRef idx="2">
-            <a:schemeClr val="accent1">
-              <a:shade val="50000"/>
-            </a:schemeClr>
-          </a:lnRef>
-          <a:fillRef idx="1">
-            <a:schemeClr val="accent1"/>
-          </a:fillRef>
-          <a:effectRef idx="0">
-            <a:schemeClr val="accent1"/>
-          </a:effectRef>
-          <a:fontRef idx="minor">
-            <a:schemeClr val="lt1"/>
-          </a:fontRef>
-        </p:style>
-        <p:txBody>
-          <a:bodyPr rtlCol="0" anchor="ctr"/>
-          <a:lstStyle/>
-          <a:p>
-            <a:pPr algn="ctr"/>
-            <a:endParaRPr lang="en-US" dirty="0"/>
-          </a:p>
-        </p:txBody>
-      </p:sp>
-      <p:sp>
-        <p:nvSpPr>
-          <p:cNvPr id="93" name="Isosceles Triangle 92"/>
-          <p:cNvSpPr/>
-          <p:nvPr/>
-        </p:nvSpPr>
-        <p:spPr>
-          <a:xfrm rot="2552075">
-            <a:off x="20570391" y="3481112"/>
-            <a:ext cx="12514568" cy="12619929"/>
-          </a:xfrm>
-          <a:prstGeom prst="triangle">
-            <a:avLst/>
-          </a:prstGeom>
-          <a:solidFill>
-            <a:schemeClr val="accent1">
-              <a:alpha val="13000"/>
-            </a:schemeClr>
-          </a:solidFill>
-          <a:ln>
-            <a:noFill/>
-          </a:ln>
-        </p:spPr>
-        <p:style>
-          <a:lnRef idx="2">
-            <a:schemeClr val="accent1">
-              <a:shade val="50000"/>
-            </a:schemeClr>
-          </a:lnRef>
-          <a:fillRef idx="1">
-            <a:schemeClr val="accent1"/>
-          </a:fillRef>
-          <a:effectRef idx="0">
-            <a:schemeClr val="accent1"/>
-          </a:effectRef>
-          <a:fontRef idx="minor">
-            <a:schemeClr val="lt1"/>
-          </a:fontRef>
-        </p:style>
-        <p:txBody>
-          <a:bodyPr rtlCol="0" anchor="ctr"/>
-          <a:lstStyle/>
-          <a:p>
-            <a:pPr algn="ctr"/>
-            <a:endParaRPr lang="en-US"/>
-          </a:p>
-        </p:txBody>
-      </p:sp>
-      <p:sp>
-        <p:nvSpPr>
-          <p:cNvPr id="79" name="Explosion: 8 Points 78"/>
-          <p:cNvSpPr/>
-          <p:nvPr/>
-        </p:nvSpPr>
-        <p:spPr>
-          <a:xfrm>
-            <a:off x="-1252673" y="6074764"/>
-            <a:ext cx="11548770" cy="15647600"/>
-          </a:xfrm>
-          <a:prstGeom prst="irregularSeal1">
-            <a:avLst/>
-          </a:prstGeom>
-          <a:solidFill>
-            <a:srgbClr val="97D256">
-              <a:alpha val="20000"/>
-            </a:srgbClr>
-          </a:solidFill>
-          <a:ln>
-            <a:noFill/>
-          </a:ln>
-        </p:spPr>
-        <p:style>
-          <a:lnRef idx="2">
-            <a:schemeClr val="accent1">
-              <a:shade val="50000"/>
-            </a:schemeClr>
-          </a:lnRef>
-          <a:fillRef idx="1">
-            <a:schemeClr val="accent1"/>
-          </a:fillRef>
-          <a:effectRef idx="0">
-            <a:schemeClr val="accent1"/>
-          </a:effectRef>
-          <a:fontRef idx="minor">
-            <a:schemeClr val="lt1"/>
-          </a:fontRef>
-        </p:style>
-        <p:txBody>
-          <a:bodyPr rtlCol="0" anchor="ctr"/>
-          <a:lstStyle/>
-          <a:p>
-            <a:pPr algn="ctr"/>
-            <a:endParaRPr lang="en-US" dirty="0"/>
-          </a:p>
-        </p:txBody>
-      </p:sp>
-      <p:cxnSp>
-        <p:nvCxnSpPr>
-          <p:cNvPr id="7" name="Straight Connector 6"/>
-          <p:cNvCxnSpPr/>
-          <p:nvPr/>
-        </p:nvCxnSpPr>
-        <p:spPr>
-          <a:xfrm>
-            <a:off x="41148000" y="5804822"/>
-            <a:ext cx="914400" cy="914400"/>
-          </a:xfrm>
-          <a:prstGeom prst="line">
-            <a:avLst/>
-          </a:prstGeom>
-        </p:spPr>
-        <p:style>
-          <a:lnRef idx="1">
-            <a:schemeClr val="accent1"/>
-          </a:lnRef>
-          <a:fillRef idx="0">
-            <a:schemeClr val="accent1"/>
-          </a:fillRef>
-          <a:effectRef idx="0">
-            <a:schemeClr val="accent1"/>
-          </a:effectRef>
-          <a:fontRef idx="minor">
-            <a:schemeClr val="tx1"/>
-          </a:fontRef>
-        </p:style>
-      </p:cxnSp>
       <p:grpSp>
         <p:nvGrpSpPr>
-          <p:cNvPr id="63" name="Group 62"/>
+          <p:cNvPr id="178" name="Group 177"/>
           <p:cNvGrpSpPr/>
           <p:nvPr/>
         </p:nvGrpSpPr>
         <p:grpSpPr>
           <a:xfrm>
-            <a:off x="-715956" y="-505151"/>
-            <a:ext cx="33393724" cy="4487525"/>
-            <a:chOff x="-715956" y="-505151"/>
-            <a:chExt cx="33393724" cy="4487525"/>
+            <a:off x="-1252673" y="-505151"/>
+            <a:ext cx="43315073" cy="43275329"/>
+            <a:chOff x="-1252673" y="-505151"/>
+            <a:chExt cx="43315073" cy="43275329"/>
           </a:xfrm>
         </p:grpSpPr>
+        <p:sp>
+          <p:nvSpPr>
+            <p:cNvPr id="94" name="Pentagon 93"/>
+            <p:cNvSpPr/>
+            <p:nvPr/>
+          </p:nvSpPr>
+          <p:spPr>
+            <a:xfrm rot="1686696">
+              <a:off x="18341154" y="4949140"/>
+              <a:ext cx="13819609" cy="11228327"/>
+            </a:xfrm>
+            <a:prstGeom prst="pentagon">
+              <a:avLst/>
+            </a:prstGeom>
+            <a:solidFill>
+              <a:schemeClr val="accent1">
+                <a:alpha val="10000"/>
+              </a:schemeClr>
+            </a:solidFill>
+            <a:ln>
+              <a:noFill/>
+            </a:ln>
+          </p:spPr>
+          <p:style>
+            <a:lnRef idx="2">
+              <a:schemeClr val="accent1">
+                <a:shade val="50000"/>
+              </a:schemeClr>
+            </a:lnRef>
+            <a:fillRef idx="1">
+              <a:schemeClr val="accent1"/>
+            </a:fillRef>
+            <a:effectRef idx="0">
+              <a:schemeClr val="accent1"/>
+            </a:effectRef>
+            <a:fontRef idx="minor">
+              <a:schemeClr val="lt1"/>
+            </a:fontRef>
+          </p:style>
+          <p:txBody>
+            <a:bodyPr rtlCol="0" anchor="ctr"/>
+            <a:lstStyle/>
+            <a:p>
+              <a:pPr algn="ctr"/>
+              <a:endParaRPr lang="en-US" dirty="0">
+                <a:latin typeface="Oxygen" panose="02000503000000000000" pitchFamily="2" charset="0"/>
+              </a:endParaRPr>
+            </a:p>
+          </p:txBody>
+        </p:sp>
+        <p:sp>
+          <p:nvSpPr>
+            <p:cNvPr id="93" name="Isosceles Triangle 92"/>
+            <p:cNvSpPr/>
+            <p:nvPr/>
+          </p:nvSpPr>
+          <p:spPr>
+            <a:xfrm rot="2552075">
+              <a:off x="20570391" y="3481112"/>
+              <a:ext cx="12514568" cy="12619929"/>
+            </a:xfrm>
+            <a:prstGeom prst="triangle">
+              <a:avLst/>
+            </a:prstGeom>
+            <a:solidFill>
+              <a:schemeClr val="accent1">
+                <a:alpha val="13000"/>
+              </a:schemeClr>
+            </a:solidFill>
+            <a:ln>
+              <a:noFill/>
+            </a:ln>
+          </p:spPr>
+          <p:style>
+            <a:lnRef idx="2">
+              <a:schemeClr val="accent1">
+                <a:shade val="50000"/>
+              </a:schemeClr>
+            </a:lnRef>
+            <a:fillRef idx="1">
+              <a:schemeClr val="accent1"/>
+            </a:fillRef>
+            <a:effectRef idx="0">
+              <a:schemeClr val="accent1"/>
+            </a:effectRef>
+            <a:fontRef idx="minor">
+              <a:schemeClr val="lt1"/>
+            </a:fontRef>
+          </p:style>
+          <p:txBody>
+            <a:bodyPr rtlCol="0" anchor="ctr"/>
+            <a:lstStyle/>
+            <a:p>
+              <a:pPr algn="ctr"/>
+              <a:endParaRPr lang="en-US">
+                <a:latin typeface="Oxygen" panose="02000503000000000000" pitchFamily="2" charset="0"/>
+              </a:endParaRPr>
+            </a:p>
+          </p:txBody>
+        </p:sp>
+        <p:sp>
+          <p:nvSpPr>
+            <p:cNvPr id="79" name="Explosion: 8 Points 78"/>
+            <p:cNvSpPr/>
+            <p:nvPr/>
+          </p:nvSpPr>
+          <p:spPr>
+            <a:xfrm>
+              <a:off x="-1252673" y="6074764"/>
+              <a:ext cx="11548770" cy="15647600"/>
+            </a:xfrm>
+            <a:prstGeom prst="irregularSeal1">
+              <a:avLst/>
+            </a:prstGeom>
+            <a:solidFill>
+              <a:srgbClr val="97D256">
+                <a:alpha val="20000"/>
+              </a:srgbClr>
+            </a:solidFill>
+            <a:ln>
+              <a:noFill/>
+            </a:ln>
+          </p:spPr>
+          <p:style>
+            <a:lnRef idx="2">
+              <a:schemeClr val="accent1">
+                <a:shade val="50000"/>
+              </a:schemeClr>
+            </a:lnRef>
+            <a:fillRef idx="1">
+              <a:schemeClr val="accent1"/>
+            </a:fillRef>
+            <a:effectRef idx="0">
+              <a:schemeClr val="accent1"/>
+            </a:effectRef>
+            <a:fontRef idx="minor">
+              <a:schemeClr val="lt1"/>
+            </a:fontRef>
+          </p:style>
+          <p:txBody>
+            <a:bodyPr rtlCol="0" anchor="ctr"/>
+            <a:lstStyle/>
+            <a:p>
+              <a:pPr algn="ctr"/>
+              <a:endParaRPr lang="en-US" dirty="0">
+                <a:latin typeface="Oxygen" panose="02000503000000000000" pitchFamily="2" charset="0"/>
+              </a:endParaRPr>
+            </a:p>
+          </p:txBody>
+        </p:sp>
+        <p:cxnSp>
+          <p:nvCxnSpPr>
+            <p:cNvPr id="7" name="Straight Connector 6"/>
+            <p:cNvCxnSpPr/>
+            <p:nvPr/>
+          </p:nvCxnSpPr>
+          <p:spPr>
+            <a:xfrm>
+              <a:off x="41148000" y="5804822"/>
+              <a:ext cx="914400" cy="914400"/>
+            </a:xfrm>
+            <a:prstGeom prst="line">
+              <a:avLst/>
+            </a:prstGeom>
+          </p:spPr>
+          <p:style>
+            <a:lnRef idx="1">
+              <a:schemeClr val="accent1"/>
+            </a:lnRef>
+            <a:fillRef idx="0">
+              <a:schemeClr val="accent1"/>
+            </a:fillRef>
+            <a:effectRef idx="0">
+              <a:schemeClr val="accent1"/>
+            </a:effectRef>
+            <a:fontRef idx="minor">
+              <a:schemeClr val="tx1"/>
+            </a:fontRef>
+          </p:style>
+        </p:cxnSp>
         <p:grpSp>
           <p:nvGrpSpPr>
-            <p:cNvPr id="52" name="Group 51"/>
+            <p:cNvPr id="63" name="Group 62"/>
             <p:cNvGrpSpPr/>
             <p:nvPr/>
           </p:nvGrpSpPr>
@@ -4210,43 +4209,230 @@
           </p:grpSpPr>
           <p:grpSp>
             <p:nvGrpSpPr>
-              <p:cNvPr id="43" name="Group 42"/>
+              <p:cNvPr id="52" name="Group 51"/>
               <p:cNvGrpSpPr/>
               <p:nvPr/>
             </p:nvGrpSpPr>
             <p:grpSpPr>
               <a:xfrm>
-                <a:off x="-715956" y="-108030"/>
-                <a:ext cx="25439969" cy="3693285"/>
-                <a:chOff x="-820576" y="860405"/>
-                <a:chExt cx="27719240" cy="3425315"/>
+                <a:off x="-715956" y="-505151"/>
+                <a:ext cx="33393724" cy="4487525"/>
+                <a:chOff x="-715956" y="-505151"/>
+                <a:chExt cx="33393724" cy="4487525"/>
               </a:xfrm>
             </p:grpSpPr>
+            <p:grpSp>
+              <p:nvGrpSpPr>
+                <p:cNvPr id="43" name="Group 42"/>
+                <p:cNvGrpSpPr/>
+                <p:nvPr/>
+              </p:nvGrpSpPr>
+              <p:grpSpPr>
+                <a:xfrm>
+                  <a:off x="-715956" y="-108030"/>
+                  <a:ext cx="25439969" cy="3693285"/>
+                  <a:chOff x="-820576" y="860405"/>
+                  <a:chExt cx="27719240" cy="3425315"/>
+                </a:xfrm>
+              </p:grpSpPr>
+              <p:sp>
+                <p:nvSpPr>
+                  <p:cNvPr id="42" name="Arrow: Pentagon 41"/>
+                  <p:cNvSpPr/>
+                  <p:nvPr/>
+                </p:nvSpPr>
+                <p:spPr>
+                  <a:xfrm>
+                    <a:off x="-198988" y="860405"/>
+                    <a:ext cx="27097652" cy="3425315"/>
+                  </a:xfrm>
+                  <a:prstGeom prst="homePlate">
+                    <a:avLst/>
+                  </a:prstGeom>
+                  <a:solidFill>
+                    <a:schemeClr val="accent1">
+                      <a:lumMod val="75000"/>
+                    </a:schemeClr>
+                  </a:solidFill>
+                  <a:ln>
+                    <a:noFill/>
+                  </a:ln>
+                  <a:effectLst>
+                    <a:softEdge rad="0"/>
+                  </a:effectLst>
+                </p:spPr>
+                <p:style>
+                  <a:lnRef idx="2">
+                    <a:schemeClr val="accent1">
+                      <a:shade val="50000"/>
+                    </a:schemeClr>
+                  </a:lnRef>
+                  <a:fillRef idx="1">
+                    <a:schemeClr val="accent1"/>
+                  </a:fillRef>
+                  <a:effectRef idx="0">
+                    <a:schemeClr val="accent1"/>
+                  </a:effectRef>
+                  <a:fontRef idx="minor">
+                    <a:schemeClr val="lt1"/>
+                  </a:fontRef>
+                </p:style>
+                <p:txBody>
+                  <a:bodyPr rtlCol="0" anchor="ctr"/>
+                  <a:lstStyle/>
+                  <a:p>
+                    <a:pPr algn="ctr"/>
+                    <a:endParaRPr lang="en-US">
+                      <a:latin typeface="Oxygen" panose="02000503000000000000" pitchFamily="2" charset="0"/>
+                    </a:endParaRPr>
+                  </a:p>
+                </p:txBody>
+              </p:sp>
+              <p:sp>
+                <p:nvSpPr>
+                  <p:cNvPr id="68" name="Shape 68"/>
+                  <p:cNvSpPr txBox="1"/>
+                  <p:nvPr/>
+                </p:nvSpPr>
+                <p:spPr>
+                  <a:xfrm>
+                    <a:off x="-820576" y="1416912"/>
+                    <a:ext cx="8030101" cy="2644500"/>
+                  </a:xfrm>
+                  <a:prstGeom prst="rect">
+                    <a:avLst/>
+                  </a:prstGeom>
+                  <a:noFill/>
+                  <a:ln>
+                    <a:noFill/>
+                  </a:ln>
+                </p:spPr>
+                <p:txBody>
+                  <a:bodyPr lIns="91425" tIns="91425" rIns="91425" bIns="91425" anchor="t" anchorCtr="0">
+                    <a:noAutofit/>
+                  </a:bodyPr>
+                  <a:lstStyle/>
+                  <a:p>
+                    <a:pPr lvl="0" algn="ctr">
+                      <a:spcBef>
+                        <a:spcPts val="0"/>
+                      </a:spcBef>
+                      <a:buNone/>
+                    </a:pPr>
+                    <a:r>
+                      <a:rPr lang="en" sz="13000" b="1" dirty="0">
+                        <a:solidFill>
+                          <a:schemeClr val="bg1"/>
+                        </a:solidFill>
+                        <a:latin typeface="Oxygen" panose="02000503000000000000" pitchFamily="2" charset="0"/>
+                        <a:ea typeface="Oxygen"/>
+                        <a:cs typeface="Oxygen"/>
+                        <a:sym typeface="Oxygen"/>
+                      </a:rPr>
+                      <a:t>Trinity</a:t>
+                    </a:r>
+                    <a:r>
+                      <a:rPr lang="en" sz="12000" b="1" dirty="0">
+                        <a:solidFill>
+                          <a:schemeClr val="bg1"/>
+                        </a:solidFill>
+                        <a:latin typeface="Oxygen" panose="02000503000000000000" pitchFamily="2" charset="0"/>
+                        <a:ea typeface="Oxygen"/>
+                        <a:cs typeface="Oxygen"/>
+                        <a:sym typeface="Oxygen"/>
+                      </a:rPr>
+                      <a:t>:</a:t>
+                    </a:r>
+                  </a:p>
+                </p:txBody>
+              </p:sp>
+              <p:sp>
+                <p:nvSpPr>
+                  <p:cNvPr id="69" name="Shape 69"/>
+                  <p:cNvSpPr txBox="1"/>
+                  <p:nvPr/>
+                </p:nvSpPr>
+                <p:spPr>
+                  <a:xfrm>
+                    <a:off x="6847226" y="1263782"/>
+                    <a:ext cx="19004174" cy="2374940"/>
+                  </a:xfrm>
+                  <a:prstGeom prst="rect">
+                    <a:avLst/>
+                  </a:prstGeom>
+                  <a:noFill/>
+                  <a:ln>
+                    <a:noFill/>
+                  </a:ln>
+                </p:spPr>
+                <p:txBody>
+                  <a:bodyPr lIns="91425" tIns="91425" rIns="91425" bIns="91425" anchor="t" anchorCtr="0">
+                    <a:noAutofit/>
+                  </a:bodyPr>
+                  <a:lstStyle/>
+                  <a:p>
+                    <a:pPr lvl="0">
+                      <a:spcBef>
+                        <a:spcPts val="0"/>
+                      </a:spcBef>
+                      <a:buNone/>
+                    </a:pPr>
+                    <a:r>
+                      <a:rPr lang="en" sz="7800" dirty="0">
+                        <a:solidFill>
+                          <a:schemeClr val="bg1"/>
+                        </a:solidFill>
+                        <a:latin typeface="Oxygen" panose="02000503000000000000" pitchFamily="2" charset="0"/>
+                        <a:ea typeface="Oxygen"/>
+                        <a:cs typeface="Oxygen"/>
+                        <a:sym typeface="Oxygen"/>
+                      </a:rPr>
+                      <a:t>A Language for Multi-View </a:t>
+                    </a:r>
+                  </a:p>
+                  <a:p>
+                    <a:pPr lvl="0">
+                      <a:spcBef>
+                        <a:spcPts val="0"/>
+                      </a:spcBef>
+                      <a:buNone/>
+                    </a:pPr>
+                    <a:r>
+                      <a:rPr lang="en" sz="7800" dirty="0">
+                        <a:solidFill>
+                          <a:schemeClr val="bg1"/>
+                        </a:solidFill>
+                        <a:latin typeface="Oxygen" panose="02000503000000000000" pitchFamily="2" charset="0"/>
+                        <a:ea typeface="Oxygen"/>
+                        <a:cs typeface="Oxygen"/>
+                        <a:sym typeface="Oxygen"/>
+                      </a:rPr>
+                      <a:t>Architecture Description and Control</a:t>
+                    </a:r>
+                  </a:p>
+                </p:txBody>
+              </p:sp>
+            </p:grpSp>
             <p:sp>
               <p:nvSpPr>
-                <p:cNvPr id="42" name="Arrow: Pentagon 41"/>
+                <p:cNvPr id="51" name="Arrow: Chevron 50"/>
                 <p:cNvSpPr/>
                 <p:nvPr/>
               </p:nvSpPr>
               <p:spPr>
                 <a:xfrm>
-                  <a:off x="-198988" y="860405"/>
-                  <a:ext cx="27097652" cy="3425315"/>
+                  <a:off x="23174307" y="-505151"/>
+                  <a:ext cx="9503461" cy="4487525"/>
                 </a:xfrm>
-                <a:prstGeom prst="homePlate">
+                <a:prstGeom prst="chevron">
                   <a:avLst/>
                 </a:prstGeom>
                 <a:solidFill>
-                  <a:schemeClr val="accent1">
-                    <a:lumMod val="75000"/>
-                  </a:schemeClr>
+                  <a:srgbClr val="ABDB77"/>
                 </a:solidFill>
                 <a:ln>
                   <a:noFill/>
                 </a:ln>
-                <a:effectLst>
-                  <a:softEdge rad="0"/>
-                </a:effectLst>
               </p:spPr>
               <p:style>
                 <a:lnRef idx="2">
@@ -4269,151 +4455,188 @@
                 <a:lstStyle/>
                 <a:p>
                   <a:pPr algn="ctr"/>
-                  <a:endParaRPr lang="en-US"/>
+                  <a:endParaRPr lang="en-US" dirty="0">
+                    <a:solidFill>
+                      <a:schemeClr val="tx1"/>
+                    </a:solidFill>
+                    <a:latin typeface="Oxygen" panose="02000503000000000000" pitchFamily="2" charset="0"/>
+                  </a:endParaRPr>
                 </a:p>
               </p:txBody>
             </p:sp>
+          </p:grpSp>
+          <p:grpSp>
+            <p:nvGrpSpPr>
+              <p:cNvPr id="55" name="Group 54"/>
+              <p:cNvGrpSpPr/>
+              <p:nvPr/>
+            </p:nvGrpSpPr>
+            <p:grpSpPr>
+              <a:xfrm>
+                <a:off x="24079465" y="265952"/>
+                <a:ext cx="5655802" cy="3217667"/>
+                <a:chOff x="23270275" y="257500"/>
+                <a:chExt cx="5655802" cy="3217667"/>
+              </a:xfrm>
+            </p:grpSpPr>
             <p:sp>
               <p:nvSpPr>
-                <p:cNvPr id="68" name="Shape 68"/>
+                <p:cNvPr id="53" name="TextBox 52"/>
                 <p:cNvSpPr txBox="1"/>
                 <p:nvPr/>
               </p:nvSpPr>
               <p:spPr>
                 <a:xfrm>
-                  <a:off x="-820576" y="1416912"/>
-                  <a:ext cx="8030101" cy="2644500"/>
+                  <a:off x="23986930" y="257500"/>
+                  <a:ext cx="4939147" cy="892552"/>
                 </a:xfrm>
                 <a:prstGeom prst="rect">
                   <a:avLst/>
                 </a:prstGeom>
                 <a:noFill/>
-                <a:ln>
-                  <a:noFill/>
-                </a:ln>
               </p:spPr>
               <p:txBody>
-                <a:bodyPr lIns="91425" tIns="91425" rIns="91425" bIns="91425" anchor="t" anchorCtr="0">
-                  <a:noAutofit/>
+                <a:bodyPr wrap="square" rtlCol="0">
+                  <a:spAutoFit/>
                 </a:bodyPr>
                 <a:lstStyle/>
                 <a:p>
-                  <a:pPr lvl="0" algn="ctr">
-                    <a:spcBef>
-                      <a:spcPts val="0"/>
-                    </a:spcBef>
-                    <a:buNone/>
-                  </a:pPr>
+                  <a:pPr algn="r"/>
                   <a:r>
-                    <a:rPr lang="en" sz="13000" b="1" dirty="0">
+                    <a:rPr lang="en-US" sz="2600" b="1" dirty="0">
                       <a:solidFill>
                         <a:schemeClr val="bg1"/>
                       </a:solidFill>
-                      <a:latin typeface="Oxygen"/>
-                      <a:ea typeface="Oxygen"/>
-                      <a:cs typeface="Oxygen"/>
-                      <a:sym typeface="Oxygen"/>
+                      <a:latin typeface="Oxygen" panose="02000503000000000000" pitchFamily="2" charset="0"/>
                     </a:rPr>
-                    <a:t>Trinity</a:t>
-                  </a:r>
-                  <a:r>
-                    <a:rPr lang="en" sz="12000" b="1" dirty="0">
-                      <a:solidFill>
-                        <a:schemeClr val="bg1"/>
-                      </a:solidFill>
-                      <a:latin typeface="Oxygen"/>
-                      <a:ea typeface="Oxygen"/>
-                      <a:cs typeface="Oxygen"/>
-                      <a:sym typeface="Oxygen"/>
-                    </a:rPr>
-                    <a:t>:</a:t>
+                    <a:t>Maddie Kirwin kirwinma@grinnell.edu</a:t>
                   </a:r>
                 </a:p>
               </p:txBody>
             </p:sp>
             <p:sp>
               <p:nvSpPr>
-                <p:cNvPr id="69" name="Shape 69"/>
+                <p:cNvPr id="54" name="TextBox 53"/>
                 <p:cNvSpPr txBox="1"/>
                 <p:nvPr/>
               </p:nvSpPr>
               <p:spPr>
                 <a:xfrm>
-                  <a:off x="6847226" y="1263782"/>
-                  <a:ext cx="19004174" cy="2374940"/>
+                  <a:off x="23944645" y="1411610"/>
+                  <a:ext cx="4981432" cy="892552"/>
                 </a:xfrm>
                 <a:prstGeom prst="rect">
                   <a:avLst/>
                 </a:prstGeom>
                 <a:noFill/>
-                <a:ln>
-                  <a:noFill/>
-                </a:ln>
               </p:spPr>
               <p:txBody>
-                <a:bodyPr lIns="91425" tIns="91425" rIns="91425" bIns="91425" anchor="t" anchorCtr="0">
-                  <a:noAutofit/>
+                <a:bodyPr wrap="square" rtlCol="0">
+                  <a:spAutoFit/>
                 </a:bodyPr>
                 <a:lstStyle/>
                 <a:p>
-                  <a:pPr lvl="0">
-                    <a:spcBef>
-                      <a:spcPts val="0"/>
-                    </a:spcBef>
-                    <a:buNone/>
-                  </a:pPr>
+                  <a:pPr algn="r"/>
                   <a:r>
-                    <a:rPr lang="en" sz="7800" dirty="0">
+                    <a:rPr lang="en-US" sz="2600" b="1" dirty="0" err="1">
                       <a:solidFill>
                         <a:schemeClr val="bg1"/>
                       </a:solidFill>
-                      <a:latin typeface="Oxygen"/>
-                      <a:ea typeface="Oxygen"/>
-                      <a:cs typeface="Oxygen"/>
-                      <a:sym typeface="Oxygen"/>
+                      <a:latin typeface="Oxygen" panose="02000503000000000000" pitchFamily="2" charset="0"/>
                     </a:rPr>
-                    <a:t>A Language for Multi-View </a:t>
+                    <a:t>Selva</a:t>
+                  </a:r>
+                  <a:r>
+                    <a:rPr lang="en-US" sz="2600" b="1" dirty="0">
+                      <a:solidFill>
+                        <a:schemeClr val="bg1"/>
+                      </a:solidFill>
+                      <a:latin typeface="Oxygen" panose="02000503000000000000" pitchFamily="2" charset="0"/>
+                    </a:rPr>
+                    <a:t> Samuel ssamuel@cs.cmu.edu</a:t>
+                  </a:r>
+                </a:p>
+              </p:txBody>
+            </p:sp>
+            <p:sp>
+              <p:nvSpPr>
+                <p:cNvPr id="65" name="TextBox 64"/>
+                <p:cNvSpPr txBox="1"/>
+                <p:nvPr/>
+              </p:nvSpPr>
+              <p:spPr>
+                <a:xfrm>
+                  <a:off x="23270275" y="2613393"/>
+                  <a:ext cx="5655802" cy="861774"/>
+                </a:xfrm>
+                <a:prstGeom prst="rect">
+                  <a:avLst/>
+                </a:prstGeom>
+                <a:noFill/>
+              </p:spPr>
+              <p:txBody>
+                <a:bodyPr wrap="square" rtlCol="0">
+                  <a:spAutoFit/>
+                </a:bodyPr>
+                <a:lstStyle/>
+                <a:p>
+                  <a:pPr algn="r"/>
+                  <a:r>
+                    <a:rPr lang="en-US" sz="2500" b="1" dirty="0">
+                      <a:solidFill>
+                        <a:schemeClr val="bg1"/>
+                      </a:solidFill>
+                      <a:latin typeface="Oxygen" panose="02000503000000000000" pitchFamily="2" charset="0"/>
+                    </a:rPr>
+                    <a:t>Jonathan Aldrich</a:t>
                   </a:r>
                 </a:p>
                 <a:p>
-                  <a:pPr lvl="0">
-                    <a:spcBef>
-                      <a:spcPts val="0"/>
-                    </a:spcBef>
-                    <a:buNone/>
-                  </a:pPr>
+                  <a:pPr algn="r"/>
                   <a:r>
-                    <a:rPr lang="en" sz="7800" dirty="0">
+                    <a:rPr lang="en-US" sz="2500" b="1" dirty="0">
                       <a:solidFill>
                         <a:schemeClr val="bg1"/>
                       </a:solidFill>
-                      <a:latin typeface="Oxygen"/>
-                      <a:ea typeface="Oxygen"/>
-                      <a:cs typeface="Oxygen"/>
-                      <a:sym typeface="Oxygen"/>
+                      <a:latin typeface="Oxygen" panose="02000503000000000000" pitchFamily="2" charset="0"/>
                     </a:rPr>
-                    <a:t>Architecture Description and Control</a:t>
+                    <a:t>Jonathan.Aldrich@cs.cmu.edu</a:t>
                   </a:r>
                 </a:p>
               </p:txBody>
             </p:sp>
           </p:grpSp>
+        </p:grpSp>
+        <p:grpSp>
+          <p:nvGrpSpPr>
+            <p:cNvPr id="66" name="Group 65"/>
+            <p:cNvGrpSpPr/>
+            <p:nvPr/>
+          </p:nvGrpSpPr>
+          <p:grpSpPr>
+            <a:xfrm>
+              <a:off x="-995622" y="3885549"/>
+              <a:ext cx="11358461" cy="1624971"/>
+              <a:chOff x="-1300062" y="3789473"/>
+              <a:chExt cx="11358461" cy="1837824"/>
+            </a:xfrm>
+          </p:grpSpPr>
           <p:sp>
             <p:nvSpPr>
-              <p:cNvPr id="51" name="Arrow: Chevron 50"/>
+              <p:cNvPr id="62" name="Arrow: Chevron 61"/>
               <p:cNvSpPr/>
               <p:nvPr/>
             </p:nvSpPr>
             <p:spPr>
-              <a:xfrm>
-                <a:off x="23174307" y="-505151"/>
-                <a:ext cx="9503461" cy="4487525"/>
+              <a:xfrm rot="10800000">
+                <a:off x="-1300062" y="3789473"/>
+                <a:ext cx="11358461" cy="1837824"/>
               </a:xfrm>
               <a:prstGeom prst="chevron">
                 <a:avLst/>
               </a:prstGeom>
               <a:solidFill>
-                <a:srgbClr val="ABDB77"/>
+                <a:srgbClr val="CD6D6D"/>
               </a:solidFill>
               <a:ln>
                 <a:noFill/>
@@ -4440,39 +4663,25 @@
               <a:lstStyle/>
               <a:p>
                 <a:pPr algn="ctr"/>
-                <a:endParaRPr lang="en-US" dirty="0">
+                <a:endParaRPr lang="en-US" sz="5000" dirty="0">
                   <a:solidFill>
-                    <a:schemeClr val="tx1"/>
+                    <a:schemeClr val="bg1"/>
                   </a:solidFill>
+                  <a:latin typeface="Oxygen" panose="02000503000000000000" pitchFamily="2" charset="0"/>
                 </a:endParaRPr>
               </a:p>
             </p:txBody>
           </p:sp>
-        </p:grpSp>
-        <p:grpSp>
-          <p:nvGrpSpPr>
-            <p:cNvPr id="55" name="Group 54"/>
-            <p:cNvGrpSpPr/>
-            <p:nvPr/>
-          </p:nvGrpSpPr>
-          <p:grpSpPr>
-            <a:xfrm>
-              <a:off x="24079465" y="265952"/>
-              <a:ext cx="5655802" cy="3217667"/>
-              <a:chOff x="23270275" y="257500"/>
-              <a:chExt cx="5655802" cy="3217667"/>
-            </a:xfrm>
-          </p:grpSpPr>
           <p:sp>
             <p:nvSpPr>
-              <p:cNvPr id="53" name="TextBox 52"/>
+              <p:cNvPr id="64" name="TextBox 63"/>
               <p:cNvSpPr txBox="1"/>
               <p:nvPr/>
             </p:nvSpPr>
             <p:spPr>
               <a:xfrm>
-                <a:off x="23986930" y="257500"/>
-                <a:ext cx="4939147" cy="892552"/>
+                <a:off x="-16462" y="4129408"/>
+                <a:ext cx="9073037" cy="1235726"/>
               </a:xfrm>
               <a:prstGeom prst="rect">
                 <a:avLst/>
@@ -4485,226 +4694,19 @@
               </a:bodyPr>
               <a:lstStyle/>
               <a:p>
-                <a:pPr algn="r"/>
                 <a:r>
-                  <a:rPr lang="en-US" sz="2600" b="1" dirty="0">
+                  <a:rPr lang="en-US" sz="6500" b="1" i="1" dirty="0">
                     <a:solidFill>
                       <a:schemeClr val="bg1"/>
                     </a:solidFill>
                     <a:latin typeface="Oxygen" panose="02000503000000000000" pitchFamily="2" charset="0"/>
                   </a:rPr>
-                  <a:t>Maddie Kirwin kirwinma@grinnell.edu</a:t>
-                </a:r>
-              </a:p>
-            </p:txBody>
-          </p:sp>
-          <p:sp>
-            <p:nvSpPr>
-              <p:cNvPr id="54" name="TextBox 53"/>
-              <p:cNvSpPr txBox="1"/>
-              <p:nvPr/>
-            </p:nvSpPr>
-            <p:spPr>
-              <a:xfrm>
-                <a:off x="23944645" y="1411610"/>
-                <a:ext cx="4981432" cy="892552"/>
-              </a:xfrm>
-              <a:prstGeom prst="rect">
-                <a:avLst/>
-              </a:prstGeom>
-              <a:noFill/>
-            </p:spPr>
-            <p:txBody>
-              <a:bodyPr wrap="square" rtlCol="0">
-                <a:spAutoFit/>
-              </a:bodyPr>
-              <a:lstStyle/>
-              <a:p>
-                <a:pPr algn="r"/>
-                <a:r>
-                  <a:rPr lang="en-US" sz="2600" b="1" dirty="0" err="1">
-                    <a:solidFill>
-                      <a:schemeClr val="bg1"/>
-                    </a:solidFill>
-                    <a:latin typeface="Oxygen" panose="02000503000000000000" pitchFamily="2" charset="0"/>
-                  </a:rPr>
-                  <a:t>Selva</a:t>
-                </a:r>
-                <a:r>
-                  <a:rPr lang="en-US" sz="2600" b="1" dirty="0">
-                    <a:solidFill>
-                      <a:schemeClr val="bg1"/>
-                    </a:solidFill>
-                    <a:latin typeface="Oxygen" panose="02000503000000000000" pitchFamily="2" charset="0"/>
-                  </a:rPr>
-                  <a:t> Samuel ssamuel@cs.cmu.edu</a:t>
-                </a:r>
-              </a:p>
-            </p:txBody>
-          </p:sp>
-          <p:sp>
-            <p:nvSpPr>
-              <p:cNvPr id="65" name="TextBox 64"/>
-              <p:cNvSpPr txBox="1"/>
-              <p:nvPr/>
-            </p:nvSpPr>
-            <p:spPr>
-              <a:xfrm>
-                <a:off x="23270275" y="2613393"/>
-                <a:ext cx="5655802" cy="861774"/>
-              </a:xfrm>
-              <a:prstGeom prst="rect">
-                <a:avLst/>
-              </a:prstGeom>
-              <a:noFill/>
-            </p:spPr>
-            <p:txBody>
-              <a:bodyPr wrap="square" rtlCol="0">
-                <a:spAutoFit/>
-              </a:bodyPr>
-              <a:lstStyle/>
-              <a:p>
-                <a:pPr algn="r"/>
-                <a:r>
-                  <a:rPr lang="en-US" sz="2500" b="1" dirty="0">
-                    <a:solidFill>
-                      <a:schemeClr val="bg1"/>
-                    </a:solidFill>
-                    <a:latin typeface="Oxygen" panose="02000503000000000000" pitchFamily="2" charset="0"/>
-                  </a:rPr>
-                  <a:t>Jonathan Aldrich</a:t>
-                </a:r>
-              </a:p>
-              <a:p>
-                <a:pPr algn="r"/>
-                <a:r>
-                  <a:rPr lang="en-US" sz="2500" b="1" dirty="0">
-                    <a:solidFill>
-                      <a:schemeClr val="bg1"/>
-                    </a:solidFill>
-                    <a:latin typeface="Oxygen" panose="02000503000000000000" pitchFamily="2" charset="0"/>
-                  </a:rPr>
-                  <a:t>Jonathan.Aldrich@cs.cmu.edu</a:t>
+                  <a:t>Software Architecture</a:t>
                 </a:r>
               </a:p>
             </p:txBody>
           </p:sp>
         </p:grpSp>
-      </p:grpSp>
-      <p:grpSp>
-        <p:nvGrpSpPr>
-          <p:cNvPr id="66" name="Group 65"/>
-          <p:cNvGrpSpPr/>
-          <p:nvPr/>
-        </p:nvGrpSpPr>
-        <p:grpSpPr>
-          <a:xfrm>
-            <a:off x="-995622" y="3885549"/>
-            <a:ext cx="11358461" cy="1624971"/>
-            <a:chOff x="-1300062" y="3789473"/>
-            <a:chExt cx="11358461" cy="1837824"/>
-          </a:xfrm>
-        </p:grpSpPr>
-        <p:sp>
-          <p:nvSpPr>
-            <p:cNvPr id="62" name="Arrow: Chevron 61"/>
-            <p:cNvSpPr/>
-            <p:nvPr/>
-          </p:nvSpPr>
-          <p:spPr>
-            <a:xfrm rot="10800000">
-              <a:off x="-1300062" y="3789473"/>
-              <a:ext cx="11358461" cy="1837824"/>
-            </a:xfrm>
-            <a:prstGeom prst="chevron">
-              <a:avLst/>
-            </a:prstGeom>
-            <a:solidFill>
-              <a:srgbClr val="CD6D6D"/>
-            </a:solidFill>
-            <a:ln>
-              <a:noFill/>
-            </a:ln>
-          </p:spPr>
-          <p:style>
-            <a:lnRef idx="2">
-              <a:schemeClr val="accent1">
-                <a:shade val="50000"/>
-              </a:schemeClr>
-            </a:lnRef>
-            <a:fillRef idx="1">
-              <a:schemeClr val="accent1"/>
-            </a:fillRef>
-            <a:effectRef idx="0">
-              <a:schemeClr val="accent1"/>
-            </a:effectRef>
-            <a:fontRef idx="minor">
-              <a:schemeClr val="lt1"/>
-            </a:fontRef>
-          </p:style>
-          <p:txBody>
-            <a:bodyPr rtlCol="0" anchor="ctr"/>
-            <a:lstStyle/>
-            <a:p>
-              <a:pPr algn="ctr"/>
-              <a:endParaRPr lang="en-US" sz="5000" dirty="0">
-                <a:solidFill>
-                  <a:schemeClr val="bg1"/>
-                </a:solidFill>
-                <a:latin typeface="Oswald"/>
-              </a:endParaRPr>
-            </a:p>
-          </p:txBody>
-        </p:sp>
-        <p:sp>
-          <p:nvSpPr>
-            <p:cNvPr id="64" name="TextBox 63"/>
-            <p:cNvSpPr txBox="1"/>
-            <p:nvPr/>
-          </p:nvSpPr>
-          <p:spPr>
-            <a:xfrm>
-              <a:off x="-16462" y="4129408"/>
-              <a:ext cx="9073037" cy="1092608"/>
-            </a:xfrm>
-            <a:prstGeom prst="rect">
-              <a:avLst/>
-            </a:prstGeom>
-            <a:noFill/>
-          </p:spPr>
-          <p:txBody>
-            <a:bodyPr wrap="square" rtlCol="0">
-              <a:spAutoFit/>
-            </a:bodyPr>
-            <a:lstStyle/>
-            <a:p>
-              <a:r>
-                <a:rPr lang="en-US" sz="6500" b="1" i="1" dirty="0">
-                  <a:solidFill>
-                    <a:schemeClr val="bg1"/>
-                  </a:solidFill>
-                  <a:latin typeface="Oxygen" panose="02000503000000000000" pitchFamily="2" charset="0"/>
-                </a:rPr>
-                <a:t>Software Architecture</a:t>
-              </a:r>
-            </a:p>
-          </p:txBody>
-        </p:sp>
-      </p:grpSp>
-      <p:grpSp>
-        <p:nvGrpSpPr>
-          <p:cNvPr id="50" name="Group 49"/>
-          <p:cNvGrpSpPr/>
-          <p:nvPr/>
-        </p:nvGrpSpPr>
-        <p:grpSpPr>
-          <a:xfrm>
-            <a:off x="8246" y="30863315"/>
-            <a:ext cx="30267277" cy="11906863"/>
-            <a:chOff x="-2044635" y="33766295"/>
-            <a:chExt cx="30465705" cy="10508281"/>
-          </a:xfrm>
-        </p:grpSpPr>
         <p:sp>
           <p:nvSpPr>
             <p:cNvPr id="48" name="Speech Bubble: Rectangle 47"/>
@@ -4713,8 +4715,8 @@
           </p:nvSpPr>
           <p:spPr>
             <a:xfrm rot="10800000">
-              <a:off x="-2044635" y="33766295"/>
-              <a:ext cx="30465705" cy="10508281"/>
+              <a:off x="8246" y="30863315"/>
+              <a:ext cx="30267277" cy="11906863"/>
             </a:xfrm>
             <a:prstGeom prst="wedgeRectCallout">
               <a:avLst>
@@ -4752,39 +4754,678 @@
             <a:lstStyle/>
             <a:p>
               <a:pPr algn="ctr"/>
-              <a:endParaRPr lang="en-US"/>
+              <a:endParaRPr lang="en-US">
+                <a:latin typeface="Oxygen" panose="02000503000000000000" pitchFamily="2" charset="0"/>
+              </a:endParaRPr>
+            </a:p>
+          </p:txBody>
+        </p:sp>
+        <p:sp>
+          <p:nvSpPr>
+            <p:cNvPr id="84" name="Rectangle: Rounded Corners 83"/>
+            <p:cNvSpPr/>
+            <p:nvPr/>
+          </p:nvSpPr>
+          <p:spPr>
+            <a:xfrm>
+              <a:off x="17951116" y="4753478"/>
+              <a:ext cx="11784151" cy="7501000"/>
+            </a:xfrm>
+            <a:prstGeom prst="roundRect">
+              <a:avLst/>
+            </a:prstGeom>
+            <a:noFill/>
+            <a:ln>
+              <a:solidFill>
+                <a:schemeClr val="accent1">
+                  <a:shade val="50000"/>
+                </a:schemeClr>
+              </a:solidFill>
+            </a:ln>
+          </p:spPr>
+          <p:style>
+            <a:lnRef idx="2">
+              <a:schemeClr val="accent1">
+                <a:shade val="50000"/>
+              </a:schemeClr>
+            </a:lnRef>
+            <a:fillRef idx="1">
+              <a:schemeClr val="accent1"/>
+            </a:fillRef>
+            <a:effectRef idx="0">
+              <a:schemeClr val="accent1"/>
+            </a:effectRef>
+            <a:fontRef idx="minor">
+              <a:schemeClr val="lt1"/>
+            </a:fontRef>
+          </p:style>
+          <p:txBody>
+            <a:bodyPr rtlCol="0" anchor="ctr"/>
+            <a:lstStyle/>
+            <a:p>
+              <a:endParaRPr lang="en-US" sz="3200" b="1" dirty="0">
+                <a:solidFill>
+                  <a:schemeClr val="tx2">
+                    <a:lumMod val="50000"/>
+                  </a:schemeClr>
+                </a:solidFill>
+                <a:latin typeface="Oxygen" panose="02000503000000000000" pitchFamily="2" charset="0"/>
+              </a:endParaRPr>
+            </a:p>
+            <a:p>
+              <a:endParaRPr lang="en-US" sz="3200" b="1" dirty="0">
+                <a:solidFill>
+                  <a:schemeClr val="tx2">
+                    <a:lumMod val="50000"/>
+                  </a:schemeClr>
+                </a:solidFill>
+                <a:latin typeface="Oxygen" panose="02000503000000000000" pitchFamily="2" charset="0"/>
+              </a:endParaRPr>
+            </a:p>
+            <a:p>
+              <a:r>
+                <a:rPr lang="en-US" sz="3200" b="1" dirty="0">
+                  <a:solidFill>
+                    <a:schemeClr val="tx2">
+                      <a:lumMod val="50000"/>
+                    </a:schemeClr>
+                  </a:solidFill>
+                  <a:latin typeface="Oxygen" panose="02000503000000000000" pitchFamily="2" charset="0"/>
+                </a:rPr>
+                <a:t>Architecture Description Languages (ADLs)</a:t>
+              </a:r>
+            </a:p>
+            <a:p>
+              <a:pPr marL="457200" indent="-457200">
+                <a:buFont typeface="Arial" panose="020B0604020202020204" pitchFamily="34" charset="0"/>
+                <a:buChar char="•"/>
+              </a:pPr>
+              <a:r>
+                <a:rPr lang="en-US" sz="2800" dirty="0">
+                  <a:solidFill>
+                    <a:schemeClr val="tx2">
+                      <a:lumMod val="50000"/>
+                    </a:schemeClr>
+                  </a:solidFill>
+                  <a:latin typeface="Oxygen" panose="02000503000000000000" pitchFamily="2" charset="0"/>
+                </a:rPr>
+                <a:t>(-) </a:t>
+              </a:r>
+              <a:r>
+                <a:rPr lang="en-US" sz="2800" i="1" dirty="0">
+                  <a:solidFill>
+                    <a:schemeClr val="tx2">
+                      <a:lumMod val="50000"/>
+                    </a:schemeClr>
+                  </a:solidFill>
+                  <a:latin typeface="Oxygen" panose="02000503000000000000" pitchFamily="2" charset="0"/>
+                </a:rPr>
+                <a:t>Description:</a:t>
+              </a:r>
+              <a:r>
+                <a:rPr lang="en-US" sz="2800" dirty="0">
+                  <a:solidFill>
+                    <a:schemeClr val="tx2">
+                      <a:lumMod val="50000"/>
+                    </a:schemeClr>
+                  </a:solidFill>
+                  <a:latin typeface="Oxygen" panose="02000503000000000000" pitchFamily="2" charset="0"/>
+                </a:rPr>
+                <a:t>  Inferred by the name, ADLs only describe software architectures; they do not prescribe, or enforce conformance to them</a:t>
+              </a:r>
+            </a:p>
+            <a:p>
+              <a:pPr marL="457200" indent="-457200">
+                <a:buFont typeface="Arial" panose="020B0604020202020204" pitchFamily="34" charset="0"/>
+                <a:buChar char="•"/>
+              </a:pPr>
+              <a:r>
+                <a:rPr lang="en-US" sz="2800" dirty="0">
+                  <a:solidFill>
+                    <a:schemeClr val="tx2">
+                      <a:lumMod val="50000"/>
+                    </a:schemeClr>
+                  </a:solidFill>
+                  <a:latin typeface="Oxygen" panose="02000503000000000000" pitchFamily="2" charset="0"/>
+                </a:rPr>
+                <a:t>(+) </a:t>
+              </a:r>
+              <a:r>
+                <a:rPr lang="en-US" sz="2800" i="1" dirty="0">
+                  <a:solidFill>
+                    <a:schemeClr val="tx2">
+                      <a:lumMod val="50000"/>
+                    </a:schemeClr>
+                  </a:solidFill>
+                  <a:latin typeface="Oxygen" panose="02000503000000000000" pitchFamily="2" charset="0"/>
+                </a:rPr>
+                <a:t>Analysis: </a:t>
+              </a:r>
+              <a:r>
+                <a:rPr lang="en-US" sz="2800" dirty="0">
+                  <a:solidFill>
+                    <a:schemeClr val="tx2">
+                      <a:lumMod val="50000"/>
+                    </a:schemeClr>
+                  </a:solidFill>
+                  <a:latin typeface="Oxygen" panose="02000503000000000000" pitchFamily="2" charset="0"/>
+                </a:rPr>
+                <a:t> ADLs are focused on system analyses</a:t>
+              </a:r>
+            </a:p>
+            <a:p>
+              <a:pPr marL="457200" indent="-457200">
+                <a:buFont typeface="Arial" panose="020B0604020202020204" pitchFamily="34" charset="0"/>
+                <a:buChar char="•"/>
+              </a:pPr>
+              <a:r>
+                <a:rPr lang="en-US" sz="2800" dirty="0">
+                  <a:solidFill>
+                    <a:schemeClr val="tx2">
+                      <a:lumMod val="50000"/>
+                    </a:schemeClr>
+                  </a:solidFill>
+                  <a:latin typeface="Oxygen" panose="02000503000000000000" pitchFamily="2" charset="0"/>
+                </a:rPr>
+                <a:t>(+)</a:t>
+              </a:r>
+              <a:r>
+                <a:rPr lang="en-US" sz="2800" i="1" dirty="0">
+                  <a:solidFill>
+                    <a:schemeClr val="tx2">
+                      <a:lumMod val="50000"/>
+                    </a:schemeClr>
+                  </a:solidFill>
+                  <a:latin typeface="Oxygen" panose="02000503000000000000" pitchFamily="2" charset="0"/>
+                </a:rPr>
+                <a:t> Formal Notation:  </a:t>
+              </a:r>
+              <a:r>
+                <a:rPr lang="en-US" sz="2800" dirty="0">
+                  <a:solidFill>
+                    <a:schemeClr val="tx2">
+                      <a:lumMod val="50000"/>
+                    </a:schemeClr>
+                  </a:solidFill>
+                  <a:latin typeface="Oxygen" panose="02000503000000000000" pitchFamily="2" charset="0"/>
+                </a:rPr>
+                <a:t>Currently, ADLs are the most formal  mainstream architecture tools available</a:t>
+              </a:r>
+            </a:p>
+            <a:p>
+              <a:pPr marL="457200" indent="-457200">
+                <a:buFont typeface="Arial" panose="020B0604020202020204" pitchFamily="34" charset="0"/>
+                <a:buChar char="•"/>
+              </a:pPr>
+              <a:endParaRPr lang="en-US" sz="3100" b="1" dirty="0">
+                <a:solidFill>
+                  <a:schemeClr val="tx2">
+                    <a:lumMod val="50000"/>
+                  </a:schemeClr>
+                </a:solidFill>
+                <a:latin typeface="Oxygen" panose="02000503000000000000" pitchFamily="2" charset="0"/>
+              </a:endParaRPr>
+            </a:p>
+            <a:p>
+              <a:r>
+                <a:rPr lang="en-US" sz="3100" b="1" dirty="0">
+                  <a:solidFill>
+                    <a:schemeClr val="tx2">
+                      <a:lumMod val="50000"/>
+                    </a:schemeClr>
+                  </a:solidFill>
+                  <a:latin typeface="Oxygen" panose="02000503000000000000" pitchFamily="2" charset="0"/>
+                </a:rPr>
+                <a:t>ArchJava   </a:t>
+              </a:r>
+              <a:r>
+                <a:rPr lang="en-US" sz="2700" dirty="0">
+                  <a:solidFill>
+                    <a:schemeClr val="tx2">
+                      <a:lumMod val="50000"/>
+                    </a:schemeClr>
+                  </a:solidFill>
+                  <a:latin typeface="Oxygen" panose="02000503000000000000" pitchFamily="2" charset="0"/>
+                </a:rPr>
+                <a:t>Java extension unifying architecture and implementation</a:t>
+              </a:r>
+              <a:endParaRPr lang="en-US" sz="2700" b="1" dirty="0">
+                <a:solidFill>
+                  <a:schemeClr val="tx2">
+                    <a:lumMod val="50000"/>
+                  </a:schemeClr>
+                </a:solidFill>
+                <a:latin typeface="Oxygen" panose="02000503000000000000" pitchFamily="2" charset="0"/>
+              </a:endParaRPr>
+            </a:p>
+            <a:p>
+              <a:pPr marL="457200" indent="-457200">
+                <a:buFont typeface="Arial" panose="020B0604020202020204" pitchFamily="34" charset="0"/>
+                <a:buChar char="•"/>
+              </a:pPr>
+              <a:r>
+                <a:rPr lang="en-US" sz="2800" dirty="0">
+                  <a:solidFill>
+                    <a:schemeClr val="tx2">
+                      <a:lumMod val="50000"/>
+                    </a:schemeClr>
+                  </a:solidFill>
+                  <a:latin typeface="Oxygen" panose="02000503000000000000" pitchFamily="2" charset="0"/>
+                </a:rPr>
+                <a:t>(+) </a:t>
+              </a:r>
+              <a:r>
+                <a:rPr lang="en-US" sz="2800" i="1" dirty="0">
+                  <a:solidFill>
+                    <a:schemeClr val="tx2">
+                      <a:lumMod val="50000"/>
+                    </a:schemeClr>
+                  </a:solidFill>
+                  <a:latin typeface="Oxygen" panose="02000503000000000000" pitchFamily="2" charset="0"/>
+                </a:rPr>
+                <a:t>Conformance: </a:t>
+              </a:r>
+              <a:r>
+                <a:rPr lang="en-US" sz="2800" dirty="0">
+                  <a:solidFill>
+                    <a:schemeClr val="tx2">
+                      <a:lumMod val="50000"/>
+                    </a:schemeClr>
+                  </a:solidFill>
+                  <a:latin typeface="Oxygen" panose="02000503000000000000" pitchFamily="2" charset="0"/>
+                </a:rPr>
+                <a:t>Checks for architecture conformity</a:t>
+              </a:r>
+            </a:p>
+            <a:p>
+              <a:pPr marL="457200" indent="-457200">
+                <a:buFont typeface="Arial" panose="020B0604020202020204" pitchFamily="34" charset="0"/>
+                <a:buChar char="•"/>
+              </a:pPr>
+              <a:r>
+                <a:rPr lang="en-US" sz="2800" dirty="0">
+                  <a:solidFill>
+                    <a:schemeClr val="tx2">
+                      <a:lumMod val="50000"/>
+                    </a:schemeClr>
+                  </a:solidFill>
+                  <a:latin typeface="Oxygen" panose="02000503000000000000" pitchFamily="2" charset="0"/>
+                </a:rPr>
+                <a:t>(-) </a:t>
+              </a:r>
+              <a:r>
+                <a:rPr lang="en-US" sz="2800" i="1" dirty="0">
+                  <a:solidFill>
+                    <a:schemeClr val="tx2">
+                      <a:lumMod val="50000"/>
+                    </a:schemeClr>
+                  </a:solidFill>
+                  <a:latin typeface="Oxygen" panose="02000503000000000000" pitchFamily="2" charset="0"/>
+                </a:rPr>
+                <a:t>Distributed Systems: </a:t>
+              </a:r>
+              <a:r>
+                <a:rPr lang="en-US" sz="2800" dirty="0">
+                  <a:solidFill>
+                    <a:schemeClr val="tx2">
+                      <a:lumMod val="50000"/>
+                    </a:schemeClr>
+                  </a:solidFill>
+                  <a:latin typeface="Oxygen" panose="02000503000000000000" pitchFamily="2" charset="0"/>
+                </a:rPr>
+                <a:t>No conformance checks in distributed systems (ArchJava supports multiple systems via custom connectors, but does not enforce conformity)</a:t>
+              </a:r>
+            </a:p>
+            <a:p>
+              <a:pPr marL="457200" indent="-457200">
+                <a:buFont typeface="Arial" panose="020B0604020202020204" pitchFamily="34" charset="0"/>
+                <a:buChar char="•"/>
+              </a:pPr>
+              <a:r>
+                <a:rPr lang="en-US" sz="2800" dirty="0">
+                  <a:solidFill>
+                    <a:schemeClr val="tx2">
+                      <a:lumMod val="50000"/>
+                    </a:schemeClr>
+                  </a:solidFill>
+                  <a:latin typeface="Oxygen" panose="02000503000000000000" pitchFamily="2" charset="0"/>
+                </a:rPr>
+                <a:t>(-) </a:t>
+              </a:r>
+              <a:r>
+                <a:rPr lang="en-US" sz="2800" i="1" dirty="0">
+                  <a:solidFill>
+                    <a:schemeClr val="tx2">
+                      <a:lumMod val="50000"/>
+                    </a:schemeClr>
+                  </a:solidFill>
+                  <a:latin typeface="Oxygen" panose="02000503000000000000" pitchFamily="2" charset="0"/>
+                </a:rPr>
+                <a:t>Multiple Views:</a:t>
+              </a:r>
+              <a:r>
+                <a:rPr lang="en-US" sz="2800" dirty="0">
+                  <a:solidFill>
+                    <a:schemeClr val="tx2">
+                      <a:lumMod val="50000"/>
+                    </a:schemeClr>
+                  </a:solidFill>
+                  <a:latin typeface="Oxygen" panose="02000503000000000000" pitchFamily="2" charset="0"/>
+                </a:rPr>
+                <a:t>  Lacks support for multiple architecture views; focuses only on Component-and-Connector view</a:t>
+              </a:r>
+            </a:p>
+            <a:p>
+              <a:pPr marL="457200" indent="-457200">
+                <a:buFont typeface="Arial" panose="020B0604020202020204" pitchFamily="34" charset="0"/>
+                <a:buChar char="•"/>
+              </a:pPr>
+              <a:endParaRPr lang="en-US" sz="2800" dirty="0">
+                <a:solidFill>
+                  <a:schemeClr val="tx2">
+                    <a:lumMod val="50000"/>
+                  </a:schemeClr>
+                </a:solidFill>
+                <a:latin typeface="Oxygen" panose="02000503000000000000" pitchFamily="2" charset="0"/>
+              </a:endParaRPr>
+            </a:p>
+            <a:p>
+              <a:endParaRPr lang="en-US" sz="2800" b="1" dirty="0">
+                <a:solidFill>
+                  <a:schemeClr val="tx2">
+                    <a:lumMod val="50000"/>
+                  </a:schemeClr>
+                </a:solidFill>
+                <a:latin typeface="Oxygen" panose="02000503000000000000" pitchFamily="2" charset="0"/>
+              </a:endParaRPr>
+            </a:p>
+          </p:txBody>
+        </p:sp>
+        <p:sp>
+          <p:nvSpPr>
+            <p:cNvPr id="85" name="Rectangle: Rounded Corners 84"/>
+            <p:cNvSpPr/>
+            <p:nvPr/>
+          </p:nvSpPr>
+          <p:spPr>
+            <a:xfrm>
+              <a:off x="17968957" y="13425482"/>
+              <a:ext cx="11766310" cy="5482313"/>
+            </a:xfrm>
+            <a:prstGeom prst="roundRect">
+              <a:avLst/>
+            </a:prstGeom>
+            <a:noFill/>
+            <a:ln>
+              <a:solidFill>
+                <a:schemeClr val="accent1">
+                  <a:shade val="50000"/>
+                </a:schemeClr>
+              </a:solidFill>
+            </a:ln>
+          </p:spPr>
+          <p:style>
+            <a:lnRef idx="2">
+              <a:schemeClr val="accent1">
+                <a:shade val="50000"/>
+              </a:schemeClr>
+            </a:lnRef>
+            <a:fillRef idx="1">
+              <a:schemeClr val="accent1"/>
+            </a:fillRef>
+            <a:effectRef idx="0">
+              <a:schemeClr val="accent1"/>
+            </a:effectRef>
+            <a:fontRef idx="minor">
+              <a:schemeClr val="lt1"/>
+            </a:fontRef>
+          </p:style>
+          <p:txBody>
+            <a:bodyPr rtlCol="0" anchor="ctr"/>
+            <a:lstStyle/>
+            <a:p>
+              <a:pPr marL="457200" indent="-457200">
+                <a:buFont typeface="Arial" panose="020B0604020202020204" pitchFamily="34" charset="0"/>
+                <a:buChar char="•"/>
+              </a:pPr>
+              <a:endParaRPr lang="en-US" sz="2800" dirty="0">
+                <a:solidFill>
+                  <a:schemeClr val="tx2">
+                    <a:lumMod val="50000"/>
+                  </a:schemeClr>
+                </a:solidFill>
+                <a:latin typeface="Oxygen" panose="02000503000000000000" pitchFamily="2" charset="0"/>
+              </a:endParaRPr>
+            </a:p>
+            <a:p>
+              <a:pPr marL="457200" indent="-457200">
+                <a:buFont typeface="Arial" panose="020B0604020202020204" pitchFamily="34" charset="0"/>
+                <a:buChar char="•"/>
+              </a:pPr>
+              <a:r>
+                <a:rPr lang="en-US" sz="2800" dirty="0">
+                  <a:solidFill>
+                    <a:schemeClr val="tx2">
+                      <a:lumMod val="50000"/>
+                    </a:schemeClr>
+                  </a:solidFill>
+                  <a:latin typeface="Oxygen" panose="02000503000000000000" pitchFamily="2" charset="0"/>
+                </a:rPr>
+                <a:t>Make software architecture a </a:t>
+              </a:r>
+              <a:r>
+                <a:rPr lang="en-US" sz="2800" b="1" dirty="0">
+                  <a:solidFill>
+                    <a:schemeClr val="tx2">
+                      <a:lumMod val="50000"/>
+                    </a:schemeClr>
+                  </a:solidFill>
+                  <a:latin typeface="Oxygen" panose="02000503000000000000" pitchFamily="2" charset="0"/>
+                </a:rPr>
+                <a:t>"live" component </a:t>
+              </a:r>
+              <a:r>
+                <a:rPr lang="en-US" sz="2800" dirty="0">
+                  <a:solidFill>
+                    <a:schemeClr val="tx2">
+                      <a:lumMod val="50000"/>
+                    </a:schemeClr>
+                  </a:solidFill>
+                  <a:latin typeface="Oxygen" panose="02000503000000000000" pitchFamily="2" charset="0"/>
+                </a:rPr>
+                <a:t>of Trinity systems</a:t>
+              </a:r>
+            </a:p>
+            <a:p>
+              <a:pPr marL="457200" indent="-457200">
+                <a:buFont typeface="Arial" panose="020B0604020202020204" pitchFamily="34" charset="0"/>
+                <a:buChar char="•"/>
+              </a:pPr>
+              <a:r>
+                <a:rPr lang="en-US" sz="2800" dirty="0">
+                  <a:solidFill>
+                    <a:schemeClr val="tx2">
+                      <a:lumMod val="50000"/>
+                    </a:schemeClr>
+                  </a:solidFill>
+                  <a:latin typeface="Oxygen" panose="02000503000000000000" pitchFamily="2" charset="0"/>
+                </a:rPr>
+                <a:t>Trinity enforced </a:t>
+              </a:r>
+              <a:r>
+                <a:rPr lang="en-US" sz="2800" b="1" dirty="0">
+                  <a:solidFill>
+                    <a:schemeClr val="tx2">
+                      <a:lumMod val="50000"/>
+                    </a:schemeClr>
+                  </a:solidFill>
+                  <a:latin typeface="Oxygen" panose="02000503000000000000" pitchFamily="2" charset="0"/>
+                </a:rPr>
+                <a:t>architecture conformance </a:t>
+              </a:r>
+              <a:r>
+                <a:rPr lang="en-US" sz="2800" dirty="0">
+                  <a:solidFill>
+                    <a:schemeClr val="tx2">
+                      <a:lumMod val="50000"/>
+                    </a:schemeClr>
+                  </a:solidFill>
+                  <a:latin typeface="Oxygen" panose="02000503000000000000" pitchFamily="2" charset="0"/>
+                </a:rPr>
+                <a:t>complements ADL analyses</a:t>
+              </a:r>
+            </a:p>
+            <a:p>
+              <a:pPr marL="457200" indent="-457200">
+                <a:buFont typeface="Arial" panose="020B0604020202020204" pitchFamily="34" charset="0"/>
+                <a:buChar char="•"/>
+              </a:pPr>
+              <a:r>
+                <a:rPr lang="en-US" sz="2800" dirty="0">
+                  <a:solidFill>
+                    <a:schemeClr val="tx2">
+                      <a:lumMod val="50000"/>
+                    </a:schemeClr>
+                  </a:solidFill>
+                  <a:latin typeface="Oxygen" panose="02000503000000000000" pitchFamily="2" charset="0"/>
+                </a:rPr>
+                <a:t>Support architecture conformance and </a:t>
+              </a:r>
+              <a:r>
+                <a:rPr lang="en-US" sz="2800" b="1" dirty="0">
+                  <a:solidFill>
+                    <a:schemeClr val="tx2">
+                      <a:lumMod val="50000"/>
+                    </a:schemeClr>
+                  </a:solidFill>
+                  <a:latin typeface="Oxygen" panose="02000503000000000000" pitchFamily="2" charset="0"/>
+                </a:rPr>
+                <a:t>communication integrity</a:t>
+              </a:r>
+              <a:r>
+                <a:rPr lang="en-US" sz="2800" dirty="0">
+                  <a:solidFill>
+                    <a:schemeClr val="tx2">
+                      <a:lumMod val="50000"/>
+                    </a:schemeClr>
+                  </a:solidFill>
+                  <a:latin typeface="Oxygen" panose="02000503000000000000" pitchFamily="2" charset="0"/>
+                </a:rPr>
+                <a:t> in </a:t>
+              </a:r>
+              <a:r>
+                <a:rPr lang="en-US" sz="2800" b="1" dirty="0">
+                  <a:solidFill>
+                    <a:schemeClr val="tx2">
+                      <a:lumMod val="50000"/>
+                    </a:schemeClr>
+                  </a:solidFill>
+                  <a:latin typeface="Oxygen" panose="02000503000000000000" pitchFamily="2" charset="0"/>
+                </a:rPr>
+                <a:t>distributed systems</a:t>
+              </a:r>
+              <a:endParaRPr lang="en-US" sz="2800" dirty="0">
+                <a:solidFill>
+                  <a:schemeClr val="tx2">
+                    <a:lumMod val="50000"/>
+                  </a:schemeClr>
+                </a:solidFill>
+                <a:latin typeface="Oxygen" panose="02000503000000000000" pitchFamily="2" charset="0"/>
+              </a:endParaRPr>
+            </a:p>
+            <a:p>
+              <a:pPr marL="457200" indent="-457200">
+                <a:buFont typeface="Arial" panose="020B0604020202020204" pitchFamily="34" charset="0"/>
+                <a:buChar char="•"/>
+              </a:pPr>
+              <a:r>
+                <a:rPr lang="en-US" sz="2800" dirty="0">
+                  <a:solidFill>
+                    <a:schemeClr val="tx2">
+                      <a:lumMod val="50000"/>
+                    </a:schemeClr>
+                  </a:solidFill>
+                  <a:latin typeface="Oxygen" panose="02000503000000000000" pitchFamily="2" charset="0"/>
+                </a:rPr>
+                <a:t>Directly translate the conceptual entities from multiple views into </a:t>
+              </a:r>
+              <a:r>
+                <a:rPr lang="en-US" sz="2800" b="1" dirty="0">
+                  <a:solidFill>
+                    <a:schemeClr val="tx2">
+                      <a:lumMod val="50000"/>
+                    </a:schemeClr>
+                  </a:solidFill>
+                  <a:latin typeface="Oxygen" panose="02000503000000000000" pitchFamily="2" charset="0"/>
+                </a:rPr>
+                <a:t>code-enforced constructs</a:t>
+              </a:r>
+            </a:p>
+            <a:p>
+              <a:pPr marL="457200" lvl="2" indent="-457200">
+                <a:buFont typeface="Arial" panose="020B0604020202020204" pitchFamily="34" charset="0"/>
+                <a:buChar char="•"/>
+              </a:pPr>
+              <a:r>
+                <a:rPr lang="en-US" sz="2800" dirty="0">
+                  <a:solidFill>
+                    <a:schemeClr val="tx2">
+                      <a:lumMod val="50000"/>
+                    </a:schemeClr>
+                  </a:solidFill>
+                  <a:latin typeface="Oxygen" panose="02000503000000000000" pitchFamily="2" charset="0"/>
+                </a:rPr>
+                <a:t>Support </a:t>
+              </a:r>
+              <a:r>
+                <a:rPr lang="en-US" sz="2800" b="1" dirty="0">
+                  <a:solidFill>
+                    <a:schemeClr val="tx2">
+                      <a:lumMod val="50000"/>
+                    </a:schemeClr>
+                  </a:solidFill>
+                  <a:latin typeface="Oxygen" panose="02000503000000000000" pitchFamily="2" charset="0"/>
+                </a:rPr>
+                <a:t>all three software architecture views </a:t>
+              </a:r>
+              <a:r>
+                <a:rPr lang="en-US" sz="2800" dirty="0">
+                  <a:solidFill>
+                    <a:schemeClr val="tx2">
+                      <a:lumMod val="50000"/>
+                    </a:schemeClr>
+                  </a:solidFill>
+                  <a:latin typeface="Oxygen" panose="02000503000000000000" pitchFamily="2" charset="0"/>
+                </a:rPr>
+                <a:t>(module or code, CnC, and deployment)</a:t>
+              </a:r>
             </a:p>
           </p:txBody>
         </p:sp>
         <p:grpSp>
           <p:nvGrpSpPr>
-            <p:cNvPr id="56" name="Group 55"/>
+            <p:cNvPr id="88" name="Group 87"/>
             <p:cNvGrpSpPr/>
             <p:nvPr/>
           </p:nvGrpSpPr>
           <p:grpSpPr>
-            <a:xfrm rot="10800000">
-              <a:off x="21550364" y="34054987"/>
-              <a:ext cx="6860250" cy="2255629"/>
-              <a:chOff x="1887592" y="23961587"/>
-              <a:chExt cx="7268094" cy="1590730"/>
+            <a:xfrm>
+              <a:off x="18969094" y="4192493"/>
+              <a:ext cx="6635840" cy="1115117"/>
+              <a:chOff x="18004768" y="3808627"/>
+              <a:chExt cx="6635840" cy="1499085"/>
             </a:xfrm>
-            <a:solidFill>
-              <a:schemeClr val="bg1">
-                <a:lumMod val="85000"/>
-              </a:schemeClr>
-            </a:solidFill>
           </p:grpSpPr>
           <p:sp>
             <p:nvSpPr>
-              <p:cNvPr id="57" name="Arrow: Pentagon 56"/>
+              <p:cNvPr id="87" name="Arrow: Pentagon 86"/>
               <p:cNvSpPr/>
               <p:nvPr/>
             </p:nvSpPr>
             <p:spPr>
-              <a:xfrm>
-                <a:off x="1887592" y="23961587"/>
-                <a:ext cx="7268094" cy="1590730"/>
+              <a:xfrm rot="10800000">
+                <a:off x="18004768" y="3808627"/>
+                <a:ext cx="5892075" cy="1497893"/>
               </a:xfrm>
               <a:prstGeom prst="homePlate">
                 <a:avLst/>
@@ -4819,1059 +5460,99 @@
               <a:lstStyle/>
               <a:p>
                 <a:pPr algn="ctr"/>
-                <a:endParaRPr lang="en-US"/>
+                <a:endParaRPr lang="en-US" sz="3000" dirty="0">
+                  <a:latin typeface="Oxygen" panose="02000503000000000000" pitchFamily="2" charset="0"/>
+                </a:endParaRPr>
               </a:p>
             </p:txBody>
           </p:sp>
           <p:sp>
             <p:nvSpPr>
-              <p:cNvPr id="58" name="TextBox 57"/>
-              <p:cNvSpPr txBox="1"/>
+              <p:cNvPr id="86" name="Arrow: Pentagon 85"/>
+              <p:cNvSpPr/>
               <p:nvPr/>
             </p:nvSpPr>
             <p:spPr>
-              <a:xfrm rot="10800000">
-                <a:off x="2304799" y="24343569"/>
-                <a:ext cx="5611890" cy="967365"/>
+              <a:xfrm>
+                <a:off x="18748533" y="3809817"/>
+                <a:ext cx="5892075" cy="1497895"/>
               </a:xfrm>
-              <a:prstGeom prst="rect">
+              <a:prstGeom prst="homePlate">
                 <a:avLst/>
               </a:prstGeom>
-              <a:noFill/>
+              <a:solidFill>
+                <a:schemeClr val="bg1">
+                  <a:lumMod val="65000"/>
+                </a:schemeClr>
+              </a:solidFill>
+              <a:ln>
+                <a:noFill/>
+              </a:ln>
             </p:spPr>
+            <p:style>
+              <a:lnRef idx="2">
+                <a:schemeClr val="accent1">
+                  <a:shade val="50000"/>
+                </a:schemeClr>
+              </a:lnRef>
+              <a:fillRef idx="1">
+                <a:schemeClr val="accent1"/>
+              </a:fillRef>
+              <a:effectRef idx="0">
+                <a:schemeClr val="accent1"/>
+              </a:effectRef>
+              <a:fontRef idx="minor">
+                <a:schemeClr val="lt1"/>
+              </a:fontRef>
+            </p:style>
             <p:txBody>
-              <a:bodyPr wrap="square" rtlCol="0">
-                <a:spAutoFit/>
-              </a:bodyPr>
+              <a:bodyPr rtlCol="0" anchor="ctr"/>
               <a:lstStyle/>
               <a:p>
                 <a:r>
-                  <a:rPr lang="en-US" sz="9500" b="1" i="1" dirty="0">
+                  <a:rPr lang="en-US" sz="4600" b="1" dirty="0">
                     <a:solidFill>
                       <a:schemeClr val="bg1"/>
                     </a:solidFill>
                     <a:latin typeface="Oxygen" panose="02000503000000000000" pitchFamily="2" charset="0"/>
                   </a:rPr>
-                  <a:t>Example</a:t>
+                  <a:t>Previous Solutions</a:t>
                 </a:r>
               </a:p>
             </p:txBody>
           </p:sp>
         </p:grpSp>
-      </p:grpSp>
-      <p:sp>
-        <p:nvSpPr>
-          <p:cNvPr id="84" name="Rectangle: Rounded Corners 83"/>
-          <p:cNvSpPr/>
-          <p:nvPr/>
-        </p:nvSpPr>
-        <p:spPr>
-          <a:xfrm>
-            <a:off x="17951116" y="5174748"/>
-            <a:ext cx="11784151" cy="7079729"/>
-          </a:xfrm>
-          <a:prstGeom prst="roundRect">
-            <a:avLst/>
-          </a:prstGeom>
-          <a:noFill/>
-          <a:ln>
-            <a:solidFill>
-              <a:schemeClr val="accent1">
-                <a:shade val="50000"/>
-              </a:schemeClr>
-            </a:solidFill>
-          </a:ln>
-        </p:spPr>
-        <p:style>
-          <a:lnRef idx="2">
-            <a:schemeClr val="accent1">
-              <a:shade val="50000"/>
-            </a:schemeClr>
-          </a:lnRef>
-          <a:fillRef idx="1">
-            <a:schemeClr val="accent1"/>
-          </a:fillRef>
-          <a:effectRef idx="0">
-            <a:schemeClr val="accent1"/>
-          </a:effectRef>
-          <a:fontRef idx="minor">
-            <a:schemeClr val="lt1"/>
-          </a:fontRef>
-        </p:style>
-        <p:txBody>
-          <a:bodyPr rtlCol="0" anchor="ctr"/>
-          <a:lstStyle/>
-          <a:p>
-            <a:endParaRPr lang="en-US" sz="3200" b="1" dirty="0">
-              <a:solidFill>
-                <a:schemeClr val="tx2">
-                  <a:lumMod val="50000"/>
-                </a:schemeClr>
-              </a:solidFill>
-              <a:latin typeface="Oxygen" panose="02000503000000000000" pitchFamily="2" charset="0"/>
-            </a:endParaRPr>
-          </a:p>
-          <a:p>
-            <a:endParaRPr lang="en-US" sz="3200" b="1" dirty="0">
-              <a:solidFill>
-                <a:schemeClr val="tx2">
-                  <a:lumMod val="50000"/>
-                </a:schemeClr>
-              </a:solidFill>
-              <a:latin typeface="Oxygen" panose="02000503000000000000" pitchFamily="2" charset="0"/>
-            </a:endParaRPr>
-          </a:p>
-          <a:p>
-            <a:r>
-              <a:rPr lang="en-US" sz="3200" b="1" dirty="0">
-                <a:solidFill>
-                  <a:schemeClr val="tx2">
-                    <a:lumMod val="50000"/>
-                  </a:schemeClr>
-                </a:solidFill>
-                <a:latin typeface="Oxygen" panose="02000503000000000000" pitchFamily="2" charset="0"/>
-              </a:rPr>
-              <a:t>Architecture Description Languages (ADLs)</a:t>
-            </a:r>
-          </a:p>
-          <a:p>
-            <a:pPr marL="457200" indent="-457200">
-              <a:buFont typeface="Arial" panose="020B0604020202020204" pitchFamily="34" charset="0"/>
-              <a:buChar char="•"/>
-            </a:pPr>
-            <a:r>
-              <a:rPr lang="en-US" sz="2800" dirty="0">
-                <a:solidFill>
-                  <a:schemeClr val="tx2">
-                    <a:lumMod val="50000"/>
-                  </a:schemeClr>
-                </a:solidFill>
-                <a:latin typeface="Oxygen" panose="02000503000000000000" pitchFamily="2" charset="0"/>
-              </a:rPr>
-              <a:t>(-) </a:t>
-            </a:r>
-            <a:r>
-              <a:rPr lang="en-US" sz="2800" i="1" dirty="0">
-                <a:solidFill>
-                  <a:schemeClr val="tx2">
-                    <a:lumMod val="50000"/>
-                  </a:schemeClr>
-                </a:solidFill>
-                <a:latin typeface="Oxygen" panose="02000503000000000000" pitchFamily="2" charset="0"/>
-              </a:rPr>
-              <a:t>Description:</a:t>
-            </a:r>
-            <a:r>
-              <a:rPr lang="en-US" sz="2800" dirty="0">
-                <a:solidFill>
-                  <a:schemeClr val="tx2">
-                    <a:lumMod val="50000"/>
-                  </a:schemeClr>
-                </a:solidFill>
-                <a:latin typeface="Oxygen" panose="02000503000000000000" pitchFamily="2" charset="0"/>
-              </a:rPr>
-              <a:t>  Inferred by the name, ADLs only describe software architectures; they do not prescribe, or enforce conformance to them</a:t>
-            </a:r>
-          </a:p>
-          <a:p>
-            <a:pPr marL="457200" indent="-457200">
-              <a:buFont typeface="Arial" panose="020B0604020202020204" pitchFamily="34" charset="0"/>
-              <a:buChar char="•"/>
-            </a:pPr>
-            <a:r>
-              <a:rPr lang="en-US" sz="2800" dirty="0">
-                <a:solidFill>
-                  <a:schemeClr val="tx2">
-                    <a:lumMod val="50000"/>
-                  </a:schemeClr>
-                </a:solidFill>
-                <a:latin typeface="Oxygen" panose="02000503000000000000" pitchFamily="2" charset="0"/>
-              </a:rPr>
-              <a:t>(+) </a:t>
-            </a:r>
-            <a:r>
-              <a:rPr lang="en-US" sz="2800" i="1" dirty="0">
-                <a:solidFill>
-                  <a:schemeClr val="tx2">
-                    <a:lumMod val="50000"/>
-                  </a:schemeClr>
-                </a:solidFill>
-                <a:latin typeface="Oxygen" panose="02000503000000000000" pitchFamily="2" charset="0"/>
-              </a:rPr>
-              <a:t>Analysis: </a:t>
-            </a:r>
-            <a:r>
-              <a:rPr lang="en-US" sz="2800" dirty="0">
-                <a:solidFill>
-                  <a:schemeClr val="tx2">
-                    <a:lumMod val="50000"/>
-                  </a:schemeClr>
-                </a:solidFill>
-                <a:latin typeface="Oxygen" panose="02000503000000000000" pitchFamily="2" charset="0"/>
-              </a:rPr>
-              <a:t> ADLs are focused on system analyses</a:t>
-            </a:r>
-          </a:p>
-          <a:p>
-            <a:pPr marL="457200" indent="-457200">
-              <a:buFont typeface="Arial" panose="020B0604020202020204" pitchFamily="34" charset="0"/>
-              <a:buChar char="•"/>
-            </a:pPr>
-            <a:r>
-              <a:rPr lang="en-US" sz="2800" dirty="0">
-                <a:solidFill>
-                  <a:schemeClr val="tx2">
-                    <a:lumMod val="50000"/>
-                  </a:schemeClr>
-                </a:solidFill>
-                <a:latin typeface="Oxygen" panose="02000503000000000000" pitchFamily="2" charset="0"/>
-              </a:rPr>
-              <a:t>(+)</a:t>
-            </a:r>
-            <a:r>
-              <a:rPr lang="en-US" sz="2800" i="1" dirty="0">
-                <a:solidFill>
-                  <a:schemeClr val="tx2">
-                    <a:lumMod val="50000"/>
-                  </a:schemeClr>
-                </a:solidFill>
-                <a:latin typeface="Oxygen" panose="02000503000000000000" pitchFamily="2" charset="0"/>
-              </a:rPr>
-              <a:t> Formal Notation:  </a:t>
-            </a:r>
-            <a:r>
-              <a:rPr lang="en-US" sz="2800" dirty="0">
-                <a:solidFill>
-                  <a:schemeClr val="tx2">
-                    <a:lumMod val="50000"/>
-                  </a:schemeClr>
-                </a:solidFill>
-                <a:latin typeface="Oxygen" panose="02000503000000000000" pitchFamily="2" charset="0"/>
-              </a:rPr>
-              <a:t>Currently, ADLs are the most formal  mainstream architecture tools available</a:t>
-            </a:r>
-          </a:p>
-          <a:p>
-            <a:pPr marL="457200" indent="-457200">
-              <a:buFont typeface="Arial" panose="020B0604020202020204" pitchFamily="34" charset="0"/>
-              <a:buChar char="•"/>
-            </a:pPr>
-            <a:endParaRPr lang="en-US" sz="3100" b="1" dirty="0">
-              <a:solidFill>
-                <a:schemeClr val="tx2">
-                  <a:lumMod val="50000"/>
-                </a:schemeClr>
-              </a:solidFill>
-              <a:latin typeface="Oxygen" panose="02000503000000000000" pitchFamily="2" charset="0"/>
-            </a:endParaRPr>
-          </a:p>
-          <a:p>
-            <a:r>
-              <a:rPr lang="en-US" sz="3100" b="1" dirty="0">
-                <a:solidFill>
-                  <a:schemeClr val="tx2">
-                    <a:lumMod val="50000"/>
-                  </a:schemeClr>
-                </a:solidFill>
-                <a:latin typeface="Oxygen" panose="02000503000000000000" pitchFamily="2" charset="0"/>
-              </a:rPr>
-              <a:t>ArchJava   </a:t>
-            </a:r>
-            <a:r>
-              <a:rPr lang="en-US" sz="2700" dirty="0">
-                <a:solidFill>
-                  <a:schemeClr val="tx2">
-                    <a:lumMod val="50000"/>
-                  </a:schemeClr>
-                </a:solidFill>
-                <a:latin typeface="Oxygen" panose="02000503000000000000" pitchFamily="2" charset="0"/>
-              </a:rPr>
-              <a:t>Java extension unifying architecture and implementation</a:t>
-            </a:r>
-            <a:endParaRPr lang="en-US" sz="2700" b="1" dirty="0">
-              <a:solidFill>
-                <a:schemeClr val="tx2">
-                  <a:lumMod val="50000"/>
-                </a:schemeClr>
-              </a:solidFill>
-              <a:latin typeface="Oxygen" panose="02000503000000000000" pitchFamily="2" charset="0"/>
-            </a:endParaRPr>
-          </a:p>
-          <a:p>
-            <a:pPr marL="457200" indent="-457200">
-              <a:buFont typeface="Arial" panose="020B0604020202020204" pitchFamily="34" charset="0"/>
-              <a:buChar char="•"/>
-            </a:pPr>
-            <a:r>
-              <a:rPr lang="en-US" sz="2800" dirty="0">
-                <a:solidFill>
-                  <a:schemeClr val="tx2">
-                    <a:lumMod val="50000"/>
-                  </a:schemeClr>
-                </a:solidFill>
-                <a:latin typeface="Oxygen" panose="02000503000000000000" pitchFamily="2" charset="0"/>
-              </a:rPr>
-              <a:t>(+) </a:t>
-            </a:r>
-            <a:r>
-              <a:rPr lang="en-US" sz="2800" i="1" dirty="0">
-                <a:solidFill>
-                  <a:schemeClr val="tx2">
-                    <a:lumMod val="50000"/>
-                  </a:schemeClr>
-                </a:solidFill>
-                <a:latin typeface="Oxygen" panose="02000503000000000000" pitchFamily="2" charset="0"/>
-              </a:rPr>
-              <a:t>Conformance: </a:t>
-            </a:r>
-            <a:r>
-              <a:rPr lang="en-US" sz="2800" dirty="0">
-                <a:solidFill>
-                  <a:schemeClr val="tx2">
-                    <a:lumMod val="50000"/>
-                  </a:schemeClr>
-                </a:solidFill>
-                <a:latin typeface="Oxygen" panose="02000503000000000000" pitchFamily="2" charset="0"/>
-              </a:rPr>
-              <a:t>Checks for architecture conformity</a:t>
-            </a:r>
-          </a:p>
-          <a:p>
-            <a:pPr marL="457200" indent="-457200">
-              <a:buFont typeface="Arial" panose="020B0604020202020204" pitchFamily="34" charset="0"/>
-              <a:buChar char="•"/>
-            </a:pPr>
-            <a:r>
-              <a:rPr lang="en-US" sz="2800" dirty="0">
-                <a:solidFill>
-                  <a:schemeClr val="tx2">
-                    <a:lumMod val="50000"/>
-                  </a:schemeClr>
-                </a:solidFill>
-                <a:latin typeface="Oxygen" panose="02000503000000000000" pitchFamily="2" charset="0"/>
-              </a:rPr>
-              <a:t>(-) </a:t>
-            </a:r>
-            <a:r>
-              <a:rPr lang="en-US" sz="2800" i="1" dirty="0">
-                <a:solidFill>
-                  <a:schemeClr val="tx2">
-                    <a:lumMod val="50000"/>
-                  </a:schemeClr>
-                </a:solidFill>
-                <a:latin typeface="Oxygen" panose="02000503000000000000" pitchFamily="2" charset="0"/>
-              </a:rPr>
-              <a:t>Distributed Systems: </a:t>
-            </a:r>
-            <a:r>
-              <a:rPr lang="en-US" sz="2800" dirty="0">
-                <a:solidFill>
-                  <a:schemeClr val="tx2">
-                    <a:lumMod val="50000"/>
-                  </a:schemeClr>
-                </a:solidFill>
-                <a:latin typeface="Oxygen" panose="02000503000000000000" pitchFamily="2" charset="0"/>
-              </a:rPr>
-              <a:t>No conformance checks in distributed systems (ArchJava supports multiple systems via custom connectors, but does not enforce conformity)</a:t>
-            </a:r>
-          </a:p>
-          <a:p>
-            <a:pPr marL="457200" indent="-457200">
-              <a:buFont typeface="Arial" panose="020B0604020202020204" pitchFamily="34" charset="0"/>
-              <a:buChar char="•"/>
-            </a:pPr>
-            <a:r>
-              <a:rPr lang="en-US" sz="2800" dirty="0">
-                <a:solidFill>
-                  <a:schemeClr val="tx2">
-                    <a:lumMod val="50000"/>
-                  </a:schemeClr>
-                </a:solidFill>
-                <a:latin typeface="Oxygen" panose="02000503000000000000" pitchFamily="2" charset="0"/>
-              </a:rPr>
-              <a:t>(-) </a:t>
-            </a:r>
-            <a:r>
-              <a:rPr lang="en-US" sz="2800" i="1" dirty="0">
-                <a:solidFill>
-                  <a:schemeClr val="tx2">
-                    <a:lumMod val="50000"/>
-                  </a:schemeClr>
-                </a:solidFill>
-                <a:latin typeface="Oxygen" panose="02000503000000000000" pitchFamily="2" charset="0"/>
-              </a:rPr>
-              <a:t>Multiple Views:</a:t>
-            </a:r>
-            <a:r>
-              <a:rPr lang="en-US" sz="2800" dirty="0">
-                <a:solidFill>
-                  <a:schemeClr val="tx2">
-                    <a:lumMod val="50000"/>
-                  </a:schemeClr>
-                </a:solidFill>
-                <a:latin typeface="Oxygen" panose="02000503000000000000" pitchFamily="2" charset="0"/>
-              </a:rPr>
-              <a:t>  Lacks support for multiple architecture views; focuses only on Component-and-Connector view</a:t>
-            </a:r>
-          </a:p>
-          <a:p>
-            <a:pPr marL="457200" indent="-457200">
-              <a:buFont typeface="Arial" panose="020B0604020202020204" pitchFamily="34" charset="0"/>
-              <a:buChar char="•"/>
-            </a:pPr>
-            <a:endParaRPr lang="en-US" sz="2800" dirty="0">
-              <a:solidFill>
-                <a:schemeClr val="tx2">
-                  <a:lumMod val="50000"/>
-                </a:schemeClr>
-              </a:solidFill>
-              <a:latin typeface="Oxygen" panose="02000503000000000000" pitchFamily="2" charset="0"/>
-            </a:endParaRPr>
-          </a:p>
-          <a:p>
-            <a:endParaRPr lang="en-US" sz="2800" b="1" dirty="0">
-              <a:solidFill>
-                <a:schemeClr val="tx2">
-                  <a:lumMod val="50000"/>
-                </a:schemeClr>
-              </a:solidFill>
-              <a:latin typeface="Oxygen" panose="02000503000000000000" pitchFamily="2" charset="0"/>
-            </a:endParaRPr>
-          </a:p>
-        </p:txBody>
-      </p:sp>
-      <p:sp>
-        <p:nvSpPr>
-          <p:cNvPr id="85" name="Rectangle: Rounded Corners 84"/>
-          <p:cNvSpPr/>
-          <p:nvPr/>
-        </p:nvSpPr>
-        <p:spPr>
-          <a:xfrm>
-            <a:off x="17968957" y="13425482"/>
-            <a:ext cx="11766310" cy="5482313"/>
-          </a:xfrm>
-          <a:prstGeom prst="roundRect">
-            <a:avLst/>
-          </a:prstGeom>
-          <a:noFill/>
-          <a:ln>
-            <a:solidFill>
-              <a:schemeClr val="accent1">
-                <a:shade val="50000"/>
-              </a:schemeClr>
-            </a:solidFill>
-          </a:ln>
-        </p:spPr>
-        <p:style>
-          <a:lnRef idx="2">
-            <a:schemeClr val="accent1">
-              <a:shade val="50000"/>
-            </a:schemeClr>
-          </a:lnRef>
-          <a:fillRef idx="1">
-            <a:schemeClr val="accent1"/>
-          </a:fillRef>
-          <a:effectRef idx="0">
-            <a:schemeClr val="accent1"/>
-          </a:effectRef>
-          <a:fontRef idx="minor">
-            <a:schemeClr val="lt1"/>
-          </a:fontRef>
-        </p:style>
-        <p:txBody>
-          <a:bodyPr rtlCol="0" anchor="ctr"/>
-          <a:lstStyle/>
-          <a:p>
-            <a:pPr marL="457200" indent="-457200">
-              <a:buFont typeface="Arial" panose="020B0604020202020204" pitchFamily="34" charset="0"/>
-              <a:buChar char="•"/>
-            </a:pPr>
-            <a:endParaRPr lang="en-US" sz="2800" dirty="0">
-              <a:solidFill>
-                <a:schemeClr val="tx2">
-                  <a:lumMod val="50000"/>
-                </a:schemeClr>
-              </a:solidFill>
-              <a:latin typeface="Oxygen" panose="02000503000000000000" pitchFamily="2" charset="0"/>
-            </a:endParaRPr>
-          </a:p>
-          <a:p>
-            <a:pPr marL="457200" indent="-457200">
-              <a:buFont typeface="Arial" panose="020B0604020202020204" pitchFamily="34" charset="0"/>
-              <a:buChar char="•"/>
-            </a:pPr>
-            <a:r>
-              <a:rPr lang="en-US" sz="2800" dirty="0">
-                <a:solidFill>
-                  <a:schemeClr val="tx2">
-                    <a:lumMod val="50000"/>
-                  </a:schemeClr>
-                </a:solidFill>
-                <a:latin typeface="Oxygen" panose="02000503000000000000" pitchFamily="2" charset="0"/>
-              </a:rPr>
-              <a:t>Make software architecture a </a:t>
-            </a:r>
-            <a:r>
-              <a:rPr lang="en-US" sz="2800" b="1" dirty="0">
-                <a:solidFill>
-                  <a:schemeClr val="tx2">
-                    <a:lumMod val="50000"/>
-                  </a:schemeClr>
-                </a:solidFill>
-                <a:latin typeface="Oxygen" panose="02000503000000000000" pitchFamily="2" charset="0"/>
-              </a:rPr>
-              <a:t>"live" component </a:t>
-            </a:r>
-            <a:r>
-              <a:rPr lang="en-US" sz="2800" dirty="0">
-                <a:solidFill>
-                  <a:schemeClr val="tx2">
-                    <a:lumMod val="50000"/>
-                  </a:schemeClr>
-                </a:solidFill>
-                <a:latin typeface="Oxygen" panose="02000503000000000000" pitchFamily="2" charset="0"/>
-              </a:rPr>
-              <a:t>of Trinity systems</a:t>
-            </a:r>
-          </a:p>
-          <a:p>
-            <a:pPr marL="457200" indent="-457200">
-              <a:buFont typeface="Arial" panose="020B0604020202020204" pitchFamily="34" charset="0"/>
-              <a:buChar char="•"/>
-            </a:pPr>
-            <a:r>
-              <a:rPr lang="en-US" sz="2800" dirty="0">
-                <a:solidFill>
-                  <a:schemeClr val="tx2">
-                    <a:lumMod val="50000"/>
-                  </a:schemeClr>
-                </a:solidFill>
-                <a:latin typeface="Oxygen" panose="02000503000000000000" pitchFamily="2" charset="0"/>
-              </a:rPr>
-              <a:t>Trinity enforced </a:t>
-            </a:r>
-            <a:r>
-              <a:rPr lang="en-US" sz="2800" b="1" dirty="0">
-                <a:solidFill>
-                  <a:schemeClr val="tx2">
-                    <a:lumMod val="50000"/>
-                  </a:schemeClr>
-                </a:solidFill>
-                <a:latin typeface="Oxygen" panose="02000503000000000000" pitchFamily="2" charset="0"/>
-              </a:rPr>
-              <a:t>architecture conformance </a:t>
-            </a:r>
-            <a:r>
-              <a:rPr lang="en-US" sz="2800" dirty="0">
-                <a:solidFill>
-                  <a:schemeClr val="tx2">
-                    <a:lumMod val="50000"/>
-                  </a:schemeClr>
-                </a:solidFill>
-                <a:latin typeface="Oxygen" panose="02000503000000000000" pitchFamily="2" charset="0"/>
-              </a:rPr>
-              <a:t>complements ADL analyses</a:t>
-            </a:r>
-          </a:p>
-          <a:p>
-            <a:pPr marL="457200" indent="-457200">
-              <a:buFont typeface="Arial" panose="020B0604020202020204" pitchFamily="34" charset="0"/>
-              <a:buChar char="•"/>
-            </a:pPr>
-            <a:r>
-              <a:rPr lang="en-US" sz="2800" dirty="0">
-                <a:solidFill>
-                  <a:schemeClr val="tx2">
-                    <a:lumMod val="50000"/>
-                  </a:schemeClr>
-                </a:solidFill>
-                <a:latin typeface="Oxygen" panose="02000503000000000000" pitchFamily="2" charset="0"/>
-              </a:rPr>
-              <a:t>Support architecture conformance and </a:t>
-            </a:r>
-            <a:r>
-              <a:rPr lang="en-US" sz="2800" b="1" dirty="0">
-                <a:solidFill>
-                  <a:schemeClr val="tx2">
-                    <a:lumMod val="50000"/>
-                  </a:schemeClr>
-                </a:solidFill>
-                <a:latin typeface="Oxygen" panose="02000503000000000000" pitchFamily="2" charset="0"/>
-              </a:rPr>
-              <a:t>communication integrity</a:t>
-            </a:r>
-            <a:r>
-              <a:rPr lang="en-US" sz="2800" dirty="0">
-                <a:solidFill>
-                  <a:schemeClr val="tx2">
-                    <a:lumMod val="50000"/>
-                  </a:schemeClr>
-                </a:solidFill>
-                <a:latin typeface="Oxygen" panose="02000503000000000000" pitchFamily="2" charset="0"/>
-              </a:rPr>
-              <a:t> in </a:t>
-            </a:r>
-            <a:r>
-              <a:rPr lang="en-US" sz="2800" b="1" dirty="0">
-                <a:solidFill>
-                  <a:schemeClr val="tx2">
-                    <a:lumMod val="50000"/>
-                  </a:schemeClr>
-                </a:solidFill>
-                <a:latin typeface="Oxygen" panose="02000503000000000000" pitchFamily="2" charset="0"/>
-              </a:rPr>
-              <a:t>distributed systems</a:t>
-            </a:r>
-            <a:endParaRPr lang="en-US" sz="2800" dirty="0">
-              <a:solidFill>
-                <a:schemeClr val="tx2">
-                  <a:lumMod val="50000"/>
-                </a:schemeClr>
-              </a:solidFill>
-              <a:latin typeface="Oxygen" panose="02000503000000000000" pitchFamily="2" charset="0"/>
-            </a:endParaRPr>
-          </a:p>
-          <a:p>
-            <a:pPr marL="457200" indent="-457200">
-              <a:buFont typeface="Arial" panose="020B0604020202020204" pitchFamily="34" charset="0"/>
-              <a:buChar char="•"/>
-            </a:pPr>
-            <a:r>
-              <a:rPr lang="en-US" sz="2800" dirty="0">
-                <a:solidFill>
-                  <a:schemeClr val="tx2">
-                    <a:lumMod val="50000"/>
-                  </a:schemeClr>
-                </a:solidFill>
-                <a:latin typeface="Oxygen" panose="02000503000000000000" pitchFamily="2" charset="0"/>
-              </a:rPr>
-              <a:t>Directly translate the conceptual entities from multiple views into </a:t>
-            </a:r>
-            <a:r>
-              <a:rPr lang="en-US" sz="2800" b="1" dirty="0">
-                <a:solidFill>
-                  <a:schemeClr val="tx2">
-                    <a:lumMod val="50000"/>
-                  </a:schemeClr>
-                </a:solidFill>
-                <a:latin typeface="Oxygen" panose="02000503000000000000" pitchFamily="2" charset="0"/>
-              </a:rPr>
-              <a:t>code-enforced constructs</a:t>
-            </a:r>
-          </a:p>
-          <a:p>
-            <a:pPr marL="457200" lvl="2" indent="-457200">
-              <a:buFont typeface="Arial" panose="020B0604020202020204" pitchFamily="34" charset="0"/>
-              <a:buChar char="•"/>
-            </a:pPr>
-            <a:r>
-              <a:rPr lang="en-US" sz="2800" dirty="0">
-                <a:solidFill>
-                  <a:schemeClr val="tx2">
-                    <a:lumMod val="50000"/>
-                  </a:schemeClr>
-                </a:solidFill>
-                <a:latin typeface="Oxygen" panose="02000503000000000000" pitchFamily="2" charset="0"/>
-              </a:rPr>
-              <a:t>Support </a:t>
-            </a:r>
-            <a:r>
-              <a:rPr lang="en-US" sz="2800" b="1" dirty="0">
-                <a:solidFill>
-                  <a:schemeClr val="tx2">
-                    <a:lumMod val="50000"/>
-                  </a:schemeClr>
-                </a:solidFill>
-                <a:latin typeface="Oxygen" panose="02000503000000000000" pitchFamily="2" charset="0"/>
-              </a:rPr>
-              <a:t>all three software architecture views </a:t>
-            </a:r>
-            <a:r>
-              <a:rPr lang="en-US" sz="2800" dirty="0">
-                <a:solidFill>
-                  <a:schemeClr val="tx2">
-                    <a:lumMod val="50000"/>
-                  </a:schemeClr>
-                </a:solidFill>
-                <a:latin typeface="Oxygen" panose="02000503000000000000" pitchFamily="2" charset="0"/>
-              </a:rPr>
-              <a:t>(module or code, CnC, and deployment)</a:t>
-            </a:r>
-          </a:p>
-        </p:txBody>
-      </p:sp>
-      <p:grpSp>
-        <p:nvGrpSpPr>
-          <p:cNvPr id="88" name="Group 87"/>
-          <p:cNvGrpSpPr/>
-          <p:nvPr/>
-        </p:nvGrpSpPr>
-        <p:grpSpPr>
-          <a:xfrm>
-            <a:off x="18888884" y="4501877"/>
-            <a:ext cx="6635840" cy="1115110"/>
-            <a:chOff x="17924558" y="4224541"/>
-            <a:chExt cx="6635840" cy="1499077"/>
-          </a:xfrm>
-        </p:grpSpPr>
-        <p:sp>
-          <p:nvSpPr>
-            <p:cNvPr id="87" name="Arrow: Pentagon 86"/>
-            <p:cNvSpPr/>
-            <p:nvPr/>
-          </p:nvSpPr>
-          <p:spPr>
-            <a:xfrm rot="10800000">
-              <a:off x="17924558" y="4224541"/>
-              <a:ext cx="5892075" cy="1497890"/>
-            </a:xfrm>
-            <a:prstGeom prst="homePlate">
-              <a:avLst/>
-            </a:prstGeom>
-            <a:solidFill>
-              <a:schemeClr val="bg1">
-                <a:lumMod val="65000"/>
-              </a:schemeClr>
-            </a:solidFill>
-            <a:ln>
-              <a:noFill/>
-            </a:ln>
-          </p:spPr>
-          <p:style>
-            <a:lnRef idx="2">
-              <a:schemeClr val="accent1">
-                <a:shade val="50000"/>
-              </a:schemeClr>
-            </a:lnRef>
-            <a:fillRef idx="1">
-              <a:schemeClr val="accent1"/>
-            </a:fillRef>
-            <a:effectRef idx="0">
-              <a:schemeClr val="accent1"/>
-            </a:effectRef>
-            <a:fontRef idx="minor">
-              <a:schemeClr val="lt1"/>
-            </a:fontRef>
-          </p:style>
-          <p:txBody>
-            <a:bodyPr rtlCol="0" anchor="ctr"/>
-            <a:lstStyle/>
-            <a:p>
-              <a:pPr algn="ctr"/>
-              <a:endParaRPr lang="en-US" sz="3000" dirty="0">
-                <a:latin typeface="Oxygen" panose="02000503000000000000" pitchFamily="2" charset="0"/>
-              </a:endParaRPr>
-            </a:p>
-          </p:txBody>
-        </p:sp>
-        <p:sp>
-          <p:nvSpPr>
-            <p:cNvPr id="86" name="Arrow: Pentagon 85"/>
-            <p:cNvSpPr/>
-            <p:nvPr/>
-          </p:nvSpPr>
-          <p:spPr>
-            <a:xfrm>
-              <a:off x="18668323" y="4225728"/>
-              <a:ext cx="5892075" cy="1497890"/>
-            </a:xfrm>
-            <a:prstGeom prst="homePlate">
-              <a:avLst/>
-            </a:prstGeom>
-            <a:solidFill>
-              <a:schemeClr val="bg1">
-                <a:lumMod val="65000"/>
-              </a:schemeClr>
-            </a:solidFill>
-            <a:ln>
-              <a:noFill/>
-            </a:ln>
-          </p:spPr>
-          <p:style>
-            <a:lnRef idx="2">
-              <a:schemeClr val="accent1">
-                <a:shade val="50000"/>
-              </a:schemeClr>
-            </a:lnRef>
-            <a:fillRef idx="1">
-              <a:schemeClr val="accent1"/>
-            </a:fillRef>
-            <a:effectRef idx="0">
-              <a:schemeClr val="accent1"/>
-            </a:effectRef>
-            <a:fontRef idx="minor">
-              <a:schemeClr val="lt1"/>
-            </a:fontRef>
-          </p:style>
-          <p:txBody>
-            <a:bodyPr rtlCol="0" anchor="ctr"/>
-            <a:lstStyle/>
-            <a:p>
-              <a:r>
-                <a:rPr lang="en-US" sz="4600" b="1" dirty="0">
-                  <a:solidFill>
-                    <a:schemeClr val="bg1"/>
-                  </a:solidFill>
-                  <a:latin typeface="Oxygen" panose="02000503000000000000" pitchFamily="2" charset="0"/>
-                </a:rPr>
-                <a:t>Previous Solutions</a:t>
-              </a:r>
-            </a:p>
-          </p:txBody>
-        </p:sp>
-      </p:grpSp>
-      <p:grpSp>
-        <p:nvGrpSpPr>
-          <p:cNvPr id="89" name="Group 88"/>
-          <p:cNvGrpSpPr/>
-          <p:nvPr/>
-        </p:nvGrpSpPr>
-        <p:grpSpPr>
-          <a:xfrm>
-            <a:off x="22195266" y="12874644"/>
-            <a:ext cx="6537859" cy="1114227"/>
-            <a:chOff x="18044874" y="4181981"/>
-            <a:chExt cx="6537859" cy="1497890"/>
-          </a:xfrm>
-        </p:grpSpPr>
-        <p:sp>
-          <p:nvSpPr>
-            <p:cNvPr id="90" name="Arrow: Pentagon 89"/>
-            <p:cNvSpPr/>
-            <p:nvPr/>
-          </p:nvSpPr>
-          <p:spPr>
-            <a:xfrm rot="10800000">
-              <a:off x="18044874" y="4181981"/>
-              <a:ext cx="5892075" cy="1497890"/>
-            </a:xfrm>
-            <a:prstGeom prst="homePlate">
-              <a:avLst/>
-            </a:prstGeom>
-            <a:solidFill>
-              <a:schemeClr val="bg1">
-                <a:lumMod val="65000"/>
-              </a:schemeClr>
-            </a:solidFill>
-            <a:ln>
-              <a:noFill/>
-            </a:ln>
-          </p:spPr>
-          <p:style>
-            <a:lnRef idx="2">
-              <a:schemeClr val="accent1">
-                <a:shade val="50000"/>
-              </a:schemeClr>
-            </a:lnRef>
-            <a:fillRef idx="1">
-              <a:schemeClr val="accent1"/>
-            </a:fillRef>
-            <a:effectRef idx="0">
-              <a:schemeClr val="accent1"/>
-            </a:effectRef>
-            <a:fontRef idx="minor">
-              <a:schemeClr val="lt1"/>
-            </a:fontRef>
-          </p:style>
-          <p:txBody>
-            <a:bodyPr rtlCol="0" anchor="ctr"/>
-            <a:lstStyle/>
-            <a:p>
-              <a:pPr algn="ctr"/>
-              <a:endParaRPr lang="en-US" sz="3000" dirty="0">
-                <a:latin typeface="Oxygen" panose="02000503000000000000" pitchFamily="2" charset="0"/>
-              </a:endParaRPr>
-            </a:p>
-          </p:txBody>
-        </p:sp>
-        <p:sp>
-          <p:nvSpPr>
-            <p:cNvPr id="91" name="Arrow: Pentagon 90"/>
-            <p:cNvSpPr/>
-            <p:nvPr/>
-          </p:nvSpPr>
-          <p:spPr>
-            <a:xfrm>
-              <a:off x="18690658" y="4181981"/>
-              <a:ext cx="5892075" cy="1497890"/>
-            </a:xfrm>
-            <a:prstGeom prst="homePlate">
-              <a:avLst/>
-            </a:prstGeom>
-            <a:solidFill>
-              <a:schemeClr val="bg1">
-                <a:lumMod val="65000"/>
-              </a:schemeClr>
-            </a:solidFill>
-            <a:ln>
-              <a:noFill/>
-            </a:ln>
-          </p:spPr>
-          <p:style>
-            <a:lnRef idx="2">
-              <a:schemeClr val="accent1">
-                <a:shade val="50000"/>
-              </a:schemeClr>
-            </a:lnRef>
-            <a:fillRef idx="1">
-              <a:schemeClr val="accent1"/>
-            </a:fillRef>
-            <a:effectRef idx="0">
-              <a:schemeClr val="accent1"/>
-            </a:effectRef>
-            <a:fontRef idx="minor">
-              <a:schemeClr val="lt1"/>
-            </a:fontRef>
-          </p:style>
-          <p:txBody>
-            <a:bodyPr rtlCol="0" anchor="ctr"/>
-            <a:lstStyle/>
-            <a:p>
-              <a:r>
-                <a:rPr lang="en-US" sz="4600" b="1" dirty="0">
-                  <a:solidFill>
-                    <a:schemeClr val="bg1"/>
-                  </a:solidFill>
-                  <a:latin typeface="Oxygen" panose="02000503000000000000" pitchFamily="2" charset="0"/>
-                </a:rPr>
-                <a:t>Trinity’s Approach</a:t>
-              </a:r>
-            </a:p>
-          </p:txBody>
-        </p:sp>
-      </p:grpSp>
-      <p:sp>
-        <p:nvSpPr>
-          <p:cNvPr id="10" name="TextBox 9"/>
-          <p:cNvSpPr txBox="1"/>
-          <p:nvPr/>
-        </p:nvSpPr>
-        <p:spPr>
-          <a:xfrm>
-            <a:off x="5529576" y="5855135"/>
-            <a:ext cx="12478917" cy="1938992"/>
-          </a:xfrm>
-          <a:prstGeom prst="rect">
-            <a:avLst/>
-          </a:prstGeom>
-          <a:noFill/>
-        </p:spPr>
-        <p:txBody>
-          <a:bodyPr wrap="square" rtlCol="0">
-            <a:spAutoFit/>
-          </a:bodyPr>
-          <a:lstStyle/>
-          <a:p>
-            <a:pPr algn="ctr"/>
-            <a:r>
-              <a:rPr lang="en-US" sz="4000" b="1" i="1" dirty="0">
-                <a:solidFill>
-                  <a:schemeClr val="tx2">
-                    <a:lumMod val="75000"/>
-                  </a:schemeClr>
-                </a:solidFill>
-                <a:latin typeface="Oxygen" panose="02000503000000000000" pitchFamily="2" charset="0"/>
-              </a:rPr>
-              <a:t>the “fundamental organization of a system embodied in its components, their relations to each other, and the environment”</a:t>
-            </a:r>
-            <a:endParaRPr lang="en-US" sz="4000" b="1" i="1" dirty="0">
-              <a:solidFill>
-                <a:schemeClr val="tx2">
-                  <a:lumMod val="75000"/>
-                </a:schemeClr>
-              </a:solidFill>
-              <a:latin typeface="Oxygen" panose="02000503000000000000" pitchFamily="2" charset="0"/>
-            </a:endParaRPr>
-          </a:p>
-        </p:txBody>
-      </p:sp>
-      <p:grpSp>
-        <p:nvGrpSpPr>
-          <p:cNvPr id="107" name="Group 106"/>
-          <p:cNvGrpSpPr/>
-          <p:nvPr/>
-        </p:nvGrpSpPr>
-        <p:grpSpPr>
-          <a:xfrm>
-            <a:off x="816151" y="7950823"/>
-            <a:ext cx="10134047" cy="12083151"/>
-            <a:chOff x="719899" y="8095201"/>
-            <a:chExt cx="10134047" cy="12083151"/>
-          </a:xfrm>
-        </p:grpSpPr>
-        <p:sp>
-          <p:nvSpPr>
-            <p:cNvPr id="26" name="TextBox 25"/>
-            <p:cNvSpPr txBox="1"/>
-            <p:nvPr/>
-          </p:nvSpPr>
-          <p:spPr>
-            <a:xfrm>
-              <a:off x="1335769" y="8095201"/>
-              <a:ext cx="7161800" cy="861774"/>
-            </a:xfrm>
-            <a:prstGeom prst="rect">
-              <a:avLst/>
-            </a:prstGeom>
-            <a:noFill/>
-          </p:spPr>
-          <p:txBody>
-            <a:bodyPr wrap="square" rtlCol="0">
-              <a:spAutoFit/>
-            </a:bodyPr>
-            <a:lstStyle/>
-            <a:p>
-              <a:r>
-                <a:rPr lang="en-US" b="1" dirty="0">
-                  <a:latin typeface="Oxygen" panose="02000503000000000000" pitchFamily="2" charset="0"/>
-                </a:rPr>
-                <a:t>	</a:t>
-              </a:r>
-              <a:r>
-                <a:rPr lang="en-US" sz="5000" b="1" dirty="0">
-                  <a:latin typeface="Oxygen" panose="02000503000000000000" pitchFamily="2" charset="0"/>
-                </a:rPr>
-                <a:t>Architecture Views</a:t>
-              </a:r>
-              <a:endParaRPr lang="en-US" b="1" dirty="0">
-                <a:latin typeface="Oxygen" panose="02000503000000000000" pitchFamily="2" charset="0"/>
-              </a:endParaRPr>
-            </a:p>
-          </p:txBody>
-        </p:sp>
         <p:grpSp>
           <p:nvGrpSpPr>
-            <p:cNvPr id="106" name="Group 105"/>
+            <p:cNvPr id="89" name="Group 88"/>
             <p:cNvGrpSpPr/>
             <p:nvPr/>
           </p:nvGrpSpPr>
           <p:grpSpPr>
             <a:xfrm>
-              <a:off x="719899" y="8956974"/>
-              <a:ext cx="10134047" cy="11221378"/>
-              <a:chOff x="719899" y="8956974"/>
-              <a:chExt cx="10134047" cy="11221378"/>
+              <a:off x="22195266" y="12874644"/>
+              <a:ext cx="6537859" cy="1114227"/>
+              <a:chOff x="18044874" y="4181981"/>
+              <a:chExt cx="6537859" cy="1497890"/>
             </a:xfrm>
           </p:grpSpPr>
           <p:sp>
             <p:nvSpPr>
-              <p:cNvPr id="27" name="Flowchart: Connector 26"/>
+              <p:cNvPr id="90" name="Arrow: Pentagon 89"/>
               <p:cNvSpPr/>
               <p:nvPr/>
             </p:nvSpPr>
             <p:spPr>
-              <a:xfrm>
-                <a:off x="6574084" y="10744274"/>
-                <a:ext cx="1331788" cy="1292052"/>
+              <a:xfrm rot="10800000">
+                <a:off x="18044874" y="4181981"/>
+                <a:ext cx="5892075" cy="1497890"/>
               </a:xfrm>
-              <a:prstGeom prst="flowChartConnector">
+              <a:prstGeom prst="homePlate">
                 <a:avLst/>
               </a:prstGeom>
               <a:solidFill>
-                <a:schemeClr val="tx2">
-                  <a:lumMod val="50000"/>
-                  <a:alpha val="65000"/>
+                <a:schemeClr val="bg1">
+                  <a:lumMod val="65000"/>
                 </a:schemeClr>
               </a:solidFill>
               <a:ln>
@@ -5899,75 +5580,460 @@
               <a:lstStyle/>
               <a:p>
                 <a:pPr algn="ctr"/>
+                <a:endParaRPr lang="en-US" sz="3000" dirty="0">
+                  <a:latin typeface="Oxygen" panose="02000503000000000000" pitchFamily="2" charset="0"/>
+                </a:endParaRPr>
+              </a:p>
+            </p:txBody>
+          </p:sp>
+          <p:sp>
+            <p:nvSpPr>
+              <p:cNvPr id="91" name="Arrow: Pentagon 90"/>
+              <p:cNvSpPr/>
+              <p:nvPr/>
+            </p:nvSpPr>
+            <p:spPr>
+              <a:xfrm>
+                <a:off x="18690658" y="4181981"/>
+                <a:ext cx="5892075" cy="1497890"/>
+              </a:xfrm>
+              <a:prstGeom prst="homePlate">
+                <a:avLst/>
+              </a:prstGeom>
+              <a:solidFill>
+                <a:schemeClr val="bg1">
+                  <a:lumMod val="65000"/>
+                </a:schemeClr>
+              </a:solidFill>
+              <a:ln>
+                <a:noFill/>
+              </a:ln>
+            </p:spPr>
+            <p:style>
+              <a:lnRef idx="2">
+                <a:schemeClr val="accent1">
+                  <a:shade val="50000"/>
+                </a:schemeClr>
+              </a:lnRef>
+              <a:fillRef idx="1">
+                <a:schemeClr val="accent1"/>
+              </a:fillRef>
+              <a:effectRef idx="0">
+                <a:schemeClr val="accent1"/>
+              </a:effectRef>
+              <a:fontRef idx="minor">
+                <a:schemeClr val="lt1"/>
+              </a:fontRef>
+            </p:style>
+            <p:txBody>
+              <a:bodyPr rtlCol="0" anchor="ctr"/>
+              <a:lstStyle/>
+              <a:p>
                 <a:r>
-                  <a:rPr lang="en-US" sz="3000" b="1" dirty="0">
-                    <a:latin typeface="Consolas" panose="020B0609020204030204" pitchFamily="49" charset="0"/>
+                  <a:rPr lang="en-US" sz="4600" b="1" dirty="0">
+                    <a:solidFill>
+                      <a:schemeClr val="bg1"/>
+                    </a:solidFill>
+                    <a:latin typeface="Oxygen" panose="02000503000000000000" pitchFamily="2" charset="0"/>
                   </a:rPr>
-                  <a:t>&lt;/&gt;</a:t>
+                  <a:t>Trinity’s Approach</a:t>
                 </a:r>
+              </a:p>
+            </p:txBody>
+          </p:sp>
+        </p:grpSp>
+        <p:sp>
+          <p:nvSpPr>
+            <p:cNvPr id="10" name="TextBox 9"/>
+            <p:cNvSpPr txBox="1"/>
+            <p:nvPr/>
+          </p:nvSpPr>
+          <p:spPr>
+            <a:xfrm>
+              <a:off x="5529576" y="5855135"/>
+              <a:ext cx="12478917" cy="1938992"/>
+            </a:xfrm>
+            <a:prstGeom prst="rect">
+              <a:avLst/>
+            </a:prstGeom>
+            <a:noFill/>
+          </p:spPr>
+          <p:txBody>
+            <a:bodyPr wrap="square" rtlCol="0">
+              <a:spAutoFit/>
+            </a:bodyPr>
+            <a:lstStyle/>
+            <a:p>
+              <a:pPr algn="ctr"/>
+              <a:r>
+                <a:rPr lang="en-US" sz="4000" b="1" i="1" dirty="0">
+                  <a:solidFill>
+                    <a:schemeClr val="tx2">
+                      <a:lumMod val="75000"/>
+                    </a:schemeClr>
+                  </a:solidFill>
+                  <a:latin typeface="Oxygen" panose="02000503000000000000" pitchFamily="2" charset="0"/>
+                </a:rPr>
+                <a:t>the “fundamental organization of a system embodied in its components, their relations to each other, and the environment”</a:t>
+              </a:r>
+              <a:endParaRPr lang="en-US" sz="4000" b="1" i="1" dirty="0">
+                <a:solidFill>
+                  <a:schemeClr val="tx2">
+                    <a:lumMod val="75000"/>
+                  </a:schemeClr>
+                </a:solidFill>
+                <a:latin typeface="Oxygen" panose="02000503000000000000" pitchFamily="2" charset="0"/>
+              </a:endParaRPr>
+            </a:p>
+          </p:txBody>
+        </p:sp>
+        <p:grpSp>
+          <p:nvGrpSpPr>
+            <p:cNvPr id="107" name="Group 106"/>
+            <p:cNvGrpSpPr/>
+            <p:nvPr/>
+          </p:nvGrpSpPr>
+          <p:grpSpPr>
+            <a:xfrm>
+              <a:off x="816151" y="7950823"/>
+              <a:ext cx="10134047" cy="12083151"/>
+              <a:chOff x="719899" y="8095201"/>
+              <a:chExt cx="10134047" cy="12083151"/>
+            </a:xfrm>
+          </p:grpSpPr>
+          <p:sp>
+            <p:nvSpPr>
+              <p:cNvPr id="26" name="TextBox 25"/>
+              <p:cNvSpPr txBox="1"/>
+              <p:nvPr/>
+            </p:nvSpPr>
+            <p:spPr>
+              <a:xfrm>
+                <a:off x="1335769" y="8095201"/>
+                <a:ext cx="7161800" cy="861774"/>
+              </a:xfrm>
+              <a:prstGeom prst="rect">
+                <a:avLst/>
+              </a:prstGeom>
+              <a:noFill/>
+            </p:spPr>
+            <p:txBody>
+              <a:bodyPr wrap="square" rtlCol="0">
+                <a:spAutoFit/>
+              </a:bodyPr>
+              <a:lstStyle/>
+              <a:p>
+                <a:r>
+                  <a:rPr lang="en-US" b="1" dirty="0">
+                    <a:latin typeface="Oxygen" panose="02000503000000000000" pitchFamily="2" charset="0"/>
+                  </a:rPr>
+                  <a:t>	</a:t>
+                </a:r>
+                <a:r>
+                  <a:rPr lang="en-US" sz="5000" b="1" dirty="0">
+                    <a:latin typeface="Oxygen" panose="02000503000000000000" pitchFamily="2" charset="0"/>
+                  </a:rPr>
+                  <a:t>Architecture Views</a:t>
+                </a:r>
+                <a:endParaRPr lang="en-US" b="1" dirty="0">
+                  <a:latin typeface="Oxygen" panose="02000503000000000000" pitchFamily="2" charset="0"/>
+                </a:endParaRPr>
               </a:p>
             </p:txBody>
           </p:sp>
           <p:grpSp>
             <p:nvGrpSpPr>
-              <p:cNvPr id="67" name="Group 66"/>
+              <p:cNvPr id="106" name="Group 105"/>
               <p:cNvGrpSpPr/>
               <p:nvPr/>
             </p:nvGrpSpPr>
             <p:grpSpPr>
               <a:xfrm>
-                <a:off x="6177208" y="14491424"/>
-                <a:ext cx="1675278" cy="1015501"/>
-                <a:chOff x="2198626" y="12960987"/>
-                <a:chExt cx="1066830" cy="730242"/>
+                <a:off x="719899" y="8956974"/>
+                <a:ext cx="10134047" cy="11221378"/>
+                <a:chOff x="719899" y="8956974"/>
+                <a:chExt cx="10134047" cy="11221378"/>
               </a:xfrm>
             </p:grpSpPr>
+            <p:sp>
+              <p:nvSpPr>
+                <p:cNvPr id="27" name="Flowchart: Connector 26"/>
+                <p:cNvSpPr/>
+                <p:nvPr/>
+              </p:nvSpPr>
+              <p:spPr>
+                <a:xfrm>
+                  <a:off x="6574084" y="10744274"/>
+                  <a:ext cx="1331788" cy="1292052"/>
+                </a:xfrm>
+                <a:prstGeom prst="flowChartConnector">
+                  <a:avLst/>
+                </a:prstGeom>
+                <a:solidFill>
+                  <a:schemeClr val="tx2">
+                    <a:lumMod val="50000"/>
+                    <a:alpha val="65000"/>
+                  </a:schemeClr>
+                </a:solidFill>
+                <a:ln>
+                  <a:noFill/>
+                </a:ln>
+              </p:spPr>
+              <p:style>
+                <a:lnRef idx="2">
+                  <a:schemeClr val="accent1">
+                    <a:shade val="50000"/>
+                  </a:schemeClr>
+                </a:lnRef>
+                <a:fillRef idx="1">
+                  <a:schemeClr val="accent1"/>
+                </a:fillRef>
+                <a:effectRef idx="0">
+                  <a:schemeClr val="accent1"/>
+                </a:effectRef>
+                <a:fontRef idx="minor">
+                  <a:schemeClr val="lt1"/>
+                </a:fontRef>
+              </p:style>
+              <p:txBody>
+                <a:bodyPr rtlCol="0" anchor="ctr"/>
+                <a:lstStyle/>
+                <a:p>
+                  <a:pPr algn="ctr"/>
+                  <a:r>
+                    <a:rPr lang="en-US" sz="3000" b="1" dirty="0">
+                      <a:latin typeface="Oxygen" panose="02000503000000000000" pitchFamily="2" charset="0"/>
+                    </a:rPr>
+                    <a:t>&lt;/&gt;</a:t>
+                  </a:r>
+                </a:p>
+              </p:txBody>
+            </p:sp>
             <p:grpSp>
               <p:nvGrpSpPr>
-                <p:cNvPr id="35" name="Group 34"/>
+                <p:cNvPr id="67" name="Group 66"/>
                 <p:cNvGrpSpPr/>
                 <p:nvPr/>
               </p:nvGrpSpPr>
               <p:grpSpPr>
                 <a:xfrm>
-                  <a:off x="2198626" y="12960987"/>
-                  <a:ext cx="1066830" cy="730242"/>
-                  <a:chOff x="2198626" y="12975169"/>
+                  <a:off x="6177208" y="14491424"/>
+                  <a:ext cx="1675278" cy="1015501"/>
+                  <a:chOff x="2198626" y="12960987"/>
                   <a:chExt cx="1066830" cy="730242"/>
                 </a:xfrm>
               </p:grpSpPr>
               <p:grpSp>
                 <p:nvGrpSpPr>
-                  <p:cNvPr id="32" name="Group 31"/>
+                  <p:cNvPr id="35" name="Group 34"/>
                   <p:cNvGrpSpPr/>
                   <p:nvPr/>
                 </p:nvGrpSpPr>
                 <p:grpSpPr>
                   <a:xfrm>
-                    <a:off x="2198626" y="12975169"/>
-                    <a:ext cx="1066830" cy="259548"/>
-                    <a:chOff x="2308931" y="13038149"/>
-                    <a:chExt cx="1658748" cy="269593"/>
+                    <a:off x="2198626" y="12960987"/>
+                    <a:ext cx="1066830" cy="730242"/>
+                    <a:chOff x="2198626" y="12975169"/>
+                    <a:chExt cx="1066830" cy="730242"/>
                   </a:xfrm>
                 </p:grpSpPr>
+                <p:grpSp>
+                  <p:nvGrpSpPr>
+                    <p:cNvPr id="32" name="Group 31"/>
+                    <p:cNvGrpSpPr/>
+                    <p:nvPr/>
+                  </p:nvGrpSpPr>
+                  <p:grpSpPr>
+                    <a:xfrm>
+                      <a:off x="2198626" y="12975169"/>
+                      <a:ext cx="1066830" cy="259548"/>
+                      <a:chOff x="2308931" y="13038149"/>
+                      <a:chExt cx="1658748" cy="269593"/>
+                    </a:xfrm>
+                  </p:grpSpPr>
+                  <p:sp>
+                    <p:nvSpPr>
+                      <p:cNvPr id="31" name="Rectangle 30"/>
+                      <p:cNvSpPr/>
+                      <p:nvPr/>
+                    </p:nvSpPr>
+                    <p:spPr>
+                      <a:xfrm>
+                        <a:off x="2308931" y="13038921"/>
+                        <a:ext cx="392960" cy="268821"/>
+                      </a:xfrm>
+                      <a:prstGeom prst="rect">
+                        <a:avLst/>
+                      </a:prstGeom>
+                      <a:solidFill>
+                        <a:schemeClr val="tx2">
+                          <a:lumMod val="50000"/>
+                          <a:alpha val="60000"/>
+                        </a:schemeClr>
+                      </a:solidFill>
+                      <a:ln>
+                        <a:solidFill>
+                          <a:schemeClr val="accent1">
+                            <a:shade val="50000"/>
+                          </a:schemeClr>
+                        </a:solidFill>
+                      </a:ln>
+                    </p:spPr>
+                    <p:style>
+                      <a:lnRef idx="2">
+                        <a:schemeClr val="accent1">
+                          <a:shade val="50000"/>
+                        </a:schemeClr>
+                      </a:lnRef>
+                      <a:fillRef idx="1">
+                        <a:schemeClr val="accent1"/>
+                      </a:fillRef>
+                      <a:effectRef idx="0">
+                        <a:schemeClr val="accent1"/>
+                      </a:effectRef>
+                      <a:fontRef idx="minor">
+                        <a:schemeClr val="lt1"/>
+                      </a:fontRef>
+                    </p:style>
+                    <p:txBody>
+                      <a:bodyPr rtlCol="0" anchor="ctr"/>
+                      <a:lstStyle/>
+                      <a:p>
+                        <a:pPr algn="ctr"/>
+                        <a:endParaRPr lang="en-US">
+                          <a:latin typeface="Oxygen" panose="02000503000000000000" pitchFamily="2" charset="0"/>
+                        </a:endParaRPr>
+                      </a:p>
+                    </p:txBody>
+                  </p:sp>
+                  <p:sp>
+                    <p:nvSpPr>
+                      <p:cNvPr id="71" name="Rectangle 70"/>
+                      <p:cNvSpPr/>
+                      <p:nvPr/>
+                    </p:nvSpPr>
+                    <p:spPr>
+                      <a:xfrm>
+                        <a:off x="2939471" y="13038149"/>
+                        <a:ext cx="392961" cy="269452"/>
+                      </a:xfrm>
+                      <a:prstGeom prst="rect">
+                        <a:avLst/>
+                      </a:prstGeom>
+                      <a:solidFill>
+                        <a:schemeClr val="tx2">
+                          <a:lumMod val="50000"/>
+                          <a:alpha val="60000"/>
+                        </a:schemeClr>
+                      </a:solidFill>
+                      <a:ln>
+                        <a:solidFill>
+                          <a:schemeClr val="accent1">
+                            <a:shade val="50000"/>
+                          </a:schemeClr>
+                        </a:solidFill>
+                      </a:ln>
+                    </p:spPr>
+                    <p:style>
+                      <a:lnRef idx="2">
+                        <a:schemeClr val="accent1">
+                          <a:shade val="50000"/>
+                        </a:schemeClr>
+                      </a:lnRef>
+                      <a:fillRef idx="1">
+                        <a:schemeClr val="accent1"/>
+                      </a:fillRef>
+                      <a:effectRef idx="0">
+                        <a:schemeClr val="accent1"/>
+                      </a:effectRef>
+                      <a:fontRef idx="minor">
+                        <a:schemeClr val="lt1"/>
+                      </a:fontRef>
+                    </p:style>
+                    <p:txBody>
+                      <a:bodyPr rtlCol="0" anchor="ctr"/>
+                      <a:lstStyle/>
+                      <a:p>
+                        <a:pPr algn="ctr"/>
+                        <a:endParaRPr lang="en-US">
+                          <a:latin typeface="Oxygen" panose="02000503000000000000" pitchFamily="2" charset="0"/>
+                        </a:endParaRPr>
+                      </a:p>
+                    </p:txBody>
+                  </p:sp>
+                  <p:sp>
+                    <p:nvSpPr>
+                      <p:cNvPr id="72" name="Rectangle 71"/>
+                      <p:cNvSpPr/>
+                      <p:nvPr/>
+                    </p:nvSpPr>
+                    <p:spPr>
+                      <a:xfrm>
+                        <a:off x="3574719" y="13038227"/>
+                        <a:ext cx="392960" cy="269456"/>
+                      </a:xfrm>
+                      <a:prstGeom prst="rect">
+                        <a:avLst/>
+                      </a:prstGeom>
+                      <a:solidFill>
+                        <a:schemeClr val="tx2">
+                          <a:lumMod val="50000"/>
+                          <a:alpha val="60000"/>
+                        </a:schemeClr>
+                      </a:solidFill>
+                      <a:ln>
+                        <a:solidFill>
+                          <a:schemeClr val="accent1">
+                            <a:shade val="50000"/>
+                          </a:schemeClr>
+                        </a:solidFill>
+                      </a:ln>
+                    </p:spPr>
+                    <p:style>
+                      <a:lnRef idx="2">
+                        <a:schemeClr val="accent1">
+                          <a:shade val="50000"/>
+                        </a:schemeClr>
+                      </a:lnRef>
+                      <a:fillRef idx="1">
+                        <a:schemeClr val="accent1"/>
+                      </a:fillRef>
+                      <a:effectRef idx="0">
+                        <a:schemeClr val="accent1"/>
+                      </a:effectRef>
+                      <a:fontRef idx="minor">
+                        <a:schemeClr val="lt1"/>
+                      </a:fontRef>
+                    </p:style>
+                    <p:txBody>
+                      <a:bodyPr rtlCol="0" anchor="ctr"/>
+                      <a:lstStyle/>
+                      <a:p>
+                        <a:pPr algn="ctr"/>
+                        <a:endParaRPr lang="en-US">
+                          <a:latin typeface="Oxygen" panose="02000503000000000000" pitchFamily="2" charset="0"/>
+                        </a:endParaRPr>
+                      </a:p>
+                    </p:txBody>
+                  </p:sp>
+                </p:grpSp>
                 <p:sp>
                   <p:nvSpPr>
-                    <p:cNvPr id="31" name="Rectangle 30"/>
+                    <p:cNvPr id="34" name="Flowchart: Magnetic Disk 33"/>
                     <p:cNvSpPr/>
                     <p:nvPr/>
                   </p:nvSpPr>
                   <p:spPr>
                     <a:xfrm>
-                      <a:off x="2308931" y="13038921"/>
-                      <a:ext cx="392960" cy="268821"/>
+                      <a:off x="2543372" y="13464221"/>
+                      <a:ext cx="374310" cy="241190"/>
                     </a:xfrm>
-                    <a:prstGeom prst="rect">
+                    <a:prstGeom prst="flowChartMagneticDisk">
                       <a:avLst/>
                     </a:prstGeom>
                     <a:solidFill>
-                      <a:schemeClr val="tx2">
-                        <a:lumMod val="50000"/>
-                        <a:alpha val="60000"/>
+                      <a:schemeClr val="accent1">
+                        <a:alpha val="52000"/>
                       </a:schemeClr>
                     </a:solidFill>
                     <a:ln>
@@ -5999,186 +6065,1448 @@
                     <a:lstStyle/>
                     <a:p>
                       <a:pPr algn="ctr"/>
-                      <a:endParaRPr lang="en-US"/>
+                      <a:endParaRPr lang="en-US">
+                        <a:latin typeface="Oxygen" panose="02000503000000000000" pitchFamily="2" charset="0"/>
+                      </a:endParaRPr>
                     </a:p>
                   </p:txBody>
                 </p:sp>
-                <p:sp>
-                  <p:nvSpPr>
-                    <p:cNvPr id="71" name="Rectangle 70"/>
-                    <p:cNvSpPr/>
+              </p:grpSp>
+              <p:cxnSp>
+                <p:nvCxnSpPr>
+                  <p:cNvPr id="37" name="Straight Arrow Connector 36"/>
+                  <p:cNvCxnSpPr/>
+                  <p:nvPr/>
+                </p:nvCxnSpPr>
+                <p:spPr>
+                  <a:xfrm flipH="1">
+                    <a:off x="2730427" y="13220557"/>
+                    <a:ext cx="101" cy="208981"/>
+                  </a:xfrm>
+                  <a:prstGeom prst="straightConnector1">
+                    <a:avLst/>
+                  </a:prstGeom>
+                  <a:ln>
+                    <a:tailEnd type="arrow" w="med" len="sm"/>
+                  </a:ln>
+                </p:spPr>
+                <p:style>
+                  <a:lnRef idx="1">
+                    <a:schemeClr val="accent1"/>
+                  </a:lnRef>
+                  <a:fillRef idx="0">
+                    <a:schemeClr val="accent1"/>
+                  </a:fillRef>
+                  <a:effectRef idx="0">
+                    <a:schemeClr val="accent1"/>
+                  </a:effectRef>
+                  <a:fontRef idx="minor">
+                    <a:schemeClr val="tx1"/>
+                  </a:fontRef>
+                </p:style>
+              </p:cxnSp>
+              <p:cxnSp>
+                <p:nvCxnSpPr>
+                  <p:cNvPr id="47" name="Straight Arrow Connector 46"/>
+                  <p:cNvCxnSpPr/>
+                  <p:nvPr/>
+                </p:nvCxnSpPr>
+                <p:spPr>
+                  <a:xfrm flipH="1">
+                    <a:off x="2929537" y="13220564"/>
+                    <a:ext cx="209550" cy="208975"/>
+                  </a:xfrm>
+                  <a:prstGeom prst="straightConnector1">
+                    <a:avLst/>
+                  </a:prstGeom>
+                  <a:ln>
+                    <a:tailEnd type="arrow"/>
+                  </a:ln>
+                </p:spPr>
+                <p:style>
+                  <a:lnRef idx="1">
+                    <a:schemeClr val="accent1"/>
+                  </a:lnRef>
+                  <a:fillRef idx="0">
+                    <a:schemeClr val="accent1"/>
+                  </a:fillRef>
+                  <a:effectRef idx="0">
+                    <a:schemeClr val="accent1"/>
+                  </a:effectRef>
+                  <a:fontRef idx="minor">
+                    <a:schemeClr val="tx1"/>
+                  </a:fontRef>
+                </p:style>
+              </p:cxnSp>
+              <p:cxnSp>
+                <p:nvCxnSpPr>
+                  <p:cNvPr id="59" name="Straight Arrow Connector 58"/>
+                  <p:cNvCxnSpPr/>
+                  <p:nvPr/>
+                </p:nvCxnSpPr>
+                <p:spPr>
+                  <a:xfrm>
+                    <a:off x="2324993" y="13220564"/>
+                    <a:ext cx="218380" cy="208975"/>
+                  </a:xfrm>
+                  <a:prstGeom prst="straightConnector1">
+                    <a:avLst/>
+                  </a:prstGeom>
+                  <a:ln>
+                    <a:tailEnd type="arrow"/>
+                  </a:ln>
+                </p:spPr>
+                <p:style>
+                  <a:lnRef idx="1">
+                    <a:schemeClr val="accent1"/>
+                  </a:lnRef>
+                  <a:fillRef idx="0">
+                    <a:schemeClr val="accent1"/>
+                  </a:fillRef>
+                  <a:effectRef idx="0">
+                    <a:schemeClr val="accent1"/>
+                  </a:effectRef>
+                  <a:fontRef idx="minor">
+                    <a:schemeClr val="tx1"/>
+                  </a:fontRef>
+                </p:style>
+              </p:cxnSp>
+            </p:grpSp>
+            <p:pic>
+              <p:nvPicPr>
+                <p:cNvPr id="100" name="Picture 99"/>
+                <p:cNvPicPr>
+                  <a:picLocks noChangeAspect="1"/>
+                </p:cNvPicPr>
+                <p:nvPr/>
+              </p:nvPicPr>
+              <p:blipFill>
+                <a:blip r:embed="rId3">
+                  <a:extLst>
+                    <a:ext uri="{BEBA8EAE-BF5A-486C-A8C5-ECC9F3942E4B}">
+                      <a14:imgProps xmlns:a14="http://schemas.microsoft.com/office/drawing/2010/main">
+                        <a14:imgLayer r:embed="rId4">
+                          <a14:imgEffect>
+                            <a14:saturation sat="0"/>
+                          </a14:imgEffect>
+                          <a14:imgEffect>
+                            <a14:brightnessContrast bright="70000" contrast="-100000"/>
+                          </a14:imgEffect>
+                        </a14:imgLayer>
+                      </a14:imgProps>
+                    </a:ext>
+                  </a:extLst>
+                </a:blip>
+                <a:stretch>
+                  <a:fillRect/>
+                </a:stretch>
+              </p:blipFill>
+              <p:spPr>
+                <a:xfrm>
+                  <a:off x="6525108" y="18426490"/>
+                  <a:ext cx="1348827" cy="1348827"/>
+                </a:xfrm>
+                <a:prstGeom prst="rect">
+                  <a:avLst/>
+                </a:prstGeom>
+              </p:spPr>
+            </p:pic>
+            <p:grpSp>
+              <p:nvGrpSpPr>
+                <p:cNvPr id="105" name="Group 104"/>
+                <p:cNvGrpSpPr/>
+                <p:nvPr/>
+              </p:nvGrpSpPr>
+              <p:grpSpPr>
+                <a:xfrm>
+                  <a:off x="719899" y="8956974"/>
+                  <a:ext cx="10134047" cy="11221378"/>
+                  <a:chOff x="719899" y="8956974"/>
+                  <a:chExt cx="10134047" cy="11221378"/>
+                </a:xfrm>
+              </p:grpSpPr>
+              <p:grpSp>
+                <p:nvGrpSpPr>
+                  <p:cNvPr id="41" name="Group 40"/>
+                  <p:cNvGrpSpPr/>
+                  <p:nvPr/>
+                </p:nvGrpSpPr>
+                <p:grpSpPr>
+                  <a:xfrm>
+                    <a:off x="719899" y="8956974"/>
+                    <a:ext cx="10134047" cy="10881629"/>
+                    <a:chOff x="1631310" y="5906435"/>
+                    <a:chExt cx="8957782" cy="13240385"/>
+                  </a:xfrm>
+                </p:grpSpPr>
+                <p:grpSp>
+                  <p:nvGrpSpPr>
+                    <p:cNvPr id="24" name="Group 23"/>
+                    <p:cNvGrpSpPr/>
                     <p:nvPr/>
-                  </p:nvSpPr>
+                  </p:nvGrpSpPr>
+                  <p:grpSpPr>
+                    <a:xfrm>
+                      <a:off x="1631310" y="5906435"/>
+                      <a:ext cx="7717024" cy="13240385"/>
+                      <a:chOff x="1520807" y="5729527"/>
+                      <a:chExt cx="7717024" cy="13240385"/>
+                    </a:xfrm>
+                  </p:grpSpPr>
+                  <p:grpSp>
+                    <p:nvGrpSpPr>
+                      <p:cNvPr id="23" name="Group 22"/>
+                      <p:cNvGrpSpPr/>
+                      <p:nvPr/>
+                    </p:nvGrpSpPr>
+                    <p:grpSpPr>
+                      <a:xfrm>
+                        <a:off x="1520807" y="5729527"/>
+                        <a:ext cx="7717024" cy="13240385"/>
+                        <a:chOff x="1520807" y="5729527"/>
+                        <a:chExt cx="7717024" cy="13240385"/>
+                      </a:xfrm>
+                    </p:grpSpPr>
+                    <p:grpSp>
+                      <p:nvGrpSpPr>
+                        <p:cNvPr id="18" name="Group 17"/>
+                        <p:cNvGrpSpPr/>
+                        <p:nvPr/>
+                      </p:nvGrpSpPr>
+                      <p:grpSpPr>
+                        <a:xfrm>
+                          <a:off x="2538536" y="5959861"/>
+                          <a:ext cx="6699295" cy="13010051"/>
+                          <a:chOff x="3325408" y="5804822"/>
+                          <a:chExt cx="6699295" cy="13010051"/>
+                        </a:xfrm>
+                      </p:grpSpPr>
+                      <p:grpSp>
+                        <p:nvGrpSpPr>
+                          <p:cNvPr id="17" name="Group 16"/>
+                          <p:cNvGrpSpPr/>
+                          <p:nvPr/>
+                        </p:nvGrpSpPr>
+                        <p:grpSpPr>
+                          <a:xfrm>
+                            <a:off x="3325408" y="5804822"/>
+                            <a:ext cx="6699295" cy="13010051"/>
+                            <a:chOff x="3325408" y="5804822"/>
+                            <a:chExt cx="6699295" cy="13010051"/>
+                          </a:xfrm>
+                        </p:grpSpPr>
+                        <p:grpSp>
+                          <p:nvGrpSpPr>
+                            <p:cNvPr id="5" name="Group 4"/>
+                            <p:cNvGrpSpPr/>
+                            <p:nvPr/>
+                          </p:nvGrpSpPr>
+                          <p:grpSpPr>
+                            <a:xfrm>
+                              <a:off x="3325408" y="5804822"/>
+                              <a:ext cx="5383840" cy="13010051"/>
+                              <a:chOff x="3325408" y="5804822"/>
+                              <a:chExt cx="5383840" cy="13010051"/>
+                            </a:xfrm>
+                          </p:grpSpPr>
+                          <p:sp>
+                            <p:nvSpPr>
+                              <p:cNvPr id="2" name="Rectangle 1"/>
+                              <p:cNvSpPr/>
+                              <p:nvPr/>
+                            </p:nvSpPr>
+                            <p:spPr>
+                              <a:xfrm>
+                                <a:off x="3325409" y="5804822"/>
+                                <a:ext cx="5383839" cy="3639460"/>
+                              </a:xfrm>
+                              <a:prstGeom prst="rect">
+                                <a:avLst/>
+                              </a:prstGeom>
+                              <a:noFill/>
+                              <a:ln cmpd="sng">
+                                <a:solidFill>
+                                  <a:schemeClr val="tx2">
+                                    <a:lumMod val="50000"/>
+                                  </a:schemeClr>
+                                </a:solidFill>
+                                <a:prstDash val="solid"/>
+                                <a:round/>
+                              </a:ln>
+                            </p:spPr>
+                            <p:style>
+                              <a:lnRef idx="2">
+                                <a:schemeClr val="accent1">
+                                  <a:shade val="50000"/>
+                                </a:schemeClr>
+                              </a:lnRef>
+                              <a:fillRef idx="1">
+                                <a:schemeClr val="accent1"/>
+                              </a:fillRef>
+                              <a:effectRef idx="0">
+                                <a:schemeClr val="accent1"/>
+                              </a:effectRef>
+                              <a:fontRef idx="minor">
+                                <a:schemeClr val="lt1"/>
+                              </a:fontRef>
+                            </p:style>
+                            <p:txBody>
+                              <a:bodyPr rtlCol="0" anchor="ctr"/>
+                              <a:lstStyle/>
+                              <a:p>
+                                <a:pPr algn="ctr"/>
+                                <a:endParaRPr lang="en-US" sz="3000" dirty="0">
+                                  <a:solidFill>
+                                    <a:schemeClr val="tx2">
+                                      <a:lumMod val="50000"/>
+                                    </a:schemeClr>
+                                  </a:solidFill>
+                                  <a:latin typeface="Oxygen" panose="02000503000000000000" pitchFamily="2" charset="0"/>
+                                </a:endParaRPr>
+                              </a:p>
+                            </p:txBody>
+                          </p:sp>
+                          <p:sp>
+                            <p:nvSpPr>
+                              <p:cNvPr id="12" name="Rectangle 11"/>
+                              <p:cNvSpPr/>
+                              <p:nvPr/>
+                            </p:nvSpPr>
+                            <p:spPr>
+                              <a:xfrm>
+                                <a:off x="3325408" y="10055353"/>
+                                <a:ext cx="5383839" cy="4265300"/>
+                              </a:xfrm>
+                              <a:prstGeom prst="rect">
+                                <a:avLst/>
+                              </a:prstGeom>
+                              <a:noFill/>
+                              <a:ln cmpd="sng">
+                                <a:solidFill>
+                                  <a:schemeClr val="tx2">
+                                    <a:lumMod val="50000"/>
+                                  </a:schemeClr>
+                                </a:solidFill>
+                                <a:prstDash val="solid"/>
+                                <a:round/>
+                              </a:ln>
+                            </p:spPr>
+                            <p:style>
+                              <a:lnRef idx="2">
+                                <a:schemeClr val="accent1">
+                                  <a:shade val="50000"/>
+                                </a:schemeClr>
+                              </a:lnRef>
+                              <a:fillRef idx="1">
+                                <a:schemeClr val="accent1"/>
+                              </a:fillRef>
+                              <a:effectRef idx="0">
+                                <a:schemeClr val="accent1"/>
+                              </a:effectRef>
+                              <a:fontRef idx="minor">
+                                <a:schemeClr val="lt1"/>
+                              </a:fontRef>
+                            </p:style>
+                            <p:txBody>
+                              <a:bodyPr rtlCol="0" anchor="ctr"/>
+                              <a:lstStyle/>
+                              <a:p>
+                                <a:pPr algn="ctr"/>
+                                <a:endParaRPr lang="en-US">
+                                  <a:latin typeface="Oxygen" panose="02000503000000000000" pitchFamily="2" charset="0"/>
+                                </a:endParaRPr>
+                              </a:p>
+                            </p:txBody>
+                          </p:sp>
+                          <p:sp>
+                            <p:nvSpPr>
+                              <p:cNvPr id="13" name="Rectangle 12"/>
+                              <p:cNvSpPr/>
+                              <p:nvPr/>
+                            </p:nvSpPr>
+                            <p:spPr>
+                              <a:xfrm>
+                                <a:off x="3325408" y="14978211"/>
+                                <a:ext cx="5383839" cy="3836662"/>
+                              </a:xfrm>
+                              <a:prstGeom prst="rect">
+                                <a:avLst/>
+                              </a:prstGeom>
+                              <a:noFill/>
+                              <a:ln cmpd="sng">
+                                <a:solidFill>
+                                  <a:schemeClr val="tx2">
+                                    <a:lumMod val="50000"/>
+                                  </a:schemeClr>
+                                </a:solidFill>
+                                <a:prstDash val="solid"/>
+                                <a:round/>
+                              </a:ln>
+                            </p:spPr>
+                            <p:style>
+                              <a:lnRef idx="2">
+                                <a:schemeClr val="accent1">
+                                  <a:shade val="50000"/>
+                                </a:schemeClr>
+                              </a:lnRef>
+                              <a:fillRef idx="1">
+                                <a:schemeClr val="accent1"/>
+                              </a:fillRef>
+                              <a:effectRef idx="0">
+                                <a:schemeClr val="accent1"/>
+                              </a:effectRef>
+                              <a:fontRef idx="minor">
+                                <a:schemeClr val="lt1"/>
+                              </a:fontRef>
+                            </p:style>
+                            <p:txBody>
+                              <a:bodyPr rtlCol="0" anchor="ctr"/>
+                              <a:lstStyle/>
+                              <a:p>
+                                <a:pPr algn="ctr"/>
+                                <a:endParaRPr lang="en-US">
+                                  <a:latin typeface="Oxygen" panose="02000503000000000000" pitchFamily="2" charset="0"/>
+                                </a:endParaRPr>
+                              </a:p>
+                            </p:txBody>
+                          </p:sp>
+                        </p:grpSp>
+                        <p:grpSp>
+                          <p:nvGrpSpPr>
+                            <p:cNvPr id="16" name="Group 15"/>
+                            <p:cNvGrpSpPr/>
+                            <p:nvPr/>
+                          </p:nvGrpSpPr>
+                          <p:grpSpPr>
+                            <a:xfrm>
+                              <a:off x="8709248" y="7624551"/>
+                              <a:ext cx="1315455" cy="9344527"/>
+                              <a:chOff x="8709248" y="7624551"/>
+                              <a:chExt cx="1315455" cy="9344527"/>
+                            </a:xfrm>
+                          </p:grpSpPr>
+                          <p:cxnSp>
+                            <p:nvCxnSpPr>
+                              <p:cNvPr id="9" name="Straight Connector 8"/>
+                              <p:cNvCxnSpPr>
+                                <a:stCxn id="2" idx="3"/>
+                              </p:cNvCxnSpPr>
+                              <p:nvPr/>
+                            </p:nvCxnSpPr>
+                            <p:spPr>
+                              <a:xfrm flipV="1">
+                                <a:off x="8709248" y="7624551"/>
+                                <a:ext cx="1315455" cy="1"/>
+                              </a:xfrm>
+                              <a:prstGeom prst="line">
+                                <a:avLst/>
+                              </a:prstGeom>
+                              <a:ln w="63500" cmpd="sng">
+                                <a:solidFill>
+                                  <a:schemeClr val="tx2">
+                                    <a:lumMod val="50000"/>
+                                  </a:schemeClr>
+                                </a:solidFill>
+                                <a:prstDash val="solid"/>
+                                <a:round/>
+                              </a:ln>
+                            </p:spPr>
+                            <p:style>
+                              <a:lnRef idx="3">
+                                <a:schemeClr val="accent1"/>
+                              </a:lnRef>
+                              <a:fillRef idx="0">
+                                <a:schemeClr val="accent1"/>
+                              </a:fillRef>
+                              <a:effectRef idx="2">
+                                <a:schemeClr val="accent1"/>
+                              </a:effectRef>
+                              <a:fontRef idx="minor">
+                                <a:schemeClr val="tx1"/>
+                              </a:fontRef>
+                            </p:style>
+                          </p:cxnSp>
+                          <p:cxnSp>
+                            <p:nvCxnSpPr>
+                              <p:cNvPr id="21" name="Straight Connector 20"/>
+                              <p:cNvCxnSpPr/>
+                              <p:nvPr/>
+                            </p:nvCxnSpPr>
+                            <p:spPr>
+                              <a:xfrm>
+                                <a:off x="8716462" y="12272382"/>
+                                <a:ext cx="1301026" cy="0"/>
+                              </a:xfrm>
+                              <a:prstGeom prst="line">
+                                <a:avLst/>
+                              </a:prstGeom>
+                              <a:ln w="63500" cmpd="sng">
+                                <a:solidFill>
+                                  <a:schemeClr val="tx2">
+                                    <a:lumMod val="50000"/>
+                                  </a:schemeClr>
+                                </a:solidFill>
+                                <a:prstDash val="solid"/>
+                                <a:round/>
+                              </a:ln>
+                            </p:spPr>
+                            <p:style>
+                              <a:lnRef idx="3">
+                                <a:schemeClr val="accent1"/>
+                              </a:lnRef>
+                              <a:fillRef idx="0">
+                                <a:schemeClr val="accent1"/>
+                              </a:fillRef>
+                              <a:effectRef idx="2">
+                                <a:schemeClr val="accent1"/>
+                              </a:effectRef>
+                              <a:fontRef idx="minor">
+                                <a:schemeClr val="tx1"/>
+                              </a:fontRef>
+                            </p:style>
+                          </p:cxnSp>
+                          <p:cxnSp>
+                            <p:nvCxnSpPr>
+                              <p:cNvPr id="22" name="Straight Connector 21"/>
+                              <p:cNvCxnSpPr/>
+                              <p:nvPr/>
+                            </p:nvCxnSpPr>
+                            <p:spPr>
+                              <a:xfrm>
+                                <a:off x="8717270" y="16969078"/>
+                                <a:ext cx="1301026" cy="0"/>
+                              </a:xfrm>
+                              <a:prstGeom prst="line">
+                                <a:avLst/>
+                              </a:prstGeom>
+                              <a:ln w="63500" cmpd="sng">
+                                <a:solidFill>
+                                  <a:schemeClr val="tx2">
+                                    <a:lumMod val="50000"/>
+                                  </a:schemeClr>
+                                </a:solidFill>
+                                <a:prstDash val="solid"/>
+                                <a:round/>
+                              </a:ln>
+                            </p:spPr>
+                            <p:style>
+                              <a:lnRef idx="3">
+                                <a:schemeClr val="accent1"/>
+                              </a:lnRef>
+                              <a:fillRef idx="0">
+                                <a:schemeClr val="accent1"/>
+                              </a:fillRef>
+                              <a:effectRef idx="2">
+                                <a:schemeClr val="accent1"/>
+                              </a:effectRef>
+                              <a:fontRef idx="minor">
+                                <a:schemeClr val="tx1"/>
+                              </a:fontRef>
+                            </p:style>
+                          </p:cxnSp>
+                        </p:grpSp>
+                      </p:grpSp>
+                      <p:cxnSp>
+                        <p:nvCxnSpPr>
+                          <p:cNvPr id="15" name="Straight Connector 14"/>
+                          <p:cNvCxnSpPr/>
+                          <p:nvPr/>
+                        </p:nvCxnSpPr>
+                        <p:spPr>
+                          <a:xfrm flipH="1">
+                            <a:off x="10010275" y="7590785"/>
+                            <a:ext cx="3202" cy="9404357"/>
+                          </a:xfrm>
+                          <a:prstGeom prst="line">
+                            <a:avLst/>
+                          </a:prstGeom>
+                          <a:ln w="63500" cmpd="sng">
+                            <a:solidFill>
+                              <a:schemeClr val="tx2">
+                                <a:lumMod val="50000"/>
+                              </a:schemeClr>
+                            </a:solidFill>
+                            <a:prstDash val="solid"/>
+                            <a:round/>
+                          </a:ln>
+                        </p:spPr>
+                        <p:style>
+                          <a:lnRef idx="1">
+                            <a:schemeClr val="accent1"/>
+                          </a:lnRef>
+                          <a:fillRef idx="0">
+                            <a:schemeClr val="accent1"/>
+                          </a:fillRef>
+                          <a:effectRef idx="0">
+                            <a:schemeClr val="accent1"/>
+                          </a:effectRef>
+                          <a:fontRef idx="minor">
+                            <a:schemeClr val="tx1"/>
+                          </a:fontRef>
+                        </p:style>
+                      </p:cxnSp>
+                    </p:grpSp>
+                    <p:sp>
+                      <p:nvSpPr>
+                        <p:cNvPr id="20" name="TextBox 19"/>
+                        <p:cNvSpPr txBox="1"/>
+                        <p:nvPr/>
+                      </p:nvSpPr>
+                      <p:spPr>
+                        <a:xfrm rot="16200000">
+                          <a:off x="65717" y="7184617"/>
+                          <a:ext cx="3971185" cy="1061006"/>
+                        </a:xfrm>
+                        <a:prstGeom prst="rect">
+                          <a:avLst/>
+                        </a:prstGeom>
+                        <a:noFill/>
+                      </p:spPr>
+                      <p:txBody>
+                        <a:bodyPr wrap="square" rtlCol="0">
+                          <a:spAutoFit/>
+                        </a:bodyPr>
+                        <a:lstStyle/>
+                        <a:p>
+                          <a:pPr algn="ctr"/>
+                          <a:r>
+                            <a:rPr lang="en-US" sz="3600" dirty="0">
+                              <a:latin typeface="Oxygen" panose="02000503000000000000" pitchFamily="2" charset="0"/>
+                            </a:rPr>
+                            <a:t>Module or Code</a:t>
+                          </a:r>
+                        </a:p>
+                      </p:txBody>
+                    </p:sp>
+                    <p:sp>
+                      <p:nvSpPr>
+                        <p:cNvPr id="30" name="TextBox 29"/>
+                        <p:cNvSpPr txBox="1"/>
+                        <p:nvPr/>
+                      </p:nvSpPr>
+                      <p:spPr>
+                        <a:xfrm rot="16200000">
+                          <a:off x="20358" y="11785324"/>
+                          <a:ext cx="4022220" cy="952185"/>
+                        </a:xfrm>
+                        <a:prstGeom prst="rect">
+                          <a:avLst/>
+                        </a:prstGeom>
+                        <a:noFill/>
+                      </p:spPr>
+                      <p:txBody>
+                        <a:bodyPr wrap="square" rtlCol="0">
+                          <a:spAutoFit/>
+                        </a:bodyPr>
+                        <a:lstStyle/>
+                        <a:p>
+                          <a:r>
+                            <a:rPr lang="en-US" sz="3200" dirty="0">
+                              <a:latin typeface="Oxygen" panose="02000503000000000000" pitchFamily="2" charset="0"/>
+                            </a:rPr>
+                            <a:t>Component and Connector (CnC)</a:t>
+                          </a:r>
+                        </a:p>
+                      </p:txBody>
+                    </p:sp>
+                  </p:grpSp>
+                  <p:sp>
+                    <p:nvSpPr>
+                      <p:cNvPr id="33" name="TextBox 32"/>
+                      <p:cNvSpPr txBox="1"/>
+                      <p:nvPr/>
+                    </p:nvSpPr>
+                    <p:spPr>
+                      <a:xfrm rot="16200000">
+                        <a:off x="306512" y="16878128"/>
+                        <a:ext cx="3639462" cy="544105"/>
+                      </a:xfrm>
+                      <a:prstGeom prst="rect">
+                        <a:avLst/>
+                      </a:prstGeom>
+                      <a:noFill/>
+                    </p:spPr>
+                    <p:txBody>
+                      <a:bodyPr wrap="square" rtlCol="0">
+                        <a:spAutoFit/>
+                      </a:bodyPr>
+                      <a:lstStyle/>
+                      <a:p>
+                        <a:pPr algn="ctr"/>
+                        <a:r>
+                          <a:rPr lang="en-US" sz="3400" dirty="0">
+                            <a:latin typeface="Oxygen" panose="02000503000000000000" pitchFamily="2" charset="0"/>
+                          </a:rPr>
+                          <a:t>Deployment</a:t>
+                        </a:r>
+                      </a:p>
+                    </p:txBody>
+                  </p:sp>
+                </p:grpSp>
+                <p:cxnSp>
+                  <p:nvCxnSpPr>
+                    <p:cNvPr id="38" name="Straight Arrow Connector 37"/>
+                    <p:cNvCxnSpPr/>
+                    <p:nvPr/>
+                  </p:nvCxnSpPr>
                   <p:spPr>
                     <a:xfrm>
-                      <a:off x="2939471" y="13038149"/>
-                      <a:ext cx="392961" cy="269452"/>
+                      <a:off x="9348334" y="12604328"/>
+                      <a:ext cx="1240758" cy="1"/>
                     </a:xfrm>
-                    <a:prstGeom prst="rect">
+                    <a:prstGeom prst="straightConnector1">
                       <a:avLst/>
                     </a:prstGeom>
-                    <a:solidFill>
-                      <a:schemeClr val="tx2">
-                        <a:lumMod val="50000"/>
-                        <a:alpha val="60000"/>
-                      </a:schemeClr>
-                    </a:solidFill>
-                    <a:ln>
+                    <a:ln w="63500" cmpd="sng">
                       <a:solidFill>
-                        <a:schemeClr val="accent1">
-                          <a:shade val="50000"/>
+                        <a:schemeClr val="tx2">
+                          <a:lumMod val="50000"/>
                         </a:schemeClr>
                       </a:solidFill>
+                      <a:prstDash val="solid"/>
+                      <a:round/>
+                      <a:headEnd type="none"/>
+                      <a:tailEnd type="stealth" w="lg" len="lg"/>
                     </a:ln>
                   </p:spPr>
                   <p:style>
-                    <a:lnRef idx="2">
-                      <a:schemeClr val="accent1">
-                        <a:shade val="50000"/>
-                      </a:schemeClr>
+                    <a:lnRef idx="1">
+                      <a:schemeClr val="accent1"/>
                     </a:lnRef>
-                    <a:fillRef idx="1">
+                    <a:fillRef idx="0">
                       <a:schemeClr val="accent1"/>
                     </a:fillRef>
                     <a:effectRef idx="0">
                       <a:schemeClr val="accent1"/>
                     </a:effectRef>
                     <a:fontRef idx="minor">
-                      <a:schemeClr val="lt1"/>
+                      <a:schemeClr val="tx1"/>
                     </a:fontRef>
                   </p:style>
-                  <p:txBody>
-                    <a:bodyPr rtlCol="0" anchor="ctr"/>
-                    <a:lstStyle/>
-                    <a:p>
-                      <a:pPr algn="ctr"/>
-                      <a:endParaRPr lang="en-US"/>
-                    </a:p>
-                  </p:txBody>
-                </p:sp>
-                <p:sp>
-                  <p:nvSpPr>
-                    <p:cNvPr id="72" name="Rectangle 71"/>
-                    <p:cNvSpPr/>
-                    <p:nvPr/>
-                  </p:nvSpPr>
-                  <p:spPr>
-                    <a:xfrm>
-                      <a:off x="3574719" y="13038227"/>
-                      <a:ext cx="392960" cy="269456"/>
-                    </a:xfrm>
-                    <a:prstGeom prst="rect">
-                      <a:avLst/>
-                    </a:prstGeom>
-                    <a:solidFill>
-                      <a:schemeClr val="tx2">
-                        <a:lumMod val="50000"/>
-                        <a:alpha val="60000"/>
-                      </a:schemeClr>
-                    </a:solidFill>
-                    <a:ln>
-                      <a:solidFill>
-                        <a:schemeClr val="accent1">
-                          <a:shade val="50000"/>
-                        </a:schemeClr>
-                      </a:solidFill>
-                    </a:ln>
-                  </p:spPr>
-                  <p:style>
-                    <a:lnRef idx="2">
-                      <a:schemeClr val="accent1">
-                        <a:shade val="50000"/>
-                      </a:schemeClr>
-                    </a:lnRef>
-                    <a:fillRef idx="1">
-                      <a:schemeClr val="accent1"/>
-                    </a:fillRef>
-                    <a:effectRef idx="0">
-                      <a:schemeClr val="accent1"/>
-                    </a:effectRef>
-                    <a:fontRef idx="minor">
-                      <a:schemeClr val="lt1"/>
-                    </a:fontRef>
-                  </p:style>
-                  <p:txBody>
-                    <a:bodyPr rtlCol="0" anchor="ctr"/>
-                    <a:lstStyle/>
-                    <a:p>
-                      <a:pPr algn="ctr"/>
-                      <a:endParaRPr lang="en-US"/>
-                    </a:p>
-                  </p:txBody>
-                </p:sp>
+                </p:cxnSp>
               </p:grpSp>
               <p:sp>
                 <p:nvSpPr>
-                  <p:cNvPr id="34" name="Flowchart: Magnetic Disk 33"/>
+                  <p:cNvPr id="102" name="TextBox 101"/>
+                  <p:cNvSpPr txBox="1"/>
+                  <p:nvPr/>
+                </p:nvSpPr>
+                <p:spPr>
+                  <a:xfrm>
+                    <a:off x="1919209" y="12704125"/>
+                    <a:ext cx="6054542" cy="3462486"/>
+                  </a:xfrm>
+                  <a:prstGeom prst="rect">
+                    <a:avLst/>
+                  </a:prstGeom>
+                  <a:noFill/>
+                </p:spPr>
+                <p:txBody>
+                  <a:bodyPr wrap="square" rtlCol="0">
+                    <a:spAutoFit/>
+                  </a:bodyPr>
+                  <a:lstStyle/>
+                  <a:p>
+                    <a:r>
+                      <a:rPr lang="en-US" sz="2100" b="1" dirty="0">
+                        <a:solidFill>
+                          <a:schemeClr val="tx2">
+                            <a:lumMod val="50000"/>
+                          </a:schemeClr>
+                        </a:solidFill>
+                        <a:latin typeface="Oxygen" panose="02000503000000000000" pitchFamily="2" charset="0"/>
+                      </a:rPr>
+                      <a:t>Components: </a:t>
+                    </a:r>
+                    <a:r>
+                      <a:rPr lang="en-US" sz="2100" dirty="0">
+                        <a:solidFill>
+                          <a:schemeClr val="tx2">
+                            <a:lumMod val="50000"/>
+                          </a:schemeClr>
+                        </a:solidFill>
+                        <a:latin typeface="Oxygen" panose="02000503000000000000" pitchFamily="2" charset="0"/>
+                      </a:rPr>
+                      <a:t>elements that have some runtime presence (processes, objects, clients, servers).</a:t>
+                    </a:r>
+                  </a:p>
+                  <a:p>
+                    <a:r>
+                      <a:rPr lang="en-US" sz="2100" b="1" dirty="0">
+                        <a:solidFill>
+                          <a:schemeClr val="tx2">
+                            <a:lumMod val="50000"/>
+                          </a:schemeClr>
+                        </a:solidFill>
+                        <a:latin typeface="Oxygen" panose="02000503000000000000" pitchFamily="2" charset="0"/>
+                      </a:rPr>
+                      <a:t>Connectors: </a:t>
+                    </a:r>
+                    <a:r>
+                      <a:rPr lang="en-US" sz="2100" dirty="0">
+                        <a:solidFill>
+                          <a:schemeClr val="tx2">
+                            <a:lumMod val="50000"/>
+                          </a:schemeClr>
+                        </a:solidFill>
+                        <a:latin typeface="Oxygen" panose="02000503000000000000" pitchFamily="2" charset="0"/>
+                      </a:rPr>
+                      <a:t>components’ pathways of interaction (protocols, information flows).</a:t>
+                    </a:r>
+                  </a:p>
+                  <a:p>
+                    <a:r>
+                      <a:rPr lang="en-US" sz="2100" b="1" dirty="0">
+                        <a:solidFill>
+                          <a:schemeClr val="tx2">
+                            <a:lumMod val="50000"/>
+                          </a:schemeClr>
+                        </a:solidFill>
+                        <a:latin typeface="Oxygen" panose="02000503000000000000" pitchFamily="2" charset="0"/>
+                      </a:rPr>
+                      <a:t>Ports: </a:t>
+                    </a:r>
+                    <a:r>
+                      <a:rPr lang="en-US" sz="2100" dirty="0">
+                        <a:solidFill>
+                          <a:schemeClr val="tx2">
+                            <a:lumMod val="50000"/>
+                          </a:schemeClr>
+                        </a:solidFill>
+                        <a:latin typeface="Oxygen" panose="02000503000000000000" pitchFamily="2" charset="0"/>
+                      </a:rPr>
+                      <a:t>component interfaces that define possible interaction with components.</a:t>
+                    </a:r>
+                    <a:endParaRPr lang="en-US" sz="1700" dirty="0">
+                      <a:solidFill>
+                        <a:schemeClr val="tx2">
+                          <a:lumMod val="50000"/>
+                        </a:schemeClr>
+                      </a:solidFill>
+                      <a:latin typeface="Oxygen" panose="02000503000000000000" pitchFamily="2" charset="0"/>
+                    </a:endParaRPr>
+                  </a:p>
+                  <a:p>
+                    <a:pPr marL="342900" indent="-342900">
+                      <a:buFont typeface="Arial" panose="020B0604020202020204" pitchFamily="34" charset="0"/>
+                      <a:buChar char="•"/>
+                    </a:pPr>
+                    <a:endParaRPr lang="en-US" sz="1700" dirty="0">
+                      <a:solidFill>
+                        <a:schemeClr val="tx2">
+                          <a:lumMod val="50000"/>
+                        </a:schemeClr>
+                      </a:solidFill>
+                      <a:latin typeface="Oxygen" panose="02000503000000000000" pitchFamily="2" charset="0"/>
+                    </a:endParaRPr>
+                  </a:p>
+                  <a:p>
+                    <a:pPr marL="342900" indent="-342900">
+                      <a:buFont typeface="Arial" panose="020B0604020202020204" pitchFamily="34" charset="0"/>
+                      <a:buChar char="•"/>
+                    </a:pPr>
+                    <a:r>
+                      <a:rPr lang="en-US" sz="1900" dirty="0">
+                        <a:solidFill>
+                          <a:schemeClr val="tx2">
+                            <a:lumMod val="50000"/>
+                          </a:schemeClr>
+                        </a:solidFill>
+                        <a:latin typeface="Oxygen" panose="02000503000000000000" pitchFamily="2" charset="0"/>
+                      </a:rPr>
+                      <a:t>Show how the system works</a:t>
+                    </a:r>
+                  </a:p>
+                  <a:p>
+                    <a:pPr marL="342900" indent="-342900">
+                      <a:buFont typeface="Arial" panose="020B0604020202020204" pitchFamily="34" charset="0"/>
+                      <a:buChar char="•"/>
+                    </a:pPr>
+                    <a:r>
+                      <a:rPr lang="en-US" sz="1900" dirty="0">
+                        <a:solidFill>
+                          <a:schemeClr val="tx2">
+                            <a:lumMod val="50000"/>
+                          </a:schemeClr>
+                        </a:solidFill>
+                        <a:latin typeface="Oxygen" panose="02000503000000000000" pitchFamily="2" charset="0"/>
+                      </a:rPr>
+                      <a:t>Guide development around structure </a:t>
+                    </a:r>
+                  </a:p>
+                  <a:p>
+                    <a:r>
+                      <a:rPr lang="en-US" sz="1900" dirty="0">
+                        <a:solidFill>
+                          <a:schemeClr val="tx2">
+                            <a:lumMod val="50000"/>
+                          </a:schemeClr>
+                        </a:solidFill>
+                        <a:latin typeface="Oxygen" panose="02000503000000000000" pitchFamily="2" charset="0"/>
+                      </a:rPr>
+                      <a:t>      &amp; behavior of runtime elements</a:t>
+                    </a:r>
+                  </a:p>
+                  <a:p>
+                    <a:pPr marL="342900" indent="-342900">
+                      <a:buFont typeface="Arial" panose="020B0604020202020204" pitchFamily="34" charset="0"/>
+                      <a:buChar char="•"/>
+                    </a:pPr>
+                    <a:r>
+                      <a:rPr lang="en-US" sz="1900" dirty="0">
+                        <a:solidFill>
+                          <a:schemeClr val="tx2">
+                            <a:lumMod val="50000"/>
+                          </a:schemeClr>
+                        </a:solidFill>
+                        <a:latin typeface="Oxygen" panose="02000503000000000000" pitchFamily="2" charset="0"/>
+                      </a:rPr>
+                      <a:t>To reason about performance and reliability</a:t>
+                    </a:r>
+                  </a:p>
+                </p:txBody>
+              </p:sp>
+              <p:sp>
+                <p:nvSpPr>
+                  <p:cNvPr id="101" name="TextBox 100"/>
+                  <p:cNvSpPr txBox="1"/>
+                  <p:nvPr/>
+                </p:nvSpPr>
+                <p:spPr>
+                  <a:xfrm>
+                    <a:off x="1920387" y="9218087"/>
+                    <a:ext cx="6066967" cy="2970044"/>
+                  </a:xfrm>
+                  <a:prstGeom prst="rect">
+                    <a:avLst/>
+                  </a:prstGeom>
+                  <a:noFill/>
+                </p:spPr>
+                <p:txBody>
+                  <a:bodyPr wrap="square" rtlCol="0">
+                    <a:spAutoFit/>
+                  </a:bodyPr>
+                  <a:lstStyle/>
+                  <a:p>
+                    <a:r>
+                      <a:rPr lang="en-US" sz="2300" b="1" dirty="0">
+                        <a:solidFill>
+                          <a:schemeClr val="tx2">
+                            <a:lumMod val="50000"/>
+                          </a:schemeClr>
+                        </a:solidFill>
+                        <a:latin typeface="Oxygen" panose="02000503000000000000" pitchFamily="2" charset="0"/>
+                      </a:rPr>
+                      <a:t>Modules: </a:t>
+                    </a:r>
+                    <a:r>
+                      <a:rPr lang="en-US" sz="2300" dirty="0">
+                        <a:solidFill>
+                          <a:schemeClr val="tx2">
+                            <a:lumMod val="50000"/>
+                          </a:schemeClr>
+                        </a:solidFill>
+                        <a:latin typeface="Oxygen" panose="02000503000000000000" pitchFamily="2" charset="0"/>
+                      </a:rPr>
+                      <a:t>principal units of implementation</a:t>
+                    </a:r>
+                  </a:p>
+                  <a:p>
+                    <a:endParaRPr lang="en-US" sz="2300" dirty="0">
+                      <a:solidFill>
+                        <a:schemeClr val="tx2">
+                          <a:lumMod val="50000"/>
+                        </a:schemeClr>
+                      </a:solidFill>
+                      <a:latin typeface="Oxygen" panose="02000503000000000000" pitchFamily="2" charset="0"/>
+                    </a:endParaRPr>
+                  </a:p>
+                  <a:p>
+                    <a:pPr marL="457200" indent="-457200">
+                      <a:buFont typeface="Arial" panose="020B0604020202020204" pitchFamily="34" charset="0"/>
+                      <a:buChar char="•"/>
+                    </a:pPr>
+                    <a:r>
+                      <a:rPr lang="en-US" sz="2300" dirty="0">
+                        <a:solidFill>
+                          <a:schemeClr val="tx2">
+                            <a:lumMod val="50000"/>
+                          </a:schemeClr>
+                        </a:solidFill>
+                        <a:latin typeface="Oxygen" panose="02000503000000000000" pitchFamily="2" charset="0"/>
+                      </a:rPr>
+                      <a:t>Used to explain system functionality + structure of code base</a:t>
+                    </a:r>
+                  </a:p>
+                  <a:p>
+                    <a:pPr marL="457200" indent="-457200">
+                      <a:buFont typeface="Arial" panose="020B0604020202020204" pitchFamily="34" charset="0"/>
+                      <a:buChar char="•"/>
+                    </a:pPr>
+                    <a:r>
+                      <a:rPr lang="en-US" sz="2200" dirty="0">
+                        <a:solidFill>
+                          <a:schemeClr val="tx2">
+                            <a:lumMod val="50000"/>
+                          </a:schemeClr>
+                        </a:solidFill>
+                        <a:latin typeface="Oxygen" panose="02000503000000000000" pitchFamily="2" charset="0"/>
+                      </a:rPr>
+                      <a:t>A blueprint for code construction </a:t>
+                    </a:r>
+                  </a:p>
+                  <a:p>
+                    <a:r>
+                      <a:rPr lang="en-US" sz="2200" dirty="0">
+                        <a:solidFill>
+                          <a:schemeClr val="tx2">
+                            <a:lumMod val="50000"/>
+                          </a:schemeClr>
+                        </a:solidFill>
+                        <a:latin typeface="Oxygen" panose="02000503000000000000" pitchFamily="2" charset="0"/>
+                      </a:rPr>
+                      <a:t>      and incremental development</a:t>
+                    </a:r>
+                  </a:p>
+                  <a:p>
+                    <a:pPr marL="457200" indent="-457200">
+                      <a:buFont typeface="Arial" panose="020B0604020202020204" pitchFamily="34" charset="0"/>
+                      <a:buChar char="•"/>
+                    </a:pPr>
+                    <a:r>
+                      <a:rPr lang="en-US" sz="2300" dirty="0">
+                        <a:solidFill>
+                          <a:schemeClr val="tx2">
+                            <a:lumMod val="50000"/>
+                          </a:schemeClr>
+                        </a:solidFill>
+                        <a:latin typeface="Oxygen" panose="02000503000000000000" pitchFamily="2" charset="0"/>
+                      </a:rPr>
+                      <a:t>Analysis of code dependency</a:t>
+                    </a:r>
+                    <a:endParaRPr lang="en-US" sz="2300" dirty="0">
+                      <a:solidFill>
+                        <a:schemeClr val="tx2">
+                          <a:lumMod val="50000"/>
+                        </a:schemeClr>
+                      </a:solidFill>
+                      <a:latin typeface="Oxygen" panose="02000503000000000000" pitchFamily="2" charset="0"/>
+                    </a:endParaRPr>
+                  </a:p>
+                  <a:p>
+                    <a:pPr marL="457200" indent="-457200">
+                      <a:buFont typeface="Arial" panose="020B0604020202020204" pitchFamily="34" charset="0"/>
+                      <a:buChar char="•"/>
+                    </a:pPr>
+                    <a:endParaRPr lang="en-US" sz="2800" dirty="0">
+                      <a:solidFill>
+                        <a:schemeClr val="tx2">
+                          <a:lumMod val="50000"/>
+                        </a:schemeClr>
+                      </a:solidFill>
+                      <a:latin typeface="Oxygen" panose="02000503000000000000" pitchFamily="2" charset="0"/>
+                    </a:endParaRPr>
+                  </a:p>
+                </p:txBody>
+              </p:sp>
+              <p:sp>
+                <p:nvSpPr>
+                  <p:cNvPr id="103" name="TextBox 102"/>
+                  <p:cNvSpPr txBox="1"/>
+                  <p:nvPr/>
+                </p:nvSpPr>
+                <p:spPr>
+                  <a:xfrm>
+                    <a:off x="1914670" y="16777421"/>
+                    <a:ext cx="5937816" cy="3400931"/>
+                  </a:xfrm>
+                  <a:prstGeom prst="rect">
+                    <a:avLst/>
+                  </a:prstGeom>
+                  <a:noFill/>
+                </p:spPr>
+                <p:txBody>
+                  <a:bodyPr wrap="square" rtlCol="0">
+                    <a:spAutoFit/>
+                  </a:bodyPr>
+                  <a:lstStyle/>
+                  <a:p>
+                    <a:r>
+                      <a:rPr lang="en-US" sz="2300" b="1" dirty="0">
+                        <a:solidFill>
+                          <a:schemeClr val="tx2">
+                            <a:lumMod val="50000"/>
+                          </a:schemeClr>
+                        </a:solidFill>
+                        <a:latin typeface="Oxygen" panose="02000503000000000000" pitchFamily="2" charset="0"/>
+                      </a:rPr>
+                      <a:t>Deployment View: </a:t>
+                    </a:r>
+                    <a:r>
+                      <a:rPr lang="en-US" sz="2300" dirty="0">
+                        <a:solidFill>
+                          <a:schemeClr val="tx2">
+                            <a:lumMod val="50000"/>
+                          </a:schemeClr>
+                        </a:solidFill>
+                        <a:latin typeface="Oxygen" panose="02000503000000000000" pitchFamily="2" charset="0"/>
+                      </a:rPr>
+                      <a:t>a mapping between software and non-software elements in the former’s environment. </a:t>
+                    </a:r>
+                    <a:r>
+                      <a:rPr lang="en-US" sz="2300" b="1" dirty="0">
+                        <a:solidFill>
+                          <a:schemeClr val="tx2">
+                            <a:lumMod val="50000"/>
+                          </a:schemeClr>
+                        </a:solidFill>
+                        <a:latin typeface="Oxygen" panose="02000503000000000000" pitchFamily="2" charset="0"/>
+                      </a:rPr>
+                      <a:t> </a:t>
+                    </a:r>
+                  </a:p>
+                  <a:p>
+                    <a:endParaRPr lang="en-US" sz="2300" b="1" dirty="0">
+                      <a:solidFill>
+                        <a:schemeClr val="tx2">
+                          <a:lumMod val="50000"/>
+                        </a:schemeClr>
+                      </a:solidFill>
+                      <a:latin typeface="Oxygen" panose="02000503000000000000" pitchFamily="2" charset="0"/>
+                    </a:endParaRPr>
+                  </a:p>
+                  <a:p>
+                    <a:pPr marL="342900" indent="-342900">
+                      <a:buFont typeface="Arial" panose="020B0604020202020204" pitchFamily="34" charset="0"/>
+                      <a:buChar char="•"/>
+                    </a:pPr>
+                    <a:r>
+                      <a:rPr lang="en-US" sz="2000" dirty="0">
+                        <a:solidFill>
+                          <a:schemeClr val="tx2">
+                            <a:lumMod val="50000"/>
+                          </a:schemeClr>
+                        </a:solidFill>
+                        <a:latin typeface="Oxygen" panose="02000503000000000000" pitchFamily="2" charset="0"/>
+                      </a:rPr>
+                      <a:t>Analyzing actual runtime performance, reliability, and security</a:t>
+                    </a:r>
+                  </a:p>
+                  <a:p>
+                    <a:pPr marL="342900" indent="-342900">
+                      <a:buFont typeface="Arial" panose="020B0604020202020204" pitchFamily="34" charset="0"/>
+                      <a:buChar char="•"/>
+                    </a:pPr>
+                    <a:r>
+                      <a:rPr lang="en-US" sz="2000" dirty="0">
+                        <a:solidFill>
+                          <a:schemeClr val="tx2">
+                            <a:lumMod val="50000"/>
+                          </a:schemeClr>
+                        </a:solidFill>
+                        <a:latin typeface="Oxygen" panose="02000503000000000000" pitchFamily="2" charset="0"/>
+                      </a:rPr>
+                      <a:t>SW elements: CnC elements</a:t>
+                    </a:r>
+                  </a:p>
+                  <a:p>
+                    <a:pPr marL="342900" indent="-342900">
+                      <a:buFont typeface="Arial" panose="020B0604020202020204" pitchFamily="34" charset="0"/>
+                      <a:buChar char="•"/>
+                    </a:pPr>
+                    <a:r>
+                      <a:rPr lang="en-US" sz="1900" dirty="0">
+                        <a:solidFill>
+                          <a:schemeClr val="tx2">
+                            <a:lumMod val="50000"/>
+                          </a:schemeClr>
+                        </a:solidFill>
+                        <a:latin typeface="Oxygen" panose="02000503000000000000" pitchFamily="2" charset="0"/>
+                      </a:rPr>
+                      <a:t>Environmental elements: hardware, </a:t>
+                    </a:r>
+                  </a:p>
+                  <a:p>
+                    <a:r>
+                      <a:rPr lang="en-US" sz="1900" dirty="0">
+                        <a:solidFill>
+                          <a:schemeClr val="tx2">
+                            <a:lumMod val="50000"/>
+                          </a:schemeClr>
+                        </a:solidFill>
+                        <a:latin typeface="Oxygen" panose="02000503000000000000" pitchFamily="2" charset="0"/>
+                      </a:rPr>
+                      <a:t>      network elements, and their capabilities</a:t>
+                    </a:r>
+                  </a:p>
+                  <a:p>
+                    <a:pPr marL="342900" indent="-342900">
+                      <a:buFont typeface="Arial" panose="020B0604020202020204" pitchFamily="34" charset="0"/>
+                      <a:buChar char="•"/>
+                    </a:pPr>
+                    <a:endParaRPr lang="en-US" sz="2300" b="1" dirty="0">
+                      <a:solidFill>
+                        <a:schemeClr val="tx2">
+                          <a:lumMod val="50000"/>
+                        </a:schemeClr>
+                      </a:solidFill>
+                      <a:latin typeface="Oxygen" panose="02000503000000000000" pitchFamily="2" charset="0"/>
+                    </a:endParaRPr>
+                  </a:p>
+                </p:txBody>
+              </p:sp>
+            </p:grpSp>
+          </p:grpSp>
+        </p:grpSp>
+        <p:grpSp>
+          <p:nvGrpSpPr>
+            <p:cNvPr id="151" name="Group 150"/>
+            <p:cNvGrpSpPr/>
+            <p:nvPr/>
+          </p:nvGrpSpPr>
+          <p:grpSpPr>
+            <a:xfrm>
+              <a:off x="10777675" y="8831573"/>
+              <a:ext cx="8040015" cy="10380089"/>
+              <a:chOff x="10777675" y="8831573"/>
+              <a:chExt cx="8040015" cy="10380089"/>
+            </a:xfrm>
+          </p:grpSpPr>
+          <p:grpSp>
+            <p:nvGrpSpPr>
+              <p:cNvPr id="11" name="Group 10"/>
+              <p:cNvGrpSpPr/>
+              <p:nvPr/>
+            </p:nvGrpSpPr>
+            <p:grpSpPr>
+              <a:xfrm>
+                <a:off x="10777675" y="9712796"/>
+                <a:ext cx="8040015" cy="9498866"/>
+                <a:chOff x="10921058" y="9151946"/>
+                <a:chExt cx="8040015" cy="9498866"/>
+              </a:xfrm>
+            </p:grpSpPr>
+            <p:sp>
+              <p:nvSpPr>
+                <p:cNvPr id="82" name="Oval 81"/>
+                <p:cNvSpPr/>
+                <p:nvPr/>
+              </p:nvSpPr>
+              <p:spPr>
+                <a:xfrm>
+                  <a:off x="10921058" y="11221347"/>
+                  <a:ext cx="8040015" cy="7429465"/>
+                </a:xfrm>
+                <a:prstGeom prst="ellipse">
+                  <a:avLst/>
+                </a:prstGeom>
+                <a:solidFill>
+                  <a:srgbClr val="CD6D6D">
+                    <a:alpha val="13000"/>
+                  </a:srgbClr>
+                </a:solidFill>
+                <a:ln>
+                  <a:noFill/>
+                </a:ln>
+              </p:spPr>
+              <p:style>
+                <a:lnRef idx="2">
+                  <a:schemeClr val="accent1">
+                    <a:shade val="50000"/>
+                  </a:schemeClr>
+                </a:lnRef>
+                <a:fillRef idx="1">
+                  <a:schemeClr val="accent1"/>
+                </a:fillRef>
+                <a:effectRef idx="0">
+                  <a:schemeClr val="accent1"/>
+                </a:effectRef>
+                <a:fontRef idx="minor">
+                  <a:schemeClr val="lt1"/>
+                </a:fontRef>
+              </p:style>
+              <p:txBody>
+                <a:bodyPr rtlCol="0" anchor="ctr"/>
+                <a:lstStyle/>
+                <a:p>
+                  <a:pPr algn="ctr"/>
+                  <a:endParaRPr lang="en-US" dirty="0">
+                    <a:latin typeface="Oxygen" panose="02000503000000000000" pitchFamily="2" charset="0"/>
+                  </a:endParaRPr>
+                </a:p>
+              </p:txBody>
+            </p:sp>
+            <p:grpSp>
+              <p:nvGrpSpPr>
+                <p:cNvPr id="29" name="Group 28"/>
+                <p:cNvGrpSpPr/>
+                <p:nvPr/>
+              </p:nvGrpSpPr>
+              <p:grpSpPr>
+                <a:xfrm>
+                  <a:off x="11114259" y="9151946"/>
+                  <a:ext cx="5944661" cy="8096344"/>
+                  <a:chOff x="12160993" y="8649848"/>
+                  <a:chExt cx="5944661" cy="8096344"/>
+                </a:xfrm>
+              </p:grpSpPr>
+              <p:sp>
+                <p:nvSpPr>
+                  <p:cNvPr id="70" name="Shape 70"/>
                   <p:cNvSpPr/>
                   <p:nvPr/>
                 </p:nvSpPr>
                 <p:spPr>
                   <a:xfrm>
-                    <a:off x="2543372" y="13464221"/>
-                    <a:ext cx="374310" cy="241190"/>
+                    <a:off x="12160993" y="9778349"/>
+                    <a:ext cx="5944661" cy="6967843"/>
                   </a:xfrm>
                   <a:prstGeom prst="flowChartMagneticDisk">
                     <a:avLst/>
                   </a:prstGeom>
-                  <a:solidFill>
-                    <a:schemeClr val="accent1">
-                      <a:alpha val="52000"/>
-                    </a:schemeClr>
-                  </a:solidFill>
-                  <a:ln>
+                  <a:noFill/>
+                  <a:ln w="63500" cap="flat" cmpd="sng">
                     <a:solidFill>
-                      <a:schemeClr val="accent1">
-                        <a:shade val="50000"/>
+                      <a:schemeClr val="tx2">
+                        <a:lumMod val="50000"/>
                       </a:schemeClr>
                     </a:solidFill>
+                    <a:prstDash val="solid"/>
+                    <a:round/>
+                    <a:headEnd type="none" w="med" len="med"/>
+                    <a:tailEnd type="none" w="med" len="med"/>
                   </a:ln>
                 </p:spPr>
-                <p:style>
-                  <a:lnRef idx="2">
-                    <a:schemeClr val="accent1">
-                      <a:shade val="50000"/>
-                    </a:schemeClr>
-                  </a:lnRef>
-                  <a:fillRef idx="1">
-                    <a:schemeClr val="accent1"/>
-                  </a:fillRef>
-                  <a:effectRef idx="0">
-                    <a:schemeClr val="accent1"/>
-                  </a:effectRef>
-                  <a:fontRef idx="minor">
-                    <a:schemeClr val="lt1"/>
-                  </a:fontRef>
-                </p:style>
                 <p:txBody>
-                  <a:bodyPr rtlCol="0" anchor="ctr"/>
+                  <a:bodyPr lIns="91425" tIns="91425" rIns="91425" bIns="91425" anchor="ctr" anchorCtr="0">
+                    <a:noAutofit/>
+                  </a:bodyPr>
+                  <a:lstStyle/>
+                  <a:p>
+                    <a:pPr lvl="0">
+                      <a:spcBef>
+                        <a:spcPts val="0"/>
+                      </a:spcBef>
+                      <a:buNone/>
+                    </a:pPr>
+                    <a:endParaRPr>
+                      <a:latin typeface="Oxygen" panose="02000503000000000000" pitchFamily="2" charset="0"/>
+                    </a:endParaRPr>
+                  </a:p>
+                </p:txBody>
+              </p:sp>
+              <p:sp>
+                <p:nvSpPr>
+                  <p:cNvPr id="25" name="TextBox 24"/>
+                  <p:cNvSpPr txBox="1"/>
+                  <p:nvPr/>
+                </p:nvSpPr>
+                <p:spPr>
+                  <a:xfrm>
+                    <a:off x="12959152" y="8649848"/>
+                    <a:ext cx="4067139" cy="861774"/>
+                  </a:xfrm>
+                  <a:prstGeom prst="rect">
+                    <a:avLst/>
+                  </a:prstGeom>
+                  <a:noFill/>
+                </p:spPr>
+                <p:txBody>
+                  <a:bodyPr wrap="none" rtlCol="0">
+                    <a:spAutoFit/>
+                  </a:bodyPr>
+                  <a:lstStyle/>
+                  <a:p>
+                    <a:r>
+                      <a:rPr lang="en-US" sz="5000" b="1" dirty="0">
+                        <a:solidFill>
+                          <a:schemeClr val="tx2">
+                            <a:lumMod val="50000"/>
+                          </a:schemeClr>
+                        </a:solidFill>
+                        <a:latin typeface="Oxygen" panose="02000503000000000000" pitchFamily="2" charset="0"/>
+                      </a:rPr>
+                      <a:t>The Problem</a:t>
+                    </a:r>
+                  </a:p>
+                </p:txBody>
+              </p:sp>
+              <p:sp>
+                <p:nvSpPr>
+                  <p:cNvPr id="28" name="TextBox 27"/>
+                  <p:cNvSpPr txBox="1"/>
+                  <p:nvPr/>
+                </p:nvSpPr>
+                <p:spPr>
+                  <a:xfrm>
+                    <a:off x="12547735" y="12632360"/>
+                    <a:ext cx="5171176" cy="2862322"/>
+                  </a:xfrm>
+                  <a:prstGeom prst="rect">
+                    <a:avLst/>
+                  </a:prstGeom>
+                  <a:noFill/>
+                </p:spPr>
+                <p:txBody>
+                  <a:bodyPr wrap="square" rtlCol="0">
+                    <a:spAutoFit/>
+                  </a:bodyPr>
                   <a:lstStyle/>
                   <a:p>
                     <a:pPr algn="ctr"/>
-                    <a:endParaRPr lang="en-US"/>
+                    <a:r>
+                      <a:rPr lang="en-US" sz="3000" dirty="0">
+                        <a:solidFill>
+                          <a:schemeClr val="tx2">
+                            <a:lumMod val="50000"/>
+                          </a:schemeClr>
+                        </a:solidFill>
+                        <a:latin typeface="Oxygen" panose="02000503000000000000" pitchFamily="2" charset="0"/>
+                      </a:rPr>
+                      <a:t>It is hard to determine whether the logical relationships between entities in architecture diagrams are present in system implementations. </a:t>
+                    </a:r>
                   </a:p>
                 </p:txBody>
               </p:sp>
             </p:grpSp>
+          </p:grpSp>
+          <p:grpSp>
+            <p:nvGrpSpPr>
+              <p:cNvPr id="150" name="Group 149"/>
+              <p:cNvGrpSpPr/>
+              <p:nvPr/>
+            </p:nvGrpSpPr>
+            <p:grpSpPr>
+              <a:xfrm>
+                <a:off x="16915536" y="8831573"/>
+                <a:ext cx="1035580" cy="5795245"/>
+                <a:chOff x="16915536" y="8831573"/>
+                <a:chExt cx="1035580" cy="5795245"/>
+              </a:xfrm>
+            </p:grpSpPr>
             <p:cxnSp>
               <p:nvCxnSpPr>
-                <p:cNvPr id="37" name="Straight Arrow Connector 36"/>
+                <p:cNvPr id="130" name="Connector: Elbow 129"/>
                 <p:cNvCxnSpPr/>
                 <p:nvPr/>
               </p:nvCxnSpPr>
               <p:spPr>
-                <a:xfrm flipH="1">
-                  <a:off x="2730427" y="13220557"/>
-                  <a:ext cx="101" cy="208981"/>
+                <a:xfrm rot="5400000" flipH="1" flipV="1">
+                  <a:off x="14318464" y="11443826"/>
+                  <a:ext cx="5780064" cy="585920"/>
                 </a:xfrm>
-                <a:prstGeom prst="straightConnector1">
-                  <a:avLst/>
+                <a:prstGeom prst="bentConnector3">
+                  <a:avLst>
+                    <a:gd name="adj1" fmla="val 563"/>
+                  </a:avLst>
                 </a:prstGeom>
-                <a:ln>
-                  <a:tailEnd type="arrow" w="med" len="sm"/>
+                <a:ln w="63500">
+                  <a:solidFill>
+                    <a:schemeClr val="tx2">
+                      <a:lumMod val="50000"/>
+                    </a:schemeClr>
+                  </a:solidFill>
+                  <a:tailEnd type="none"/>
                 </a:ln>
               </p:spPr>
               <p:style>
@@ -6198,20 +7526,25 @@
             </p:cxnSp>
             <p:cxnSp>
               <p:nvCxnSpPr>
-                <p:cNvPr id="47" name="Straight Arrow Connector 46"/>
+                <p:cNvPr id="140" name="Straight Arrow Connector 139"/>
                 <p:cNvCxnSpPr/>
                 <p:nvPr/>
               </p:nvCxnSpPr>
               <p:spPr>
-                <a:xfrm flipH="1">
-                  <a:off x="2929537" y="13220564"/>
-                  <a:ext cx="209550" cy="208975"/>
+                <a:xfrm flipV="1">
+                  <a:off x="17501456" y="8846754"/>
+                  <a:ext cx="449660" cy="12914"/>
                 </a:xfrm>
                 <a:prstGeom prst="straightConnector1">
                   <a:avLst/>
                 </a:prstGeom>
-                <a:ln>
-                  <a:tailEnd type="arrow"/>
+                <a:ln w="63500">
+                  <a:solidFill>
+                    <a:schemeClr val="tx2">
+                      <a:lumMod val="50000"/>
+                    </a:schemeClr>
+                  </a:solidFill>
+                  <a:tailEnd type="stealth" w="lg" len="lg"/>
                 </a:ln>
               </p:spPr>
               <p:style>
@@ -6229,1114 +7562,51 @@
                 </a:fontRef>
               </p:style>
             </p:cxnSp>
-            <p:cxnSp>
-              <p:nvCxnSpPr>
-                <p:cNvPr id="59" name="Straight Arrow Connector 58"/>
-                <p:cNvCxnSpPr/>
+            <p:sp>
+              <p:nvSpPr>
+                <p:cNvPr id="149" name="Flowchart: Connector 148"/>
+                <p:cNvSpPr/>
                 <p:nvPr/>
-              </p:nvCxnSpPr>
+              </p:nvSpPr>
               <p:spPr>
                 <a:xfrm>
-                  <a:off x="2324993" y="13220564"/>
-                  <a:ext cx="218380" cy="208975"/>
+                  <a:off x="17474310" y="8831573"/>
+                  <a:ext cx="45719" cy="45719"/>
                 </a:xfrm>
-                <a:prstGeom prst="straightConnector1">
+                <a:prstGeom prst="flowChartConnector">
                   <a:avLst/>
                 </a:prstGeom>
+                <a:solidFill>
+                  <a:schemeClr val="tx2">
+                    <a:lumMod val="50000"/>
+                  </a:schemeClr>
+                </a:solidFill>
                 <a:ln>
-                  <a:tailEnd type="arrow"/>
+                  <a:noFill/>
                 </a:ln>
               </p:spPr>
               <p:style>
-                <a:lnRef idx="1">
-                  <a:schemeClr val="accent1"/>
+                <a:lnRef idx="2">
+                  <a:schemeClr val="accent1">
+                    <a:shade val="50000"/>
+                  </a:schemeClr>
                 </a:lnRef>
-                <a:fillRef idx="0">
+                <a:fillRef idx="1">
                   <a:schemeClr val="accent1"/>
                 </a:fillRef>
                 <a:effectRef idx="0">
                   <a:schemeClr val="accent1"/>
                 </a:effectRef>
                 <a:fontRef idx="minor">
-                  <a:schemeClr val="tx1"/>
+                  <a:schemeClr val="lt1"/>
                 </a:fontRef>
               </p:style>
-            </p:cxnSp>
-          </p:grpSp>
-          <p:pic>
-            <p:nvPicPr>
-              <p:cNvPr id="100" name="Picture 99"/>
-              <p:cNvPicPr>
-                <a:picLocks noChangeAspect="1"/>
-              </p:cNvPicPr>
-              <p:nvPr/>
-            </p:nvPicPr>
-            <p:blipFill>
-              <a:blip r:embed="rId3">
-                <a:extLst>
-                  <a:ext uri="{BEBA8EAE-BF5A-486C-A8C5-ECC9F3942E4B}">
-                    <a14:imgProps xmlns:a14="http://schemas.microsoft.com/office/drawing/2010/main">
-                      <a14:imgLayer r:embed="rId4">
-                        <a14:imgEffect>
-                          <a14:saturation sat="0"/>
-                        </a14:imgEffect>
-                        <a14:imgEffect>
-                          <a14:brightnessContrast bright="70000" contrast="-100000"/>
-                        </a14:imgEffect>
-                      </a14:imgLayer>
-                    </a14:imgProps>
-                  </a:ext>
-                </a:extLst>
-              </a:blip>
-              <a:stretch>
-                <a:fillRect/>
-              </a:stretch>
-            </p:blipFill>
-            <p:spPr>
-              <a:xfrm>
-                <a:off x="6525108" y="18426490"/>
-                <a:ext cx="1348827" cy="1348827"/>
-              </a:xfrm>
-              <a:prstGeom prst="rect">
-                <a:avLst/>
-              </a:prstGeom>
-            </p:spPr>
-          </p:pic>
-          <p:grpSp>
-            <p:nvGrpSpPr>
-              <p:cNvPr id="105" name="Group 104"/>
-              <p:cNvGrpSpPr/>
-              <p:nvPr/>
-            </p:nvGrpSpPr>
-            <p:grpSpPr>
-              <a:xfrm>
-                <a:off x="719899" y="8956974"/>
-                <a:ext cx="10134047" cy="11221378"/>
-                <a:chOff x="719899" y="8956974"/>
-                <a:chExt cx="10134047" cy="11221378"/>
-              </a:xfrm>
-            </p:grpSpPr>
-            <p:grpSp>
-              <p:nvGrpSpPr>
-                <p:cNvPr id="41" name="Group 40"/>
-                <p:cNvGrpSpPr/>
-                <p:nvPr/>
-              </p:nvGrpSpPr>
-              <p:grpSpPr>
-                <a:xfrm>
-                  <a:off x="719899" y="8956974"/>
-                  <a:ext cx="10134047" cy="10881629"/>
-                  <a:chOff x="1631310" y="5906435"/>
-                  <a:chExt cx="8957782" cy="13240385"/>
-                </a:xfrm>
-              </p:grpSpPr>
-              <p:grpSp>
-                <p:nvGrpSpPr>
-                  <p:cNvPr id="24" name="Group 23"/>
-                  <p:cNvGrpSpPr/>
-                  <p:nvPr/>
-                </p:nvGrpSpPr>
-                <p:grpSpPr>
-                  <a:xfrm>
-                    <a:off x="1631310" y="5906435"/>
-                    <a:ext cx="7717024" cy="13240385"/>
-                    <a:chOff x="1520807" y="5729527"/>
-                    <a:chExt cx="7717024" cy="13240385"/>
-                  </a:xfrm>
-                </p:grpSpPr>
-                <p:grpSp>
-                  <p:nvGrpSpPr>
-                    <p:cNvPr id="23" name="Group 22"/>
-                    <p:cNvGrpSpPr/>
-                    <p:nvPr/>
-                  </p:nvGrpSpPr>
-                  <p:grpSpPr>
-                    <a:xfrm>
-                      <a:off x="1520807" y="5729527"/>
-                      <a:ext cx="7717024" cy="13240385"/>
-                      <a:chOff x="1520807" y="5729527"/>
-                      <a:chExt cx="7717024" cy="13240385"/>
-                    </a:xfrm>
-                  </p:grpSpPr>
-                  <p:grpSp>
-                    <p:nvGrpSpPr>
-                      <p:cNvPr id="18" name="Group 17"/>
-                      <p:cNvGrpSpPr/>
-                      <p:nvPr/>
-                    </p:nvGrpSpPr>
-                    <p:grpSpPr>
-                      <a:xfrm>
-                        <a:off x="2538536" y="5959861"/>
-                        <a:ext cx="6699295" cy="13010051"/>
-                        <a:chOff x="3325408" y="5804822"/>
-                        <a:chExt cx="6699295" cy="13010051"/>
-                      </a:xfrm>
-                    </p:grpSpPr>
-                    <p:grpSp>
-                      <p:nvGrpSpPr>
-                        <p:cNvPr id="17" name="Group 16"/>
-                        <p:cNvGrpSpPr/>
-                        <p:nvPr/>
-                      </p:nvGrpSpPr>
-                      <p:grpSpPr>
-                        <a:xfrm>
-                          <a:off x="3325408" y="5804822"/>
-                          <a:ext cx="6699295" cy="13010051"/>
-                          <a:chOff x="3325408" y="5804822"/>
-                          <a:chExt cx="6699295" cy="13010051"/>
-                        </a:xfrm>
-                      </p:grpSpPr>
-                      <p:grpSp>
-                        <p:nvGrpSpPr>
-                          <p:cNvPr id="5" name="Group 4"/>
-                          <p:cNvGrpSpPr/>
-                          <p:nvPr/>
-                        </p:nvGrpSpPr>
-                        <p:grpSpPr>
-                          <a:xfrm>
-                            <a:off x="3325408" y="5804822"/>
-                            <a:ext cx="5383840" cy="13010051"/>
-                            <a:chOff x="3325408" y="5804822"/>
-                            <a:chExt cx="5383840" cy="13010051"/>
-                          </a:xfrm>
-                        </p:grpSpPr>
-                        <p:sp>
-                          <p:nvSpPr>
-                            <p:cNvPr id="2" name="Rectangle 1"/>
-                            <p:cNvSpPr/>
-                            <p:nvPr/>
-                          </p:nvSpPr>
-                          <p:spPr>
-                            <a:xfrm>
-                              <a:off x="3325409" y="5804822"/>
-                              <a:ext cx="5383839" cy="3639460"/>
-                            </a:xfrm>
-                            <a:prstGeom prst="rect">
-                              <a:avLst/>
-                            </a:prstGeom>
-                            <a:noFill/>
-                            <a:ln cmpd="sng">
-                              <a:solidFill>
-                                <a:schemeClr val="tx2">
-                                  <a:lumMod val="50000"/>
-                                </a:schemeClr>
-                              </a:solidFill>
-                              <a:prstDash val="solid"/>
-                              <a:round/>
-                            </a:ln>
-                          </p:spPr>
-                          <p:style>
-                            <a:lnRef idx="2">
-                              <a:schemeClr val="accent1">
-                                <a:shade val="50000"/>
-                              </a:schemeClr>
-                            </a:lnRef>
-                            <a:fillRef idx="1">
-                              <a:schemeClr val="accent1"/>
-                            </a:fillRef>
-                            <a:effectRef idx="0">
-                              <a:schemeClr val="accent1"/>
-                            </a:effectRef>
-                            <a:fontRef idx="minor">
-                              <a:schemeClr val="lt1"/>
-                            </a:fontRef>
-                          </p:style>
-                          <p:txBody>
-                            <a:bodyPr rtlCol="0" anchor="ctr"/>
-                            <a:lstStyle/>
-                            <a:p>
-                              <a:pPr algn="ctr"/>
-                              <a:endParaRPr lang="en-US" sz="3000" dirty="0">
-                                <a:solidFill>
-                                  <a:schemeClr val="tx2">
-                                    <a:lumMod val="50000"/>
-                                  </a:schemeClr>
-                                </a:solidFill>
-                                <a:latin typeface="Oxygen" panose="02000503000000000000" pitchFamily="2" charset="0"/>
-                              </a:endParaRPr>
-                            </a:p>
-                          </p:txBody>
-                        </p:sp>
-                        <p:sp>
-                          <p:nvSpPr>
-                            <p:cNvPr id="12" name="Rectangle 11"/>
-                            <p:cNvSpPr/>
-                            <p:nvPr/>
-                          </p:nvSpPr>
-                          <p:spPr>
-                            <a:xfrm>
-                              <a:off x="3325408" y="10055353"/>
-                              <a:ext cx="5383839" cy="4265300"/>
-                            </a:xfrm>
-                            <a:prstGeom prst="rect">
-                              <a:avLst/>
-                            </a:prstGeom>
-                            <a:noFill/>
-                            <a:ln cmpd="sng">
-                              <a:solidFill>
-                                <a:schemeClr val="tx2">
-                                  <a:lumMod val="50000"/>
-                                </a:schemeClr>
-                              </a:solidFill>
-                              <a:prstDash val="solid"/>
-                              <a:round/>
-                            </a:ln>
-                          </p:spPr>
-                          <p:style>
-                            <a:lnRef idx="2">
-                              <a:schemeClr val="accent1">
-                                <a:shade val="50000"/>
-                              </a:schemeClr>
-                            </a:lnRef>
-                            <a:fillRef idx="1">
-                              <a:schemeClr val="accent1"/>
-                            </a:fillRef>
-                            <a:effectRef idx="0">
-                              <a:schemeClr val="accent1"/>
-                            </a:effectRef>
-                            <a:fontRef idx="minor">
-                              <a:schemeClr val="lt1"/>
-                            </a:fontRef>
-                          </p:style>
-                          <p:txBody>
-                            <a:bodyPr rtlCol="0" anchor="ctr"/>
-                            <a:lstStyle/>
-                            <a:p>
-                              <a:pPr algn="ctr"/>
-                              <a:endParaRPr lang="en-US"/>
-                            </a:p>
-                          </p:txBody>
-                        </p:sp>
-                        <p:sp>
-                          <p:nvSpPr>
-                            <p:cNvPr id="13" name="Rectangle 12"/>
-                            <p:cNvSpPr/>
-                            <p:nvPr/>
-                          </p:nvSpPr>
-                          <p:spPr>
-                            <a:xfrm>
-                              <a:off x="3325408" y="14978211"/>
-                              <a:ext cx="5383839" cy="3836662"/>
-                            </a:xfrm>
-                            <a:prstGeom prst="rect">
-                              <a:avLst/>
-                            </a:prstGeom>
-                            <a:noFill/>
-                            <a:ln cmpd="sng">
-                              <a:solidFill>
-                                <a:schemeClr val="tx2">
-                                  <a:lumMod val="50000"/>
-                                </a:schemeClr>
-                              </a:solidFill>
-                              <a:prstDash val="solid"/>
-                              <a:round/>
-                            </a:ln>
-                          </p:spPr>
-                          <p:style>
-                            <a:lnRef idx="2">
-                              <a:schemeClr val="accent1">
-                                <a:shade val="50000"/>
-                              </a:schemeClr>
-                            </a:lnRef>
-                            <a:fillRef idx="1">
-                              <a:schemeClr val="accent1"/>
-                            </a:fillRef>
-                            <a:effectRef idx="0">
-                              <a:schemeClr val="accent1"/>
-                            </a:effectRef>
-                            <a:fontRef idx="minor">
-                              <a:schemeClr val="lt1"/>
-                            </a:fontRef>
-                          </p:style>
-                          <p:txBody>
-                            <a:bodyPr rtlCol="0" anchor="ctr"/>
-                            <a:lstStyle/>
-                            <a:p>
-                              <a:pPr algn="ctr"/>
-                              <a:endParaRPr lang="en-US"/>
-                            </a:p>
-                          </p:txBody>
-                        </p:sp>
-                      </p:grpSp>
-                      <p:grpSp>
-                        <p:nvGrpSpPr>
-                          <p:cNvPr id="16" name="Group 15"/>
-                          <p:cNvGrpSpPr/>
-                          <p:nvPr/>
-                        </p:nvGrpSpPr>
-                        <p:grpSpPr>
-                          <a:xfrm>
-                            <a:off x="8709248" y="7624551"/>
-                            <a:ext cx="1315455" cy="9344527"/>
-                            <a:chOff x="8709248" y="7624551"/>
-                            <a:chExt cx="1315455" cy="9344527"/>
-                          </a:xfrm>
-                        </p:grpSpPr>
-                        <p:cxnSp>
-                          <p:nvCxnSpPr>
-                            <p:cNvPr id="9" name="Straight Connector 8"/>
-                            <p:cNvCxnSpPr>
-                              <a:stCxn id="2" idx="3"/>
-                            </p:cNvCxnSpPr>
-                            <p:nvPr/>
-                          </p:nvCxnSpPr>
-                          <p:spPr>
-                            <a:xfrm flipV="1">
-                              <a:off x="8709248" y="7624551"/>
-                              <a:ext cx="1315455" cy="1"/>
-                            </a:xfrm>
-                            <a:prstGeom prst="line">
-                              <a:avLst/>
-                            </a:prstGeom>
-                            <a:ln w="63500" cmpd="sng">
-                              <a:solidFill>
-                                <a:schemeClr val="tx2">
-                                  <a:lumMod val="50000"/>
-                                </a:schemeClr>
-                              </a:solidFill>
-                              <a:prstDash val="solid"/>
-                              <a:round/>
-                            </a:ln>
-                          </p:spPr>
-                          <p:style>
-                            <a:lnRef idx="3">
-                              <a:schemeClr val="accent1"/>
-                            </a:lnRef>
-                            <a:fillRef idx="0">
-                              <a:schemeClr val="accent1"/>
-                            </a:fillRef>
-                            <a:effectRef idx="2">
-                              <a:schemeClr val="accent1"/>
-                            </a:effectRef>
-                            <a:fontRef idx="minor">
-                              <a:schemeClr val="tx1"/>
-                            </a:fontRef>
-                          </p:style>
-                        </p:cxnSp>
-                        <p:cxnSp>
-                          <p:nvCxnSpPr>
-                            <p:cNvPr id="21" name="Straight Connector 20"/>
-                            <p:cNvCxnSpPr/>
-                            <p:nvPr/>
-                          </p:nvCxnSpPr>
-                          <p:spPr>
-                            <a:xfrm>
-                              <a:off x="8716462" y="12272382"/>
-                              <a:ext cx="1301026" cy="0"/>
-                            </a:xfrm>
-                            <a:prstGeom prst="line">
-                              <a:avLst/>
-                            </a:prstGeom>
-                            <a:ln w="63500" cmpd="sng">
-                              <a:solidFill>
-                                <a:schemeClr val="tx2">
-                                  <a:lumMod val="50000"/>
-                                </a:schemeClr>
-                              </a:solidFill>
-                              <a:prstDash val="solid"/>
-                              <a:round/>
-                            </a:ln>
-                          </p:spPr>
-                          <p:style>
-                            <a:lnRef idx="3">
-                              <a:schemeClr val="accent1"/>
-                            </a:lnRef>
-                            <a:fillRef idx="0">
-                              <a:schemeClr val="accent1"/>
-                            </a:fillRef>
-                            <a:effectRef idx="2">
-                              <a:schemeClr val="accent1"/>
-                            </a:effectRef>
-                            <a:fontRef idx="minor">
-                              <a:schemeClr val="tx1"/>
-                            </a:fontRef>
-                          </p:style>
-                        </p:cxnSp>
-                        <p:cxnSp>
-                          <p:nvCxnSpPr>
-                            <p:cNvPr id="22" name="Straight Connector 21"/>
-                            <p:cNvCxnSpPr/>
-                            <p:nvPr/>
-                          </p:nvCxnSpPr>
-                          <p:spPr>
-                            <a:xfrm>
-                              <a:off x="8717270" y="16969078"/>
-                              <a:ext cx="1301026" cy="0"/>
-                            </a:xfrm>
-                            <a:prstGeom prst="line">
-                              <a:avLst/>
-                            </a:prstGeom>
-                            <a:ln w="63500" cmpd="sng">
-                              <a:solidFill>
-                                <a:schemeClr val="tx2">
-                                  <a:lumMod val="50000"/>
-                                </a:schemeClr>
-                              </a:solidFill>
-                              <a:prstDash val="solid"/>
-                              <a:round/>
-                            </a:ln>
-                          </p:spPr>
-                          <p:style>
-                            <a:lnRef idx="3">
-                              <a:schemeClr val="accent1"/>
-                            </a:lnRef>
-                            <a:fillRef idx="0">
-                              <a:schemeClr val="accent1"/>
-                            </a:fillRef>
-                            <a:effectRef idx="2">
-                              <a:schemeClr val="accent1"/>
-                            </a:effectRef>
-                            <a:fontRef idx="minor">
-                              <a:schemeClr val="tx1"/>
-                            </a:fontRef>
-                          </p:style>
-                        </p:cxnSp>
-                      </p:grpSp>
-                    </p:grpSp>
-                    <p:cxnSp>
-                      <p:nvCxnSpPr>
-                        <p:cNvPr id="15" name="Straight Connector 14"/>
-                        <p:cNvCxnSpPr/>
-                        <p:nvPr/>
-                      </p:nvCxnSpPr>
-                      <p:spPr>
-                        <a:xfrm flipH="1">
-                          <a:off x="10010275" y="7590785"/>
-                          <a:ext cx="3202" cy="9404357"/>
-                        </a:xfrm>
-                        <a:prstGeom prst="line">
-                          <a:avLst/>
-                        </a:prstGeom>
-                        <a:ln w="63500" cmpd="sng">
-                          <a:solidFill>
-                            <a:schemeClr val="tx2">
-                              <a:lumMod val="50000"/>
-                            </a:schemeClr>
-                          </a:solidFill>
-                          <a:prstDash val="solid"/>
-                          <a:round/>
-                        </a:ln>
-                      </p:spPr>
-                      <p:style>
-                        <a:lnRef idx="1">
-                          <a:schemeClr val="accent1"/>
-                        </a:lnRef>
-                        <a:fillRef idx="0">
-                          <a:schemeClr val="accent1"/>
-                        </a:fillRef>
-                        <a:effectRef idx="0">
-                          <a:schemeClr val="accent1"/>
-                        </a:effectRef>
-                        <a:fontRef idx="minor">
-                          <a:schemeClr val="tx1"/>
-                        </a:fontRef>
-                      </p:style>
-                    </p:cxnSp>
-                  </p:grpSp>
-                  <p:sp>
-                    <p:nvSpPr>
-                      <p:cNvPr id="20" name="TextBox 19"/>
-                      <p:cNvSpPr txBox="1"/>
-                      <p:nvPr/>
-                    </p:nvSpPr>
-                    <p:spPr>
-                      <a:xfrm rot="16200000">
-                        <a:off x="65717" y="7184617"/>
-                        <a:ext cx="3971185" cy="1061006"/>
-                      </a:xfrm>
-                      <a:prstGeom prst="rect">
-                        <a:avLst/>
-                      </a:prstGeom>
-                      <a:noFill/>
-                    </p:spPr>
-                    <p:txBody>
-                      <a:bodyPr wrap="square" rtlCol="0">
-                        <a:spAutoFit/>
-                      </a:bodyPr>
-                      <a:lstStyle/>
-                      <a:p>
-                        <a:pPr algn="ctr"/>
-                        <a:r>
-                          <a:rPr lang="en-US" sz="3600" dirty="0">
-                            <a:latin typeface="Oxygen" panose="02000503000000000000" pitchFamily="2" charset="0"/>
-                          </a:rPr>
-                          <a:t>Module or Code</a:t>
-                        </a:r>
-                      </a:p>
-                    </p:txBody>
-                  </p:sp>
-                  <p:sp>
-                    <p:nvSpPr>
-                      <p:cNvPr id="30" name="TextBox 29"/>
-                      <p:cNvSpPr txBox="1"/>
-                      <p:nvPr/>
-                    </p:nvSpPr>
-                    <p:spPr>
-                      <a:xfrm rot="16200000">
-                        <a:off x="20358" y="11785324"/>
-                        <a:ext cx="4022220" cy="952185"/>
-                      </a:xfrm>
-                      <a:prstGeom prst="rect">
-                        <a:avLst/>
-                      </a:prstGeom>
-                      <a:noFill/>
-                    </p:spPr>
-                    <p:txBody>
-                      <a:bodyPr wrap="square" rtlCol="0">
-                        <a:spAutoFit/>
-                      </a:bodyPr>
-                      <a:lstStyle/>
-                      <a:p>
-                        <a:r>
-                          <a:rPr lang="en-US" sz="3200" dirty="0">
-                            <a:latin typeface="Oxygen" panose="02000503000000000000" pitchFamily="2" charset="0"/>
-                          </a:rPr>
-                          <a:t>Component and Connector (CnC)</a:t>
-                        </a:r>
-                      </a:p>
-                    </p:txBody>
-                  </p:sp>
-                </p:grpSp>
-                <p:sp>
-                  <p:nvSpPr>
-                    <p:cNvPr id="33" name="TextBox 32"/>
-                    <p:cNvSpPr txBox="1"/>
-                    <p:nvPr/>
-                  </p:nvSpPr>
-                  <p:spPr>
-                    <a:xfrm rot="16200000">
-                      <a:off x="306512" y="16878128"/>
-                      <a:ext cx="3639462" cy="544105"/>
-                    </a:xfrm>
-                    <a:prstGeom prst="rect">
-                      <a:avLst/>
-                    </a:prstGeom>
-                    <a:noFill/>
-                  </p:spPr>
-                  <p:txBody>
-                    <a:bodyPr wrap="square" rtlCol="0">
-                      <a:spAutoFit/>
-                    </a:bodyPr>
-                    <a:lstStyle/>
-                    <a:p>
-                      <a:pPr algn="ctr"/>
-                      <a:r>
-                        <a:rPr lang="en-US" sz="3400" dirty="0">
-                          <a:latin typeface="Oxygen" panose="02000503000000000000" pitchFamily="2" charset="0"/>
-                        </a:rPr>
-                        <a:t>Deployment</a:t>
-                      </a:r>
-                    </a:p>
-                  </p:txBody>
-                </p:sp>
-              </p:grpSp>
-              <p:cxnSp>
-                <p:nvCxnSpPr>
-                  <p:cNvPr id="38" name="Straight Arrow Connector 37"/>
-                  <p:cNvCxnSpPr/>
-                  <p:nvPr/>
-                </p:nvCxnSpPr>
-                <p:spPr>
-                  <a:xfrm>
-                    <a:off x="9348334" y="12604328"/>
-                    <a:ext cx="1240758" cy="1"/>
-                  </a:xfrm>
-                  <a:prstGeom prst="straightConnector1">
-                    <a:avLst/>
-                  </a:prstGeom>
-                  <a:ln w="63500" cmpd="sng">
-                    <a:solidFill>
-                      <a:schemeClr val="tx2">
-                        <a:lumMod val="50000"/>
-                      </a:schemeClr>
-                    </a:solidFill>
-                    <a:prstDash val="solid"/>
-                    <a:round/>
-                    <a:headEnd type="none"/>
-                    <a:tailEnd type="stealth" w="lg" len="lg"/>
-                  </a:ln>
-                </p:spPr>
-                <p:style>
-                  <a:lnRef idx="1">
-                    <a:schemeClr val="accent1"/>
-                  </a:lnRef>
-                  <a:fillRef idx="0">
-                    <a:schemeClr val="accent1"/>
-                  </a:fillRef>
-                  <a:effectRef idx="0">
-                    <a:schemeClr val="accent1"/>
-                  </a:effectRef>
-                  <a:fontRef idx="minor">
-                    <a:schemeClr val="tx1"/>
-                  </a:fontRef>
-                </p:style>
-              </p:cxnSp>
-            </p:grpSp>
-            <p:sp>
-              <p:nvSpPr>
-                <p:cNvPr id="102" name="TextBox 101"/>
-                <p:cNvSpPr txBox="1"/>
-                <p:nvPr/>
-              </p:nvSpPr>
-              <p:spPr>
-                <a:xfrm>
-                  <a:off x="1919209" y="12704125"/>
-                  <a:ext cx="6054542" cy="3462486"/>
-                </a:xfrm>
-                <a:prstGeom prst="rect">
-                  <a:avLst/>
-                </a:prstGeom>
-                <a:noFill/>
-              </p:spPr>
               <p:txBody>
-                <a:bodyPr wrap="square" rtlCol="0">
-                  <a:spAutoFit/>
-                </a:bodyPr>
+                <a:bodyPr rtlCol="0" anchor="ctr"/>
                 <a:lstStyle/>
                 <a:p>
-                  <a:r>
-                    <a:rPr lang="en-US" sz="2100" b="1" dirty="0">
-                      <a:solidFill>
-                        <a:schemeClr val="tx2">
-                          <a:lumMod val="50000"/>
-                        </a:schemeClr>
-                      </a:solidFill>
-                      <a:latin typeface="Oxygen" panose="02000503000000000000" pitchFamily="2" charset="0"/>
-                    </a:rPr>
-                    <a:t>Components: </a:t>
-                  </a:r>
-                  <a:r>
-                    <a:rPr lang="en-US" sz="2100" dirty="0">
-                      <a:solidFill>
-                        <a:schemeClr val="tx2">
-                          <a:lumMod val="50000"/>
-                        </a:schemeClr>
-                      </a:solidFill>
-                      <a:latin typeface="Oxygen" panose="02000503000000000000" pitchFamily="2" charset="0"/>
-                    </a:rPr>
-                    <a:t>elements that have some runtime presence (processes, objects, clients, servers).</a:t>
-                  </a:r>
-                </a:p>
-                <a:p>
-                  <a:r>
-                    <a:rPr lang="en-US" sz="2100" b="1" dirty="0">
-                      <a:solidFill>
-                        <a:schemeClr val="tx2">
-                          <a:lumMod val="50000"/>
-                        </a:schemeClr>
-                      </a:solidFill>
-                      <a:latin typeface="Oxygen" panose="02000503000000000000" pitchFamily="2" charset="0"/>
-                    </a:rPr>
-                    <a:t>Connectors: </a:t>
-                  </a:r>
-                  <a:r>
-                    <a:rPr lang="en-US" sz="2100" dirty="0">
-                      <a:solidFill>
-                        <a:schemeClr val="tx2">
-                          <a:lumMod val="50000"/>
-                        </a:schemeClr>
-                      </a:solidFill>
-                      <a:latin typeface="Oxygen" panose="02000503000000000000" pitchFamily="2" charset="0"/>
-                    </a:rPr>
-                    <a:t>components’ pathways of interaction (protocols, information flows).</a:t>
-                  </a:r>
-                </a:p>
-                <a:p>
-                  <a:r>
-                    <a:rPr lang="en-US" sz="2100" b="1" dirty="0">
-                      <a:solidFill>
-                        <a:schemeClr val="tx2">
-                          <a:lumMod val="50000"/>
-                        </a:schemeClr>
-                      </a:solidFill>
-                      <a:latin typeface="Oxygen" panose="02000503000000000000" pitchFamily="2" charset="0"/>
-                    </a:rPr>
-                    <a:t>Ports: </a:t>
-                  </a:r>
-                  <a:r>
-                    <a:rPr lang="en-US" sz="2100" dirty="0">
-                      <a:solidFill>
-                        <a:schemeClr val="tx2">
-                          <a:lumMod val="50000"/>
-                        </a:schemeClr>
-                      </a:solidFill>
-                      <a:latin typeface="Oxygen" panose="02000503000000000000" pitchFamily="2" charset="0"/>
-                    </a:rPr>
-                    <a:t>component interfaces that define possible interaction with components.</a:t>
-                  </a:r>
-                  <a:endParaRPr lang="en-US" sz="1700" dirty="0">
-                    <a:solidFill>
-                      <a:schemeClr val="tx2">
-                        <a:lumMod val="50000"/>
-                      </a:schemeClr>
-                    </a:solidFill>
-                    <a:latin typeface="Oxygen" panose="02000503000000000000" pitchFamily="2" charset="0"/>
-                  </a:endParaRPr>
-                </a:p>
-                <a:p>
-                  <a:pPr marL="342900" indent="-342900">
-                    <a:buFont typeface="Arial" panose="020B0604020202020204" pitchFamily="34" charset="0"/>
-                    <a:buChar char="•"/>
-                  </a:pPr>
-                  <a:endParaRPr lang="en-US" sz="1700" dirty="0">
-                    <a:solidFill>
-                      <a:schemeClr val="tx2">
-                        <a:lumMod val="50000"/>
-                      </a:schemeClr>
-                    </a:solidFill>
-                    <a:latin typeface="Oxygen" panose="02000503000000000000" pitchFamily="2" charset="0"/>
-                  </a:endParaRPr>
-                </a:p>
-                <a:p>
-                  <a:pPr marL="342900" indent="-342900">
-                    <a:buFont typeface="Arial" panose="020B0604020202020204" pitchFamily="34" charset="0"/>
-                    <a:buChar char="•"/>
-                  </a:pPr>
-                  <a:r>
-                    <a:rPr lang="en-US" sz="1900" dirty="0">
-                      <a:solidFill>
-                        <a:schemeClr val="tx2">
-                          <a:lumMod val="50000"/>
-                        </a:schemeClr>
-                      </a:solidFill>
-                      <a:latin typeface="Oxygen" panose="02000503000000000000" pitchFamily="2" charset="0"/>
-                    </a:rPr>
-                    <a:t>Show how the system works</a:t>
-                  </a:r>
-                </a:p>
-                <a:p>
-                  <a:pPr marL="342900" indent="-342900">
-                    <a:buFont typeface="Arial" panose="020B0604020202020204" pitchFamily="34" charset="0"/>
-                    <a:buChar char="•"/>
-                  </a:pPr>
-                  <a:r>
-                    <a:rPr lang="en-US" sz="1900" dirty="0">
-                      <a:solidFill>
-                        <a:schemeClr val="tx2">
-                          <a:lumMod val="50000"/>
-                        </a:schemeClr>
-                      </a:solidFill>
-                      <a:latin typeface="Oxygen" panose="02000503000000000000" pitchFamily="2" charset="0"/>
-                    </a:rPr>
-                    <a:t>Guide development around structure </a:t>
-                  </a:r>
-                </a:p>
-                <a:p>
-                  <a:r>
-                    <a:rPr lang="en-US" sz="1900" dirty="0">
-                      <a:solidFill>
-                        <a:schemeClr val="tx2">
-                          <a:lumMod val="50000"/>
-                        </a:schemeClr>
-                      </a:solidFill>
-                      <a:latin typeface="Oxygen" panose="02000503000000000000" pitchFamily="2" charset="0"/>
-                    </a:rPr>
-                    <a:t>      &amp; behavior of runtime elements</a:t>
-                  </a:r>
-                </a:p>
-                <a:p>
-                  <a:pPr marL="342900" indent="-342900">
-                    <a:buFont typeface="Arial" panose="020B0604020202020204" pitchFamily="34" charset="0"/>
-                    <a:buChar char="•"/>
-                  </a:pPr>
-                  <a:r>
-                    <a:rPr lang="en-US" sz="1900" dirty="0">
-                      <a:solidFill>
-                        <a:schemeClr val="tx2">
-                          <a:lumMod val="50000"/>
-                        </a:schemeClr>
-                      </a:solidFill>
-                      <a:latin typeface="Oxygen" panose="02000503000000000000" pitchFamily="2" charset="0"/>
-                    </a:rPr>
-                    <a:t>To reason about performance and reliability</a:t>
-                  </a:r>
-                </a:p>
-              </p:txBody>
-            </p:sp>
-            <p:sp>
-              <p:nvSpPr>
-                <p:cNvPr id="101" name="TextBox 100"/>
-                <p:cNvSpPr txBox="1"/>
-                <p:nvPr/>
-              </p:nvSpPr>
-              <p:spPr>
-                <a:xfrm>
-                  <a:off x="1920387" y="9218087"/>
-                  <a:ext cx="6066967" cy="2970044"/>
-                </a:xfrm>
-                <a:prstGeom prst="rect">
-                  <a:avLst/>
-                </a:prstGeom>
-                <a:noFill/>
-              </p:spPr>
-              <p:txBody>
-                <a:bodyPr wrap="square" rtlCol="0">
-                  <a:spAutoFit/>
-                </a:bodyPr>
-                <a:lstStyle/>
-                <a:p>
-                  <a:r>
-                    <a:rPr lang="en-US" sz="2300" b="1" dirty="0">
-                      <a:solidFill>
-                        <a:schemeClr val="tx2">
-                          <a:lumMod val="50000"/>
-                        </a:schemeClr>
-                      </a:solidFill>
-                      <a:latin typeface="Oxygen" panose="02000503000000000000" pitchFamily="2" charset="0"/>
-                    </a:rPr>
-                    <a:t>Modules: </a:t>
-                  </a:r>
-                  <a:r>
-                    <a:rPr lang="en-US" sz="2300" dirty="0">
-                      <a:solidFill>
-                        <a:schemeClr val="tx2">
-                          <a:lumMod val="50000"/>
-                        </a:schemeClr>
-                      </a:solidFill>
-                      <a:latin typeface="Oxygen" panose="02000503000000000000" pitchFamily="2" charset="0"/>
-                    </a:rPr>
-                    <a:t>principal units of implementation</a:t>
-                  </a:r>
-                </a:p>
-                <a:p>
-                  <a:endParaRPr lang="en-US" sz="2300" dirty="0">
-                    <a:solidFill>
-                      <a:schemeClr val="tx2">
-                        <a:lumMod val="50000"/>
-                      </a:schemeClr>
-                    </a:solidFill>
-                    <a:latin typeface="Oxygen" panose="02000503000000000000" pitchFamily="2" charset="0"/>
-                  </a:endParaRPr>
-                </a:p>
-                <a:p>
-                  <a:pPr marL="457200" indent="-457200">
-                    <a:buFont typeface="Arial" panose="020B0604020202020204" pitchFamily="34" charset="0"/>
-                    <a:buChar char="•"/>
-                  </a:pPr>
-                  <a:r>
-                    <a:rPr lang="en-US" sz="2300" dirty="0">
-                      <a:solidFill>
-                        <a:schemeClr val="tx2">
-                          <a:lumMod val="50000"/>
-                        </a:schemeClr>
-                      </a:solidFill>
-                      <a:latin typeface="Oxygen" panose="02000503000000000000" pitchFamily="2" charset="0"/>
-                    </a:rPr>
-                    <a:t>Used to explain system functionality + structure of code base</a:t>
-                  </a:r>
-                </a:p>
-                <a:p>
-                  <a:pPr marL="457200" indent="-457200">
-                    <a:buFont typeface="Arial" panose="020B0604020202020204" pitchFamily="34" charset="0"/>
-                    <a:buChar char="•"/>
-                  </a:pPr>
-                  <a:r>
-                    <a:rPr lang="en-US" sz="2200" dirty="0">
-                      <a:solidFill>
-                        <a:schemeClr val="tx2">
-                          <a:lumMod val="50000"/>
-                        </a:schemeClr>
-                      </a:solidFill>
-                      <a:latin typeface="Oxygen" panose="02000503000000000000" pitchFamily="2" charset="0"/>
-                    </a:rPr>
-                    <a:t>A blueprint for code construction </a:t>
-                  </a:r>
-                </a:p>
-                <a:p>
-                  <a:r>
-                    <a:rPr lang="en-US" sz="2200" dirty="0">
-                      <a:solidFill>
-                        <a:schemeClr val="tx2">
-                          <a:lumMod val="50000"/>
-                        </a:schemeClr>
-                      </a:solidFill>
-                      <a:latin typeface="Oxygen" panose="02000503000000000000" pitchFamily="2" charset="0"/>
-                    </a:rPr>
-                    <a:t>      and incremental development</a:t>
-                  </a:r>
-                </a:p>
-                <a:p>
-                  <a:pPr marL="457200" indent="-457200">
-                    <a:buFont typeface="Arial" panose="020B0604020202020204" pitchFamily="34" charset="0"/>
-                    <a:buChar char="•"/>
-                  </a:pPr>
-                  <a:r>
-                    <a:rPr lang="en-US" sz="2300" dirty="0">
-                      <a:solidFill>
-                        <a:schemeClr val="tx2">
-                          <a:lumMod val="50000"/>
-                        </a:schemeClr>
-                      </a:solidFill>
-                      <a:latin typeface="Oxygen" panose="02000503000000000000" pitchFamily="2" charset="0"/>
-                    </a:rPr>
-                    <a:t>Analysis of code dependency</a:t>
-                  </a:r>
-                  <a:endParaRPr lang="en-US" sz="2300" dirty="0">
-                    <a:solidFill>
-                      <a:schemeClr val="tx2">
-                        <a:lumMod val="50000"/>
-                      </a:schemeClr>
-                    </a:solidFill>
-                    <a:latin typeface="Oxygen" panose="02000503000000000000" pitchFamily="2" charset="0"/>
-                  </a:endParaRPr>
-                </a:p>
-                <a:p>
-                  <a:pPr marL="457200" indent="-457200">
-                    <a:buFont typeface="Arial" panose="020B0604020202020204" pitchFamily="34" charset="0"/>
-                    <a:buChar char="•"/>
-                  </a:pPr>
-                  <a:endParaRPr lang="en-US" sz="2800" dirty="0">
-                    <a:solidFill>
-                      <a:schemeClr val="tx2">
-                        <a:lumMod val="50000"/>
-                      </a:schemeClr>
-                    </a:solidFill>
-                    <a:latin typeface="Oxygen" panose="02000503000000000000" pitchFamily="2" charset="0"/>
-                  </a:endParaRPr>
-                </a:p>
-              </p:txBody>
-            </p:sp>
-            <p:sp>
-              <p:nvSpPr>
-                <p:cNvPr id="103" name="TextBox 102"/>
-                <p:cNvSpPr txBox="1"/>
-                <p:nvPr/>
-              </p:nvSpPr>
-              <p:spPr>
-                <a:xfrm>
-                  <a:off x="1914670" y="16777421"/>
-                  <a:ext cx="5937816" cy="3400931"/>
-                </a:xfrm>
-                <a:prstGeom prst="rect">
-                  <a:avLst/>
-                </a:prstGeom>
-                <a:noFill/>
-              </p:spPr>
-              <p:txBody>
-                <a:bodyPr wrap="square" rtlCol="0">
-                  <a:spAutoFit/>
-                </a:bodyPr>
-                <a:lstStyle/>
-                <a:p>
-                  <a:r>
-                    <a:rPr lang="en-US" sz="2300" b="1" dirty="0">
-                      <a:solidFill>
-                        <a:schemeClr val="tx2">
-                          <a:lumMod val="50000"/>
-                        </a:schemeClr>
-                      </a:solidFill>
-                      <a:latin typeface="Oxygen" panose="02000503000000000000" pitchFamily="2" charset="0"/>
-                    </a:rPr>
-                    <a:t>Deployment View: </a:t>
-                  </a:r>
-                  <a:r>
-                    <a:rPr lang="en-US" sz="2300" dirty="0">
-                      <a:solidFill>
-                        <a:schemeClr val="tx2">
-                          <a:lumMod val="50000"/>
-                        </a:schemeClr>
-                      </a:solidFill>
-                      <a:latin typeface="Oxygen" panose="02000503000000000000" pitchFamily="2" charset="0"/>
-                    </a:rPr>
-                    <a:t>a mapping between software and non-software elements in the former’s environment. </a:t>
-                  </a:r>
-                  <a:r>
-                    <a:rPr lang="en-US" sz="2300" b="1" dirty="0">
-                      <a:solidFill>
-                        <a:schemeClr val="tx2">
-                          <a:lumMod val="50000"/>
-                        </a:schemeClr>
-                      </a:solidFill>
-                      <a:latin typeface="Oxygen" panose="02000503000000000000" pitchFamily="2" charset="0"/>
-                    </a:rPr>
-                    <a:t> </a:t>
-                  </a:r>
-                </a:p>
-                <a:p>
-                  <a:endParaRPr lang="en-US" sz="2300" b="1" dirty="0">
-                    <a:solidFill>
-                      <a:schemeClr val="tx2">
-                        <a:lumMod val="50000"/>
-                      </a:schemeClr>
-                    </a:solidFill>
-                    <a:latin typeface="Oxygen" panose="02000503000000000000" pitchFamily="2" charset="0"/>
-                  </a:endParaRPr>
-                </a:p>
-                <a:p>
-                  <a:pPr marL="342900" indent="-342900">
-                    <a:buFont typeface="Arial" panose="020B0604020202020204" pitchFamily="34" charset="0"/>
-                    <a:buChar char="•"/>
-                  </a:pPr>
-                  <a:r>
-                    <a:rPr lang="en-US" sz="2000" dirty="0">
-                      <a:solidFill>
-                        <a:schemeClr val="tx2">
-                          <a:lumMod val="50000"/>
-                        </a:schemeClr>
-                      </a:solidFill>
-                      <a:latin typeface="Oxygen" panose="02000503000000000000" pitchFamily="2" charset="0"/>
-                    </a:rPr>
-                    <a:t>Analyzing actual runtime performance, reliability, and security</a:t>
-                  </a:r>
-                </a:p>
-                <a:p>
-                  <a:pPr marL="342900" indent="-342900">
-                    <a:buFont typeface="Arial" panose="020B0604020202020204" pitchFamily="34" charset="0"/>
-                    <a:buChar char="•"/>
-                  </a:pPr>
-                  <a:r>
-                    <a:rPr lang="en-US" sz="2000" dirty="0">
-                      <a:solidFill>
-                        <a:schemeClr val="tx2">
-                          <a:lumMod val="50000"/>
-                        </a:schemeClr>
-                      </a:solidFill>
-                      <a:latin typeface="Oxygen" panose="02000503000000000000" pitchFamily="2" charset="0"/>
-                    </a:rPr>
-                    <a:t>SW elements: CnC elements</a:t>
-                  </a:r>
-                </a:p>
-                <a:p>
-                  <a:pPr marL="342900" indent="-342900">
-                    <a:buFont typeface="Arial" panose="020B0604020202020204" pitchFamily="34" charset="0"/>
-                    <a:buChar char="•"/>
-                  </a:pPr>
-                  <a:r>
-                    <a:rPr lang="en-US" sz="1900" dirty="0">
-                      <a:solidFill>
-                        <a:schemeClr val="tx2">
-                          <a:lumMod val="50000"/>
-                        </a:schemeClr>
-                      </a:solidFill>
-                      <a:latin typeface="Oxygen" panose="02000503000000000000" pitchFamily="2" charset="0"/>
-                    </a:rPr>
-                    <a:t>Environmental elements: hardware, </a:t>
-                  </a:r>
-                </a:p>
-                <a:p>
-                  <a:r>
-                    <a:rPr lang="en-US" sz="1900" dirty="0">
-                      <a:solidFill>
-                        <a:schemeClr val="tx2">
-                          <a:lumMod val="50000"/>
-                        </a:schemeClr>
-                      </a:solidFill>
-                      <a:latin typeface="Oxygen" panose="02000503000000000000" pitchFamily="2" charset="0"/>
-                    </a:rPr>
-                    <a:t>      network elements, and their capabilities</a:t>
-                  </a:r>
-                </a:p>
-                <a:p>
-                  <a:pPr marL="342900" indent="-342900">
-                    <a:buFont typeface="Arial" panose="020B0604020202020204" pitchFamily="34" charset="0"/>
-                    <a:buChar char="•"/>
-                  </a:pPr>
-                  <a:endParaRPr lang="en-US" sz="2300" b="1" dirty="0">
-                    <a:solidFill>
-                      <a:schemeClr val="tx2">
-                        <a:lumMod val="50000"/>
-                      </a:schemeClr>
-                    </a:solidFill>
+                  <a:pPr algn="ctr"/>
+                  <a:endParaRPr lang="en-US">
                     <a:latin typeface="Oxygen" panose="02000503000000000000" pitchFamily="2" charset="0"/>
                   </a:endParaRPr>
                 </a:p>
@@ -7344,153 +7614,668 @@
             </p:sp>
           </p:grpSp>
         </p:grpSp>
-      </p:grpSp>
-      <p:sp>
-        <p:nvSpPr>
-          <p:cNvPr id="124" name="TextBox 123"/>
-          <p:cNvSpPr txBox="1"/>
-          <p:nvPr/>
-        </p:nvSpPr>
-        <p:spPr>
-          <a:xfrm>
-            <a:off x="12250982" y="32756586"/>
-            <a:ext cx="16903020" cy="3785652"/>
-          </a:xfrm>
-          <a:prstGeom prst="rect">
-            <a:avLst/>
-          </a:prstGeom>
-          <a:noFill/>
-        </p:spPr>
-        <p:txBody>
-          <a:bodyPr wrap="square" rtlCol="0">
-            <a:spAutoFit/>
-          </a:bodyPr>
-          <a:lstStyle/>
-          <a:p>
-            <a:r>
-              <a:rPr lang="en-US" sz="4000" b="1" dirty="0">
+        <p:cxnSp>
+          <p:nvCxnSpPr>
+            <p:cNvPr id="153" name="Straight Arrow Connector 152"/>
+            <p:cNvCxnSpPr/>
+            <p:nvPr/>
+          </p:nvCxnSpPr>
+          <p:spPr>
+            <a:xfrm>
+              <a:off x="20718379" y="12254477"/>
+              <a:ext cx="0" cy="1171005"/>
+            </a:xfrm>
+            <a:prstGeom prst="straightConnector1">
+              <a:avLst/>
+            </a:prstGeom>
+            <a:ln w="63500">
+              <a:solidFill>
+                <a:schemeClr val="tx2">
+                  <a:lumMod val="50000"/>
+                </a:schemeClr>
+              </a:solidFill>
+              <a:tailEnd type="stealth" w="lg" len="lg"/>
+            </a:ln>
+          </p:spPr>
+          <p:style>
+            <a:lnRef idx="1">
+              <a:schemeClr val="accent1"/>
+            </a:lnRef>
+            <a:fillRef idx="0">
+              <a:schemeClr val="accent1"/>
+            </a:fillRef>
+            <a:effectRef idx="0">
+              <a:schemeClr val="accent1"/>
+            </a:effectRef>
+            <a:fontRef idx="minor">
+              <a:schemeClr val="tx1"/>
+            </a:fontRef>
+          </p:style>
+        </p:cxnSp>
+        <p:sp>
+          <p:nvSpPr>
+            <p:cNvPr id="154" name="TextBox 153"/>
+            <p:cNvSpPr txBox="1"/>
+            <p:nvPr/>
+          </p:nvSpPr>
+          <p:spPr>
+            <a:xfrm>
+              <a:off x="816150" y="34407300"/>
+              <a:ext cx="9546689" cy="7109639"/>
+            </a:xfrm>
+            <a:prstGeom prst="rect">
+              <a:avLst/>
+            </a:prstGeom>
+            <a:noFill/>
+          </p:spPr>
+          <p:txBody>
+            <a:bodyPr wrap="square" rtlCol="0">
+              <a:spAutoFit/>
+            </a:bodyPr>
+            <a:lstStyle/>
+            <a:p>
+              <a:r>
+                <a:rPr lang="en-US" sz="3600" b="1" dirty="0">
+                  <a:solidFill>
+                    <a:srgbClr val="FEFCE8"/>
+                  </a:solidFill>
+                  <a:latin typeface="Oxygen" panose="02000503000000000000" pitchFamily="2" charset="0"/>
+                </a:rPr>
+                <a:t>component Client</a:t>
+              </a:r>
+            </a:p>
+            <a:p>
+              <a:r>
+                <a:rPr lang="en-US" sz="3600" b="1" dirty="0">
+                  <a:solidFill>
+                    <a:srgbClr val="FEFCE8"/>
+                  </a:solidFill>
+                  <a:latin typeface="Oxygen" panose="02000503000000000000" pitchFamily="2" charset="0"/>
+                </a:rPr>
+                <a:t>	port </a:t>
+              </a:r>
+              <a:r>
+                <a:rPr lang="en-US" sz="3600" b="1" dirty="0" err="1">
+                  <a:solidFill>
+                    <a:srgbClr val="FEFCE8"/>
+                  </a:solidFill>
+                  <a:latin typeface="Oxygen" panose="02000503000000000000" pitchFamily="2" charset="0"/>
+                </a:rPr>
+                <a:t>getInfo</a:t>
+              </a:r>
+              <a:r>
+                <a:rPr lang="en-US" sz="3600" b="1" dirty="0">
+                  <a:solidFill>
+                    <a:srgbClr val="FEFCE8"/>
+                  </a:solidFill>
+                  <a:latin typeface="Oxygen" panose="02000503000000000000" pitchFamily="2" charset="0"/>
+                </a:rPr>
+                <a:t>: requires </a:t>
+              </a:r>
+              <a:r>
+                <a:rPr lang="en-US" sz="3600" b="1" dirty="0" err="1">
+                  <a:solidFill>
+                    <a:srgbClr val="FEFCE8"/>
+                  </a:solidFill>
+                  <a:latin typeface="Oxygen" panose="02000503000000000000" pitchFamily="2" charset="0"/>
+                </a:rPr>
+                <a:t>CSIface</a:t>
+              </a:r>
+              <a:endParaRPr lang="en-US" sz="3600" b="1" dirty="0">
                 <a:solidFill>
-                  <a:srgbClr val="0070C0"/>
+                  <a:srgbClr val="FEFCE8"/>
                 </a:solidFill>
-                <a:highlight>
-                  <a:srgbClr val="FFFF00"/>
-                </a:highlight>
                 <a:latin typeface="Oxygen" panose="02000503000000000000" pitchFamily="2" charset="0"/>
-              </a:rPr>
-              <a:t>&lt;INSERT EXAMPLE TRINITY CODE OF EXAMPLE ARCH.&gt;</a:t>
-            </a:r>
-          </a:p>
-          <a:p>
-            <a:r>
-              <a:rPr lang="en-US" sz="4000" b="1" dirty="0">
+              </a:endParaRPr>
+            </a:p>
+            <a:p>
+              <a:br>
+                <a:rPr lang="en-US" sz="3600" b="1" dirty="0">
+                  <a:solidFill>
+                    <a:srgbClr val="FEFCE8"/>
+                  </a:solidFill>
+                  <a:latin typeface="Oxygen" panose="02000503000000000000" pitchFamily="2" charset="0"/>
+                </a:rPr>
+              </a:br>
+              <a:r>
+                <a:rPr lang="en-US" sz="3600" b="1" dirty="0">
+                  <a:solidFill>
+                    <a:srgbClr val="FEFCE8"/>
+                  </a:solidFill>
+                  <a:latin typeface="Oxygen" panose="02000503000000000000" pitchFamily="2" charset="0"/>
+                </a:rPr>
+                <a:t>component Server</a:t>
+              </a:r>
+            </a:p>
+            <a:p>
+              <a:r>
+                <a:rPr lang="en-US" sz="3600" b="1" dirty="0">
+                  <a:solidFill>
+                    <a:srgbClr val="FEFCE8"/>
+                  </a:solidFill>
+                  <a:latin typeface="Oxygen" panose="02000503000000000000" pitchFamily="2" charset="0"/>
+                </a:rPr>
+                <a:t>	port </a:t>
+              </a:r>
+              <a:r>
+                <a:rPr lang="en-US" sz="3600" b="1" dirty="0" err="1">
+                  <a:solidFill>
+                    <a:srgbClr val="FEFCE8"/>
+                  </a:solidFill>
+                  <a:latin typeface="Oxygen" panose="02000503000000000000" pitchFamily="2" charset="0"/>
+                </a:rPr>
+                <a:t>sendInfo</a:t>
+              </a:r>
+              <a:r>
+                <a:rPr lang="en-US" sz="3600" b="1" dirty="0">
+                  <a:solidFill>
+                    <a:srgbClr val="FEFCE8"/>
+                  </a:solidFill>
+                  <a:latin typeface="Oxygen" panose="02000503000000000000" pitchFamily="2" charset="0"/>
+                </a:rPr>
+                <a:t>: provides </a:t>
+              </a:r>
+              <a:r>
+                <a:rPr lang="en-US" sz="3600" b="1" dirty="0" err="1">
+                  <a:solidFill>
+                    <a:srgbClr val="FEFCE8"/>
+                  </a:solidFill>
+                  <a:latin typeface="Oxygen" panose="02000503000000000000" pitchFamily="2" charset="0"/>
+                </a:rPr>
+                <a:t>CSIface</a:t>
+              </a:r>
+              <a:endParaRPr lang="en-US" sz="3600" b="1" dirty="0">
                 <a:solidFill>
-                  <a:srgbClr val="0070C0"/>
+                  <a:srgbClr val="FEFCE8"/>
                 </a:solidFill>
-                <a:highlight>
-                  <a:srgbClr val="FFFF00"/>
-                </a:highlight>
                 <a:latin typeface="Oxygen" panose="02000503000000000000" pitchFamily="2" charset="0"/>
-              </a:rPr>
-              <a:t>	* describe each component</a:t>
-            </a:r>
-          </a:p>
-          <a:p>
-            <a:endParaRPr lang="en-US" sz="4000" b="1" dirty="0">
-              <a:solidFill>
-                <a:srgbClr val="0070C0"/>
-              </a:solidFill>
-              <a:highlight>
-                <a:srgbClr val="FFFF00"/>
-              </a:highlight>
-              <a:latin typeface="Oxygen" panose="02000503000000000000" pitchFamily="2" charset="0"/>
-            </a:endParaRPr>
-          </a:p>
-          <a:p>
-            <a:r>
-              <a:rPr lang="en-US" sz="4000" b="1" dirty="0">
+              </a:endParaRPr>
+            </a:p>
+            <a:p>
+              <a:br>
+                <a:rPr lang="en-US" sz="3600" b="1" dirty="0">
+                  <a:solidFill>
+                    <a:srgbClr val="FEFCE8"/>
+                  </a:solidFill>
+                  <a:latin typeface="Oxygen" panose="02000503000000000000" pitchFamily="2" charset="0"/>
+                </a:rPr>
+              </a:br>
+              <a:r>
+                <a:rPr lang="en-US" sz="3600" b="1" dirty="0">
+                  <a:solidFill>
+                    <a:srgbClr val="FEFCE8"/>
+                  </a:solidFill>
+                  <a:latin typeface="Oxygen" panose="02000503000000000000" pitchFamily="2" charset="0"/>
+                </a:rPr>
+                <a:t>external component DB</a:t>
+              </a:r>
+            </a:p>
+            <a:p>
+              <a:r>
+                <a:rPr lang="en-US" sz="3600" b="1" dirty="0">
+                  <a:solidFill>
+                    <a:srgbClr val="FEFCE8"/>
+                  </a:solidFill>
+                  <a:latin typeface="Oxygen" panose="02000503000000000000" pitchFamily="2" charset="0"/>
+                </a:rPr>
+                <a:t>	port </a:t>
+              </a:r>
+              <a:r>
+                <a:rPr lang="en-US" sz="3600" b="1" dirty="0" err="1">
+                  <a:solidFill>
+                    <a:srgbClr val="FEFCE8"/>
+                  </a:solidFill>
+                  <a:latin typeface="Oxygen" panose="02000503000000000000" pitchFamily="2" charset="0"/>
+                </a:rPr>
+                <a:t>dbIface</a:t>
+              </a:r>
+              <a:r>
+                <a:rPr lang="en-US" sz="3600" b="1" dirty="0">
+                  <a:solidFill>
+                    <a:srgbClr val="FEFCE8"/>
+                  </a:solidFill>
+                  <a:latin typeface="Oxygen" panose="02000503000000000000" pitchFamily="2" charset="0"/>
+                </a:rPr>
+                <a:t>: target </a:t>
+              </a:r>
+              <a:r>
+                <a:rPr lang="en-US" sz="3600" b="1" dirty="0" err="1">
+                  <a:solidFill>
+                    <a:srgbClr val="FEFCE8"/>
+                  </a:solidFill>
+                  <a:latin typeface="Oxygen" panose="02000503000000000000" pitchFamily="2" charset="0"/>
+                </a:rPr>
+                <a:t>DBModule</a:t>
+              </a:r>
+              <a:endParaRPr lang="en-US" sz="3600" b="1" dirty="0">
                 <a:solidFill>
-                  <a:srgbClr val="0070C0"/>
+                  <a:srgbClr val="FEFCE8"/>
                 </a:solidFill>
-                <a:highlight>
-                  <a:srgbClr val="FFFF00"/>
-                </a:highlight>
                 <a:latin typeface="Oxygen" panose="02000503000000000000" pitchFamily="2" charset="0"/>
-              </a:rPr>
-              <a:t>&lt;INSERT SOFTWARE ARCHITECTURE DIAGRAM OF EXAMPLE&gt;</a:t>
-            </a:r>
-          </a:p>
-          <a:p>
-            <a:r>
-              <a:rPr lang="en-US" sz="4000" b="1" dirty="0">
+              </a:endParaRPr>
+            </a:p>
+            <a:p>
+              <a:br>
+                <a:rPr lang="en-US" sz="3600" b="1" dirty="0">
+                  <a:solidFill>
+                    <a:srgbClr val="FEFCE8"/>
+                  </a:solidFill>
+                  <a:latin typeface="Oxygen" panose="02000503000000000000" pitchFamily="2" charset="0"/>
+                </a:rPr>
+              </a:br>
+              <a:r>
+                <a:rPr lang="en-US" sz="3600" b="1" dirty="0">
+                  <a:solidFill>
+                    <a:srgbClr val="FEFCE8"/>
+                  </a:solidFill>
+                  <a:latin typeface="Oxygen" panose="02000503000000000000" pitchFamily="2" charset="0"/>
+                </a:rPr>
+                <a:t>connector </a:t>
+              </a:r>
+              <a:r>
+                <a:rPr lang="en-US" sz="3600" b="1" dirty="0" err="1">
+                  <a:solidFill>
+                    <a:srgbClr val="FEFCE8"/>
+                  </a:solidFill>
+                  <a:latin typeface="Oxygen" panose="02000503000000000000" pitchFamily="2" charset="0"/>
+                </a:rPr>
+                <a:t>JDBCCtr</a:t>
+              </a:r>
+              <a:endParaRPr lang="en-US" sz="3600" b="1" dirty="0">
                 <a:solidFill>
-                  <a:srgbClr val="0070C0"/>
+                  <a:srgbClr val="FEFCE8"/>
                 </a:solidFill>
-                <a:highlight>
-                  <a:srgbClr val="FFFF00"/>
-                </a:highlight>
                 <a:latin typeface="Oxygen" panose="02000503000000000000" pitchFamily="2" charset="0"/>
-              </a:rPr>
-              <a:t>	</a:t>
-            </a:r>
-          </a:p>
-          <a:p>
-            <a:endParaRPr lang="en-US" sz="4000" b="1" dirty="0">
-              <a:solidFill>
-                <a:srgbClr val="0070C0"/>
-              </a:solidFill>
-              <a:highlight>
-                <a:srgbClr val="FFFF00"/>
-              </a:highlight>
-              <a:latin typeface="Oxygen" panose="02000503000000000000" pitchFamily="2" charset="0"/>
-            </a:endParaRPr>
-          </a:p>
-        </p:txBody>
-      </p:sp>
-      <p:grpSp>
-        <p:nvGrpSpPr>
-          <p:cNvPr id="151" name="Group 150"/>
-          <p:cNvGrpSpPr/>
-          <p:nvPr/>
-        </p:nvGrpSpPr>
-        <p:grpSpPr>
-          <a:xfrm>
-            <a:off x="10777675" y="8831573"/>
-            <a:ext cx="8040015" cy="10412754"/>
-            <a:chOff x="10777675" y="8831573"/>
-            <a:chExt cx="8040015" cy="10412754"/>
-          </a:xfrm>
-        </p:grpSpPr>
+              </a:endParaRPr>
+            </a:p>
+            <a:p>
+              <a:r>
+                <a:rPr lang="en-US" sz="3600" b="1" dirty="0">
+                  <a:solidFill>
+                    <a:srgbClr val="FEFCE8"/>
+                  </a:solidFill>
+                  <a:latin typeface="Oxygen" panose="02000503000000000000" pitchFamily="2" charset="0"/>
+                </a:rPr>
+                <a:t>	</a:t>
+              </a:r>
+              <a:r>
+                <a:rPr lang="en-US" sz="3600" b="1" dirty="0" err="1">
+                  <a:solidFill>
+                    <a:srgbClr val="FEFCE8"/>
+                  </a:solidFill>
+                  <a:latin typeface="Oxygen" panose="02000503000000000000" pitchFamily="2" charset="0"/>
+                </a:rPr>
+                <a:t>val</a:t>
+              </a:r>
+              <a:r>
+                <a:rPr lang="en-US" sz="3600" b="1" dirty="0">
+                  <a:solidFill>
+                    <a:srgbClr val="FEFCE8"/>
+                  </a:solidFill>
+                  <a:latin typeface="Oxygen" panose="02000503000000000000" pitchFamily="2" charset="0"/>
+                </a:rPr>
+                <a:t> </a:t>
+              </a:r>
+              <a:r>
+                <a:rPr lang="en-US" sz="3600" b="1" dirty="0" err="1">
+                  <a:solidFill>
+                    <a:srgbClr val="FEFCE8"/>
+                  </a:solidFill>
+                  <a:latin typeface="Oxygen" panose="02000503000000000000" pitchFamily="2" charset="0"/>
+                </a:rPr>
+                <a:t>connectionString</a:t>
+              </a:r>
+              <a:r>
+                <a:rPr lang="en-US" sz="3600" b="1" dirty="0">
+                  <a:solidFill>
+                    <a:srgbClr val="FEFCE8"/>
+                  </a:solidFill>
+                  <a:latin typeface="Oxygen" panose="02000503000000000000" pitchFamily="2" charset="0"/>
+                </a:rPr>
+                <a:t>: String</a:t>
+              </a:r>
+            </a:p>
+            <a:p>
+              <a:pPr lvl="2">
+                <a:lnSpc>
+                  <a:spcPts val="3600"/>
+                </a:lnSpc>
+              </a:pPr>
+              <a:br>
+                <a:rPr lang="en-US" sz="3600" b="1" dirty="0">
+                  <a:solidFill>
+                    <a:srgbClr val="FEFCE8"/>
+                  </a:solidFill>
+                  <a:latin typeface="Oxygen" panose="02000503000000000000" pitchFamily="2" charset="0"/>
+                </a:rPr>
+              </a:br>
+              <a:endParaRPr lang="en-US" sz="3600" b="1" dirty="0">
+                <a:solidFill>
+                  <a:srgbClr val="FEFCE8"/>
+                </a:solidFill>
+                <a:latin typeface="Oxygen" panose="02000503000000000000" pitchFamily="2" charset="0"/>
+              </a:endParaRPr>
+            </a:p>
+          </p:txBody>
+        </p:sp>
+        <p:sp>
+          <p:nvSpPr>
+            <p:cNvPr id="155" name="TextBox 154"/>
+            <p:cNvSpPr txBox="1"/>
+            <p:nvPr/>
+          </p:nvSpPr>
+          <p:spPr>
+            <a:xfrm>
+              <a:off x="8854996" y="32869511"/>
+              <a:ext cx="10074861" cy="7894469"/>
+            </a:xfrm>
+            <a:prstGeom prst="rect">
+              <a:avLst/>
+            </a:prstGeom>
+            <a:noFill/>
+          </p:spPr>
+          <p:txBody>
+            <a:bodyPr wrap="square" rtlCol="0">
+              <a:spAutoFit/>
+            </a:bodyPr>
+            <a:lstStyle/>
+            <a:p>
+              <a:r>
+                <a:rPr lang="en-US" sz="3900" b="1" dirty="0">
+                  <a:solidFill>
+                    <a:srgbClr val="FEFCE8"/>
+                  </a:solidFill>
+                  <a:latin typeface="Oxygen" panose="02000503000000000000" pitchFamily="2" charset="0"/>
+                </a:rPr>
+                <a:t>architecture </a:t>
+              </a:r>
+            </a:p>
+            <a:p>
+              <a:r>
+                <a:rPr lang="en-US" sz="3900" b="1" dirty="0">
+                  <a:solidFill>
+                    <a:srgbClr val="FEFCE8"/>
+                  </a:solidFill>
+                  <a:latin typeface="Oxygen" panose="02000503000000000000" pitchFamily="2" charset="0"/>
+                </a:rPr>
+                <a:t>	components</a:t>
+              </a:r>
+            </a:p>
+            <a:p>
+              <a:r>
+                <a:rPr lang="en-US" sz="3900" b="1" dirty="0">
+                  <a:solidFill>
+                    <a:srgbClr val="FEFCE8"/>
+                  </a:solidFill>
+                  <a:latin typeface="Oxygen" panose="02000503000000000000" pitchFamily="2" charset="0"/>
+                </a:rPr>
+                <a:t>		Client </a:t>
+              </a:r>
+              <a:r>
+                <a:rPr lang="en-US" sz="3900" b="1" dirty="0" err="1">
+                  <a:solidFill>
+                    <a:srgbClr val="FEFCE8"/>
+                  </a:solidFill>
+                  <a:latin typeface="Oxygen" panose="02000503000000000000" pitchFamily="2" charset="0"/>
+                </a:rPr>
+                <a:t>client</a:t>
+              </a:r>
+              <a:endParaRPr lang="en-US" sz="3900" b="1" dirty="0">
+                <a:solidFill>
+                  <a:srgbClr val="FEFCE8"/>
+                </a:solidFill>
+                <a:latin typeface="Oxygen" panose="02000503000000000000" pitchFamily="2" charset="0"/>
+              </a:endParaRPr>
+            </a:p>
+            <a:p>
+              <a:r>
+                <a:rPr lang="en-US" sz="3900" b="1" dirty="0">
+                  <a:solidFill>
+                    <a:srgbClr val="FEFCE8"/>
+                  </a:solidFill>
+                  <a:latin typeface="Oxygen" panose="02000503000000000000" pitchFamily="2" charset="0"/>
+                </a:rPr>
+                <a:t>		Server </a:t>
+              </a:r>
+              <a:r>
+                <a:rPr lang="en-US" sz="3900" b="1" dirty="0" err="1">
+                  <a:solidFill>
+                    <a:srgbClr val="FEFCE8"/>
+                  </a:solidFill>
+                  <a:latin typeface="Oxygen" panose="02000503000000000000" pitchFamily="2" charset="0"/>
+                </a:rPr>
+                <a:t>server</a:t>
+              </a:r>
+              <a:endParaRPr lang="en-US" sz="3900" b="1" dirty="0">
+                <a:solidFill>
+                  <a:srgbClr val="FEFCE8"/>
+                </a:solidFill>
+                <a:latin typeface="Oxygen" panose="02000503000000000000" pitchFamily="2" charset="0"/>
+              </a:endParaRPr>
+            </a:p>
+            <a:p>
+              <a:br>
+                <a:rPr lang="en-US" sz="3900" b="1" dirty="0">
+                  <a:solidFill>
+                    <a:srgbClr val="FEFCE8"/>
+                  </a:solidFill>
+                  <a:latin typeface="Oxygen" panose="02000503000000000000" pitchFamily="2" charset="0"/>
+                </a:rPr>
+              </a:br>
+              <a:r>
+                <a:rPr lang="en-US" sz="3900" b="1" dirty="0">
+                  <a:solidFill>
+                    <a:srgbClr val="FEFCE8"/>
+                  </a:solidFill>
+                  <a:latin typeface="Oxygen" panose="02000503000000000000" pitchFamily="2" charset="0"/>
+                </a:rPr>
+                <a:t>	connectors</a:t>
+              </a:r>
+            </a:p>
+            <a:p>
+              <a:r>
+                <a:rPr lang="en-US" sz="3900" b="1" dirty="0">
+                  <a:solidFill>
+                    <a:srgbClr val="FEFCE8"/>
+                  </a:solidFill>
+                  <a:latin typeface="Oxygen" panose="02000503000000000000" pitchFamily="2" charset="0"/>
+                </a:rPr>
+                <a:t>		</a:t>
+              </a:r>
+              <a:r>
+                <a:rPr lang="en-US" sz="3900" b="1" dirty="0" err="1">
+                  <a:solidFill>
+                    <a:srgbClr val="FEFCE8"/>
+                  </a:solidFill>
+                  <a:latin typeface="Oxygen" panose="02000503000000000000" pitchFamily="2" charset="0"/>
+                </a:rPr>
+                <a:t>JSONCtr</a:t>
+              </a:r>
+              <a:r>
+                <a:rPr lang="en-US" sz="3900" b="1" dirty="0">
+                  <a:solidFill>
+                    <a:srgbClr val="FEFCE8"/>
+                  </a:solidFill>
+                  <a:latin typeface="Oxygen" panose="02000503000000000000" pitchFamily="2" charset="0"/>
+                </a:rPr>
+                <a:t> </a:t>
+              </a:r>
+              <a:r>
+                <a:rPr lang="en-US" sz="3900" b="1" dirty="0" err="1">
+                  <a:solidFill>
+                    <a:srgbClr val="FEFCE8"/>
+                  </a:solidFill>
+                  <a:latin typeface="Oxygen" panose="02000503000000000000" pitchFamily="2" charset="0"/>
+                </a:rPr>
+                <a:t>jsonCtr</a:t>
+              </a:r>
+              <a:endParaRPr lang="en-US" sz="3900" b="1" dirty="0">
+                <a:solidFill>
+                  <a:srgbClr val="FEFCE8"/>
+                </a:solidFill>
+                <a:latin typeface="Oxygen" panose="02000503000000000000" pitchFamily="2" charset="0"/>
+              </a:endParaRPr>
+            </a:p>
+            <a:p>
+              <a:r>
+                <a:rPr lang="en-US" sz="3900" b="1" dirty="0">
+                  <a:solidFill>
+                    <a:srgbClr val="FEFCE8"/>
+                  </a:solidFill>
+                  <a:latin typeface="Oxygen" panose="02000503000000000000" pitchFamily="2" charset="0"/>
+                </a:rPr>
+                <a:t>	attachments </a:t>
+              </a:r>
+            </a:p>
+            <a:p>
+              <a:r>
+                <a:rPr lang="en-US" sz="3900" b="1" dirty="0">
+                  <a:solidFill>
+                    <a:srgbClr val="FEFCE8"/>
+                  </a:solidFill>
+                  <a:latin typeface="Oxygen" panose="02000503000000000000" pitchFamily="2" charset="0"/>
+                </a:rPr>
+                <a:t>		Connect </a:t>
+              </a:r>
+              <a:r>
+                <a:rPr lang="en-US" sz="3900" b="1" dirty="0" err="1">
+                  <a:solidFill>
+                    <a:srgbClr val="FEFCE8"/>
+                  </a:solidFill>
+                  <a:latin typeface="Oxygen" panose="02000503000000000000" pitchFamily="2" charset="0"/>
+                </a:rPr>
+                <a:t>client.getInfo</a:t>
+              </a:r>
+              <a:r>
+                <a:rPr lang="en-US" sz="3900" b="1" dirty="0">
+                  <a:solidFill>
+                    <a:srgbClr val="FEFCE8"/>
+                  </a:solidFill>
+                  <a:latin typeface="Oxygen" panose="02000503000000000000" pitchFamily="2" charset="0"/>
+                </a:rPr>
+                <a:t> and 				</a:t>
+              </a:r>
+              <a:r>
+                <a:rPr lang="en-US" sz="3900" b="1" dirty="0" err="1">
+                  <a:solidFill>
+                    <a:srgbClr val="FEFCE8"/>
+                  </a:solidFill>
+                  <a:latin typeface="Oxygen" panose="02000503000000000000" pitchFamily="2" charset="0"/>
+                </a:rPr>
+                <a:t>server.sendInfo</a:t>
+              </a:r>
+              <a:r>
+                <a:rPr lang="en-US" sz="3900" b="1" dirty="0">
+                  <a:solidFill>
+                    <a:srgbClr val="FEFCE8"/>
+                  </a:solidFill>
+                  <a:latin typeface="Oxygen" panose="02000503000000000000" pitchFamily="2" charset="0"/>
+                </a:rPr>
+                <a:t> with </a:t>
+              </a:r>
+              <a:r>
+                <a:rPr lang="en-US" sz="3900" b="1" dirty="0" err="1">
+                  <a:solidFill>
+                    <a:srgbClr val="FEFCE8"/>
+                  </a:solidFill>
+                  <a:latin typeface="Oxygen" panose="02000503000000000000" pitchFamily="2" charset="0"/>
+                </a:rPr>
+                <a:t>jsonCtr</a:t>
+              </a:r>
+              <a:endParaRPr lang="en-US" sz="3900" b="1" dirty="0">
+                <a:solidFill>
+                  <a:srgbClr val="FEFCE8"/>
+                </a:solidFill>
+                <a:latin typeface="Oxygen" panose="02000503000000000000" pitchFamily="2" charset="0"/>
+              </a:endParaRPr>
+            </a:p>
+            <a:p>
+              <a:br>
+                <a:rPr lang="en-US" sz="3900" b="1" dirty="0">
+                  <a:solidFill>
+                    <a:srgbClr val="FEFCE8"/>
+                  </a:solidFill>
+                  <a:latin typeface="Oxygen" panose="02000503000000000000" pitchFamily="2" charset="0"/>
+                </a:rPr>
+              </a:br>
+              <a:r>
+                <a:rPr lang="en-US" sz="3900" b="1" dirty="0">
+                  <a:solidFill>
+                    <a:srgbClr val="FEFCE8"/>
+                  </a:solidFill>
+                  <a:latin typeface="Oxygen" panose="02000503000000000000" pitchFamily="2" charset="0"/>
+                </a:rPr>
+                <a:t>	</a:t>
+              </a:r>
+              <a:r>
+                <a:rPr lang="en-US" sz="3900" b="1" dirty="0" err="1">
+                  <a:solidFill>
+                    <a:srgbClr val="FEFCE8"/>
+                  </a:solidFill>
+                  <a:latin typeface="Oxygen" panose="02000503000000000000" pitchFamily="2" charset="0"/>
+                </a:rPr>
+                <a:t>entryPoints</a:t>
+              </a:r>
+              <a:endParaRPr lang="en-US" sz="3900" b="1" dirty="0">
+                <a:solidFill>
+                  <a:srgbClr val="FEFCE8"/>
+                </a:solidFill>
+                <a:latin typeface="Oxygen" panose="02000503000000000000" pitchFamily="2" charset="0"/>
+              </a:endParaRPr>
+            </a:p>
+            <a:p>
+              <a:r>
+                <a:rPr lang="en-US" sz="3900" b="1" dirty="0">
+                  <a:solidFill>
+                    <a:srgbClr val="FEFCE8"/>
+                  </a:solidFill>
+                  <a:latin typeface="Oxygen" panose="02000503000000000000" pitchFamily="2" charset="0"/>
+                </a:rPr>
+                <a:t>		Client: start</a:t>
+              </a:r>
+              <a:endParaRPr lang="en-US" sz="3900" b="1" dirty="0">
+                <a:solidFill>
+                  <a:srgbClr val="FEFCE8"/>
+                </a:solidFill>
+                <a:latin typeface="Oxygen" panose="02000503000000000000" pitchFamily="2" charset="0"/>
+              </a:endParaRPr>
+            </a:p>
+          </p:txBody>
+        </p:sp>
         <p:grpSp>
           <p:nvGrpSpPr>
-            <p:cNvPr id="11" name="Group 10"/>
+            <p:cNvPr id="177" name="Group 176"/>
             <p:cNvGrpSpPr/>
             <p:nvPr/>
           </p:nvGrpSpPr>
           <p:grpSpPr>
             <a:xfrm>
-              <a:off x="10777675" y="9712796"/>
-              <a:ext cx="8040015" cy="9531531"/>
-              <a:chOff x="10921058" y="9151946"/>
-              <a:chExt cx="8040015" cy="9531531"/>
+              <a:off x="-828674" y="20304197"/>
+              <a:ext cx="31924623" cy="10199816"/>
+              <a:chOff x="-830814" y="20307954"/>
+              <a:chExt cx="31924623" cy="10199816"/>
             </a:xfrm>
           </p:grpSpPr>
           <p:sp>
             <p:nvSpPr>
-              <p:cNvPr id="82" name="Oval 81"/>
+              <p:cNvPr id="75" name="Speech Bubble: Rectangle 74"/>
               <p:cNvSpPr/>
               <p:nvPr/>
             </p:nvSpPr>
             <p:spPr>
-              <a:xfrm>
-                <a:off x="10921058" y="11254012"/>
-                <a:ext cx="8040015" cy="7429465"/>
+              <a:xfrm rot="10800000">
+                <a:off x="-1" y="20307954"/>
+                <a:ext cx="30262996" cy="10199816"/>
               </a:xfrm>
-              <a:prstGeom prst="ellipse">
-                <a:avLst/>
+              <a:prstGeom prst="wedgeRectCallout">
+                <a:avLst>
+                  <a:gd name="adj1" fmla="val -33287"/>
+                  <a:gd name="adj2" fmla="val 69533"/>
+                </a:avLst>
               </a:prstGeom>
               <a:solidFill>
-                <a:srgbClr val="CD6D6D">
-                  <a:alpha val="13000"/>
+                <a:srgbClr val="EEDD96">
+                  <a:alpha val="75000"/>
                 </a:srgbClr>
               </a:solidFill>
               <a:ln>
@@ -7518,113 +8303,36 @@
               <a:lstStyle/>
               <a:p>
                 <a:pPr algn="ctr"/>
-                <a:endParaRPr lang="en-US" dirty="0"/>
+                <a:endParaRPr lang="en-US" dirty="0">
+                  <a:latin typeface="Oxygen" panose="02000503000000000000" pitchFamily="2" charset="0"/>
+                </a:endParaRPr>
               </a:p>
             </p:txBody>
           </p:sp>
           <p:grpSp>
             <p:nvGrpSpPr>
-              <p:cNvPr id="29" name="Group 28"/>
+              <p:cNvPr id="163" name="Group 162"/>
               <p:cNvGrpSpPr/>
               <p:nvPr/>
             </p:nvGrpSpPr>
             <p:grpSpPr>
               <a:xfrm>
-                <a:off x="11114259" y="9151946"/>
-                <a:ext cx="5944661" cy="8096344"/>
-                <a:chOff x="12160993" y="8649848"/>
-                <a:chExt cx="5944661" cy="8096344"/>
+                <a:off x="-736693" y="22974481"/>
+                <a:ext cx="18703510" cy="7060210"/>
+                <a:chOff x="-7634781" y="22718885"/>
+                <a:chExt cx="18703510" cy="7060210"/>
               </a:xfrm>
             </p:grpSpPr>
             <p:sp>
               <p:nvSpPr>
-                <p:cNvPr id="70" name="Shape 70"/>
-                <p:cNvSpPr/>
-                <p:nvPr/>
-              </p:nvSpPr>
-              <p:spPr>
-                <a:xfrm>
-                  <a:off x="12160993" y="9778349"/>
-                  <a:ext cx="5944661" cy="6967843"/>
-                </a:xfrm>
-                <a:prstGeom prst="flowChartMagneticDisk">
-                  <a:avLst/>
-                </a:prstGeom>
-                <a:noFill/>
-                <a:ln w="63500" cap="flat" cmpd="sng">
-                  <a:solidFill>
-                    <a:schemeClr val="tx2">
-                      <a:lumMod val="50000"/>
-                    </a:schemeClr>
-                  </a:solidFill>
-                  <a:prstDash val="solid"/>
-                  <a:round/>
-                  <a:headEnd type="none" w="med" len="med"/>
-                  <a:tailEnd type="none" w="med" len="med"/>
-                </a:ln>
-              </p:spPr>
-              <p:txBody>
-                <a:bodyPr lIns="91425" tIns="91425" rIns="91425" bIns="91425" anchor="ctr" anchorCtr="0">
-                  <a:noAutofit/>
-                </a:bodyPr>
-                <a:lstStyle/>
-                <a:p>
-                  <a:pPr lvl="0">
-                    <a:spcBef>
-                      <a:spcPts val="0"/>
-                    </a:spcBef>
-                    <a:buNone/>
-                  </a:pPr>
-                  <a:endParaRPr/>
-                </a:p>
-              </p:txBody>
-            </p:sp>
-            <p:sp>
-              <p:nvSpPr>
-                <p:cNvPr id="25" name="TextBox 24"/>
+                <p:cNvPr id="119" name="TextBox 118"/>
                 <p:cNvSpPr txBox="1"/>
                 <p:nvPr/>
               </p:nvSpPr>
               <p:spPr>
                 <a:xfrm>
-                  <a:off x="12959152" y="8649848"/>
-                  <a:ext cx="4067139" cy="861774"/>
-                </a:xfrm>
-                <a:prstGeom prst="rect">
-                  <a:avLst/>
-                </a:prstGeom>
-                <a:noFill/>
-              </p:spPr>
-              <p:txBody>
-                <a:bodyPr wrap="none" rtlCol="0">
-                  <a:spAutoFit/>
-                </a:bodyPr>
-                <a:lstStyle/>
-                <a:p>
-                  <a:r>
-                    <a:rPr lang="en-US" sz="5000" b="1" dirty="0">
-                      <a:solidFill>
-                        <a:schemeClr val="tx2">
-                          <a:lumMod val="50000"/>
-                        </a:schemeClr>
-                      </a:solidFill>
-                      <a:latin typeface="Oxygen" panose="02000503000000000000" pitchFamily="2" charset="0"/>
-                    </a:rPr>
-                    <a:t>The Problem</a:t>
-                  </a:r>
-                </a:p>
-              </p:txBody>
-            </p:sp>
-            <p:sp>
-              <p:nvSpPr>
-                <p:cNvPr id="28" name="TextBox 27"/>
-                <p:cNvSpPr txBox="1"/>
-                <p:nvPr/>
-              </p:nvSpPr>
-              <p:spPr>
-                <a:xfrm>
-                  <a:off x="12547735" y="12805877"/>
-                  <a:ext cx="5171176" cy="2862322"/>
+                  <a:off x="-6084069" y="24567412"/>
+                  <a:ext cx="17152798" cy="5211683"/>
                 </a:xfrm>
                 <a:prstGeom prst="rect">
                   <a:avLst/>
@@ -7637,1266 +8345,407 @@
                 </a:bodyPr>
                 <a:lstStyle/>
                 <a:p>
-                  <a:pPr algn="ctr"/>
                   <a:r>
-                    <a:rPr lang="en-US" sz="3000" dirty="0">
+                    <a:rPr lang="en-US" sz="3600" b="1" dirty="0">
                       <a:solidFill>
-                        <a:schemeClr val="tx2">
-                          <a:lumMod val="50000"/>
+                        <a:schemeClr val="accent1">
+                          <a:lumMod val="75000"/>
                         </a:schemeClr>
                       </a:solidFill>
                       <a:latin typeface="Oxygen" panose="02000503000000000000" pitchFamily="2" charset="0"/>
                     </a:rPr>
-                    <a:t>It is hard to determine whether the logical relationships between entities in architecture diagrams are present in system implementations. </a:t>
+                    <a:t>Trinity Architecture Components</a:t>
                   </a:r>
+                </a:p>
+                <a:p>
+                  <a:pPr>
+                    <a:lnSpc>
+                      <a:spcPts val="3200"/>
+                    </a:lnSpc>
+                  </a:pPr>
+                  <a:endParaRPr lang="en-US" sz="3000" b="1" dirty="0">
+                    <a:solidFill>
+                      <a:schemeClr val="accent1">
+                        <a:lumMod val="75000"/>
+                      </a:schemeClr>
+                    </a:solidFill>
+                    <a:latin typeface="Oxygen" panose="02000503000000000000" pitchFamily="2" charset="0"/>
+                  </a:endParaRPr>
+                </a:p>
+                <a:p>
+                  <a:pPr>
+                    <a:lnSpc>
+                      <a:spcPts val="3200"/>
+                    </a:lnSpc>
+                  </a:pPr>
+                  <a:r>
+                    <a:rPr lang="en-US" sz="3000" b="1" dirty="0">
+                      <a:solidFill>
+                        <a:schemeClr val="accent1">
+                          <a:lumMod val="75000"/>
+                        </a:schemeClr>
+                      </a:solidFill>
+                      <a:latin typeface="Oxygen" panose="02000503000000000000" pitchFamily="2" charset="0"/>
+                    </a:rPr>
+                    <a:t>component: </a:t>
+                  </a:r>
+                  <a:r>
+                    <a:rPr lang="en-US" sz="3000" dirty="0">
+                      <a:solidFill>
+                        <a:schemeClr val="accent1">
+                          <a:lumMod val="75000"/>
+                        </a:schemeClr>
+                      </a:solidFill>
+                      <a:latin typeface="Oxygen" panose="02000503000000000000" pitchFamily="2" charset="0"/>
+                    </a:rPr>
+                    <a:t>a </a:t>
+                  </a:r>
+                  <a:r>
+                    <a:rPr lang="en-US" sz="3000" dirty="0">
+                      <a:solidFill>
+                        <a:schemeClr val="accent1">
+                          <a:lumMod val="75000"/>
+                        </a:schemeClr>
+                      </a:solidFill>
+                      <a:latin typeface="Oxygen" panose="02000503000000000000" pitchFamily="2" charset="0"/>
+                    </a:rPr>
+                    <a:t>runtime entity that may interact with other components through ports.</a:t>
+                  </a:r>
+                </a:p>
+                <a:p>
+                  <a:pPr>
+                    <a:lnSpc>
+                      <a:spcPts val="3200"/>
+                    </a:lnSpc>
+                  </a:pPr>
+                  <a:endParaRPr lang="en-US" sz="3000" dirty="0">
+                    <a:solidFill>
+                      <a:schemeClr val="accent1">
+                        <a:lumMod val="75000"/>
+                      </a:schemeClr>
+                    </a:solidFill>
+                    <a:latin typeface="Oxygen" panose="02000503000000000000" pitchFamily="2" charset="0"/>
+                  </a:endParaRPr>
+                </a:p>
+                <a:p>
+                  <a:pPr>
+                    <a:lnSpc>
+                      <a:spcPts val="3200"/>
+                    </a:lnSpc>
+                  </a:pPr>
+                  <a:r>
+                    <a:rPr lang="en-US" sz="3000" b="1" dirty="0">
+                      <a:solidFill>
+                        <a:schemeClr val="accent1">
+                          <a:lumMod val="75000"/>
+                        </a:schemeClr>
+                      </a:solidFill>
+                      <a:latin typeface="Oxygen" panose="02000503000000000000" pitchFamily="2" charset="0"/>
+                    </a:rPr>
+                    <a:t>connector: </a:t>
+                  </a:r>
+                  <a:r>
+                    <a:rPr lang="en-US" sz="3000" dirty="0">
+                      <a:solidFill>
+                        <a:schemeClr val="accent1">
+                          <a:lumMod val="75000"/>
+                        </a:schemeClr>
+                      </a:solidFill>
+                      <a:latin typeface="Oxygen" panose="02000503000000000000" pitchFamily="2" charset="0"/>
+                    </a:rPr>
+                    <a:t>interaction pathways that join two compatible component ports.</a:t>
+                  </a:r>
+                  <a:endParaRPr lang="en-US" sz="3000" dirty="0">
+                    <a:solidFill>
+                      <a:schemeClr val="accent1">
+                        <a:lumMod val="75000"/>
+                      </a:schemeClr>
+                    </a:solidFill>
+                    <a:latin typeface="Oxygen" panose="02000503000000000000" pitchFamily="2" charset="0"/>
+                  </a:endParaRPr>
+                </a:p>
+                <a:p>
+                  <a:pPr>
+                    <a:lnSpc>
+                      <a:spcPts val="3200"/>
+                    </a:lnSpc>
+                  </a:pPr>
+                  <a:endParaRPr lang="en-US" sz="3000" b="1" dirty="0">
+                    <a:solidFill>
+                      <a:schemeClr val="accent1">
+                        <a:lumMod val="75000"/>
+                      </a:schemeClr>
+                    </a:solidFill>
+                    <a:latin typeface="Oxygen" panose="02000503000000000000" pitchFamily="2" charset="0"/>
+                  </a:endParaRPr>
+                </a:p>
+                <a:p>
+                  <a:pPr>
+                    <a:lnSpc>
+                      <a:spcPts val="3200"/>
+                    </a:lnSpc>
+                  </a:pPr>
+                  <a:r>
+                    <a:rPr lang="en-US" sz="3000" b="1" dirty="0">
+                      <a:solidFill>
+                        <a:schemeClr val="accent1">
+                          <a:lumMod val="75000"/>
+                        </a:schemeClr>
+                      </a:solidFill>
+                      <a:latin typeface="Oxygen" panose="02000503000000000000" pitchFamily="2" charset="0"/>
+                    </a:rPr>
+                    <a:t>port: </a:t>
+                  </a:r>
+                  <a:r>
+                    <a:rPr lang="en-US" sz="3000" dirty="0">
+                      <a:solidFill>
+                        <a:schemeClr val="accent1">
+                          <a:lumMod val="75000"/>
+                        </a:schemeClr>
+                      </a:solidFill>
+                      <a:latin typeface="Oxygen" panose="02000503000000000000" pitchFamily="2" charset="0"/>
+                    </a:rPr>
+                    <a:t>component access points that can allow interaction with other components.</a:t>
+                  </a:r>
+                </a:p>
+                <a:p>
+                  <a:pPr>
+                    <a:lnSpc>
+                      <a:spcPts val="3200"/>
+                    </a:lnSpc>
+                  </a:pPr>
+                  <a:endParaRPr lang="en-US" sz="3000" dirty="0">
+                    <a:solidFill>
+                      <a:schemeClr val="accent1">
+                        <a:lumMod val="75000"/>
+                      </a:schemeClr>
+                    </a:solidFill>
+                    <a:latin typeface="Oxygen" panose="02000503000000000000" pitchFamily="2" charset="0"/>
+                  </a:endParaRPr>
+                </a:p>
+                <a:p>
+                  <a:pPr>
+                    <a:lnSpc>
+                      <a:spcPts val="3200"/>
+                    </a:lnSpc>
+                  </a:pPr>
+                  <a:r>
+                    <a:rPr lang="en-US" sz="3000" b="1" dirty="0">
+                      <a:solidFill>
+                        <a:schemeClr val="accent1">
+                          <a:lumMod val="75000"/>
+                        </a:schemeClr>
+                      </a:solidFill>
+                      <a:latin typeface="Oxygen" panose="02000503000000000000" pitchFamily="2" charset="0"/>
+                    </a:rPr>
+                    <a:t>attachments:</a:t>
+                  </a:r>
+                  <a:r>
+                    <a:rPr lang="en-US" sz="3000" dirty="0">
+                      <a:solidFill>
+                        <a:schemeClr val="accent1">
+                          <a:lumMod val="75000"/>
+                        </a:schemeClr>
+                      </a:solidFill>
+                      <a:latin typeface="Oxygen" panose="02000503000000000000" pitchFamily="2" charset="0"/>
+                    </a:rPr>
+                    <a:t> declarations that enable connections between compatible components to be made</a:t>
+                  </a:r>
+                  <a:endParaRPr lang="en-US" sz="3000" b="1" dirty="0">
+                    <a:solidFill>
+                      <a:schemeClr val="accent1">
+                        <a:lumMod val="75000"/>
+                      </a:schemeClr>
+                    </a:solidFill>
+                    <a:latin typeface="Oxygen" panose="02000503000000000000" pitchFamily="2" charset="0"/>
+                  </a:endParaRPr>
+                </a:p>
+                <a:p>
+                  <a:pPr>
+                    <a:lnSpc>
+                      <a:spcPts val="3200"/>
+                    </a:lnSpc>
+                  </a:pPr>
+                  <a:endParaRPr lang="en-US" sz="3000" dirty="0">
+                    <a:solidFill>
+                      <a:schemeClr val="accent1">
+                        <a:lumMod val="75000"/>
+                      </a:schemeClr>
+                    </a:solidFill>
+                    <a:latin typeface="Oxygen" panose="02000503000000000000" pitchFamily="2" charset="0"/>
+                  </a:endParaRPr>
+                </a:p>
+                <a:p>
+                  <a:pPr>
+                    <a:lnSpc>
+                      <a:spcPts val="3200"/>
+                    </a:lnSpc>
+                  </a:pPr>
+                  <a:r>
+                    <a:rPr lang="en-US" sz="3000" b="1" dirty="0" err="1">
+                      <a:solidFill>
+                        <a:schemeClr val="accent1">
+                          <a:lumMod val="75000"/>
+                        </a:schemeClr>
+                      </a:solidFill>
+                      <a:latin typeface="Oxygen" panose="02000503000000000000" pitchFamily="2" charset="0"/>
+                    </a:rPr>
+                    <a:t>entryPoints</a:t>
+                  </a:r>
+                  <a:r>
+                    <a:rPr lang="en-US" sz="3000" b="1" dirty="0">
+                      <a:solidFill>
+                        <a:schemeClr val="accent1">
+                          <a:lumMod val="75000"/>
+                        </a:schemeClr>
+                      </a:solidFill>
+                      <a:latin typeface="Oxygen" panose="02000503000000000000" pitchFamily="2" charset="0"/>
+                    </a:rPr>
+                    <a:t>: </a:t>
+                  </a:r>
+                  <a:r>
+                    <a:rPr lang="en-US" sz="3000" dirty="0">
+                      <a:solidFill>
+                        <a:schemeClr val="accent1">
+                          <a:lumMod val="75000"/>
+                        </a:schemeClr>
+                      </a:solidFill>
+                      <a:latin typeface="Oxygen" panose="02000503000000000000" pitchFamily="2" charset="0"/>
+                    </a:rPr>
+                    <a:t>a program starting point that permit execution.</a:t>
+                  </a:r>
+                  <a:endParaRPr lang="en-US" sz="3000" b="1" dirty="0">
+                    <a:solidFill>
+                      <a:schemeClr val="accent1">
+                        <a:lumMod val="75000"/>
+                      </a:schemeClr>
+                    </a:solidFill>
+                    <a:latin typeface="Oxygen" panose="02000503000000000000" pitchFamily="2" charset="0"/>
+                  </a:endParaRPr>
+                </a:p>
+                <a:p>
+                  <a:endParaRPr lang="en-US" sz="3000" b="1" dirty="0">
+                    <a:solidFill>
+                      <a:schemeClr val="accent1">
+                        <a:lumMod val="75000"/>
+                      </a:schemeClr>
+                    </a:solidFill>
+                    <a:latin typeface="Oxygen" panose="02000503000000000000" pitchFamily="2" charset="0"/>
+                  </a:endParaRPr>
                 </a:p>
               </p:txBody>
             </p:sp>
+            <p:grpSp>
+              <p:nvGrpSpPr>
+                <p:cNvPr id="122" name="Group 121"/>
+                <p:cNvGrpSpPr/>
+                <p:nvPr/>
+              </p:nvGrpSpPr>
+              <p:grpSpPr>
+                <a:xfrm>
+                  <a:off x="-7634781" y="22718885"/>
+                  <a:ext cx="9328383" cy="1477415"/>
+                  <a:chOff x="-8315203" y="23898600"/>
+                  <a:chExt cx="10190756" cy="1723158"/>
+                </a:xfrm>
+              </p:grpSpPr>
+              <p:sp>
+                <p:nvSpPr>
+                  <p:cNvPr id="120" name="Arrow: Chevron 119"/>
+                  <p:cNvSpPr/>
+                  <p:nvPr/>
+                </p:nvSpPr>
+                <p:spPr>
+                  <a:xfrm rot="10800000">
+                    <a:off x="-8315203" y="23898600"/>
+                    <a:ext cx="10190756" cy="1723158"/>
+                  </a:xfrm>
+                  <a:prstGeom prst="chevron">
+                    <a:avLst/>
+                  </a:prstGeom>
+                  <a:solidFill>
+                    <a:srgbClr val="9EB3BD"/>
+                  </a:solidFill>
+                  <a:ln>
+                    <a:noFill/>
+                  </a:ln>
+                </p:spPr>
+                <p:style>
+                  <a:lnRef idx="2">
+                    <a:schemeClr val="accent1">
+                      <a:shade val="50000"/>
+                    </a:schemeClr>
+                  </a:lnRef>
+                  <a:fillRef idx="1">
+                    <a:schemeClr val="accent1"/>
+                  </a:fillRef>
+                  <a:effectRef idx="0">
+                    <a:schemeClr val="accent1"/>
+                  </a:effectRef>
+                  <a:fontRef idx="minor">
+                    <a:schemeClr val="lt1"/>
+                  </a:fontRef>
+                </p:style>
+                <p:txBody>
+                  <a:bodyPr rtlCol="0" anchor="ctr"/>
+                  <a:lstStyle/>
+                  <a:p>
+                    <a:pPr algn="ctr"/>
+                    <a:endParaRPr lang="en-US" sz="4000" dirty="0">
+                      <a:solidFill>
+                        <a:schemeClr val="tx1"/>
+                      </a:solidFill>
+                      <a:latin typeface="Oxygen" panose="02000503000000000000" pitchFamily="2" charset="0"/>
+                    </a:endParaRPr>
+                  </a:p>
+                </p:txBody>
+              </p:sp>
+              <p:sp>
+                <p:nvSpPr>
+                  <p:cNvPr id="121" name="TextBox 120"/>
+                  <p:cNvSpPr txBox="1"/>
+                  <p:nvPr/>
+                </p:nvSpPr>
+                <p:spPr>
+                  <a:xfrm>
+                    <a:off x="-6621134" y="24347364"/>
+                    <a:ext cx="7258933" cy="825631"/>
+                  </a:xfrm>
+                  <a:prstGeom prst="rect">
+                    <a:avLst/>
+                  </a:prstGeom>
+                  <a:noFill/>
+                </p:spPr>
+                <p:txBody>
+                  <a:bodyPr wrap="square" rtlCol="0">
+                    <a:spAutoFit/>
+                  </a:bodyPr>
+                  <a:lstStyle/>
+                  <a:p>
+                    <a:r>
+                      <a:rPr lang="en-US" sz="4000" b="1" dirty="0">
+                        <a:solidFill>
+                          <a:schemeClr val="bg1"/>
+                        </a:solidFill>
+                        <a:latin typeface="Oxygen" panose="02000503000000000000" pitchFamily="2" charset="0"/>
+                      </a:rPr>
+                      <a:t>Implementation Concepts</a:t>
+                    </a:r>
+                  </a:p>
+                </p:txBody>
+              </p:sp>
+            </p:grpSp>
           </p:grpSp>
-        </p:grpSp>
-        <p:grpSp>
-          <p:nvGrpSpPr>
-            <p:cNvPr id="150" name="Group 149"/>
-            <p:cNvGrpSpPr/>
-            <p:nvPr/>
-          </p:nvGrpSpPr>
-          <p:grpSpPr>
-            <a:xfrm>
-              <a:off x="16915536" y="8831573"/>
-              <a:ext cx="1035580" cy="5795245"/>
-              <a:chOff x="16915536" y="8831573"/>
-              <a:chExt cx="1035580" cy="5795245"/>
-            </a:xfrm>
-          </p:grpSpPr>
-          <p:cxnSp>
-            <p:nvCxnSpPr>
-              <p:cNvPr id="130" name="Connector: Elbow 129"/>
-              <p:cNvCxnSpPr/>
-              <p:nvPr/>
-            </p:nvCxnSpPr>
-            <p:spPr>
-              <a:xfrm rot="5400000" flipH="1" flipV="1">
-                <a:off x="14318464" y="11443826"/>
-                <a:ext cx="5780064" cy="585920"/>
-              </a:xfrm>
-              <a:prstGeom prst="bentConnector3">
-                <a:avLst>
-                  <a:gd name="adj1" fmla="val 563"/>
-                </a:avLst>
-              </a:prstGeom>
-              <a:ln w="63500">
-                <a:solidFill>
-                  <a:schemeClr val="tx2">
-                    <a:lumMod val="50000"/>
-                  </a:schemeClr>
-                </a:solidFill>
-                <a:tailEnd type="none"/>
-              </a:ln>
-            </p:spPr>
-            <p:style>
-              <a:lnRef idx="1">
-                <a:schemeClr val="accent1"/>
-              </a:lnRef>
-              <a:fillRef idx="0">
-                <a:schemeClr val="accent1"/>
-              </a:fillRef>
-              <a:effectRef idx="0">
-                <a:schemeClr val="accent1"/>
-              </a:effectRef>
-              <a:fontRef idx="minor">
-                <a:schemeClr val="tx1"/>
-              </a:fontRef>
-            </p:style>
-          </p:cxnSp>
-          <p:cxnSp>
-            <p:nvCxnSpPr>
-              <p:cNvPr id="140" name="Straight Arrow Connector 139"/>
-              <p:cNvCxnSpPr/>
-              <p:nvPr/>
-            </p:nvCxnSpPr>
-            <p:spPr>
-              <a:xfrm flipV="1">
-                <a:off x="17501456" y="8846754"/>
-                <a:ext cx="449660" cy="12914"/>
-              </a:xfrm>
-              <a:prstGeom prst="straightConnector1">
-                <a:avLst/>
-              </a:prstGeom>
-              <a:ln w="63500">
-                <a:solidFill>
-                  <a:schemeClr val="tx2">
-                    <a:lumMod val="50000"/>
-                  </a:schemeClr>
-                </a:solidFill>
-                <a:tailEnd type="stealth" w="lg" len="lg"/>
-              </a:ln>
-            </p:spPr>
-            <p:style>
-              <a:lnRef idx="1">
-                <a:schemeClr val="accent1"/>
-              </a:lnRef>
-              <a:fillRef idx="0">
-                <a:schemeClr val="accent1"/>
-              </a:fillRef>
-              <a:effectRef idx="0">
-                <a:schemeClr val="accent1"/>
-              </a:effectRef>
-              <a:fontRef idx="minor">
-                <a:schemeClr val="tx1"/>
-              </a:fontRef>
-            </p:style>
-          </p:cxnSp>
           <p:sp>
             <p:nvSpPr>
-              <p:cNvPr id="149" name="Flowchart: Connector 148"/>
-              <p:cNvSpPr/>
-              <p:nvPr/>
-            </p:nvSpPr>
-            <p:spPr>
-              <a:xfrm>
-                <a:off x="17474310" y="8831573"/>
-                <a:ext cx="45719" cy="45719"/>
-              </a:xfrm>
-              <a:prstGeom prst="flowChartConnector">
-                <a:avLst/>
-              </a:prstGeom>
-              <a:solidFill>
-                <a:schemeClr val="tx2">
-                  <a:lumMod val="50000"/>
-                </a:schemeClr>
-              </a:solidFill>
-              <a:ln>
-                <a:noFill/>
-              </a:ln>
-            </p:spPr>
-            <p:style>
-              <a:lnRef idx="2">
-                <a:schemeClr val="accent1">
-                  <a:shade val="50000"/>
-                </a:schemeClr>
-              </a:lnRef>
-              <a:fillRef idx="1">
-                <a:schemeClr val="accent1"/>
-              </a:fillRef>
-              <a:effectRef idx="0">
-                <a:schemeClr val="accent1"/>
-              </a:effectRef>
-              <a:fontRef idx="minor">
-                <a:schemeClr val="lt1"/>
-              </a:fontRef>
-            </p:style>
-            <p:txBody>
-              <a:bodyPr rtlCol="0" anchor="ctr"/>
-              <a:lstStyle/>
-              <a:p>
-                <a:pPr algn="ctr"/>
-                <a:endParaRPr lang="en-US"/>
-              </a:p>
-            </p:txBody>
-          </p:sp>
-        </p:grpSp>
-      </p:grpSp>
-      <p:cxnSp>
-        <p:nvCxnSpPr>
-          <p:cNvPr id="153" name="Straight Arrow Connector 152"/>
-          <p:cNvCxnSpPr/>
-          <p:nvPr/>
-        </p:nvCxnSpPr>
-        <p:spPr>
-          <a:xfrm>
-            <a:off x="20718379" y="12254477"/>
-            <a:ext cx="0" cy="1171005"/>
-          </a:xfrm>
-          <a:prstGeom prst="straightConnector1">
-            <a:avLst/>
-          </a:prstGeom>
-          <a:ln w="63500">
-            <a:solidFill>
-              <a:schemeClr val="tx2">
-                <a:lumMod val="50000"/>
-              </a:schemeClr>
-            </a:solidFill>
-            <a:tailEnd type="stealth" w="lg" len="lg"/>
-          </a:ln>
-        </p:spPr>
-        <p:style>
-          <a:lnRef idx="1">
-            <a:schemeClr val="accent1"/>
-          </a:lnRef>
-          <a:fillRef idx="0">
-            <a:schemeClr val="accent1"/>
-          </a:fillRef>
-          <a:effectRef idx="0">
-            <a:schemeClr val="accent1"/>
-          </a:effectRef>
-          <a:fontRef idx="minor">
-            <a:schemeClr val="tx1"/>
-          </a:fontRef>
-        </p:style>
-      </p:cxnSp>
-      <p:sp>
-        <p:nvSpPr>
-          <p:cNvPr id="154" name="TextBox 153"/>
-          <p:cNvSpPr txBox="1"/>
-          <p:nvPr/>
-        </p:nvSpPr>
-        <p:spPr>
-          <a:xfrm>
-            <a:off x="287978" y="31766849"/>
-            <a:ext cx="10074861" cy="11172289"/>
-          </a:xfrm>
-          <a:prstGeom prst="rect">
-            <a:avLst/>
-          </a:prstGeom>
-          <a:noFill/>
-        </p:spPr>
-        <p:txBody>
-          <a:bodyPr wrap="square" rtlCol="0">
-            <a:spAutoFit/>
-          </a:bodyPr>
-          <a:lstStyle/>
-          <a:p>
-            <a:pPr>
-              <a:lnSpc>
-                <a:spcPts val="3200"/>
-              </a:lnSpc>
-            </a:pPr>
-            <a:r>
-              <a:rPr lang="en-US" sz="3400" b="1" dirty="0">
-                <a:solidFill>
-                  <a:srgbClr val="FEFCE8"/>
-                </a:solidFill>
-                <a:latin typeface="Oxygen" panose="02000503000000000000" pitchFamily="2" charset="0"/>
-              </a:rPr>
-              <a:t>component Client</a:t>
-            </a:r>
-          </a:p>
-          <a:p>
-            <a:pPr>
-              <a:lnSpc>
-                <a:spcPts val="3200"/>
-              </a:lnSpc>
-            </a:pPr>
-            <a:r>
-              <a:rPr lang="en-US" sz="3400" b="1" dirty="0">
-                <a:solidFill>
-                  <a:srgbClr val="FEFCE8"/>
-                </a:solidFill>
-                <a:latin typeface="Oxygen" panose="02000503000000000000" pitchFamily="2" charset="0"/>
-              </a:rPr>
-              <a:t>	port </a:t>
-            </a:r>
-            <a:r>
-              <a:rPr lang="en-US" sz="3400" b="1" dirty="0" err="1">
-                <a:solidFill>
-                  <a:srgbClr val="FEFCE8"/>
-                </a:solidFill>
-                <a:latin typeface="Oxygen" panose="02000503000000000000" pitchFamily="2" charset="0"/>
-              </a:rPr>
-              <a:t>getInfo</a:t>
-            </a:r>
-            <a:r>
-              <a:rPr lang="en-US" sz="3400" b="1" dirty="0">
-                <a:solidFill>
-                  <a:srgbClr val="FEFCE8"/>
-                </a:solidFill>
-                <a:latin typeface="Oxygen" panose="02000503000000000000" pitchFamily="2" charset="0"/>
-              </a:rPr>
-              <a:t>: requires </a:t>
-            </a:r>
-            <a:r>
-              <a:rPr lang="en-US" sz="3400" b="1" dirty="0" err="1">
-                <a:solidFill>
-                  <a:srgbClr val="FEFCE8"/>
-                </a:solidFill>
-                <a:latin typeface="Oxygen" panose="02000503000000000000" pitchFamily="2" charset="0"/>
-              </a:rPr>
-              <a:t>CSIface</a:t>
-            </a:r>
-            <a:endParaRPr lang="en-US" sz="3400" b="1" dirty="0">
-              <a:solidFill>
-                <a:srgbClr val="FEFCE8"/>
-              </a:solidFill>
-              <a:latin typeface="Oxygen" panose="02000503000000000000" pitchFamily="2" charset="0"/>
-            </a:endParaRPr>
-          </a:p>
-          <a:p>
-            <a:pPr>
-              <a:lnSpc>
-                <a:spcPts val="3200"/>
-              </a:lnSpc>
-            </a:pPr>
-            <a:br>
-              <a:rPr lang="en-US" sz="3400" b="1" dirty="0">
-                <a:solidFill>
-                  <a:srgbClr val="FEFCE8"/>
-                </a:solidFill>
-                <a:latin typeface="Oxygen" panose="02000503000000000000" pitchFamily="2" charset="0"/>
-              </a:rPr>
-            </a:br>
-            <a:r>
-              <a:rPr lang="en-US" sz="3400" b="1" dirty="0">
-                <a:solidFill>
-                  <a:srgbClr val="FEFCE8"/>
-                </a:solidFill>
-                <a:latin typeface="Oxygen" panose="02000503000000000000" pitchFamily="2" charset="0"/>
-              </a:rPr>
-              <a:t>component Server</a:t>
-            </a:r>
-          </a:p>
-          <a:p>
-            <a:pPr>
-              <a:lnSpc>
-                <a:spcPts val="3200"/>
-              </a:lnSpc>
-            </a:pPr>
-            <a:r>
-              <a:rPr lang="en-US" sz="3400" b="1" dirty="0">
-                <a:solidFill>
-                  <a:srgbClr val="FEFCE8"/>
-                </a:solidFill>
-                <a:latin typeface="Oxygen" panose="02000503000000000000" pitchFamily="2" charset="0"/>
-              </a:rPr>
-              <a:t>	port </a:t>
-            </a:r>
-            <a:r>
-              <a:rPr lang="en-US" sz="3400" b="1" dirty="0" err="1">
-                <a:solidFill>
-                  <a:srgbClr val="FEFCE8"/>
-                </a:solidFill>
-                <a:latin typeface="Oxygen" panose="02000503000000000000" pitchFamily="2" charset="0"/>
-              </a:rPr>
-              <a:t>sendInfo</a:t>
-            </a:r>
-            <a:r>
-              <a:rPr lang="en-US" sz="3400" b="1" dirty="0">
-                <a:solidFill>
-                  <a:srgbClr val="FEFCE8"/>
-                </a:solidFill>
-                <a:latin typeface="Oxygen" panose="02000503000000000000" pitchFamily="2" charset="0"/>
-              </a:rPr>
-              <a:t>: provides </a:t>
-            </a:r>
-            <a:r>
-              <a:rPr lang="en-US" sz="3400" b="1" dirty="0" err="1">
-                <a:solidFill>
-                  <a:srgbClr val="FEFCE8"/>
-                </a:solidFill>
-                <a:latin typeface="Oxygen" panose="02000503000000000000" pitchFamily="2" charset="0"/>
-              </a:rPr>
-              <a:t>CSIface</a:t>
-            </a:r>
-            <a:endParaRPr lang="en-US" sz="3400" b="1" dirty="0">
-              <a:solidFill>
-                <a:srgbClr val="FEFCE8"/>
-              </a:solidFill>
-              <a:latin typeface="Oxygen" panose="02000503000000000000" pitchFamily="2" charset="0"/>
-            </a:endParaRPr>
-          </a:p>
-          <a:p>
-            <a:pPr>
-              <a:lnSpc>
-                <a:spcPts val="3200"/>
-              </a:lnSpc>
-            </a:pPr>
-            <a:br>
-              <a:rPr lang="en-US" sz="3400" b="1" dirty="0">
-                <a:solidFill>
-                  <a:srgbClr val="FEFCE8"/>
-                </a:solidFill>
-                <a:latin typeface="Oxygen" panose="02000503000000000000" pitchFamily="2" charset="0"/>
-              </a:rPr>
-            </a:br>
-            <a:r>
-              <a:rPr lang="en-US" sz="3400" b="1" dirty="0">
-                <a:solidFill>
-                  <a:srgbClr val="FEFCE8"/>
-                </a:solidFill>
-                <a:latin typeface="Oxygen" panose="02000503000000000000" pitchFamily="2" charset="0"/>
-              </a:rPr>
-              <a:t>external component DB</a:t>
-            </a:r>
-          </a:p>
-          <a:p>
-            <a:pPr>
-              <a:lnSpc>
-                <a:spcPts val="3200"/>
-              </a:lnSpc>
-            </a:pPr>
-            <a:r>
-              <a:rPr lang="en-US" sz="3400" b="1" dirty="0">
-                <a:solidFill>
-                  <a:srgbClr val="FEFCE8"/>
-                </a:solidFill>
-                <a:latin typeface="Oxygen" panose="02000503000000000000" pitchFamily="2" charset="0"/>
-              </a:rPr>
-              <a:t>	port </a:t>
-            </a:r>
-            <a:r>
-              <a:rPr lang="en-US" sz="3400" b="1" dirty="0" err="1">
-                <a:solidFill>
-                  <a:srgbClr val="FEFCE8"/>
-                </a:solidFill>
-                <a:latin typeface="Oxygen" panose="02000503000000000000" pitchFamily="2" charset="0"/>
-              </a:rPr>
-              <a:t>dbIface</a:t>
-            </a:r>
-            <a:r>
-              <a:rPr lang="en-US" sz="3400" b="1" dirty="0">
-                <a:solidFill>
-                  <a:srgbClr val="FEFCE8"/>
-                </a:solidFill>
-                <a:latin typeface="Oxygen" panose="02000503000000000000" pitchFamily="2" charset="0"/>
-              </a:rPr>
-              <a:t>: target </a:t>
-            </a:r>
-            <a:r>
-              <a:rPr lang="en-US" sz="3400" b="1" dirty="0" err="1">
-                <a:solidFill>
-                  <a:srgbClr val="FEFCE8"/>
-                </a:solidFill>
-                <a:latin typeface="Oxygen" panose="02000503000000000000" pitchFamily="2" charset="0"/>
-              </a:rPr>
-              <a:t>DBModule</a:t>
-            </a:r>
-            <a:endParaRPr lang="en-US" sz="3400" b="1" dirty="0">
-              <a:solidFill>
-                <a:srgbClr val="FEFCE8"/>
-              </a:solidFill>
-              <a:latin typeface="Oxygen" panose="02000503000000000000" pitchFamily="2" charset="0"/>
-            </a:endParaRPr>
-          </a:p>
-          <a:p>
-            <a:pPr>
-              <a:lnSpc>
-                <a:spcPts val="3200"/>
-              </a:lnSpc>
-            </a:pPr>
-            <a:br>
-              <a:rPr lang="en-US" sz="3400" b="1" dirty="0">
-                <a:solidFill>
-                  <a:srgbClr val="FEFCE8"/>
-                </a:solidFill>
-                <a:latin typeface="Oxygen" panose="02000503000000000000" pitchFamily="2" charset="0"/>
-              </a:rPr>
-            </a:br>
-            <a:r>
-              <a:rPr lang="en-US" sz="3400" b="1" dirty="0">
-                <a:solidFill>
-                  <a:srgbClr val="FEFCE8"/>
-                </a:solidFill>
-                <a:latin typeface="Oxygen" panose="02000503000000000000" pitchFamily="2" charset="0"/>
-              </a:rPr>
-              <a:t>connector </a:t>
-            </a:r>
-            <a:r>
-              <a:rPr lang="en-US" sz="3400" b="1" dirty="0" err="1">
-                <a:solidFill>
-                  <a:srgbClr val="FEFCE8"/>
-                </a:solidFill>
-                <a:latin typeface="Oxygen" panose="02000503000000000000" pitchFamily="2" charset="0"/>
-              </a:rPr>
-              <a:t>JDBCCtr</a:t>
-            </a:r>
-            <a:endParaRPr lang="en-US" sz="3400" b="1" dirty="0">
-              <a:solidFill>
-                <a:srgbClr val="FEFCE8"/>
-              </a:solidFill>
-              <a:latin typeface="Oxygen" panose="02000503000000000000" pitchFamily="2" charset="0"/>
-            </a:endParaRPr>
-          </a:p>
-          <a:p>
-            <a:pPr>
-              <a:lnSpc>
-                <a:spcPts val="3200"/>
-              </a:lnSpc>
-            </a:pPr>
-            <a:r>
-              <a:rPr lang="en-US" sz="3400" b="1" dirty="0">
-                <a:solidFill>
-                  <a:srgbClr val="FEFCE8"/>
-                </a:solidFill>
-                <a:latin typeface="Oxygen" panose="02000503000000000000" pitchFamily="2" charset="0"/>
-              </a:rPr>
-              <a:t>	</a:t>
-            </a:r>
-            <a:r>
-              <a:rPr lang="en-US" sz="3400" b="1" dirty="0" err="1">
-                <a:solidFill>
-                  <a:srgbClr val="FEFCE8"/>
-                </a:solidFill>
-                <a:latin typeface="Oxygen" panose="02000503000000000000" pitchFamily="2" charset="0"/>
-              </a:rPr>
-              <a:t>val</a:t>
-            </a:r>
-            <a:r>
-              <a:rPr lang="en-US" sz="3400" b="1" dirty="0">
-                <a:solidFill>
-                  <a:srgbClr val="FEFCE8"/>
-                </a:solidFill>
-                <a:latin typeface="Oxygen" panose="02000503000000000000" pitchFamily="2" charset="0"/>
-              </a:rPr>
-              <a:t> </a:t>
-            </a:r>
-            <a:r>
-              <a:rPr lang="en-US" sz="3400" b="1" dirty="0" err="1">
-                <a:solidFill>
-                  <a:srgbClr val="FEFCE8"/>
-                </a:solidFill>
-                <a:latin typeface="Oxygen" panose="02000503000000000000" pitchFamily="2" charset="0"/>
-              </a:rPr>
-              <a:t>connectionString</a:t>
-            </a:r>
-            <a:r>
-              <a:rPr lang="en-US" sz="3400" b="1" dirty="0">
-                <a:solidFill>
-                  <a:srgbClr val="FEFCE8"/>
-                </a:solidFill>
-                <a:latin typeface="Oxygen" panose="02000503000000000000" pitchFamily="2" charset="0"/>
-              </a:rPr>
-              <a:t>: String</a:t>
-            </a:r>
-          </a:p>
-          <a:p>
-            <a:pPr lvl="2">
-              <a:lnSpc>
-                <a:spcPts val="3200"/>
-              </a:lnSpc>
-            </a:pPr>
-            <a:br>
-              <a:rPr lang="en-US" sz="3400" b="1" dirty="0">
-                <a:solidFill>
-                  <a:srgbClr val="FEFCE8"/>
-                </a:solidFill>
-                <a:latin typeface="Oxygen" panose="02000503000000000000" pitchFamily="2" charset="0"/>
-              </a:rPr>
-            </a:br>
-            <a:r>
-              <a:rPr lang="en-US" sz="3400" b="1" dirty="0">
-                <a:solidFill>
-                  <a:srgbClr val="FEFCE8"/>
-                </a:solidFill>
-                <a:latin typeface="Oxygen" panose="02000503000000000000" pitchFamily="2" charset="0"/>
-              </a:rPr>
-              <a:t>	architecture </a:t>
-            </a:r>
-          </a:p>
-          <a:p>
-            <a:pPr lvl="2">
-              <a:lnSpc>
-                <a:spcPts val="3200"/>
-              </a:lnSpc>
-            </a:pPr>
-            <a:r>
-              <a:rPr lang="en-US" sz="3400" b="1" dirty="0">
-                <a:solidFill>
-                  <a:srgbClr val="FEFCE8"/>
-                </a:solidFill>
-                <a:latin typeface="Oxygen" panose="02000503000000000000" pitchFamily="2" charset="0"/>
-              </a:rPr>
-              <a:t>		components</a:t>
-            </a:r>
-          </a:p>
-          <a:p>
-            <a:pPr lvl="2">
-              <a:lnSpc>
-                <a:spcPts val="3200"/>
-              </a:lnSpc>
-            </a:pPr>
-            <a:r>
-              <a:rPr lang="en-US" sz="3400" b="1" dirty="0">
-                <a:solidFill>
-                  <a:srgbClr val="FEFCE8"/>
-                </a:solidFill>
-                <a:latin typeface="Oxygen" panose="02000503000000000000" pitchFamily="2" charset="0"/>
-              </a:rPr>
-              <a:t>			</a:t>
-            </a:r>
-            <a:r>
-              <a:rPr lang="en-US" sz="3400" b="1" dirty="0" err="1">
-                <a:solidFill>
-                  <a:srgbClr val="FEFCE8"/>
-                </a:solidFill>
-                <a:latin typeface="Oxygen" panose="02000503000000000000" pitchFamily="2" charset="0"/>
-              </a:rPr>
-              <a:t>RequestHandler</a:t>
-            </a:r>
-            <a:r>
-              <a:rPr lang="en-US" sz="3400" b="1" dirty="0">
-                <a:solidFill>
-                  <a:srgbClr val="FEFCE8"/>
-                </a:solidFill>
-                <a:latin typeface="Oxygen" panose="02000503000000000000" pitchFamily="2" charset="0"/>
-              </a:rPr>
-              <a:t> </a:t>
-            </a:r>
-            <a:r>
-              <a:rPr lang="en-US" sz="3400" b="1" dirty="0" err="1">
-                <a:solidFill>
-                  <a:srgbClr val="FEFCE8"/>
-                </a:solidFill>
-                <a:latin typeface="Oxygen" panose="02000503000000000000" pitchFamily="2" charset="0"/>
-              </a:rPr>
-              <a:t>ch</a:t>
-            </a:r>
-            <a:endParaRPr lang="en-US" sz="3400" b="1" dirty="0">
-              <a:solidFill>
-                <a:srgbClr val="FEFCE8"/>
-              </a:solidFill>
-              <a:latin typeface="Oxygen" panose="02000503000000000000" pitchFamily="2" charset="0"/>
-            </a:endParaRPr>
-          </a:p>
-          <a:p>
-            <a:pPr lvl="2">
-              <a:lnSpc>
-                <a:spcPts val="3200"/>
-              </a:lnSpc>
-            </a:pPr>
-            <a:r>
-              <a:rPr lang="en-US" sz="3400" b="1" dirty="0">
-                <a:solidFill>
-                  <a:srgbClr val="FEFCE8"/>
-                </a:solidFill>
-                <a:latin typeface="Oxygen" panose="02000503000000000000" pitchFamily="2" charset="0"/>
-              </a:rPr>
-              <a:t>			DB </a:t>
-            </a:r>
-            <a:r>
-              <a:rPr lang="en-US" sz="3400" b="1" dirty="0" err="1">
-                <a:solidFill>
-                  <a:srgbClr val="FEFCE8"/>
-                </a:solidFill>
-                <a:latin typeface="Oxygen" panose="02000503000000000000" pitchFamily="2" charset="0"/>
-              </a:rPr>
-              <a:t>db</a:t>
-            </a:r>
-            <a:endParaRPr lang="en-US" sz="3400" b="1" dirty="0">
-              <a:solidFill>
-                <a:srgbClr val="FEFCE8"/>
-              </a:solidFill>
-              <a:latin typeface="Oxygen" panose="02000503000000000000" pitchFamily="2" charset="0"/>
-            </a:endParaRPr>
-          </a:p>
-          <a:p>
-            <a:pPr lvl="2">
-              <a:lnSpc>
-                <a:spcPts val="3200"/>
-              </a:lnSpc>
-            </a:pPr>
-            <a:br>
-              <a:rPr lang="en-US" sz="3400" b="1" dirty="0">
-                <a:solidFill>
-                  <a:srgbClr val="FEFCE8"/>
-                </a:solidFill>
-                <a:latin typeface="Oxygen" panose="02000503000000000000" pitchFamily="2" charset="0"/>
-              </a:rPr>
-            </a:br>
-            <a:r>
-              <a:rPr lang="en-US" sz="3400" b="1" dirty="0">
-                <a:solidFill>
-                  <a:srgbClr val="FEFCE8"/>
-                </a:solidFill>
-                <a:latin typeface="Oxygen" panose="02000503000000000000" pitchFamily="2" charset="0"/>
-              </a:rPr>
-              <a:t>		connectors </a:t>
-            </a:r>
-          </a:p>
-          <a:p>
-            <a:pPr lvl="2">
-              <a:lnSpc>
-                <a:spcPts val="3200"/>
-              </a:lnSpc>
-            </a:pPr>
-            <a:r>
-              <a:rPr lang="en-US" sz="3400" b="1" dirty="0">
-                <a:solidFill>
-                  <a:srgbClr val="FEFCE8"/>
-                </a:solidFill>
-                <a:latin typeface="Oxygen" panose="02000503000000000000" pitchFamily="2" charset="0"/>
-              </a:rPr>
-              <a:t>			</a:t>
-            </a:r>
-            <a:r>
-              <a:rPr lang="en-US" sz="3400" b="1" dirty="0" err="1">
-                <a:solidFill>
-                  <a:srgbClr val="FEFCE8"/>
-                </a:solidFill>
-                <a:latin typeface="Oxygen" panose="02000503000000000000" pitchFamily="2" charset="0"/>
-              </a:rPr>
-              <a:t>JDBCCtr</a:t>
-            </a:r>
-            <a:r>
-              <a:rPr lang="en-US" sz="3400" b="1" dirty="0">
-                <a:solidFill>
-                  <a:srgbClr val="FEFCE8"/>
-                </a:solidFill>
-                <a:latin typeface="Oxygen" panose="02000503000000000000" pitchFamily="2" charset="0"/>
-              </a:rPr>
-              <a:t> </a:t>
-            </a:r>
-            <a:r>
-              <a:rPr lang="en-US" sz="3400" b="1" dirty="0" err="1">
-                <a:solidFill>
-                  <a:srgbClr val="FEFCE8"/>
-                </a:solidFill>
-                <a:latin typeface="Oxygen" panose="02000503000000000000" pitchFamily="2" charset="0"/>
-              </a:rPr>
-              <a:t>jdbcCtr</a:t>
-            </a:r>
-            <a:endParaRPr lang="en-US" sz="3400" b="1" dirty="0">
-              <a:solidFill>
-                <a:srgbClr val="FEFCE8"/>
-              </a:solidFill>
-              <a:latin typeface="Oxygen" panose="02000503000000000000" pitchFamily="2" charset="0"/>
-            </a:endParaRPr>
-          </a:p>
-          <a:p>
-            <a:pPr lvl="2">
-              <a:lnSpc>
-                <a:spcPts val="3200"/>
-              </a:lnSpc>
-            </a:pPr>
-            <a:br>
-              <a:rPr lang="en-US" sz="3400" b="1" dirty="0">
-                <a:solidFill>
-                  <a:srgbClr val="FEFCE8"/>
-                </a:solidFill>
-                <a:latin typeface="Oxygen" panose="02000503000000000000" pitchFamily="2" charset="0"/>
-              </a:rPr>
-            </a:br>
-            <a:r>
-              <a:rPr lang="en-US" sz="3400" b="1" dirty="0">
-                <a:solidFill>
-                  <a:srgbClr val="FEFCE8"/>
-                </a:solidFill>
-                <a:latin typeface="Oxygen" panose="02000503000000000000" pitchFamily="2" charset="0"/>
-              </a:rPr>
-              <a:t>		attachments	</a:t>
-            </a:r>
-          </a:p>
-          <a:p>
-            <a:pPr lvl="2">
-              <a:lnSpc>
-                <a:spcPts val="3200"/>
-              </a:lnSpc>
-            </a:pPr>
-            <a:r>
-              <a:rPr lang="en-US" sz="3400" b="1" dirty="0">
-                <a:solidFill>
-                  <a:srgbClr val="FEFCE8"/>
-                </a:solidFill>
-                <a:latin typeface="Oxygen" panose="02000503000000000000" pitchFamily="2" charset="0"/>
-              </a:rPr>
-              <a:t>			connect </a:t>
-            </a:r>
-            <a:r>
-              <a:rPr lang="en-US" sz="3400" b="1" dirty="0" err="1">
-                <a:solidFill>
-                  <a:srgbClr val="FEFCE8"/>
-                </a:solidFill>
-                <a:latin typeface="Oxygen" panose="02000503000000000000" pitchFamily="2" charset="0"/>
-              </a:rPr>
-              <a:t>rh.dbIface</a:t>
-            </a:r>
-            <a:r>
-              <a:rPr lang="en-US" sz="3400" b="1" dirty="0">
-                <a:solidFill>
-                  <a:srgbClr val="FEFCE8"/>
-                </a:solidFill>
-                <a:latin typeface="Oxygen" panose="02000503000000000000" pitchFamily="2" charset="0"/>
-              </a:rPr>
-              <a:t> and </a:t>
-            </a:r>
-            <a:r>
-              <a:rPr lang="en-US" sz="3400" b="1" dirty="0" err="1">
-                <a:solidFill>
-                  <a:srgbClr val="FEFCE8"/>
-                </a:solidFill>
-                <a:latin typeface="Oxygen" panose="02000503000000000000" pitchFamily="2" charset="0"/>
-              </a:rPr>
-              <a:t>db.dbIface</a:t>
-            </a:r>
-            <a:r>
-              <a:rPr lang="en-US" sz="3400" b="1" dirty="0">
-                <a:solidFill>
-                  <a:srgbClr val="FEFCE8"/>
-                </a:solidFill>
-                <a:latin typeface="Oxygen" panose="02000503000000000000" pitchFamily="2" charset="0"/>
-              </a:rPr>
-              <a:t> 			with </a:t>
-            </a:r>
-            <a:r>
-              <a:rPr lang="en-US" sz="3400" b="1" dirty="0" err="1">
-                <a:solidFill>
-                  <a:srgbClr val="FEFCE8"/>
-                </a:solidFill>
-                <a:latin typeface="Oxygen" panose="02000503000000000000" pitchFamily="2" charset="0"/>
-              </a:rPr>
-              <a:t>jdbcCtr</a:t>
-            </a:r>
-            <a:endParaRPr lang="en-US" sz="3400" b="1" dirty="0">
-              <a:solidFill>
-                <a:srgbClr val="FEFCE8"/>
-              </a:solidFill>
-              <a:latin typeface="Oxygen" panose="02000503000000000000" pitchFamily="2" charset="0"/>
-            </a:endParaRPr>
-          </a:p>
-          <a:p>
-            <a:pPr lvl="2">
-              <a:lnSpc>
-                <a:spcPts val="3200"/>
-              </a:lnSpc>
-            </a:pPr>
-            <a:br>
-              <a:rPr lang="en-US" sz="3400" b="1" dirty="0">
-                <a:solidFill>
-                  <a:srgbClr val="FEFCE8"/>
-                </a:solidFill>
-                <a:latin typeface="Oxygen" panose="02000503000000000000" pitchFamily="2" charset="0"/>
-              </a:rPr>
-            </a:br>
-            <a:r>
-              <a:rPr lang="en-US" sz="3400" b="1" dirty="0">
-                <a:solidFill>
-                  <a:srgbClr val="FEFCE8"/>
-                </a:solidFill>
-                <a:latin typeface="Oxygen" panose="02000503000000000000" pitchFamily="2" charset="0"/>
-              </a:rPr>
-              <a:t>		bindings </a:t>
-            </a:r>
-          </a:p>
-          <a:p>
-            <a:pPr lvl="2">
-              <a:lnSpc>
-                <a:spcPts val="3200"/>
-              </a:lnSpc>
-            </a:pPr>
-            <a:r>
-              <a:rPr lang="en-US" sz="3400" b="1" dirty="0">
-                <a:solidFill>
-                  <a:srgbClr val="FEFCE8"/>
-                </a:solidFill>
-                <a:latin typeface="Oxygen" panose="02000503000000000000" pitchFamily="2" charset="0"/>
-              </a:rPr>
-              <a:t>			</a:t>
-            </a:r>
-            <a:r>
-              <a:rPr lang="en-US" sz="3400" b="1" dirty="0" err="1">
-                <a:solidFill>
-                  <a:srgbClr val="FEFCE8"/>
-                </a:solidFill>
-                <a:latin typeface="Oxygen" panose="02000503000000000000" pitchFamily="2" charset="0"/>
-              </a:rPr>
-              <a:t>sendInfo</a:t>
-            </a:r>
-            <a:r>
-              <a:rPr lang="en-US" sz="3400" b="1" dirty="0">
-                <a:solidFill>
-                  <a:srgbClr val="FEFCE8"/>
-                </a:solidFill>
-                <a:latin typeface="Oxygen" panose="02000503000000000000" pitchFamily="2" charset="0"/>
-              </a:rPr>
-              <a:t> is </a:t>
-            </a:r>
-            <a:r>
-              <a:rPr lang="en-US" sz="3400" b="1" dirty="0" err="1">
-                <a:solidFill>
-                  <a:srgbClr val="FEFCE8"/>
-                </a:solidFill>
-                <a:latin typeface="Oxygen" panose="02000503000000000000" pitchFamily="2" charset="0"/>
-              </a:rPr>
-              <a:t>rh.sendInfo</a:t>
-            </a:r>
-            <a:br>
-              <a:rPr lang="en-US" sz="3400" b="1" dirty="0">
-                <a:solidFill>
-                  <a:srgbClr val="FEFCE8"/>
-                </a:solidFill>
-                <a:latin typeface="Oxygen" panose="02000503000000000000" pitchFamily="2" charset="0"/>
-              </a:rPr>
-            </a:br>
-            <a:endParaRPr lang="en-US" sz="3400" b="1" dirty="0">
-              <a:solidFill>
-                <a:srgbClr val="FEFCE8"/>
-              </a:solidFill>
-              <a:latin typeface="Oxygen" panose="02000503000000000000" pitchFamily="2" charset="0"/>
-            </a:endParaRPr>
-          </a:p>
-        </p:txBody>
-      </p:sp>
-      <p:sp>
-        <p:nvSpPr>
-          <p:cNvPr id="155" name="TextBox 154"/>
-          <p:cNvSpPr txBox="1"/>
-          <p:nvPr/>
-        </p:nvSpPr>
-        <p:spPr>
-          <a:xfrm>
-            <a:off x="19632649" y="32934240"/>
-            <a:ext cx="10074861" cy="7894469"/>
-          </a:xfrm>
-          <a:prstGeom prst="rect">
-            <a:avLst/>
-          </a:prstGeom>
-          <a:noFill/>
-        </p:spPr>
-        <p:txBody>
-          <a:bodyPr wrap="square" rtlCol="0">
-            <a:spAutoFit/>
-          </a:bodyPr>
-          <a:lstStyle/>
-          <a:p>
-            <a:r>
-              <a:rPr lang="en-US" sz="3900" b="1" dirty="0">
-                <a:solidFill>
-                  <a:srgbClr val="FEFCE8"/>
-                </a:solidFill>
-                <a:latin typeface="Oxygen" panose="02000503000000000000" pitchFamily="2" charset="0"/>
-              </a:rPr>
-              <a:t>architecture </a:t>
-            </a:r>
-          </a:p>
-          <a:p>
-            <a:r>
-              <a:rPr lang="en-US" sz="3900" b="1" dirty="0">
-                <a:solidFill>
-                  <a:srgbClr val="FEFCE8"/>
-                </a:solidFill>
-                <a:latin typeface="Oxygen" panose="02000503000000000000" pitchFamily="2" charset="0"/>
-              </a:rPr>
-              <a:t>	components</a:t>
-            </a:r>
-          </a:p>
-          <a:p>
-            <a:r>
-              <a:rPr lang="en-US" sz="3900" b="1" dirty="0">
-                <a:solidFill>
-                  <a:srgbClr val="FEFCE8"/>
-                </a:solidFill>
-                <a:latin typeface="Oxygen" panose="02000503000000000000" pitchFamily="2" charset="0"/>
-              </a:rPr>
-              <a:t>		Client </a:t>
-            </a:r>
-            <a:r>
-              <a:rPr lang="en-US" sz="3900" b="1" dirty="0" err="1">
-                <a:solidFill>
-                  <a:srgbClr val="FEFCE8"/>
-                </a:solidFill>
-                <a:latin typeface="Oxygen" panose="02000503000000000000" pitchFamily="2" charset="0"/>
-              </a:rPr>
-              <a:t>client</a:t>
-            </a:r>
-            <a:endParaRPr lang="en-US" sz="3900" b="1" dirty="0">
-              <a:solidFill>
-                <a:srgbClr val="FEFCE8"/>
-              </a:solidFill>
-              <a:latin typeface="Oxygen" panose="02000503000000000000" pitchFamily="2" charset="0"/>
-            </a:endParaRPr>
-          </a:p>
-          <a:p>
-            <a:r>
-              <a:rPr lang="en-US" sz="3900" b="1" dirty="0">
-                <a:solidFill>
-                  <a:srgbClr val="FEFCE8"/>
-                </a:solidFill>
-                <a:latin typeface="Oxygen" panose="02000503000000000000" pitchFamily="2" charset="0"/>
-              </a:rPr>
-              <a:t>		Server </a:t>
-            </a:r>
-            <a:r>
-              <a:rPr lang="en-US" sz="3900" b="1" dirty="0" err="1">
-                <a:solidFill>
-                  <a:srgbClr val="FEFCE8"/>
-                </a:solidFill>
-                <a:latin typeface="Oxygen" panose="02000503000000000000" pitchFamily="2" charset="0"/>
-              </a:rPr>
-              <a:t>server</a:t>
-            </a:r>
-            <a:endParaRPr lang="en-US" sz="3900" b="1" dirty="0">
-              <a:solidFill>
-                <a:srgbClr val="FEFCE8"/>
-              </a:solidFill>
-              <a:latin typeface="Oxygen" panose="02000503000000000000" pitchFamily="2" charset="0"/>
-            </a:endParaRPr>
-          </a:p>
-          <a:p>
-            <a:br>
-              <a:rPr lang="en-US" sz="3900" b="1" dirty="0">
-                <a:solidFill>
-                  <a:srgbClr val="FEFCE8"/>
-                </a:solidFill>
-                <a:latin typeface="Oxygen" panose="02000503000000000000" pitchFamily="2" charset="0"/>
-              </a:rPr>
-            </a:br>
-            <a:r>
-              <a:rPr lang="en-US" sz="3900" b="1" dirty="0">
-                <a:solidFill>
-                  <a:srgbClr val="FEFCE8"/>
-                </a:solidFill>
-                <a:latin typeface="Oxygen" panose="02000503000000000000" pitchFamily="2" charset="0"/>
-              </a:rPr>
-              <a:t>	connectors</a:t>
-            </a:r>
-          </a:p>
-          <a:p>
-            <a:r>
-              <a:rPr lang="en-US" sz="3900" b="1" dirty="0">
-                <a:solidFill>
-                  <a:srgbClr val="FEFCE8"/>
-                </a:solidFill>
-                <a:latin typeface="Oxygen" panose="02000503000000000000" pitchFamily="2" charset="0"/>
-              </a:rPr>
-              <a:t>		</a:t>
-            </a:r>
-            <a:r>
-              <a:rPr lang="en-US" sz="3900" b="1" dirty="0" err="1">
-                <a:solidFill>
-                  <a:srgbClr val="FEFCE8"/>
-                </a:solidFill>
-                <a:latin typeface="Oxygen" panose="02000503000000000000" pitchFamily="2" charset="0"/>
-              </a:rPr>
-              <a:t>JSONCtr</a:t>
-            </a:r>
-            <a:r>
-              <a:rPr lang="en-US" sz="3900" b="1" dirty="0">
-                <a:solidFill>
-                  <a:srgbClr val="FEFCE8"/>
-                </a:solidFill>
-                <a:latin typeface="Oxygen" panose="02000503000000000000" pitchFamily="2" charset="0"/>
-              </a:rPr>
-              <a:t> </a:t>
-            </a:r>
-            <a:r>
-              <a:rPr lang="en-US" sz="3900" b="1" dirty="0" err="1">
-                <a:solidFill>
-                  <a:srgbClr val="FEFCE8"/>
-                </a:solidFill>
-                <a:latin typeface="Oxygen" panose="02000503000000000000" pitchFamily="2" charset="0"/>
-              </a:rPr>
-              <a:t>jsonCtr</a:t>
-            </a:r>
-            <a:endParaRPr lang="en-US" sz="3900" b="1" dirty="0">
-              <a:solidFill>
-                <a:srgbClr val="FEFCE8"/>
-              </a:solidFill>
-              <a:latin typeface="Oxygen" panose="02000503000000000000" pitchFamily="2" charset="0"/>
-            </a:endParaRPr>
-          </a:p>
-          <a:p>
-            <a:r>
-              <a:rPr lang="en-US" sz="3900" b="1" dirty="0">
-                <a:solidFill>
-                  <a:srgbClr val="FEFCE8"/>
-                </a:solidFill>
-                <a:latin typeface="Oxygen" panose="02000503000000000000" pitchFamily="2" charset="0"/>
-              </a:rPr>
-              <a:t>	attachments </a:t>
-            </a:r>
-          </a:p>
-          <a:p>
-            <a:r>
-              <a:rPr lang="en-US" sz="3900" b="1" dirty="0">
-                <a:solidFill>
-                  <a:srgbClr val="FEFCE8"/>
-                </a:solidFill>
-                <a:latin typeface="Oxygen" panose="02000503000000000000" pitchFamily="2" charset="0"/>
-              </a:rPr>
-              <a:t>		Connect </a:t>
-            </a:r>
-            <a:r>
-              <a:rPr lang="en-US" sz="3900" b="1" dirty="0" err="1">
-                <a:solidFill>
-                  <a:srgbClr val="FEFCE8"/>
-                </a:solidFill>
-                <a:latin typeface="Oxygen" panose="02000503000000000000" pitchFamily="2" charset="0"/>
-              </a:rPr>
-              <a:t>client.getInfo</a:t>
-            </a:r>
-            <a:r>
-              <a:rPr lang="en-US" sz="3900" b="1" dirty="0">
-                <a:solidFill>
-                  <a:srgbClr val="FEFCE8"/>
-                </a:solidFill>
-                <a:latin typeface="Oxygen" panose="02000503000000000000" pitchFamily="2" charset="0"/>
-              </a:rPr>
-              <a:t> and 				</a:t>
-            </a:r>
-            <a:r>
-              <a:rPr lang="en-US" sz="3900" b="1" dirty="0" err="1">
-                <a:solidFill>
-                  <a:srgbClr val="FEFCE8"/>
-                </a:solidFill>
-                <a:latin typeface="Oxygen" panose="02000503000000000000" pitchFamily="2" charset="0"/>
-              </a:rPr>
-              <a:t>server.sendInfo</a:t>
-            </a:r>
-            <a:r>
-              <a:rPr lang="en-US" sz="3900" b="1" dirty="0">
-                <a:solidFill>
-                  <a:srgbClr val="FEFCE8"/>
-                </a:solidFill>
-                <a:latin typeface="Oxygen" panose="02000503000000000000" pitchFamily="2" charset="0"/>
-              </a:rPr>
-              <a:t> with </a:t>
-            </a:r>
-            <a:r>
-              <a:rPr lang="en-US" sz="3900" b="1" dirty="0" err="1">
-                <a:solidFill>
-                  <a:srgbClr val="FEFCE8"/>
-                </a:solidFill>
-                <a:latin typeface="Oxygen" panose="02000503000000000000" pitchFamily="2" charset="0"/>
-              </a:rPr>
-              <a:t>jsonCtr</a:t>
-            </a:r>
-            <a:endParaRPr lang="en-US" sz="3900" b="1" dirty="0">
-              <a:solidFill>
-                <a:srgbClr val="FEFCE8"/>
-              </a:solidFill>
-              <a:latin typeface="Oxygen" panose="02000503000000000000" pitchFamily="2" charset="0"/>
-            </a:endParaRPr>
-          </a:p>
-          <a:p>
-            <a:br>
-              <a:rPr lang="en-US" sz="3900" b="1" dirty="0">
-                <a:solidFill>
-                  <a:srgbClr val="FEFCE8"/>
-                </a:solidFill>
-                <a:latin typeface="Oxygen" panose="02000503000000000000" pitchFamily="2" charset="0"/>
-              </a:rPr>
-            </a:br>
-            <a:r>
-              <a:rPr lang="en-US" sz="3900" b="1" dirty="0">
-                <a:solidFill>
-                  <a:srgbClr val="FEFCE8"/>
-                </a:solidFill>
-                <a:latin typeface="Oxygen" panose="02000503000000000000" pitchFamily="2" charset="0"/>
-              </a:rPr>
-              <a:t>	</a:t>
-            </a:r>
-            <a:r>
-              <a:rPr lang="en-US" sz="3900" b="1" dirty="0" err="1">
-                <a:solidFill>
-                  <a:srgbClr val="FEFCE8"/>
-                </a:solidFill>
-                <a:latin typeface="Oxygen" panose="02000503000000000000" pitchFamily="2" charset="0"/>
-              </a:rPr>
-              <a:t>entryPoints</a:t>
-            </a:r>
-            <a:endParaRPr lang="en-US" sz="3900" b="1" dirty="0">
-              <a:solidFill>
-                <a:srgbClr val="FEFCE8"/>
-              </a:solidFill>
-              <a:latin typeface="Oxygen" panose="02000503000000000000" pitchFamily="2" charset="0"/>
-            </a:endParaRPr>
-          </a:p>
-          <a:p>
-            <a:r>
-              <a:rPr lang="en-US" sz="3900" b="1" dirty="0">
-                <a:solidFill>
-                  <a:srgbClr val="FEFCE8"/>
-                </a:solidFill>
-                <a:latin typeface="Oxygen" panose="02000503000000000000" pitchFamily="2" charset="0"/>
-              </a:rPr>
-              <a:t>		Client: start</a:t>
-            </a:r>
-            <a:endParaRPr lang="en-US" sz="3900" b="1" dirty="0">
-              <a:solidFill>
-                <a:srgbClr val="FEFCE8"/>
-              </a:solidFill>
-              <a:latin typeface="Oxygen" panose="02000503000000000000" pitchFamily="2" charset="0"/>
-            </a:endParaRPr>
-          </a:p>
-        </p:txBody>
-      </p:sp>
-      <p:grpSp>
-        <p:nvGrpSpPr>
-          <p:cNvPr id="177" name="Group 176"/>
-          <p:cNvGrpSpPr/>
-          <p:nvPr/>
-        </p:nvGrpSpPr>
-        <p:grpSpPr>
-          <a:xfrm>
-            <a:off x="-828674" y="20304197"/>
-            <a:ext cx="31924623" cy="10199816"/>
-            <a:chOff x="-830814" y="20307954"/>
-            <a:chExt cx="31924623" cy="10199816"/>
-          </a:xfrm>
-        </p:grpSpPr>
-        <p:sp>
-          <p:nvSpPr>
-            <p:cNvPr id="75" name="Speech Bubble: Rectangle 74"/>
-            <p:cNvSpPr/>
-            <p:nvPr/>
-          </p:nvSpPr>
-          <p:spPr>
-            <a:xfrm rot="10800000">
-              <a:off x="-1" y="20307954"/>
-              <a:ext cx="30262996" cy="10199816"/>
-            </a:xfrm>
-            <a:prstGeom prst="wedgeRectCallout">
-              <a:avLst>
-                <a:gd name="adj1" fmla="val -33287"/>
-                <a:gd name="adj2" fmla="val 69533"/>
-              </a:avLst>
-            </a:prstGeom>
-            <a:solidFill>
-              <a:srgbClr val="EEDD96">
-                <a:alpha val="75000"/>
-              </a:srgbClr>
-            </a:solidFill>
-            <a:ln>
-              <a:noFill/>
-            </a:ln>
-          </p:spPr>
-          <p:style>
-            <a:lnRef idx="2">
-              <a:schemeClr val="accent1">
-                <a:shade val="50000"/>
-              </a:schemeClr>
-            </a:lnRef>
-            <a:fillRef idx="1">
-              <a:schemeClr val="accent1"/>
-            </a:fillRef>
-            <a:effectRef idx="0">
-              <a:schemeClr val="accent1"/>
-            </a:effectRef>
-            <a:fontRef idx="minor">
-              <a:schemeClr val="lt1"/>
-            </a:fontRef>
-          </p:style>
-          <p:txBody>
-            <a:bodyPr rtlCol="0" anchor="ctr"/>
-            <a:lstStyle/>
-            <a:p>
-              <a:pPr algn="ctr"/>
-              <a:endParaRPr lang="en-US" dirty="0"/>
-            </a:p>
-          </p:txBody>
-        </p:sp>
-        <p:grpSp>
-          <p:nvGrpSpPr>
-            <p:cNvPr id="163" name="Group 162"/>
-            <p:cNvGrpSpPr/>
-            <p:nvPr/>
-          </p:nvGrpSpPr>
-          <p:grpSpPr>
-            <a:xfrm>
-              <a:off x="-736693" y="22974481"/>
-              <a:ext cx="18703510" cy="7060210"/>
-              <a:chOff x="-7634781" y="22718885"/>
-              <a:chExt cx="18703510" cy="7060210"/>
-            </a:xfrm>
-          </p:grpSpPr>
-          <p:sp>
-            <p:nvSpPr>
-              <p:cNvPr id="119" name="TextBox 118"/>
+              <p:cNvPr id="123" name="TextBox 122"/>
               <p:cNvSpPr txBox="1"/>
               <p:nvPr/>
             </p:nvSpPr>
             <p:spPr>
               <a:xfrm>
-                <a:off x="-6084069" y="24567412"/>
-                <a:ext cx="17152798" cy="5211683"/>
+                <a:off x="18927717" y="23708206"/>
+                <a:ext cx="11244725" cy="6093976"/>
               </a:xfrm>
               <a:prstGeom prst="rect">
                 <a:avLst/>
@@ -8910,7 +8759,7 @@
               <a:lstStyle/>
               <a:p>
                 <a:r>
-                  <a:rPr lang="en-US" sz="3600" b="1" dirty="0">
+                  <a:rPr lang="en-US" sz="3000" i="1" dirty="0">
                     <a:solidFill>
                       <a:schemeClr val="accent1">
                         <a:lumMod val="75000"/>
@@ -8918,15 +8767,63 @@
                     </a:solidFill>
                     <a:latin typeface="Oxygen" panose="02000503000000000000" pitchFamily="2" charset="0"/>
                   </a:rPr>
-                  <a:t>Trinity Architecture Components</a:t>
+                  <a:t>Trinity’s design demonstrates the following principles: </a:t>
                 </a:r>
               </a:p>
               <a:p>
-                <a:pPr>
-                  <a:lnSpc>
-                    <a:spcPts val="3200"/>
-                  </a:lnSpc>
+                <a:endParaRPr lang="en-US" sz="3000" i="1" dirty="0">
+                  <a:solidFill>
+                    <a:schemeClr val="accent1">
+                      <a:lumMod val="75000"/>
+                    </a:schemeClr>
+                  </a:solidFill>
+                  <a:latin typeface="Oxygen" panose="02000503000000000000" pitchFamily="2" charset="0"/>
+                </a:endParaRPr>
+              </a:p>
+              <a:p>
+                <a:pPr marL="457200" indent="-457200">
+                  <a:buFont typeface="Arial" panose="020B0604020202020204" pitchFamily="34" charset="0"/>
+                  <a:buChar char="•"/>
                 </a:pPr>
+                <a:r>
+                  <a:rPr lang="en-US" sz="3000" b="1" dirty="0">
+                    <a:solidFill>
+                      <a:schemeClr val="accent1">
+                        <a:lumMod val="75000"/>
+                      </a:schemeClr>
+                    </a:solidFill>
+                    <a:latin typeface="Oxygen" panose="02000503000000000000" pitchFamily="2" charset="0"/>
+                  </a:rPr>
+                  <a:t>Readability</a:t>
+                </a:r>
+              </a:p>
+              <a:p>
+                <a:pPr lvl="2"/>
+                <a:r>
+                  <a:rPr lang="en-US" sz="3000" b="1" dirty="0">
+                    <a:solidFill>
+                      <a:schemeClr val="accent1">
+                        <a:lumMod val="75000"/>
+                      </a:schemeClr>
+                    </a:solidFill>
+                    <a:latin typeface="Oxygen" panose="02000503000000000000" pitchFamily="2" charset="0"/>
+                  </a:rPr>
+                  <a:t>	</a:t>
+                </a:r>
+                <a:r>
+                  <a:rPr lang="en-US" sz="3000" dirty="0">
+                    <a:solidFill>
+                      <a:schemeClr val="accent1">
+                        <a:lumMod val="75000"/>
+                      </a:schemeClr>
+                    </a:solidFill>
+                    <a:latin typeface="Oxygen" panose="02000503000000000000" pitchFamily="2" charset="0"/>
+                  </a:rPr>
+                  <a:t>System architecture is contained in a single file and is 	prescriptive, uniting design and 	implementation.</a:t>
+                </a:r>
+              </a:p>
+              <a:p>
+                <a:pPr lvl="2"/>
                 <a:endParaRPr lang="en-US" sz="3000" b="1" dirty="0">
                   <a:solidFill>
                     <a:schemeClr val="accent1">
@@ -8937,10 +8834,9 @@
                 </a:endParaRPr>
               </a:p>
               <a:p>
-                <a:pPr>
-                  <a:lnSpc>
-                    <a:spcPts val="3200"/>
-                  </a:lnSpc>
+                <a:pPr marL="457200" indent="-457200">
+                  <a:buFont typeface="Arial" panose="020B0604020202020204" pitchFamily="34" charset="0"/>
+                  <a:buChar char="•"/>
                 </a:pPr>
                 <a:r>
                   <a:rPr lang="en-US" sz="3000" b="1" dirty="0">
@@ -8951,8 +8847,11 @@
                     </a:solidFill>
                     <a:latin typeface="Oxygen" panose="02000503000000000000" pitchFamily="2" charset="0"/>
                   </a:rPr>
-                  <a:t>component: </a:t>
+                  <a:t>Reuse and Adaptability</a:t>
                 </a:r>
+              </a:p>
+              <a:p>
+                <a:pPr lvl="2"/>
                 <a:r>
                   <a:rPr lang="en-US" sz="3000" dirty="0">
                     <a:solidFill>
@@ -8962,27 +8861,12 @@
                     </a:solidFill>
                     <a:latin typeface="Oxygen" panose="02000503000000000000" pitchFamily="2" charset="0"/>
                   </a:rPr>
-                  <a:t>a </a:t>
-                </a:r>
-                <a:r>
-                  <a:rPr lang="en-US" sz="3000" dirty="0">
-                    <a:solidFill>
-                      <a:schemeClr val="accent1">
-                        <a:lumMod val="75000"/>
-                      </a:schemeClr>
-                    </a:solidFill>
-                    <a:latin typeface="Oxygen" panose="02000503000000000000" pitchFamily="2" charset="0"/>
-                  </a:rPr>
-                  <a:t>runtime entity that may interact with other components through ports.</a:t>
+                  <a:t>	Compatibility checking  and code generation make 	switching, adding, and removing architecture elements 	easier and more secure.</a:t>
                 </a:r>
               </a:p>
               <a:p>
-                <a:pPr>
-                  <a:lnSpc>
-                    <a:spcPts val="3200"/>
-                  </a:lnSpc>
-                </a:pPr>
-                <a:endParaRPr lang="en-US" sz="3000" dirty="0">
+                <a:pPr lvl="2"/>
+                <a:endParaRPr lang="en-US" sz="3000" b="1" dirty="0">
                   <a:solidFill>
                     <a:schemeClr val="accent1">
                       <a:lumMod val="75000"/>
@@ -8992,10 +8876,9 @@
                 </a:endParaRPr>
               </a:p>
               <a:p>
-                <a:pPr>
-                  <a:lnSpc>
-                    <a:spcPts val="3200"/>
-                  </a:lnSpc>
+                <a:pPr marL="457200" indent="-457200">
+                  <a:buFont typeface="Arial" panose="020B0604020202020204" pitchFamily="34" charset="0"/>
+                  <a:buChar char="•"/>
                 </a:pPr>
                 <a:r>
                   <a:rPr lang="en-US" sz="3000" b="1" dirty="0">
@@ -9006,49 +8889,10 @@
                     </a:solidFill>
                     <a:latin typeface="Oxygen" panose="02000503000000000000" pitchFamily="2" charset="0"/>
                   </a:rPr>
-                  <a:t>connector: </a:t>
+                  <a:t>Communication Integrity in Distributed Systems</a:t>
                 </a:r>
-                <a:r>
-                  <a:rPr lang="en-US" sz="3000" dirty="0">
-                    <a:solidFill>
-                      <a:schemeClr val="accent1">
-                        <a:lumMod val="75000"/>
-                      </a:schemeClr>
-                    </a:solidFill>
-                    <a:latin typeface="Oxygen" panose="02000503000000000000" pitchFamily="2" charset="0"/>
-                  </a:rPr>
-                  <a:t>interaction pathways that join two compatible component ports.</a:t>
-                </a:r>
-                <a:endParaRPr lang="en-US" sz="3000" dirty="0">
-                  <a:solidFill>
-                    <a:schemeClr val="accent1">
-                      <a:lumMod val="75000"/>
-                    </a:schemeClr>
-                  </a:solidFill>
-                  <a:latin typeface="Oxygen" panose="02000503000000000000" pitchFamily="2" charset="0"/>
-                </a:endParaRPr>
               </a:p>
               <a:p>
-                <a:pPr>
-                  <a:lnSpc>
-                    <a:spcPts val="3200"/>
-                  </a:lnSpc>
-                </a:pPr>
-                <a:endParaRPr lang="en-US" sz="3000" b="1" dirty="0">
-                  <a:solidFill>
-                    <a:schemeClr val="accent1">
-                      <a:lumMod val="75000"/>
-                    </a:schemeClr>
-                  </a:solidFill>
-                  <a:latin typeface="Oxygen" panose="02000503000000000000" pitchFamily="2" charset="0"/>
-                </a:endParaRPr>
-              </a:p>
-              <a:p>
-                <a:pPr>
-                  <a:lnSpc>
-                    <a:spcPts val="3200"/>
-                  </a:lnSpc>
-                </a:pPr>
                 <a:r>
                   <a:rPr lang="en-US" sz="3000" b="1" dirty="0">
                     <a:solidFill>
@@ -9058,10 +8902,10 @@
                     </a:solidFill>
                     <a:latin typeface="Oxygen" panose="02000503000000000000" pitchFamily="2" charset="0"/>
                   </a:rPr>
-                  <a:t>port: </a:t>
+                  <a:t>	</a:t>
                 </a:r>
                 <a:r>
-                  <a:rPr lang="en-US" sz="3000" dirty="0">
+                  <a:rPr lang="en-US" sz="3000" dirty="0" err="1">
                     <a:solidFill>
                       <a:schemeClr val="accent1">
                         <a:lumMod val="75000"/>
@@ -9069,125 +8913,8 @@
                     </a:solidFill>
                     <a:latin typeface="Oxygen" panose="02000503000000000000" pitchFamily="2" charset="0"/>
                   </a:rPr>
-                  <a:t>component access points that can allow interaction with other components.</a:t>
+                  <a:t>jfdlkasjfdklasfjs</a:t>
                 </a:r>
-              </a:p>
-              <a:p>
-                <a:pPr>
-                  <a:lnSpc>
-                    <a:spcPts val="3200"/>
-                  </a:lnSpc>
-                </a:pPr>
-                <a:endParaRPr lang="en-US" sz="3000" dirty="0">
-                  <a:solidFill>
-                    <a:schemeClr val="accent1">
-                      <a:lumMod val="75000"/>
-                    </a:schemeClr>
-                  </a:solidFill>
-                  <a:latin typeface="Oxygen" panose="02000503000000000000" pitchFamily="2" charset="0"/>
-                </a:endParaRPr>
-              </a:p>
-              <a:p>
-                <a:pPr>
-                  <a:lnSpc>
-                    <a:spcPts val="3200"/>
-                  </a:lnSpc>
-                </a:pPr>
-                <a:r>
-                  <a:rPr lang="en-US" sz="3000" b="1" dirty="0">
-                    <a:solidFill>
-                      <a:schemeClr val="accent1">
-                        <a:lumMod val="75000"/>
-                      </a:schemeClr>
-                    </a:solidFill>
-                    <a:latin typeface="Oxygen" panose="02000503000000000000" pitchFamily="2" charset="0"/>
-                  </a:rPr>
-                  <a:t>attachments:</a:t>
-                </a:r>
-                <a:r>
-                  <a:rPr lang="en-US" sz="3000" dirty="0">
-                    <a:solidFill>
-                      <a:schemeClr val="accent1">
-                        <a:lumMod val="75000"/>
-                      </a:schemeClr>
-                    </a:solidFill>
-                    <a:latin typeface="Oxygen" panose="02000503000000000000" pitchFamily="2" charset="0"/>
-                  </a:rPr>
-                  <a:t> declarations that enable connections between compatible components to be made</a:t>
-                </a:r>
-                <a:endParaRPr lang="en-US" sz="3000" b="1" dirty="0">
-                  <a:solidFill>
-                    <a:schemeClr val="accent1">
-                      <a:lumMod val="75000"/>
-                    </a:schemeClr>
-                  </a:solidFill>
-                  <a:latin typeface="Oxygen" panose="02000503000000000000" pitchFamily="2" charset="0"/>
-                </a:endParaRPr>
-              </a:p>
-              <a:p>
-                <a:pPr>
-                  <a:lnSpc>
-                    <a:spcPts val="3200"/>
-                  </a:lnSpc>
-                </a:pPr>
-                <a:endParaRPr lang="en-US" sz="3000" dirty="0">
-                  <a:solidFill>
-                    <a:schemeClr val="accent1">
-                      <a:lumMod val="75000"/>
-                    </a:schemeClr>
-                  </a:solidFill>
-                  <a:latin typeface="Oxygen" panose="02000503000000000000" pitchFamily="2" charset="0"/>
-                </a:endParaRPr>
-              </a:p>
-              <a:p>
-                <a:pPr>
-                  <a:lnSpc>
-                    <a:spcPts val="3200"/>
-                  </a:lnSpc>
-                </a:pPr>
-                <a:r>
-                  <a:rPr lang="en-US" sz="3000" b="1" dirty="0" err="1">
-                    <a:solidFill>
-                      <a:schemeClr val="accent1">
-                        <a:lumMod val="75000"/>
-                      </a:schemeClr>
-                    </a:solidFill>
-                    <a:latin typeface="Oxygen" panose="02000503000000000000" pitchFamily="2" charset="0"/>
-                  </a:rPr>
-                  <a:t>entryPoints</a:t>
-                </a:r>
-                <a:r>
-                  <a:rPr lang="en-US" sz="3000" b="1" dirty="0">
-                    <a:solidFill>
-                      <a:schemeClr val="accent1">
-                        <a:lumMod val="75000"/>
-                      </a:schemeClr>
-                    </a:solidFill>
-                    <a:latin typeface="Oxygen" panose="02000503000000000000" pitchFamily="2" charset="0"/>
-                  </a:rPr>
-                  <a:t>: </a:t>
-                </a:r>
-                <a:r>
-                  <a:rPr lang="en-US" sz="3000" dirty="0">
-                    <a:solidFill>
-                      <a:schemeClr val="accent1">
-                        <a:lumMod val="75000"/>
-                      </a:schemeClr>
-                    </a:solidFill>
-                    <a:latin typeface="Oxygen" panose="02000503000000000000" pitchFamily="2" charset="0"/>
-                  </a:rPr>
-                  <a:t>a program starting point that permit execution.</a:t>
-                </a:r>
-                <a:endParaRPr lang="en-US" sz="3000" b="1" dirty="0">
-                  <a:solidFill>
-                    <a:schemeClr val="accent1">
-                      <a:lumMod val="75000"/>
-                    </a:schemeClr>
-                  </a:solidFill>
-                  <a:latin typeface="Oxygen" panose="02000503000000000000" pitchFamily="2" charset="0"/>
-                </a:endParaRPr>
-              </a:p>
-              <a:p>
                 <a:endParaRPr lang="en-US" sz="3000" b="1" dirty="0">
                   <a:solidFill>
                     <a:schemeClr val="accent1">
@@ -9201,28 +8928,132 @@
           </p:sp>
           <p:grpSp>
             <p:nvGrpSpPr>
-              <p:cNvPr id="122" name="Group 121"/>
+              <p:cNvPr id="166" name="Group 165"/>
               <p:cNvGrpSpPr/>
               <p:nvPr/>
             </p:nvGrpSpPr>
             <p:grpSpPr>
               <a:xfrm>
-                <a:off x="-7634781" y="22718885"/>
-                <a:ext cx="9328383" cy="1477415"/>
-                <a:chOff x="-8315203" y="23898600"/>
-                <a:chExt cx="10190756" cy="1723158"/>
+                <a:off x="-830814" y="20815549"/>
+                <a:ext cx="7206462" cy="1731739"/>
+                <a:chOff x="-1129898" y="25970449"/>
+                <a:chExt cx="7206462" cy="2095405"/>
               </a:xfrm>
             </p:grpSpPr>
             <p:sp>
               <p:nvSpPr>
-                <p:cNvPr id="120" name="Arrow: Chevron 119"/>
+                <p:cNvPr id="165" name="Arrow: Chevron 164"/>
                 <p:cNvSpPr/>
                 <p:nvPr/>
               </p:nvSpPr>
               <p:spPr>
                 <a:xfrm rot="10800000">
-                  <a:off x="-8315203" y="23898600"/>
-                  <a:ext cx="10190756" cy="1723158"/>
+                  <a:off x="-1129898" y="25970449"/>
+                  <a:ext cx="7206462" cy="2095405"/>
+                </a:xfrm>
+                <a:prstGeom prst="chevron">
+                  <a:avLst/>
+                </a:prstGeom>
+                <a:solidFill>
+                  <a:srgbClr val="A6A6A6"/>
+                </a:solidFill>
+                <a:ln>
+                  <a:noFill/>
+                </a:ln>
+              </p:spPr>
+              <p:style>
+                <a:lnRef idx="2">
+                  <a:schemeClr val="accent1">
+                    <a:shade val="50000"/>
+                  </a:schemeClr>
+                </a:lnRef>
+                <a:fillRef idx="1">
+                  <a:schemeClr val="accent1"/>
+                </a:fillRef>
+                <a:effectRef idx="0">
+                  <a:schemeClr val="accent1"/>
+                </a:effectRef>
+                <a:fontRef idx="minor">
+                  <a:schemeClr val="lt1"/>
+                </a:fontRef>
+              </p:style>
+              <p:txBody>
+                <a:bodyPr rtlCol="0" anchor="ctr"/>
+                <a:lstStyle/>
+                <a:p>
+                  <a:pPr algn="ctr"/>
+                  <a:endParaRPr lang="en-US">
+                    <a:solidFill>
+                      <a:schemeClr val="tx1"/>
+                    </a:solidFill>
+                    <a:latin typeface="Oxygen" panose="02000503000000000000" pitchFamily="2" charset="0"/>
+                  </a:endParaRPr>
+                </a:p>
+              </p:txBody>
+            </p:sp>
+            <p:sp>
+              <p:nvSpPr>
+                <p:cNvPr id="78" name="TextBox 77"/>
+                <p:cNvSpPr txBox="1"/>
+                <p:nvPr/>
+              </p:nvSpPr>
+              <p:spPr>
+                <a:xfrm>
+                  <a:off x="43197" y="26006273"/>
+                  <a:ext cx="4439346" cy="1880670"/>
+                </a:xfrm>
+                <a:prstGeom prst="rect">
+                  <a:avLst/>
+                </a:prstGeom>
+                <a:solidFill>
+                  <a:schemeClr val="bg1">
+                    <a:lumMod val="65000"/>
+                  </a:schemeClr>
+                </a:solidFill>
+              </p:spPr>
+              <p:txBody>
+                <a:bodyPr wrap="square" rtlCol="0">
+                  <a:spAutoFit/>
+                </a:bodyPr>
+                <a:lstStyle/>
+                <a:p>
+                  <a:r>
+                    <a:rPr lang="en-US" sz="9500" b="1" i="1" dirty="0">
+                      <a:solidFill>
+                        <a:schemeClr val="bg1"/>
+                      </a:solidFill>
+                      <a:latin typeface="Oxygen" panose="02000503000000000000" pitchFamily="2" charset="0"/>
+                    </a:rPr>
+                    <a:t>Design</a:t>
+                  </a:r>
+                </a:p>
+              </p:txBody>
+            </p:sp>
+          </p:grpSp>
+          <p:grpSp>
+            <p:nvGrpSpPr>
+              <p:cNvPr id="168" name="Group 167"/>
+              <p:cNvGrpSpPr/>
+              <p:nvPr/>
+            </p:nvGrpSpPr>
+            <p:grpSpPr>
+              <a:xfrm>
+                <a:off x="18006352" y="21722362"/>
+                <a:ext cx="13087457" cy="1477415"/>
+                <a:chOff x="-4172052" y="22165665"/>
+                <a:chExt cx="12751381" cy="1723158"/>
+              </a:xfrm>
+            </p:grpSpPr>
+            <p:sp>
+              <p:nvSpPr>
+                <p:cNvPr id="169" name="Arrow: Chevron 168"/>
+                <p:cNvSpPr/>
+                <p:nvPr/>
+              </p:nvSpPr>
+              <p:spPr>
+                <a:xfrm rot="10800000">
+                  <a:off x="-4172052" y="22165665"/>
+                  <a:ext cx="12751381" cy="1723158"/>
                 </a:xfrm>
                 <a:prstGeom prst="chevron">
                   <a:avLst/>
@@ -9266,14 +9097,14 @@
             </p:sp>
             <p:sp>
               <p:nvSpPr>
-                <p:cNvPr id="121" name="TextBox 120"/>
+                <p:cNvPr id="170" name="TextBox 169"/>
                 <p:cNvSpPr txBox="1"/>
                 <p:nvPr/>
               </p:nvSpPr>
               <p:spPr>
                 <a:xfrm>
-                  <a:off x="-6621134" y="24347364"/>
-                  <a:ext cx="7258933" cy="825631"/>
+                  <a:off x="-1268154" y="22502378"/>
+                  <a:ext cx="9314998" cy="1005116"/>
                 </a:xfrm>
                 <a:prstGeom prst="rect">
                   <a:avLst/>
@@ -9287,387 +9118,28 @@
                 <a:lstStyle/>
                 <a:p>
                   <a:r>
-                    <a:rPr lang="en-US" sz="4000" b="1" dirty="0">
+                    <a:rPr lang="en-US" sz="5000" b="1" dirty="0">
                       <a:solidFill>
                         <a:schemeClr val="bg1"/>
                       </a:solidFill>
                       <a:latin typeface="Oxygen" panose="02000503000000000000" pitchFamily="2" charset="0"/>
                     </a:rPr>
-                    <a:t>Implementation Concepts</a:t>
+                    <a:t>Demonstrated Principles</a:t>
                   </a:r>
                 </a:p>
               </p:txBody>
             </p:sp>
           </p:grpSp>
-        </p:grpSp>
-        <p:sp>
-          <p:nvSpPr>
-            <p:cNvPr id="123" name="TextBox 122"/>
-            <p:cNvSpPr txBox="1"/>
-            <p:nvPr/>
-          </p:nvSpPr>
-          <p:spPr>
-            <a:xfrm>
-              <a:off x="18927717" y="23708206"/>
-              <a:ext cx="11244725" cy="6093976"/>
-            </a:xfrm>
-            <a:prstGeom prst="rect">
-              <a:avLst/>
-            </a:prstGeom>
-            <a:noFill/>
-          </p:spPr>
-          <p:txBody>
-            <a:bodyPr wrap="square" rtlCol="0">
-              <a:spAutoFit/>
-            </a:bodyPr>
-            <a:lstStyle/>
-            <a:p>
-              <a:r>
-                <a:rPr lang="en-US" sz="3000" i="1" dirty="0">
-                  <a:solidFill>
-                    <a:schemeClr val="accent1">
-                      <a:lumMod val="75000"/>
-                    </a:schemeClr>
-                  </a:solidFill>
-                  <a:latin typeface="Oxygen" panose="02000503000000000000" pitchFamily="2" charset="0"/>
-                </a:rPr>
-                <a:t>Trinity’s design demonstrates the following principles: </a:t>
-              </a:r>
-            </a:p>
-            <a:p>
-              <a:endParaRPr lang="en-US" sz="3000" i="1" dirty="0">
-                <a:solidFill>
-                  <a:schemeClr val="accent1">
-                    <a:lumMod val="75000"/>
-                  </a:schemeClr>
-                </a:solidFill>
-                <a:latin typeface="Oxygen" panose="02000503000000000000" pitchFamily="2" charset="0"/>
-              </a:endParaRPr>
-            </a:p>
-            <a:p>
-              <a:pPr marL="457200" indent="-457200">
-                <a:buFont typeface="Arial" panose="020B0604020202020204" pitchFamily="34" charset="0"/>
-                <a:buChar char="•"/>
-              </a:pPr>
-              <a:r>
-                <a:rPr lang="en-US" sz="3000" b="1" dirty="0">
-                  <a:solidFill>
-                    <a:schemeClr val="accent1">
-                      <a:lumMod val="75000"/>
-                    </a:schemeClr>
-                  </a:solidFill>
-                  <a:latin typeface="Oxygen" panose="02000503000000000000" pitchFamily="2" charset="0"/>
-                </a:rPr>
-                <a:t>Readability</a:t>
-              </a:r>
-            </a:p>
-            <a:p>
-              <a:pPr lvl="2"/>
-              <a:r>
-                <a:rPr lang="en-US" sz="3000" b="1" dirty="0">
-                  <a:solidFill>
-                    <a:schemeClr val="accent1">
-                      <a:lumMod val="75000"/>
-                    </a:schemeClr>
-                  </a:solidFill>
-                  <a:latin typeface="Oxygen" panose="02000503000000000000" pitchFamily="2" charset="0"/>
-                </a:rPr>
-                <a:t>	</a:t>
-              </a:r>
-              <a:r>
-                <a:rPr lang="en-US" sz="3000" dirty="0">
-                  <a:solidFill>
-                    <a:schemeClr val="accent1">
-                      <a:lumMod val="75000"/>
-                    </a:schemeClr>
-                  </a:solidFill>
-                  <a:latin typeface="Oxygen" panose="02000503000000000000" pitchFamily="2" charset="0"/>
-                </a:rPr>
-                <a:t>System architecture is contained in a single file and is 	prescriptive, uniting design and 	implementation.</a:t>
-              </a:r>
-            </a:p>
-            <a:p>
-              <a:pPr lvl="2"/>
-              <a:endParaRPr lang="en-US" sz="3000" b="1" dirty="0">
-                <a:solidFill>
-                  <a:schemeClr val="accent1">
-                    <a:lumMod val="75000"/>
-                  </a:schemeClr>
-                </a:solidFill>
-                <a:latin typeface="Oxygen" panose="02000503000000000000" pitchFamily="2" charset="0"/>
-              </a:endParaRPr>
-            </a:p>
-            <a:p>
-              <a:pPr marL="457200" indent="-457200">
-                <a:buFont typeface="Arial" panose="020B0604020202020204" pitchFamily="34" charset="0"/>
-                <a:buChar char="•"/>
-              </a:pPr>
-              <a:r>
-                <a:rPr lang="en-US" sz="3000" b="1" dirty="0">
-                  <a:solidFill>
-                    <a:schemeClr val="accent1">
-                      <a:lumMod val="75000"/>
-                    </a:schemeClr>
-                  </a:solidFill>
-                  <a:latin typeface="Oxygen" panose="02000503000000000000" pitchFamily="2" charset="0"/>
-                </a:rPr>
-                <a:t>Reuse and Adaptability</a:t>
-              </a:r>
-            </a:p>
-            <a:p>
-              <a:pPr lvl="2"/>
-              <a:r>
-                <a:rPr lang="en-US" sz="3000" dirty="0">
-                  <a:solidFill>
-                    <a:schemeClr val="accent1">
-                      <a:lumMod val="75000"/>
-                    </a:schemeClr>
-                  </a:solidFill>
-                  <a:latin typeface="Oxygen" panose="02000503000000000000" pitchFamily="2" charset="0"/>
-                </a:rPr>
-                <a:t>	Compatibility checking  and code generation make 	switching, adding, and removing architecture elements 	easier and more secure.</a:t>
-              </a:r>
-            </a:p>
-            <a:p>
-              <a:pPr lvl="2"/>
-              <a:endParaRPr lang="en-US" sz="3000" b="1" dirty="0">
-                <a:solidFill>
-                  <a:schemeClr val="accent1">
-                    <a:lumMod val="75000"/>
-                  </a:schemeClr>
-                </a:solidFill>
-                <a:latin typeface="Oxygen" panose="02000503000000000000" pitchFamily="2" charset="0"/>
-              </a:endParaRPr>
-            </a:p>
-            <a:p>
-              <a:pPr marL="457200" indent="-457200">
-                <a:buFont typeface="Arial" panose="020B0604020202020204" pitchFamily="34" charset="0"/>
-                <a:buChar char="•"/>
-              </a:pPr>
-              <a:r>
-                <a:rPr lang="en-US" sz="3000" b="1" dirty="0">
-                  <a:solidFill>
-                    <a:schemeClr val="accent1">
-                      <a:lumMod val="75000"/>
-                    </a:schemeClr>
-                  </a:solidFill>
-                  <a:latin typeface="Oxygen" panose="02000503000000000000" pitchFamily="2" charset="0"/>
-                </a:rPr>
-                <a:t>Communication Integrity in Distributed Systems</a:t>
-              </a:r>
-            </a:p>
-            <a:p>
-              <a:r>
-                <a:rPr lang="en-US" sz="3000" b="1" dirty="0">
-                  <a:solidFill>
-                    <a:schemeClr val="accent1">
-                      <a:lumMod val="75000"/>
-                    </a:schemeClr>
-                  </a:solidFill>
-                  <a:latin typeface="Oxygen" panose="02000503000000000000" pitchFamily="2" charset="0"/>
-                </a:rPr>
-                <a:t>	</a:t>
-              </a:r>
-              <a:r>
-                <a:rPr lang="en-US" sz="3000" dirty="0" err="1">
-                  <a:solidFill>
-                    <a:schemeClr val="accent1">
-                      <a:lumMod val="75000"/>
-                    </a:schemeClr>
-                  </a:solidFill>
-                  <a:latin typeface="Oxygen" panose="02000503000000000000" pitchFamily="2" charset="0"/>
-                </a:rPr>
-                <a:t>jfdlkasjfdklasfjs</a:t>
-              </a:r>
-              <a:endParaRPr lang="en-US" sz="3000" b="1" dirty="0">
-                <a:solidFill>
-                  <a:schemeClr val="accent1">
-                    <a:lumMod val="75000"/>
-                  </a:schemeClr>
-                </a:solidFill>
-                <a:latin typeface="Oxygen" panose="02000503000000000000" pitchFamily="2" charset="0"/>
-              </a:endParaRPr>
-            </a:p>
-          </p:txBody>
-        </p:sp>
-        <p:grpSp>
-          <p:nvGrpSpPr>
-            <p:cNvPr id="166" name="Group 165"/>
-            <p:cNvGrpSpPr/>
-            <p:nvPr/>
-          </p:nvGrpSpPr>
-          <p:grpSpPr>
-            <a:xfrm>
-              <a:off x="-830814" y="20815545"/>
-              <a:ext cx="7206462" cy="1739304"/>
-              <a:chOff x="-1129898" y="25970449"/>
-              <a:chExt cx="7206462" cy="2104559"/>
-            </a:xfrm>
-          </p:grpSpPr>
           <p:sp>
             <p:nvSpPr>
-              <p:cNvPr id="165" name="Arrow: Chevron 164"/>
-              <p:cNvSpPr/>
-              <p:nvPr/>
-            </p:nvSpPr>
-            <p:spPr>
-              <a:xfrm rot="10800000">
-                <a:off x="-1129898" y="25970449"/>
-                <a:ext cx="7206462" cy="2095405"/>
-              </a:xfrm>
-              <a:prstGeom prst="chevron">
-                <a:avLst/>
-              </a:prstGeom>
-              <a:solidFill>
-                <a:srgbClr val="A6A6A6"/>
-              </a:solidFill>
-              <a:ln>
-                <a:noFill/>
-              </a:ln>
-            </p:spPr>
-            <p:style>
-              <a:lnRef idx="2">
-                <a:schemeClr val="accent1">
-                  <a:shade val="50000"/>
-                </a:schemeClr>
-              </a:lnRef>
-              <a:fillRef idx="1">
-                <a:schemeClr val="accent1"/>
-              </a:fillRef>
-              <a:effectRef idx="0">
-                <a:schemeClr val="accent1"/>
-              </a:effectRef>
-              <a:fontRef idx="minor">
-                <a:schemeClr val="lt1"/>
-              </a:fontRef>
-            </p:style>
-            <p:txBody>
-              <a:bodyPr rtlCol="0" anchor="ctr"/>
-              <a:lstStyle/>
-              <a:p>
-                <a:pPr algn="ctr"/>
-                <a:endParaRPr lang="en-US">
-                  <a:solidFill>
-                    <a:schemeClr val="tx1"/>
-                  </a:solidFill>
-                </a:endParaRPr>
-              </a:p>
-            </p:txBody>
-          </p:sp>
-          <p:sp>
-            <p:nvSpPr>
-              <p:cNvPr id="78" name="TextBox 77"/>
+              <p:cNvPr id="171" name="TextBox 170"/>
               <p:cNvSpPr txBox="1"/>
               <p:nvPr/>
             </p:nvSpPr>
             <p:spPr>
               <a:xfrm>
-                <a:off x="43197" y="26006273"/>
-                <a:ext cx="4439346" cy="2068735"/>
-              </a:xfrm>
-              <a:prstGeom prst="rect">
-                <a:avLst/>
-              </a:prstGeom>
-              <a:solidFill>
-                <a:schemeClr val="bg1">
-                  <a:lumMod val="65000"/>
-                </a:schemeClr>
-              </a:solidFill>
-            </p:spPr>
-            <p:txBody>
-              <a:bodyPr wrap="square" rtlCol="0">
-                <a:spAutoFit/>
-              </a:bodyPr>
-              <a:lstStyle/>
-              <a:p>
-                <a:r>
-                  <a:rPr lang="en-US" sz="9500" b="1" i="1" dirty="0">
-                    <a:solidFill>
-                      <a:schemeClr val="bg1"/>
-                    </a:solidFill>
-                    <a:latin typeface="Oxygen" panose="02000503000000000000" pitchFamily="2" charset="0"/>
-                  </a:rPr>
-                  <a:t>Design</a:t>
-                </a:r>
-              </a:p>
-            </p:txBody>
-          </p:sp>
-        </p:grpSp>
-        <p:grpSp>
-          <p:nvGrpSpPr>
-            <p:cNvPr id="168" name="Group 167"/>
-            <p:cNvGrpSpPr/>
-            <p:nvPr/>
-          </p:nvGrpSpPr>
-          <p:grpSpPr>
-            <a:xfrm>
-              <a:off x="18006352" y="21722362"/>
-              <a:ext cx="13087457" cy="1477415"/>
-              <a:chOff x="-4172052" y="22165665"/>
-              <a:chExt cx="12751381" cy="1723158"/>
-            </a:xfrm>
-          </p:grpSpPr>
-          <p:sp>
-            <p:nvSpPr>
-              <p:cNvPr id="169" name="Arrow: Chevron 168"/>
-              <p:cNvSpPr/>
-              <p:nvPr/>
-            </p:nvSpPr>
-            <p:spPr>
-              <a:xfrm rot="10800000">
-                <a:off x="-4172052" y="22165665"/>
-                <a:ext cx="12751381" cy="1723158"/>
-              </a:xfrm>
-              <a:prstGeom prst="chevron">
-                <a:avLst/>
-              </a:prstGeom>
-              <a:solidFill>
-                <a:srgbClr val="9EB3BD"/>
-              </a:solidFill>
-              <a:ln>
-                <a:noFill/>
-              </a:ln>
-            </p:spPr>
-            <p:style>
-              <a:lnRef idx="2">
-                <a:schemeClr val="accent1">
-                  <a:shade val="50000"/>
-                </a:schemeClr>
-              </a:lnRef>
-              <a:fillRef idx="1">
-                <a:schemeClr val="accent1"/>
-              </a:fillRef>
-              <a:effectRef idx="0">
-                <a:schemeClr val="accent1"/>
-              </a:effectRef>
-              <a:fontRef idx="minor">
-                <a:schemeClr val="lt1"/>
-              </a:fontRef>
-            </p:style>
-            <p:txBody>
-              <a:bodyPr rtlCol="0" anchor="ctr"/>
-              <a:lstStyle/>
-              <a:p>
-                <a:pPr algn="ctr"/>
-                <a:endParaRPr lang="en-US" sz="4000" dirty="0">
-                  <a:solidFill>
-                    <a:schemeClr val="tx1"/>
-                  </a:solidFill>
-                  <a:latin typeface="Oxygen" panose="02000503000000000000" pitchFamily="2" charset="0"/>
-                </a:endParaRPr>
-              </a:p>
-            </p:txBody>
-          </p:sp>
-          <p:sp>
-            <p:nvSpPr>
-              <p:cNvPr id="170" name="TextBox 169"/>
-              <p:cNvSpPr txBox="1"/>
-              <p:nvPr/>
-            </p:nvSpPr>
-            <p:spPr>
-              <a:xfrm>
-                <a:off x="-1268154" y="22502378"/>
-                <a:ext cx="9314998" cy="1005116"/>
+                <a:off x="8699596" y="23072278"/>
+                <a:ext cx="9022460" cy="1292662"/>
               </a:xfrm>
               <a:prstGeom prst="rect">
                 <a:avLst/>
@@ -9680,65 +9152,120 @@
               </a:bodyPr>
               <a:lstStyle/>
               <a:p>
+                <a:pPr algn="ctr"/>
                 <a:r>
-                  <a:rPr lang="en-US" sz="5000" b="1" dirty="0">
+                  <a:rPr lang="en-US" sz="3900" i="1" dirty="0">
                     <a:solidFill>
-                      <a:schemeClr val="bg1"/>
+                      <a:schemeClr val="accent1">
+                        <a:lumMod val="75000"/>
+                      </a:schemeClr>
                     </a:solidFill>
                     <a:latin typeface="Oxygen" panose="02000503000000000000" pitchFamily="2" charset="0"/>
                   </a:rPr>
-                  <a:t>Demonstrated Principles</a:t>
+                  <a:t>Architecture concepts  are translated into runtime entities in Trinity</a:t>
                 </a:r>
-              </a:p>
-            </p:txBody>
-          </p:sp>
-        </p:grpSp>
-        <p:sp>
-          <p:nvSpPr>
-            <p:cNvPr id="171" name="TextBox 170"/>
-            <p:cNvSpPr txBox="1"/>
-            <p:nvPr/>
-          </p:nvSpPr>
-          <p:spPr>
-            <a:xfrm>
-              <a:off x="8699596" y="23072278"/>
-              <a:ext cx="9022460" cy="1292662"/>
-            </a:xfrm>
-            <a:prstGeom prst="rect">
-              <a:avLst/>
-            </a:prstGeom>
-            <a:noFill/>
-          </p:spPr>
-          <p:txBody>
-            <a:bodyPr wrap="square" rtlCol="0">
-              <a:spAutoFit/>
-            </a:bodyPr>
-            <a:lstStyle/>
-            <a:p>
-              <a:pPr algn="ctr"/>
-              <a:r>
-                <a:rPr lang="en-US" sz="3900" i="1" dirty="0">
+                <a:endParaRPr lang="en-US" sz="3900" dirty="0">
                   <a:solidFill>
                     <a:schemeClr val="accent1">
                       <a:lumMod val="75000"/>
                     </a:schemeClr>
                   </a:solidFill>
                   <a:latin typeface="Oxygen" panose="02000503000000000000" pitchFamily="2" charset="0"/>
-                </a:rPr>
-                <a:t>Architecture concepts  are translated into runtime entities in Trinity</a:t>
-              </a:r>
-              <a:endParaRPr lang="en-US" sz="3900" dirty="0">
+                </a:endParaRPr>
+              </a:p>
+            </p:txBody>
+          </p:sp>
+        </p:grpSp>
+      </p:grpSp>
+      <p:sp>
+        <p:nvSpPr>
+          <p:cNvPr id="179" name="Arrow: Chevron 178"/>
+          <p:cNvSpPr/>
+          <p:nvPr/>
+        </p:nvSpPr>
+        <p:spPr>
+          <a:xfrm rot="10800000">
+            <a:off x="-989246" y="31487563"/>
+            <a:ext cx="7367034" cy="1731739"/>
+          </a:xfrm>
+          <a:prstGeom prst="chevron">
+            <a:avLst/>
+          </a:prstGeom>
+          <a:solidFill>
+            <a:srgbClr val="A6A6A6"/>
+          </a:solidFill>
+          <a:ln>
+            <a:noFill/>
+          </a:ln>
+        </p:spPr>
+        <p:style>
+          <a:lnRef idx="2">
+            <a:schemeClr val="accent1">
+              <a:shade val="50000"/>
+            </a:schemeClr>
+          </a:lnRef>
+          <a:fillRef idx="1">
+            <a:schemeClr val="accent1"/>
+          </a:fillRef>
+          <a:effectRef idx="0">
+            <a:schemeClr val="accent1"/>
+          </a:effectRef>
+          <a:fontRef idx="minor">
+            <a:schemeClr val="lt1"/>
+          </a:fontRef>
+        </p:style>
+        <p:txBody>
+          <a:bodyPr rtlCol="0" anchor="ctr"/>
+          <a:lstStyle/>
+          <a:p>
+            <a:pPr algn="ctr"/>
+            <a:endParaRPr lang="en-US">
+              <a:solidFill>
+                <a:schemeClr val="tx1"/>
+              </a:solidFill>
+              <a:latin typeface="Oxygen" panose="02000503000000000000" pitchFamily="2" charset="0"/>
+            </a:endParaRPr>
+          </a:p>
+        </p:txBody>
+      </p:sp>
+      <p:sp>
+        <p:nvSpPr>
+          <p:cNvPr id="180" name="TextBox 179"/>
+          <p:cNvSpPr txBox="1"/>
+          <p:nvPr/>
+        </p:nvSpPr>
+        <p:spPr>
+          <a:xfrm>
+            <a:off x="-108769" y="31573549"/>
+            <a:ext cx="5345726" cy="1554272"/>
+          </a:xfrm>
+          <a:prstGeom prst="rect">
+            <a:avLst/>
+          </a:prstGeom>
+          <a:solidFill>
+            <a:schemeClr val="bg1">
+              <a:lumMod val="65000"/>
+            </a:schemeClr>
+          </a:solidFill>
+        </p:spPr>
+        <p:txBody>
+          <a:bodyPr wrap="square" rtlCol="0">
+            <a:spAutoFit/>
+          </a:bodyPr>
+          <a:lstStyle/>
+          <a:p>
+            <a:r>
+              <a:rPr lang="en-US" sz="9500" b="1" i="1" dirty="0">
                 <a:solidFill>
-                  <a:schemeClr val="accent1">
-                    <a:lumMod val="75000"/>
-                  </a:schemeClr>
+                  <a:schemeClr val="bg1"/>
                 </a:solidFill>
                 <a:latin typeface="Oxygen" panose="02000503000000000000" pitchFamily="2" charset="0"/>
-              </a:endParaRPr>
-            </a:p>
-          </p:txBody>
-        </p:sp>
-      </p:grpSp>
+              </a:rPr>
+              <a:t>Example</a:t>
+            </a:r>
+          </a:p>
+        </p:txBody>
+      </p:sp>
     </p:spTree>
   </p:cSld>
   <p:clrMapOvr>

--- a/CMU REUSE 2017 Poster.pptx
+++ b/CMU REUSE 2017 Poster.pptx
@@ -5676,14 +5676,6 @@
                 </a:rPr>
                 <a:t>the “fundamental organization of a system embodied in its components, their relations to each other, and the environment”</a:t>
               </a:r>
-              <a:endParaRPr lang="en-US" sz="4000" b="1" i="1" dirty="0">
-                <a:solidFill>
-                  <a:schemeClr val="tx2">
-                    <a:lumMod val="75000"/>
-                  </a:schemeClr>
-                </a:solidFill>
-                <a:latin typeface="Oxygen" panose="02000503000000000000" pitchFamily="2" charset="0"/>
-              </a:endParaRPr>
             </a:p>
           </p:txBody>
         </p:sp>
@@ -7084,14 +7076,6 @@
                       </a:rPr>
                       <a:t>Analysis of code dependency</a:t>
                     </a:r>
-                    <a:endParaRPr lang="en-US" sz="2300" dirty="0">
-                      <a:solidFill>
-                        <a:schemeClr val="tx2">
-                          <a:lumMod val="50000"/>
-                        </a:schemeClr>
-                      </a:solidFill>
-                      <a:latin typeface="Oxygen" panose="02000503000000000000" pitchFamily="2" charset="0"/>
-                    </a:endParaRPr>
                   </a:p>
                   <a:p>
                     <a:pPr marL="457200" indent="-457200">
@@ -8233,12 +8217,6 @@
                 </a:rPr>
                 <a:t>		Client: start</a:t>
               </a:r>
-              <a:endParaRPr lang="en-US" sz="3900" b="1" dirty="0">
-                <a:solidFill>
-                  <a:srgbClr val="FEFCE8"/>
-                </a:solidFill>
-                <a:latin typeface="Oxygen" panose="02000503000000000000" pitchFamily="2" charset="0"/>
-              </a:endParaRPr>
             </a:p>
           </p:txBody>
         </p:sp>
@@ -8398,18 +8376,7 @@
                       </a:solidFill>
                       <a:latin typeface="Oxygen" panose="02000503000000000000" pitchFamily="2" charset="0"/>
                     </a:rPr>
-                    <a:t>a </a:t>
-                  </a:r>
-                  <a:r>
-                    <a:rPr lang="en-US" sz="3000" dirty="0">
-                      <a:solidFill>
-                        <a:schemeClr val="accent1">
-                          <a:lumMod val="75000"/>
-                        </a:schemeClr>
-                      </a:solidFill>
-                      <a:latin typeface="Oxygen" panose="02000503000000000000" pitchFamily="2" charset="0"/>
-                    </a:rPr>
-                    <a:t>runtime entity that may interact with other components through ports.</a:t>
+                    <a:t>a runtime entity that may interact with other components through ports.</a:t>
                   </a:r>
                 </a:p>
                 <a:p>
@@ -8455,14 +8422,6 @@
                     </a:rPr>
                     <a:t>interaction pathways that join two compatible component ports.</a:t>
                   </a:r>
-                  <a:endParaRPr lang="en-US" sz="3000" dirty="0">
-                    <a:solidFill>
-                      <a:schemeClr val="accent1">
-                        <a:lumMod val="75000"/>
-                      </a:schemeClr>
-                    </a:solidFill>
-                    <a:latin typeface="Oxygen" panose="02000503000000000000" pitchFamily="2" charset="0"/>
-                  </a:endParaRPr>
                 </a:p>
                 <a:p>
                   <a:pPr>
@@ -8955,7 +8914,7 @@
                   <a:avLst/>
                 </a:prstGeom>
                 <a:solidFill>
-                  <a:srgbClr val="A6A6A6"/>
+                  <a:srgbClr val="8E8E8E"/>
                 </a:solidFill>
                 <a:ln>
                   <a:noFill/>
@@ -9006,9 +8965,7 @@
                   <a:avLst/>
                 </a:prstGeom>
                 <a:solidFill>
-                  <a:schemeClr val="bg1">
-                    <a:lumMod val="65000"/>
-                  </a:schemeClr>
+                  <a:srgbClr val="8E8E8E"/>
                 </a:solidFill>
               </p:spPr>
               <p:txBody>
@@ -9192,7 +9149,7 @@
             <a:avLst/>
           </a:prstGeom>
           <a:solidFill>
-            <a:srgbClr val="A6A6A6"/>
+            <a:srgbClr val="8E8E8E"/>
           </a:solidFill>
           <a:ln>
             <a:noFill/>
@@ -9236,16 +9193,14 @@
         </p:nvSpPr>
         <p:spPr>
           <a:xfrm>
-            <a:off x="-108769" y="31573549"/>
+            <a:off x="21408" y="31536053"/>
             <a:ext cx="5345726" cy="1554272"/>
           </a:xfrm>
           <a:prstGeom prst="rect">
             <a:avLst/>
           </a:prstGeom>
           <a:solidFill>
-            <a:schemeClr val="bg1">
-              <a:lumMod val="65000"/>
-            </a:schemeClr>
+            <a:srgbClr val="8E8E8E"/>
           </a:solidFill>
         </p:spPr>
         <p:txBody>

--- a/CMU REUSE 2017 Poster.pptx
+++ b/CMU REUSE 2017 Poster.pptx
@@ -4008,9 +4008,9 @@
         <p:grpSpPr>
           <a:xfrm>
             <a:off x="-1252673" y="-505151"/>
-            <a:ext cx="43315073" cy="43275329"/>
+            <a:ext cx="43315073" cy="44277476"/>
             <a:chOff x="-1252673" y="-505151"/>
-            <a:chExt cx="43315073" cy="43275329"/>
+            <a:chExt cx="43315073" cy="44277476"/>
           </a:xfrm>
         </p:grpSpPr>
         <p:sp>
@@ -7644,8 +7644,8 @@
           </p:nvSpPr>
           <p:spPr>
             <a:xfrm>
-              <a:off x="816150" y="34407300"/>
-              <a:ext cx="9546689" cy="7109639"/>
+              <a:off x="866039" y="33892697"/>
+              <a:ext cx="9546689" cy="9879628"/>
             </a:xfrm>
             <a:prstGeom prst="rect">
               <a:avLst/>
@@ -7918,6 +7918,52 @@
                 </a:rPr>
                 <a:t>: String</a:t>
               </a:r>
+            </a:p>
+            <a:p>
+              <a:endParaRPr lang="en-US" sz="3600" b="1" dirty="0">
+                <a:solidFill>
+                  <a:srgbClr val="FEFCE8"/>
+                </a:solidFill>
+                <a:latin typeface="Oxygen" panose="02000503000000000000" pitchFamily="2" charset="0"/>
+              </a:endParaRPr>
+            </a:p>
+            <a:p>
+              <a:r>
+                <a:rPr lang="en-US" sz="3600" b="1" dirty="0">
+                  <a:solidFill>
+                    <a:srgbClr val="FEFCE8"/>
+                  </a:solidFill>
+                  <a:latin typeface="Oxygen" panose="02000503000000000000" pitchFamily="2" charset="0"/>
+                </a:rPr>
+                <a:t>// Server and database are connected </a:t>
+              </a:r>
+            </a:p>
+            <a:p>
+              <a:r>
+                <a:rPr lang="en-US" sz="3600" b="1" dirty="0">
+                  <a:solidFill>
+                    <a:srgbClr val="FEFCE8"/>
+                  </a:solidFill>
+                  <a:latin typeface="Oxygen" panose="02000503000000000000" pitchFamily="2" charset="0"/>
+                </a:rPr>
+                <a:t>// using the JDBC Connector</a:t>
+              </a:r>
+            </a:p>
+            <a:p>
+              <a:endParaRPr lang="en-US" sz="3600" b="1" dirty="0">
+                <a:solidFill>
+                  <a:srgbClr val="FEFCE8"/>
+                </a:solidFill>
+                <a:latin typeface="Oxygen" panose="02000503000000000000" pitchFamily="2" charset="0"/>
+              </a:endParaRPr>
+            </a:p>
+            <a:p>
+              <a:endParaRPr lang="en-US" sz="3600" b="1" dirty="0">
+                <a:solidFill>
+                  <a:srgbClr val="FEFCE8"/>
+                </a:solidFill>
+                <a:latin typeface="Oxygen" panose="02000503000000000000" pitchFamily="2" charset="0"/>
+              </a:endParaRPr>
             </a:p>
             <a:p>
               <a:pPr lvl="2">
@@ -7950,8 +7996,8 @@
           </p:nvSpPr>
           <p:spPr>
             <a:xfrm>
-              <a:off x="8854996" y="32869511"/>
-              <a:ext cx="10074861" cy="7894469"/>
+              <a:off x="9392558" y="33000440"/>
+              <a:ext cx="10074861" cy="9094797"/>
             </a:xfrm>
             <a:prstGeom prst="rect">
               <a:avLst/>
@@ -7982,6 +8028,17 @@
                   </a:solidFill>
                   <a:latin typeface="Oxygen" panose="02000503000000000000" pitchFamily="2" charset="0"/>
                 </a:rPr>
+                <a:t>	</a:t>
+              </a:r>
+            </a:p>
+            <a:p>
+              <a:r>
+                <a:rPr lang="en-US" sz="3900" b="1" dirty="0">
+                  <a:solidFill>
+                    <a:srgbClr val="FEFCE8"/>
+                  </a:solidFill>
+                  <a:latin typeface="Oxygen" panose="02000503000000000000" pitchFamily="2" charset="0"/>
+                </a:rPr>
                 <a:t>	components</a:t>
               </a:r>
             </a:p>
@@ -8030,22 +8087,25 @@
                 </a:rPr>
                 <a:t>server</a:t>
               </a:r>
-              <a:endParaRPr lang="en-US" sz="3900" b="1" dirty="0">
-                <a:solidFill>
-                  <a:srgbClr val="FEFCE8"/>
-                </a:solidFill>
-                <a:latin typeface="Oxygen" panose="02000503000000000000" pitchFamily="2" charset="0"/>
-              </a:endParaRPr>
+              <a:br>
+                <a:rPr lang="en-US" sz="3900" b="1" dirty="0">
+                  <a:solidFill>
+                    <a:srgbClr val="FEFCE8"/>
+                  </a:solidFill>
+                  <a:latin typeface="Oxygen" panose="02000503000000000000" pitchFamily="2" charset="0"/>
+                </a:rPr>
+              </a:br>
+              <a:r>
+                <a:rPr lang="en-US" sz="3900" b="1" dirty="0">
+                  <a:solidFill>
+                    <a:srgbClr val="FEFCE8"/>
+                  </a:solidFill>
+                  <a:latin typeface="Oxygen" panose="02000503000000000000" pitchFamily="2" charset="0"/>
+                </a:rPr>
+                <a:t>		</a:t>
+              </a:r>
             </a:p>
             <a:p>
-              <a:br>
-                <a:rPr lang="en-US" sz="3900" b="1" dirty="0">
-                  <a:solidFill>
-                    <a:srgbClr val="FEFCE8"/>
-                  </a:solidFill>
-                  <a:latin typeface="Oxygen" panose="02000503000000000000" pitchFamily="2" charset="0"/>
-                </a:rPr>
-              </a:br>
               <a:r>
                 <a:rPr lang="en-US" sz="3900" b="1" dirty="0">
                   <a:solidFill>
@@ -8099,6 +8159,17 @@
                 </a:solidFill>
                 <a:latin typeface="Oxygen" panose="02000503000000000000" pitchFamily="2" charset="0"/>
               </a:endParaRPr>
+            </a:p>
+            <a:p>
+              <a:r>
+                <a:rPr lang="en-US" sz="3900" b="1" dirty="0">
+                  <a:solidFill>
+                    <a:srgbClr val="FEFCE8"/>
+                  </a:solidFill>
+                  <a:latin typeface="Oxygen" panose="02000503000000000000" pitchFamily="2" charset="0"/>
+                </a:rPr>
+                <a:t>	</a:t>
+              </a:r>
             </a:p>
             <a:p>
               <a:r>

--- a/CMU REUSE 2017 Poster.pptx
+++ b/CMU REUSE 2017 Poster.pptx
@@ -27,6 +27,13 @@
       <p:font typeface="Oswald"/>
       <p:regular r:id="rId8"/>
       <p:bold r:id="rId9"/>
+    </p:embeddedFont>
+    <p:embeddedFont>
+      <p:font typeface="Consolas" panose="020B0609020204030204" pitchFamily="49" charset="0"/>
+      <p:regular r:id="rId10"/>
+      <p:bold r:id="rId11"/>
+      <p:italic r:id="rId12"/>
+      <p:boldItalic r:id="rId13"/>
     </p:embeddedFont>
   </p:embeddedFontLst>
   <p:defaultTextStyle>
@@ -4008,9 +4015,9 @@
         <p:grpSpPr>
           <a:xfrm>
             <a:off x="-1252673" y="-505151"/>
-            <a:ext cx="43315073" cy="44277476"/>
+            <a:ext cx="43315073" cy="43785033"/>
             <a:chOff x="-1252673" y="-505151"/>
-            <a:chExt cx="43315073" cy="44277476"/>
+            <a:chExt cx="43315073" cy="43785033"/>
           </a:xfrm>
         </p:grpSpPr>
         <p:sp>
@@ -7645,7 +7652,359 @@
           <p:spPr>
             <a:xfrm>
               <a:off x="866039" y="33892697"/>
-              <a:ext cx="9546689" cy="9879628"/>
+              <a:ext cx="9546689" cy="9387185"/>
+            </a:xfrm>
+            <a:prstGeom prst="rect">
+              <a:avLst/>
+            </a:prstGeom>
+            <a:noFill/>
+          </p:spPr>
+          <p:txBody>
+            <a:bodyPr wrap="square" rtlCol="0">
+              <a:spAutoFit/>
+            </a:bodyPr>
+            <a:lstStyle/>
+            <a:p>
+              <a:r>
+                <a:rPr lang="en-US" sz="3400" b="1" dirty="0">
+                  <a:solidFill>
+                    <a:schemeClr val="bg1"/>
+                  </a:solidFill>
+                  <a:latin typeface="Consolas" panose="020B0609020204030204" pitchFamily="49" charset="0"/>
+                </a:rPr>
+                <a:t>component Client</a:t>
+              </a:r>
+            </a:p>
+            <a:p>
+              <a:r>
+                <a:rPr lang="en-US" sz="3400" b="1" dirty="0">
+                  <a:solidFill>
+                    <a:schemeClr val="bg1"/>
+                  </a:solidFill>
+                  <a:latin typeface="Consolas" panose="020B0609020204030204" pitchFamily="49" charset="0"/>
+                </a:rPr>
+                <a:t>	port </a:t>
+              </a:r>
+              <a:r>
+                <a:rPr lang="en-US" sz="3400" b="1" dirty="0" err="1">
+                  <a:solidFill>
+                    <a:schemeClr val="bg1"/>
+                  </a:solidFill>
+                  <a:latin typeface="Consolas" panose="020B0609020204030204" pitchFamily="49" charset="0"/>
+                </a:rPr>
+                <a:t>getInfo</a:t>
+              </a:r>
+              <a:r>
+                <a:rPr lang="en-US" sz="3400" b="1" dirty="0">
+                  <a:solidFill>
+                    <a:schemeClr val="bg1"/>
+                  </a:solidFill>
+                  <a:latin typeface="Consolas" panose="020B0609020204030204" pitchFamily="49" charset="0"/>
+                </a:rPr>
+                <a:t>: requires </a:t>
+              </a:r>
+              <a:r>
+                <a:rPr lang="en-US" sz="3400" b="1" dirty="0" err="1">
+                  <a:solidFill>
+                    <a:schemeClr val="bg1"/>
+                  </a:solidFill>
+                  <a:latin typeface="Consolas" panose="020B0609020204030204" pitchFamily="49" charset="0"/>
+                </a:rPr>
+                <a:t>CSIface</a:t>
+              </a:r>
+              <a:endParaRPr lang="en-US" sz="3400" b="1" dirty="0">
+                <a:solidFill>
+                  <a:schemeClr val="bg1"/>
+                </a:solidFill>
+                <a:latin typeface="Consolas" panose="020B0609020204030204" pitchFamily="49" charset="0"/>
+              </a:endParaRPr>
+            </a:p>
+            <a:p>
+              <a:br>
+                <a:rPr lang="en-US" sz="3400" b="1" dirty="0">
+                  <a:solidFill>
+                    <a:schemeClr val="bg1"/>
+                  </a:solidFill>
+                  <a:latin typeface="Consolas" panose="020B0609020204030204" pitchFamily="49" charset="0"/>
+                </a:rPr>
+              </a:br>
+              <a:r>
+                <a:rPr lang="en-US" sz="3400" b="1" dirty="0">
+                  <a:solidFill>
+                    <a:schemeClr val="bg1"/>
+                  </a:solidFill>
+                  <a:latin typeface="Consolas" panose="020B0609020204030204" pitchFamily="49" charset="0"/>
+                </a:rPr>
+                <a:t>component Server</a:t>
+              </a:r>
+            </a:p>
+            <a:p>
+              <a:r>
+                <a:rPr lang="en-US" sz="3400" b="1" dirty="0">
+                  <a:solidFill>
+                    <a:schemeClr val="bg1"/>
+                  </a:solidFill>
+                  <a:latin typeface="Consolas" panose="020B0609020204030204" pitchFamily="49" charset="0"/>
+                </a:rPr>
+                <a:t>	port </a:t>
+              </a:r>
+              <a:r>
+                <a:rPr lang="en-US" sz="3400" b="1" dirty="0" err="1">
+                  <a:solidFill>
+                    <a:schemeClr val="bg1"/>
+                  </a:solidFill>
+                  <a:latin typeface="Consolas" panose="020B0609020204030204" pitchFamily="49" charset="0"/>
+                </a:rPr>
+                <a:t>sendInfo</a:t>
+              </a:r>
+              <a:r>
+                <a:rPr lang="en-US" sz="3400" b="1" dirty="0">
+                  <a:solidFill>
+                    <a:schemeClr val="bg1"/>
+                  </a:solidFill>
+                  <a:latin typeface="Consolas" panose="020B0609020204030204" pitchFamily="49" charset="0"/>
+                </a:rPr>
+                <a:t>: provides </a:t>
+              </a:r>
+              <a:r>
+                <a:rPr lang="en-US" sz="3400" b="1" dirty="0" err="1">
+                  <a:solidFill>
+                    <a:schemeClr val="bg1"/>
+                  </a:solidFill>
+                  <a:latin typeface="Consolas" panose="020B0609020204030204" pitchFamily="49" charset="0"/>
+                </a:rPr>
+                <a:t>CSIface</a:t>
+              </a:r>
+              <a:endParaRPr lang="en-US" sz="3400" b="1" dirty="0">
+                <a:solidFill>
+                  <a:schemeClr val="bg1"/>
+                </a:solidFill>
+                <a:latin typeface="Consolas" panose="020B0609020204030204" pitchFamily="49" charset="0"/>
+              </a:endParaRPr>
+            </a:p>
+            <a:p>
+              <a:br>
+                <a:rPr lang="en-US" sz="3400" b="1" dirty="0">
+                  <a:solidFill>
+                    <a:schemeClr val="bg1"/>
+                  </a:solidFill>
+                  <a:latin typeface="Consolas" panose="020B0609020204030204" pitchFamily="49" charset="0"/>
+                </a:rPr>
+              </a:br>
+              <a:r>
+                <a:rPr lang="en-US" sz="3400" b="1" dirty="0">
+                  <a:solidFill>
+                    <a:schemeClr val="bg1"/>
+                  </a:solidFill>
+                  <a:latin typeface="Consolas" panose="020B0609020204030204" pitchFamily="49" charset="0"/>
+                </a:rPr>
+                <a:t>external component DB</a:t>
+              </a:r>
+            </a:p>
+            <a:p>
+              <a:r>
+                <a:rPr lang="en-US" sz="3400" b="1" dirty="0">
+                  <a:solidFill>
+                    <a:schemeClr val="bg1"/>
+                  </a:solidFill>
+                  <a:latin typeface="Consolas" panose="020B0609020204030204" pitchFamily="49" charset="0"/>
+                </a:rPr>
+                <a:t>	port </a:t>
+              </a:r>
+              <a:r>
+                <a:rPr lang="en-US" sz="3400" b="1" dirty="0" err="1">
+                  <a:solidFill>
+                    <a:schemeClr val="bg1"/>
+                  </a:solidFill>
+                  <a:latin typeface="Consolas" panose="020B0609020204030204" pitchFamily="49" charset="0"/>
+                </a:rPr>
+                <a:t>dbIface</a:t>
+              </a:r>
+              <a:r>
+                <a:rPr lang="en-US" sz="3400" b="1" dirty="0">
+                  <a:solidFill>
+                    <a:schemeClr val="bg1"/>
+                  </a:solidFill>
+                  <a:latin typeface="Consolas" panose="020B0609020204030204" pitchFamily="49" charset="0"/>
+                </a:rPr>
+                <a:t>: target </a:t>
+              </a:r>
+              <a:r>
+                <a:rPr lang="en-US" sz="3400" b="1" dirty="0" err="1">
+                  <a:solidFill>
+                    <a:schemeClr val="bg1"/>
+                  </a:solidFill>
+                  <a:latin typeface="Consolas" panose="020B0609020204030204" pitchFamily="49" charset="0"/>
+                </a:rPr>
+                <a:t>DBModule</a:t>
+              </a:r>
+              <a:endParaRPr lang="en-US" sz="3400" b="1" dirty="0">
+                <a:solidFill>
+                  <a:schemeClr val="bg1"/>
+                </a:solidFill>
+                <a:latin typeface="Consolas" panose="020B0609020204030204" pitchFamily="49" charset="0"/>
+              </a:endParaRPr>
+            </a:p>
+            <a:p>
+              <a:br>
+                <a:rPr lang="en-US" sz="3400" b="1" dirty="0">
+                  <a:solidFill>
+                    <a:schemeClr val="bg1"/>
+                  </a:solidFill>
+                  <a:latin typeface="Consolas" panose="020B0609020204030204" pitchFamily="49" charset="0"/>
+                </a:rPr>
+              </a:br>
+              <a:r>
+                <a:rPr lang="en-US" sz="3400" b="1" dirty="0">
+                  <a:solidFill>
+                    <a:schemeClr val="bg1"/>
+                  </a:solidFill>
+                  <a:latin typeface="Consolas" panose="020B0609020204030204" pitchFamily="49" charset="0"/>
+                </a:rPr>
+                <a:t>connector </a:t>
+              </a:r>
+              <a:r>
+                <a:rPr lang="en-US" sz="3400" b="1" dirty="0" err="1">
+                  <a:solidFill>
+                    <a:schemeClr val="bg1"/>
+                  </a:solidFill>
+                  <a:latin typeface="Consolas" panose="020B0609020204030204" pitchFamily="49" charset="0"/>
+                </a:rPr>
+                <a:t>JDBCCtr</a:t>
+              </a:r>
+              <a:endParaRPr lang="en-US" sz="3400" b="1" dirty="0">
+                <a:solidFill>
+                  <a:schemeClr val="bg1"/>
+                </a:solidFill>
+                <a:latin typeface="Consolas" panose="020B0609020204030204" pitchFamily="49" charset="0"/>
+              </a:endParaRPr>
+            </a:p>
+            <a:p>
+              <a:r>
+                <a:rPr lang="en-US" sz="3400" b="1" dirty="0">
+                  <a:solidFill>
+                    <a:schemeClr val="bg1"/>
+                  </a:solidFill>
+                  <a:latin typeface="Consolas" panose="020B0609020204030204" pitchFamily="49" charset="0"/>
+                </a:rPr>
+                <a:t>	</a:t>
+              </a:r>
+              <a:r>
+                <a:rPr lang="en-US" sz="3400" b="1" dirty="0" err="1">
+                  <a:solidFill>
+                    <a:schemeClr val="bg1"/>
+                  </a:solidFill>
+                  <a:latin typeface="Consolas" panose="020B0609020204030204" pitchFamily="49" charset="0"/>
+                </a:rPr>
+                <a:t>val</a:t>
+              </a:r>
+              <a:r>
+                <a:rPr lang="en-US" sz="3400" b="1" dirty="0">
+                  <a:solidFill>
+                    <a:schemeClr val="bg1"/>
+                  </a:solidFill>
+                  <a:latin typeface="Consolas" panose="020B0609020204030204" pitchFamily="49" charset="0"/>
+                </a:rPr>
+                <a:t> </a:t>
+              </a:r>
+              <a:r>
+                <a:rPr lang="en-US" sz="3400" b="1" dirty="0" err="1">
+                  <a:solidFill>
+                    <a:schemeClr val="bg1"/>
+                  </a:solidFill>
+                  <a:latin typeface="Consolas" panose="020B0609020204030204" pitchFamily="49" charset="0"/>
+                </a:rPr>
+                <a:t>connectionString</a:t>
+              </a:r>
+              <a:r>
+                <a:rPr lang="en-US" sz="3400" b="1" dirty="0">
+                  <a:solidFill>
+                    <a:schemeClr val="bg1"/>
+                  </a:solidFill>
+                  <a:latin typeface="Consolas" panose="020B0609020204030204" pitchFamily="49" charset="0"/>
+                </a:rPr>
+                <a:t>: String</a:t>
+              </a:r>
+            </a:p>
+            <a:p>
+              <a:endParaRPr lang="en-US" sz="3400" b="1" dirty="0">
+                <a:solidFill>
+                  <a:schemeClr val="bg1"/>
+                </a:solidFill>
+                <a:latin typeface="Consolas" panose="020B0609020204030204" pitchFamily="49" charset="0"/>
+              </a:endParaRPr>
+            </a:p>
+            <a:p>
+              <a:r>
+                <a:rPr lang="en-US" sz="3400" b="1" dirty="0">
+                  <a:solidFill>
+                    <a:schemeClr val="bg1"/>
+                  </a:solidFill>
+                  <a:latin typeface="Consolas" panose="020B0609020204030204" pitchFamily="49" charset="0"/>
+                </a:rPr>
+                <a:t>// Server and database are connected </a:t>
+              </a:r>
+            </a:p>
+            <a:p>
+              <a:r>
+                <a:rPr lang="en-US" sz="3400" b="1" dirty="0">
+                  <a:solidFill>
+                    <a:schemeClr val="bg1"/>
+                  </a:solidFill>
+                  <a:latin typeface="Consolas" panose="020B0609020204030204" pitchFamily="49" charset="0"/>
+                </a:rPr>
+                <a:t>// using the JDBC Connector</a:t>
+              </a:r>
+            </a:p>
+            <a:p>
+              <a:endParaRPr lang="en-US" sz="3400" b="1" dirty="0">
+                <a:solidFill>
+                  <a:schemeClr val="bg1"/>
+                </a:solidFill>
+                <a:latin typeface="Consolas" panose="020B0609020204030204" pitchFamily="49" charset="0"/>
+              </a:endParaRPr>
+            </a:p>
+            <a:p>
+              <a:endParaRPr lang="en-US" sz="3400" b="1" dirty="0">
+                <a:solidFill>
+                  <a:schemeClr val="bg1"/>
+                </a:solidFill>
+                <a:latin typeface="Consolas" panose="020B0609020204030204" pitchFamily="49" charset="0"/>
+              </a:endParaRPr>
+            </a:p>
+            <a:p>
+              <a:pPr lvl="2">
+                <a:lnSpc>
+                  <a:spcPts val="3600"/>
+                </a:lnSpc>
+              </a:pPr>
+              <a:br>
+                <a:rPr lang="en-US" sz="3400" b="1" dirty="0">
+                  <a:solidFill>
+                    <a:schemeClr val="bg1"/>
+                  </a:solidFill>
+                  <a:latin typeface="Consolas" panose="020B0609020204030204" pitchFamily="49" charset="0"/>
+                </a:rPr>
+              </a:br>
+              <a:endParaRPr lang="en-US" sz="3400" b="1" dirty="0">
+                <a:solidFill>
+                  <a:schemeClr val="bg1"/>
+                </a:solidFill>
+                <a:latin typeface="Consolas" panose="020B0609020204030204" pitchFamily="49" charset="0"/>
+              </a:endParaRPr>
+            </a:p>
+          </p:txBody>
+        </p:sp>
+        <p:sp>
+          <p:nvSpPr>
+            <p:cNvPr id="155" name="TextBox 154"/>
+            <p:cNvSpPr txBox="1"/>
+            <p:nvPr/>
+          </p:nvSpPr>
+          <p:spPr>
+            <a:xfrm>
+              <a:off x="20103872" y="31750647"/>
+              <a:ext cx="10074861" cy="8402300"/>
             </a:xfrm>
             <a:prstGeom prst="rect">
               <a:avLst/>
@@ -7661,630 +8020,278 @@
               <a:r>
                 <a:rPr lang="en-US" sz="3600" b="1" dirty="0">
                   <a:solidFill>
-                    <a:srgbClr val="FEFCE8"/>
-                  </a:solidFill>
-                  <a:latin typeface="Oxygen" panose="02000503000000000000" pitchFamily="2" charset="0"/>
-                </a:rPr>
-                <a:t>component Client</a:t>
-              </a:r>
-            </a:p>
-            <a:p>
-              <a:r>
-                <a:rPr lang="en-US" sz="3600" b="1" dirty="0">
-                  <a:solidFill>
-                    <a:srgbClr val="FEFCE8"/>
-                  </a:solidFill>
-                  <a:latin typeface="Oxygen" panose="02000503000000000000" pitchFamily="2" charset="0"/>
-                </a:rPr>
-                <a:t>	port </a:t>
-              </a:r>
-              <a:r>
-                <a:rPr lang="en-US" sz="3600" b="1" dirty="0" err="1">
-                  <a:solidFill>
-                    <a:srgbClr val="FEFCE8"/>
-                  </a:solidFill>
-                  <a:latin typeface="Oxygen" panose="02000503000000000000" pitchFamily="2" charset="0"/>
-                </a:rPr>
-                <a:t>getInfo</a:t>
-              </a:r>
-              <a:r>
-                <a:rPr lang="en-US" sz="3600" b="1" dirty="0">
-                  <a:solidFill>
-                    <a:srgbClr val="FEFCE8"/>
-                  </a:solidFill>
-                  <a:latin typeface="Oxygen" panose="02000503000000000000" pitchFamily="2" charset="0"/>
-                </a:rPr>
-                <a:t>: requires </a:t>
-              </a:r>
-              <a:r>
-                <a:rPr lang="en-US" sz="3600" b="1" dirty="0" err="1">
-                  <a:solidFill>
-                    <a:srgbClr val="FEFCE8"/>
-                  </a:solidFill>
-                  <a:latin typeface="Oxygen" panose="02000503000000000000" pitchFamily="2" charset="0"/>
-                </a:rPr>
-                <a:t>CSIface</a:t>
-              </a:r>
-              <a:endParaRPr lang="en-US" sz="3600" b="1" dirty="0">
-                <a:solidFill>
-                  <a:srgbClr val="FEFCE8"/>
-                </a:solidFill>
-                <a:latin typeface="Oxygen" panose="02000503000000000000" pitchFamily="2" charset="0"/>
-              </a:endParaRPr>
-            </a:p>
-            <a:p>
-              <a:br>
-                <a:rPr lang="en-US" sz="3600" b="1" dirty="0">
-                  <a:solidFill>
-                    <a:srgbClr val="FEFCE8"/>
-                  </a:solidFill>
-                  <a:latin typeface="Oxygen" panose="02000503000000000000" pitchFamily="2" charset="0"/>
-                </a:rPr>
-              </a:br>
-              <a:r>
-                <a:rPr lang="en-US" sz="3600" b="1" dirty="0">
-                  <a:solidFill>
-                    <a:srgbClr val="FEFCE8"/>
-                  </a:solidFill>
-                  <a:latin typeface="Oxygen" panose="02000503000000000000" pitchFamily="2" charset="0"/>
-                </a:rPr>
-                <a:t>component Server</a:t>
-              </a:r>
-            </a:p>
-            <a:p>
-              <a:r>
-                <a:rPr lang="en-US" sz="3600" b="1" dirty="0">
-                  <a:solidFill>
-                    <a:srgbClr val="FEFCE8"/>
-                  </a:solidFill>
-                  <a:latin typeface="Oxygen" panose="02000503000000000000" pitchFamily="2" charset="0"/>
-                </a:rPr>
-                <a:t>	port </a:t>
-              </a:r>
-              <a:r>
-                <a:rPr lang="en-US" sz="3600" b="1" dirty="0" err="1">
-                  <a:solidFill>
-                    <a:srgbClr val="FEFCE8"/>
-                  </a:solidFill>
-                  <a:latin typeface="Oxygen" panose="02000503000000000000" pitchFamily="2" charset="0"/>
-                </a:rPr>
-                <a:t>sendInfo</a:t>
-              </a:r>
-              <a:r>
-                <a:rPr lang="en-US" sz="3600" b="1" dirty="0">
-                  <a:solidFill>
-                    <a:srgbClr val="FEFCE8"/>
-                  </a:solidFill>
-                  <a:latin typeface="Oxygen" panose="02000503000000000000" pitchFamily="2" charset="0"/>
-                </a:rPr>
-                <a:t>: provides </a:t>
-              </a:r>
-              <a:r>
-                <a:rPr lang="en-US" sz="3600" b="1" dirty="0" err="1">
-                  <a:solidFill>
-                    <a:srgbClr val="FEFCE8"/>
-                  </a:solidFill>
-                  <a:latin typeface="Oxygen" panose="02000503000000000000" pitchFamily="2" charset="0"/>
-                </a:rPr>
-                <a:t>CSIface</a:t>
-              </a:r>
-              <a:endParaRPr lang="en-US" sz="3600" b="1" dirty="0">
-                <a:solidFill>
-                  <a:srgbClr val="FEFCE8"/>
-                </a:solidFill>
-                <a:latin typeface="Oxygen" panose="02000503000000000000" pitchFamily="2" charset="0"/>
-              </a:endParaRPr>
-            </a:p>
-            <a:p>
-              <a:br>
-                <a:rPr lang="en-US" sz="3600" b="1" dirty="0">
-                  <a:solidFill>
-                    <a:srgbClr val="FEFCE8"/>
-                  </a:solidFill>
-                  <a:latin typeface="Oxygen" panose="02000503000000000000" pitchFamily="2" charset="0"/>
-                </a:rPr>
-              </a:br>
-              <a:r>
-                <a:rPr lang="en-US" sz="3600" b="1" dirty="0">
-                  <a:solidFill>
-                    <a:srgbClr val="FEFCE8"/>
-                  </a:solidFill>
-                  <a:latin typeface="Oxygen" panose="02000503000000000000" pitchFamily="2" charset="0"/>
-                </a:rPr>
-                <a:t>external component DB</a:t>
-              </a:r>
-            </a:p>
-            <a:p>
-              <a:r>
-                <a:rPr lang="en-US" sz="3600" b="1" dirty="0">
-                  <a:solidFill>
-                    <a:srgbClr val="FEFCE8"/>
-                  </a:solidFill>
-                  <a:latin typeface="Oxygen" panose="02000503000000000000" pitchFamily="2" charset="0"/>
-                </a:rPr>
-                <a:t>	port </a:t>
-              </a:r>
-              <a:r>
-                <a:rPr lang="en-US" sz="3600" b="1" dirty="0" err="1">
-                  <a:solidFill>
-                    <a:srgbClr val="FEFCE8"/>
-                  </a:solidFill>
-                  <a:latin typeface="Oxygen" panose="02000503000000000000" pitchFamily="2" charset="0"/>
-                </a:rPr>
-                <a:t>dbIface</a:t>
-              </a:r>
-              <a:r>
-                <a:rPr lang="en-US" sz="3600" b="1" dirty="0">
-                  <a:solidFill>
-                    <a:srgbClr val="FEFCE8"/>
-                  </a:solidFill>
-                  <a:latin typeface="Oxygen" panose="02000503000000000000" pitchFamily="2" charset="0"/>
-                </a:rPr>
-                <a:t>: target </a:t>
-              </a:r>
-              <a:r>
-                <a:rPr lang="en-US" sz="3600" b="1" dirty="0" err="1">
-                  <a:solidFill>
-                    <a:srgbClr val="FEFCE8"/>
-                  </a:solidFill>
-                  <a:latin typeface="Oxygen" panose="02000503000000000000" pitchFamily="2" charset="0"/>
-                </a:rPr>
-                <a:t>DBModule</a:t>
-              </a:r>
-              <a:endParaRPr lang="en-US" sz="3600" b="1" dirty="0">
-                <a:solidFill>
-                  <a:srgbClr val="FEFCE8"/>
-                </a:solidFill>
-                <a:latin typeface="Oxygen" panose="02000503000000000000" pitchFamily="2" charset="0"/>
-              </a:endParaRPr>
-            </a:p>
-            <a:p>
-              <a:br>
-                <a:rPr lang="en-US" sz="3600" b="1" dirty="0">
-                  <a:solidFill>
-                    <a:srgbClr val="FEFCE8"/>
-                  </a:solidFill>
-                  <a:latin typeface="Oxygen" panose="02000503000000000000" pitchFamily="2" charset="0"/>
-                </a:rPr>
-              </a:br>
-              <a:r>
-                <a:rPr lang="en-US" sz="3600" b="1" dirty="0">
-                  <a:solidFill>
-                    <a:srgbClr val="FEFCE8"/>
-                  </a:solidFill>
-                  <a:latin typeface="Oxygen" panose="02000503000000000000" pitchFamily="2" charset="0"/>
-                </a:rPr>
-                <a:t>connector </a:t>
-              </a:r>
-              <a:r>
-                <a:rPr lang="en-US" sz="3600" b="1" dirty="0" err="1">
-                  <a:solidFill>
-                    <a:srgbClr val="FEFCE8"/>
-                  </a:solidFill>
-                  <a:latin typeface="Oxygen" panose="02000503000000000000" pitchFamily="2" charset="0"/>
-                </a:rPr>
-                <a:t>JDBCCtr</a:t>
-              </a:r>
-              <a:endParaRPr lang="en-US" sz="3600" b="1" dirty="0">
-                <a:solidFill>
-                  <a:srgbClr val="FEFCE8"/>
-                </a:solidFill>
-                <a:latin typeface="Oxygen" panose="02000503000000000000" pitchFamily="2" charset="0"/>
-              </a:endParaRPr>
-            </a:p>
-            <a:p>
-              <a:r>
-                <a:rPr lang="en-US" sz="3600" b="1" dirty="0">
-                  <a:solidFill>
-                    <a:srgbClr val="FEFCE8"/>
-                  </a:solidFill>
-                  <a:latin typeface="Oxygen" panose="02000503000000000000" pitchFamily="2" charset="0"/>
-                </a:rPr>
-                <a:t>	</a:t>
-              </a:r>
-              <a:r>
-                <a:rPr lang="en-US" sz="3600" b="1" dirty="0" err="1">
-                  <a:solidFill>
-                    <a:srgbClr val="FEFCE8"/>
-                  </a:solidFill>
-                  <a:latin typeface="Oxygen" panose="02000503000000000000" pitchFamily="2" charset="0"/>
-                </a:rPr>
-                <a:t>val</a:t>
-              </a:r>
-              <a:r>
-                <a:rPr lang="en-US" sz="3600" b="1" dirty="0">
-                  <a:solidFill>
-                    <a:srgbClr val="FEFCE8"/>
-                  </a:solidFill>
-                  <a:latin typeface="Oxygen" panose="02000503000000000000" pitchFamily="2" charset="0"/>
-                </a:rPr>
-                <a:t> </a:t>
-              </a:r>
-              <a:r>
-                <a:rPr lang="en-US" sz="3600" b="1" dirty="0" err="1">
-                  <a:solidFill>
-                    <a:srgbClr val="FEFCE8"/>
-                  </a:solidFill>
-                  <a:latin typeface="Oxygen" panose="02000503000000000000" pitchFamily="2" charset="0"/>
-                </a:rPr>
-                <a:t>connectionString</a:t>
-              </a:r>
-              <a:r>
-                <a:rPr lang="en-US" sz="3600" b="1" dirty="0">
-                  <a:solidFill>
-                    <a:srgbClr val="FEFCE8"/>
-                  </a:solidFill>
-                  <a:latin typeface="Oxygen" panose="02000503000000000000" pitchFamily="2" charset="0"/>
-                </a:rPr>
-                <a:t>: String</a:t>
-              </a:r>
-            </a:p>
-            <a:p>
-              <a:endParaRPr lang="en-US" sz="3600" b="1" dirty="0">
-                <a:solidFill>
-                  <a:srgbClr val="FEFCE8"/>
-                </a:solidFill>
-                <a:latin typeface="Oxygen" panose="02000503000000000000" pitchFamily="2" charset="0"/>
-              </a:endParaRPr>
-            </a:p>
-            <a:p>
-              <a:r>
-                <a:rPr lang="en-US" sz="3600" b="1" dirty="0">
-                  <a:solidFill>
-                    <a:srgbClr val="FEFCE8"/>
-                  </a:solidFill>
-                  <a:latin typeface="Oxygen" panose="02000503000000000000" pitchFamily="2" charset="0"/>
-                </a:rPr>
-                <a:t>// Server and database are connected </a:t>
-              </a:r>
-            </a:p>
-            <a:p>
-              <a:r>
-                <a:rPr lang="en-US" sz="3600" b="1" dirty="0">
-                  <a:solidFill>
-                    <a:srgbClr val="FEFCE8"/>
-                  </a:solidFill>
-                  <a:latin typeface="Oxygen" panose="02000503000000000000" pitchFamily="2" charset="0"/>
-                </a:rPr>
-                <a:t>// using the JDBC Connector</a:t>
-              </a:r>
-            </a:p>
-            <a:p>
-              <a:endParaRPr lang="en-US" sz="3600" b="1" dirty="0">
-                <a:solidFill>
-                  <a:srgbClr val="FEFCE8"/>
-                </a:solidFill>
-                <a:latin typeface="Oxygen" panose="02000503000000000000" pitchFamily="2" charset="0"/>
-              </a:endParaRPr>
-            </a:p>
-            <a:p>
-              <a:endParaRPr lang="en-US" sz="3600" b="1" dirty="0">
-                <a:solidFill>
-                  <a:srgbClr val="FEFCE8"/>
-                </a:solidFill>
-                <a:latin typeface="Oxygen" panose="02000503000000000000" pitchFamily="2" charset="0"/>
-              </a:endParaRPr>
-            </a:p>
-            <a:p>
-              <a:pPr lvl="2">
-                <a:lnSpc>
-                  <a:spcPts val="3600"/>
-                </a:lnSpc>
-              </a:pPr>
-              <a:br>
-                <a:rPr lang="en-US" sz="3600" b="1" dirty="0">
-                  <a:solidFill>
-                    <a:srgbClr val="FEFCE8"/>
-                  </a:solidFill>
-                  <a:latin typeface="Oxygen" panose="02000503000000000000" pitchFamily="2" charset="0"/>
-                </a:rPr>
-              </a:br>
-              <a:endParaRPr lang="en-US" sz="3600" b="1" dirty="0">
-                <a:solidFill>
-                  <a:srgbClr val="FEFCE8"/>
-                </a:solidFill>
-                <a:latin typeface="Oxygen" panose="02000503000000000000" pitchFamily="2" charset="0"/>
-              </a:endParaRPr>
-            </a:p>
-          </p:txBody>
-        </p:sp>
-        <p:sp>
-          <p:nvSpPr>
-            <p:cNvPr id="155" name="TextBox 154"/>
-            <p:cNvSpPr txBox="1"/>
-            <p:nvPr/>
-          </p:nvSpPr>
-          <p:spPr>
-            <a:xfrm>
-              <a:off x="9392558" y="33000440"/>
-              <a:ext cx="10074861" cy="9094797"/>
-            </a:xfrm>
-            <a:prstGeom prst="rect">
-              <a:avLst/>
-            </a:prstGeom>
-            <a:noFill/>
-          </p:spPr>
-          <p:txBody>
-            <a:bodyPr wrap="square" rtlCol="0">
-              <a:spAutoFit/>
-            </a:bodyPr>
-            <a:lstStyle/>
-            <a:p>
-              <a:r>
-                <a:rPr lang="en-US" sz="3900" b="1" dirty="0">
-                  <a:solidFill>
-                    <a:srgbClr val="FEFCE8"/>
-                  </a:solidFill>
-                  <a:latin typeface="Oxygen" panose="02000503000000000000" pitchFamily="2" charset="0"/>
+                    <a:schemeClr val="bg1"/>
+                  </a:solidFill>
+                  <a:latin typeface="Consolas" panose="020B0609020204030204" pitchFamily="49" charset="0"/>
                 </a:rPr>
                 <a:t>architecture </a:t>
               </a:r>
             </a:p>
             <a:p>
               <a:r>
-                <a:rPr lang="en-US" sz="3900" b="1" dirty="0">
-                  <a:solidFill>
-                    <a:srgbClr val="FEFCE8"/>
-                  </a:solidFill>
-                  <a:latin typeface="Oxygen" panose="02000503000000000000" pitchFamily="2" charset="0"/>
+                <a:rPr lang="en-US" sz="3600" b="1" dirty="0">
+                  <a:solidFill>
+                    <a:schemeClr val="bg1"/>
+                  </a:solidFill>
+                  <a:latin typeface="Consolas" panose="020B0609020204030204" pitchFamily="49" charset="0"/>
                 </a:rPr>
                 <a:t>	</a:t>
               </a:r>
             </a:p>
             <a:p>
               <a:r>
-                <a:rPr lang="en-US" sz="3900" b="1" dirty="0">
-                  <a:solidFill>
-                    <a:srgbClr val="FEFCE8"/>
-                  </a:solidFill>
-                  <a:latin typeface="Oxygen" panose="02000503000000000000" pitchFamily="2" charset="0"/>
+                <a:rPr lang="en-US" sz="3600" b="1" dirty="0">
+                  <a:solidFill>
+                    <a:schemeClr val="bg1"/>
+                  </a:solidFill>
+                  <a:latin typeface="Consolas" panose="020B0609020204030204" pitchFamily="49" charset="0"/>
                 </a:rPr>
                 <a:t>	components</a:t>
               </a:r>
             </a:p>
             <a:p>
               <a:r>
-                <a:rPr lang="en-US" sz="3900" b="1" dirty="0">
-                  <a:solidFill>
-                    <a:srgbClr val="FEFCE8"/>
-                  </a:solidFill>
-                  <a:latin typeface="Oxygen" panose="02000503000000000000" pitchFamily="2" charset="0"/>
+                <a:rPr lang="en-US" sz="3600" b="1" dirty="0">
+                  <a:solidFill>
+                    <a:schemeClr val="bg1"/>
+                  </a:solidFill>
+                  <a:latin typeface="Consolas" panose="020B0609020204030204" pitchFamily="49" charset="0"/>
                 </a:rPr>
                 <a:t>		Client </a:t>
               </a:r>
               <a:r>
-                <a:rPr lang="en-US" sz="3900" b="1" dirty="0" err="1">
-                  <a:solidFill>
-                    <a:srgbClr val="FEFCE8"/>
-                  </a:solidFill>
-                  <a:latin typeface="Oxygen" panose="02000503000000000000" pitchFamily="2" charset="0"/>
+                <a:rPr lang="en-US" sz="3600" b="1" dirty="0" err="1">
+                  <a:solidFill>
+                    <a:schemeClr val="bg1"/>
+                  </a:solidFill>
+                  <a:latin typeface="Consolas" panose="020B0609020204030204" pitchFamily="49" charset="0"/>
                 </a:rPr>
                 <a:t>client</a:t>
               </a:r>
-              <a:endParaRPr lang="en-US" sz="3900" b="1" dirty="0">
+              <a:endParaRPr lang="en-US" sz="3600" b="1" dirty="0">
                 <a:solidFill>
-                  <a:srgbClr val="FEFCE8"/>
+                  <a:schemeClr val="bg1"/>
                 </a:solidFill>
-                <a:latin typeface="Oxygen" panose="02000503000000000000" pitchFamily="2" charset="0"/>
+                <a:latin typeface="Consolas" panose="020B0609020204030204" pitchFamily="49" charset="0"/>
               </a:endParaRPr>
             </a:p>
             <a:p>
               <a:r>
-                <a:rPr lang="en-US" sz="3900" b="1" dirty="0">
-                  <a:solidFill>
-                    <a:srgbClr val="FEFCE8"/>
-                  </a:solidFill>
-                  <a:latin typeface="Oxygen" panose="02000503000000000000" pitchFamily="2" charset="0"/>
+                <a:rPr lang="en-US" sz="3600" b="1" dirty="0">
+                  <a:solidFill>
+                    <a:schemeClr val="bg1"/>
+                  </a:solidFill>
+                  <a:latin typeface="Consolas" panose="020B0609020204030204" pitchFamily="49" charset="0"/>
                 </a:rPr>
                 <a:t>		Server </a:t>
               </a:r>
               <a:r>
-                <a:rPr lang="en-US" sz="3900" b="1" dirty="0" err="1">
-                  <a:solidFill>
-                    <a:srgbClr val="FEFCE8"/>
-                  </a:solidFill>
-                  <a:latin typeface="Oxygen" panose="02000503000000000000" pitchFamily="2" charset="0"/>
+                <a:rPr lang="en-US" sz="3600" b="1" dirty="0" err="1">
+                  <a:solidFill>
+                    <a:schemeClr val="bg1"/>
+                  </a:solidFill>
+                  <a:latin typeface="Consolas" panose="020B0609020204030204" pitchFamily="49" charset="0"/>
                 </a:rPr>
                 <a:t>server</a:t>
               </a:r>
               <a:br>
-                <a:rPr lang="en-US" sz="3900" b="1" dirty="0">
-                  <a:solidFill>
-                    <a:srgbClr val="FEFCE8"/>
-                  </a:solidFill>
-                  <a:latin typeface="Oxygen" panose="02000503000000000000" pitchFamily="2" charset="0"/>
+                <a:rPr lang="en-US" sz="3600" b="1" dirty="0">
+                  <a:solidFill>
+                    <a:schemeClr val="bg1"/>
+                  </a:solidFill>
+                  <a:latin typeface="Consolas" panose="020B0609020204030204" pitchFamily="49" charset="0"/>
                 </a:rPr>
               </a:br>
               <a:r>
-                <a:rPr lang="en-US" sz="3900" b="1" dirty="0">
-                  <a:solidFill>
-                    <a:srgbClr val="FEFCE8"/>
-                  </a:solidFill>
-                  <a:latin typeface="Oxygen" panose="02000503000000000000" pitchFamily="2" charset="0"/>
+                <a:rPr lang="en-US" sz="3600" b="1" dirty="0">
+                  <a:solidFill>
+                    <a:schemeClr val="bg1"/>
+                  </a:solidFill>
+                  <a:latin typeface="Consolas" panose="020B0609020204030204" pitchFamily="49" charset="0"/>
                 </a:rPr>
                 <a:t>		</a:t>
               </a:r>
             </a:p>
             <a:p>
               <a:r>
-                <a:rPr lang="en-US" sz="3900" b="1" dirty="0">
-                  <a:solidFill>
-                    <a:srgbClr val="FEFCE8"/>
-                  </a:solidFill>
-                  <a:latin typeface="Oxygen" panose="02000503000000000000" pitchFamily="2" charset="0"/>
+                <a:rPr lang="en-US" sz="3600" b="1" dirty="0">
+                  <a:solidFill>
+                    <a:schemeClr val="bg1"/>
+                  </a:solidFill>
+                  <a:latin typeface="Consolas" panose="020B0609020204030204" pitchFamily="49" charset="0"/>
                 </a:rPr>
                 <a:t>	connectors</a:t>
               </a:r>
             </a:p>
             <a:p>
               <a:r>
-                <a:rPr lang="en-US" sz="3900" b="1" dirty="0">
-                  <a:solidFill>
-                    <a:srgbClr val="FEFCE8"/>
-                  </a:solidFill>
-                  <a:latin typeface="Oxygen" panose="02000503000000000000" pitchFamily="2" charset="0"/>
+                <a:rPr lang="en-US" sz="3600" b="1" dirty="0">
+                  <a:solidFill>
+                    <a:schemeClr val="bg1"/>
+                  </a:solidFill>
+                  <a:latin typeface="Consolas" panose="020B0609020204030204" pitchFamily="49" charset="0"/>
                 </a:rPr>
                 <a:t>		</a:t>
               </a:r>
               <a:r>
-                <a:rPr lang="en-US" sz="3900" b="1" dirty="0" err="1">
-                  <a:solidFill>
-                    <a:srgbClr val="FEFCE8"/>
-                  </a:solidFill>
-                  <a:latin typeface="Oxygen" panose="02000503000000000000" pitchFamily="2" charset="0"/>
+                <a:rPr lang="en-US" sz="3600" b="1" dirty="0" err="1">
+                  <a:solidFill>
+                    <a:schemeClr val="bg1"/>
+                  </a:solidFill>
+                  <a:latin typeface="Consolas" panose="020B0609020204030204" pitchFamily="49" charset="0"/>
                 </a:rPr>
                 <a:t>JSONCtr</a:t>
               </a:r>
               <a:r>
-                <a:rPr lang="en-US" sz="3900" b="1" dirty="0">
-                  <a:solidFill>
-                    <a:srgbClr val="FEFCE8"/>
-                  </a:solidFill>
-                  <a:latin typeface="Oxygen" panose="02000503000000000000" pitchFamily="2" charset="0"/>
+                <a:rPr lang="en-US" sz="3600" b="1" dirty="0">
+                  <a:solidFill>
+                    <a:schemeClr val="bg1"/>
+                  </a:solidFill>
+                  <a:latin typeface="Consolas" panose="020B0609020204030204" pitchFamily="49" charset="0"/>
                 </a:rPr>
                 <a:t> </a:t>
               </a:r>
               <a:r>
-                <a:rPr lang="en-US" sz="3900" b="1" dirty="0" err="1">
-                  <a:solidFill>
-                    <a:srgbClr val="FEFCE8"/>
-                  </a:solidFill>
-                  <a:latin typeface="Oxygen" panose="02000503000000000000" pitchFamily="2" charset="0"/>
+                <a:rPr lang="en-US" sz="3600" b="1" dirty="0" err="1">
+                  <a:solidFill>
+                    <a:schemeClr val="bg1"/>
+                  </a:solidFill>
+                  <a:latin typeface="Consolas" panose="020B0609020204030204" pitchFamily="49" charset="0"/>
                 </a:rPr>
                 <a:t>jsonCtr</a:t>
               </a:r>
-              <a:endParaRPr lang="en-US" sz="3900" b="1" dirty="0">
+              <a:endParaRPr lang="en-US" sz="3600" b="1" dirty="0">
                 <a:solidFill>
-                  <a:srgbClr val="FEFCE8"/>
+                  <a:schemeClr val="bg1"/>
                 </a:solidFill>
-                <a:latin typeface="Oxygen" panose="02000503000000000000" pitchFamily="2" charset="0"/>
+                <a:latin typeface="Consolas" panose="020B0609020204030204" pitchFamily="49" charset="0"/>
               </a:endParaRPr>
             </a:p>
             <a:p>
               <a:r>
-                <a:rPr lang="en-US" sz="3900" b="1" dirty="0">
-                  <a:solidFill>
-                    <a:srgbClr val="FEFCE8"/>
-                  </a:solidFill>
-                  <a:latin typeface="Oxygen" panose="02000503000000000000" pitchFamily="2" charset="0"/>
+                <a:rPr lang="en-US" sz="3600" b="1" dirty="0">
+                  <a:solidFill>
+                    <a:schemeClr val="bg1"/>
+                  </a:solidFill>
+                  <a:latin typeface="Consolas" panose="020B0609020204030204" pitchFamily="49" charset="0"/>
                 </a:rPr>
                 <a:t>	</a:t>
               </a:r>
             </a:p>
             <a:p>
               <a:r>
-                <a:rPr lang="en-US" sz="3900" b="1" dirty="0">
-                  <a:solidFill>
-                    <a:srgbClr val="FEFCE8"/>
-                  </a:solidFill>
-                  <a:latin typeface="Oxygen" panose="02000503000000000000" pitchFamily="2" charset="0"/>
+                <a:rPr lang="en-US" sz="3600" b="1" dirty="0">
+                  <a:solidFill>
+                    <a:schemeClr val="bg1"/>
+                  </a:solidFill>
+                  <a:latin typeface="Consolas" panose="020B0609020204030204" pitchFamily="49" charset="0"/>
                 </a:rPr>
                 <a:t>	attachments </a:t>
               </a:r>
             </a:p>
             <a:p>
               <a:r>
-                <a:rPr lang="en-US" sz="3900" b="1" dirty="0">
-                  <a:solidFill>
-                    <a:srgbClr val="FEFCE8"/>
-                  </a:solidFill>
-                  <a:latin typeface="Oxygen" panose="02000503000000000000" pitchFamily="2" charset="0"/>
+                <a:rPr lang="en-US" sz="3600" b="1" dirty="0">
+                  <a:solidFill>
+                    <a:schemeClr val="bg1"/>
+                  </a:solidFill>
+                  <a:latin typeface="Consolas" panose="020B0609020204030204" pitchFamily="49" charset="0"/>
                 </a:rPr>
                 <a:t>		Connect </a:t>
               </a:r>
               <a:r>
-                <a:rPr lang="en-US" sz="3900" b="1" dirty="0" err="1">
-                  <a:solidFill>
-                    <a:srgbClr val="FEFCE8"/>
-                  </a:solidFill>
-                  <a:latin typeface="Oxygen" panose="02000503000000000000" pitchFamily="2" charset="0"/>
+                <a:rPr lang="en-US" sz="3600" b="1" dirty="0" err="1">
+                  <a:solidFill>
+                    <a:schemeClr val="bg1"/>
+                  </a:solidFill>
+                  <a:latin typeface="Consolas" panose="020B0609020204030204" pitchFamily="49" charset="0"/>
                 </a:rPr>
                 <a:t>client.getInfo</a:t>
               </a:r>
               <a:r>
-                <a:rPr lang="en-US" sz="3900" b="1" dirty="0">
-                  <a:solidFill>
-                    <a:srgbClr val="FEFCE8"/>
-                  </a:solidFill>
-                  <a:latin typeface="Oxygen" panose="02000503000000000000" pitchFamily="2" charset="0"/>
+                <a:rPr lang="en-US" sz="3600" b="1" dirty="0">
+                  <a:solidFill>
+                    <a:schemeClr val="bg1"/>
+                  </a:solidFill>
+                  <a:latin typeface="Consolas" panose="020B0609020204030204" pitchFamily="49" charset="0"/>
                 </a:rPr>
                 <a:t> and 				</a:t>
               </a:r>
               <a:r>
-                <a:rPr lang="en-US" sz="3900" b="1" dirty="0" err="1">
-                  <a:solidFill>
-                    <a:srgbClr val="FEFCE8"/>
-                  </a:solidFill>
-                  <a:latin typeface="Oxygen" panose="02000503000000000000" pitchFamily="2" charset="0"/>
+                <a:rPr lang="en-US" sz="3600" b="1" dirty="0" err="1">
+                  <a:solidFill>
+                    <a:schemeClr val="bg1"/>
+                  </a:solidFill>
+                  <a:latin typeface="Consolas" panose="020B0609020204030204" pitchFamily="49" charset="0"/>
                 </a:rPr>
                 <a:t>server.sendInfo</a:t>
               </a:r>
               <a:r>
-                <a:rPr lang="en-US" sz="3900" b="1" dirty="0">
-                  <a:solidFill>
-                    <a:srgbClr val="FEFCE8"/>
-                  </a:solidFill>
-                  <a:latin typeface="Oxygen" panose="02000503000000000000" pitchFamily="2" charset="0"/>
+                <a:rPr lang="en-US" sz="3600" b="1" dirty="0">
+                  <a:solidFill>
+                    <a:schemeClr val="bg1"/>
+                  </a:solidFill>
+                  <a:latin typeface="Consolas" panose="020B0609020204030204" pitchFamily="49" charset="0"/>
                 </a:rPr>
                 <a:t> with </a:t>
               </a:r>
               <a:r>
-                <a:rPr lang="en-US" sz="3900" b="1" dirty="0" err="1">
-                  <a:solidFill>
-                    <a:srgbClr val="FEFCE8"/>
-                  </a:solidFill>
-                  <a:latin typeface="Oxygen" panose="02000503000000000000" pitchFamily="2" charset="0"/>
+                <a:rPr lang="en-US" sz="3600" b="1" dirty="0" err="1">
+                  <a:solidFill>
+                    <a:schemeClr val="bg1"/>
+                  </a:solidFill>
+                  <a:latin typeface="Consolas" panose="020B0609020204030204" pitchFamily="49" charset="0"/>
                 </a:rPr>
                 <a:t>jsonCtr</a:t>
               </a:r>
-              <a:endParaRPr lang="en-US" sz="3900" b="1" dirty="0">
+              <a:endParaRPr lang="en-US" sz="3600" b="1" dirty="0">
                 <a:solidFill>
-                  <a:srgbClr val="FEFCE8"/>
+                  <a:schemeClr val="bg1"/>
                 </a:solidFill>
-                <a:latin typeface="Oxygen" panose="02000503000000000000" pitchFamily="2" charset="0"/>
+                <a:latin typeface="Consolas" panose="020B0609020204030204" pitchFamily="49" charset="0"/>
               </a:endParaRPr>
             </a:p>
             <a:p>
               <a:br>
-                <a:rPr lang="en-US" sz="3900" b="1" dirty="0">
-                  <a:solidFill>
-                    <a:srgbClr val="FEFCE8"/>
-                  </a:solidFill>
-                  <a:latin typeface="Oxygen" panose="02000503000000000000" pitchFamily="2" charset="0"/>
+                <a:rPr lang="en-US" sz="3600" b="1" dirty="0">
+                  <a:solidFill>
+                    <a:schemeClr val="bg1"/>
+                  </a:solidFill>
+                  <a:latin typeface="Consolas" panose="020B0609020204030204" pitchFamily="49" charset="0"/>
                 </a:rPr>
               </a:br>
               <a:r>
-                <a:rPr lang="en-US" sz="3900" b="1" dirty="0">
-                  <a:solidFill>
-                    <a:srgbClr val="FEFCE8"/>
-                  </a:solidFill>
-                  <a:latin typeface="Oxygen" panose="02000503000000000000" pitchFamily="2" charset="0"/>
+                <a:rPr lang="en-US" sz="3600" b="1" dirty="0">
+                  <a:solidFill>
+                    <a:schemeClr val="bg1"/>
+                  </a:solidFill>
+                  <a:latin typeface="Consolas" panose="020B0609020204030204" pitchFamily="49" charset="0"/>
                 </a:rPr>
                 <a:t>	</a:t>
               </a:r>
               <a:r>
-                <a:rPr lang="en-US" sz="3900" b="1" dirty="0" err="1">
-                  <a:solidFill>
-                    <a:srgbClr val="FEFCE8"/>
-                  </a:solidFill>
-                  <a:latin typeface="Oxygen" panose="02000503000000000000" pitchFamily="2" charset="0"/>
+                <a:rPr lang="en-US" sz="3600" b="1" dirty="0" err="1">
+                  <a:solidFill>
+                    <a:schemeClr val="bg1"/>
+                  </a:solidFill>
+                  <a:latin typeface="Consolas" panose="020B0609020204030204" pitchFamily="49" charset="0"/>
                 </a:rPr>
                 <a:t>entryPoints</a:t>
               </a:r>
-              <a:endParaRPr lang="en-US" sz="3900" b="1" dirty="0">
+              <a:endParaRPr lang="en-US" sz="3600" b="1" dirty="0">
                 <a:solidFill>
-                  <a:srgbClr val="FEFCE8"/>
+                  <a:schemeClr val="bg1"/>
                 </a:solidFill>
-                <a:latin typeface="Oxygen" panose="02000503000000000000" pitchFamily="2" charset="0"/>
+                <a:latin typeface="Consolas" panose="020B0609020204030204" pitchFamily="49" charset="0"/>
               </a:endParaRPr>
             </a:p>
             <a:p>
               <a:r>
-                <a:rPr lang="en-US" sz="3900" b="1" dirty="0">
-                  <a:solidFill>
-                    <a:srgbClr val="FEFCE8"/>
-                  </a:solidFill>
-                  <a:latin typeface="Oxygen" panose="02000503000000000000" pitchFamily="2" charset="0"/>
+                <a:rPr lang="en-US" sz="3600" b="1" dirty="0">
+                  <a:solidFill>
+                    <a:schemeClr val="bg1"/>
+                  </a:solidFill>
+                  <a:latin typeface="Consolas" panose="020B0609020204030204" pitchFamily="49" charset="0"/>
                 </a:rPr>
                 <a:t>		Client: start</a:t>
               </a:r>
@@ -8300,9 +8307,9 @@
           <p:grpSpPr>
             <a:xfrm>
               <a:off x="-828674" y="20304197"/>
-              <a:ext cx="31924623" cy="10199816"/>
+              <a:ext cx="31924622" cy="10199816"/>
               <a:chOff x="-830814" y="20307954"/>
-              <a:chExt cx="31924623" cy="10199816"/>
+              <a:chExt cx="31924622" cy="10199816"/>
             </a:xfrm>
           </p:grpSpPr>
           <p:sp>
@@ -8774,8 +8781,8 @@
             </p:nvSpPr>
             <p:spPr>
               <a:xfrm>
-                <a:off x="18927717" y="23708206"/>
-                <a:ext cx="11244725" cy="6093976"/>
+                <a:off x="18966954" y="23345121"/>
+                <a:ext cx="10877607" cy="7017306"/>
               </a:xfrm>
               <a:prstGeom prst="rect">
                 <a:avLst/>
@@ -8935,7 +8942,7 @@
                   <a:t>	</a:t>
                 </a:r>
                 <a:r>
-                  <a:rPr lang="en-US" sz="3000" dirty="0" err="1">
+                  <a:rPr lang="en-US" sz="3000" dirty="0">
                     <a:solidFill>
                       <a:schemeClr val="accent1">
                         <a:lumMod val="75000"/>
@@ -8943,7 +8950,7 @@
                     </a:solidFill>
                     <a:latin typeface="Oxygen" panose="02000503000000000000" pitchFamily="2" charset="0"/>
                   </a:rPr>
-                  <a:t>jfdlkasjfdklasfjs</a:t>
+                  <a:t>Wyvern’s capability-based module system ensures that 	elements only have direct control of capabilities to which 	they have explicit access.</a:t>
                 </a:r>
                 <a:endParaRPr lang="en-US" sz="3000" b="1" dirty="0">
                   <a:solidFill>
@@ -9066,10 +9073,10 @@
             </p:nvGrpSpPr>
             <p:grpSpPr>
               <a:xfrm>
-                <a:off x="18006352" y="21722362"/>
-                <a:ext cx="13087457" cy="1477415"/>
-                <a:chOff x="-4172052" y="22165665"/>
-                <a:chExt cx="12751381" cy="1723158"/>
+                <a:off x="17948975" y="21722361"/>
+                <a:ext cx="13144833" cy="1477415"/>
+                <a:chOff x="-4227956" y="22165664"/>
+                <a:chExt cx="12807284" cy="1723158"/>
               </a:xfrm>
             </p:grpSpPr>
             <p:sp>
@@ -9080,8 +9087,8 @@
               </p:nvSpPr>
               <p:spPr>
                 <a:xfrm rot="10800000">
-                  <a:off x="-4172052" y="22165665"/>
-                  <a:ext cx="12751381" cy="1723158"/>
+                  <a:off x="-4227956" y="22165664"/>
+                  <a:ext cx="12807284" cy="1723158"/>
                 </a:xfrm>
                 <a:prstGeom prst="chevron">
                   <a:avLst/>
@@ -9166,7 +9173,7 @@
             </p:nvSpPr>
             <p:spPr>
               <a:xfrm>
-                <a:off x="8699596" y="23072278"/>
+                <a:off x="8076792" y="23105143"/>
                 <a:ext cx="9022460" cy="1292662"/>
               </a:xfrm>
               <a:prstGeom prst="rect">
@@ -9288,6 +9295,74 @@
                 <a:latin typeface="Oxygen" panose="02000503000000000000" pitchFamily="2" charset="0"/>
               </a:rPr>
               <a:t>Example</a:t>
+            </a:r>
+          </a:p>
+        </p:txBody>
+      </p:sp>
+      <p:sp>
+        <p:nvSpPr>
+          <p:cNvPr id="3" name="TextBox 2"/>
+          <p:cNvSpPr txBox="1"/>
+          <p:nvPr/>
+        </p:nvSpPr>
+        <p:spPr>
+          <a:xfrm>
+            <a:off x="10950198" y="31654165"/>
+            <a:ext cx="8615451" cy="1200329"/>
+          </a:xfrm>
+          <a:prstGeom prst="rect">
+            <a:avLst/>
+          </a:prstGeom>
+          <a:noFill/>
+        </p:spPr>
+        <p:txBody>
+          <a:bodyPr wrap="square" rtlCol="0">
+            <a:spAutoFit/>
+          </a:bodyPr>
+          <a:lstStyle/>
+          <a:p>
+            <a:r>
+              <a:rPr lang="en-US" sz="3600" b="1" dirty="0">
+                <a:solidFill>
+                  <a:srgbClr val="FEFCE8"/>
+                </a:solidFill>
+                <a:latin typeface="Oxygen" panose="02000503000000000000" pitchFamily="2" charset="0"/>
+              </a:rPr>
+              <a:t>CnC elements like components and connectors are Wyvern/Trinity objects. </a:t>
+            </a:r>
+          </a:p>
+        </p:txBody>
+      </p:sp>
+      <p:sp>
+        <p:nvSpPr>
+          <p:cNvPr id="104" name="TextBox 103"/>
+          <p:cNvSpPr txBox="1"/>
+          <p:nvPr/>
+        </p:nvSpPr>
+        <p:spPr>
+          <a:xfrm>
+            <a:off x="9545278" y="34604473"/>
+            <a:ext cx="7391105" cy="1200329"/>
+          </a:xfrm>
+          <a:prstGeom prst="rect">
+            <a:avLst/>
+          </a:prstGeom>
+          <a:noFill/>
+        </p:spPr>
+        <p:txBody>
+          <a:bodyPr wrap="square" rtlCol="0">
+            <a:spAutoFit/>
+          </a:bodyPr>
+          <a:lstStyle/>
+          <a:p>
+            <a:r>
+              <a:rPr lang="en-US" sz="3600" b="1" dirty="0">
+                <a:solidFill>
+                  <a:srgbClr val="FEFCE8"/>
+                </a:solidFill>
+                <a:latin typeface="Oxygen" panose="02000503000000000000" pitchFamily="2" charset="0"/>
+              </a:rPr>
+              <a:t>Client-Server interface functions are provided by the programmer. </a:t>
             </a:r>
           </a:p>
         </p:txBody>

--- a/CMU REUSE 2017 Poster.pptx
+++ b/CMU REUSE 2017 Poster.pptx
@@ -7986,12 +7986,15 @@
                   <a:latin typeface="Consolas" panose="020B0609020204030204" pitchFamily="49" charset="0"/>
                 </a:rPr>
               </a:br>
-              <a:endParaRPr lang="en-US" sz="3400" b="1" dirty="0">
-                <a:solidFill>
-                  <a:schemeClr val="bg1"/>
-                </a:solidFill>
-                <a:latin typeface="Consolas" panose="020B0609020204030204" pitchFamily="49" charset="0"/>
-              </a:endParaRPr>
+              <a:r>
+                <a:rPr lang="en-US" sz="3400" b="1" dirty="0">
+                  <a:solidFill>
+                    <a:schemeClr val="bg1"/>
+                  </a:solidFill>
+                  <a:latin typeface="Consolas" panose="020B0609020204030204" pitchFamily="49" charset="0"/>
+                </a:rPr>
+                <a:t>v</a:t>
+              </a:r>
             </a:p>
           </p:txBody>
         </p:sp>
@@ -8003,8 +8006,8 @@
           </p:nvSpPr>
           <p:spPr>
             <a:xfrm>
-              <a:off x="20103872" y="31750647"/>
-              <a:ext cx="10074861" cy="8402300"/>
+              <a:off x="20328333" y="31224946"/>
+              <a:ext cx="9625940" cy="8402300"/>
             </a:xfrm>
             <a:prstGeom prst="rect">
               <a:avLst/>
@@ -8197,10 +8200,19 @@
                   </a:solidFill>
                   <a:latin typeface="Consolas" panose="020B0609020204030204" pitchFamily="49" charset="0"/>
                 </a:rPr>
-                <a:t>		Connect </a:t>
+                <a:t>		</a:t>
               </a:r>
               <a:r>
-                <a:rPr lang="en-US" sz="3600" b="1" dirty="0" err="1">
+                <a:rPr lang="en-US" sz="3400" b="1" dirty="0">
+                  <a:solidFill>
+                    <a:schemeClr val="bg1"/>
+                  </a:solidFill>
+                  <a:latin typeface="Consolas" panose="020B0609020204030204" pitchFamily="49" charset="0"/>
+                </a:rPr>
+                <a:t>connect </a:t>
+              </a:r>
+              <a:r>
+                <a:rPr lang="en-US" sz="3400" b="1" dirty="0" err="1">
                   <a:solidFill>
                     <a:schemeClr val="bg1"/>
                   </a:solidFill>
@@ -8209,7 +8221,7 @@
                 <a:t>client.getInfo</a:t>
               </a:r>
               <a:r>
-                <a:rPr lang="en-US" sz="3600" b="1" dirty="0">
+                <a:rPr lang="en-US" sz="3400" b="1" dirty="0">
                   <a:solidFill>
                     <a:schemeClr val="bg1"/>
                   </a:solidFill>
@@ -8218,7 +8230,7 @@
                 <a:t> and 				</a:t>
               </a:r>
               <a:r>
-                <a:rPr lang="en-US" sz="3600" b="1" dirty="0" err="1">
+                <a:rPr lang="en-US" sz="3400" b="1" dirty="0" err="1">
                   <a:solidFill>
                     <a:schemeClr val="bg1"/>
                   </a:solidFill>
@@ -8227,7 +8239,7 @@
                 <a:t>server.sendInfo</a:t>
               </a:r>
               <a:r>
-                <a:rPr lang="en-US" sz="3600" b="1" dirty="0">
+                <a:rPr lang="en-US" sz="3400" b="1" dirty="0">
                   <a:solidFill>
                     <a:schemeClr val="bg1"/>
                   </a:solidFill>
@@ -8236,7 +8248,7 @@
                 <a:t> with </a:t>
               </a:r>
               <a:r>
-                <a:rPr lang="en-US" sz="3600" b="1" dirty="0" err="1">
+                <a:rPr lang="en-US" sz="3400" b="1" dirty="0" err="1">
                   <a:solidFill>
                     <a:schemeClr val="bg1"/>
                   </a:solidFill>
@@ -8244,7 +8256,7 @@
                 </a:rPr>
                 <a:t>jsonCtr</a:t>
               </a:r>
-              <a:endParaRPr lang="en-US" sz="3600" b="1" dirty="0">
+              <a:endParaRPr lang="en-US" sz="3400" b="1" dirty="0">
                 <a:solidFill>
                   <a:schemeClr val="bg1"/>
                 </a:solidFill>
@@ -9301,13 +9313,117 @@
       </p:sp>
       <p:sp>
         <p:nvSpPr>
+          <p:cNvPr id="4" name="Speech Bubble: Oval 3"/>
+          <p:cNvSpPr/>
+          <p:nvPr/>
+        </p:nvSpPr>
+        <p:spPr>
+          <a:xfrm>
+            <a:off x="9818485" y="31516775"/>
+            <a:ext cx="9499194" cy="2401928"/>
+          </a:xfrm>
+          <a:prstGeom prst="wedgeEllipseCallout">
+            <a:avLst>
+              <a:gd name="adj1" fmla="val 78699"/>
+              <a:gd name="adj2" fmla="val 25527"/>
+            </a:avLst>
+          </a:prstGeom>
+          <a:solidFill>
+            <a:srgbClr val="FEFCE8">
+              <a:alpha val="32000"/>
+            </a:srgbClr>
+          </a:solidFill>
+          <a:ln>
+            <a:noFill/>
+          </a:ln>
+        </p:spPr>
+        <p:style>
+          <a:lnRef idx="2">
+            <a:schemeClr val="accent1">
+              <a:shade val="50000"/>
+            </a:schemeClr>
+          </a:lnRef>
+          <a:fillRef idx="1">
+            <a:schemeClr val="accent1"/>
+          </a:fillRef>
+          <a:effectRef idx="0">
+            <a:schemeClr val="accent1"/>
+          </a:effectRef>
+          <a:fontRef idx="minor">
+            <a:schemeClr val="lt1"/>
+          </a:fontRef>
+        </p:style>
+        <p:txBody>
+          <a:bodyPr rtlCol="0" anchor="ctr"/>
+          <a:lstStyle/>
+          <a:p>
+            <a:pPr algn="ctr"/>
+            <a:endParaRPr lang="en-US"/>
+          </a:p>
+        </p:txBody>
+      </p:sp>
+      <p:sp>
+        <p:nvSpPr>
+          <p:cNvPr id="108" name="Speech Bubble: Oval 107"/>
+          <p:cNvSpPr/>
+          <p:nvPr/>
+        </p:nvSpPr>
+        <p:spPr>
+          <a:xfrm>
+            <a:off x="10172640" y="37618382"/>
+            <a:ext cx="9545847" cy="4736329"/>
+          </a:xfrm>
+          <a:prstGeom prst="wedgeEllipseCallout">
+            <a:avLst>
+              <a:gd name="adj1" fmla="val -67793"/>
+              <a:gd name="adj2" fmla="val -70671"/>
+            </a:avLst>
+          </a:prstGeom>
+          <a:solidFill>
+            <a:schemeClr val="tx1">
+              <a:lumMod val="20000"/>
+              <a:lumOff val="80000"/>
+              <a:alpha val="32000"/>
+            </a:schemeClr>
+          </a:solidFill>
+          <a:ln>
+            <a:noFill/>
+          </a:ln>
+        </p:spPr>
+        <p:style>
+          <a:lnRef idx="2">
+            <a:schemeClr val="accent1">
+              <a:shade val="50000"/>
+            </a:schemeClr>
+          </a:lnRef>
+          <a:fillRef idx="1">
+            <a:schemeClr val="accent1"/>
+          </a:fillRef>
+          <a:effectRef idx="0">
+            <a:schemeClr val="accent1"/>
+          </a:effectRef>
+          <a:fontRef idx="minor">
+            <a:schemeClr val="lt1"/>
+          </a:fontRef>
+        </p:style>
+        <p:txBody>
+          <a:bodyPr rtlCol="0" anchor="ctr"/>
+          <a:lstStyle/>
+          <a:p>
+            <a:pPr algn="ctr"/>
+            <a:endParaRPr lang="en-US"/>
+          </a:p>
+        </p:txBody>
+      </p:sp>
+      <p:sp>
+        <p:nvSpPr>
           <p:cNvPr id="3" name="TextBox 2"/>
           <p:cNvSpPr txBox="1"/>
           <p:nvPr/>
         </p:nvSpPr>
         <p:spPr>
           <a:xfrm>
-            <a:off x="10950198" y="31654165"/>
+            <a:off x="10262977" y="31996358"/>
             <a:ext cx="8615451" cy="1200329"/>
           </a:xfrm>
           <a:prstGeom prst="rect">
@@ -9321,10 +9437,13 @@
           </a:bodyPr>
           <a:lstStyle/>
           <a:p>
+            <a:pPr algn="ctr"/>
             <a:r>
               <a:rPr lang="en-US" sz="3600" b="1" dirty="0">
                 <a:solidFill>
-                  <a:srgbClr val="FEFCE8"/>
+                  <a:schemeClr val="tx2">
+                    <a:lumMod val="50000"/>
+                  </a:schemeClr>
                 </a:solidFill>
                 <a:latin typeface="Oxygen" panose="02000503000000000000" pitchFamily="2" charset="0"/>
               </a:rPr>
@@ -9341,7 +9460,7 @@
         </p:nvSpPr>
         <p:spPr>
           <a:xfrm>
-            <a:off x="9545278" y="34604473"/>
+            <a:off x="11200631" y="38227043"/>
             <a:ext cx="7391105" cy="1200329"/>
           </a:xfrm>
           <a:prstGeom prst="rect">
@@ -9355,14 +9474,409 @@
           </a:bodyPr>
           <a:lstStyle/>
           <a:p>
+            <a:pPr algn="ctr"/>
             <a:r>
               <a:rPr lang="en-US" sz="3600" b="1" dirty="0">
                 <a:solidFill>
-                  <a:srgbClr val="FEFCE8"/>
+                  <a:schemeClr val="tx2">
+                    <a:lumMod val="50000"/>
+                  </a:schemeClr>
                 </a:solidFill>
                 <a:latin typeface="Oxygen" panose="02000503000000000000" pitchFamily="2" charset="0"/>
               </a:rPr>
-              <a:t>Client-Server interface functions are provided by the programmer. </a:t>
+              <a:t>Client-Server interface functions are provided by the programmer</a:t>
+            </a:r>
+          </a:p>
+        </p:txBody>
+      </p:sp>
+      <p:sp>
+        <p:nvSpPr>
+          <p:cNvPr id="110" name="TextBox 109"/>
+          <p:cNvSpPr txBox="1"/>
+          <p:nvPr/>
+        </p:nvSpPr>
+        <p:spPr>
+          <a:xfrm>
+            <a:off x="10911474" y="39373800"/>
+            <a:ext cx="8455684" cy="2062103"/>
+          </a:xfrm>
+          <a:prstGeom prst="rect">
+            <a:avLst/>
+          </a:prstGeom>
+          <a:noFill/>
+        </p:spPr>
+        <p:txBody>
+          <a:bodyPr wrap="square" rtlCol="0">
+            <a:spAutoFit/>
+          </a:bodyPr>
+          <a:lstStyle/>
+          <a:p>
+            <a:r>
+              <a:rPr lang="en-US" sz="3200" b="1" dirty="0">
+                <a:solidFill>
+                  <a:schemeClr val="bg1"/>
+                </a:solidFill>
+                <a:latin typeface="Consolas" panose="020B0609020204030204" pitchFamily="49" charset="0"/>
+              </a:rPr>
+              <a:t>// Code provided by the programmer</a:t>
+            </a:r>
+          </a:p>
+          <a:p>
+            <a:r>
+              <a:rPr lang="en-US" sz="3200" b="1" dirty="0">
+                <a:solidFill>
+                  <a:schemeClr val="bg1"/>
+                </a:solidFill>
+                <a:latin typeface="Consolas" panose="020B0609020204030204" pitchFamily="49" charset="0"/>
+              </a:rPr>
+              <a:t>// Common between client and server</a:t>
+            </a:r>
+          </a:p>
+          <a:p>
+            <a:r>
+              <a:rPr lang="en-US" sz="3200" b="1" dirty="0">
+                <a:solidFill>
+                  <a:schemeClr val="bg1"/>
+                </a:solidFill>
+                <a:latin typeface="Consolas" panose="020B0609020204030204" pitchFamily="49" charset="0"/>
+              </a:rPr>
+              <a:t>resource type </a:t>
+            </a:r>
+            <a:r>
+              <a:rPr lang="en-US" sz="3200" b="1" dirty="0" err="1">
+                <a:solidFill>
+                  <a:schemeClr val="bg1"/>
+                </a:solidFill>
+                <a:latin typeface="Consolas" panose="020B0609020204030204" pitchFamily="49" charset="0"/>
+              </a:rPr>
+              <a:t>CSIface</a:t>
+            </a:r>
+            <a:endParaRPr lang="en-US" sz="3200" b="1" dirty="0">
+              <a:solidFill>
+                <a:schemeClr val="bg1"/>
+              </a:solidFill>
+              <a:latin typeface="Consolas" panose="020B0609020204030204" pitchFamily="49" charset="0"/>
+            </a:endParaRPr>
+          </a:p>
+          <a:p>
+            <a:r>
+              <a:rPr lang="en-US" sz="3200" b="1" dirty="0">
+                <a:solidFill>
+                  <a:schemeClr val="bg1"/>
+                </a:solidFill>
+                <a:latin typeface="Consolas" panose="020B0609020204030204" pitchFamily="49" charset="0"/>
+              </a:rPr>
+              <a:t>	def </a:t>
+            </a:r>
+            <a:r>
+              <a:rPr lang="en-US" sz="3200" b="1" dirty="0" err="1">
+                <a:solidFill>
+                  <a:schemeClr val="bg1"/>
+                </a:solidFill>
+                <a:latin typeface="Consolas" panose="020B0609020204030204" pitchFamily="49" charset="0"/>
+              </a:rPr>
+              <a:t>getVal</a:t>
+            </a:r>
+            <a:r>
+              <a:rPr lang="en-US" sz="3200" b="1" dirty="0">
+                <a:solidFill>
+                  <a:schemeClr val="bg1"/>
+                </a:solidFill>
+                <a:latin typeface="Consolas" panose="020B0609020204030204" pitchFamily="49" charset="0"/>
+              </a:rPr>
+              <a:t>(</a:t>
+            </a:r>
+            <a:r>
+              <a:rPr lang="en-US" sz="3200" b="1" dirty="0" err="1">
+                <a:solidFill>
+                  <a:schemeClr val="bg1"/>
+                </a:solidFill>
+                <a:latin typeface="Consolas" panose="020B0609020204030204" pitchFamily="49" charset="0"/>
+              </a:rPr>
+              <a:t>key:String</a:t>
+            </a:r>
+            <a:r>
+              <a:rPr lang="en-US" sz="3200" b="1" dirty="0">
+                <a:solidFill>
+                  <a:schemeClr val="bg1"/>
+                </a:solidFill>
+                <a:latin typeface="Consolas" panose="020B0609020204030204" pitchFamily="49" charset="0"/>
+              </a:rPr>
+              <a:t>): String</a:t>
+            </a:r>
+          </a:p>
+        </p:txBody>
+      </p:sp>
+      <p:sp>
+        <p:nvSpPr>
+          <p:cNvPr id="111" name="Speech Bubble: Oval 110"/>
+          <p:cNvSpPr/>
+          <p:nvPr/>
+        </p:nvSpPr>
+        <p:spPr>
+          <a:xfrm>
+            <a:off x="10296097" y="34157064"/>
+            <a:ext cx="5149555" cy="3192270"/>
+          </a:xfrm>
+          <a:prstGeom prst="wedgeEllipseCallout">
+            <a:avLst>
+              <a:gd name="adj1" fmla="val -77897"/>
+              <a:gd name="adj2" fmla="val -23570"/>
+            </a:avLst>
+          </a:prstGeom>
+          <a:solidFill>
+            <a:schemeClr val="tx1">
+              <a:lumMod val="20000"/>
+              <a:lumOff val="80000"/>
+              <a:alpha val="32000"/>
+            </a:schemeClr>
+          </a:solidFill>
+          <a:ln>
+            <a:noFill/>
+          </a:ln>
+        </p:spPr>
+        <p:style>
+          <a:lnRef idx="2">
+            <a:schemeClr val="accent1">
+              <a:shade val="50000"/>
+            </a:schemeClr>
+          </a:lnRef>
+          <a:fillRef idx="1">
+            <a:schemeClr val="accent1"/>
+          </a:fillRef>
+          <a:effectRef idx="0">
+            <a:schemeClr val="accent1"/>
+          </a:effectRef>
+          <a:fontRef idx="minor">
+            <a:schemeClr val="lt1"/>
+          </a:fontRef>
+        </p:style>
+        <p:txBody>
+          <a:bodyPr rtlCol="0" anchor="ctr"/>
+          <a:lstStyle/>
+          <a:p>
+            <a:pPr algn="ctr"/>
+            <a:endParaRPr lang="en-US"/>
+          </a:p>
+        </p:txBody>
+      </p:sp>
+      <p:sp>
+        <p:nvSpPr>
+          <p:cNvPr id="112" name="TextBox 111"/>
+          <p:cNvSpPr txBox="1"/>
+          <p:nvPr/>
+        </p:nvSpPr>
+        <p:spPr>
+          <a:xfrm>
+            <a:off x="10429198" y="34785978"/>
+            <a:ext cx="4883351" cy="1754326"/>
+          </a:xfrm>
+          <a:prstGeom prst="rect">
+            <a:avLst/>
+          </a:prstGeom>
+          <a:noFill/>
+        </p:spPr>
+        <p:txBody>
+          <a:bodyPr wrap="square" rtlCol="0">
+            <a:spAutoFit/>
+          </a:bodyPr>
+          <a:lstStyle/>
+          <a:p>
+            <a:pPr algn="ctr"/>
+            <a:r>
+              <a:rPr lang="en-US" sz="3600" b="1" dirty="0">
+                <a:solidFill>
+                  <a:schemeClr val="tx2">
+                    <a:lumMod val="50000"/>
+                  </a:schemeClr>
+                </a:solidFill>
+                <a:latin typeface="Oxygen" panose="02000503000000000000" pitchFamily="2" charset="0"/>
+              </a:rPr>
+              <a:t>Client does not get direct access to network capabilities</a:t>
+            </a:r>
+            <a:endParaRPr lang="en-US" sz="3200" b="1" dirty="0">
+              <a:solidFill>
+                <a:schemeClr val="tx2">
+                  <a:lumMod val="50000"/>
+                </a:schemeClr>
+              </a:solidFill>
+              <a:latin typeface="Oxygen" panose="02000503000000000000" pitchFamily="2" charset="0"/>
+            </a:endParaRPr>
+          </a:p>
+        </p:txBody>
+      </p:sp>
+      <p:sp>
+        <p:nvSpPr>
+          <p:cNvPr id="114" name="Speech Bubble: Oval 113"/>
+          <p:cNvSpPr/>
+          <p:nvPr/>
+        </p:nvSpPr>
+        <p:spPr>
+          <a:xfrm>
+            <a:off x="16443144" y="34918431"/>
+            <a:ext cx="4447231" cy="2587994"/>
+          </a:xfrm>
+          <a:prstGeom prst="wedgeEllipseCallout">
+            <a:avLst>
+              <a:gd name="adj1" fmla="val 77602"/>
+              <a:gd name="adj2" fmla="val -22321"/>
+            </a:avLst>
+          </a:prstGeom>
+          <a:solidFill>
+            <a:srgbClr val="FEFCE8">
+              <a:alpha val="32000"/>
+            </a:srgbClr>
+          </a:solidFill>
+          <a:ln>
+            <a:noFill/>
+          </a:ln>
+        </p:spPr>
+        <p:style>
+          <a:lnRef idx="2">
+            <a:schemeClr val="accent1">
+              <a:shade val="50000"/>
+            </a:schemeClr>
+          </a:lnRef>
+          <a:fillRef idx="1">
+            <a:schemeClr val="accent1"/>
+          </a:fillRef>
+          <a:effectRef idx="0">
+            <a:schemeClr val="accent1"/>
+          </a:effectRef>
+          <a:fontRef idx="minor">
+            <a:schemeClr val="lt1"/>
+          </a:fontRef>
+        </p:style>
+        <p:txBody>
+          <a:bodyPr rtlCol="0" anchor="ctr"/>
+          <a:lstStyle/>
+          <a:p>
+            <a:pPr algn="ctr"/>
+            <a:endParaRPr lang="en-US"/>
+          </a:p>
+        </p:txBody>
+      </p:sp>
+      <p:sp>
+        <p:nvSpPr>
+          <p:cNvPr id="115" name="TextBox 114"/>
+          <p:cNvSpPr txBox="1"/>
+          <p:nvPr/>
+        </p:nvSpPr>
+        <p:spPr>
+          <a:xfrm>
+            <a:off x="16847228" y="35433394"/>
+            <a:ext cx="3639061" cy="1754326"/>
+          </a:xfrm>
+          <a:prstGeom prst="rect">
+            <a:avLst/>
+          </a:prstGeom>
+          <a:noFill/>
+        </p:spPr>
+        <p:txBody>
+          <a:bodyPr wrap="square" rtlCol="0">
+            <a:spAutoFit/>
+          </a:bodyPr>
+          <a:lstStyle/>
+          <a:p>
+            <a:pPr algn="ctr"/>
+            <a:r>
+              <a:rPr lang="en-US" sz="3600" b="1" dirty="0">
+                <a:solidFill>
+                  <a:schemeClr val="tx2">
+                    <a:lumMod val="50000"/>
+                  </a:schemeClr>
+                </a:solidFill>
+                <a:latin typeface="Oxygen" panose="02000503000000000000" pitchFamily="2" charset="0"/>
+              </a:rPr>
+              <a:t>Code for JSON connector is generated</a:t>
+            </a:r>
+          </a:p>
+        </p:txBody>
+      </p:sp>
+      <p:sp>
+        <p:nvSpPr>
+          <p:cNvPr id="118" name="Speech Bubble: Oval 117"/>
+          <p:cNvSpPr/>
+          <p:nvPr/>
+        </p:nvSpPr>
+        <p:spPr>
+          <a:xfrm>
+            <a:off x="22154205" y="39731746"/>
+            <a:ext cx="3850521" cy="2587994"/>
+          </a:xfrm>
+          <a:prstGeom prst="wedgeEllipseCallout">
+            <a:avLst>
+              <a:gd name="adj1" fmla="val 132791"/>
+              <a:gd name="adj2" fmla="val -122009"/>
+            </a:avLst>
+          </a:prstGeom>
+          <a:solidFill>
+            <a:srgbClr val="FEFCE8">
+              <a:alpha val="32000"/>
+            </a:srgbClr>
+          </a:solidFill>
+          <a:ln>
+            <a:noFill/>
+          </a:ln>
+        </p:spPr>
+        <p:style>
+          <a:lnRef idx="2">
+            <a:schemeClr val="accent1">
+              <a:shade val="50000"/>
+            </a:schemeClr>
+          </a:lnRef>
+          <a:fillRef idx="1">
+            <a:schemeClr val="accent1"/>
+          </a:fillRef>
+          <a:effectRef idx="0">
+            <a:schemeClr val="accent1"/>
+          </a:effectRef>
+          <a:fontRef idx="minor">
+            <a:schemeClr val="lt1"/>
+          </a:fontRef>
+        </p:style>
+        <p:txBody>
+          <a:bodyPr rtlCol="0" anchor="ctr"/>
+          <a:lstStyle/>
+          <a:p>
+            <a:pPr algn="ctr"/>
+            <a:endParaRPr lang="en-US"/>
+          </a:p>
+        </p:txBody>
+      </p:sp>
+      <p:sp>
+        <p:nvSpPr>
+          <p:cNvPr id="124" name="TextBox 123"/>
+          <p:cNvSpPr txBox="1"/>
+          <p:nvPr/>
+        </p:nvSpPr>
+        <p:spPr>
+          <a:xfrm>
+            <a:off x="22681677" y="40085421"/>
+            <a:ext cx="2795575" cy="1754326"/>
+          </a:xfrm>
+          <a:prstGeom prst="rect">
+            <a:avLst/>
+          </a:prstGeom>
+          <a:noFill/>
+        </p:spPr>
+        <p:txBody>
+          <a:bodyPr wrap="square" rtlCol="0">
+            <a:spAutoFit/>
+          </a:bodyPr>
+          <a:lstStyle/>
+          <a:p>
+            <a:pPr algn="ctr"/>
+            <a:r>
+              <a:rPr lang="en-US" sz="3600" b="1" dirty="0">
+                <a:solidFill>
+                  <a:schemeClr val="tx2">
+                    <a:lumMod val="50000"/>
+                  </a:schemeClr>
+                </a:solidFill>
+                <a:latin typeface="Oxygen" panose="02000503000000000000" pitchFamily="2" charset="0"/>
+              </a:rPr>
+              <a:t>Compatible ports are connected</a:t>
             </a:r>
           </a:p>
         </p:txBody>

--- a/CMU REUSE 2017 Poster.pptx
+++ b/CMU REUSE 2017 Poster.pptx
@@ -4776,7 +4776,7 @@
           <p:spPr>
             <a:xfrm>
               <a:off x="17951116" y="4753478"/>
-              <a:ext cx="11784151" cy="7501000"/>
+              <a:ext cx="11784151" cy="7794236"/>
             </a:xfrm>
             <a:prstGeom prst="roundRect">
               <a:avLst/>
@@ -4830,6 +4830,16 @@
               </a:endParaRPr>
             </a:p>
             <a:p>
+              <a:endParaRPr lang="en-US" sz="3200" b="1" dirty="0">
+                <a:solidFill>
+                  <a:schemeClr val="tx2">
+                    <a:lumMod val="50000"/>
+                  </a:schemeClr>
+                </a:solidFill>
+                <a:latin typeface="Oxygen" panose="02000503000000000000" pitchFamily="2" charset="0"/>
+              </a:endParaRPr>
+            </a:p>
+            <a:p>
               <a:r>
                 <a:rPr lang="en-US" sz="3200" b="1" dirty="0">
                   <a:solidFill>
@@ -4840,45 +4850,6 @@
                   <a:latin typeface="Oxygen" panose="02000503000000000000" pitchFamily="2" charset="0"/>
                 </a:rPr>
                 <a:t>Architecture Description Languages (ADLs)</a:t>
-              </a:r>
-            </a:p>
-            <a:p>
-              <a:pPr marL="457200" indent="-457200">
-                <a:buFont typeface="Arial" panose="020B0604020202020204" pitchFamily="34" charset="0"/>
-                <a:buChar char="•"/>
-              </a:pPr>
-              <a:r>
-                <a:rPr lang="en-US" sz="2800" dirty="0">
-                  <a:solidFill>
-                    <a:schemeClr val="tx2">
-                      <a:lumMod val="50000"/>
-                    </a:schemeClr>
-                  </a:solidFill>
-                  <a:latin typeface="Oxygen" panose="02000503000000000000" pitchFamily="2" charset="0"/>
-                </a:rPr>
-                <a:t>(-) </a:t>
-              </a:r>
-              <a:r>
-                <a:rPr lang="en-US" sz="2800" i="1" dirty="0">
-                  <a:solidFill>
-                    <a:schemeClr val="tx2">
-                      <a:lumMod val="50000"/>
-                    </a:schemeClr>
-                  </a:solidFill>
-                  <a:latin typeface="Oxygen" panose="02000503000000000000" pitchFamily="2" charset="0"/>
-                </a:rPr>
-                <a:t>Description:</a:t>
-              </a:r>
-              <a:r>
-                <a:rPr lang="en-US" sz="2800" dirty="0">
-                  <a:solidFill>
-                    <a:schemeClr val="tx2">
-                      <a:lumMod val="50000"/>
-                    </a:schemeClr>
-                  </a:solidFill>
-                  <a:latin typeface="Oxygen" panose="02000503000000000000" pitchFamily="2" charset="0"/>
-                </a:rPr>
-                <a:t>  Inferred by the name, ADLs only describe software architectures; they do not prescribe, or enforce conformance to them</a:t>
               </a:r>
             </a:p>
             <a:p>
@@ -4956,8 +4927,74 @@
                   </a:solidFill>
                   <a:latin typeface="Oxygen" panose="02000503000000000000" pitchFamily="2" charset="0"/>
                 </a:rPr>
-                <a:t>Currently, ADLs are the most formal  mainstream architecture tools available</a:t>
+                <a:t>Currently, ADLs are the most formal  mainstream architecture </a:t>
               </a:r>
+              <a:r>
+                <a:rPr lang="en-US" sz="2800">
+                  <a:solidFill>
+                    <a:schemeClr val="tx2">
+                      <a:lumMod val="50000"/>
+                    </a:schemeClr>
+                  </a:solidFill>
+                  <a:latin typeface="Oxygen" panose="02000503000000000000" pitchFamily="2" charset="0"/>
+                </a:rPr>
+                <a:t>tools available</a:t>
+              </a:r>
+              <a:endParaRPr lang="en-US" sz="2800" dirty="0">
+                <a:solidFill>
+                  <a:schemeClr val="tx2">
+                    <a:lumMod val="50000"/>
+                  </a:schemeClr>
+                </a:solidFill>
+                <a:latin typeface="Oxygen" panose="02000503000000000000" pitchFamily="2" charset="0"/>
+              </a:endParaRPr>
+            </a:p>
+            <a:p>
+              <a:pPr marL="457200" indent="-457200">
+                <a:buFont typeface="Arial" panose="020B0604020202020204" pitchFamily="34" charset="0"/>
+                <a:buChar char="•"/>
+              </a:pPr>
+              <a:r>
+                <a:rPr lang="en-US" sz="2800" dirty="0">
+                  <a:solidFill>
+                    <a:schemeClr val="tx2">
+                      <a:lumMod val="50000"/>
+                    </a:schemeClr>
+                  </a:solidFill>
+                  <a:latin typeface="Oxygen" panose="02000503000000000000" pitchFamily="2" charset="0"/>
+                </a:rPr>
+                <a:t>(-) </a:t>
+              </a:r>
+              <a:r>
+                <a:rPr lang="en-US" sz="2800" i="1" dirty="0">
+                  <a:solidFill>
+                    <a:schemeClr val="tx2">
+                      <a:lumMod val="50000"/>
+                    </a:schemeClr>
+                  </a:solidFill>
+                  <a:latin typeface="Oxygen" panose="02000503000000000000" pitchFamily="2" charset="0"/>
+                </a:rPr>
+                <a:t>Description:</a:t>
+              </a:r>
+              <a:r>
+                <a:rPr lang="en-US" sz="2800" dirty="0">
+                  <a:solidFill>
+                    <a:schemeClr val="tx2">
+                      <a:lumMod val="50000"/>
+                    </a:schemeClr>
+                  </a:solidFill>
+                  <a:latin typeface="Oxygen" panose="02000503000000000000" pitchFamily="2" charset="0"/>
+                </a:rPr>
+                <a:t>  Inferred by the name, ADLs only describe software architectures; they do not prescribe, or enforce conformance to them</a:t>
+              </a:r>
+              <a:endParaRPr lang="en-US" sz="2800" dirty="0">
+                <a:solidFill>
+                  <a:schemeClr val="tx2">
+                    <a:lumMod val="50000"/>
+                  </a:schemeClr>
+                </a:solidFill>
+                <a:latin typeface="Oxygen" panose="02000503000000000000" pitchFamily="2" charset="0"/>
+              </a:endParaRPr>
             </a:p>
             <a:p>
               <a:pPr marL="457200" indent="-457200">
@@ -5030,7 +5067,7 @@
                   </a:solidFill>
                   <a:latin typeface="Oxygen" panose="02000503000000000000" pitchFamily="2" charset="0"/>
                 </a:rPr>
-                <a:t>Conformance: </a:t>
+                <a:t>Conformance:  </a:t>
               </a:r>
               <a:r>
                 <a:rPr lang="en-US" sz="2800" dirty="0">
@@ -5069,7 +5106,7 @@
                   </a:solidFill>
                   <a:latin typeface="Oxygen" panose="02000503000000000000" pitchFamily="2" charset="0"/>
                 </a:rPr>
-                <a:t>Distributed Systems: </a:t>
+                <a:t>Distributed Systems:  </a:t>
               </a:r>
               <a:r>
                 <a:rPr lang="en-US" sz="2800" dirty="0">
@@ -7612,9 +7649,9 @@
             <p:nvPr/>
           </p:nvCxnSpPr>
           <p:spPr>
-            <a:xfrm>
-              <a:off x="20718379" y="12254477"/>
-              <a:ext cx="0" cy="1171005"/>
+            <a:xfrm flipH="1">
+              <a:off x="20718379" y="12559747"/>
+              <a:ext cx="8021" cy="865735"/>
             </a:xfrm>
             <a:prstGeom prst="straightConnector1">
               <a:avLst/>
@@ -8319,9 +8356,9 @@
           <p:grpSpPr>
             <a:xfrm>
               <a:off x="-828674" y="20304197"/>
-              <a:ext cx="31924622" cy="10199816"/>
+              <a:ext cx="31808987" cy="10199816"/>
               <a:chOff x="-830814" y="20307954"/>
-              <a:chExt cx="31924622" cy="10199816"/>
+              <a:chExt cx="31808987" cy="10199816"/>
             </a:xfrm>
           </p:grpSpPr>
           <p:sp>
@@ -8385,10 +8422,10 @@
             </p:nvGrpSpPr>
             <p:grpSpPr>
               <a:xfrm>
-                <a:off x="-736693" y="22974481"/>
-                <a:ext cx="18703510" cy="7060210"/>
-                <a:chOff x="-7634781" y="22718885"/>
-                <a:chExt cx="18703510" cy="7060210"/>
+                <a:off x="-736694" y="22974480"/>
+                <a:ext cx="18703511" cy="7060211"/>
+                <a:chOff x="-7634782" y="22718884"/>
+                <a:chExt cx="18703511" cy="7060211"/>
               </a:xfrm>
             </p:grpSpPr>
             <p:sp>
@@ -8692,10 +8729,10 @@
               </p:nvGrpSpPr>
               <p:grpSpPr>
                 <a:xfrm>
-                  <a:off x="-7634781" y="22718885"/>
-                  <a:ext cx="9328383" cy="1477415"/>
-                  <a:chOff x="-8315203" y="23898600"/>
-                  <a:chExt cx="10190756" cy="1723158"/>
+                  <a:off x="-7634782" y="22718884"/>
+                  <a:ext cx="10095568" cy="1477415"/>
+                  <a:chOff x="-8315204" y="23898599"/>
+                  <a:chExt cx="11028864" cy="1723158"/>
                 </a:xfrm>
               </p:grpSpPr>
               <p:sp>
@@ -8706,8 +8743,8 @@
                 </p:nvSpPr>
                 <p:spPr>
                   <a:xfrm rot="10800000">
-                    <a:off x="-8315203" y="23898600"/>
-                    <a:ext cx="10190756" cy="1723158"/>
+                    <a:off x="-8315204" y="23898599"/>
+                    <a:ext cx="11028864" cy="1723158"/>
                   </a:xfrm>
                   <a:prstGeom prst="chevron">
                     <a:avLst/>
@@ -8757,8 +8794,8 @@
                 </p:nvSpPr>
                 <p:spPr>
                   <a:xfrm>
-                    <a:off x="-6621134" y="24347364"/>
-                    <a:ext cx="7258933" cy="825631"/>
+                    <a:off x="-6621134" y="24273188"/>
+                    <a:ext cx="7934188" cy="915373"/>
                   </a:xfrm>
                   <a:prstGeom prst="rect">
                     <a:avLst/>
@@ -8772,7 +8809,7 @@
                   <a:lstStyle/>
                   <a:p>
                     <a:r>
-                      <a:rPr lang="en-US" sz="4000" b="1" dirty="0">
+                      <a:rPr lang="en-US" sz="4500" b="1" dirty="0">
                         <a:solidFill>
                           <a:schemeClr val="bg1"/>
                         </a:solidFill>
@@ -8793,7 +8830,7 @@
             </p:nvSpPr>
             <p:spPr>
               <a:xfrm>
-                <a:off x="18966954" y="23345121"/>
+                <a:off x="18966954" y="22826490"/>
                 <a:ext cx="10877607" cy="7017306"/>
               </a:xfrm>
               <a:prstGeom prst="rect">
@@ -9085,9 +9122,9 @@
             </p:nvGrpSpPr>
             <p:grpSpPr>
               <a:xfrm>
-                <a:off x="17948975" y="21722361"/>
+                <a:off x="17833340" y="20902692"/>
                 <a:ext cx="13144833" cy="1477415"/>
-                <a:chOff x="-4227956" y="22165664"/>
+                <a:chOff x="-4340621" y="21209656"/>
                 <a:chExt cx="12807284" cy="1723158"/>
               </a:xfrm>
             </p:grpSpPr>
@@ -9099,7 +9136,7 @@
               </p:nvSpPr>
               <p:spPr>
                 <a:xfrm rot="10800000">
-                  <a:off x="-4227956" y="22165664"/>
+                  <a:off x="-4340621" y="21209656"/>
                   <a:ext cx="12807284" cy="1723158"/>
                 </a:xfrm>
                 <a:prstGeom prst="chevron">
@@ -9150,8 +9187,8 @@
               </p:nvSpPr>
               <p:spPr>
                 <a:xfrm>
-                  <a:off x="-1268154" y="22502378"/>
-                  <a:ext cx="9314998" cy="1005116"/>
+                  <a:off x="-1737388" y="21546392"/>
+                  <a:ext cx="7600816" cy="1005116"/>
                 </a:xfrm>
                 <a:prstGeom prst="rect">
                   <a:avLst/>
@@ -9185,7 +9222,7 @@
             </p:nvSpPr>
             <p:spPr>
               <a:xfrm>
-                <a:off x="8076792" y="23105143"/>
+                <a:off x="9122049" y="23039613"/>
                 <a:ext cx="9022460" cy="1292662"/>
               </a:xfrm>
               <a:prstGeom prst="rect">
